--- a/paper/figures/framework2.pptx
+++ b/paper/figures/framework2.pptx
@@ -2,7 +2,7 @@
 <file path=ppt/presentation.xml><?xml version="1.0" encoding="utf-8"?>
 <p:presentation xmlns:a="http://schemas.openxmlformats.org/drawingml/2006/main" xmlns:r="http://schemas.openxmlformats.org/officeDocument/2006/relationships" xmlns:p="http://schemas.openxmlformats.org/presentationml/2006/main" saveSubsetFonts="1">
   <p:sldMasterIdLst>
-    <p:sldMasterId id="2147483648" r:id="rId1"/>
+    <p:sldMasterId id="2147483660" r:id="rId1"/>
   </p:sldMasterIdLst>
   <p:notesMasterIdLst>
     <p:notesMasterId r:id="rId3"/>
@@ -10,13 +10,13 @@
   <p:sldIdLst>
     <p:sldId id="256" r:id="rId2"/>
   </p:sldIdLst>
-  <p:sldSz cx="12192000" cy="6858000"/>
+  <p:sldSz cx="12192000" cy="5778500"/>
   <p:notesSz cx="6858000" cy="9144000"/>
   <p:defaultTextStyle>
     <a:defPPr>
-      <a:defRPr lang="zh-CN"/>
+      <a:defRPr lang="en-US"/>
     </a:defPPr>
-    <a:lvl1pPr marL="0" algn="l" defTabSz="914400" rtl="0" eaLnBrk="1" latinLnBrk="0" hangingPunct="1">
+    <a:lvl1pPr marL="0" algn="l" defTabSz="457200" rtl="0" eaLnBrk="1" latinLnBrk="0" hangingPunct="1">
       <a:defRPr sz="1800" kern="1200">
         <a:solidFill>
           <a:schemeClr val="tx1"/>
@@ -26,7 +26,7 @@
         <a:cs typeface="+mn-cs"/>
       </a:defRPr>
     </a:lvl1pPr>
-    <a:lvl2pPr marL="457200" algn="l" defTabSz="914400" rtl="0" eaLnBrk="1" latinLnBrk="0" hangingPunct="1">
+    <a:lvl2pPr marL="457200" algn="l" defTabSz="457200" rtl="0" eaLnBrk="1" latinLnBrk="0" hangingPunct="1">
       <a:defRPr sz="1800" kern="1200">
         <a:solidFill>
           <a:schemeClr val="tx1"/>
@@ -36,7 +36,7 @@
         <a:cs typeface="+mn-cs"/>
       </a:defRPr>
     </a:lvl2pPr>
-    <a:lvl3pPr marL="914400" algn="l" defTabSz="914400" rtl="0" eaLnBrk="1" latinLnBrk="0" hangingPunct="1">
+    <a:lvl3pPr marL="914400" algn="l" defTabSz="457200" rtl="0" eaLnBrk="1" latinLnBrk="0" hangingPunct="1">
       <a:defRPr sz="1800" kern="1200">
         <a:solidFill>
           <a:schemeClr val="tx1"/>
@@ -46,7 +46,7 @@
         <a:cs typeface="+mn-cs"/>
       </a:defRPr>
     </a:lvl3pPr>
-    <a:lvl4pPr marL="1371600" algn="l" defTabSz="914400" rtl="0" eaLnBrk="1" latinLnBrk="0" hangingPunct="1">
+    <a:lvl4pPr marL="1371600" algn="l" defTabSz="457200" rtl="0" eaLnBrk="1" latinLnBrk="0" hangingPunct="1">
       <a:defRPr sz="1800" kern="1200">
         <a:solidFill>
           <a:schemeClr val="tx1"/>
@@ -56,7 +56,7 @@
         <a:cs typeface="+mn-cs"/>
       </a:defRPr>
     </a:lvl4pPr>
-    <a:lvl5pPr marL="1828800" algn="l" defTabSz="914400" rtl="0" eaLnBrk="1" latinLnBrk="0" hangingPunct="1">
+    <a:lvl5pPr marL="1828800" algn="l" defTabSz="457200" rtl="0" eaLnBrk="1" latinLnBrk="0" hangingPunct="1">
       <a:defRPr sz="1800" kern="1200">
         <a:solidFill>
           <a:schemeClr val="tx1"/>
@@ -66,7 +66,7 @@
         <a:cs typeface="+mn-cs"/>
       </a:defRPr>
     </a:lvl5pPr>
-    <a:lvl6pPr marL="2286000" algn="l" defTabSz="914400" rtl="0" eaLnBrk="1" latinLnBrk="0" hangingPunct="1">
+    <a:lvl6pPr marL="2286000" algn="l" defTabSz="457200" rtl="0" eaLnBrk="1" latinLnBrk="0" hangingPunct="1">
       <a:defRPr sz="1800" kern="1200">
         <a:solidFill>
           <a:schemeClr val="tx1"/>
@@ -76,7 +76,7 @@
         <a:cs typeface="+mn-cs"/>
       </a:defRPr>
     </a:lvl6pPr>
-    <a:lvl7pPr marL="2743200" algn="l" defTabSz="914400" rtl="0" eaLnBrk="1" latinLnBrk="0" hangingPunct="1">
+    <a:lvl7pPr marL="2743200" algn="l" defTabSz="457200" rtl="0" eaLnBrk="1" latinLnBrk="0" hangingPunct="1">
       <a:defRPr sz="1800" kern="1200">
         <a:solidFill>
           <a:schemeClr val="tx1"/>
@@ -86,7 +86,7 @@
         <a:cs typeface="+mn-cs"/>
       </a:defRPr>
     </a:lvl7pPr>
-    <a:lvl8pPr marL="3200400" algn="l" defTabSz="914400" rtl="0" eaLnBrk="1" latinLnBrk="0" hangingPunct="1">
+    <a:lvl8pPr marL="3200400" algn="l" defTabSz="457200" rtl="0" eaLnBrk="1" latinLnBrk="0" hangingPunct="1">
       <a:defRPr sz="1800" kern="1200">
         <a:solidFill>
           <a:schemeClr val="tx1"/>
@@ -96,7 +96,7 @@
         <a:cs typeface="+mn-cs"/>
       </a:defRPr>
     </a:lvl8pPr>
-    <a:lvl9pPr marL="3657600" algn="l" defTabSz="914400" rtl="0" eaLnBrk="1" latinLnBrk="0" hangingPunct="1">
+    <a:lvl9pPr marL="3657600" algn="l" defTabSz="457200" rtl="0" eaLnBrk="1" latinLnBrk="0" hangingPunct="1">
       <a:defRPr sz="1800" kern="1200">
         <a:solidFill>
           <a:schemeClr val="tx1"/>
@@ -197,7 +197,7 @@
           <a:p>
             <a:fld id="{565B4B56-32A4-4E7E-B32C-594EE8F61FCB}" type="datetimeFigureOut">
               <a:rPr lang="zh-CN" altLang="en-US" smtClean="0"/>
-              <a:t>2020/11/27</a:t>
+              <a:t>2020/11/28</a:t>
             </a:fld>
             <a:endParaRPr lang="zh-CN" altLang="en-US"/>
           </a:p>
@@ -215,8 +215,8 @@
         </p:nvSpPr>
         <p:spPr>
           <a:xfrm>
-            <a:off x="685800" y="1143000"/>
-            <a:ext cx="5486400" cy="3086100"/>
+            <a:off x="174625" y="1143000"/>
+            <a:ext cx="6508750" cy="3086100"/>
           </a:xfrm>
           <a:prstGeom prst="rect">
             <a:avLst/>
@@ -491,7 +491,12 @@
             <p:ph type="sldImg"/>
           </p:nvPr>
         </p:nvSpPr>
-        <p:spPr/>
+        <p:spPr>
+          <a:xfrm>
+            <a:off x="174625" y="1143000"/>
+            <a:ext cx="6508750" cy="3086100"/>
+          </a:xfrm>
+        </p:spPr>
       </p:sp>
       <p:sp>
         <p:nvSpPr>
@@ -567,13 +572,7 @@
       </p:grpSpPr>
       <p:sp>
         <p:nvSpPr>
-          <p:cNvPr id="2" name="标题 1">
-            <a:extLst>
-              <a:ext uri="{FF2B5EF4-FFF2-40B4-BE49-F238E27FC236}">
-                <a16:creationId xmlns:a16="http://schemas.microsoft.com/office/drawing/2014/main" id="{EEBA2439-D2CE-48B8-9618-5C6C44D8C2A9}"/>
-              </a:ext>
-            </a:extLst>
-          </p:cNvPr>
+          <p:cNvPr id="2" name="Title 1"/>
           <p:cNvSpPr>
             <a:spLocks noGrp="1"/>
           </p:cNvSpPr>
@@ -583,15 +582,15 @@
         </p:nvSpPr>
         <p:spPr>
           <a:xfrm>
-            <a:off x="1524000" y="1122363"/>
-            <a:ext cx="9144000" cy="2387600"/>
+            <a:off x="1524000" y="945695"/>
+            <a:ext cx="9144000" cy="2011774"/>
           </a:xfrm>
         </p:spPr>
         <p:txBody>
           <a:bodyPr anchor="b"/>
           <a:lstStyle>
             <a:lvl1pPr algn="ctr">
-              <a:defRPr sz="6000"/>
+              <a:defRPr sz="5056"/>
             </a:lvl1pPr>
           </a:lstStyle>
           <a:p>
@@ -599,18 +598,13 @@
               <a:rPr lang="zh-CN" altLang="en-US"/>
               <a:t>单击此处编辑母版标题样式</a:t>
             </a:r>
-          </a:p>
-        </p:txBody>
-      </p:sp>
-      <p:sp>
-        <p:nvSpPr>
-          <p:cNvPr id="3" name="副标题 2">
-            <a:extLst>
-              <a:ext uri="{FF2B5EF4-FFF2-40B4-BE49-F238E27FC236}">
-                <a16:creationId xmlns:a16="http://schemas.microsoft.com/office/drawing/2014/main" id="{3AE268ED-18E6-4951-BA13-44E712A3F948}"/>
-              </a:ext>
-            </a:extLst>
-          </p:cNvPr>
+            <a:endParaRPr lang="en-US" dirty="0"/>
+          </a:p>
+        </p:txBody>
+      </p:sp>
+      <p:sp>
+        <p:nvSpPr>
+          <p:cNvPr id="3" name="Subtitle 2"/>
           <p:cNvSpPr>
             <a:spLocks noGrp="1"/>
           </p:cNvSpPr>
@@ -620,8 +614,8 @@
         </p:nvSpPr>
         <p:spPr>
           <a:xfrm>
-            <a:off x="1524000" y="3602038"/>
-            <a:ext cx="9144000" cy="1655762"/>
+            <a:off x="1524000" y="3035050"/>
+            <a:ext cx="9144000" cy="1395133"/>
           </a:xfrm>
         </p:spPr>
         <p:txBody>
@@ -629,39 +623,39 @@
           <a:lstStyle>
             <a:lvl1pPr marL="0" indent="0" algn="ctr">
               <a:buNone/>
-              <a:defRPr sz="2400"/>
+              <a:defRPr sz="2022"/>
             </a:lvl1pPr>
-            <a:lvl2pPr marL="457200" indent="0" algn="ctr">
+            <a:lvl2pPr marL="385237" indent="0" algn="ctr">
               <a:buNone/>
-              <a:defRPr sz="2000"/>
+              <a:defRPr sz="1685"/>
             </a:lvl2pPr>
-            <a:lvl3pPr marL="914400" indent="0" algn="ctr">
+            <a:lvl3pPr marL="770473" indent="0" algn="ctr">
               <a:buNone/>
-              <a:defRPr sz="1800"/>
+              <a:defRPr sz="1517"/>
             </a:lvl3pPr>
-            <a:lvl4pPr marL="1371600" indent="0" algn="ctr">
+            <a:lvl4pPr marL="1155710" indent="0" algn="ctr">
               <a:buNone/>
-              <a:defRPr sz="1600"/>
+              <a:defRPr sz="1348"/>
             </a:lvl4pPr>
-            <a:lvl5pPr marL="1828800" indent="0" algn="ctr">
+            <a:lvl5pPr marL="1540947" indent="0" algn="ctr">
               <a:buNone/>
-              <a:defRPr sz="1600"/>
+              <a:defRPr sz="1348"/>
             </a:lvl5pPr>
-            <a:lvl6pPr marL="2286000" indent="0" algn="ctr">
+            <a:lvl6pPr marL="1926184" indent="0" algn="ctr">
               <a:buNone/>
-              <a:defRPr sz="1600"/>
+              <a:defRPr sz="1348"/>
             </a:lvl6pPr>
-            <a:lvl7pPr marL="2743200" indent="0" algn="ctr">
+            <a:lvl7pPr marL="2311420" indent="0" algn="ctr">
               <a:buNone/>
-              <a:defRPr sz="1600"/>
+              <a:defRPr sz="1348"/>
             </a:lvl7pPr>
-            <a:lvl8pPr marL="3200400" indent="0" algn="ctr">
+            <a:lvl8pPr marL="2696657" indent="0" algn="ctr">
               <a:buNone/>
-              <a:defRPr sz="1600"/>
+              <a:defRPr sz="1348"/>
             </a:lvl8pPr>
-            <a:lvl9pPr marL="3657600" indent="0" algn="ctr">
+            <a:lvl9pPr marL="3081894" indent="0" algn="ctr">
               <a:buNone/>
-              <a:defRPr sz="1600"/>
+              <a:defRPr sz="1348"/>
             </a:lvl9pPr>
           </a:lstStyle>
           <a:p>
@@ -669,18 +663,13 @@
               <a:rPr lang="zh-CN" altLang="en-US"/>
               <a:t>单击此处编辑母版副标题样式</a:t>
             </a:r>
-          </a:p>
-        </p:txBody>
-      </p:sp>
-      <p:sp>
-        <p:nvSpPr>
-          <p:cNvPr id="4" name="日期占位符 3">
-            <a:extLst>
-              <a:ext uri="{FF2B5EF4-FFF2-40B4-BE49-F238E27FC236}">
-                <a16:creationId xmlns:a16="http://schemas.microsoft.com/office/drawing/2014/main" id="{E930A230-0C8F-425D-B4B9-4303C191D958}"/>
-              </a:ext>
-            </a:extLst>
-          </p:cNvPr>
+            <a:endParaRPr lang="en-US" dirty="0"/>
+          </a:p>
+        </p:txBody>
+      </p:sp>
+      <p:sp>
+        <p:nvSpPr>
+          <p:cNvPr id="4" name="Date Placeholder 3"/>
           <p:cNvSpPr>
             <a:spLocks noGrp="1"/>
           </p:cNvSpPr>
@@ -695,7 +684,7 @@
           <a:p>
             <a:fld id="{A627DF43-A246-43EE-926C-71914852C54A}" type="datetimeFigureOut">
               <a:rPr lang="zh-CN" altLang="en-US" smtClean="0"/>
-              <a:t>2020/11/27</a:t>
+              <a:t>2020/11/28</a:t>
             </a:fld>
             <a:endParaRPr lang="zh-CN" altLang="en-US"/>
           </a:p>
@@ -703,13 +692,7 @@
       </p:sp>
       <p:sp>
         <p:nvSpPr>
-          <p:cNvPr id="5" name="页脚占位符 4">
-            <a:extLst>
-              <a:ext uri="{FF2B5EF4-FFF2-40B4-BE49-F238E27FC236}">
-                <a16:creationId xmlns:a16="http://schemas.microsoft.com/office/drawing/2014/main" id="{6D16FE67-043A-4E69-8913-255DA04F23B2}"/>
-              </a:ext>
-            </a:extLst>
-          </p:cNvPr>
+          <p:cNvPr id="5" name="Footer Placeholder 4"/>
           <p:cNvSpPr>
             <a:spLocks noGrp="1"/>
           </p:cNvSpPr>
@@ -728,13 +711,7 @@
       </p:sp>
       <p:sp>
         <p:nvSpPr>
-          <p:cNvPr id="6" name="灯片编号占位符 5">
-            <a:extLst>
-              <a:ext uri="{FF2B5EF4-FFF2-40B4-BE49-F238E27FC236}">
-                <a16:creationId xmlns:a16="http://schemas.microsoft.com/office/drawing/2014/main" id="{6CEB8DD4-8FEC-4DEE-BC9D-A214500F0113}"/>
-              </a:ext>
-            </a:extLst>
-          </p:cNvPr>
+          <p:cNvPr id="6" name="Slide Number Placeholder 5"/>
           <p:cNvSpPr>
             <a:spLocks noGrp="1"/>
           </p:cNvSpPr>
@@ -758,7 +735,7 @@
     </p:spTree>
     <p:extLst>
       <p:ext uri="{BB962C8B-B14F-4D97-AF65-F5344CB8AC3E}">
-        <p14:creationId xmlns:p14="http://schemas.microsoft.com/office/powerpoint/2010/main" val="1341995473"/>
+        <p14:creationId xmlns:p14="http://schemas.microsoft.com/office/powerpoint/2010/main" val="73324342"/>
       </p:ext>
     </p:extLst>
   </p:cSld>
@@ -787,13 +764,7 @@
       </p:grpSpPr>
       <p:sp>
         <p:nvSpPr>
-          <p:cNvPr id="2" name="标题 1">
-            <a:extLst>
-              <a:ext uri="{FF2B5EF4-FFF2-40B4-BE49-F238E27FC236}">
-                <a16:creationId xmlns:a16="http://schemas.microsoft.com/office/drawing/2014/main" id="{C3B7FCEB-05ED-4D89-87D2-9A390498F3C6}"/>
-              </a:ext>
-            </a:extLst>
-          </p:cNvPr>
+          <p:cNvPr id="2" name="Title 1"/>
           <p:cNvSpPr>
             <a:spLocks noGrp="1"/>
           </p:cNvSpPr>
@@ -810,18 +781,13 @@
               <a:rPr lang="zh-CN" altLang="en-US"/>
               <a:t>单击此处编辑母版标题样式</a:t>
             </a:r>
-          </a:p>
-        </p:txBody>
-      </p:sp>
-      <p:sp>
-        <p:nvSpPr>
-          <p:cNvPr id="3" name="竖排文字占位符 2">
-            <a:extLst>
-              <a:ext uri="{FF2B5EF4-FFF2-40B4-BE49-F238E27FC236}">
-                <a16:creationId xmlns:a16="http://schemas.microsoft.com/office/drawing/2014/main" id="{A91D6A46-72E3-456A-BB9C-0310D508BB45}"/>
-              </a:ext>
-            </a:extLst>
-          </p:cNvPr>
+            <a:endParaRPr lang="en-US" dirty="0"/>
+          </a:p>
+        </p:txBody>
+      </p:sp>
+      <p:sp>
+        <p:nvSpPr>
+          <p:cNvPr id="3" name="Vertical Text Placeholder 2"/>
           <p:cNvSpPr>
             <a:spLocks noGrp="1"/>
           </p:cNvSpPr>
@@ -837,48 +803,43 @@
             <a:pPr lvl="0"/>
             <a:r>
               <a:rPr lang="zh-CN" altLang="en-US"/>
-              <a:t>编辑母版文本样式</a:t>
+              <a:t>单击此处编辑母版文本样式</a:t>
             </a:r>
           </a:p>
           <a:p>
             <a:pPr lvl="1"/>
             <a:r>
               <a:rPr lang="zh-CN" altLang="en-US"/>
-              <a:t>第二级</a:t>
+              <a:t>二级</a:t>
             </a:r>
           </a:p>
           <a:p>
             <a:pPr lvl="2"/>
             <a:r>
               <a:rPr lang="zh-CN" altLang="en-US"/>
-              <a:t>第三级</a:t>
+              <a:t>三级</a:t>
             </a:r>
           </a:p>
           <a:p>
             <a:pPr lvl="3"/>
             <a:r>
               <a:rPr lang="zh-CN" altLang="en-US"/>
-              <a:t>第四级</a:t>
+              <a:t>四级</a:t>
             </a:r>
           </a:p>
           <a:p>
             <a:pPr lvl="4"/>
             <a:r>
               <a:rPr lang="zh-CN" altLang="en-US"/>
-              <a:t>第五级</a:t>
-            </a:r>
-          </a:p>
-        </p:txBody>
-      </p:sp>
-      <p:sp>
-        <p:nvSpPr>
-          <p:cNvPr id="4" name="日期占位符 3">
-            <a:extLst>
-              <a:ext uri="{FF2B5EF4-FFF2-40B4-BE49-F238E27FC236}">
-                <a16:creationId xmlns:a16="http://schemas.microsoft.com/office/drawing/2014/main" id="{A8F69515-CCCE-4EED-A7F4-B3EB490AEFF4}"/>
-              </a:ext>
-            </a:extLst>
-          </p:cNvPr>
+              <a:t>五级</a:t>
+            </a:r>
+            <a:endParaRPr lang="en-US" dirty="0"/>
+          </a:p>
+        </p:txBody>
+      </p:sp>
+      <p:sp>
+        <p:nvSpPr>
+          <p:cNvPr id="4" name="Date Placeholder 3"/>
           <p:cNvSpPr>
             <a:spLocks noGrp="1"/>
           </p:cNvSpPr>
@@ -893,7 +854,7 @@
           <a:p>
             <a:fld id="{A627DF43-A246-43EE-926C-71914852C54A}" type="datetimeFigureOut">
               <a:rPr lang="zh-CN" altLang="en-US" smtClean="0"/>
-              <a:t>2020/11/27</a:t>
+              <a:t>2020/11/28</a:t>
             </a:fld>
             <a:endParaRPr lang="zh-CN" altLang="en-US"/>
           </a:p>
@@ -901,13 +862,7 @@
       </p:sp>
       <p:sp>
         <p:nvSpPr>
-          <p:cNvPr id="5" name="页脚占位符 4">
-            <a:extLst>
-              <a:ext uri="{FF2B5EF4-FFF2-40B4-BE49-F238E27FC236}">
-                <a16:creationId xmlns:a16="http://schemas.microsoft.com/office/drawing/2014/main" id="{AF2DFC39-2F8F-4BD5-84FE-241C9C6F7097}"/>
-              </a:ext>
-            </a:extLst>
-          </p:cNvPr>
+          <p:cNvPr id="5" name="Footer Placeholder 4"/>
           <p:cNvSpPr>
             <a:spLocks noGrp="1"/>
           </p:cNvSpPr>
@@ -926,13 +881,7 @@
       </p:sp>
       <p:sp>
         <p:nvSpPr>
-          <p:cNvPr id="6" name="灯片编号占位符 5">
-            <a:extLst>
-              <a:ext uri="{FF2B5EF4-FFF2-40B4-BE49-F238E27FC236}">
-                <a16:creationId xmlns:a16="http://schemas.microsoft.com/office/drawing/2014/main" id="{BA871F78-A00C-43C1-88E4-64E4C0F6785A}"/>
-              </a:ext>
-            </a:extLst>
-          </p:cNvPr>
+          <p:cNvPr id="6" name="Slide Number Placeholder 5"/>
           <p:cNvSpPr>
             <a:spLocks noGrp="1"/>
           </p:cNvSpPr>
@@ -956,7 +905,7 @@
     </p:spTree>
     <p:extLst>
       <p:ext uri="{BB962C8B-B14F-4D97-AF65-F5344CB8AC3E}">
-        <p14:creationId xmlns:p14="http://schemas.microsoft.com/office/powerpoint/2010/main" val="2752958311"/>
+        <p14:creationId xmlns:p14="http://schemas.microsoft.com/office/powerpoint/2010/main" val="509029366"/>
       </p:ext>
     </p:extLst>
   </p:cSld>
@@ -985,13 +934,7 @@
       </p:grpSpPr>
       <p:sp>
         <p:nvSpPr>
-          <p:cNvPr id="2" name="竖排标题 1">
-            <a:extLst>
-              <a:ext uri="{FF2B5EF4-FFF2-40B4-BE49-F238E27FC236}">
-                <a16:creationId xmlns:a16="http://schemas.microsoft.com/office/drawing/2014/main" id="{510FEA14-322E-4135-AF62-E24023830D53}"/>
-              </a:ext>
-            </a:extLst>
-          </p:cNvPr>
+          <p:cNvPr id="2" name="Vertical Title 1"/>
           <p:cNvSpPr>
             <a:spLocks noGrp="1"/>
           </p:cNvSpPr>
@@ -1001,8 +944,8 @@
         </p:nvSpPr>
         <p:spPr>
           <a:xfrm>
-            <a:off x="8724900" y="365125"/>
-            <a:ext cx="2628900" cy="5811838"/>
+            <a:off x="8724900" y="307651"/>
+            <a:ext cx="2628900" cy="4897012"/>
           </a:xfrm>
         </p:spPr>
         <p:txBody>
@@ -1013,18 +956,13 @@
               <a:rPr lang="zh-CN" altLang="en-US"/>
               <a:t>单击此处编辑母版标题样式</a:t>
             </a:r>
-          </a:p>
-        </p:txBody>
-      </p:sp>
-      <p:sp>
-        <p:nvSpPr>
-          <p:cNvPr id="3" name="竖排文字占位符 2">
-            <a:extLst>
-              <a:ext uri="{FF2B5EF4-FFF2-40B4-BE49-F238E27FC236}">
-                <a16:creationId xmlns:a16="http://schemas.microsoft.com/office/drawing/2014/main" id="{DBE6E6BD-3D0F-48ED-88BC-DC5EC4FFCAFD}"/>
-              </a:ext>
-            </a:extLst>
-          </p:cNvPr>
+            <a:endParaRPr lang="en-US" dirty="0"/>
+          </a:p>
+        </p:txBody>
+      </p:sp>
+      <p:sp>
+        <p:nvSpPr>
+          <p:cNvPr id="3" name="Vertical Text Placeholder 2"/>
           <p:cNvSpPr>
             <a:spLocks noGrp="1"/>
           </p:cNvSpPr>
@@ -1034,8 +972,8 @@
         </p:nvSpPr>
         <p:spPr>
           <a:xfrm>
-            <a:off x="838200" y="365125"/>
-            <a:ext cx="7734300" cy="5811838"/>
+            <a:off x="838200" y="307651"/>
+            <a:ext cx="7734300" cy="4897012"/>
           </a:xfrm>
         </p:spPr>
         <p:txBody>
@@ -1045,48 +983,43 @@
             <a:pPr lvl="0"/>
             <a:r>
               <a:rPr lang="zh-CN" altLang="en-US"/>
-              <a:t>编辑母版文本样式</a:t>
+              <a:t>单击此处编辑母版文本样式</a:t>
             </a:r>
           </a:p>
           <a:p>
             <a:pPr lvl="1"/>
             <a:r>
               <a:rPr lang="zh-CN" altLang="en-US"/>
-              <a:t>第二级</a:t>
+              <a:t>二级</a:t>
             </a:r>
           </a:p>
           <a:p>
             <a:pPr lvl="2"/>
             <a:r>
               <a:rPr lang="zh-CN" altLang="en-US"/>
-              <a:t>第三级</a:t>
+              <a:t>三级</a:t>
             </a:r>
           </a:p>
           <a:p>
             <a:pPr lvl="3"/>
             <a:r>
               <a:rPr lang="zh-CN" altLang="en-US"/>
-              <a:t>第四级</a:t>
+              <a:t>四级</a:t>
             </a:r>
           </a:p>
           <a:p>
             <a:pPr lvl="4"/>
             <a:r>
               <a:rPr lang="zh-CN" altLang="en-US"/>
-              <a:t>第五级</a:t>
-            </a:r>
-          </a:p>
-        </p:txBody>
-      </p:sp>
-      <p:sp>
-        <p:nvSpPr>
-          <p:cNvPr id="4" name="日期占位符 3">
-            <a:extLst>
-              <a:ext uri="{FF2B5EF4-FFF2-40B4-BE49-F238E27FC236}">
-                <a16:creationId xmlns:a16="http://schemas.microsoft.com/office/drawing/2014/main" id="{FACED210-50A8-4E3A-B7FD-3EB14033E751}"/>
-              </a:ext>
-            </a:extLst>
-          </p:cNvPr>
+              <a:t>五级</a:t>
+            </a:r>
+            <a:endParaRPr lang="en-US" dirty="0"/>
+          </a:p>
+        </p:txBody>
+      </p:sp>
+      <p:sp>
+        <p:nvSpPr>
+          <p:cNvPr id="4" name="Date Placeholder 3"/>
           <p:cNvSpPr>
             <a:spLocks noGrp="1"/>
           </p:cNvSpPr>
@@ -1101,7 +1034,7 @@
           <a:p>
             <a:fld id="{A627DF43-A246-43EE-926C-71914852C54A}" type="datetimeFigureOut">
               <a:rPr lang="zh-CN" altLang="en-US" smtClean="0"/>
-              <a:t>2020/11/27</a:t>
+              <a:t>2020/11/28</a:t>
             </a:fld>
             <a:endParaRPr lang="zh-CN" altLang="en-US"/>
           </a:p>
@@ -1109,13 +1042,7 @@
       </p:sp>
       <p:sp>
         <p:nvSpPr>
-          <p:cNvPr id="5" name="页脚占位符 4">
-            <a:extLst>
-              <a:ext uri="{FF2B5EF4-FFF2-40B4-BE49-F238E27FC236}">
-                <a16:creationId xmlns:a16="http://schemas.microsoft.com/office/drawing/2014/main" id="{4362AED5-EE1D-4780-8D52-51183734C14E}"/>
-              </a:ext>
-            </a:extLst>
-          </p:cNvPr>
+          <p:cNvPr id="5" name="Footer Placeholder 4"/>
           <p:cNvSpPr>
             <a:spLocks noGrp="1"/>
           </p:cNvSpPr>
@@ -1134,13 +1061,7 @@
       </p:sp>
       <p:sp>
         <p:nvSpPr>
-          <p:cNvPr id="6" name="灯片编号占位符 5">
-            <a:extLst>
-              <a:ext uri="{FF2B5EF4-FFF2-40B4-BE49-F238E27FC236}">
-                <a16:creationId xmlns:a16="http://schemas.microsoft.com/office/drawing/2014/main" id="{EA280D4F-04F3-46B9-9DE2-A1FC1DDA9EC0}"/>
-              </a:ext>
-            </a:extLst>
-          </p:cNvPr>
+          <p:cNvPr id="6" name="Slide Number Placeholder 5"/>
           <p:cNvSpPr>
             <a:spLocks noGrp="1"/>
           </p:cNvSpPr>
@@ -1164,7 +1085,7 @@
     </p:spTree>
     <p:extLst>
       <p:ext uri="{BB962C8B-B14F-4D97-AF65-F5344CB8AC3E}">
-        <p14:creationId xmlns:p14="http://schemas.microsoft.com/office/powerpoint/2010/main" val="3997636439"/>
+        <p14:creationId xmlns:p14="http://schemas.microsoft.com/office/powerpoint/2010/main" val="3646526863"/>
       </p:ext>
     </p:extLst>
   </p:cSld>
@@ -1193,13 +1114,7 @@
       </p:grpSpPr>
       <p:sp>
         <p:nvSpPr>
-          <p:cNvPr id="2" name="标题 1">
-            <a:extLst>
-              <a:ext uri="{FF2B5EF4-FFF2-40B4-BE49-F238E27FC236}">
-                <a16:creationId xmlns:a16="http://schemas.microsoft.com/office/drawing/2014/main" id="{D93C3C70-ACCA-4152-AAC1-9032C7DE140B}"/>
-              </a:ext>
-            </a:extLst>
-          </p:cNvPr>
+          <p:cNvPr id="2" name="Title 1"/>
           <p:cNvSpPr>
             <a:spLocks noGrp="1"/>
           </p:cNvSpPr>
@@ -1216,18 +1131,13 @@
               <a:rPr lang="zh-CN" altLang="en-US"/>
               <a:t>单击此处编辑母版标题样式</a:t>
             </a:r>
-          </a:p>
-        </p:txBody>
-      </p:sp>
-      <p:sp>
-        <p:nvSpPr>
-          <p:cNvPr id="3" name="内容占位符 2">
-            <a:extLst>
-              <a:ext uri="{FF2B5EF4-FFF2-40B4-BE49-F238E27FC236}">
-                <a16:creationId xmlns:a16="http://schemas.microsoft.com/office/drawing/2014/main" id="{5BE5EB56-DC90-459B-89F8-475003167AB4}"/>
-              </a:ext>
-            </a:extLst>
-          </p:cNvPr>
+            <a:endParaRPr lang="en-US" dirty="0"/>
+          </a:p>
+        </p:txBody>
+      </p:sp>
+      <p:sp>
+        <p:nvSpPr>
+          <p:cNvPr id="3" name="Content Placeholder 2"/>
           <p:cNvSpPr>
             <a:spLocks noGrp="1"/>
           </p:cNvSpPr>
@@ -1243,48 +1153,43 @@
             <a:pPr lvl="0"/>
             <a:r>
               <a:rPr lang="zh-CN" altLang="en-US"/>
-              <a:t>编辑母版文本样式</a:t>
+              <a:t>单击此处编辑母版文本样式</a:t>
             </a:r>
           </a:p>
           <a:p>
             <a:pPr lvl="1"/>
             <a:r>
               <a:rPr lang="zh-CN" altLang="en-US"/>
-              <a:t>第二级</a:t>
+              <a:t>二级</a:t>
             </a:r>
           </a:p>
           <a:p>
             <a:pPr lvl="2"/>
             <a:r>
               <a:rPr lang="zh-CN" altLang="en-US"/>
-              <a:t>第三级</a:t>
+              <a:t>三级</a:t>
             </a:r>
           </a:p>
           <a:p>
             <a:pPr lvl="3"/>
             <a:r>
               <a:rPr lang="zh-CN" altLang="en-US"/>
-              <a:t>第四级</a:t>
+              <a:t>四级</a:t>
             </a:r>
           </a:p>
           <a:p>
             <a:pPr lvl="4"/>
             <a:r>
               <a:rPr lang="zh-CN" altLang="en-US"/>
-              <a:t>第五级</a:t>
-            </a:r>
-          </a:p>
-        </p:txBody>
-      </p:sp>
-      <p:sp>
-        <p:nvSpPr>
-          <p:cNvPr id="4" name="日期占位符 3">
-            <a:extLst>
-              <a:ext uri="{FF2B5EF4-FFF2-40B4-BE49-F238E27FC236}">
-                <a16:creationId xmlns:a16="http://schemas.microsoft.com/office/drawing/2014/main" id="{36A8B7EE-9B60-48AF-AC0D-9D986247CFDF}"/>
-              </a:ext>
-            </a:extLst>
-          </p:cNvPr>
+              <a:t>五级</a:t>
+            </a:r>
+            <a:endParaRPr lang="en-US" dirty="0"/>
+          </a:p>
+        </p:txBody>
+      </p:sp>
+      <p:sp>
+        <p:nvSpPr>
+          <p:cNvPr id="4" name="Date Placeholder 3"/>
           <p:cNvSpPr>
             <a:spLocks noGrp="1"/>
           </p:cNvSpPr>
@@ -1299,7 +1204,7 @@
           <a:p>
             <a:fld id="{A627DF43-A246-43EE-926C-71914852C54A}" type="datetimeFigureOut">
               <a:rPr lang="zh-CN" altLang="en-US" smtClean="0"/>
-              <a:t>2020/11/27</a:t>
+              <a:t>2020/11/28</a:t>
             </a:fld>
             <a:endParaRPr lang="zh-CN" altLang="en-US"/>
           </a:p>
@@ -1307,13 +1212,7 @@
       </p:sp>
       <p:sp>
         <p:nvSpPr>
-          <p:cNvPr id="5" name="页脚占位符 4">
-            <a:extLst>
-              <a:ext uri="{FF2B5EF4-FFF2-40B4-BE49-F238E27FC236}">
-                <a16:creationId xmlns:a16="http://schemas.microsoft.com/office/drawing/2014/main" id="{E3FD073C-2E06-4B8F-BE65-54C185DAEE1A}"/>
-              </a:ext>
-            </a:extLst>
-          </p:cNvPr>
+          <p:cNvPr id="5" name="Footer Placeholder 4"/>
           <p:cNvSpPr>
             <a:spLocks noGrp="1"/>
           </p:cNvSpPr>
@@ -1332,13 +1231,7 @@
       </p:sp>
       <p:sp>
         <p:nvSpPr>
-          <p:cNvPr id="6" name="灯片编号占位符 5">
-            <a:extLst>
-              <a:ext uri="{FF2B5EF4-FFF2-40B4-BE49-F238E27FC236}">
-                <a16:creationId xmlns:a16="http://schemas.microsoft.com/office/drawing/2014/main" id="{C5AE3386-D7F8-418B-AE3E-D41CAFD485FD}"/>
-              </a:ext>
-            </a:extLst>
-          </p:cNvPr>
+          <p:cNvPr id="6" name="Slide Number Placeholder 5"/>
           <p:cNvSpPr>
             <a:spLocks noGrp="1"/>
           </p:cNvSpPr>
@@ -1362,7 +1255,7 @@
     </p:spTree>
     <p:extLst>
       <p:ext uri="{BB962C8B-B14F-4D97-AF65-F5344CB8AC3E}">
-        <p14:creationId xmlns:p14="http://schemas.microsoft.com/office/powerpoint/2010/main" val="515126705"/>
+        <p14:creationId xmlns:p14="http://schemas.microsoft.com/office/powerpoint/2010/main" val="3042229778"/>
       </p:ext>
     </p:extLst>
   </p:cSld>
@@ -1391,13 +1284,7 @@
       </p:grpSpPr>
       <p:sp>
         <p:nvSpPr>
-          <p:cNvPr id="2" name="标题 1">
-            <a:extLst>
-              <a:ext uri="{FF2B5EF4-FFF2-40B4-BE49-F238E27FC236}">
-                <a16:creationId xmlns:a16="http://schemas.microsoft.com/office/drawing/2014/main" id="{2D8F611B-AB37-487C-8AB3-E1DA29A04B44}"/>
-              </a:ext>
-            </a:extLst>
-          </p:cNvPr>
+          <p:cNvPr id="2" name="Title 1"/>
           <p:cNvSpPr>
             <a:spLocks noGrp="1"/>
           </p:cNvSpPr>
@@ -1407,15 +1294,15 @@
         </p:nvSpPr>
         <p:spPr>
           <a:xfrm>
-            <a:off x="831850" y="1709738"/>
-            <a:ext cx="10515600" cy="2852737"/>
+            <a:off x="831850" y="1440613"/>
+            <a:ext cx="10515600" cy="2403695"/>
           </a:xfrm>
         </p:spPr>
         <p:txBody>
           <a:bodyPr anchor="b"/>
           <a:lstStyle>
             <a:lvl1pPr>
-              <a:defRPr sz="6000"/>
+              <a:defRPr sz="5056"/>
             </a:lvl1pPr>
           </a:lstStyle>
           <a:p>
@@ -1423,18 +1310,13 @@
               <a:rPr lang="zh-CN" altLang="en-US"/>
               <a:t>单击此处编辑母版标题样式</a:t>
             </a:r>
-          </a:p>
-        </p:txBody>
-      </p:sp>
-      <p:sp>
-        <p:nvSpPr>
-          <p:cNvPr id="3" name="文本占位符 2">
-            <a:extLst>
-              <a:ext uri="{FF2B5EF4-FFF2-40B4-BE49-F238E27FC236}">
-                <a16:creationId xmlns:a16="http://schemas.microsoft.com/office/drawing/2014/main" id="{1395AFCF-CDFD-4D6C-8903-359FDD0E245D}"/>
-              </a:ext>
-            </a:extLst>
-          </p:cNvPr>
+            <a:endParaRPr lang="en-US" dirty="0"/>
+          </a:p>
+        </p:txBody>
+      </p:sp>
+      <p:sp>
+        <p:nvSpPr>
+          <p:cNvPr id="3" name="Text Placeholder 2"/>
           <p:cNvSpPr>
             <a:spLocks noGrp="1"/>
           </p:cNvSpPr>
@@ -1444,8 +1326,8 @@
         </p:nvSpPr>
         <p:spPr>
           <a:xfrm>
-            <a:off x="831850" y="4589463"/>
-            <a:ext cx="10515600" cy="1500187"/>
+            <a:off x="831850" y="3867048"/>
+            <a:ext cx="10515600" cy="1264046"/>
           </a:xfrm>
         </p:spPr>
         <p:txBody>
@@ -1453,7 +1335,7 @@
           <a:lstStyle>
             <a:lvl1pPr marL="0" indent="0">
               <a:buNone/>
-              <a:defRPr sz="2400">
+              <a:defRPr sz="2022">
                 <a:solidFill>
                   <a:schemeClr val="tx1">
                     <a:tint val="75000"/>
@@ -1461,9 +1343,9 @@
                 </a:solidFill>
               </a:defRPr>
             </a:lvl1pPr>
-            <a:lvl2pPr marL="457200" indent="0">
+            <a:lvl2pPr marL="385237" indent="0">
               <a:buNone/>
-              <a:defRPr sz="2000">
+              <a:defRPr sz="1685">
                 <a:solidFill>
                   <a:schemeClr val="tx1">
                     <a:tint val="75000"/>
@@ -1471,9 +1353,9 @@
                 </a:solidFill>
               </a:defRPr>
             </a:lvl2pPr>
-            <a:lvl3pPr marL="914400" indent="0">
+            <a:lvl3pPr marL="770473" indent="0">
               <a:buNone/>
-              <a:defRPr sz="1800">
+              <a:defRPr sz="1517">
                 <a:solidFill>
                   <a:schemeClr val="tx1">
                     <a:tint val="75000"/>
@@ -1481,9 +1363,9 @@
                 </a:solidFill>
               </a:defRPr>
             </a:lvl3pPr>
-            <a:lvl4pPr marL="1371600" indent="0">
+            <a:lvl4pPr marL="1155710" indent="0">
               <a:buNone/>
-              <a:defRPr sz="1600">
+              <a:defRPr sz="1348">
                 <a:solidFill>
                   <a:schemeClr val="tx1">
                     <a:tint val="75000"/>
@@ -1491,9 +1373,9 @@
                 </a:solidFill>
               </a:defRPr>
             </a:lvl4pPr>
-            <a:lvl5pPr marL="1828800" indent="0">
+            <a:lvl5pPr marL="1540947" indent="0">
               <a:buNone/>
-              <a:defRPr sz="1600">
+              <a:defRPr sz="1348">
                 <a:solidFill>
                   <a:schemeClr val="tx1">
                     <a:tint val="75000"/>
@@ -1501,9 +1383,9 @@
                 </a:solidFill>
               </a:defRPr>
             </a:lvl5pPr>
-            <a:lvl6pPr marL="2286000" indent="0">
+            <a:lvl6pPr marL="1926184" indent="0">
               <a:buNone/>
-              <a:defRPr sz="1600">
+              <a:defRPr sz="1348">
                 <a:solidFill>
                   <a:schemeClr val="tx1">
                     <a:tint val="75000"/>
@@ -1511,9 +1393,9 @@
                 </a:solidFill>
               </a:defRPr>
             </a:lvl6pPr>
-            <a:lvl7pPr marL="2743200" indent="0">
+            <a:lvl7pPr marL="2311420" indent="0">
               <a:buNone/>
-              <a:defRPr sz="1600">
+              <a:defRPr sz="1348">
                 <a:solidFill>
                   <a:schemeClr val="tx1">
                     <a:tint val="75000"/>
@@ -1521,9 +1403,9 @@
                 </a:solidFill>
               </a:defRPr>
             </a:lvl7pPr>
-            <a:lvl8pPr marL="3200400" indent="0">
+            <a:lvl8pPr marL="2696657" indent="0">
               <a:buNone/>
-              <a:defRPr sz="1600">
+              <a:defRPr sz="1348">
                 <a:solidFill>
                   <a:schemeClr val="tx1">
                     <a:tint val="75000"/>
@@ -1531,9 +1413,9 @@
                 </a:solidFill>
               </a:defRPr>
             </a:lvl8pPr>
-            <a:lvl9pPr marL="3657600" indent="0">
+            <a:lvl9pPr marL="3081894" indent="0">
               <a:buNone/>
-              <a:defRPr sz="1600">
+              <a:defRPr sz="1348">
                 <a:solidFill>
                   <a:schemeClr val="tx1">
                     <a:tint val="75000"/>
@@ -1546,20 +1428,14 @@
             <a:pPr lvl="0"/>
             <a:r>
               <a:rPr lang="zh-CN" altLang="en-US"/>
-              <a:t>编辑母版文本样式</a:t>
-            </a:r>
-          </a:p>
-        </p:txBody>
-      </p:sp>
-      <p:sp>
-        <p:nvSpPr>
-          <p:cNvPr id="4" name="日期占位符 3">
-            <a:extLst>
-              <a:ext uri="{FF2B5EF4-FFF2-40B4-BE49-F238E27FC236}">
-                <a16:creationId xmlns:a16="http://schemas.microsoft.com/office/drawing/2014/main" id="{166E9741-3732-4EED-8429-CEEEDB3A69EE}"/>
-              </a:ext>
-            </a:extLst>
-          </p:cNvPr>
+              <a:t>单击此处编辑母版文本样式</a:t>
+            </a:r>
+          </a:p>
+        </p:txBody>
+      </p:sp>
+      <p:sp>
+        <p:nvSpPr>
+          <p:cNvPr id="4" name="Date Placeholder 3"/>
           <p:cNvSpPr>
             <a:spLocks noGrp="1"/>
           </p:cNvSpPr>
@@ -1574,7 +1450,7 @@
           <a:p>
             <a:fld id="{A627DF43-A246-43EE-926C-71914852C54A}" type="datetimeFigureOut">
               <a:rPr lang="zh-CN" altLang="en-US" smtClean="0"/>
-              <a:t>2020/11/27</a:t>
+              <a:t>2020/11/28</a:t>
             </a:fld>
             <a:endParaRPr lang="zh-CN" altLang="en-US"/>
           </a:p>
@@ -1582,13 +1458,7 @@
       </p:sp>
       <p:sp>
         <p:nvSpPr>
-          <p:cNvPr id="5" name="页脚占位符 4">
-            <a:extLst>
-              <a:ext uri="{FF2B5EF4-FFF2-40B4-BE49-F238E27FC236}">
-                <a16:creationId xmlns:a16="http://schemas.microsoft.com/office/drawing/2014/main" id="{51D58A68-308D-4FEE-B550-B50F11B1083A}"/>
-              </a:ext>
-            </a:extLst>
-          </p:cNvPr>
+          <p:cNvPr id="5" name="Footer Placeholder 4"/>
           <p:cNvSpPr>
             <a:spLocks noGrp="1"/>
           </p:cNvSpPr>
@@ -1607,13 +1477,7 @@
       </p:sp>
       <p:sp>
         <p:nvSpPr>
-          <p:cNvPr id="6" name="灯片编号占位符 5">
-            <a:extLst>
-              <a:ext uri="{FF2B5EF4-FFF2-40B4-BE49-F238E27FC236}">
-                <a16:creationId xmlns:a16="http://schemas.microsoft.com/office/drawing/2014/main" id="{D75FA56E-037B-4B66-8D40-37E08419D0E7}"/>
-              </a:ext>
-            </a:extLst>
-          </p:cNvPr>
+          <p:cNvPr id="6" name="Slide Number Placeholder 5"/>
           <p:cNvSpPr>
             <a:spLocks noGrp="1"/>
           </p:cNvSpPr>
@@ -1637,7 +1501,7 @@
     </p:spTree>
     <p:extLst>
       <p:ext uri="{BB962C8B-B14F-4D97-AF65-F5344CB8AC3E}">
-        <p14:creationId xmlns:p14="http://schemas.microsoft.com/office/powerpoint/2010/main" val="1173577599"/>
+        <p14:creationId xmlns:p14="http://schemas.microsoft.com/office/powerpoint/2010/main" val="3316803400"/>
       </p:ext>
     </p:extLst>
   </p:cSld>
@@ -1666,13 +1530,7 @@
       </p:grpSpPr>
       <p:sp>
         <p:nvSpPr>
-          <p:cNvPr id="2" name="标题 1">
-            <a:extLst>
-              <a:ext uri="{FF2B5EF4-FFF2-40B4-BE49-F238E27FC236}">
-                <a16:creationId xmlns:a16="http://schemas.microsoft.com/office/drawing/2014/main" id="{E24F726A-3BC8-42EE-A0B7-DFC2106048D5}"/>
-              </a:ext>
-            </a:extLst>
-          </p:cNvPr>
+          <p:cNvPr id="2" name="Title 1"/>
           <p:cNvSpPr>
             <a:spLocks noGrp="1"/>
           </p:cNvSpPr>
@@ -1689,18 +1547,13 @@
               <a:rPr lang="zh-CN" altLang="en-US"/>
               <a:t>单击此处编辑母版标题样式</a:t>
             </a:r>
-          </a:p>
-        </p:txBody>
-      </p:sp>
-      <p:sp>
-        <p:nvSpPr>
-          <p:cNvPr id="3" name="内容占位符 2">
-            <a:extLst>
-              <a:ext uri="{FF2B5EF4-FFF2-40B4-BE49-F238E27FC236}">
-                <a16:creationId xmlns:a16="http://schemas.microsoft.com/office/drawing/2014/main" id="{85EA3BCC-9A06-4C69-AB2C-AEBEA968F5CE}"/>
-              </a:ext>
-            </a:extLst>
-          </p:cNvPr>
+            <a:endParaRPr lang="en-US" dirty="0"/>
+          </a:p>
+        </p:txBody>
+      </p:sp>
+      <p:sp>
+        <p:nvSpPr>
+          <p:cNvPr id="3" name="Content Placeholder 2"/>
           <p:cNvSpPr>
             <a:spLocks noGrp="1"/>
           </p:cNvSpPr>
@@ -1710,8 +1563,8 @@
         </p:nvSpPr>
         <p:spPr>
           <a:xfrm>
-            <a:off x="838200" y="1825625"/>
-            <a:ext cx="5181600" cy="4351338"/>
+            <a:off x="838200" y="1538258"/>
+            <a:ext cx="5181600" cy="3666405"/>
           </a:xfrm>
         </p:spPr>
         <p:txBody>
@@ -1721,48 +1574,43 @@
             <a:pPr lvl="0"/>
             <a:r>
               <a:rPr lang="zh-CN" altLang="en-US"/>
-              <a:t>编辑母版文本样式</a:t>
+              <a:t>单击此处编辑母版文本样式</a:t>
             </a:r>
           </a:p>
           <a:p>
             <a:pPr lvl="1"/>
             <a:r>
               <a:rPr lang="zh-CN" altLang="en-US"/>
-              <a:t>第二级</a:t>
+              <a:t>二级</a:t>
             </a:r>
           </a:p>
           <a:p>
             <a:pPr lvl="2"/>
             <a:r>
               <a:rPr lang="zh-CN" altLang="en-US"/>
-              <a:t>第三级</a:t>
+              <a:t>三级</a:t>
             </a:r>
           </a:p>
           <a:p>
             <a:pPr lvl="3"/>
             <a:r>
               <a:rPr lang="zh-CN" altLang="en-US"/>
-              <a:t>第四级</a:t>
+              <a:t>四级</a:t>
             </a:r>
           </a:p>
           <a:p>
             <a:pPr lvl="4"/>
             <a:r>
               <a:rPr lang="zh-CN" altLang="en-US"/>
-              <a:t>第五级</a:t>
-            </a:r>
-          </a:p>
-        </p:txBody>
-      </p:sp>
-      <p:sp>
-        <p:nvSpPr>
-          <p:cNvPr id="4" name="内容占位符 3">
-            <a:extLst>
-              <a:ext uri="{FF2B5EF4-FFF2-40B4-BE49-F238E27FC236}">
-                <a16:creationId xmlns:a16="http://schemas.microsoft.com/office/drawing/2014/main" id="{E43B2166-A086-40B5-9FE0-0BD1D724A7FE}"/>
-              </a:ext>
-            </a:extLst>
-          </p:cNvPr>
+              <a:t>五级</a:t>
+            </a:r>
+            <a:endParaRPr lang="en-US" dirty="0"/>
+          </a:p>
+        </p:txBody>
+      </p:sp>
+      <p:sp>
+        <p:nvSpPr>
+          <p:cNvPr id="4" name="Content Placeholder 3"/>
           <p:cNvSpPr>
             <a:spLocks noGrp="1"/>
           </p:cNvSpPr>
@@ -1772,8 +1620,8 @@
         </p:nvSpPr>
         <p:spPr>
           <a:xfrm>
-            <a:off x="6172200" y="1825625"/>
-            <a:ext cx="5181600" cy="4351338"/>
+            <a:off x="6172200" y="1538258"/>
+            <a:ext cx="5181600" cy="3666405"/>
           </a:xfrm>
         </p:spPr>
         <p:txBody>
@@ -1783,48 +1631,43 @@
             <a:pPr lvl="0"/>
             <a:r>
               <a:rPr lang="zh-CN" altLang="en-US"/>
-              <a:t>编辑母版文本样式</a:t>
+              <a:t>单击此处编辑母版文本样式</a:t>
             </a:r>
           </a:p>
           <a:p>
             <a:pPr lvl="1"/>
             <a:r>
               <a:rPr lang="zh-CN" altLang="en-US"/>
-              <a:t>第二级</a:t>
+              <a:t>二级</a:t>
             </a:r>
           </a:p>
           <a:p>
             <a:pPr lvl="2"/>
             <a:r>
               <a:rPr lang="zh-CN" altLang="en-US"/>
-              <a:t>第三级</a:t>
+              <a:t>三级</a:t>
             </a:r>
           </a:p>
           <a:p>
             <a:pPr lvl="3"/>
             <a:r>
               <a:rPr lang="zh-CN" altLang="en-US"/>
-              <a:t>第四级</a:t>
+              <a:t>四级</a:t>
             </a:r>
           </a:p>
           <a:p>
             <a:pPr lvl="4"/>
             <a:r>
               <a:rPr lang="zh-CN" altLang="en-US"/>
-              <a:t>第五级</a:t>
-            </a:r>
-          </a:p>
-        </p:txBody>
-      </p:sp>
-      <p:sp>
-        <p:nvSpPr>
-          <p:cNvPr id="5" name="日期占位符 4">
-            <a:extLst>
-              <a:ext uri="{FF2B5EF4-FFF2-40B4-BE49-F238E27FC236}">
-                <a16:creationId xmlns:a16="http://schemas.microsoft.com/office/drawing/2014/main" id="{55A7984C-4ABA-47DC-BB92-54A5F0150C7C}"/>
-              </a:ext>
-            </a:extLst>
-          </p:cNvPr>
+              <a:t>五级</a:t>
+            </a:r>
+            <a:endParaRPr lang="en-US" dirty="0"/>
+          </a:p>
+        </p:txBody>
+      </p:sp>
+      <p:sp>
+        <p:nvSpPr>
+          <p:cNvPr id="5" name="Date Placeholder 4"/>
           <p:cNvSpPr>
             <a:spLocks noGrp="1"/>
           </p:cNvSpPr>
@@ -1839,7 +1682,7 @@
           <a:p>
             <a:fld id="{A627DF43-A246-43EE-926C-71914852C54A}" type="datetimeFigureOut">
               <a:rPr lang="zh-CN" altLang="en-US" smtClean="0"/>
-              <a:t>2020/11/27</a:t>
+              <a:t>2020/11/28</a:t>
             </a:fld>
             <a:endParaRPr lang="zh-CN" altLang="en-US"/>
           </a:p>
@@ -1847,13 +1690,7 @@
       </p:sp>
       <p:sp>
         <p:nvSpPr>
-          <p:cNvPr id="6" name="页脚占位符 5">
-            <a:extLst>
-              <a:ext uri="{FF2B5EF4-FFF2-40B4-BE49-F238E27FC236}">
-                <a16:creationId xmlns:a16="http://schemas.microsoft.com/office/drawing/2014/main" id="{86FE228C-F582-4A75-BF0D-7986848DE0F9}"/>
-              </a:ext>
-            </a:extLst>
-          </p:cNvPr>
+          <p:cNvPr id="6" name="Footer Placeholder 5"/>
           <p:cNvSpPr>
             <a:spLocks noGrp="1"/>
           </p:cNvSpPr>
@@ -1872,13 +1709,7 @@
       </p:sp>
       <p:sp>
         <p:nvSpPr>
-          <p:cNvPr id="7" name="灯片编号占位符 6">
-            <a:extLst>
-              <a:ext uri="{FF2B5EF4-FFF2-40B4-BE49-F238E27FC236}">
-                <a16:creationId xmlns:a16="http://schemas.microsoft.com/office/drawing/2014/main" id="{03E4854E-ADEE-4089-860C-07B2368954C8}"/>
-              </a:ext>
-            </a:extLst>
-          </p:cNvPr>
+          <p:cNvPr id="7" name="Slide Number Placeholder 6"/>
           <p:cNvSpPr>
             <a:spLocks noGrp="1"/>
           </p:cNvSpPr>
@@ -1902,7 +1733,7 @@
     </p:spTree>
     <p:extLst>
       <p:ext uri="{BB962C8B-B14F-4D97-AF65-F5344CB8AC3E}">
-        <p14:creationId xmlns:p14="http://schemas.microsoft.com/office/powerpoint/2010/main" val="3638511772"/>
+        <p14:creationId xmlns:p14="http://schemas.microsoft.com/office/powerpoint/2010/main" val="1588387158"/>
       </p:ext>
     </p:extLst>
   </p:cSld>
@@ -1931,13 +1762,7 @@
       </p:grpSpPr>
       <p:sp>
         <p:nvSpPr>
-          <p:cNvPr id="2" name="标题 1">
-            <a:extLst>
-              <a:ext uri="{FF2B5EF4-FFF2-40B4-BE49-F238E27FC236}">
-                <a16:creationId xmlns:a16="http://schemas.microsoft.com/office/drawing/2014/main" id="{246AF7DF-859A-4E23-80CD-301D7F80A5F6}"/>
-              </a:ext>
-            </a:extLst>
-          </p:cNvPr>
+          <p:cNvPr id="2" name="Title 1"/>
           <p:cNvSpPr>
             <a:spLocks noGrp="1"/>
           </p:cNvSpPr>
@@ -1947,8 +1772,8 @@
         </p:nvSpPr>
         <p:spPr>
           <a:xfrm>
-            <a:off x="839788" y="365125"/>
-            <a:ext cx="10515600" cy="1325563"/>
+            <a:off x="839788" y="307652"/>
+            <a:ext cx="10515600" cy="1116910"/>
           </a:xfrm>
         </p:spPr>
         <p:txBody>
@@ -1959,18 +1784,13 @@
               <a:rPr lang="zh-CN" altLang="en-US"/>
               <a:t>单击此处编辑母版标题样式</a:t>
             </a:r>
-          </a:p>
-        </p:txBody>
-      </p:sp>
-      <p:sp>
-        <p:nvSpPr>
-          <p:cNvPr id="3" name="文本占位符 2">
-            <a:extLst>
-              <a:ext uri="{FF2B5EF4-FFF2-40B4-BE49-F238E27FC236}">
-                <a16:creationId xmlns:a16="http://schemas.microsoft.com/office/drawing/2014/main" id="{8BCEB1B4-AA09-43D2-9A47-D968AFCC43A0}"/>
-              </a:ext>
-            </a:extLst>
-          </p:cNvPr>
+            <a:endParaRPr lang="en-US" dirty="0"/>
+          </a:p>
+        </p:txBody>
+      </p:sp>
+      <p:sp>
+        <p:nvSpPr>
+          <p:cNvPr id="3" name="Text Placeholder 2"/>
           <p:cNvSpPr>
             <a:spLocks noGrp="1"/>
           </p:cNvSpPr>
@@ -1980,8 +1800,8 @@
         </p:nvSpPr>
         <p:spPr>
           <a:xfrm>
-            <a:off x="839788" y="1681163"/>
-            <a:ext cx="5157787" cy="823912"/>
+            <a:off x="839789" y="1416536"/>
+            <a:ext cx="5157787" cy="694222"/>
           </a:xfrm>
         </p:spPr>
         <p:txBody>
@@ -1989,59 +1809,53 @@
           <a:lstStyle>
             <a:lvl1pPr marL="0" indent="0">
               <a:buNone/>
-              <a:defRPr sz="2400" b="1"/>
+              <a:defRPr sz="2022" b="1"/>
             </a:lvl1pPr>
-            <a:lvl2pPr marL="457200" indent="0">
+            <a:lvl2pPr marL="385237" indent="0">
               <a:buNone/>
-              <a:defRPr sz="2000" b="1"/>
+              <a:defRPr sz="1685" b="1"/>
             </a:lvl2pPr>
-            <a:lvl3pPr marL="914400" indent="0">
+            <a:lvl3pPr marL="770473" indent="0">
               <a:buNone/>
-              <a:defRPr sz="1800" b="1"/>
+              <a:defRPr sz="1517" b="1"/>
             </a:lvl3pPr>
-            <a:lvl4pPr marL="1371600" indent="0">
+            <a:lvl4pPr marL="1155710" indent="0">
               <a:buNone/>
-              <a:defRPr sz="1600" b="1"/>
+              <a:defRPr sz="1348" b="1"/>
             </a:lvl4pPr>
-            <a:lvl5pPr marL="1828800" indent="0">
+            <a:lvl5pPr marL="1540947" indent="0">
               <a:buNone/>
-              <a:defRPr sz="1600" b="1"/>
+              <a:defRPr sz="1348" b="1"/>
             </a:lvl5pPr>
-            <a:lvl6pPr marL="2286000" indent="0">
+            <a:lvl6pPr marL="1926184" indent="0">
               <a:buNone/>
-              <a:defRPr sz="1600" b="1"/>
+              <a:defRPr sz="1348" b="1"/>
             </a:lvl6pPr>
-            <a:lvl7pPr marL="2743200" indent="0">
+            <a:lvl7pPr marL="2311420" indent="0">
               <a:buNone/>
-              <a:defRPr sz="1600" b="1"/>
+              <a:defRPr sz="1348" b="1"/>
             </a:lvl7pPr>
-            <a:lvl8pPr marL="3200400" indent="0">
+            <a:lvl8pPr marL="2696657" indent="0">
               <a:buNone/>
-              <a:defRPr sz="1600" b="1"/>
+              <a:defRPr sz="1348" b="1"/>
             </a:lvl8pPr>
-            <a:lvl9pPr marL="3657600" indent="0">
+            <a:lvl9pPr marL="3081894" indent="0">
               <a:buNone/>
-              <a:defRPr sz="1600" b="1"/>
+              <a:defRPr sz="1348" b="1"/>
             </a:lvl9pPr>
           </a:lstStyle>
           <a:p>
             <a:pPr lvl="0"/>
             <a:r>
               <a:rPr lang="zh-CN" altLang="en-US"/>
-              <a:t>编辑母版文本样式</a:t>
-            </a:r>
-          </a:p>
-        </p:txBody>
-      </p:sp>
-      <p:sp>
-        <p:nvSpPr>
-          <p:cNvPr id="4" name="内容占位符 3">
-            <a:extLst>
-              <a:ext uri="{FF2B5EF4-FFF2-40B4-BE49-F238E27FC236}">
-                <a16:creationId xmlns:a16="http://schemas.microsoft.com/office/drawing/2014/main" id="{1550F4A0-39A0-472B-B3D7-17A5229B4EAD}"/>
-              </a:ext>
-            </a:extLst>
-          </p:cNvPr>
+              <a:t>单击此处编辑母版文本样式</a:t>
+            </a:r>
+          </a:p>
+        </p:txBody>
+      </p:sp>
+      <p:sp>
+        <p:nvSpPr>
+          <p:cNvPr id="4" name="Content Placeholder 3"/>
           <p:cNvSpPr>
             <a:spLocks noGrp="1"/>
           </p:cNvSpPr>
@@ -2051,8 +1865,8 @@
         </p:nvSpPr>
         <p:spPr>
           <a:xfrm>
-            <a:off x="839788" y="2505075"/>
-            <a:ext cx="5157787" cy="3684588"/>
+            <a:off x="839789" y="2110757"/>
+            <a:ext cx="5157787" cy="3104607"/>
           </a:xfrm>
         </p:spPr>
         <p:txBody>
@@ -2062,48 +1876,43 @@
             <a:pPr lvl="0"/>
             <a:r>
               <a:rPr lang="zh-CN" altLang="en-US"/>
-              <a:t>编辑母版文本样式</a:t>
+              <a:t>单击此处编辑母版文本样式</a:t>
             </a:r>
           </a:p>
           <a:p>
             <a:pPr lvl="1"/>
             <a:r>
               <a:rPr lang="zh-CN" altLang="en-US"/>
-              <a:t>第二级</a:t>
+              <a:t>二级</a:t>
             </a:r>
           </a:p>
           <a:p>
             <a:pPr lvl="2"/>
             <a:r>
               <a:rPr lang="zh-CN" altLang="en-US"/>
-              <a:t>第三级</a:t>
+              <a:t>三级</a:t>
             </a:r>
           </a:p>
           <a:p>
             <a:pPr lvl="3"/>
             <a:r>
               <a:rPr lang="zh-CN" altLang="en-US"/>
-              <a:t>第四级</a:t>
+              <a:t>四级</a:t>
             </a:r>
           </a:p>
           <a:p>
             <a:pPr lvl="4"/>
             <a:r>
               <a:rPr lang="zh-CN" altLang="en-US"/>
-              <a:t>第五级</a:t>
-            </a:r>
-          </a:p>
-        </p:txBody>
-      </p:sp>
-      <p:sp>
-        <p:nvSpPr>
-          <p:cNvPr id="5" name="文本占位符 4">
-            <a:extLst>
-              <a:ext uri="{FF2B5EF4-FFF2-40B4-BE49-F238E27FC236}">
-                <a16:creationId xmlns:a16="http://schemas.microsoft.com/office/drawing/2014/main" id="{89B8A363-6E1F-499C-A23D-9E5F236B3001}"/>
-              </a:ext>
-            </a:extLst>
-          </p:cNvPr>
+              <a:t>五级</a:t>
+            </a:r>
+            <a:endParaRPr lang="en-US" dirty="0"/>
+          </a:p>
+        </p:txBody>
+      </p:sp>
+      <p:sp>
+        <p:nvSpPr>
+          <p:cNvPr id="5" name="Text Placeholder 4"/>
           <p:cNvSpPr>
             <a:spLocks noGrp="1"/>
           </p:cNvSpPr>
@@ -2113,8 +1922,8 @@
         </p:nvSpPr>
         <p:spPr>
           <a:xfrm>
-            <a:off x="6172200" y="1681163"/>
-            <a:ext cx="5183188" cy="823912"/>
+            <a:off x="6172200" y="1416536"/>
+            <a:ext cx="5183188" cy="694222"/>
           </a:xfrm>
         </p:spPr>
         <p:txBody>
@@ -2122,59 +1931,53 @@
           <a:lstStyle>
             <a:lvl1pPr marL="0" indent="0">
               <a:buNone/>
-              <a:defRPr sz="2400" b="1"/>
+              <a:defRPr sz="2022" b="1"/>
             </a:lvl1pPr>
-            <a:lvl2pPr marL="457200" indent="0">
+            <a:lvl2pPr marL="385237" indent="0">
               <a:buNone/>
-              <a:defRPr sz="2000" b="1"/>
+              <a:defRPr sz="1685" b="1"/>
             </a:lvl2pPr>
-            <a:lvl3pPr marL="914400" indent="0">
+            <a:lvl3pPr marL="770473" indent="0">
               <a:buNone/>
-              <a:defRPr sz="1800" b="1"/>
+              <a:defRPr sz="1517" b="1"/>
             </a:lvl3pPr>
-            <a:lvl4pPr marL="1371600" indent="0">
+            <a:lvl4pPr marL="1155710" indent="0">
               <a:buNone/>
-              <a:defRPr sz="1600" b="1"/>
+              <a:defRPr sz="1348" b="1"/>
             </a:lvl4pPr>
-            <a:lvl5pPr marL="1828800" indent="0">
+            <a:lvl5pPr marL="1540947" indent="0">
               <a:buNone/>
-              <a:defRPr sz="1600" b="1"/>
+              <a:defRPr sz="1348" b="1"/>
             </a:lvl5pPr>
-            <a:lvl6pPr marL="2286000" indent="0">
+            <a:lvl6pPr marL="1926184" indent="0">
               <a:buNone/>
-              <a:defRPr sz="1600" b="1"/>
+              <a:defRPr sz="1348" b="1"/>
             </a:lvl6pPr>
-            <a:lvl7pPr marL="2743200" indent="0">
+            <a:lvl7pPr marL="2311420" indent="0">
               <a:buNone/>
-              <a:defRPr sz="1600" b="1"/>
+              <a:defRPr sz="1348" b="1"/>
             </a:lvl7pPr>
-            <a:lvl8pPr marL="3200400" indent="0">
+            <a:lvl8pPr marL="2696657" indent="0">
               <a:buNone/>
-              <a:defRPr sz="1600" b="1"/>
+              <a:defRPr sz="1348" b="1"/>
             </a:lvl8pPr>
-            <a:lvl9pPr marL="3657600" indent="0">
+            <a:lvl9pPr marL="3081894" indent="0">
               <a:buNone/>
-              <a:defRPr sz="1600" b="1"/>
+              <a:defRPr sz="1348" b="1"/>
             </a:lvl9pPr>
           </a:lstStyle>
           <a:p>
             <a:pPr lvl="0"/>
             <a:r>
               <a:rPr lang="zh-CN" altLang="en-US"/>
-              <a:t>编辑母版文本样式</a:t>
-            </a:r>
-          </a:p>
-        </p:txBody>
-      </p:sp>
-      <p:sp>
-        <p:nvSpPr>
-          <p:cNvPr id="6" name="内容占位符 5">
-            <a:extLst>
-              <a:ext uri="{FF2B5EF4-FFF2-40B4-BE49-F238E27FC236}">
-                <a16:creationId xmlns:a16="http://schemas.microsoft.com/office/drawing/2014/main" id="{BA81D946-BF3C-44A2-8EED-85BD58BDAA4B}"/>
-              </a:ext>
-            </a:extLst>
-          </p:cNvPr>
+              <a:t>单击此处编辑母版文本样式</a:t>
+            </a:r>
+          </a:p>
+        </p:txBody>
+      </p:sp>
+      <p:sp>
+        <p:nvSpPr>
+          <p:cNvPr id="6" name="Content Placeholder 5"/>
           <p:cNvSpPr>
             <a:spLocks noGrp="1"/>
           </p:cNvSpPr>
@@ -2184,8 +1987,8 @@
         </p:nvSpPr>
         <p:spPr>
           <a:xfrm>
-            <a:off x="6172200" y="2505075"/>
-            <a:ext cx="5183188" cy="3684588"/>
+            <a:off x="6172200" y="2110757"/>
+            <a:ext cx="5183188" cy="3104607"/>
           </a:xfrm>
         </p:spPr>
         <p:txBody>
@@ -2195,48 +1998,43 @@
             <a:pPr lvl="0"/>
             <a:r>
               <a:rPr lang="zh-CN" altLang="en-US"/>
-              <a:t>编辑母版文本样式</a:t>
+              <a:t>单击此处编辑母版文本样式</a:t>
             </a:r>
           </a:p>
           <a:p>
             <a:pPr lvl="1"/>
             <a:r>
               <a:rPr lang="zh-CN" altLang="en-US"/>
-              <a:t>第二级</a:t>
+              <a:t>二级</a:t>
             </a:r>
           </a:p>
           <a:p>
             <a:pPr lvl="2"/>
             <a:r>
               <a:rPr lang="zh-CN" altLang="en-US"/>
-              <a:t>第三级</a:t>
+              <a:t>三级</a:t>
             </a:r>
           </a:p>
           <a:p>
             <a:pPr lvl="3"/>
             <a:r>
               <a:rPr lang="zh-CN" altLang="en-US"/>
-              <a:t>第四级</a:t>
+              <a:t>四级</a:t>
             </a:r>
           </a:p>
           <a:p>
             <a:pPr lvl="4"/>
             <a:r>
               <a:rPr lang="zh-CN" altLang="en-US"/>
-              <a:t>第五级</a:t>
-            </a:r>
-          </a:p>
-        </p:txBody>
-      </p:sp>
-      <p:sp>
-        <p:nvSpPr>
-          <p:cNvPr id="7" name="日期占位符 6">
-            <a:extLst>
-              <a:ext uri="{FF2B5EF4-FFF2-40B4-BE49-F238E27FC236}">
-                <a16:creationId xmlns:a16="http://schemas.microsoft.com/office/drawing/2014/main" id="{C4918BFF-920D-43D2-80E5-69E4E3446DCC}"/>
-              </a:ext>
-            </a:extLst>
-          </p:cNvPr>
+              <a:t>五级</a:t>
+            </a:r>
+            <a:endParaRPr lang="en-US" dirty="0"/>
+          </a:p>
+        </p:txBody>
+      </p:sp>
+      <p:sp>
+        <p:nvSpPr>
+          <p:cNvPr id="7" name="Date Placeholder 6"/>
           <p:cNvSpPr>
             <a:spLocks noGrp="1"/>
           </p:cNvSpPr>
@@ -2251,7 +2049,7 @@
           <a:p>
             <a:fld id="{A627DF43-A246-43EE-926C-71914852C54A}" type="datetimeFigureOut">
               <a:rPr lang="zh-CN" altLang="en-US" smtClean="0"/>
-              <a:t>2020/11/27</a:t>
+              <a:t>2020/11/28</a:t>
             </a:fld>
             <a:endParaRPr lang="zh-CN" altLang="en-US"/>
           </a:p>
@@ -2259,13 +2057,7 @@
       </p:sp>
       <p:sp>
         <p:nvSpPr>
-          <p:cNvPr id="8" name="页脚占位符 7">
-            <a:extLst>
-              <a:ext uri="{FF2B5EF4-FFF2-40B4-BE49-F238E27FC236}">
-                <a16:creationId xmlns:a16="http://schemas.microsoft.com/office/drawing/2014/main" id="{440AB539-E8CF-4FF2-8364-5DA9085223FD}"/>
-              </a:ext>
-            </a:extLst>
-          </p:cNvPr>
+          <p:cNvPr id="8" name="Footer Placeholder 7"/>
           <p:cNvSpPr>
             <a:spLocks noGrp="1"/>
           </p:cNvSpPr>
@@ -2284,13 +2076,7 @@
       </p:sp>
       <p:sp>
         <p:nvSpPr>
-          <p:cNvPr id="9" name="灯片编号占位符 8">
-            <a:extLst>
-              <a:ext uri="{FF2B5EF4-FFF2-40B4-BE49-F238E27FC236}">
-                <a16:creationId xmlns:a16="http://schemas.microsoft.com/office/drawing/2014/main" id="{440A16FB-3AD6-49B8-9E3F-A6498AFCC947}"/>
-              </a:ext>
-            </a:extLst>
-          </p:cNvPr>
+          <p:cNvPr id="9" name="Slide Number Placeholder 8"/>
           <p:cNvSpPr>
             <a:spLocks noGrp="1"/>
           </p:cNvSpPr>
@@ -2314,7 +2100,7 @@
     </p:spTree>
     <p:extLst>
       <p:ext uri="{BB962C8B-B14F-4D97-AF65-F5344CB8AC3E}">
-        <p14:creationId xmlns:p14="http://schemas.microsoft.com/office/powerpoint/2010/main" val="2821083853"/>
+        <p14:creationId xmlns:p14="http://schemas.microsoft.com/office/powerpoint/2010/main" val="3724750544"/>
       </p:ext>
     </p:extLst>
   </p:cSld>
@@ -2343,13 +2129,7 @@
       </p:grpSpPr>
       <p:sp>
         <p:nvSpPr>
-          <p:cNvPr id="2" name="标题 1">
-            <a:extLst>
-              <a:ext uri="{FF2B5EF4-FFF2-40B4-BE49-F238E27FC236}">
-                <a16:creationId xmlns:a16="http://schemas.microsoft.com/office/drawing/2014/main" id="{5C54C621-3451-4F6F-A5FB-E45D52645B51}"/>
-              </a:ext>
-            </a:extLst>
-          </p:cNvPr>
+          <p:cNvPr id="2" name="Title 1"/>
           <p:cNvSpPr>
             <a:spLocks noGrp="1"/>
           </p:cNvSpPr>
@@ -2366,18 +2146,13 @@
               <a:rPr lang="zh-CN" altLang="en-US"/>
               <a:t>单击此处编辑母版标题样式</a:t>
             </a:r>
-          </a:p>
-        </p:txBody>
-      </p:sp>
-      <p:sp>
-        <p:nvSpPr>
-          <p:cNvPr id="3" name="日期占位符 2">
-            <a:extLst>
-              <a:ext uri="{FF2B5EF4-FFF2-40B4-BE49-F238E27FC236}">
-                <a16:creationId xmlns:a16="http://schemas.microsoft.com/office/drawing/2014/main" id="{3C3A7153-E6DA-4EED-A019-018F2CFFC107}"/>
-              </a:ext>
-            </a:extLst>
-          </p:cNvPr>
+            <a:endParaRPr lang="en-US" dirty="0"/>
+          </a:p>
+        </p:txBody>
+      </p:sp>
+      <p:sp>
+        <p:nvSpPr>
+          <p:cNvPr id="3" name="Date Placeholder 2"/>
           <p:cNvSpPr>
             <a:spLocks noGrp="1"/>
           </p:cNvSpPr>
@@ -2392,7 +2167,7 @@
           <a:p>
             <a:fld id="{A627DF43-A246-43EE-926C-71914852C54A}" type="datetimeFigureOut">
               <a:rPr lang="zh-CN" altLang="en-US" smtClean="0"/>
-              <a:t>2020/11/27</a:t>
+              <a:t>2020/11/28</a:t>
             </a:fld>
             <a:endParaRPr lang="zh-CN" altLang="en-US"/>
           </a:p>
@@ -2400,13 +2175,7 @@
       </p:sp>
       <p:sp>
         <p:nvSpPr>
-          <p:cNvPr id="4" name="页脚占位符 3">
-            <a:extLst>
-              <a:ext uri="{FF2B5EF4-FFF2-40B4-BE49-F238E27FC236}">
-                <a16:creationId xmlns:a16="http://schemas.microsoft.com/office/drawing/2014/main" id="{6FBD2024-C2F2-4AB0-A058-6FC296E93E0F}"/>
-              </a:ext>
-            </a:extLst>
-          </p:cNvPr>
+          <p:cNvPr id="4" name="Footer Placeholder 3"/>
           <p:cNvSpPr>
             <a:spLocks noGrp="1"/>
           </p:cNvSpPr>
@@ -2425,13 +2194,7 @@
       </p:sp>
       <p:sp>
         <p:nvSpPr>
-          <p:cNvPr id="5" name="灯片编号占位符 4">
-            <a:extLst>
-              <a:ext uri="{FF2B5EF4-FFF2-40B4-BE49-F238E27FC236}">
-                <a16:creationId xmlns:a16="http://schemas.microsoft.com/office/drawing/2014/main" id="{9E05C26B-1870-41DE-A6E6-029CEAAF6488}"/>
-              </a:ext>
-            </a:extLst>
-          </p:cNvPr>
+          <p:cNvPr id="5" name="Slide Number Placeholder 4"/>
           <p:cNvSpPr>
             <a:spLocks noGrp="1"/>
           </p:cNvSpPr>
@@ -2455,7 +2218,7 @@
     </p:spTree>
     <p:extLst>
       <p:ext uri="{BB962C8B-B14F-4D97-AF65-F5344CB8AC3E}">
-        <p14:creationId xmlns:p14="http://schemas.microsoft.com/office/powerpoint/2010/main" val="194211001"/>
+        <p14:creationId xmlns:p14="http://schemas.microsoft.com/office/powerpoint/2010/main" val="1820382848"/>
       </p:ext>
     </p:extLst>
   </p:cSld>
@@ -2484,13 +2247,7 @@
       </p:grpSpPr>
       <p:sp>
         <p:nvSpPr>
-          <p:cNvPr id="2" name="日期占位符 1">
-            <a:extLst>
-              <a:ext uri="{FF2B5EF4-FFF2-40B4-BE49-F238E27FC236}">
-                <a16:creationId xmlns:a16="http://schemas.microsoft.com/office/drawing/2014/main" id="{8E0BC232-1486-427C-A67A-A4CBF3670BA9}"/>
-              </a:ext>
-            </a:extLst>
-          </p:cNvPr>
+          <p:cNvPr id="2" name="Date Placeholder 1"/>
           <p:cNvSpPr>
             <a:spLocks noGrp="1"/>
           </p:cNvSpPr>
@@ -2505,7 +2262,7 @@
           <a:p>
             <a:fld id="{A627DF43-A246-43EE-926C-71914852C54A}" type="datetimeFigureOut">
               <a:rPr lang="zh-CN" altLang="en-US" smtClean="0"/>
-              <a:t>2020/11/27</a:t>
+              <a:t>2020/11/28</a:t>
             </a:fld>
             <a:endParaRPr lang="zh-CN" altLang="en-US"/>
           </a:p>
@@ -2513,13 +2270,7 @@
       </p:sp>
       <p:sp>
         <p:nvSpPr>
-          <p:cNvPr id="3" name="页脚占位符 2">
-            <a:extLst>
-              <a:ext uri="{FF2B5EF4-FFF2-40B4-BE49-F238E27FC236}">
-                <a16:creationId xmlns:a16="http://schemas.microsoft.com/office/drawing/2014/main" id="{26DBB92F-D6B7-4381-81EA-4703A4085D52}"/>
-              </a:ext>
-            </a:extLst>
-          </p:cNvPr>
+          <p:cNvPr id="3" name="Footer Placeholder 2"/>
           <p:cNvSpPr>
             <a:spLocks noGrp="1"/>
           </p:cNvSpPr>
@@ -2538,13 +2289,7 @@
       </p:sp>
       <p:sp>
         <p:nvSpPr>
-          <p:cNvPr id="4" name="灯片编号占位符 3">
-            <a:extLst>
-              <a:ext uri="{FF2B5EF4-FFF2-40B4-BE49-F238E27FC236}">
-                <a16:creationId xmlns:a16="http://schemas.microsoft.com/office/drawing/2014/main" id="{8A3F9199-7BAF-44FD-BAFD-20D8B7FF7756}"/>
-              </a:ext>
-            </a:extLst>
-          </p:cNvPr>
+          <p:cNvPr id="4" name="Slide Number Placeholder 3"/>
           <p:cNvSpPr>
             <a:spLocks noGrp="1"/>
           </p:cNvSpPr>
@@ -2568,7 +2313,7 @@
     </p:spTree>
     <p:extLst>
       <p:ext uri="{BB962C8B-B14F-4D97-AF65-F5344CB8AC3E}">
-        <p14:creationId xmlns:p14="http://schemas.microsoft.com/office/powerpoint/2010/main" val="3629064974"/>
+        <p14:creationId xmlns:p14="http://schemas.microsoft.com/office/powerpoint/2010/main" val="2367371307"/>
       </p:ext>
     </p:extLst>
   </p:cSld>
@@ -2597,13 +2342,7 @@
       </p:grpSpPr>
       <p:sp>
         <p:nvSpPr>
-          <p:cNvPr id="2" name="标题 1">
-            <a:extLst>
-              <a:ext uri="{FF2B5EF4-FFF2-40B4-BE49-F238E27FC236}">
-                <a16:creationId xmlns:a16="http://schemas.microsoft.com/office/drawing/2014/main" id="{AA103AA8-C6B0-45B4-9B26-35B7C252BA93}"/>
-              </a:ext>
-            </a:extLst>
-          </p:cNvPr>
+          <p:cNvPr id="2" name="Title 1"/>
           <p:cNvSpPr>
             <a:spLocks noGrp="1"/>
           </p:cNvSpPr>
@@ -2613,15 +2352,15 @@
         </p:nvSpPr>
         <p:spPr>
           <a:xfrm>
-            <a:off x="839788" y="457200"/>
-            <a:ext cx="3932237" cy="1600200"/>
+            <a:off x="839789" y="385233"/>
+            <a:ext cx="3932237" cy="1348317"/>
           </a:xfrm>
         </p:spPr>
         <p:txBody>
           <a:bodyPr anchor="b"/>
           <a:lstStyle>
             <a:lvl1pPr>
-              <a:defRPr sz="3200"/>
+              <a:defRPr sz="2696"/>
             </a:lvl1pPr>
           </a:lstStyle>
           <a:p>
@@ -2629,18 +2368,13 @@
               <a:rPr lang="zh-CN" altLang="en-US"/>
               <a:t>单击此处编辑母版标题样式</a:t>
             </a:r>
-          </a:p>
-        </p:txBody>
-      </p:sp>
-      <p:sp>
-        <p:nvSpPr>
-          <p:cNvPr id="3" name="内容占位符 2">
-            <a:extLst>
-              <a:ext uri="{FF2B5EF4-FFF2-40B4-BE49-F238E27FC236}">
-                <a16:creationId xmlns:a16="http://schemas.microsoft.com/office/drawing/2014/main" id="{50E58036-9E19-4F0A-BE40-62D96823972D}"/>
-              </a:ext>
-            </a:extLst>
-          </p:cNvPr>
+            <a:endParaRPr lang="en-US" dirty="0"/>
+          </a:p>
+        </p:txBody>
+      </p:sp>
+      <p:sp>
+        <p:nvSpPr>
+          <p:cNvPr id="3" name="Content Placeholder 2"/>
           <p:cNvSpPr>
             <a:spLocks noGrp="1"/>
           </p:cNvSpPr>
@@ -2650,87 +2384,82 @@
         </p:nvSpPr>
         <p:spPr>
           <a:xfrm>
-            <a:off x="5183188" y="987425"/>
-            <a:ext cx="6172200" cy="4873625"/>
+            <a:off x="5183188" y="831998"/>
+            <a:ext cx="6172200" cy="4106480"/>
           </a:xfrm>
         </p:spPr>
         <p:txBody>
           <a:bodyPr/>
           <a:lstStyle>
             <a:lvl1pPr>
-              <a:defRPr sz="3200"/>
+              <a:defRPr sz="2696"/>
             </a:lvl1pPr>
             <a:lvl2pPr>
-              <a:defRPr sz="2800"/>
+              <a:defRPr sz="2359"/>
             </a:lvl2pPr>
             <a:lvl3pPr>
-              <a:defRPr sz="2400"/>
+              <a:defRPr sz="2022"/>
             </a:lvl3pPr>
             <a:lvl4pPr>
-              <a:defRPr sz="2000"/>
+              <a:defRPr sz="1685"/>
             </a:lvl4pPr>
             <a:lvl5pPr>
-              <a:defRPr sz="2000"/>
+              <a:defRPr sz="1685"/>
             </a:lvl5pPr>
             <a:lvl6pPr>
-              <a:defRPr sz="2000"/>
+              <a:defRPr sz="1685"/>
             </a:lvl6pPr>
             <a:lvl7pPr>
-              <a:defRPr sz="2000"/>
+              <a:defRPr sz="1685"/>
             </a:lvl7pPr>
             <a:lvl8pPr>
-              <a:defRPr sz="2000"/>
+              <a:defRPr sz="1685"/>
             </a:lvl8pPr>
             <a:lvl9pPr>
-              <a:defRPr sz="2000"/>
+              <a:defRPr sz="1685"/>
             </a:lvl9pPr>
           </a:lstStyle>
           <a:p>
             <a:pPr lvl="0"/>
             <a:r>
               <a:rPr lang="zh-CN" altLang="en-US"/>
-              <a:t>编辑母版文本样式</a:t>
+              <a:t>单击此处编辑母版文本样式</a:t>
             </a:r>
           </a:p>
           <a:p>
             <a:pPr lvl="1"/>
             <a:r>
               <a:rPr lang="zh-CN" altLang="en-US"/>
-              <a:t>第二级</a:t>
+              <a:t>二级</a:t>
             </a:r>
           </a:p>
           <a:p>
             <a:pPr lvl="2"/>
             <a:r>
               <a:rPr lang="zh-CN" altLang="en-US"/>
-              <a:t>第三级</a:t>
+              <a:t>三级</a:t>
             </a:r>
           </a:p>
           <a:p>
             <a:pPr lvl="3"/>
             <a:r>
               <a:rPr lang="zh-CN" altLang="en-US"/>
-              <a:t>第四级</a:t>
+              <a:t>四级</a:t>
             </a:r>
           </a:p>
           <a:p>
             <a:pPr lvl="4"/>
             <a:r>
               <a:rPr lang="zh-CN" altLang="en-US"/>
-              <a:t>第五级</a:t>
-            </a:r>
-          </a:p>
-        </p:txBody>
-      </p:sp>
-      <p:sp>
-        <p:nvSpPr>
-          <p:cNvPr id="4" name="文本占位符 3">
-            <a:extLst>
-              <a:ext uri="{FF2B5EF4-FFF2-40B4-BE49-F238E27FC236}">
-                <a16:creationId xmlns:a16="http://schemas.microsoft.com/office/drawing/2014/main" id="{E216B2A7-DFEC-4FAA-B350-4F218FE9CEAE}"/>
-              </a:ext>
-            </a:extLst>
-          </p:cNvPr>
+              <a:t>五级</a:t>
+            </a:r>
+            <a:endParaRPr lang="en-US" dirty="0"/>
+          </a:p>
+        </p:txBody>
+      </p:sp>
+      <p:sp>
+        <p:nvSpPr>
+          <p:cNvPr id="4" name="Text Placeholder 3"/>
           <p:cNvSpPr>
             <a:spLocks noGrp="1"/>
           </p:cNvSpPr>
@@ -2740,8 +2469,8 @@
         </p:nvSpPr>
         <p:spPr>
           <a:xfrm>
-            <a:off x="839788" y="2057400"/>
-            <a:ext cx="3932237" cy="3811588"/>
+            <a:off x="839789" y="1733550"/>
+            <a:ext cx="3932237" cy="3211616"/>
           </a:xfrm>
         </p:spPr>
         <p:txBody>
@@ -2749,59 +2478,53 @@
           <a:lstStyle>
             <a:lvl1pPr marL="0" indent="0">
               <a:buNone/>
-              <a:defRPr sz="1600"/>
+              <a:defRPr sz="1348"/>
             </a:lvl1pPr>
-            <a:lvl2pPr marL="457200" indent="0">
+            <a:lvl2pPr marL="385237" indent="0">
               <a:buNone/>
-              <a:defRPr sz="1400"/>
+              <a:defRPr sz="1180"/>
             </a:lvl2pPr>
-            <a:lvl3pPr marL="914400" indent="0">
+            <a:lvl3pPr marL="770473" indent="0">
               <a:buNone/>
-              <a:defRPr sz="1200"/>
+              <a:defRPr sz="1011"/>
             </a:lvl3pPr>
-            <a:lvl4pPr marL="1371600" indent="0">
+            <a:lvl4pPr marL="1155710" indent="0">
               <a:buNone/>
-              <a:defRPr sz="1000"/>
+              <a:defRPr sz="843"/>
             </a:lvl4pPr>
-            <a:lvl5pPr marL="1828800" indent="0">
+            <a:lvl5pPr marL="1540947" indent="0">
               <a:buNone/>
-              <a:defRPr sz="1000"/>
+              <a:defRPr sz="843"/>
             </a:lvl5pPr>
-            <a:lvl6pPr marL="2286000" indent="0">
+            <a:lvl6pPr marL="1926184" indent="0">
               <a:buNone/>
-              <a:defRPr sz="1000"/>
+              <a:defRPr sz="843"/>
             </a:lvl6pPr>
-            <a:lvl7pPr marL="2743200" indent="0">
+            <a:lvl7pPr marL="2311420" indent="0">
               <a:buNone/>
-              <a:defRPr sz="1000"/>
+              <a:defRPr sz="843"/>
             </a:lvl7pPr>
-            <a:lvl8pPr marL="3200400" indent="0">
+            <a:lvl8pPr marL="2696657" indent="0">
               <a:buNone/>
-              <a:defRPr sz="1000"/>
+              <a:defRPr sz="843"/>
             </a:lvl8pPr>
-            <a:lvl9pPr marL="3657600" indent="0">
+            <a:lvl9pPr marL="3081894" indent="0">
               <a:buNone/>
-              <a:defRPr sz="1000"/>
+              <a:defRPr sz="843"/>
             </a:lvl9pPr>
           </a:lstStyle>
           <a:p>
             <a:pPr lvl="0"/>
             <a:r>
               <a:rPr lang="zh-CN" altLang="en-US"/>
-              <a:t>编辑母版文本样式</a:t>
-            </a:r>
-          </a:p>
-        </p:txBody>
-      </p:sp>
-      <p:sp>
-        <p:nvSpPr>
-          <p:cNvPr id="5" name="日期占位符 4">
-            <a:extLst>
-              <a:ext uri="{FF2B5EF4-FFF2-40B4-BE49-F238E27FC236}">
-                <a16:creationId xmlns:a16="http://schemas.microsoft.com/office/drawing/2014/main" id="{C3810AFB-5DF7-4BD9-AAA4-E9C61CB9D7C3}"/>
-              </a:ext>
-            </a:extLst>
-          </p:cNvPr>
+              <a:t>单击此处编辑母版文本样式</a:t>
+            </a:r>
+          </a:p>
+        </p:txBody>
+      </p:sp>
+      <p:sp>
+        <p:nvSpPr>
+          <p:cNvPr id="5" name="Date Placeholder 4"/>
           <p:cNvSpPr>
             <a:spLocks noGrp="1"/>
           </p:cNvSpPr>
@@ -2816,7 +2539,7 @@
           <a:p>
             <a:fld id="{A627DF43-A246-43EE-926C-71914852C54A}" type="datetimeFigureOut">
               <a:rPr lang="zh-CN" altLang="en-US" smtClean="0"/>
-              <a:t>2020/11/27</a:t>
+              <a:t>2020/11/28</a:t>
             </a:fld>
             <a:endParaRPr lang="zh-CN" altLang="en-US"/>
           </a:p>
@@ -2824,13 +2547,7 @@
       </p:sp>
       <p:sp>
         <p:nvSpPr>
-          <p:cNvPr id="6" name="页脚占位符 5">
-            <a:extLst>
-              <a:ext uri="{FF2B5EF4-FFF2-40B4-BE49-F238E27FC236}">
-                <a16:creationId xmlns:a16="http://schemas.microsoft.com/office/drawing/2014/main" id="{56D92156-0C92-496C-9E6C-1C53605C7DD3}"/>
-              </a:ext>
-            </a:extLst>
-          </p:cNvPr>
+          <p:cNvPr id="6" name="Footer Placeholder 5"/>
           <p:cNvSpPr>
             <a:spLocks noGrp="1"/>
           </p:cNvSpPr>
@@ -2849,13 +2566,7 @@
       </p:sp>
       <p:sp>
         <p:nvSpPr>
-          <p:cNvPr id="7" name="灯片编号占位符 6">
-            <a:extLst>
-              <a:ext uri="{FF2B5EF4-FFF2-40B4-BE49-F238E27FC236}">
-                <a16:creationId xmlns:a16="http://schemas.microsoft.com/office/drawing/2014/main" id="{8F530E7A-0EF5-4CFC-A5E2-EB0B52AEEBAF}"/>
-              </a:ext>
-            </a:extLst>
-          </p:cNvPr>
+          <p:cNvPr id="7" name="Slide Number Placeholder 6"/>
           <p:cNvSpPr>
             <a:spLocks noGrp="1"/>
           </p:cNvSpPr>
@@ -2879,7 +2590,7 @@
     </p:spTree>
     <p:extLst>
       <p:ext uri="{BB962C8B-B14F-4D97-AF65-F5344CB8AC3E}">
-        <p14:creationId xmlns:p14="http://schemas.microsoft.com/office/powerpoint/2010/main" val="3116823989"/>
+        <p14:creationId xmlns:p14="http://schemas.microsoft.com/office/powerpoint/2010/main" val="1167495171"/>
       </p:ext>
     </p:extLst>
   </p:cSld>
@@ -2908,13 +2619,7 @@
       </p:grpSpPr>
       <p:sp>
         <p:nvSpPr>
-          <p:cNvPr id="2" name="标题 1">
-            <a:extLst>
-              <a:ext uri="{FF2B5EF4-FFF2-40B4-BE49-F238E27FC236}">
-                <a16:creationId xmlns:a16="http://schemas.microsoft.com/office/drawing/2014/main" id="{9C8F2304-E95E-4EDE-985B-6DFBD115C5B2}"/>
-              </a:ext>
-            </a:extLst>
-          </p:cNvPr>
+          <p:cNvPr id="2" name="Title 1"/>
           <p:cNvSpPr>
             <a:spLocks noGrp="1"/>
           </p:cNvSpPr>
@@ -2924,15 +2629,15 @@
         </p:nvSpPr>
         <p:spPr>
           <a:xfrm>
-            <a:off x="839788" y="457200"/>
-            <a:ext cx="3932237" cy="1600200"/>
+            <a:off x="839789" y="385233"/>
+            <a:ext cx="3932237" cy="1348317"/>
           </a:xfrm>
         </p:spPr>
         <p:txBody>
           <a:bodyPr anchor="b"/>
           <a:lstStyle>
             <a:lvl1pPr>
-              <a:defRPr sz="3200"/>
+              <a:defRPr sz="2696"/>
             </a:lvl1pPr>
           </a:lstStyle>
           <a:p>
@@ -2940,20 +2645,15 @@
               <a:rPr lang="zh-CN" altLang="en-US"/>
               <a:t>单击此处编辑母版标题样式</a:t>
             </a:r>
-          </a:p>
-        </p:txBody>
-      </p:sp>
-      <p:sp>
-        <p:nvSpPr>
-          <p:cNvPr id="3" name="图片占位符 2">
-            <a:extLst>
-              <a:ext uri="{FF2B5EF4-FFF2-40B4-BE49-F238E27FC236}">
-                <a16:creationId xmlns:a16="http://schemas.microsoft.com/office/drawing/2014/main" id="{B5ABBAA1-17A0-4636-92ED-996347D2556F}"/>
-              </a:ext>
-            </a:extLst>
-          </p:cNvPr>
+            <a:endParaRPr lang="en-US" dirty="0"/>
+          </a:p>
+        </p:txBody>
+      </p:sp>
+      <p:sp>
+        <p:nvSpPr>
+          <p:cNvPr id="3" name="Picture Placeholder 2"/>
           <p:cNvSpPr>
-            <a:spLocks noGrp="1"/>
+            <a:spLocks noGrp="1" noChangeAspect="1"/>
           </p:cNvSpPr>
           <p:nvPr>
             <p:ph type="pic" idx="1"/>
@@ -2961,64 +2661,62 @@
         </p:nvSpPr>
         <p:spPr>
           <a:xfrm>
-            <a:off x="5183188" y="987425"/>
-            <a:ext cx="6172200" cy="4873625"/>
-          </a:xfrm>
-        </p:spPr>
-        <p:txBody>
-          <a:bodyPr/>
+            <a:off x="5183188" y="831998"/>
+            <a:ext cx="6172200" cy="4106480"/>
+          </a:xfrm>
+        </p:spPr>
+        <p:txBody>
+          <a:bodyPr anchor="t"/>
           <a:lstStyle>
             <a:lvl1pPr marL="0" indent="0">
               <a:buNone/>
-              <a:defRPr sz="3200"/>
+              <a:defRPr sz="2696"/>
             </a:lvl1pPr>
-            <a:lvl2pPr marL="457200" indent="0">
+            <a:lvl2pPr marL="385237" indent="0">
               <a:buNone/>
-              <a:defRPr sz="2800"/>
+              <a:defRPr sz="2359"/>
             </a:lvl2pPr>
-            <a:lvl3pPr marL="914400" indent="0">
+            <a:lvl3pPr marL="770473" indent="0">
               <a:buNone/>
-              <a:defRPr sz="2400"/>
+              <a:defRPr sz="2022"/>
             </a:lvl3pPr>
-            <a:lvl4pPr marL="1371600" indent="0">
+            <a:lvl4pPr marL="1155710" indent="0">
               <a:buNone/>
-              <a:defRPr sz="2000"/>
+              <a:defRPr sz="1685"/>
             </a:lvl4pPr>
-            <a:lvl5pPr marL="1828800" indent="0">
+            <a:lvl5pPr marL="1540947" indent="0">
               <a:buNone/>
-              <a:defRPr sz="2000"/>
+              <a:defRPr sz="1685"/>
             </a:lvl5pPr>
-            <a:lvl6pPr marL="2286000" indent="0">
+            <a:lvl6pPr marL="1926184" indent="0">
               <a:buNone/>
-              <a:defRPr sz="2000"/>
+              <a:defRPr sz="1685"/>
             </a:lvl6pPr>
-            <a:lvl7pPr marL="2743200" indent="0">
+            <a:lvl7pPr marL="2311420" indent="0">
               <a:buNone/>
-              <a:defRPr sz="2000"/>
+              <a:defRPr sz="1685"/>
             </a:lvl7pPr>
-            <a:lvl8pPr marL="3200400" indent="0">
+            <a:lvl8pPr marL="2696657" indent="0">
               <a:buNone/>
-              <a:defRPr sz="2000"/>
+              <a:defRPr sz="1685"/>
             </a:lvl8pPr>
-            <a:lvl9pPr marL="3657600" indent="0">
+            <a:lvl9pPr marL="3081894" indent="0">
               <a:buNone/>
-              <a:defRPr sz="2000"/>
+              <a:defRPr sz="1685"/>
             </a:lvl9pPr>
           </a:lstStyle>
           <a:p>
-            <a:endParaRPr lang="zh-CN" altLang="en-US"/>
-          </a:p>
-        </p:txBody>
-      </p:sp>
-      <p:sp>
-        <p:nvSpPr>
-          <p:cNvPr id="4" name="文本占位符 3">
-            <a:extLst>
-              <a:ext uri="{FF2B5EF4-FFF2-40B4-BE49-F238E27FC236}">
-                <a16:creationId xmlns:a16="http://schemas.microsoft.com/office/drawing/2014/main" id="{1A66FF04-7FD0-4D72-B304-E8207DDDEFB6}"/>
-              </a:ext>
-            </a:extLst>
-          </p:cNvPr>
+            <a:r>
+              <a:rPr lang="zh-CN" altLang="en-US"/>
+              <a:t>单击图标添加图片</a:t>
+            </a:r>
+            <a:endParaRPr lang="en-US" dirty="0"/>
+          </a:p>
+        </p:txBody>
+      </p:sp>
+      <p:sp>
+        <p:nvSpPr>
+          <p:cNvPr id="4" name="Text Placeholder 3"/>
           <p:cNvSpPr>
             <a:spLocks noGrp="1"/>
           </p:cNvSpPr>
@@ -3028,8 +2726,8 @@
         </p:nvSpPr>
         <p:spPr>
           <a:xfrm>
-            <a:off x="839788" y="2057400"/>
-            <a:ext cx="3932237" cy="3811588"/>
+            <a:off x="839789" y="1733550"/>
+            <a:ext cx="3932237" cy="3211616"/>
           </a:xfrm>
         </p:spPr>
         <p:txBody>
@@ -3037,59 +2735,53 @@
           <a:lstStyle>
             <a:lvl1pPr marL="0" indent="0">
               <a:buNone/>
-              <a:defRPr sz="1600"/>
+              <a:defRPr sz="1348"/>
             </a:lvl1pPr>
-            <a:lvl2pPr marL="457200" indent="0">
+            <a:lvl2pPr marL="385237" indent="0">
               <a:buNone/>
-              <a:defRPr sz="1400"/>
+              <a:defRPr sz="1180"/>
             </a:lvl2pPr>
-            <a:lvl3pPr marL="914400" indent="0">
+            <a:lvl3pPr marL="770473" indent="0">
               <a:buNone/>
-              <a:defRPr sz="1200"/>
+              <a:defRPr sz="1011"/>
             </a:lvl3pPr>
-            <a:lvl4pPr marL="1371600" indent="0">
+            <a:lvl4pPr marL="1155710" indent="0">
               <a:buNone/>
-              <a:defRPr sz="1000"/>
+              <a:defRPr sz="843"/>
             </a:lvl4pPr>
-            <a:lvl5pPr marL="1828800" indent="0">
+            <a:lvl5pPr marL="1540947" indent="0">
               <a:buNone/>
-              <a:defRPr sz="1000"/>
+              <a:defRPr sz="843"/>
             </a:lvl5pPr>
-            <a:lvl6pPr marL="2286000" indent="0">
+            <a:lvl6pPr marL="1926184" indent="0">
               <a:buNone/>
-              <a:defRPr sz="1000"/>
+              <a:defRPr sz="843"/>
             </a:lvl6pPr>
-            <a:lvl7pPr marL="2743200" indent="0">
+            <a:lvl7pPr marL="2311420" indent="0">
               <a:buNone/>
-              <a:defRPr sz="1000"/>
+              <a:defRPr sz="843"/>
             </a:lvl7pPr>
-            <a:lvl8pPr marL="3200400" indent="0">
+            <a:lvl8pPr marL="2696657" indent="0">
               <a:buNone/>
-              <a:defRPr sz="1000"/>
+              <a:defRPr sz="843"/>
             </a:lvl8pPr>
-            <a:lvl9pPr marL="3657600" indent="0">
+            <a:lvl9pPr marL="3081894" indent="0">
               <a:buNone/>
-              <a:defRPr sz="1000"/>
+              <a:defRPr sz="843"/>
             </a:lvl9pPr>
           </a:lstStyle>
           <a:p>
             <a:pPr lvl="0"/>
             <a:r>
               <a:rPr lang="zh-CN" altLang="en-US"/>
-              <a:t>编辑母版文本样式</a:t>
-            </a:r>
-          </a:p>
-        </p:txBody>
-      </p:sp>
-      <p:sp>
-        <p:nvSpPr>
-          <p:cNvPr id="5" name="日期占位符 4">
-            <a:extLst>
-              <a:ext uri="{FF2B5EF4-FFF2-40B4-BE49-F238E27FC236}">
-                <a16:creationId xmlns:a16="http://schemas.microsoft.com/office/drawing/2014/main" id="{9024B345-FA39-4DFB-8A24-D480EAF5211E}"/>
-              </a:ext>
-            </a:extLst>
-          </p:cNvPr>
+              <a:t>单击此处编辑母版文本样式</a:t>
+            </a:r>
+          </a:p>
+        </p:txBody>
+      </p:sp>
+      <p:sp>
+        <p:nvSpPr>
+          <p:cNvPr id="5" name="Date Placeholder 4"/>
           <p:cNvSpPr>
             <a:spLocks noGrp="1"/>
           </p:cNvSpPr>
@@ -3104,7 +2796,7 @@
           <a:p>
             <a:fld id="{A627DF43-A246-43EE-926C-71914852C54A}" type="datetimeFigureOut">
               <a:rPr lang="zh-CN" altLang="en-US" smtClean="0"/>
-              <a:t>2020/11/27</a:t>
+              <a:t>2020/11/28</a:t>
             </a:fld>
             <a:endParaRPr lang="zh-CN" altLang="en-US"/>
           </a:p>
@@ -3112,13 +2804,7 @@
       </p:sp>
       <p:sp>
         <p:nvSpPr>
-          <p:cNvPr id="6" name="页脚占位符 5">
-            <a:extLst>
-              <a:ext uri="{FF2B5EF4-FFF2-40B4-BE49-F238E27FC236}">
-                <a16:creationId xmlns:a16="http://schemas.microsoft.com/office/drawing/2014/main" id="{848EE84C-C96E-4BAF-B980-8D04E12C37CE}"/>
-              </a:ext>
-            </a:extLst>
-          </p:cNvPr>
+          <p:cNvPr id="6" name="Footer Placeholder 5"/>
           <p:cNvSpPr>
             <a:spLocks noGrp="1"/>
           </p:cNvSpPr>
@@ -3137,13 +2823,7 @@
       </p:sp>
       <p:sp>
         <p:nvSpPr>
-          <p:cNvPr id="7" name="灯片编号占位符 6">
-            <a:extLst>
-              <a:ext uri="{FF2B5EF4-FFF2-40B4-BE49-F238E27FC236}">
-                <a16:creationId xmlns:a16="http://schemas.microsoft.com/office/drawing/2014/main" id="{53090BC8-B425-4398-A339-CEBEFEA90F64}"/>
-              </a:ext>
-            </a:extLst>
-          </p:cNvPr>
+          <p:cNvPr id="7" name="Slide Number Placeholder 6"/>
           <p:cNvSpPr>
             <a:spLocks noGrp="1"/>
           </p:cNvSpPr>
@@ -3167,7 +2847,7 @@
     </p:spTree>
     <p:extLst>
       <p:ext uri="{BB962C8B-B14F-4D97-AF65-F5344CB8AC3E}">
-        <p14:creationId xmlns:p14="http://schemas.microsoft.com/office/powerpoint/2010/main" val="2312030900"/>
+        <p14:creationId xmlns:p14="http://schemas.microsoft.com/office/powerpoint/2010/main" val="2120430423"/>
       </p:ext>
     </p:extLst>
   </p:cSld>
@@ -3201,13 +2881,7 @@
       </p:grpSpPr>
       <p:sp>
         <p:nvSpPr>
-          <p:cNvPr id="2" name="标题占位符 1">
-            <a:extLst>
-              <a:ext uri="{FF2B5EF4-FFF2-40B4-BE49-F238E27FC236}">
-                <a16:creationId xmlns:a16="http://schemas.microsoft.com/office/drawing/2014/main" id="{3433E6B7-2E1C-4878-ADE2-C562568E6560}"/>
-              </a:ext>
-            </a:extLst>
-          </p:cNvPr>
+          <p:cNvPr id="2" name="Title Placeholder 1"/>
           <p:cNvSpPr>
             <a:spLocks noGrp="1"/>
           </p:cNvSpPr>
@@ -3217,8 +2891,8 @@
         </p:nvSpPr>
         <p:spPr>
           <a:xfrm>
-            <a:off x="838200" y="365125"/>
-            <a:ext cx="10515600" cy="1325563"/>
+            <a:off x="838200" y="307652"/>
+            <a:ext cx="10515600" cy="1116910"/>
           </a:xfrm>
           <a:prstGeom prst="rect">
             <a:avLst/>
@@ -3234,18 +2908,13 @@
               <a:rPr lang="zh-CN" altLang="en-US"/>
               <a:t>单击此处编辑母版标题样式</a:t>
             </a:r>
-          </a:p>
-        </p:txBody>
-      </p:sp>
-      <p:sp>
-        <p:nvSpPr>
-          <p:cNvPr id="3" name="文本占位符 2">
-            <a:extLst>
-              <a:ext uri="{FF2B5EF4-FFF2-40B4-BE49-F238E27FC236}">
-                <a16:creationId xmlns:a16="http://schemas.microsoft.com/office/drawing/2014/main" id="{73E44E5F-0DDB-4175-BDE2-BFFDDF6FE848}"/>
-              </a:ext>
-            </a:extLst>
-          </p:cNvPr>
+            <a:endParaRPr lang="en-US" dirty="0"/>
+          </a:p>
+        </p:txBody>
+      </p:sp>
+      <p:sp>
+        <p:nvSpPr>
+          <p:cNvPr id="3" name="Text Placeholder 2"/>
           <p:cNvSpPr>
             <a:spLocks noGrp="1"/>
           </p:cNvSpPr>
@@ -3255,8 +2924,8 @@
         </p:nvSpPr>
         <p:spPr>
           <a:xfrm>
-            <a:off x="838200" y="1825625"/>
-            <a:ext cx="10515600" cy="4351338"/>
+            <a:off x="838200" y="1538258"/>
+            <a:ext cx="10515600" cy="3666405"/>
           </a:xfrm>
           <a:prstGeom prst="rect">
             <a:avLst/>
@@ -3271,48 +2940,43 @@
             <a:pPr lvl="0"/>
             <a:r>
               <a:rPr lang="zh-CN" altLang="en-US"/>
-              <a:t>编辑母版文本样式</a:t>
+              <a:t>单击此处编辑母版文本样式</a:t>
             </a:r>
           </a:p>
           <a:p>
             <a:pPr lvl="1"/>
             <a:r>
               <a:rPr lang="zh-CN" altLang="en-US"/>
-              <a:t>第二级</a:t>
+              <a:t>二级</a:t>
             </a:r>
           </a:p>
           <a:p>
             <a:pPr lvl="2"/>
             <a:r>
               <a:rPr lang="zh-CN" altLang="en-US"/>
-              <a:t>第三级</a:t>
+              <a:t>三级</a:t>
             </a:r>
           </a:p>
           <a:p>
             <a:pPr lvl="3"/>
             <a:r>
               <a:rPr lang="zh-CN" altLang="en-US"/>
-              <a:t>第四级</a:t>
+              <a:t>四级</a:t>
             </a:r>
           </a:p>
           <a:p>
             <a:pPr lvl="4"/>
             <a:r>
               <a:rPr lang="zh-CN" altLang="en-US"/>
-              <a:t>第五级</a:t>
-            </a:r>
-          </a:p>
-        </p:txBody>
-      </p:sp>
-      <p:sp>
-        <p:nvSpPr>
-          <p:cNvPr id="4" name="日期占位符 3">
-            <a:extLst>
-              <a:ext uri="{FF2B5EF4-FFF2-40B4-BE49-F238E27FC236}">
-                <a16:creationId xmlns:a16="http://schemas.microsoft.com/office/drawing/2014/main" id="{363FC73C-7E3E-4928-83C0-C87839FDAD29}"/>
-              </a:ext>
-            </a:extLst>
-          </p:cNvPr>
+              <a:t>五级</a:t>
+            </a:r>
+            <a:endParaRPr lang="en-US" dirty="0"/>
+          </a:p>
+        </p:txBody>
+      </p:sp>
+      <p:sp>
+        <p:nvSpPr>
+          <p:cNvPr id="4" name="Date Placeholder 3"/>
           <p:cNvSpPr>
             <a:spLocks noGrp="1"/>
           </p:cNvSpPr>
@@ -3322,8 +2986,8 @@
         </p:nvSpPr>
         <p:spPr>
           <a:xfrm>
-            <a:off x="838200" y="6356350"/>
-            <a:ext cx="2743200" cy="365125"/>
+            <a:off x="838200" y="5355814"/>
+            <a:ext cx="2743200" cy="307652"/>
           </a:xfrm>
           <a:prstGeom prst="rect">
             <a:avLst/>
@@ -3333,7 +2997,7 @@
           <a:bodyPr vert="horz" lIns="91440" tIns="45720" rIns="91440" bIns="45720" rtlCol="0" anchor="ctr"/>
           <a:lstStyle>
             <a:lvl1pPr algn="l">
-              <a:defRPr sz="1200">
+              <a:defRPr sz="1011">
                 <a:solidFill>
                   <a:schemeClr val="tx1">
                     <a:tint val="75000"/>
@@ -3345,7 +3009,7 @@
           <a:p>
             <a:fld id="{A627DF43-A246-43EE-926C-71914852C54A}" type="datetimeFigureOut">
               <a:rPr lang="zh-CN" altLang="en-US" smtClean="0"/>
-              <a:t>2020/11/27</a:t>
+              <a:t>2020/11/28</a:t>
             </a:fld>
             <a:endParaRPr lang="zh-CN" altLang="en-US"/>
           </a:p>
@@ -3353,13 +3017,7 @@
       </p:sp>
       <p:sp>
         <p:nvSpPr>
-          <p:cNvPr id="5" name="页脚占位符 4">
-            <a:extLst>
-              <a:ext uri="{FF2B5EF4-FFF2-40B4-BE49-F238E27FC236}">
-                <a16:creationId xmlns:a16="http://schemas.microsoft.com/office/drawing/2014/main" id="{800344DE-33CD-4CB3-BCF2-2CE9EE79A601}"/>
-              </a:ext>
-            </a:extLst>
-          </p:cNvPr>
+          <p:cNvPr id="5" name="Footer Placeholder 4"/>
           <p:cNvSpPr>
             <a:spLocks noGrp="1"/>
           </p:cNvSpPr>
@@ -3369,8 +3027,8 @@
         </p:nvSpPr>
         <p:spPr>
           <a:xfrm>
-            <a:off x="4038600" y="6356350"/>
-            <a:ext cx="4114800" cy="365125"/>
+            <a:off x="4038600" y="5355814"/>
+            <a:ext cx="4114800" cy="307652"/>
           </a:xfrm>
           <a:prstGeom prst="rect">
             <a:avLst/>
@@ -3380,7 +3038,7 @@
           <a:bodyPr vert="horz" lIns="91440" tIns="45720" rIns="91440" bIns="45720" rtlCol="0" anchor="ctr"/>
           <a:lstStyle>
             <a:lvl1pPr algn="ctr">
-              <a:defRPr sz="1200">
+              <a:defRPr sz="1011">
                 <a:solidFill>
                   <a:schemeClr val="tx1">
                     <a:tint val="75000"/>
@@ -3396,13 +3054,7 @@
       </p:sp>
       <p:sp>
         <p:nvSpPr>
-          <p:cNvPr id="6" name="灯片编号占位符 5">
-            <a:extLst>
-              <a:ext uri="{FF2B5EF4-FFF2-40B4-BE49-F238E27FC236}">
-                <a16:creationId xmlns:a16="http://schemas.microsoft.com/office/drawing/2014/main" id="{1E846A52-54BE-4C75-8851-3AE914986516}"/>
-              </a:ext>
-            </a:extLst>
-          </p:cNvPr>
+          <p:cNvPr id="6" name="Slide Number Placeholder 5"/>
           <p:cNvSpPr>
             <a:spLocks noGrp="1"/>
           </p:cNvSpPr>
@@ -3412,8 +3064,8 @@
         </p:nvSpPr>
         <p:spPr>
           <a:xfrm>
-            <a:off x="8610600" y="6356350"/>
-            <a:ext cx="2743200" cy="365125"/>
+            <a:off x="8610600" y="5355814"/>
+            <a:ext cx="2743200" cy="307652"/>
           </a:xfrm>
           <a:prstGeom prst="rect">
             <a:avLst/>
@@ -3423,7 +3075,7 @@
           <a:bodyPr vert="horz" lIns="91440" tIns="45720" rIns="91440" bIns="45720" rtlCol="0" anchor="ctr"/>
           <a:lstStyle>
             <a:lvl1pPr algn="r">
-              <a:defRPr sz="1200">
+              <a:defRPr sz="1011">
                 <a:solidFill>
                   <a:schemeClr val="tx1">
                     <a:tint val="75000"/>
@@ -3444,27 +3096,27 @@
     </p:spTree>
     <p:extLst>
       <p:ext uri="{BB962C8B-B14F-4D97-AF65-F5344CB8AC3E}">
-        <p14:creationId xmlns:p14="http://schemas.microsoft.com/office/powerpoint/2010/main" val="343945850"/>
+        <p14:creationId xmlns:p14="http://schemas.microsoft.com/office/powerpoint/2010/main" val="1500262489"/>
       </p:ext>
     </p:extLst>
   </p:cSld>
   <p:clrMap bg1="lt1" tx1="dk1" bg2="lt2" tx2="dk2" accent1="accent1" accent2="accent2" accent3="accent3" accent4="accent4" accent5="accent5" accent6="accent6" hlink="hlink" folHlink="folHlink"/>
   <p:sldLayoutIdLst>
-    <p:sldLayoutId id="2147483649" r:id="rId1"/>
-    <p:sldLayoutId id="2147483650" r:id="rId2"/>
-    <p:sldLayoutId id="2147483651" r:id="rId3"/>
-    <p:sldLayoutId id="2147483652" r:id="rId4"/>
-    <p:sldLayoutId id="2147483653" r:id="rId5"/>
-    <p:sldLayoutId id="2147483654" r:id="rId6"/>
-    <p:sldLayoutId id="2147483655" r:id="rId7"/>
-    <p:sldLayoutId id="2147483656" r:id="rId8"/>
-    <p:sldLayoutId id="2147483657" r:id="rId9"/>
-    <p:sldLayoutId id="2147483658" r:id="rId10"/>
-    <p:sldLayoutId id="2147483659" r:id="rId11"/>
+    <p:sldLayoutId id="2147483661" r:id="rId1"/>
+    <p:sldLayoutId id="2147483662" r:id="rId2"/>
+    <p:sldLayoutId id="2147483663" r:id="rId3"/>
+    <p:sldLayoutId id="2147483664" r:id="rId4"/>
+    <p:sldLayoutId id="2147483665" r:id="rId5"/>
+    <p:sldLayoutId id="2147483666" r:id="rId6"/>
+    <p:sldLayoutId id="2147483667" r:id="rId7"/>
+    <p:sldLayoutId id="2147483668" r:id="rId8"/>
+    <p:sldLayoutId id="2147483669" r:id="rId9"/>
+    <p:sldLayoutId id="2147483670" r:id="rId10"/>
+    <p:sldLayoutId id="2147483671" r:id="rId11"/>
   </p:sldLayoutIdLst>
   <p:txStyles>
     <p:titleStyle>
-      <a:lvl1pPr algn="l" defTabSz="914400" rtl="0" eaLnBrk="1" latinLnBrk="0" hangingPunct="1">
+      <a:lvl1pPr algn="l" defTabSz="770473" rtl="0" eaLnBrk="1" latinLnBrk="0" hangingPunct="1">
         <a:lnSpc>
           <a:spcPct val="90000"/>
         </a:lnSpc>
@@ -3472,7 +3124,7 @@
           <a:spcPct val="0"/>
         </a:spcBef>
         <a:buNone/>
-        <a:defRPr sz="4400" kern="1200">
+        <a:defRPr sz="3707" kern="1200">
           <a:solidFill>
             <a:schemeClr val="tx1"/>
           </a:solidFill>
@@ -3483,16 +3135,16 @@
       </a:lvl1pPr>
     </p:titleStyle>
     <p:bodyStyle>
-      <a:lvl1pPr marL="228600" indent="-228600" algn="l" defTabSz="914400" rtl="0" eaLnBrk="1" latinLnBrk="0" hangingPunct="1">
+      <a:lvl1pPr marL="192618" indent="-192618" algn="l" defTabSz="770473" rtl="0" eaLnBrk="1" latinLnBrk="0" hangingPunct="1">
         <a:lnSpc>
           <a:spcPct val="90000"/>
         </a:lnSpc>
         <a:spcBef>
-          <a:spcPts val="1000"/>
+          <a:spcPts val="843"/>
         </a:spcBef>
         <a:buFont typeface="Arial" panose="020B0604020202020204" pitchFamily="34" charset="0"/>
         <a:buChar char="•"/>
-        <a:defRPr sz="2800" kern="1200">
+        <a:defRPr sz="2359" kern="1200">
           <a:solidFill>
             <a:schemeClr val="tx1"/>
           </a:solidFill>
@@ -3501,16 +3153,16 @@
           <a:cs typeface="+mn-cs"/>
         </a:defRPr>
       </a:lvl1pPr>
-      <a:lvl2pPr marL="685800" indent="-228600" algn="l" defTabSz="914400" rtl="0" eaLnBrk="1" latinLnBrk="0" hangingPunct="1">
+      <a:lvl2pPr marL="577855" indent="-192618" algn="l" defTabSz="770473" rtl="0" eaLnBrk="1" latinLnBrk="0" hangingPunct="1">
         <a:lnSpc>
           <a:spcPct val="90000"/>
         </a:lnSpc>
         <a:spcBef>
-          <a:spcPts val="500"/>
+          <a:spcPts val="421"/>
         </a:spcBef>
         <a:buFont typeface="Arial" panose="020B0604020202020204" pitchFamily="34" charset="0"/>
         <a:buChar char="•"/>
-        <a:defRPr sz="2400" kern="1200">
+        <a:defRPr sz="2022" kern="1200">
           <a:solidFill>
             <a:schemeClr val="tx1"/>
           </a:solidFill>
@@ -3519,16 +3171,16 @@
           <a:cs typeface="+mn-cs"/>
         </a:defRPr>
       </a:lvl2pPr>
-      <a:lvl3pPr marL="1143000" indent="-228600" algn="l" defTabSz="914400" rtl="0" eaLnBrk="1" latinLnBrk="0" hangingPunct="1">
+      <a:lvl3pPr marL="963092" indent="-192618" algn="l" defTabSz="770473" rtl="0" eaLnBrk="1" latinLnBrk="0" hangingPunct="1">
         <a:lnSpc>
           <a:spcPct val="90000"/>
         </a:lnSpc>
         <a:spcBef>
-          <a:spcPts val="500"/>
+          <a:spcPts val="421"/>
         </a:spcBef>
         <a:buFont typeface="Arial" panose="020B0604020202020204" pitchFamily="34" charset="0"/>
         <a:buChar char="•"/>
-        <a:defRPr sz="2000" kern="1200">
+        <a:defRPr sz="1685" kern="1200">
           <a:solidFill>
             <a:schemeClr val="tx1"/>
           </a:solidFill>
@@ -3537,16 +3189,16 @@
           <a:cs typeface="+mn-cs"/>
         </a:defRPr>
       </a:lvl3pPr>
-      <a:lvl4pPr marL="1600200" indent="-228600" algn="l" defTabSz="914400" rtl="0" eaLnBrk="1" latinLnBrk="0" hangingPunct="1">
+      <a:lvl4pPr marL="1348329" indent="-192618" algn="l" defTabSz="770473" rtl="0" eaLnBrk="1" latinLnBrk="0" hangingPunct="1">
         <a:lnSpc>
           <a:spcPct val="90000"/>
         </a:lnSpc>
         <a:spcBef>
-          <a:spcPts val="500"/>
+          <a:spcPts val="421"/>
         </a:spcBef>
         <a:buFont typeface="Arial" panose="020B0604020202020204" pitchFamily="34" charset="0"/>
         <a:buChar char="•"/>
-        <a:defRPr sz="1800" kern="1200">
+        <a:defRPr sz="1517" kern="1200">
           <a:solidFill>
             <a:schemeClr val="tx1"/>
           </a:solidFill>
@@ -3555,16 +3207,16 @@
           <a:cs typeface="+mn-cs"/>
         </a:defRPr>
       </a:lvl4pPr>
-      <a:lvl5pPr marL="2057400" indent="-228600" algn="l" defTabSz="914400" rtl="0" eaLnBrk="1" latinLnBrk="0" hangingPunct="1">
+      <a:lvl5pPr marL="1733565" indent="-192618" algn="l" defTabSz="770473" rtl="0" eaLnBrk="1" latinLnBrk="0" hangingPunct="1">
         <a:lnSpc>
           <a:spcPct val="90000"/>
         </a:lnSpc>
         <a:spcBef>
-          <a:spcPts val="500"/>
+          <a:spcPts val="421"/>
         </a:spcBef>
         <a:buFont typeface="Arial" panose="020B0604020202020204" pitchFamily="34" charset="0"/>
         <a:buChar char="•"/>
-        <a:defRPr sz="1800" kern="1200">
+        <a:defRPr sz="1517" kern="1200">
           <a:solidFill>
             <a:schemeClr val="tx1"/>
           </a:solidFill>
@@ -3573,16 +3225,16 @@
           <a:cs typeface="+mn-cs"/>
         </a:defRPr>
       </a:lvl5pPr>
-      <a:lvl6pPr marL="2514600" indent="-228600" algn="l" defTabSz="914400" rtl="0" eaLnBrk="1" latinLnBrk="0" hangingPunct="1">
+      <a:lvl6pPr marL="2118802" indent="-192618" algn="l" defTabSz="770473" rtl="0" eaLnBrk="1" latinLnBrk="0" hangingPunct="1">
         <a:lnSpc>
           <a:spcPct val="90000"/>
         </a:lnSpc>
         <a:spcBef>
-          <a:spcPts val="500"/>
+          <a:spcPts val="421"/>
         </a:spcBef>
         <a:buFont typeface="Arial" panose="020B0604020202020204" pitchFamily="34" charset="0"/>
         <a:buChar char="•"/>
-        <a:defRPr sz="1800" kern="1200">
+        <a:defRPr sz="1517" kern="1200">
           <a:solidFill>
             <a:schemeClr val="tx1"/>
           </a:solidFill>
@@ -3591,16 +3243,16 @@
           <a:cs typeface="+mn-cs"/>
         </a:defRPr>
       </a:lvl6pPr>
-      <a:lvl7pPr marL="2971800" indent="-228600" algn="l" defTabSz="914400" rtl="0" eaLnBrk="1" latinLnBrk="0" hangingPunct="1">
+      <a:lvl7pPr marL="2504039" indent="-192618" algn="l" defTabSz="770473" rtl="0" eaLnBrk="1" latinLnBrk="0" hangingPunct="1">
         <a:lnSpc>
           <a:spcPct val="90000"/>
         </a:lnSpc>
         <a:spcBef>
-          <a:spcPts val="500"/>
+          <a:spcPts val="421"/>
         </a:spcBef>
         <a:buFont typeface="Arial" panose="020B0604020202020204" pitchFamily="34" charset="0"/>
         <a:buChar char="•"/>
-        <a:defRPr sz="1800" kern="1200">
+        <a:defRPr sz="1517" kern="1200">
           <a:solidFill>
             <a:schemeClr val="tx1"/>
           </a:solidFill>
@@ -3609,16 +3261,16 @@
           <a:cs typeface="+mn-cs"/>
         </a:defRPr>
       </a:lvl7pPr>
-      <a:lvl8pPr marL="3429000" indent="-228600" algn="l" defTabSz="914400" rtl="0" eaLnBrk="1" latinLnBrk="0" hangingPunct="1">
+      <a:lvl8pPr marL="2889275" indent="-192618" algn="l" defTabSz="770473" rtl="0" eaLnBrk="1" latinLnBrk="0" hangingPunct="1">
         <a:lnSpc>
           <a:spcPct val="90000"/>
         </a:lnSpc>
         <a:spcBef>
-          <a:spcPts val="500"/>
+          <a:spcPts val="421"/>
         </a:spcBef>
         <a:buFont typeface="Arial" panose="020B0604020202020204" pitchFamily="34" charset="0"/>
         <a:buChar char="•"/>
-        <a:defRPr sz="1800" kern="1200">
+        <a:defRPr sz="1517" kern="1200">
           <a:solidFill>
             <a:schemeClr val="tx1"/>
           </a:solidFill>
@@ -3627,16 +3279,16 @@
           <a:cs typeface="+mn-cs"/>
         </a:defRPr>
       </a:lvl8pPr>
-      <a:lvl9pPr marL="3886200" indent="-228600" algn="l" defTabSz="914400" rtl="0" eaLnBrk="1" latinLnBrk="0" hangingPunct="1">
+      <a:lvl9pPr marL="3274512" indent="-192618" algn="l" defTabSz="770473" rtl="0" eaLnBrk="1" latinLnBrk="0" hangingPunct="1">
         <a:lnSpc>
           <a:spcPct val="90000"/>
         </a:lnSpc>
         <a:spcBef>
-          <a:spcPts val="500"/>
+          <a:spcPts val="421"/>
         </a:spcBef>
         <a:buFont typeface="Arial" panose="020B0604020202020204" pitchFamily="34" charset="0"/>
         <a:buChar char="•"/>
-        <a:defRPr sz="1800" kern="1200">
+        <a:defRPr sz="1517" kern="1200">
           <a:solidFill>
             <a:schemeClr val="tx1"/>
           </a:solidFill>
@@ -3648,10 +3300,10 @@
     </p:bodyStyle>
     <p:otherStyle>
       <a:defPPr>
-        <a:defRPr lang="zh-CN"/>
+        <a:defRPr lang="en-US"/>
       </a:defPPr>
-      <a:lvl1pPr marL="0" algn="l" defTabSz="914400" rtl="0" eaLnBrk="1" latinLnBrk="0" hangingPunct="1">
-        <a:defRPr sz="1800" kern="1200">
+      <a:lvl1pPr marL="0" algn="l" defTabSz="770473" rtl="0" eaLnBrk="1" latinLnBrk="0" hangingPunct="1">
+        <a:defRPr sz="1517" kern="1200">
           <a:solidFill>
             <a:schemeClr val="tx1"/>
           </a:solidFill>
@@ -3660,8 +3312,8 @@
           <a:cs typeface="+mn-cs"/>
         </a:defRPr>
       </a:lvl1pPr>
-      <a:lvl2pPr marL="457200" algn="l" defTabSz="914400" rtl="0" eaLnBrk="1" latinLnBrk="0" hangingPunct="1">
-        <a:defRPr sz="1800" kern="1200">
+      <a:lvl2pPr marL="385237" algn="l" defTabSz="770473" rtl="0" eaLnBrk="1" latinLnBrk="0" hangingPunct="1">
+        <a:defRPr sz="1517" kern="1200">
           <a:solidFill>
             <a:schemeClr val="tx1"/>
           </a:solidFill>
@@ -3670,8 +3322,8 @@
           <a:cs typeface="+mn-cs"/>
         </a:defRPr>
       </a:lvl2pPr>
-      <a:lvl3pPr marL="914400" algn="l" defTabSz="914400" rtl="0" eaLnBrk="1" latinLnBrk="0" hangingPunct="1">
-        <a:defRPr sz="1800" kern="1200">
+      <a:lvl3pPr marL="770473" algn="l" defTabSz="770473" rtl="0" eaLnBrk="1" latinLnBrk="0" hangingPunct="1">
+        <a:defRPr sz="1517" kern="1200">
           <a:solidFill>
             <a:schemeClr val="tx1"/>
           </a:solidFill>
@@ -3680,8 +3332,8 @@
           <a:cs typeface="+mn-cs"/>
         </a:defRPr>
       </a:lvl3pPr>
-      <a:lvl4pPr marL="1371600" algn="l" defTabSz="914400" rtl="0" eaLnBrk="1" latinLnBrk="0" hangingPunct="1">
-        <a:defRPr sz="1800" kern="1200">
+      <a:lvl4pPr marL="1155710" algn="l" defTabSz="770473" rtl="0" eaLnBrk="1" latinLnBrk="0" hangingPunct="1">
+        <a:defRPr sz="1517" kern="1200">
           <a:solidFill>
             <a:schemeClr val="tx1"/>
           </a:solidFill>
@@ -3690,8 +3342,8 @@
           <a:cs typeface="+mn-cs"/>
         </a:defRPr>
       </a:lvl4pPr>
-      <a:lvl5pPr marL="1828800" algn="l" defTabSz="914400" rtl="0" eaLnBrk="1" latinLnBrk="0" hangingPunct="1">
-        <a:defRPr sz="1800" kern="1200">
+      <a:lvl5pPr marL="1540947" algn="l" defTabSz="770473" rtl="0" eaLnBrk="1" latinLnBrk="0" hangingPunct="1">
+        <a:defRPr sz="1517" kern="1200">
           <a:solidFill>
             <a:schemeClr val="tx1"/>
           </a:solidFill>
@@ -3700,8 +3352,8 @@
           <a:cs typeface="+mn-cs"/>
         </a:defRPr>
       </a:lvl5pPr>
-      <a:lvl6pPr marL="2286000" algn="l" defTabSz="914400" rtl="0" eaLnBrk="1" latinLnBrk="0" hangingPunct="1">
-        <a:defRPr sz="1800" kern="1200">
+      <a:lvl6pPr marL="1926184" algn="l" defTabSz="770473" rtl="0" eaLnBrk="1" latinLnBrk="0" hangingPunct="1">
+        <a:defRPr sz="1517" kern="1200">
           <a:solidFill>
             <a:schemeClr val="tx1"/>
           </a:solidFill>
@@ -3710,8 +3362,8 @@
           <a:cs typeface="+mn-cs"/>
         </a:defRPr>
       </a:lvl6pPr>
-      <a:lvl7pPr marL="2743200" algn="l" defTabSz="914400" rtl="0" eaLnBrk="1" latinLnBrk="0" hangingPunct="1">
-        <a:defRPr sz="1800" kern="1200">
+      <a:lvl7pPr marL="2311420" algn="l" defTabSz="770473" rtl="0" eaLnBrk="1" latinLnBrk="0" hangingPunct="1">
+        <a:defRPr sz="1517" kern="1200">
           <a:solidFill>
             <a:schemeClr val="tx1"/>
           </a:solidFill>
@@ -3720,8 +3372,8 @@
           <a:cs typeface="+mn-cs"/>
         </a:defRPr>
       </a:lvl7pPr>
-      <a:lvl8pPr marL="3200400" algn="l" defTabSz="914400" rtl="0" eaLnBrk="1" latinLnBrk="0" hangingPunct="1">
-        <a:defRPr sz="1800" kern="1200">
+      <a:lvl8pPr marL="2696657" algn="l" defTabSz="770473" rtl="0" eaLnBrk="1" latinLnBrk="0" hangingPunct="1">
+        <a:defRPr sz="1517" kern="1200">
           <a:solidFill>
             <a:schemeClr val="tx1"/>
           </a:solidFill>
@@ -3730,8 +3382,8 @@
           <a:cs typeface="+mn-cs"/>
         </a:defRPr>
       </a:lvl8pPr>
-      <a:lvl9pPr marL="3657600" algn="l" defTabSz="914400" rtl="0" eaLnBrk="1" latinLnBrk="0" hangingPunct="1">
-        <a:defRPr sz="1800" kern="1200">
+      <a:lvl9pPr marL="3081894" algn="l" defTabSz="770473" rtl="0" eaLnBrk="1" latinLnBrk="0" hangingPunct="1">
+        <a:defRPr sz="1517" kern="1200">
           <a:solidFill>
             <a:schemeClr val="tx1"/>
           </a:solidFill>
@@ -3778,7 +3430,7 @@
             </p:nvSpPr>
             <p:spPr>
               <a:xfrm>
-                <a:off x="533592" y="2036837"/>
+                <a:off x="545316" y="2153580"/>
                 <a:ext cx="728869" cy="410817"/>
               </a:xfrm>
               <a:prstGeom prst="rect">
@@ -3821,14 +3473,14 @@
                       <m:sSub>
                         <m:sSubPr>
                           <m:ctrlPr>
-                            <a:rPr lang="en-US" altLang="zh-CN" i="1" smtClean="0">
+                            <a:rPr lang="en-US" altLang="zh-CN" i="1">
                               <a:latin typeface="Cambria Math" panose="02040503050406030204" pitchFamily="18" charset="0"/>
                             </a:rPr>
                           </m:ctrlPr>
                         </m:sSubPr>
                         <m:e>
                           <m:r>
-                            <a:rPr lang="en-US" altLang="zh-CN" b="0" i="1" smtClean="0">
+                            <a:rPr lang="en-US" altLang="zh-CN" i="1">
                               <a:latin typeface="Cambria Math" panose="02040503050406030204" pitchFamily="18" charset="0"/>
                             </a:rPr>
                             <m:t>𝑐</m:t>
@@ -3836,7 +3488,7 @@
                         </m:e>
                         <m:sub>
                           <m:r>
-                            <a:rPr lang="en-US" altLang="zh-CN" b="0" i="1" smtClean="0">
+                            <a:rPr lang="en-US" altLang="zh-CN" i="1">
                               <a:latin typeface="Cambria Math" panose="02040503050406030204" pitchFamily="18" charset="0"/>
                             </a:rPr>
                             <m:t>1</m:t>
@@ -3868,7 +3520,7 @@
             </p:nvSpPr>
             <p:spPr>
               <a:xfrm>
-                <a:off x="533592" y="2036837"/>
+                <a:off x="545316" y="2153580"/>
                 <a:ext cx="728869" cy="410817"/>
               </a:xfrm>
               <a:prstGeom prst="rect">
@@ -3920,7 +3572,7 @@
             </p:nvSpPr>
             <p:spPr>
               <a:xfrm>
-                <a:off x="1262461" y="2036837"/>
+                <a:off x="1274185" y="2153580"/>
                 <a:ext cx="728869" cy="410817"/>
               </a:xfrm>
               <a:prstGeom prst="rect">
@@ -3963,14 +3615,14 @@
                       <m:sSub>
                         <m:sSubPr>
                           <m:ctrlPr>
-                            <a:rPr lang="en-US" altLang="zh-CN" i="1" smtClean="0">
+                            <a:rPr lang="en-US" altLang="zh-CN" i="1">
                               <a:latin typeface="Cambria Math" panose="02040503050406030204" pitchFamily="18" charset="0"/>
                             </a:rPr>
                           </m:ctrlPr>
                         </m:sSubPr>
                         <m:e>
                           <m:r>
-                            <a:rPr lang="en-US" altLang="zh-CN" b="0" i="1" smtClean="0">
+                            <a:rPr lang="en-US" altLang="zh-CN" i="1">
                               <a:latin typeface="Cambria Math" panose="02040503050406030204" pitchFamily="18" charset="0"/>
                             </a:rPr>
                             <m:t>𝑐</m:t>
@@ -3978,7 +3630,7 @@
                         </m:e>
                         <m:sub>
                           <m:r>
-                            <a:rPr lang="en-US" altLang="zh-CN" b="0" i="1" smtClean="0">
+                            <a:rPr lang="en-US" altLang="zh-CN" i="1">
                               <a:latin typeface="Cambria Math" panose="02040503050406030204" pitchFamily="18" charset="0"/>
                             </a:rPr>
                             <m:t>2</m:t>
@@ -4010,7 +3662,7 @@
             </p:nvSpPr>
             <p:spPr>
               <a:xfrm>
-                <a:off x="1262461" y="2036837"/>
+                <a:off x="1274185" y="2153580"/>
                 <a:ext cx="728869" cy="410817"/>
               </a:xfrm>
               <a:prstGeom prst="rect">
@@ -4062,7 +3714,7 @@
             </p:nvSpPr>
             <p:spPr>
               <a:xfrm>
-                <a:off x="1991330" y="2036837"/>
+                <a:off x="2003054" y="2153580"/>
                 <a:ext cx="728869" cy="410817"/>
               </a:xfrm>
               <a:prstGeom prst="rect">
@@ -4105,14 +3757,14 @@
                       <m:sSub>
                         <m:sSubPr>
                           <m:ctrlPr>
-                            <a:rPr lang="en-US" altLang="zh-CN" i="1" smtClean="0">
+                            <a:rPr lang="en-US" altLang="zh-CN" i="1">
                               <a:latin typeface="Cambria Math" panose="02040503050406030204" pitchFamily="18" charset="0"/>
                             </a:rPr>
                           </m:ctrlPr>
                         </m:sSubPr>
                         <m:e>
                           <m:r>
-                            <a:rPr lang="en-US" altLang="zh-CN" b="0" i="1" smtClean="0">
+                            <a:rPr lang="en-US" altLang="zh-CN" i="1">
                               <a:latin typeface="Cambria Math" panose="02040503050406030204" pitchFamily="18" charset="0"/>
                             </a:rPr>
                             <m:t>𝑐</m:t>
@@ -4120,7 +3772,7 @@
                         </m:e>
                         <m:sub>
                           <m:r>
-                            <a:rPr lang="en-US" altLang="zh-CN" b="0" i="1" smtClean="0">
+                            <a:rPr lang="en-US" altLang="zh-CN" i="1">
                               <a:latin typeface="Cambria Math" panose="02040503050406030204" pitchFamily="18" charset="0"/>
                             </a:rPr>
                             <m:t>3</m:t>
@@ -4152,7 +3804,7 @@
             </p:nvSpPr>
             <p:spPr>
               <a:xfrm>
-                <a:off x="1991330" y="2036837"/>
+                <a:off x="2003054" y="2153580"/>
                 <a:ext cx="728869" cy="410817"/>
               </a:xfrm>
               <a:prstGeom prst="rect">
@@ -4202,7 +3854,7 @@
         </p:nvSpPr>
         <p:spPr>
           <a:xfrm>
-            <a:off x="753099" y="1729060"/>
+            <a:off x="764822" y="1845803"/>
             <a:ext cx="1747594" cy="307777"/>
           </a:xfrm>
           <a:prstGeom prst="rect">
@@ -4240,7 +3892,7 @@
             </p:nvSpPr>
             <p:spPr>
               <a:xfrm>
-                <a:off x="533592" y="2909319"/>
+                <a:off x="545316" y="3026062"/>
                 <a:ext cx="728869" cy="410817"/>
               </a:xfrm>
               <a:prstGeom prst="rect">
@@ -4283,14 +3935,14 @@
                       <m:sSub>
                         <m:sSubPr>
                           <m:ctrlPr>
-                            <a:rPr lang="en-US" altLang="zh-CN" i="1" smtClean="0">
+                            <a:rPr lang="en-US" altLang="zh-CN" i="1">
                               <a:latin typeface="Cambria Math" panose="02040503050406030204" pitchFamily="18" charset="0"/>
                             </a:rPr>
                           </m:ctrlPr>
                         </m:sSubPr>
                         <m:e>
                           <m:r>
-                            <a:rPr lang="zh-CN" altLang="en-US" b="0" i="1" smtClean="0">
+                            <a:rPr lang="zh-CN" altLang="en-US" i="1">
                               <a:latin typeface="Cambria Math" panose="02040503050406030204" pitchFamily="18" charset="0"/>
                             </a:rPr>
                             <m:t>𝒆</m:t>
@@ -4298,7 +3950,7 @@
                         </m:e>
                         <m:sub>
                           <m:r>
-                            <a:rPr lang="en-US" altLang="zh-CN" b="0" i="1" smtClean="0">
+                            <a:rPr lang="en-US" altLang="zh-CN" i="1">
                               <a:latin typeface="Cambria Math" panose="02040503050406030204" pitchFamily="18" charset="0"/>
                             </a:rPr>
                             <m:t>1</m:t>
@@ -4330,7 +3982,7 @@
             </p:nvSpPr>
             <p:spPr>
               <a:xfrm>
-                <a:off x="533592" y="2909319"/>
+                <a:off x="545316" y="3026062"/>
                 <a:ext cx="728869" cy="410817"/>
               </a:xfrm>
               <a:prstGeom prst="rect">
@@ -4382,7 +4034,7 @@
             </p:nvSpPr>
             <p:spPr>
               <a:xfrm>
-                <a:off x="1262461" y="2909319"/>
+                <a:off x="1274185" y="3026062"/>
                 <a:ext cx="728869" cy="410817"/>
               </a:xfrm>
               <a:prstGeom prst="rect">
@@ -4425,14 +4077,14 @@
                       <m:sSub>
                         <m:sSubPr>
                           <m:ctrlPr>
-                            <a:rPr lang="en-US" altLang="zh-CN" i="1" smtClean="0">
+                            <a:rPr lang="en-US" altLang="zh-CN" i="1">
                               <a:latin typeface="Cambria Math" panose="02040503050406030204" pitchFamily="18" charset="0"/>
                             </a:rPr>
                           </m:ctrlPr>
                         </m:sSubPr>
                         <m:e>
                           <m:r>
-                            <a:rPr lang="zh-CN" altLang="en-US" b="0" i="1" smtClean="0">
+                            <a:rPr lang="zh-CN" altLang="en-US" i="1">
                               <a:latin typeface="Cambria Math" panose="02040503050406030204" pitchFamily="18" charset="0"/>
                             </a:rPr>
                             <m:t>𝒆</m:t>
@@ -4440,7 +4092,7 @@
                         </m:e>
                         <m:sub>
                           <m:r>
-                            <a:rPr lang="en-US" altLang="zh-CN" b="0" i="1" smtClean="0">
+                            <a:rPr lang="en-US" altLang="zh-CN" i="1">
                               <a:latin typeface="Cambria Math" panose="02040503050406030204" pitchFamily="18" charset="0"/>
                             </a:rPr>
                             <m:t>2</m:t>
@@ -4472,7 +4124,7 @@
             </p:nvSpPr>
             <p:spPr>
               <a:xfrm>
-                <a:off x="1262461" y="2909319"/>
+                <a:off x="1274185" y="3026062"/>
                 <a:ext cx="728869" cy="410817"/>
               </a:xfrm>
               <a:prstGeom prst="rect">
@@ -4524,7 +4176,7 @@
             </p:nvSpPr>
             <p:spPr>
               <a:xfrm>
-                <a:off x="1991330" y="2909319"/>
+                <a:off x="2003054" y="3026062"/>
                 <a:ext cx="728869" cy="410817"/>
               </a:xfrm>
               <a:prstGeom prst="rect">
@@ -4567,14 +4219,14 @@
                       <m:sSub>
                         <m:sSubPr>
                           <m:ctrlPr>
-                            <a:rPr lang="en-US" altLang="zh-CN" i="1" smtClean="0">
+                            <a:rPr lang="en-US" altLang="zh-CN" i="1">
                               <a:latin typeface="Cambria Math" panose="02040503050406030204" pitchFamily="18" charset="0"/>
                             </a:rPr>
                           </m:ctrlPr>
                         </m:sSubPr>
                         <m:e>
                           <m:r>
-                            <a:rPr lang="zh-CN" altLang="en-US" b="0" i="1" smtClean="0">
+                            <a:rPr lang="zh-CN" altLang="en-US" i="1">
                               <a:latin typeface="Cambria Math" panose="02040503050406030204" pitchFamily="18" charset="0"/>
                             </a:rPr>
                             <m:t>𝒆</m:t>
@@ -4582,7 +4234,7 @@
                         </m:e>
                         <m:sub>
                           <m:r>
-                            <a:rPr lang="en-US" altLang="zh-CN" b="0" i="1" smtClean="0">
+                            <a:rPr lang="en-US" altLang="zh-CN" i="1">
                               <a:latin typeface="Cambria Math" panose="02040503050406030204" pitchFamily="18" charset="0"/>
                             </a:rPr>
                             <m:t>3</m:t>
@@ -4614,7 +4266,7 @@
             </p:nvSpPr>
             <p:spPr>
               <a:xfrm>
-                <a:off x="1991330" y="2909319"/>
+                <a:off x="2003054" y="3026062"/>
                 <a:ext cx="728869" cy="410817"/>
               </a:xfrm>
               <a:prstGeom prst="rect">
@@ -4664,7 +4316,7 @@
         </p:nvSpPr>
         <p:spPr>
           <a:xfrm>
-            <a:off x="906186" y="2601542"/>
+            <a:off x="917909" y="2718285"/>
             <a:ext cx="1441420" cy="307777"/>
           </a:xfrm>
           <a:prstGeom prst="rect">
@@ -4702,7 +4354,7 @@
             </p:nvSpPr>
             <p:spPr>
               <a:xfrm>
-                <a:off x="560096" y="3798562"/>
+                <a:off x="571819" y="3915305"/>
                 <a:ext cx="1054394" cy="410817"/>
               </a:xfrm>
               <a:prstGeom prst="rect">
@@ -4745,14 +4397,14 @@
                       <m:sSub>
                         <m:sSubPr>
                           <m:ctrlPr>
-                            <a:rPr lang="en-US" altLang="zh-CN" i="1" smtClean="0">
+                            <a:rPr lang="en-US" altLang="zh-CN" i="1">
                               <a:latin typeface="Cambria Math" panose="02040503050406030204" pitchFamily="18" charset="0"/>
                             </a:rPr>
                           </m:ctrlPr>
                         </m:sSubPr>
                         <m:e>
                           <m:r>
-                            <a:rPr lang="zh-CN" altLang="en-US" b="0" i="1" smtClean="0">
+                            <a:rPr lang="zh-CN" altLang="en-US" i="1">
                               <a:latin typeface="Cambria Math" panose="02040503050406030204" pitchFamily="18" charset="0"/>
                             </a:rPr>
                             <m:t>𝒆</m:t>
@@ -4760,7 +4412,7 @@
                         </m:e>
                         <m:sub>
                           <m:r>
-                            <a:rPr lang="en-US" altLang="zh-CN" b="0" i="1" smtClean="0">
+                            <a:rPr lang="en-US" altLang="zh-CN" i="1">
                               <a:latin typeface="Cambria Math" panose="02040503050406030204" pitchFamily="18" charset="0"/>
                             </a:rPr>
                             <m:t>2</m:t>
@@ -4768,7 +4420,7 @@
                         </m:sub>
                       </m:sSub>
                       <m:r>
-                        <a:rPr lang="en-US" altLang="zh-CN" b="0" i="1" smtClean="0">
+                        <a:rPr lang="en-US" altLang="zh-CN" i="1">
                           <a:latin typeface="Cambria Math" panose="02040503050406030204" pitchFamily="18" charset="0"/>
                         </a:rPr>
                         <m:t>−</m:t>
@@ -4776,14 +4428,14 @@
                       <m:sSub>
                         <m:sSubPr>
                           <m:ctrlPr>
-                            <a:rPr lang="en-US" altLang="zh-CN" b="0" i="1" smtClean="0">
+                            <a:rPr lang="en-US" altLang="zh-CN" i="1">
                               <a:latin typeface="Cambria Math" panose="02040503050406030204" pitchFamily="18" charset="0"/>
                             </a:rPr>
                           </m:ctrlPr>
                         </m:sSubPr>
                         <m:e>
                           <m:r>
-                            <a:rPr lang="zh-CN" altLang="en-US" b="0" i="1" smtClean="0">
+                            <a:rPr lang="zh-CN" altLang="en-US" i="1">
                               <a:latin typeface="Cambria Math" panose="02040503050406030204" pitchFamily="18" charset="0"/>
                             </a:rPr>
                             <m:t>𝒆</m:t>
@@ -4791,7 +4443,7 @@
                         </m:e>
                         <m:sub>
                           <m:r>
-                            <a:rPr lang="en-US" altLang="zh-CN" b="0" i="1" smtClean="0">
+                            <a:rPr lang="en-US" altLang="zh-CN" i="1">
                               <a:latin typeface="Cambria Math" panose="02040503050406030204" pitchFamily="18" charset="0"/>
                             </a:rPr>
                             <m:t>1</m:t>
@@ -4823,7 +4475,7 @@
             </p:nvSpPr>
             <p:spPr>
               <a:xfrm>
-                <a:off x="560096" y="3798562"/>
+                <a:off x="571819" y="3915305"/>
                 <a:ext cx="1054394" cy="410817"/>
               </a:xfrm>
               <a:prstGeom prst="rect">
@@ -4873,7 +4525,7 @@
         </p:nvSpPr>
         <p:spPr>
           <a:xfrm>
-            <a:off x="808402" y="3508165"/>
+            <a:off x="820125" y="3624908"/>
             <a:ext cx="1667444" cy="307777"/>
           </a:xfrm>
           <a:prstGeom prst="rect">
@@ -4911,7 +4563,7 @@
             </p:nvSpPr>
             <p:spPr>
               <a:xfrm>
-                <a:off x="1627741" y="3795249"/>
+                <a:off x="1633135" y="3917072"/>
                 <a:ext cx="1046787" cy="410817"/>
               </a:xfrm>
               <a:prstGeom prst="rect">
@@ -4954,14 +4606,14 @@
                       <m:sSub>
                         <m:sSubPr>
                           <m:ctrlPr>
-                            <a:rPr lang="en-US" altLang="zh-CN" i="1" smtClean="0">
+                            <a:rPr lang="en-US" altLang="zh-CN" i="1">
                               <a:latin typeface="Cambria Math" panose="02040503050406030204" pitchFamily="18" charset="0"/>
                             </a:rPr>
                           </m:ctrlPr>
                         </m:sSubPr>
                         <m:e>
                           <m:r>
-                            <a:rPr lang="zh-CN" altLang="en-US" b="0" i="1" smtClean="0">
+                            <a:rPr lang="zh-CN" altLang="en-US" i="1">
                               <a:latin typeface="Cambria Math" panose="02040503050406030204" pitchFamily="18" charset="0"/>
                             </a:rPr>
                             <m:t>𝒆</m:t>
@@ -4969,7 +4621,7 @@
                         </m:e>
                         <m:sub>
                           <m:r>
-                            <a:rPr lang="en-US" altLang="zh-CN" b="0" i="1" smtClean="0">
+                            <a:rPr lang="en-US" altLang="zh-CN" i="1">
                               <a:latin typeface="Cambria Math" panose="02040503050406030204" pitchFamily="18" charset="0"/>
                             </a:rPr>
                             <m:t>3</m:t>
@@ -4977,7 +4629,7 @@
                         </m:sub>
                       </m:sSub>
                       <m:r>
-                        <a:rPr lang="en-US" altLang="zh-CN" b="0" i="1" smtClean="0">
+                        <a:rPr lang="en-US" altLang="zh-CN" i="1">
                           <a:latin typeface="Cambria Math" panose="02040503050406030204" pitchFamily="18" charset="0"/>
                         </a:rPr>
                         <m:t>−</m:t>
@@ -4985,14 +4637,14 @@
                       <m:sSub>
                         <m:sSubPr>
                           <m:ctrlPr>
-                            <a:rPr lang="en-US" altLang="zh-CN" b="0" i="1" smtClean="0">
+                            <a:rPr lang="en-US" altLang="zh-CN" i="1">
                               <a:latin typeface="Cambria Math" panose="02040503050406030204" pitchFamily="18" charset="0"/>
                             </a:rPr>
                           </m:ctrlPr>
                         </m:sSubPr>
                         <m:e>
                           <m:r>
-                            <a:rPr lang="zh-CN" altLang="en-US" b="0" i="1" smtClean="0">
+                            <a:rPr lang="zh-CN" altLang="en-US" i="1">
                               <a:latin typeface="Cambria Math" panose="02040503050406030204" pitchFamily="18" charset="0"/>
                             </a:rPr>
                             <m:t>𝒆</m:t>
@@ -5000,7 +4652,7 @@
                         </m:e>
                         <m:sub>
                           <m:r>
-                            <a:rPr lang="en-US" altLang="zh-CN" b="0" i="1" smtClean="0">
+                            <a:rPr lang="en-US" altLang="zh-CN" i="1">
                               <a:latin typeface="Cambria Math" panose="02040503050406030204" pitchFamily="18" charset="0"/>
                             </a:rPr>
                             <m:t>1</m:t>
@@ -5032,7 +4684,7 @@
             </p:nvSpPr>
             <p:spPr>
               <a:xfrm>
-                <a:off x="1627741" y="3795249"/>
+                <a:off x="1633135" y="3917072"/>
                 <a:ext cx="1046787" cy="410817"/>
               </a:xfrm>
               <a:prstGeom prst="rect">
@@ -5068,8 +4720,8 @@
           </p:sp>
         </mc:Fallback>
       </mc:AlternateContent>
-      <mc:AlternateContent xmlns:mc="http://schemas.openxmlformats.org/markup-compatibility/2006" xmlns:a14="http://schemas.microsoft.com/office/drawing/2010/main">
-        <mc:Choice Requires="a14">
+      <mc:AlternateContent xmlns:mc="http://schemas.openxmlformats.org/markup-compatibility/2006">
+        <mc:Choice xmlns:a14="http://schemas.microsoft.com/office/drawing/2010/main" Requires="a14">
           <p:sp>
             <p:nvSpPr>
               <p:cNvPr id="17" name="矩形 16">
@@ -5084,7 +4736,7 @@
             </p:nvSpPr>
             <p:spPr>
               <a:xfrm>
-                <a:off x="2881626" y="930272"/>
+                <a:off x="2893349" y="1047015"/>
                 <a:ext cx="6849936" cy="4346713"/>
               </a:xfrm>
               <a:prstGeom prst="rect">
@@ -5117,8 +4769,8 @@
                       <m:jc m:val="centerGroup"/>
                     </m:oMathParaPr>
                     <m:oMath xmlns:m="http://schemas.openxmlformats.org/officeDocument/2006/math">
-                      <a:fld id="{F6605EF6-650F-4E28-9FD5-023BA20894D8}" type="mathplaceholder">
-                        <a:rPr lang="zh-CN" altLang="en-US" i="1" smtClean="0">
+                      <a:fld id="{825F15A7-03F4-43D7-82C5-3E23DA2F108C}" type="mathplaceholder">
+                        <a:rPr lang="zh-CN" altLang="en-US" i="1">
                           <a:latin typeface="Cambria Math" panose="02040503050406030204" pitchFamily="18" charset="0"/>
                         </a:rPr>
                         <a:t>在此处键入公式。</a:t>
@@ -5131,7 +4783,7 @@
             </p:txBody>
           </p:sp>
         </mc:Choice>
-        <mc:Fallback xmlns="">
+        <mc:Fallback>
           <p:sp>
             <p:nvSpPr>
               <p:cNvPr id="17" name="矩形 16">
@@ -5148,7 +4800,7 @@
             </p:nvSpPr>
             <p:spPr>
               <a:xfrm>
-                <a:off x="2881626" y="930272"/>
+                <a:off x="2893349" y="1047015"/>
                 <a:ext cx="6849936" cy="4346713"/>
               </a:xfrm>
               <a:prstGeom prst="rect">
@@ -5194,7 +4846,7 @@
         </p:nvCxnSpPr>
         <p:spPr>
           <a:xfrm>
-            <a:off x="2720199" y="2242246"/>
+            <a:off x="2731922" y="2358989"/>
             <a:ext cx="903992" cy="547147"/>
           </a:xfrm>
           <a:prstGeom prst="straightConnector1">
@@ -5235,7 +4887,7 @@
         </p:nvCxnSpPr>
         <p:spPr>
           <a:xfrm flipV="1">
-            <a:off x="2721146" y="3061252"/>
+            <a:off x="2732870" y="3177994"/>
             <a:ext cx="883445" cy="22058"/>
           </a:xfrm>
           <a:prstGeom prst="straightConnector1">
@@ -5277,7 +4929,7 @@
         </p:nvCxnSpPr>
         <p:spPr>
           <a:xfrm flipV="1">
-            <a:off x="2674528" y="3330204"/>
+            <a:off x="2679921" y="3452026"/>
             <a:ext cx="946880" cy="670454"/>
           </a:xfrm>
           <a:prstGeom prst="straightConnector1">
@@ -5316,7 +4968,7 @@
         </p:nvSpPr>
         <p:spPr>
           <a:xfrm>
-            <a:off x="5449409" y="939584"/>
+            <a:off x="5461133" y="1056326"/>
             <a:ext cx="1838383" cy="369332"/>
           </a:xfrm>
           <a:prstGeom prst="rect">
@@ -5352,7 +5004,7 @@
         </p:nvSpPr>
         <p:spPr>
           <a:xfrm>
-            <a:off x="4851005" y="1523997"/>
+            <a:off x="4862728" y="1640740"/>
             <a:ext cx="4378384" cy="2417797"/>
           </a:xfrm>
           <a:prstGeom prst="rect">
@@ -5420,7 +5072,7 @@
         </p:nvSpPr>
         <p:spPr>
           <a:xfrm>
-            <a:off x="7423383" y="4387789"/>
+            <a:off x="7435107" y="4504531"/>
             <a:ext cx="1372047" cy="770760"/>
           </a:xfrm>
           <a:prstGeom prst="flowChartMagneticDisk">
@@ -5474,7 +5126,7 @@
         </p:nvSpPr>
         <p:spPr>
           <a:xfrm>
-            <a:off x="10151167" y="722243"/>
+            <a:off x="10162890" y="838986"/>
             <a:ext cx="1815546" cy="1004285"/>
           </a:xfrm>
           <a:prstGeom prst="flowChartDecision">
@@ -5522,7 +5174,7 @@
         </p:nvSpPr>
         <p:spPr>
           <a:xfrm>
-            <a:off x="4864224" y="4529707"/>
+            <a:off x="4875947" y="4646449"/>
             <a:ext cx="1372048" cy="559570"/>
           </a:xfrm>
           <a:prstGeom prst="rect">
@@ -5600,7 +5252,7 @@
         </p:nvCxnSpPr>
         <p:spPr>
           <a:xfrm>
-            <a:off x="6272546" y="4707534"/>
+            <a:off x="6284270" y="4824276"/>
             <a:ext cx="1150837" cy="0"/>
           </a:xfrm>
           <a:prstGeom prst="straightConnector1">
@@ -5646,7 +5298,7 @@
         </p:nvCxnSpPr>
         <p:spPr>
           <a:xfrm flipH="1">
-            <a:off x="6272546" y="4903653"/>
+            <a:off x="6284270" y="5020395"/>
             <a:ext cx="1154923" cy="0"/>
           </a:xfrm>
           <a:prstGeom prst="straightConnector1">
@@ -5691,7 +5343,7 @@
         </p:nvSpPr>
         <p:spPr>
           <a:xfrm>
-            <a:off x="6492898" y="4460647"/>
+            <a:off x="6504621" y="4577389"/>
             <a:ext cx="632906" cy="276998"/>
           </a:xfrm>
           <a:prstGeom prst="rect">
@@ -5731,7 +5383,7 @@
         </p:nvSpPr>
         <p:spPr>
           <a:xfrm>
-            <a:off x="6540417" y="4899643"/>
+            <a:off x="6552140" y="5016386"/>
             <a:ext cx="632906" cy="276999"/>
           </a:xfrm>
           <a:prstGeom prst="rect">
@@ -5773,7 +5425,7 @@
         </p:nvCxnSpPr>
         <p:spPr>
           <a:xfrm flipV="1">
-            <a:off x="5625004" y="3968298"/>
+            <a:off x="5636727" y="4085040"/>
             <a:ext cx="0" cy="518854"/>
           </a:xfrm>
           <a:prstGeom prst="straightConnector1">
@@ -5815,7 +5467,7 @@
         </p:nvSpPr>
         <p:spPr>
           <a:xfrm>
-            <a:off x="5046948" y="4088961"/>
+            <a:off x="5058672" y="4205704"/>
             <a:ext cx="689109" cy="276999"/>
           </a:xfrm>
           <a:prstGeom prst="rect">
@@ -5855,7 +5507,7 @@
         </p:nvSpPr>
         <p:spPr>
           <a:xfrm>
-            <a:off x="3627379" y="1989312"/>
+            <a:off x="3639103" y="2106055"/>
             <a:ext cx="730405" cy="1798985"/>
           </a:xfrm>
           <a:prstGeom prst="rect">
@@ -5906,7 +5558,7 @@
         </p:nvCxnSpPr>
         <p:spPr>
           <a:xfrm flipV="1">
-            <a:off x="4357259" y="1809664"/>
+            <a:off x="4368983" y="1926406"/>
             <a:ext cx="837247" cy="905374"/>
           </a:xfrm>
           <a:prstGeom prst="straightConnector1">
@@ -5948,7 +5600,7 @@
         </p:nvSpPr>
         <p:spPr>
           <a:xfrm>
-            <a:off x="5194506" y="1630015"/>
+            <a:off x="5206229" y="1746758"/>
             <a:ext cx="393994" cy="359297"/>
           </a:xfrm>
           <a:prstGeom prst="ellipse">
@@ -5993,7 +5645,7 @@
         </p:nvSpPr>
         <p:spPr>
           <a:xfrm>
-            <a:off x="5194506" y="2085515"/>
+            <a:off x="5206229" y="2202258"/>
             <a:ext cx="393994" cy="359297"/>
           </a:xfrm>
           <a:prstGeom prst="ellipse">
@@ -6038,7 +5690,7 @@
         </p:nvSpPr>
         <p:spPr>
           <a:xfrm>
-            <a:off x="5194506" y="2570300"/>
+            <a:off x="5206229" y="2687043"/>
             <a:ext cx="393994" cy="359297"/>
           </a:xfrm>
           <a:prstGeom prst="ellipse">
@@ -6083,7 +5735,7 @@
         </p:nvSpPr>
         <p:spPr>
           <a:xfrm>
-            <a:off x="5201573" y="3095222"/>
+            <a:off x="5213296" y="3211965"/>
             <a:ext cx="393994" cy="359297"/>
           </a:xfrm>
           <a:prstGeom prst="ellipse">
@@ -6131,7 +5783,7 @@
         </p:nvCxnSpPr>
         <p:spPr>
           <a:xfrm flipV="1">
-            <a:off x="4376093" y="2265164"/>
+            <a:off x="4387817" y="2381906"/>
             <a:ext cx="818413" cy="476446"/>
           </a:xfrm>
           <a:prstGeom prst="straightConnector1">
@@ -6176,7 +5828,7 @@
         </p:nvCxnSpPr>
         <p:spPr>
           <a:xfrm flipV="1">
-            <a:off x="4356737" y="2749949"/>
+            <a:off x="4368461" y="2866691"/>
             <a:ext cx="837769" cy="6804"/>
           </a:xfrm>
           <a:prstGeom prst="straightConnector1">
@@ -6221,7 +5873,7 @@
         </p:nvCxnSpPr>
         <p:spPr>
           <a:xfrm>
-            <a:off x="4351343" y="2725529"/>
+            <a:off x="4363066" y="2842271"/>
             <a:ext cx="850230" cy="549342"/>
           </a:xfrm>
           <a:prstGeom prst="straightConnector1">
@@ -6263,7 +5915,7 @@
         </p:nvSpPr>
         <p:spPr>
           <a:xfrm>
-            <a:off x="6194528" y="1638422"/>
+            <a:off x="6206251" y="1755165"/>
             <a:ext cx="393994" cy="359297"/>
           </a:xfrm>
           <a:prstGeom prst="ellipse">
@@ -6308,7 +5960,7 @@
         </p:nvSpPr>
         <p:spPr>
           <a:xfrm>
-            <a:off x="6194528" y="2093922"/>
+            <a:off x="6206251" y="2210665"/>
             <a:ext cx="393994" cy="359297"/>
           </a:xfrm>
           <a:prstGeom prst="ellipse">
@@ -6353,7 +6005,7 @@
         </p:nvSpPr>
         <p:spPr>
           <a:xfrm>
-            <a:off x="6194528" y="2578707"/>
+            <a:off x="6206251" y="2695450"/>
             <a:ext cx="393994" cy="359297"/>
           </a:xfrm>
           <a:prstGeom prst="ellipse">
@@ -6398,7 +6050,7 @@
         </p:nvSpPr>
         <p:spPr>
           <a:xfrm>
-            <a:off x="6201595" y="3103629"/>
+            <a:off x="6213318" y="3220372"/>
             <a:ext cx="393994" cy="359297"/>
           </a:xfrm>
           <a:prstGeom prst="ellipse">
@@ -6446,7 +6098,7 @@
         </p:nvCxnSpPr>
         <p:spPr>
           <a:xfrm>
-            <a:off x="5588500" y="1809664"/>
+            <a:off x="5600223" y="1926407"/>
             <a:ext cx="606028" cy="8407"/>
           </a:xfrm>
           <a:prstGeom prst="line">
@@ -6483,7 +6135,7 @@
         </p:nvCxnSpPr>
         <p:spPr>
           <a:xfrm>
-            <a:off x="5607893" y="2305480"/>
+            <a:off x="5619616" y="2422223"/>
             <a:ext cx="606028" cy="8407"/>
           </a:xfrm>
           <a:prstGeom prst="line">
@@ -6520,7 +6172,7 @@
         </p:nvCxnSpPr>
         <p:spPr>
           <a:xfrm>
-            <a:off x="5588500" y="2749948"/>
+            <a:off x="5600223" y="2866691"/>
             <a:ext cx="606028" cy="8407"/>
           </a:xfrm>
           <a:prstGeom prst="line">
@@ -6557,7 +6209,7 @@
         </p:nvCxnSpPr>
         <p:spPr>
           <a:xfrm>
-            <a:off x="5595567" y="3297912"/>
+            <a:off x="5607290" y="3414655"/>
             <a:ext cx="606028" cy="8407"/>
           </a:xfrm>
           <a:prstGeom prst="line">
@@ -6597,7 +6249,7 @@
         </p:nvCxnSpPr>
         <p:spPr>
           <a:xfrm>
-            <a:off x="5580515" y="1830827"/>
+            <a:off x="5592239" y="1947569"/>
             <a:ext cx="614013" cy="442744"/>
           </a:xfrm>
           <a:prstGeom prst="line">
@@ -6636,7 +6288,7 @@
         </p:nvCxnSpPr>
         <p:spPr>
           <a:xfrm>
-            <a:off x="5599937" y="1824199"/>
+            <a:off x="5611660" y="1940941"/>
             <a:ext cx="574172" cy="948306"/>
           </a:xfrm>
           <a:prstGeom prst="line">
@@ -6675,7 +6327,7 @@
         </p:nvCxnSpPr>
         <p:spPr>
           <a:xfrm>
-            <a:off x="5619359" y="1842223"/>
+            <a:off x="5631082" y="1958966"/>
             <a:ext cx="574172" cy="1487981"/>
           </a:xfrm>
           <a:prstGeom prst="line">
@@ -6714,7 +6366,7 @@
         </p:nvCxnSpPr>
         <p:spPr>
           <a:xfrm>
-            <a:off x="5574229" y="2288784"/>
+            <a:off x="5585953" y="2405526"/>
             <a:ext cx="614013" cy="442744"/>
           </a:xfrm>
           <a:prstGeom prst="line">
@@ -6754,7 +6406,7 @@
         </p:nvCxnSpPr>
         <p:spPr>
           <a:xfrm flipV="1">
-            <a:off x="5607141" y="1818071"/>
+            <a:off x="5618865" y="1934813"/>
             <a:ext cx="587387" cy="477150"/>
           </a:xfrm>
           <a:prstGeom prst="line">
@@ -6794,7 +6446,7 @@
         </p:nvCxnSpPr>
         <p:spPr>
           <a:xfrm>
-            <a:off x="5573378" y="2314903"/>
+            <a:off x="5585101" y="2431646"/>
             <a:ext cx="685916" cy="1095405"/>
           </a:xfrm>
           <a:prstGeom prst="line">
@@ -6833,7 +6485,7 @@
         </p:nvCxnSpPr>
         <p:spPr>
           <a:xfrm flipV="1">
-            <a:off x="5620081" y="1844190"/>
+            <a:off x="5631805" y="1960933"/>
             <a:ext cx="529181" cy="899177"/>
           </a:xfrm>
           <a:prstGeom prst="line">
@@ -6872,7 +6524,7 @@
         </p:nvCxnSpPr>
         <p:spPr>
           <a:xfrm flipV="1">
-            <a:off x="5600581" y="2276945"/>
+            <a:off x="5612304" y="2393688"/>
             <a:ext cx="570340" cy="1003207"/>
           </a:xfrm>
           <a:prstGeom prst="line">
@@ -6911,7 +6563,7 @@
         </p:nvCxnSpPr>
         <p:spPr>
           <a:xfrm flipV="1">
-            <a:off x="5605775" y="2769486"/>
+            <a:off x="5617498" y="2886229"/>
             <a:ext cx="557034" cy="492043"/>
           </a:xfrm>
           <a:prstGeom prst="line">
@@ -6950,7 +6602,7 @@
         </p:nvCxnSpPr>
         <p:spPr>
           <a:xfrm flipV="1">
-            <a:off x="5625004" y="1840937"/>
+            <a:off x="5636728" y="1957680"/>
             <a:ext cx="553981" cy="1438755"/>
           </a:xfrm>
           <a:prstGeom prst="line">
@@ -6990,7 +6642,7 @@
         </p:nvCxnSpPr>
         <p:spPr>
           <a:xfrm>
-            <a:off x="5618362" y="2767911"/>
+            <a:off x="5630086" y="2884654"/>
             <a:ext cx="583233" cy="515367"/>
           </a:xfrm>
           <a:prstGeom prst="line">
@@ -7029,7 +6681,7 @@
         </p:nvCxnSpPr>
         <p:spPr>
           <a:xfrm flipV="1">
-            <a:off x="5598483" y="2320468"/>
+            <a:off x="5610206" y="2437210"/>
             <a:ext cx="580502" cy="440582"/>
           </a:xfrm>
           <a:prstGeom prst="line">
@@ -7066,7 +6718,7 @@
         </p:nvSpPr>
         <p:spPr>
           <a:xfrm>
-            <a:off x="6917884" y="1749747"/>
+            <a:off x="6929607" y="1866490"/>
             <a:ext cx="342990" cy="302669"/>
           </a:xfrm>
           <a:prstGeom prst="ellipse">
@@ -7111,7 +6763,7 @@
         </p:nvSpPr>
         <p:spPr>
           <a:xfrm>
-            <a:off x="6924988" y="2194165"/>
+            <a:off x="6936711" y="2310908"/>
             <a:ext cx="342990" cy="302669"/>
           </a:xfrm>
           <a:prstGeom prst="ellipse">
@@ -7156,7 +6808,7 @@
         </p:nvSpPr>
         <p:spPr>
           <a:xfrm>
-            <a:off x="6938236" y="3087200"/>
+            <a:off x="6949959" y="3203943"/>
             <a:ext cx="342990" cy="302669"/>
           </a:xfrm>
           <a:prstGeom prst="ellipse">
@@ -7201,7 +6853,7 @@
         </p:nvSpPr>
         <p:spPr>
           <a:xfrm>
-            <a:off x="6951783" y="2644139"/>
+            <a:off x="6963507" y="2760882"/>
             <a:ext cx="281151" cy="421397"/>
           </a:xfrm>
           <a:prstGeom prst="rect">
@@ -7290,7 +6942,7 @@
         </p:nvCxnSpPr>
         <p:spPr>
           <a:xfrm>
-            <a:off x="6601445" y="1817573"/>
+            <a:off x="6613168" y="1934316"/>
             <a:ext cx="329362" cy="83011"/>
           </a:xfrm>
           <a:prstGeom prst="line">
@@ -7330,7 +6982,7 @@
         </p:nvCxnSpPr>
         <p:spPr>
           <a:xfrm>
-            <a:off x="6588522" y="1818071"/>
+            <a:off x="6600245" y="1934813"/>
             <a:ext cx="318858" cy="527428"/>
           </a:xfrm>
           <a:prstGeom prst="line">
@@ -7370,7 +7022,7 @@
         </p:nvCxnSpPr>
         <p:spPr>
           <a:xfrm>
-            <a:off x="6607890" y="1824199"/>
+            <a:off x="6619613" y="1940941"/>
             <a:ext cx="330346" cy="1414336"/>
           </a:xfrm>
           <a:prstGeom prst="line">
@@ -7410,7 +7062,7 @@
         </p:nvCxnSpPr>
         <p:spPr>
           <a:xfrm>
-            <a:off x="6581546" y="2261753"/>
+            <a:off x="6593269" y="2378496"/>
             <a:ext cx="343442" cy="83747"/>
           </a:xfrm>
           <a:prstGeom prst="line">
@@ -7450,7 +7102,7 @@
         </p:nvCxnSpPr>
         <p:spPr>
           <a:xfrm flipV="1">
-            <a:off x="6587997" y="1901082"/>
+            <a:off x="6599721" y="2017824"/>
             <a:ext cx="329887" cy="394140"/>
           </a:xfrm>
           <a:prstGeom prst="line">
@@ -7490,7 +7142,7 @@
         </p:nvCxnSpPr>
         <p:spPr>
           <a:xfrm>
-            <a:off x="6594458" y="2288784"/>
+            <a:off x="6606181" y="2405526"/>
             <a:ext cx="394008" cy="1056760"/>
           </a:xfrm>
           <a:prstGeom prst="line">
@@ -7530,7 +7182,7 @@
         </p:nvCxnSpPr>
         <p:spPr>
           <a:xfrm flipV="1">
-            <a:off x="6581283" y="2345500"/>
+            <a:off x="6593007" y="2462242"/>
             <a:ext cx="343705" cy="422412"/>
           </a:xfrm>
           <a:prstGeom prst="line">
@@ -7570,7 +7222,7 @@
         </p:nvCxnSpPr>
         <p:spPr>
           <a:xfrm flipV="1">
-            <a:off x="6612665" y="1901082"/>
+            <a:off x="6624389" y="2017824"/>
             <a:ext cx="305219" cy="860464"/>
           </a:xfrm>
           <a:prstGeom prst="line">
@@ -7610,7 +7262,7 @@
         </p:nvCxnSpPr>
         <p:spPr>
           <a:xfrm>
-            <a:off x="6617242" y="2761543"/>
+            <a:off x="6628965" y="2878286"/>
             <a:ext cx="371224" cy="584001"/>
           </a:xfrm>
           <a:prstGeom prst="line">
@@ -7650,7 +7302,7 @@
         </p:nvCxnSpPr>
         <p:spPr>
           <a:xfrm flipV="1">
-            <a:off x="6595036" y="1901082"/>
+            <a:off x="6606759" y="2017824"/>
             <a:ext cx="322848" cy="1354296"/>
           </a:xfrm>
           <a:prstGeom prst="line">
@@ -7690,7 +7342,7 @@
         </p:nvCxnSpPr>
         <p:spPr>
           <a:xfrm flipV="1">
-            <a:off x="6601560" y="2345500"/>
+            <a:off x="6613283" y="2462242"/>
             <a:ext cx="323428" cy="887786"/>
           </a:xfrm>
           <a:prstGeom prst="line">
@@ -7730,7 +7382,7 @@
         </p:nvCxnSpPr>
         <p:spPr>
           <a:xfrm>
-            <a:off x="6621768" y="3226792"/>
+            <a:off x="6633491" y="3343534"/>
             <a:ext cx="366698" cy="118752"/>
           </a:xfrm>
           <a:prstGeom prst="line">
@@ -7767,7 +7419,7 @@
         </p:nvSpPr>
         <p:spPr>
           <a:xfrm>
-            <a:off x="7233383" y="1726528"/>
+            <a:off x="7245107" y="1843271"/>
             <a:ext cx="1742113" cy="307777"/>
           </a:xfrm>
           <a:prstGeom prst="rect">
@@ -7813,7 +7465,7 @@
         </p:nvSpPr>
         <p:spPr>
           <a:xfrm>
-            <a:off x="7227742" y="2199302"/>
+            <a:off x="7239466" y="2316045"/>
             <a:ext cx="1730101" cy="307777"/>
           </a:xfrm>
           <a:prstGeom prst="rect">
@@ -7859,7 +7511,7 @@
         </p:nvSpPr>
         <p:spPr>
           <a:xfrm>
-            <a:off x="7263279" y="3094070"/>
+            <a:off x="7275003" y="3210813"/>
             <a:ext cx="1694565" cy="307777"/>
           </a:xfrm>
           <a:prstGeom prst="rect">
@@ -7900,8 +7552,8 @@
           </a:p>
         </p:txBody>
       </p:sp>
-      <mc:AlternateContent xmlns:mc="http://schemas.openxmlformats.org/markup-compatibility/2006" xmlns:a14="http://schemas.microsoft.com/office/drawing/2010/main">
-        <mc:Choice Requires="a14">
+      <mc:AlternateContent xmlns:mc="http://schemas.openxmlformats.org/markup-compatibility/2006">
+        <mc:Choice xmlns:a14="http://schemas.microsoft.com/office/drawing/2010/main" Requires="a14">
           <p:sp>
             <p:nvSpPr>
               <p:cNvPr id="185" name="文本框 184">
@@ -7916,7 +7568,7 @@
             </p:nvSpPr>
             <p:spPr>
               <a:xfrm rot="10800000">
-                <a:off x="8379681" y="1720848"/>
+                <a:off x="8391405" y="1837590"/>
                 <a:ext cx="805617" cy="1730730"/>
               </a:xfrm>
               <a:prstGeom prst="rect">
@@ -7942,7 +7594,7 @@
                           <m:begChr m:val="{"/>
                           <m:endChr m:val=""/>
                           <m:ctrlPr>
-                            <a:rPr lang="en-US" altLang="zh-CN" i="1" smtClean="0">
+                            <a:rPr lang="en-US" altLang="zh-CN" i="1">
                               <a:solidFill>
                                 <a:schemeClr val="bg1"/>
                               </a:solidFill>
@@ -7954,7 +7606,7 @@
                           <m:eqArr>
                             <m:eqArrPr>
                               <m:ctrlPr>
-                                <a:rPr lang="en-US" altLang="zh-CN" b="0" i="1" smtClean="0">
+                                <a:rPr lang="en-US" altLang="zh-CN" i="1">
                                   <a:solidFill>
                                     <a:schemeClr val="bg1"/>
                                   </a:solidFill>
@@ -7983,7 +7635,7 @@
             </p:txBody>
           </p:sp>
         </mc:Choice>
-        <mc:Fallback xmlns="">
+        <mc:Fallback>
           <p:sp>
             <p:nvSpPr>
               <p:cNvPr id="185" name="文本框 184">
@@ -8000,7 +7652,7 @@
             </p:nvSpPr>
             <p:spPr>
               <a:xfrm rot="10800000">
-                <a:off x="8379681" y="1720848"/>
+                <a:off x="8391405" y="1837590"/>
                 <a:ext cx="805617" cy="1730730"/>
               </a:xfrm>
               <a:prstGeom prst="rect">
@@ -8045,7 +7697,7 @@
         </p:nvCxnSpPr>
         <p:spPr>
           <a:xfrm flipV="1">
-            <a:off x="8955097" y="1726528"/>
+            <a:off x="8966821" y="1843270"/>
             <a:ext cx="2103843" cy="859686"/>
           </a:xfrm>
           <a:prstGeom prst="bentConnector2">
@@ -8091,7 +7743,7 @@
         </p:nvCxnSpPr>
         <p:spPr>
           <a:xfrm rot="16200000" flipH="1" flipV="1">
-            <a:off x="8605100" y="-1514257"/>
+            <a:off x="8616824" y="-1397515"/>
             <a:ext cx="217341" cy="4690339"/>
           </a:xfrm>
           <a:prstGeom prst="bentConnector3">
@@ -8132,7 +7784,7 @@
         </p:nvSpPr>
         <p:spPr>
           <a:xfrm>
-            <a:off x="8220186" y="106871"/>
+            <a:off x="8231910" y="223613"/>
             <a:ext cx="1023207" cy="400110"/>
           </a:xfrm>
           <a:prstGeom prst="rect">
@@ -8172,7 +7824,7 @@
         </p:nvSpPr>
         <p:spPr>
           <a:xfrm>
-            <a:off x="10428202" y="1034708"/>
+            <a:off x="10439925" y="1151450"/>
             <a:ext cx="1445746" cy="369332"/>
           </a:xfrm>
           <a:prstGeom prst="rect">
@@ -8217,7 +7869,7 @@
         </p:nvSpPr>
         <p:spPr>
           <a:xfrm>
-            <a:off x="3604552" y="2614838"/>
+            <a:off x="3616275" y="2731581"/>
             <a:ext cx="849666" cy="646331"/>
           </a:xfrm>
           <a:prstGeom prst="rect">
@@ -8266,7 +7918,7 @@
         </p:nvSpPr>
         <p:spPr>
           <a:xfrm>
-            <a:off x="6464430" y="3571865"/>
+            <a:off x="6476154" y="3688607"/>
             <a:ext cx="1838383" cy="338554"/>
           </a:xfrm>
           <a:prstGeom prst="rect">
@@ -8312,7 +7964,7 @@
 <file path=ppt/theme/theme1.xml><?xml version="1.0" encoding="utf-8"?>
 <a:theme xmlns:a="http://schemas.openxmlformats.org/drawingml/2006/main" name="Office 主题​​">
   <a:themeElements>
-    <a:clrScheme name="Office">
+    <a:clrScheme name="Office 主题​​">
       <a:dk1>
         <a:sysClr val="windowText" lastClr="000000"/>
       </a:dk1>
@@ -8350,9 +8002,9 @@
         <a:srgbClr val="954F72"/>
       </a:folHlink>
     </a:clrScheme>
-    <a:fontScheme name="Office">
+    <a:fontScheme name="Office 主题​​">
       <a:majorFont>
-        <a:latin typeface="等线 Light" panose="020F0302020204030204"/>
+        <a:latin typeface="Calibri Light" panose="020F0302020204030204"/>
         <a:ea typeface=""/>
         <a:cs typeface=""/>
         <a:font script="Jpan" typeface="游ゴシック Light"/>
@@ -8385,26 +8037,9 @@
         <a:font script="Viet" typeface="Times New Roman"/>
         <a:font script="Uigh" typeface="Microsoft Uighur"/>
         <a:font script="Geor" typeface="Sylfaen"/>
-        <a:font script="Armn" typeface="Arial"/>
-        <a:font script="Bugi" typeface="Leelawadee UI"/>
-        <a:font script="Bopo" typeface="Microsoft JhengHei"/>
-        <a:font script="Java" typeface="Javanese Text"/>
-        <a:font script="Lisu" typeface="Segoe UI"/>
-        <a:font script="Mymr" typeface="Myanmar Text"/>
-        <a:font script="Nkoo" typeface="Ebrima"/>
-        <a:font script="Olck" typeface="Nirmala UI"/>
-        <a:font script="Osma" typeface="Ebrima"/>
-        <a:font script="Phag" typeface="Phagspa"/>
-        <a:font script="Syrn" typeface="Estrangelo Edessa"/>
-        <a:font script="Syrj" typeface="Estrangelo Edessa"/>
-        <a:font script="Syre" typeface="Estrangelo Edessa"/>
-        <a:font script="Sora" typeface="Nirmala UI"/>
-        <a:font script="Tale" typeface="Microsoft Tai Le"/>
-        <a:font script="Talu" typeface="Microsoft New Tai Lue"/>
-        <a:font script="Tfng" typeface="Ebrima"/>
       </a:majorFont>
       <a:minorFont>
-        <a:latin typeface="等线" panose="020F0502020204030204"/>
+        <a:latin typeface="Calibri" panose="020F0502020204030204"/>
         <a:ea typeface=""/>
         <a:cs typeface=""/>
         <a:font script="Jpan" typeface="游ゴシック"/>
@@ -8437,26 +8072,9 @@
         <a:font script="Viet" typeface="Arial"/>
         <a:font script="Uigh" typeface="Microsoft Uighur"/>
         <a:font script="Geor" typeface="Sylfaen"/>
-        <a:font script="Armn" typeface="Arial"/>
-        <a:font script="Bugi" typeface="Leelawadee UI"/>
-        <a:font script="Bopo" typeface="Microsoft JhengHei"/>
-        <a:font script="Java" typeface="Javanese Text"/>
-        <a:font script="Lisu" typeface="Segoe UI"/>
-        <a:font script="Mymr" typeface="Myanmar Text"/>
-        <a:font script="Nkoo" typeface="Ebrima"/>
-        <a:font script="Olck" typeface="Nirmala UI"/>
-        <a:font script="Osma" typeface="Ebrima"/>
-        <a:font script="Phag" typeface="Phagspa"/>
-        <a:font script="Syrn" typeface="Estrangelo Edessa"/>
-        <a:font script="Syrj" typeface="Estrangelo Edessa"/>
-        <a:font script="Syre" typeface="Estrangelo Edessa"/>
-        <a:font script="Sora" typeface="Nirmala UI"/>
-        <a:font script="Tale" typeface="Microsoft Tai Le"/>
-        <a:font script="Talu" typeface="Microsoft New Tai Lue"/>
-        <a:font script="Tfng" typeface="Ebrima"/>
       </a:minorFont>
     </a:fontScheme>
-    <a:fmtScheme name="Office">
+    <a:fmtScheme name="Office 主题​​">
       <a:fillStyleLst>
         <a:solidFill>
           <a:schemeClr val="phClr"/>

--- a/paper/figures/framework2.pptx
+++ b/paper/figures/framework2.pptx
@@ -197,7 +197,7 @@
           <a:p>
             <a:fld id="{565B4B56-32A4-4E7E-B32C-594EE8F61FCB}" type="datetimeFigureOut">
               <a:rPr lang="zh-CN" altLang="en-US" smtClean="0"/>
-              <a:t>2020/11/28</a:t>
+              <a:t>2020/12/8</a:t>
             </a:fld>
             <a:endParaRPr lang="zh-CN" altLang="en-US"/>
           </a:p>
@@ -684,7 +684,7 @@
           <a:p>
             <a:fld id="{A627DF43-A246-43EE-926C-71914852C54A}" type="datetimeFigureOut">
               <a:rPr lang="zh-CN" altLang="en-US" smtClean="0"/>
-              <a:t>2020/11/28</a:t>
+              <a:t>2020/12/8</a:t>
             </a:fld>
             <a:endParaRPr lang="zh-CN" altLang="en-US"/>
           </a:p>
@@ -854,7 +854,7 @@
           <a:p>
             <a:fld id="{A627DF43-A246-43EE-926C-71914852C54A}" type="datetimeFigureOut">
               <a:rPr lang="zh-CN" altLang="en-US" smtClean="0"/>
-              <a:t>2020/11/28</a:t>
+              <a:t>2020/12/8</a:t>
             </a:fld>
             <a:endParaRPr lang="zh-CN" altLang="en-US"/>
           </a:p>
@@ -1034,7 +1034,7 @@
           <a:p>
             <a:fld id="{A627DF43-A246-43EE-926C-71914852C54A}" type="datetimeFigureOut">
               <a:rPr lang="zh-CN" altLang="en-US" smtClean="0"/>
-              <a:t>2020/11/28</a:t>
+              <a:t>2020/12/8</a:t>
             </a:fld>
             <a:endParaRPr lang="zh-CN" altLang="en-US"/>
           </a:p>
@@ -1204,7 +1204,7 @@
           <a:p>
             <a:fld id="{A627DF43-A246-43EE-926C-71914852C54A}" type="datetimeFigureOut">
               <a:rPr lang="zh-CN" altLang="en-US" smtClean="0"/>
-              <a:t>2020/11/28</a:t>
+              <a:t>2020/12/8</a:t>
             </a:fld>
             <a:endParaRPr lang="zh-CN" altLang="en-US"/>
           </a:p>
@@ -1450,7 +1450,7 @@
           <a:p>
             <a:fld id="{A627DF43-A246-43EE-926C-71914852C54A}" type="datetimeFigureOut">
               <a:rPr lang="zh-CN" altLang="en-US" smtClean="0"/>
-              <a:t>2020/11/28</a:t>
+              <a:t>2020/12/8</a:t>
             </a:fld>
             <a:endParaRPr lang="zh-CN" altLang="en-US"/>
           </a:p>
@@ -1682,7 +1682,7 @@
           <a:p>
             <a:fld id="{A627DF43-A246-43EE-926C-71914852C54A}" type="datetimeFigureOut">
               <a:rPr lang="zh-CN" altLang="en-US" smtClean="0"/>
-              <a:t>2020/11/28</a:t>
+              <a:t>2020/12/8</a:t>
             </a:fld>
             <a:endParaRPr lang="zh-CN" altLang="en-US"/>
           </a:p>
@@ -2049,7 +2049,7 @@
           <a:p>
             <a:fld id="{A627DF43-A246-43EE-926C-71914852C54A}" type="datetimeFigureOut">
               <a:rPr lang="zh-CN" altLang="en-US" smtClean="0"/>
-              <a:t>2020/11/28</a:t>
+              <a:t>2020/12/8</a:t>
             </a:fld>
             <a:endParaRPr lang="zh-CN" altLang="en-US"/>
           </a:p>
@@ -2167,7 +2167,7 @@
           <a:p>
             <a:fld id="{A627DF43-A246-43EE-926C-71914852C54A}" type="datetimeFigureOut">
               <a:rPr lang="zh-CN" altLang="en-US" smtClean="0"/>
-              <a:t>2020/11/28</a:t>
+              <a:t>2020/12/8</a:t>
             </a:fld>
             <a:endParaRPr lang="zh-CN" altLang="en-US"/>
           </a:p>
@@ -2262,7 +2262,7 @@
           <a:p>
             <a:fld id="{A627DF43-A246-43EE-926C-71914852C54A}" type="datetimeFigureOut">
               <a:rPr lang="zh-CN" altLang="en-US" smtClean="0"/>
-              <a:t>2020/11/28</a:t>
+              <a:t>2020/12/8</a:t>
             </a:fld>
             <a:endParaRPr lang="zh-CN" altLang="en-US"/>
           </a:p>
@@ -2539,7 +2539,7 @@
           <a:p>
             <a:fld id="{A627DF43-A246-43EE-926C-71914852C54A}" type="datetimeFigureOut">
               <a:rPr lang="zh-CN" altLang="en-US" smtClean="0"/>
-              <a:t>2020/11/28</a:t>
+              <a:t>2020/12/8</a:t>
             </a:fld>
             <a:endParaRPr lang="zh-CN" altLang="en-US"/>
           </a:p>
@@ -2796,7 +2796,7 @@
           <a:p>
             <a:fld id="{A627DF43-A246-43EE-926C-71914852C54A}" type="datetimeFigureOut">
               <a:rPr lang="zh-CN" altLang="en-US" smtClean="0"/>
-              <a:t>2020/11/28</a:t>
+              <a:t>2020/12/8</a:t>
             </a:fld>
             <a:endParaRPr lang="zh-CN" altLang="en-US"/>
           </a:p>
@@ -3009,7 +3009,7 @@
           <a:p>
             <a:fld id="{A627DF43-A246-43EE-926C-71914852C54A}" type="datetimeFigureOut">
               <a:rPr lang="zh-CN" altLang="en-US" smtClean="0"/>
-              <a:t>2020/11/28</a:t>
+              <a:t>2020/12/8</a:t>
             </a:fld>
             <a:endParaRPr lang="zh-CN" altLang="en-US"/>
           </a:p>
@@ -3430,7 +3430,7 @@
             </p:nvSpPr>
             <p:spPr>
               <a:xfrm>
-                <a:off x="545316" y="2153580"/>
+                <a:off x="554256" y="1921664"/>
                 <a:ext cx="728869" cy="410817"/>
               </a:xfrm>
               <a:prstGeom prst="rect">
@@ -3520,7 +3520,7 @@
             </p:nvSpPr>
             <p:spPr>
               <a:xfrm>
-                <a:off x="545316" y="2153580"/>
+                <a:off x="554256" y="1921664"/>
                 <a:ext cx="728869" cy="410817"/>
               </a:xfrm>
               <a:prstGeom prst="rect">
@@ -3572,7 +3572,7 @@
             </p:nvSpPr>
             <p:spPr>
               <a:xfrm>
-                <a:off x="1274185" y="2153580"/>
+                <a:off x="1283125" y="1921664"/>
                 <a:ext cx="728869" cy="410817"/>
               </a:xfrm>
               <a:prstGeom prst="rect">
@@ -3662,7 +3662,7 @@
             </p:nvSpPr>
             <p:spPr>
               <a:xfrm>
-                <a:off x="1274185" y="2153580"/>
+                <a:off x="1283125" y="1921664"/>
                 <a:ext cx="728869" cy="410817"/>
               </a:xfrm>
               <a:prstGeom prst="rect">
@@ -3714,7 +3714,7 @@
             </p:nvSpPr>
             <p:spPr>
               <a:xfrm>
-                <a:off x="2003054" y="2153580"/>
+                <a:off x="2011994" y="1921664"/>
                 <a:ext cx="728869" cy="410817"/>
               </a:xfrm>
               <a:prstGeom prst="rect">
@@ -3804,7 +3804,7 @@
             </p:nvSpPr>
             <p:spPr>
               <a:xfrm>
-                <a:off x="2003054" y="2153580"/>
+                <a:off x="2011994" y="1921664"/>
                 <a:ext cx="728869" cy="410817"/>
               </a:xfrm>
               <a:prstGeom prst="rect">
@@ -3854,7 +3854,7 @@
         </p:nvSpPr>
         <p:spPr>
           <a:xfrm>
-            <a:off x="764822" y="1845803"/>
+            <a:off x="773762" y="1613887"/>
             <a:ext cx="1747594" cy="307777"/>
           </a:xfrm>
           <a:prstGeom prst="rect">
@@ -3892,7 +3892,7 @@
             </p:nvSpPr>
             <p:spPr>
               <a:xfrm>
-                <a:off x="545316" y="3026062"/>
+                <a:off x="539298" y="2695449"/>
                 <a:ext cx="728869" cy="410817"/>
               </a:xfrm>
               <a:prstGeom prst="rect">
@@ -3982,7 +3982,7 @@
             </p:nvSpPr>
             <p:spPr>
               <a:xfrm>
-                <a:off x="545316" y="3026062"/>
+                <a:off x="539298" y="2695449"/>
                 <a:ext cx="728869" cy="410817"/>
               </a:xfrm>
               <a:prstGeom prst="rect">
@@ -4034,7 +4034,7 @@
             </p:nvSpPr>
             <p:spPr>
               <a:xfrm>
-                <a:off x="1274185" y="3026062"/>
+                <a:off x="1268167" y="2695449"/>
                 <a:ext cx="728869" cy="410817"/>
               </a:xfrm>
               <a:prstGeom prst="rect">
@@ -4124,7 +4124,7 @@
             </p:nvSpPr>
             <p:spPr>
               <a:xfrm>
-                <a:off x="1274185" y="3026062"/>
+                <a:off x="1268167" y="2695449"/>
                 <a:ext cx="728869" cy="410817"/>
               </a:xfrm>
               <a:prstGeom prst="rect">
@@ -4176,7 +4176,7 @@
             </p:nvSpPr>
             <p:spPr>
               <a:xfrm>
-                <a:off x="2003054" y="3026062"/>
+                <a:off x="2003769" y="2695450"/>
                 <a:ext cx="728869" cy="410817"/>
               </a:xfrm>
               <a:prstGeom prst="rect">
@@ -4266,7 +4266,7 @@
             </p:nvSpPr>
             <p:spPr>
               <a:xfrm>
-                <a:off x="2003054" y="3026062"/>
+                <a:off x="2003769" y="2695450"/>
                 <a:ext cx="728869" cy="410817"/>
               </a:xfrm>
               <a:prstGeom prst="rect">
@@ -4316,7 +4316,7 @@
         </p:nvSpPr>
         <p:spPr>
           <a:xfrm>
-            <a:off x="917909" y="2718285"/>
+            <a:off x="911891" y="2387672"/>
             <a:ext cx="1441420" cy="307777"/>
           </a:xfrm>
           <a:prstGeom prst="rect">
@@ -4354,8 +4354,8 @@
             </p:nvSpPr>
             <p:spPr>
               <a:xfrm>
-                <a:off x="571819" y="3915305"/>
-                <a:ext cx="1054394" cy="410817"/>
+                <a:off x="541761" y="3472261"/>
+                <a:ext cx="1137786" cy="410817"/>
               </a:xfrm>
               <a:prstGeom prst="rect">
                 <a:avLst/>
@@ -4475,8 +4475,8 @@
             </p:nvSpPr>
             <p:spPr>
               <a:xfrm>
-                <a:off x="571819" y="3915305"/>
-                <a:ext cx="1054394" cy="410817"/>
+                <a:off x="541761" y="3472261"/>
+                <a:ext cx="1137786" cy="410817"/>
               </a:xfrm>
               <a:prstGeom prst="rect">
                 <a:avLst/>
@@ -4525,7 +4525,7 @@
         </p:nvSpPr>
         <p:spPr>
           <a:xfrm>
-            <a:off x="820125" y="3624908"/>
+            <a:off x="842835" y="3176420"/>
             <a:ext cx="1667444" cy="307777"/>
           </a:xfrm>
           <a:prstGeom prst="rect">
@@ -4563,8 +4563,8 @@
             </p:nvSpPr>
             <p:spPr>
               <a:xfrm>
-                <a:off x="1633135" y="3917072"/>
-                <a:ext cx="1046787" cy="410817"/>
+                <a:off x="1679547" y="3474028"/>
+                <a:ext cx="1061316" cy="410817"/>
               </a:xfrm>
               <a:prstGeom prst="rect">
                 <a:avLst/>
@@ -4684,8 +4684,8 @@
             </p:nvSpPr>
             <p:spPr>
               <a:xfrm>
-                <a:off x="1633135" y="3917072"/>
-                <a:ext cx="1046787" cy="410817"/>
+                <a:off x="1679547" y="3474028"/>
+                <a:ext cx="1061316" cy="410817"/>
               </a:xfrm>
               <a:prstGeom prst="rect">
                 <a:avLst/>
@@ -4720,8 +4720,8 @@
           </p:sp>
         </mc:Fallback>
       </mc:AlternateContent>
-      <mc:AlternateContent xmlns:mc="http://schemas.openxmlformats.org/markup-compatibility/2006">
-        <mc:Choice xmlns:a14="http://schemas.microsoft.com/office/drawing/2010/main" Requires="a14">
+      <mc:AlternateContent xmlns:mc="http://schemas.openxmlformats.org/markup-compatibility/2006" xmlns:a14="http://schemas.microsoft.com/office/drawing/2010/main">
+        <mc:Choice Requires="a14">
           <p:sp>
             <p:nvSpPr>
               <p:cNvPr id="17" name="矩形 16">
@@ -4783,7 +4783,7 @@
             </p:txBody>
           </p:sp>
         </mc:Choice>
-        <mc:Fallback>
+        <mc:Fallback xmlns="">
           <p:sp>
             <p:nvSpPr>
               <p:cNvPr id="17" name="矩形 16">
@@ -4846,8 +4846,8 @@
         </p:nvCxnSpPr>
         <p:spPr>
           <a:xfrm>
-            <a:off x="2731922" y="2358989"/>
-            <a:ext cx="903992" cy="547147"/>
+            <a:off x="2740863" y="2127073"/>
+            <a:ext cx="882698" cy="640791"/>
           </a:xfrm>
           <a:prstGeom prst="straightConnector1">
             <a:avLst/>
@@ -4886,9 +4886,9 @@
           <p:nvPr/>
         </p:nvCxnSpPr>
         <p:spPr>
-          <a:xfrm flipV="1">
-            <a:off x="2732870" y="3177994"/>
-            <a:ext cx="883445" cy="22058"/>
+          <a:xfrm>
+            <a:off x="2755221" y="2911305"/>
+            <a:ext cx="902394" cy="0"/>
           </a:xfrm>
           <a:prstGeom prst="straightConnector1">
             <a:avLst/>
@@ -4924,13 +4924,14 @@
           <p:cNvCxnSpPr>
             <a:cxnSpLocks/>
             <a:stCxn id="16" idx="3"/>
+            <a:endCxn id="208" idx="1"/>
           </p:cNvCxnSpPr>
           <p:nvPr/>
         </p:nvCxnSpPr>
         <p:spPr>
           <a:xfrm flipV="1">
-            <a:off x="2679921" y="3452026"/>
-            <a:ext cx="946880" cy="670454"/>
+            <a:off x="2740863" y="3054747"/>
+            <a:ext cx="875412" cy="624690"/>
           </a:xfrm>
           <a:prstGeom prst="straightConnector1">
             <a:avLst/>
@@ -6361,13 +6362,14 @@
           </p:cNvPr>
           <p:cNvCxnSpPr>
             <a:cxnSpLocks/>
+            <a:stCxn id="80" idx="6"/>
           </p:cNvCxnSpPr>
           <p:nvPr/>
         </p:nvCxnSpPr>
         <p:spPr>
           <a:xfrm>
-            <a:off x="5585953" y="2405526"/>
-            <a:ext cx="614013" cy="442744"/>
+            <a:off x="5600223" y="2381907"/>
+            <a:ext cx="599743" cy="466363"/>
           </a:xfrm>
           <a:prstGeom prst="line">
             <a:avLst/>
@@ -6406,8 +6408,8 @@
         </p:nvCxnSpPr>
         <p:spPr>
           <a:xfrm flipV="1">
-            <a:off x="5618865" y="1934813"/>
-            <a:ext cx="587387" cy="477150"/>
+            <a:off x="5619591" y="1934814"/>
+            <a:ext cx="586660" cy="470712"/>
           </a:xfrm>
           <a:prstGeom prst="line">
             <a:avLst/>
@@ -6440,14 +6442,15 @@
           </p:cNvPr>
           <p:cNvCxnSpPr>
             <a:cxnSpLocks/>
+            <a:stCxn id="80" idx="6"/>
             <a:endCxn id="93" idx="3"/>
           </p:cNvCxnSpPr>
           <p:nvPr/>
         </p:nvCxnSpPr>
         <p:spPr>
           <a:xfrm>
-            <a:off x="5585101" y="2431646"/>
-            <a:ext cx="685916" cy="1095405"/>
+            <a:off x="5600223" y="2381907"/>
+            <a:ext cx="670794" cy="1145144"/>
           </a:xfrm>
           <a:prstGeom prst="line">
             <a:avLst/>
@@ -7176,14 +7179,15 @@
           </p:cNvPr>
           <p:cNvCxnSpPr>
             <a:cxnSpLocks/>
+            <a:stCxn id="92" idx="6"/>
             <a:endCxn id="135" idx="2"/>
           </p:cNvCxnSpPr>
           <p:nvPr/>
         </p:nvCxnSpPr>
         <p:spPr>
           <a:xfrm flipV="1">
-            <a:off x="6593007" y="2462242"/>
-            <a:ext cx="343705" cy="422412"/>
+            <a:off x="6600245" y="2462243"/>
+            <a:ext cx="336466" cy="412856"/>
           </a:xfrm>
           <a:prstGeom prst="line">
             <a:avLst/>
@@ -7222,8 +7226,8 @@
         </p:nvCxnSpPr>
         <p:spPr>
           <a:xfrm flipV="1">
-            <a:off x="6624389" y="2017824"/>
-            <a:ext cx="305219" cy="860464"/>
+            <a:off x="6628964" y="2017825"/>
+            <a:ext cx="300643" cy="840527"/>
           </a:xfrm>
           <a:prstGeom prst="line">
             <a:avLst/>
@@ -7552,8 +7556,8 @@
           </a:p>
         </p:txBody>
       </p:sp>
-      <mc:AlternateContent xmlns:mc="http://schemas.openxmlformats.org/markup-compatibility/2006">
-        <mc:Choice xmlns:a14="http://schemas.microsoft.com/office/drawing/2010/main" Requires="a14">
+      <mc:AlternateContent xmlns:mc="http://schemas.openxmlformats.org/markup-compatibility/2006" xmlns:a14="http://schemas.microsoft.com/office/drawing/2010/main">
+        <mc:Choice Requires="a14">
           <p:sp>
             <p:nvSpPr>
               <p:cNvPr id="185" name="文本框 184">
@@ -7635,7 +7639,7 @@
             </p:txBody>
           </p:sp>
         </mc:Choice>
-        <mc:Fallback>
+        <mc:Fallback xmlns="">
           <p:sp>
             <p:nvSpPr>
               <p:cNvPr id="185" name="文本框 184">

--- a/paper/figures/framework2.pptx
+++ b/paper/figures/framework2.pptx
@@ -2,7 +2,7 @@
 <file path=ppt/presentation.xml><?xml version="1.0" encoding="utf-8"?>
 <p:presentation xmlns:a="http://schemas.openxmlformats.org/drawingml/2006/main" xmlns:r="http://schemas.openxmlformats.org/officeDocument/2006/relationships" xmlns:p="http://schemas.openxmlformats.org/presentationml/2006/main" saveSubsetFonts="1">
   <p:sldMasterIdLst>
-    <p:sldMasterId id="2147483660" r:id="rId1"/>
+    <p:sldMasterId id="2147483684" r:id="rId1"/>
   </p:sldMasterIdLst>
   <p:notesMasterIdLst>
     <p:notesMasterId r:id="rId3"/>
@@ -10,7 +10,7 @@
   <p:sldIdLst>
     <p:sldId id="256" r:id="rId2"/>
   </p:sldIdLst>
-  <p:sldSz cx="12192000" cy="5778500"/>
+  <p:sldSz cx="11831638" cy="4337050"/>
   <p:notesSz cx="6858000" cy="9144000"/>
   <p:defaultTextStyle>
     <a:defPPr>
@@ -197,7 +197,7 @@
           <a:p>
             <a:fld id="{565B4B56-32A4-4E7E-B32C-594EE8F61FCB}" type="datetimeFigureOut">
               <a:rPr lang="zh-CN" altLang="en-US" smtClean="0"/>
-              <a:t>2020/12/8</a:t>
+              <a:t>2020/12/10</a:t>
             </a:fld>
             <a:endParaRPr lang="zh-CN" altLang="en-US"/>
           </a:p>
@@ -215,8 +215,8 @@
         </p:nvSpPr>
         <p:spPr>
           <a:xfrm>
-            <a:off x="174625" y="1143000"/>
-            <a:ext cx="6508750" cy="3086100"/>
+            <a:off x="-779463" y="1143000"/>
+            <a:ext cx="8416926" cy="3086100"/>
           </a:xfrm>
           <a:prstGeom prst="rect">
             <a:avLst/>
@@ -370,8 +370,8 @@
   </p:cSld>
   <p:clrMap bg1="lt1" tx1="dk1" bg2="lt2" tx2="dk2" accent1="accent1" accent2="accent2" accent3="accent3" accent4="accent4" accent5="accent5" accent6="accent6" hlink="hlink" folHlink="folHlink"/>
   <p:notesStyle>
-    <a:lvl1pPr marL="0" algn="l" defTabSz="914400" rtl="0" eaLnBrk="1" latinLnBrk="0" hangingPunct="1">
-      <a:defRPr sz="1200" kern="1200">
+    <a:lvl1pPr marL="0" algn="l" defTabSz="857067" rtl="0" eaLnBrk="1" latinLnBrk="0" hangingPunct="1">
+      <a:defRPr sz="1125" kern="1200">
         <a:solidFill>
           <a:schemeClr val="tx1"/>
         </a:solidFill>
@@ -380,8 +380,8 @@
         <a:cs typeface="+mn-cs"/>
       </a:defRPr>
     </a:lvl1pPr>
-    <a:lvl2pPr marL="457200" algn="l" defTabSz="914400" rtl="0" eaLnBrk="1" latinLnBrk="0" hangingPunct="1">
-      <a:defRPr sz="1200" kern="1200">
+    <a:lvl2pPr marL="428534" algn="l" defTabSz="857067" rtl="0" eaLnBrk="1" latinLnBrk="0" hangingPunct="1">
+      <a:defRPr sz="1125" kern="1200">
         <a:solidFill>
           <a:schemeClr val="tx1"/>
         </a:solidFill>
@@ -390,8 +390,8 @@
         <a:cs typeface="+mn-cs"/>
       </a:defRPr>
     </a:lvl2pPr>
-    <a:lvl3pPr marL="914400" algn="l" defTabSz="914400" rtl="0" eaLnBrk="1" latinLnBrk="0" hangingPunct="1">
-      <a:defRPr sz="1200" kern="1200">
+    <a:lvl3pPr marL="857067" algn="l" defTabSz="857067" rtl="0" eaLnBrk="1" latinLnBrk="0" hangingPunct="1">
+      <a:defRPr sz="1125" kern="1200">
         <a:solidFill>
           <a:schemeClr val="tx1"/>
         </a:solidFill>
@@ -400,8 +400,8 @@
         <a:cs typeface="+mn-cs"/>
       </a:defRPr>
     </a:lvl3pPr>
-    <a:lvl4pPr marL="1371600" algn="l" defTabSz="914400" rtl="0" eaLnBrk="1" latinLnBrk="0" hangingPunct="1">
-      <a:defRPr sz="1200" kern="1200">
+    <a:lvl4pPr marL="1285601" algn="l" defTabSz="857067" rtl="0" eaLnBrk="1" latinLnBrk="0" hangingPunct="1">
+      <a:defRPr sz="1125" kern="1200">
         <a:solidFill>
           <a:schemeClr val="tx1"/>
         </a:solidFill>
@@ -410,8 +410,8 @@
         <a:cs typeface="+mn-cs"/>
       </a:defRPr>
     </a:lvl4pPr>
-    <a:lvl5pPr marL="1828800" algn="l" defTabSz="914400" rtl="0" eaLnBrk="1" latinLnBrk="0" hangingPunct="1">
-      <a:defRPr sz="1200" kern="1200">
+    <a:lvl5pPr marL="1714134" algn="l" defTabSz="857067" rtl="0" eaLnBrk="1" latinLnBrk="0" hangingPunct="1">
+      <a:defRPr sz="1125" kern="1200">
         <a:solidFill>
           <a:schemeClr val="tx1"/>
         </a:solidFill>
@@ -420,8 +420,8 @@
         <a:cs typeface="+mn-cs"/>
       </a:defRPr>
     </a:lvl5pPr>
-    <a:lvl6pPr marL="2286000" algn="l" defTabSz="914400" rtl="0" eaLnBrk="1" latinLnBrk="0" hangingPunct="1">
-      <a:defRPr sz="1200" kern="1200">
+    <a:lvl6pPr marL="2142668" algn="l" defTabSz="857067" rtl="0" eaLnBrk="1" latinLnBrk="0" hangingPunct="1">
+      <a:defRPr sz="1125" kern="1200">
         <a:solidFill>
           <a:schemeClr val="tx1"/>
         </a:solidFill>
@@ -430,8 +430,8 @@
         <a:cs typeface="+mn-cs"/>
       </a:defRPr>
     </a:lvl6pPr>
-    <a:lvl7pPr marL="2743200" algn="l" defTabSz="914400" rtl="0" eaLnBrk="1" latinLnBrk="0" hangingPunct="1">
-      <a:defRPr sz="1200" kern="1200">
+    <a:lvl7pPr marL="2571201" algn="l" defTabSz="857067" rtl="0" eaLnBrk="1" latinLnBrk="0" hangingPunct="1">
+      <a:defRPr sz="1125" kern="1200">
         <a:solidFill>
           <a:schemeClr val="tx1"/>
         </a:solidFill>
@@ -440,8 +440,8 @@
         <a:cs typeface="+mn-cs"/>
       </a:defRPr>
     </a:lvl7pPr>
-    <a:lvl8pPr marL="3200400" algn="l" defTabSz="914400" rtl="0" eaLnBrk="1" latinLnBrk="0" hangingPunct="1">
-      <a:defRPr sz="1200" kern="1200">
+    <a:lvl8pPr marL="2999735" algn="l" defTabSz="857067" rtl="0" eaLnBrk="1" latinLnBrk="0" hangingPunct="1">
+      <a:defRPr sz="1125" kern="1200">
         <a:solidFill>
           <a:schemeClr val="tx1"/>
         </a:solidFill>
@@ -450,8 +450,8 @@
         <a:cs typeface="+mn-cs"/>
       </a:defRPr>
     </a:lvl8pPr>
-    <a:lvl9pPr marL="3657600" algn="l" defTabSz="914400" rtl="0" eaLnBrk="1" latinLnBrk="0" hangingPunct="1">
-      <a:defRPr sz="1200" kern="1200">
+    <a:lvl9pPr marL="3428268" algn="l" defTabSz="857067" rtl="0" eaLnBrk="1" latinLnBrk="0" hangingPunct="1">
+      <a:defRPr sz="1125" kern="1200">
         <a:solidFill>
           <a:schemeClr val="tx1"/>
         </a:solidFill>
@@ -493,8 +493,8 @@
         </p:nvSpPr>
         <p:spPr>
           <a:xfrm>
-            <a:off x="174625" y="1143000"/>
-            <a:ext cx="6508750" cy="3086100"/>
+            <a:off x="-779463" y="1143000"/>
+            <a:ext cx="8416926" cy="3086100"/>
           </a:xfrm>
         </p:spPr>
       </p:sp>
@@ -582,15 +582,15 @@
         </p:nvSpPr>
         <p:spPr>
           <a:xfrm>
-            <a:off x="1524000" y="945695"/>
-            <a:ext cx="9144000" cy="2011774"/>
+            <a:off x="1478955" y="709791"/>
+            <a:ext cx="8873729" cy="1509936"/>
           </a:xfrm>
         </p:spPr>
         <p:txBody>
           <a:bodyPr anchor="b"/>
           <a:lstStyle>
             <a:lvl1pPr algn="ctr">
-              <a:defRPr sz="5056"/>
+              <a:defRPr sz="3794"/>
             </a:lvl1pPr>
           </a:lstStyle>
           <a:p>
@@ -614,8 +614,8 @@
         </p:nvSpPr>
         <p:spPr>
           <a:xfrm>
-            <a:off x="1524000" y="3035050"/>
-            <a:ext cx="9144000" cy="1395133"/>
+            <a:off x="1478955" y="2277956"/>
+            <a:ext cx="8873729" cy="1047116"/>
           </a:xfrm>
         </p:spPr>
         <p:txBody>
@@ -623,39 +623,39 @@
           <a:lstStyle>
             <a:lvl1pPr marL="0" indent="0" algn="ctr">
               <a:buNone/>
-              <a:defRPr sz="2022"/>
+              <a:defRPr sz="1518"/>
             </a:lvl1pPr>
-            <a:lvl2pPr marL="385237" indent="0" algn="ctr">
+            <a:lvl2pPr marL="289133" indent="0" algn="ctr">
               <a:buNone/>
-              <a:defRPr sz="1685"/>
+              <a:defRPr sz="1265"/>
             </a:lvl2pPr>
-            <a:lvl3pPr marL="770473" indent="0" algn="ctr">
+            <a:lvl3pPr marL="578267" indent="0" algn="ctr">
               <a:buNone/>
-              <a:defRPr sz="1517"/>
+              <a:defRPr sz="1138"/>
             </a:lvl3pPr>
-            <a:lvl4pPr marL="1155710" indent="0" algn="ctr">
+            <a:lvl4pPr marL="867400" indent="0" algn="ctr">
               <a:buNone/>
-              <a:defRPr sz="1348"/>
+              <a:defRPr sz="1012"/>
             </a:lvl4pPr>
-            <a:lvl5pPr marL="1540947" indent="0" algn="ctr">
+            <a:lvl5pPr marL="1156533" indent="0" algn="ctr">
               <a:buNone/>
-              <a:defRPr sz="1348"/>
+              <a:defRPr sz="1012"/>
             </a:lvl5pPr>
-            <a:lvl6pPr marL="1926184" indent="0" algn="ctr">
+            <a:lvl6pPr marL="1445666" indent="0" algn="ctr">
               <a:buNone/>
-              <a:defRPr sz="1348"/>
+              <a:defRPr sz="1012"/>
             </a:lvl6pPr>
-            <a:lvl7pPr marL="2311420" indent="0" algn="ctr">
+            <a:lvl7pPr marL="1734800" indent="0" algn="ctr">
               <a:buNone/>
-              <a:defRPr sz="1348"/>
+              <a:defRPr sz="1012"/>
             </a:lvl7pPr>
-            <a:lvl8pPr marL="2696657" indent="0" algn="ctr">
+            <a:lvl8pPr marL="2023933" indent="0" algn="ctr">
               <a:buNone/>
-              <a:defRPr sz="1348"/>
+              <a:defRPr sz="1012"/>
             </a:lvl8pPr>
-            <a:lvl9pPr marL="3081894" indent="0" algn="ctr">
+            <a:lvl9pPr marL="2313066" indent="0" algn="ctr">
               <a:buNone/>
-              <a:defRPr sz="1348"/>
+              <a:defRPr sz="1012"/>
             </a:lvl9pPr>
           </a:lstStyle>
           <a:p>
@@ -684,7 +684,7 @@
           <a:p>
             <a:fld id="{A627DF43-A246-43EE-926C-71914852C54A}" type="datetimeFigureOut">
               <a:rPr lang="zh-CN" altLang="en-US" smtClean="0"/>
-              <a:t>2020/12/8</a:t>
+              <a:t>2020/12/10</a:t>
             </a:fld>
             <a:endParaRPr lang="zh-CN" altLang="en-US"/>
           </a:p>
@@ -735,7 +735,7 @@
     </p:spTree>
     <p:extLst>
       <p:ext uri="{BB962C8B-B14F-4D97-AF65-F5344CB8AC3E}">
-        <p14:creationId xmlns:p14="http://schemas.microsoft.com/office/powerpoint/2010/main" val="73324342"/>
+        <p14:creationId xmlns:p14="http://schemas.microsoft.com/office/powerpoint/2010/main" val="3655498764"/>
       </p:ext>
     </p:extLst>
   </p:cSld>
@@ -854,7 +854,7 @@
           <a:p>
             <a:fld id="{A627DF43-A246-43EE-926C-71914852C54A}" type="datetimeFigureOut">
               <a:rPr lang="zh-CN" altLang="en-US" smtClean="0"/>
-              <a:t>2020/12/8</a:t>
+              <a:t>2020/12/10</a:t>
             </a:fld>
             <a:endParaRPr lang="zh-CN" altLang="en-US"/>
           </a:p>
@@ -905,7 +905,7 @@
     </p:spTree>
     <p:extLst>
       <p:ext uri="{BB962C8B-B14F-4D97-AF65-F5344CB8AC3E}">
-        <p14:creationId xmlns:p14="http://schemas.microsoft.com/office/powerpoint/2010/main" val="509029366"/>
+        <p14:creationId xmlns:p14="http://schemas.microsoft.com/office/powerpoint/2010/main" val="1727293924"/>
       </p:ext>
     </p:extLst>
   </p:cSld>
@@ -944,8 +944,8 @@
         </p:nvSpPr>
         <p:spPr>
           <a:xfrm>
-            <a:off x="8724900" y="307651"/>
-            <a:ext cx="2628900" cy="4897012"/>
+            <a:off x="8467016" y="230908"/>
+            <a:ext cx="2551197" cy="3675449"/>
           </a:xfrm>
         </p:spPr>
         <p:txBody>
@@ -972,8 +972,8 @@
         </p:nvSpPr>
         <p:spPr>
           <a:xfrm>
-            <a:off x="838200" y="307651"/>
-            <a:ext cx="7734300" cy="4897012"/>
+            <a:off x="813425" y="230908"/>
+            <a:ext cx="7505695" cy="3675449"/>
           </a:xfrm>
         </p:spPr>
         <p:txBody>
@@ -1034,7 +1034,7 @@
           <a:p>
             <a:fld id="{A627DF43-A246-43EE-926C-71914852C54A}" type="datetimeFigureOut">
               <a:rPr lang="zh-CN" altLang="en-US" smtClean="0"/>
-              <a:t>2020/12/8</a:t>
+              <a:t>2020/12/10</a:t>
             </a:fld>
             <a:endParaRPr lang="zh-CN" altLang="en-US"/>
           </a:p>
@@ -1085,7 +1085,7 @@
     </p:spTree>
     <p:extLst>
       <p:ext uri="{BB962C8B-B14F-4D97-AF65-F5344CB8AC3E}">
-        <p14:creationId xmlns:p14="http://schemas.microsoft.com/office/powerpoint/2010/main" val="3646526863"/>
+        <p14:creationId xmlns:p14="http://schemas.microsoft.com/office/powerpoint/2010/main" val="421006474"/>
       </p:ext>
     </p:extLst>
   </p:cSld>
@@ -1204,7 +1204,7 @@
           <a:p>
             <a:fld id="{A627DF43-A246-43EE-926C-71914852C54A}" type="datetimeFigureOut">
               <a:rPr lang="zh-CN" altLang="en-US" smtClean="0"/>
-              <a:t>2020/12/8</a:t>
+              <a:t>2020/12/10</a:t>
             </a:fld>
             <a:endParaRPr lang="zh-CN" altLang="en-US"/>
           </a:p>
@@ -1255,7 +1255,7 @@
     </p:spTree>
     <p:extLst>
       <p:ext uri="{BB962C8B-B14F-4D97-AF65-F5344CB8AC3E}">
-        <p14:creationId xmlns:p14="http://schemas.microsoft.com/office/powerpoint/2010/main" val="3042229778"/>
+        <p14:creationId xmlns:p14="http://schemas.microsoft.com/office/powerpoint/2010/main" val="1149523721"/>
       </p:ext>
     </p:extLst>
   </p:cSld>
@@ -1294,15 +1294,15 @@
         </p:nvSpPr>
         <p:spPr>
           <a:xfrm>
-            <a:off x="831850" y="1440613"/>
-            <a:ext cx="10515600" cy="2403695"/>
+            <a:off x="807263" y="1081251"/>
+            <a:ext cx="10204788" cy="1804092"/>
           </a:xfrm>
         </p:spPr>
         <p:txBody>
           <a:bodyPr anchor="b"/>
           <a:lstStyle>
             <a:lvl1pPr>
-              <a:defRPr sz="5056"/>
+              <a:defRPr sz="3794"/>
             </a:lvl1pPr>
           </a:lstStyle>
           <a:p>
@@ -1326,8 +1326,8 @@
         </p:nvSpPr>
         <p:spPr>
           <a:xfrm>
-            <a:off x="831850" y="3867048"/>
-            <a:ext cx="10515600" cy="1264046"/>
+            <a:off x="807263" y="2902411"/>
+            <a:ext cx="10204788" cy="948729"/>
           </a:xfrm>
         </p:spPr>
         <p:txBody>
@@ -1335,7 +1335,7 @@
           <a:lstStyle>
             <a:lvl1pPr marL="0" indent="0">
               <a:buNone/>
-              <a:defRPr sz="2022">
+              <a:defRPr sz="1518">
                 <a:solidFill>
                   <a:schemeClr val="tx1">
                     <a:tint val="75000"/>
@@ -1343,9 +1343,9 @@
                 </a:solidFill>
               </a:defRPr>
             </a:lvl1pPr>
-            <a:lvl2pPr marL="385237" indent="0">
+            <a:lvl2pPr marL="289133" indent="0">
               <a:buNone/>
-              <a:defRPr sz="1685">
+              <a:defRPr sz="1265">
                 <a:solidFill>
                   <a:schemeClr val="tx1">
                     <a:tint val="75000"/>
@@ -1353,9 +1353,9 @@
                 </a:solidFill>
               </a:defRPr>
             </a:lvl2pPr>
-            <a:lvl3pPr marL="770473" indent="0">
+            <a:lvl3pPr marL="578267" indent="0">
               <a:buNone/>
-              <a:defRPr sz="1517">
+              <a:defRPr sz="1138">
                 <a:solidFill>
                   <a:schemeClr val="tx1">
                     <a:tint val="75000"/>
@@ -1363,9 +1363,9 @@
                 </a:solidFill>
               </a:defRPr>
             </a:lvl3pPr>
-            <a:lvl4pPr marL="1155710" indent="0">
+            <a:lvl4pPr marL="867400" indent="0">
               <a:buNone/>
-              <a:defRPr sz="1348">
+              <a:defRPr sz="1012">
                 <a:solidFill>
                   <a:schemeClr val="tx1">
                     <a:tint val="75000"/>
@@ -1373,9 +1373,9 @@
                 </a:solidFill>
               </a:defRPr>
             </a:lvl4pPr>
-            <a:lvl5pPr marL="1540947" indent="0">
+            <a:lvl5pPr marL="1156533" indent="0">
               <a:buNone/>
-              <a:defRPr sz="1348">
+              <a:defRPr sz="1012">
                 <a:solidFill>
                   <a:schemeClr val="tx1">
                     <a:tint val="75000"/>
@@ -1383,9 +1383,9 @@
                 </a:solidFill>
               </a:defRPr>
             </a:lvl5pPr>
-            <a:lvl6pPr marL="1926184" indent="0">
+            <a:lvl6pPr marL="1445666" indent="0">
               <a:buNone/>
-              <a:defRPr sz="1348">
+              <a:defRPr sz="1012">
                 <a:solidFill>
                   <a:schemeClr val="tx1">
                     <a:tint val="75000"/>
@@ -1393,9 +1393,9 @@
                 </a:solidFill>
               </a:defRPr>
             </a:lvl6pPr>
-            <a:lvl7pPr marL="2311420" indent="0">
+            <a:lvl7pPr marL="1734800" indent="0">
               <a:buNone/>
-              <a:defRPr sz="1348">
+              <a:defRPr sz="1012">
                 <a:solidFill>
                   <a:schemeClr val="tx1">
                     <a:tint val="75000"/>
@@ -1403,9 +1403,9 @@
                 </a:solidFill>
               </a:defRPr>
             </a:lvl7pPr>
-            <a:lvl8pPr marL="2696657" indent="0">
+            <a:lvl8pPr marL="2023933" indent="0">
               <a:buNone/>
-              <a:defRPr sz="1348">
+              <a:defRPr sz="1012">
                 <a:solidFill>
                   <a:schemeClr val="tx1">
                     <a:tint val="75000"/>
@@ -1413,9 +1413,9 @@
                 </a:solidFill>
               </a:defRPr>
             </a:lvl8pPr>
-            <a:lvl9pPr marL="3081894" indent="0">
+            <a:lvl9pPr marL="2313066" indent="0">
               <a:buNone/>
-              <a:defRPr sz="1348">
+              <a:defRPr sz="1012">
                 <a:solidFill>
                   <a:schemeClr val="tx1">
                     <a:tint val="75000"/>
@@ -1450,7 +1450,7 @@
           <a:p>
             <a:fld id="{A627DF43-A246-43EE-926C-71914852C54A}" type="datetimeFigureOut">
               <a:rPr lang="zh-CN" altLang="en-US" smtClean="0"/>
-              <a:t>2020/12/8</a:t>
+              <a:t>2020/12/10</a:t>
             </a:fld>
             <a:endParaRPr lang="zh-CN" altLang="en-US"/>
           </a:p>
@@ -1501,7 +1501,7 @@
     </p:spTree>
     <p:extLst>
       <p:ext uri="{BB962C8B-B14F-4D97-AF65-F5344CB8AC3E}">
-        <p14:creationId xmlns:p14="http://schemas.microsoft.com/office/powerpoint/2010/main" val="3316803400"/>
+        <p14:creationId xmlns:p14="http://schemas.microsoft.com/office/powerpoint/2010/main" val="2870281393"/>
       </p:ext>
     </p:extLst>
   </p:cSld>
@@ -1563,8 +1563,8 @@
         </p:nvSpPr>
         <p:spPr>
           <a:xfrm>
-            <a:off x="838200" y="1538258"/>
-            <a:ext cx="5181600" cy="3666405"/>
+            <a:off x="813425" y="1154539"/>
+            <a:ext cx="5028446" cy="2751818"/>
           </a:xfrm>
         </p:spPr>
         <p:txBody>
@@ -1620,8 +1620,8 @@
         </p:nvSpPr>
         <p:spPr>
           <a:xfrm>
-            <a:off x="6172200" y="1538258"/>
-            <a:ext cx="5181600" cy="3666405"/>
+            <a:off x="5989767" y="1154539"/>
+            <a:ext cx="5028446" cy="2751818"/>
           </a:xfrm>
         </p:spPr>
         <p:txBody>
@@ -1682,7 +1682,7 @@
           <a:p>
             <a:fld id="{A627DF43-A246-43EE-926C-71914852C54A}" type="datetimeFigureOut">
               <a:rPr lang="zh-CN" altLang="en-US" smtClean="0"/>
-              <a:t>2020/12/8</a:t>
+              <a:t>2020/12/10</a:t>
             </a:fld>
             <a:endParaRPr lang="zh-CN" altLang="en-US"/>
           </a:p>
@@ -1733,7 +1733,7 @@
     </p:spTree>
     <p:extLst>
       <p:ext uri="{BB962C8B-B14F-4D97-AF65-F5344CB8AC3E}">
-        <p14:creationId xmlns:p14="http://schemas.microsoft.com/office/powerpoint/2010/main" val="1588387158"/>
+        <p14:creationId xmlns:p14="http://schemas.microsoft.com/office/powerpoint/2010/main" val="2657679266"/>
       </p:ext>
     </p:extLst>
   </p:cSld>
@@ -1772,8 +1772,8 @@
         </p:nvSpPr>
         <p:spPr>
           <a:xfrm>
-            <a:off x="839788" y="307652"/>
-            <a:ext cx="10515600" cy="1116910"/>
+            <a:off x="814966" y="230908"/>
+            <a:ext cx="10204788" cy="838296"/>
           </a:xfrm>
         </p:spPr>
         <p:txBody>
@@ -1800,8 +1800,8 @@
         </p:nvSpPr>
         <p:spPr>
           <a:xfrm>
-            <a:off x="839789" y="1416536"/>
-            <a:ext cx="5157787" cy="694222"/>
+            <a:off x="814967" y="1063180"/>
+            <a:ext cx="5005337" cy="521048"/>
           </a:xfrm>
         </p:spPr>
         <p:txBody>
@@ -1809,39 +1809,39 @@
           <a:lstStyle>
             <a:lvl1pPr marL="0" indent="0">
               <a:buNone/>
-              <a:defRPr sz="2022" b="1"/>
+              <a:defRPr sz="1518" b="1"/>
             </a:lvl1pPr>
-            <a:lvl2pPr marL="385237" indent="0">
+            <a:lvl2pPr marL="289133" indent="0">
               <a:buNone/>
-              <a:defRPr sz="1685" b="1"/>
+              <a:defRPr sz="1265" b="1"/>
             </a:lvl2pPr>
-            <a:lvl3pPr marL="770473" indent="0">
+            <a:lvl3pPr marL="578267" indent="0">
               <a:buNone/>
-              <a:defRPr sz="1517" b="1"/>
+              <a:defRPr sz="1138" b="1"/>
             </a:lvl3pPr>
-            <a:lvl4pPr marL="1155710" indent="0">
+            <a:lvl4pPr marL="867400" indent="0">
               <a:buNone/>
-              <a:defRPr sz="1348" b="1"/>
+              <a:defRPr sz="1012" b="1"/>
             </a:lvl4pPr>
-            <a:lvl5pPr marL="1540947" indent="0">
+            <a:lvl5pPr marL="1156533" indent="0">
               <a:buNone/>
-              <a:defRPr sz="1348" b="1"/>
+              <a:defRPr sz="1012" b="1"/>
             </a:lvl5pPr>
-            <a:lvl6pPr marL="1926184" indent="0">
+            <a:lvl6pPr marL="1445666" indent="0">
               <a:buNone/>
-              <a:defRPr sz="1348" b="1"/>
+              <a:defRPr sz="1012" b="1"/>
             </a:lvl6pPr>
-            <a:lvl7pPr marL="2311420" indent="0">
+            <a:lvl7pPr marL="1734800" indent="0">
               <a:buNone/>
-              <a:defRPr sz="1348" b="1"/>
+              <a:defRPr sz="1012" b="1"/>
             </a:lvl7pPr>
-            <a:lvl8pPr marL="2696657" indent="0">
+            <a:lvl8pPr marL="2023933" indent="0">
               <a:buNone/>
-              <a:defRPr sz="1348" b="1"/>
+              <a:defRPr sz="1012" b="1"/>
             </a:lvl8pPr>
-            <a:lvl9pPr marL="3081894" indent="0">
+            <a:lvl9pPr marL="2313066" indent="0">
               <a:buNone/>
-              <a:defRPr sz="1348" b="1"/>
+              <a:defRPr sz="1012" b="1"/>
             </a:lvl9pPr>
           </a:lstStyle>
           <a:p>
@@ -1865,8 +1865,8 @@
         </p:nvSpPr>
         <p:spPr>
           <a:xfrm>
-            <a:off x="839789" y="2110757"/>
-            <a:ext cx="5157787" cy="3104607"/>
+            <a:off x="814967" y="1584228"/>
+            <a:ext cx="5005337" cy="2330161"/>
           </a:xfrm>
         </p:spPr>
         <p:txBody>
@@ -1922,8 +1922,8 @@
         </p:nvSpPr>
         <p:spPr>
           <a:xfrm>
-            <a:off x="6172200" y="1416536"/>
-            <a:ext cx="5183188" cy="694222"/>
+            <a:off x="5989767" y="1063180"/>
+            <a:ext cx="5029987" cy="521048"/>
           </a:xfrm>
         </p:spPr>
         <p:txBody>
@@ -1931,39 +1931,39 @@
           <a:lstStyle>
             <a:lvl1pPr marL="0" indent="0">
               <a:buNone/>
-              <a:defRPr sz="2022" b="1"/>
+              <a:defRPr sz="1518" b="1"/>
             </a:lvl1pPr>
-            <a:lvl2pPr marL="385237" indent="0">
+            <a:lvl2pPr marL="289133" indent="0">
               <a:buNone/>
-              <a:defRPr sz="1685" b="1"/>
+              <a:defRPr sz="1265" b="1"/>
             </a:lvl2pPr>
-            <a:lvl3pPr marL="770473" indent="0">
+            <a:lvl3pPr marL="578267" indent="0">
               <a:buNone/>
-              <a:defRPr sz="1517" b="1"/>
+              <a:defRPr sz="1138" b="1"/>
             </a:lvl3pPr>
-            <a:lvl4pPr marL="1155710" indent="0">
+            <a:lvl4pPr marL="867400" indent="0">
               <a:buNone/>
-              <a:defRPr sz="1348" b="1"/>
+              <a:defRPr sz="1012" b="1"/>
             </a:lvl4pPr>
-            <a:lvl5pPr marL="1540947" indent="0">
+            <a:lvl5pPr marL="1156533" indent="0">
               <a:buNone/>
-              <a:defRPr sz="1348" b="1"/>
+              <a:defRPr sz="1012" b="1"/>
             </a:lvl5pPr>
-            <a:lvl6pPr marL="1926184" indent="0">
+            <a:lvl6pPr marL="1445666" indent="0">
               <a:buNone/>
-              <a:defRPr sz="1348" b="1"/>
+              <a:defRPr sz="1012" b="1"/>
             </a:lvl6pPr>
-            <a:lvl7pPr marL="2311420" indent="0">
+            <a:lvl7pPr marL="1734800" indent="0">
               <a:buNone/>
-              <a:defRPr sz="1348" b="1"/>
+              <a:defRPr sz="1012" b="1"/>
             </a:lvl7pPr>
-            <a:lvl8pPr marL="2696657" indent="0">
+            <a:lvl8pPr marL="2023933" indent="0">
               <a:buNone/>
-              <a:defRPr sz="1348" b="1"/>
+              <a:defRPr sz="1012" b="1"/>
             </a:lvl8pPr>
-            <a:lvl9pPr marL="3081894" indent="0">
+            <a:lvl9pPr marL="2313066" indent="0">
               <a:buNone/>
-              <a:defRPr sz="1348" b="1"/>
+              <a:defRPr sz="1012" b="1"/>
             </a:lvl9pPr>
           </a:lstStyle>
           <a:p>
@@ -1987,8 +1987,8 @@
         </p:nvSpPr>
         <p:spPr>
           <a:xfrm>
-            <a:off x="6172200" y="2110757"/>
-            <a:ext cx="5183188" cy="3104607"/>
+            <a:off x="5989767" y="1584228"/>
+            <a:ext cx="5029987" cy="2330161"/>
           </a:xfrm>
         </p:spPr>
         <p:txBody>
@@ -2049,7 +2049,7 @@
           <a:p>
             <a:fld id="{A627DF43-A246-43EE-926C-71914852C54A}" type="datetimeFigureOut">
               <a:rPr lang="zh-CN" altLang="en-US" smtClean="0"/>
-              <a:t>2020/12/8</a:t>
+              <a:t>2020/12/10</a:t>
             </a:fld>
             <a:endParaRPr lang="zh-CN" altLang="en-US"/>
           </a:p>
@@ -2100,7 +2100,7 @@
     </p:spTree>
     <p:extLst>
       <p:ext uri="{BB962C8B-B14F-4D97-AF65-F5344CB8AC3E}">
-        <p14:creationId xmlns:p14="http://schemas.microsoft.com/office/powerpoint/2010/main" val="3724750544"/>
+        <p14:creationId xmlns:p14="http://schemas.microsoft.com/office/powerpoint/2010/main" val="3893960979"/>
       </p:ext>
     </p:extLst>
   </p:cSld>
@@ -2167,7 +2167,7 @@
           <a:p>
             <a:fld id="{A627DF43-A246-43EE-926C-71914852C54A}" type="datetimeFigureOut">
               <a:rPr lang="zh-CN" altLang="en-US" smtClean="0"/>
-              <a:t>2020/12/8</a:t>
+              <a:t>2020/12/10</a:t>
             </a:fld>
             <a:endParaRPr lang="zh-CN" altLang="en-US"/>
           </a:p>
@@ -2218,7 +2218,7 @@
     </p:spTree>
     <p:extLst>
       <p:ext uri="{BB962C8B-B14F-4D97-AF65-F5344CB8AC3E}">
-        <p14:creationId xmlns:p14="http://schemas.microsoft.com/office/powerpoint/2010/main" val="1820382848"/>
+        <p14:creationId xmlns:p14="http://schemas.microsoft.com/office/powerpoint/2010/main" val="3441805853"/>
       </p:ext>
     </p:extLst>
   </p:cSld>
@@ -2262,7 +2262,7 @@
           <a:p>
             <a:fld id="{A627DF43-A246-43EE-926C-71914852C54A}" type="datetimeFigureOut">
               <a:rPr lang="zh-CN" altLang="en-US" smtClean="0"/>
-              <a:t>2020/12/8</a:t>
+              <a:t>2020/12/10</a:t>
             </a:fld>
             <a:endParaRPr lang="zh-CN" altLang="en-US"/>
           </a:p>
@@ -2313,7 +2313,7 @@
     </p:spTree>
     <p:extLst>
       <p:ext uri="{BB962C8B-B14F-4D97-AF65-F5344CB8AC3E}">
-        <p14:creationId xmlns:p14="http://schemas.microsoft.com/office/powerpoint/2010/main" val="2367371307"/>
+        <p14:creationId xmlns:p14="http://schemas.microsoft.com/office/powerpoint/2010/main" val="4012392629"/>
       </p:ext>
     </p:extLst>
   </p:cSld>
@@ -2352,15 +2352,15 @@
         </p:nvSpPr>
         <p:spPr>
           <a:xfrm>
-            <a:off x="839789" y="385233"/>
-            <a:ext cx="3932237" cy="1348317"/>
+            <a:off x="814967" y="289137"/>
+            <a:ext cx="3816011" cy="1011978"/>
           </a:xfrm>
         </p:spPr>
         <p:txBody>
           <a:bodyPr anchor="b"/>
           <a:lstStyle>
             <a:lvl1pPr>
-              <a:defRPr sz="2696"/>
+              <a:defRPr sz="2024"/>
             </a:lvl1pPr>
           </a:lstStyle>
           <a:p>
@@ -2384,39 +2384,39 @@
         </p:nvSpPr>
         <p:spPr>
           <a:xfrm>
-            <a:off x="5183188" y="831998"/>
-            <a:ext cx="6172200" cy="4106480"/>
+            <a:off x="5029987" y="624455"/>
+            <a:ext cx="5989767" cy="3082117"/>
           </a:xfrm>
         </p:spPr>
         <p:txBody>
           <a:bodyPr/>
           <a:lstStyle>
             <a:lvl1pPr>
-              <a:defRPr sz="2696"/>
+              <a:defRPr sz="2024"/>
             </a:lvl1pPr>
             <a:lvl2pPr>
-              <a:defRPr sz="2359"/>
+              <a:defRPr sz="1771"/>
             </a:lvl2pPr>
             <a:lvl3pPr>
-              <a:defRPr sz="2022"/>
+              <a:defRPr sz="1518"/>
             </a:lvl3pPr>
             <a:lvl4pPr>
-              <a:defRPr sz="1685"/>
+              <a:defRPr sz="1265"/>
             </a:lvl4pPr>
             <a:lvl5pPr>
-              <a:defRPr sz="1685"/>
+              <a:defRPr sz="1265"/>
             </a:lvl5pPr>
             <a:lvl6pPr>
-              <a:defRPr sz="1685"/>
+              <a:defRPr sz="1265"/>
             </a:lvl6pPr>
             <a:lvl7pPr>
-              <a:defRPr sz="1685"/>
+              <a:defRPr sz="1265"/>
             </a:lvl7pPr>
             <a:lvl8pPr>
-              <a:defRPr sz="1685"/>
+              <a:defRPr sz="1265"/>
             </a:lvl8pPr>
             <a:lvl9pPr>
-              <a:defRPr sz="1685"/>
+              <a:defRPr sz="1265"/>
             </a:lvl9pPr>
           </a:lstStyle>
           <a:p>
@@ -2469,8 +2469,8 @@
         </p:nvSpPr>
         <p:spPr>
           <a:xfrm>
-            <a:off x="839789" y="1733550"/>
-            <a:ext cx="3932237" cy="3211616"/>
+            <a:off x="814967" y="1301115"/>
+            <a:ext cx="3816011" cy="2410476"/>
           </a:xfrm>
         </p:spPr>
         <p:txBody>
@@ -2478,39 +2478,39 @@
           <a:lstStyle>
             <a:lvl1pPr marL="0" indent="0">
               <a:buNone/>
-              <a:defRPr sz="1348"/>
+              <a:defRPr sz="1012"/>
             </a:lvl1pPr>
-            <a:lvl2pPr marL="385237" indent="0">
+            <a:lvl2pPr marL="289133" indent="0">
               <a:buNone/>
-              <a:defRPr sz="1180"/>
+              <a:defRPr sz="885"/>
             </a:lvl2pPr>
-            <a:lvl3pPr marL="770473" indent="0">
+            <a:lvl3pPr marL="578267" indent="0">
               <a:buNone/>
-              <a:defRPr sz="1011"/>
+              <a:defRPr sz="759"/>
             </a:lvl3pPr>
-            <a:lvl4pPr marL="1155710" indent="0">
+            <a:lvl4pPr marL="867400" indent="0">
               <a:buNone/>
-              <a:defRPr sz="843"/>
+              <a:defRPr sz="632"/>
             </a:lvl4pPr>
-            <a:lvl5pPr marL="1540947" indent="0">
+            <a:lvl5pPr marL="1156533" indent="0">
               <a:buNone/>
-              <a:defRPr sz="843"/>
+              <a:defRPr sz="632"/>
             </a:lvl5pPr>
-            <a:lvl6pPr marL="1926184" indent="0">
+            <a:lvl6pPr marL="1445666" indent="0">
               <a:buNone/>
-              <a:defRPr sz="843"/>
+              <a:defRPr sz="632"/>
             </a:lvl6pPr>
-            <a:lvl7pPr marL="2311420" indent="0">
+            <a:lvl7pPr marL="1734800" indent="0">
               <a:buNone/>
-              <a:defRPr sz="843"/>
+              <a:defRPr sz="632"/>
             </a:lvl7pPr>
-            <a:lvl8pPr marL="2696657" indent="0">
+            <a:lvl8pPr marL="2023933" indent="0">
               <a:buNone/>
-              <a:defRPr sz="843"/>
+              <a:defRPr sz="632"/>
             </a:lvl8pPr>
-            <a:lvl9pPr marL="3081894" indent="0">
+            <a:lvl9pPr marL="2313066" indent="0">
               <a:buNone/>
-              <a:defRPr sz="843"/>
+              <a:defRPr sz="632"/>
             </a:lvl9pPr>
           </a:lstStyle>
           <a:p>
@@ -2539,7 +2539,7 @@
           <a:p>
             <a:fld id="{A627DF43-A246-43EE-926C-71914852C54A}" type="datetimeFigureOut">
               <a:rPr lang="zh-CN" altLang="en-US" smtClean="0"/>
-              <a:t>2020/12/8</a:t>
+              <a:t>2020/12/10</a:t>
             </a:fld>
             <a:endParaRPr lang="zh-CN" altLang="en-US"/>
           </a:p>
@@ -2590,7 +2590,7 @@
     </p:spTree>
     <p:extLst>
       <p:ext uri="{BB962C8B-B14F-4D97-AF65-F5344CB8AC3E}">
-        <p14:creationId xmlns:p14="http://schemas.microsoft.com/office/powerpoint/2010/main" val="1167495171"/>
+        <p14:creationId xmlns:p14="http://schemas.microsoft.com/office/powerpoint/2010/main" val="3189645383"/>
       </p:ext>
     </p:extLst>
   </p:cSld>
@@ -2629,15 +2629,15 @@
         </p:nvSpPr>
         <p:spPr>
           <a:xfrm>
-            <a:off x="839789" y="385233"/>
-            <a:ext cx="3932237" cy="1348317"/>
+            <a:off x="814967" y="289137"/>
+            <a:ext cx="3816011" cy="1011978"/>
           </a:xfrm>
         </p:spPr>
         <p:txBody>
           <a:bodyPr anchor="b"/>
           <a:lstStyle>
             <a:lvl1pPr>
-              <a:defRPr sz="2696"/>
+              <a:defRPr sz="2024"/>
             </a:lvl1pPr>
           </a:lstStyle>
           <a:p>
@@ -2661,8 +2661,8 @@
         </p:nvSpPr>
         <p:spPr>
           <a:xfrm>
-            <a:off x="5183188" y="831998"/>
-            <a:ext cx="6172200" cy="4106480"/>
+            <a:off x="5029987" y="624455"/>
+            <a:ext cx="5989767" cy="3082117"/>
           </a:xfrm>
         </p:spPr>
         <p:txBody>
@@ -2670,39 +2670,39 @@
           <a:lstStyle>
             <a:lvl1pPr marL="0" indent="0">
               <a:buNone/>
-              <a:defRPr sz="2696"/>
+              <a:defRPr sz="2024"/>
             </a:lvl1pPr>
-            <a:lvl2pPr marL="385237" indent="0">
+            <a:lvl2pPr marL="289133" indent="0">
               <a:buNone/>
-              <a:defRPr sz="2359"/>
+              <a:defRPr sz="1771"/>
             </a:lvl2pPr>
-            <a:lvl3pPr marL="770473" indent="0">
+            <a:lvl3pPr marL="578267" indent="0">
               <a:buNone/>
-              <a:defRPr sz="2022"/>
+              <a:defRPr sz="1518"/>
             </a:lvl3pPr>
-            <a:lvl4pPr marL="1155710" indent="0">
+            <a:lvl4pPr marL="867400" indent="0">
               <a:buNone/>
-              <a:defRPr sz="1685"/>
+              <a:defRPr sz="1265"/>
             </a:lvl4pPr>
-            <a:lvl5pPr marL="1540947" indent="0">
+            <a:lvl5pPr marL="1156533" indent="0">
               <a:buNone/>
-              <a:defRPr sz="1685"/>
+              <a:defRPr sz="1265"/>
             </a:lvl5pPr>
-            <a:lvl6pPr marL="1926184" indent="0">
+            <a:lvl6pPr marL="1445666" indent="0">
               <a:buNone/>
-              <a:defRPr sz="1685"/>
+              <a:defRPr sz="1265"/>
             </a:lvl6pPr>
-            <a:lvl7pPr marL="2311420" indent="0">
+            <a:lvl7pPr marL="1734800" indent="0">
               <a:buNone/>
-              <a:defRPr sz="1685"/>
+              <a:defRPr sz="1265"/>
             </a:lvl7pPr>
-            <a:lvl8pPr marL="2696657" indent="0">
+            <a:lvl8pPr marL="2023933" indent="0">
               <a:buNone/>
-              <a:defRPr sz="1685"/>
+              <a:defRPr sz="1265"/>
             </a:lvl8pPr>
-            <a:lvl9pPr marL="3081894" indent="0">
+            <a:lvl9pPr marL="2313066" indent="0">
               <a:buNone/>
-              <a:defRPr sz="1685"/>
+              <a:defRPr sz="1265"/>
             </a:lvl9pPr>
           </a:lstStyle>
           <a:p>
@@ -2726,8 +2726,8 @@
         </p:nvSpPr>
         <p:spPr>
           <a:xfrm>
-            <a:off x="839789" y="1733550"/>
-            <a:ext cx="3932237" cy="3211616"/>
+            <a:off x="814967" y="1301115"/>
+            <a:ext cx="3816011" cy="2410476"/>
           </a:xfrm>
         </p:spPr>
         <p:txBody>
@@ -2735,39 +2735,39 @@
           <a:lstStyle>
             <a:lvl1pPr marL="0" indent="0">
               <a:buNone/>
-              <a:defRPr sz="1348"/>
+              <a:defRPr sz="1012"/>
             </a:lvl1pPr>
-            <a:lvl2pPr marL="385237" indent="0">
+            <a:lvl2pPr marL="289133" indent="0">
               <a:buNone/>
-              <a:defRPr sz="1180"/>
+              <a:defRPr sz="885"/>
             </a:lvl2pPr>
-            <a:lvl3pPr marL="770473" indent="0">
+            <a:lvl3pPr marL="578267" indent="0">
               <a:buNone/>
-              <a:defRPr sz="1011"/>
+              <a:defRPr sz="759"/>
             </a:lvl3pPr>
-            <a:lvl4pPr marL="1155710" indent="0">
+            <a:lvl4pPr marL="867400" indent="0">
               <a:buNone/>
-              <a:defRPr sz="843"/>
+              <a:defRPr sz="632"/>
             </a:lvl4pPr>
-            <a:lvl5pPr marL="1540947" indent="0">
+            <a:lvl5pPr marL="1156533" indent="0">
               <a:buNone/>
-              <a:defRPr sz="843"/>
+              <a:defRPr sz="632"/>
             </a:lvl5pPr>
-            <a:lvl6pPr marL="1926184" indent="0">
+            <a:lvl6pPr marL="1445666" indent="0">
               <a:buNone/>
-              <a:defRPr sz="843"/>
+              <a:defRPr sz="632"/>
             </a:lvl6pPr>
-            <a:lvl7pPr marL="2311420" indent="0">
+            <a:lvl7pPr marL="1734800" indent="0">
               <a:buNone/>
-              <a:defRPr sz="843"/>
+              <a:defRPr sz="632"/>
             </a:lvl7pPr>
-            <a:lvl8pPr marL="2696657" indent="0">
+            <a:lvl8pPr marL="2023933" indent="0">
               <a:buNone/>
-              <a:defRPr sz="843"/>
+              <a:defRPr sz="632"/>
             </a:lvl8pPr>
-            <a:lvl9pPr marL="3081894" indent="0">
+            <a:lvl9pPr marL="2313066" indent="0">
               <a:buNone/>
-              <a:defRPr sz="843"/>
+              <a:defRPr sz="632"/>
             </a:lvl9pPr>
           </a:lstStyle>
           <a:p>
@@ -2796,7 +2796,7 @@
           <a:p>
             <a:fld id="{A627DF43-A246-43EE-926C-71914852C54A}" type="datetimeFigureOut">
               <a:rPr lang="zh-CN" altLang="en-US" smtClean="0"/>
-              <a:t>2020/12/8</a:t>
+              <a:t>2020/12/10</a:t>
             </a:fld>
             <a:endParaRPr lang="zh-CN" altLang="en-US"/>
           </a:p>
@@ -2847,7 +2847,7 @@
     </p:spTree>
     <p:extLst>
       <p:ext uri="{BB962C8B-B14F-4D97-AF65-F5344CB8AC3E}">
-        <p14:creationId xmlns:p14="http://schemas.microsoft.com/office/powerpoint/2010/main" val="2120430423"/>
+        <p14:creationId xmlns:p14="http://schemas.microsoft.com/office/powerpoint/2010/main" val="3826304893"/>
       </p:ext>
     </p:extLst>
   </p:cSld>
@@ -2891,8 +2891,8 @@
         </p:nvSpPr>
         <p:spPr>
           <a:xfrm>
-            <a:off x="838200" y="307652"/>
-            <a:ext cx="10515600" cy="1116910"/>
+            <a:off x="813425" y="230908"/>
+            <a:ext cx="10204788" cy="838296"/>
           </a:xfrm>
           <a:prstGeom prst="rect">
             <a:avLst/>
@@ -2924,8 +2924,8 @@
         </p:nvSpPr>
         <p:spPr>
           <a:xfrm>
-            <a:off x="838200" y="1538258"/>
-            <a:ext cx="10515600" cy="3666405"/>
+            <a:off x="813425" y="1154539"/>
+            <a:ext cx="10204788" cy="2751818"/>
           </a:xfrm>
           <a:prstGeom prst="rect">
             <a:avLst/>
@@ -2986,8 +2986,8 @@
         </p:nvSpPr>
         <p:spPr>
           <a:xfrm>
-            <a:off x="838200" y="5355814"/>
-            <a:ext cx="2743200" cy="307652"/>
+            <a:off x="813425" y="4019803"/>
+            <a:ext cx="2662119" cy="230908"/>
           </a:xfrm>
           <a:prstGeom prst="rect">
             <a:avLst/>
@@ -2997,7 +2997,7 @@
           <a:bodyPr vert="horz" lIns="91440" tIns="45720" rIns="91440" bIns="45720" rtlCol="0" anchor="ctr"/>
           <a:lstStyle>
             <a:lvl1pPr algn="l">
-              <a:defRPr sz="1011">
+              <a:defRPr sz="759">
                 <a:solidFill>
                   <a:schemeClr val="tx1">
                     <a:tint val="75000"/>
@@ -3009,7 +3009,7 @@
           <a:p>
             <a:fld id="{A627DF43-A246-43EE-926C-71914852C54A}" type="datetimeFigureOut">
               <a:rPr lang="zh-CN" altLang="en-US" smtClean="0"/>
-              <a:t>2020/12/8</a:t>
+              <a:t>2020/12/10</a:t>
             </a:fld>
             <a:endParaRPr lang="zh-CN" altLang="en-US"/>
           </a:p>
@@ -3027,8 +3027,8 @@
         </p:nvSpPr>
         <p:spPr>
           <a:xfrm>
-            <a:off x="4038600" y="5355814"/>
-            <a:ext cx="4114800" cy="307652"/>
+            <a:off x="3919230" y="4019803"/>
+            <a:ext cx="3993178" cy="230908"/>
           </a:xfrm>
           <a:prstGeom prst="rect">
             <a:avLst/>
@@ -3038,7 +3038,7 @@
           <a:bodyPr vert="horz" lIns="91440" tIns="45720" rIns="91440" bIns="45720" rtlCol="0" anchor="ctr"/>
           <a:lstStyle>
             <a:lvl1pPr algn="ctr">
-              <a:defRPr sz="1011">
+              <a:defRPr sz="759">
                 <a:solidFill>
                   <a:schemeClr val="tx1">
                     <a:tint val="75000"/>
@@ -3064,8 +3064,8 @@
         </p:nvSpPr>
         <p:spPr>
           <a:xfrm>
-            <a:off x="8610600" y="5355814"/>
-            <a:ext cx="2743200" cy="307652"/>
+            <a:off x="8356094" y="4019803"/>
+            <a:ext cx="2662119" cy="230908"/>
           </a:xfrm>
           <a:prstGeom prst="rect">
             <a:avLst/>
@@ -3075,7 +3075,7 @@
           <a:bodyPr vert="horz" lIns="91440" tIns="45720" rIns="91440" bIns="45720" rtlCol="0" anchor="ctr"/>
           <a:lstStyle>
             <a:lvl1pPr algn="r">
-              <a:defRPr sz="1011">
+              <a:defRPr sz="759">
                 <a:solidFill>
                   <a:schemeClr val="tx1">
                     <a:tint val="75000"/>
@@ -3096,27 +3096,27 @@
     </p:spTree>
     <p:extLst>
       <p:ext uri="{BB962C8B-B14F-4D97-AF65-F5344CB8AC3E}">
-        <p14:creationId xmlns:p14="http://schemas.microsoft.com/office/powerpoint/2010/main" val="1500262489"/>
+        <p14:creationId xmlns:p14="http://schemas.microsoft.com/office/powerpoint/2010/main" val="493184758"/>
       </p:ext>
     </p:extLst>
   </p:cSld>
   <p:clrMap bg1="lt1" tx1="dk1" bg2="lt2" tx2="dk2" accent1="accent1" accent2="accent2" accent3="accent3" accent4="accent4" accent5="accent5" accent6="accent6" hlink="hlink" folHlink="folHlink"/>
   <p:sldLayoutIdLst>
-    <p:sldLayoutId id="2147483661" r:id="rId1"/>
-    <p:sldLayoutId id="2147483662" r:id="rId2"/>
-    <p:sldLayoutId id="2147483663" r:id="rId3"/>
-    <p:sldLayoutId id="2147483664" r:id="rId4"/>
-    <p:sldLayoutId id="2147483665" r:id="rId5"/>
-    <p:sldLayoutId id="2147483666" r:id="rId6"/>
-    <p:sldLayoutId id="2147483667" r:id="rId7"/>
-    <p:sldLayoutId id="2147483668" r:id="rId8"/>
-    <p:sldLayoutId id="2147483669" r:id="rId9"/>
-    <p:sldLayoutId id="2147483670" r:id="rId10"/>
-    <p:sldLayoutId id="2147483671" r:id="rId11"/>
+    <p:sldLayoutId id="2147483685" r:id="rId1"/>
+    <p:sldLayoutId id="2147483686" r:id="rId2"/>
+    <p:sldLayoutId id="2147483687" r:id="rId3"/>
+    <p:sldLayoutId id="2147483688" r:id="rId4"/>
+    <p:sldLayoutId id="2147483689" r:id="rId5"/>
+    <p:sldLayoutId id="2147483690" r:id="rId6"/>
+    <p:sldLayoutId id="2147483691" r:id="rId7"/>
+    <p:sldLayoutId id="2147483692" r:id="rId8"/>
+    <p:sldLayoutId id="2147483693" r:id="rId9"/>
+    <p:sldLayoutId id="2147483694" r:id="rId10"/>
+    <p:sldLayoutId id="2147483695" r:id="rId11"/>
   </p:sldLayoutIdLst>
   <p:txStyles>
     <p:titleStyle>
-      <a:lvl1pPr algn="l" defTabSz="770473" rtl="0" eaLnBrk="1" latinLnBrk="0" hangingPunct="1">
+      <a:lvl1pPr algn="l" defTabSz="578267" rtl="0" eaLnBrk="1" latinLnBrk="0" hangingPunct="1">
         <a:lnSpc>
           <a:spcPct val="90000"/>
         </a:lnSpc>
@@ -3124,7 +3124,7 @@
           <a:spcPct val="0"/>
         </a:spcBef>
         <a:buNone/>
-        <a:defRPr sz="3707" kern="1200">
+        <a:defRPr sz="2783" kern="1200">
           <a:solidFill>
             <a:schemeClr val="tx1"/>
           </a:solidFill>
@@ -3135,16 +3135,16 @@
       </a:lvl1pPr>
     </p:titleStyle>
     <p:bodyStyle>
-      <a:lvl1pPr marL="192618" indent="-192618" algn="l" defTabSz="770473" rtl="0" eaLnBrk="1" latinLnBrk="0" hangingPunct="1">
+      <a:lvl1pPr marL="144567" indent="-144567" algn="l" defTabSz="578267" rtl="0" eaLnBrk="1" latinLnBrk="0" hangingPunct="1">
         <a:lnSpc>
           <a:spcPct val="90000"/>
         </a:lnSpc>
         <a:spcBef>
-          <a:spcPts val="843"/>
+          <a:spcPts val="632"/>
         </a:spcBef>
         <a:buFont typeface="Arial" panose="020B0604020202020204" pitchFamily="34" charset="0"/>
         <a:buChar char="•"/>
-        <a:defRPr sz="2359" kern="1200">
+        <a:defRPr sz="1771" kern="1200">
           <a:solidFill>
             <a:schemeClr val="tx1"/>
           </a:solidFill>
@@ -3153,16 +3153,16 @@
           <a:cs typeface="+mn-cs"/>
         </a:defRPr>
       </a:lvl1pPr>
-      <a:lvl2pPr marL="577855" indent="-192618" algn="l" defTabSz="770473" rtl="0" eaLnBrk="1" latinLnBrk="0" hangingPunct="1">
+      <a:lvl2pPr marL="433700" indent="-144567" algn="l" defTabSz="578267" rtl="0" eaLnBrk="1" latinLnBrk="0" hangingPunct="1">
         <a:lnSpc>
           <a:spcPct val="90000"/>
         </a:lnSpc>
         <a:spcBef>
-          <a:spcPts val="421"/>
+          <a:spcPts val="316"/>
         </a:spcBef>
         <a:buFont typeface="Arial" panose="020B0604020202020204" pitchFamily="34" charset="0"/>
         <a:buChar char="•"/>
-        <a:defRPr sz="2022" kern="1200">
+        <a:defRPr sz="1518" kern="1200">
           <a:solidFill>
             <a:schemeClr val="tx1"/>
           </a:solidFill>
@@ -3171,16 +3171,16 @@
           <a:cs typeface="+mn-cs"/>
         </a:defRPr>
       </a:lvl2pPr>
-      <a:lvl3pPr marL="963092" indent="-192618" algn="l" defTabSz="770473" rtl="0" eaLnBrk="1" latinLnBrk="0" hangingPunct="1">
+      <a:lvl3pPr marL="722833" indent="-144567" algn="l" defTabSz="578267" rtl="0" eaLnBrk="1" latinLnBrk="0" hangingPunct="1">
         <a:lnSpc>
           <a:spcPct val="90000"/>
         </a:lnSpc>
         <a:spcBef>
-          <a:spcPts val="421"/>
+          <a:spcPts val="316"/>
         </a:spcBef>
         <a:buFont typeface="Arial" panose="020B0604020202020204" pitchFamily="34" charset="0"/>
         <a:buChar char="•"/>
-        <a:defRPr sz="1685" kern="1200">
+        <a:defRPr sz="1265" kern="1200">
           <a:solidFill>
             <a:schemeClr val="tx1"/>
           </a:solidFill>
@@ -3189,16 +3189,16 @@
           <a:cs typeface="+mn-cs"/>
         </a:defRPr>
       </a:lvl3pPr>
-      <a:lvl4pPr marL="1348329" indent="-192618" algn="l" defTabSz="770473" rtl="0" eaLnBrk="1" latinLnBrk="0" hangingPunct="1">
+      <a:lvl4pPr marL="1011966" indent="-144567" algn="l" defTabSz="578267" rtl="0" eaLnBrk="1" latinLnBrk="0" hangingPunct="1">
         <a:lnSpc>
           <a:spcPct val="90000"/>
         </a:lnSpc>
         <a:spcBef>
-          <a:spcPts val="421"/>
+          <a:spcPts val="316"/>
         </a:spcBef>
         <a:buFont typeface="Arial" panose="020B0604020202020204" pitchFamily="34" charset="0"/>
         <a:buChar char="•"/>
-        <a:defRPr sz="1517" kern="1200">
+        <a:defRPr sz="1138" kern="1200">
           <a:solidFill>
             <a:schemeClr val="tx1"/>
           </a:solidFill>
@@ -3207,16 +3207,16 @@
           <a:cs typeface="+mn-cs"/>
         </a:defRPr>
       </a:lvl4pPr>
-      <a:lvl5pPr marL="1733565" indent="-192618" algn="l" defTabSz="770473" rtl="0" eaLnBrk="1" latinLnBrk="0" hangingPunct="1">
+      <a:lvl5pPr marL="1301100" indent="-144567" algn="l" defTabSz="578267" rtl="0" eaLnBrk="1" latinLnBrk="0" hangingPunct="1">
         <a:lnSpc>
           <a:spcPct val="90000"/>
         </a:lnSpc>
         <a:spcBef>
-          <a:spcPts val="421"/>
+          <a:spcPts val="316"/>
         </a:spcBef>
         <a:buFont typeface="Arial" panose="020B0604020202020204" pitchFamily="34" charset="0"/>
         <a:buChar char="•"/>
-        <a:defRPr sz="1517" kern="1200">
+        <a:defRPr sz="1138" kern="1200">
           <a:solidFill>
             <a:schemeClr val="tx1"/>
           </a:solidFill>
@@ -3225,16 +3225,16 @@
           <a:cs typeface="+mn-cs"/>
         </a:defRPr>
       </a:lvl5pPr>
-      <a:lvl6pPr marL="2118802" indent="-192618" algn="l" defTabSz="770473" rtl="0" eaLnBrk="1" latinLnBrk="0" hangingPunct="1">
+      <a:lvl6pPr marL="1590233" indent="-144567" algn="l" defTabSz="578267" rtl="0" eaLnBrk="1" latinLnBrk="0" hangingPunct="1">
         <a:lnSpc>
           <a:spcPct val="90000"/>
         </a:lnSpc>
         <a:spcBef>
-          <a:spcPts val="421"/>
+          <a:spcPts val="316"/>
         </a:spcBef>
         <a:buFont typeface="Arial" panose="020B0604020202020204" pitchFamily="34" charset="0"/>
         <a:buChar char="•"/>
-        <a:defRPr sz="1517" kern="1200">
+        <a:defRPr sz="1138" kern="1200">
           <a:solidFill>
             <a:schemeClr val="tx1"/>
           </a:solidFill>
@@ -3243,16 +3243,16 @@
           <a:cs typeface="+mn-cs"/>
         </a:defRPr>
       </a:lvl6pPr>
-      <a:lvl7pPr marL="2504039" indent="-192618" algn="l" defTabSz="770473" rtl="0" eaLnBrk="1" latinLnBrk="0" hangingPunct="1">
+      <a:lvl7pPr marL="1879366" indent="-144567" algn="l" defTabSz="578267" rtl="0" eaLnBrk="1" latinLnBrk="0" hangingPunct="1">
         <a:lnSpc>
           <a:spcPct val="90000"/>
         </a:lnSpc>
         <a:spcBef>
-          <a:spcPts val="421"/>
+          <a:spcPts val="316"/>
         </a:spcBef>
         <a:buFont typeface="Arial" panose="020B0604020202020204" pitchFamily="34" charset="0"/>
         <a:buChar char="•"/>
-        <a:defRPr sz="1517" kern="1200">
+        <a:defRPr sz="1138" kern="1200">
           <a:solidFill>
             <a:schemeClr val="tx1"/>
           </a:solidFill>
@@ -3261,16 +3261,16 @@
           <a:cs typeface="+mn-cs"/>
         </a:defRPr>
       </a:lvl7pPr>
-      <a:lvl8pPr marL="2889275" indent="-192618" algn="l" defTabSz="770473" rtl="0" eaLnBrk="1" latinLnBrk="0" hangingPunct="1">
+      <a:lvl8pPr marL="2168500" indent="-144567" algn="l" defTabSz="578267" rtl="0" eaLnBrk="1" latinLnBrk="0" hangingPunct="1">
         <a:lnSpc>
           <a:spcPct val="90000"/>
         </a:lnSpc>
         <a:spcBef>
-          <a:spcPts val="421"/>
+          <a:spcPts val="316"/>
         </a:spcBef>
         <a:buFont typeface="Arial" panose="020B0604020202020204" pitchFamily="34" charset="0"/>
         <a:buChar char="•"/>
-        <a:defRPr sz="1517" kern="1200">
+        <a:defRPr sz="1138" kern="1200">
           <a:solidFill>
             <a:schemeClr val="tx1"/>
           </a:solidFill>
@@ -3279,16 +3279,16 @@
           <a:cs typeface="+mn-cs"/>
         </a:defRPr>
       </a:lvl8pPr>
-      <a:lvl9pPr marL="3274512" indent="-192618" algn="l" defTabSz="770473" rtl="0" eaLnBrk="1" latinLnBrk="0" hangingPunct="1">
+      <a:lvl9pPr marL="2457633" indent="-144567" algn="l" defTabSz="578267" rtl="0" eaLnBrk="1" latinLnBrk="0" hangingPunct="1">
         <a:lnSpc>
           <a:spcPct val="90000"/>
         </a:lnSpc>
         <a:spcBef>
-          <a:spcPts val="421"/>
+          <a:spcPts val="316"/>
         </a:spcBef>
         <a:buFont typeface="Arial" panose="020B0604020202020204" pitchFamily="34" charset="0"/>
         <a:buChar char="•"/>
-        <a:defRPr sz="1517" kern="1200">
+        <a:defRPr sz="1138" kern="1200">
           <a:solidFill>
             <a:schemeClr val="tx1"/>
           </a:solidFill>
@@ -3302,8 +3302,8 @@
       <a:defPPr>
         <a:defRPr lang="en-US"/>
       </a:defPPr>
-      <a:lvl1pPr marL="0" algn="l" defTabSz="770473" rtl="0" eaLnBrk="1" latinLnBrk="0" hangingPunct="1">
-        <a:defRPr sz="1517" kern="1200">
+      <a:lvl1pPr marL="0" algn="l" defTabSz="578267" rtl="0" eaLnBrk="1" latinLnBrk="0" hangingPunct="1">
+        <a:defRPr sz="1138" kern="1200">
           <a:solidFill>
             <a:schemeClr val="tx1"/>
           </a:solidFill>
@@ -3312,8 +3312,8 @@
           <a:cs typeface="+mn-cs"/>
         </a:defRPr>
       </a:lvl1pPr>
-      <a:lvl2pPr marL="385237" algn="l" defTabSz="770473" rtl="0" eaLnBrk="1" latinLnBrk="0" hangingPunct="1">
-        <a:defRPr sz="1517" kern="1200">
+      <a:lvl2pPr marL="289133" algn="l" defTabSz="578267" rtl="0" eaLnBrk="1" latinLnBrk="0" hangingPunct="1">
+        <a:defRPr sz="1138" kern="1200">
           <a:solidFill>
             <a:schemeClr val="tx1"/>
           </a:solidFill>
@@ -3322,8 +3322,8 @@
           <a:cs typeface="+mn-cs"/>
         </a:defRPr>
       </a:lvl2pPr>
-      <a:lvl3pPr marL="770473" algn="l" defTabSz="770473" rtl="0" eaLnBrk="1" latinLnBrk="0" hangingPunct="1">
-        <a:defRPr sz="1517" kern="1200">
+      <a:lvl3pPr marL="578267" algn="l" defTabSz="578267" rtl="0" eaLnBrk="1" latinLnBrk="0" hangingPunct="1">
+        <a:defRPr sz="1138" kern="1200">
           <a:solidFill>
             <a:schemeClr val="tx1"/>
           </a:solidFill>
@@ -3332,8 +3332,8 @@
           <a:cs typeface="+mn-cs"/>
         </a:defRPr>
       </a:lvl3pPr>
-      <a:lvl4pPr marL="1155710" algn="l" defTabSz="770473" rtl="0" eaLnBrk="1" latinLnBrk="0" hangingPunct="1">
-        <a:defRPr sz="1517" kern="1200">
+      <a:lvl4pPr marL="867400" algn="l" defTabSz="578267" rtl="0" eaLnBrk="1" latinLnBrk="0" hangingPunct="1">
+        <a:defRPr sz="1138" kern="1200">
           <a:solidFill>
             <a:schemeClr val="tx1"/>
           </a:solidFill>
@@ -3342,8 +3342,8 @@
           <a:cs typeface="+mn-cs"/>
         </a:defRPr>
       </a:lvl4pPr>
-      <a:lvl5pPr marL="1540947" algn="l" defTabSz="770473" rtl="0" eaLnBrk="1" latinLnBrk="0" hangingPunct="1">
-        <a:defRPr sz="1517" kern="1200">
+      <a:lvl5pPr marL="1156533" algn="l" defTabSz="578267" rtl="0" eaLnBrk="1" latinLnBrk="0" hangingPunct="1">
+        <a:defRPr sz="1138" kern="1200">
           <a:solidFill>
             <a:schemeClr val="tx1"/>
           </a:solidFill>
@@ -3352,8 +3352,8 @@
           <a:cs typeface="+mn-cs"/>
         </a:defRPr>
       </a:lvl5pPr>
-      <a:lvl6pPr marL="1926184" algn="l" defTabSz="770473" rtl="0" eaLnBrk="1" latinLnBrk="0" hangingPunct="1">
-        <a:defRPr sz="1517" kern="1200">
+      <a:lvl6pPr marL="1445666" algn="l" defTabSz="578267" rtl="0" eaLnBrk="1" latinLnBrk="0" hangingPunct="1">
+        <a:defRPr sz="1138" kern="1200">
           <a:solidFill>
             <a:schemeClr val="tx1"/>
           </a:solidFill>
@@ -3362,8 +3362,8 @@
           <a:cs typeface="+mn-cs"/>
         </a:defRPr>
       </a:lvl6pPr>
-      <a:lvl7pPr marL="2311420" algn="l" defTabSz="770473" rtl="0" eaLnBrk="1" latinLnBrk="0" hangingPunct="1">
-        <a:defRPr sz="1517" kern="1200">
+      <a:lvl7pPr marL="1734800" algn="l" defTabSz="578267" rtl="0" eaLnBrk="1" latinLnBrk="0" hangingPunct="1">
+        <a:defRPr sz="1138" kern="1200">
           <a:solidFill>
             <a:schemeClr val="tx1"/>
           </a:solidFill>
@@ -3372,8 +3372,8 @@
           <a:cs typeface="+mn-cs"/>
         </a:defRPr>
       </a:lvl7pPr>
-      <a:lvl8pPr marL="2696657" algn="l" defTabSz="770473" rtl="0" eaLnBrk="1" latinLnBrk="0" hangingPunct="1">
-        <a:defRPr sz="1517" kern="1200">
+      <a:lvl8pPr marL="2023933" algn="l" defTabSz="578267" rtl="0" eaLnBrk="1" latinLnBrk="0" hangingPunct="1">
+        <a:defRPr sz="1138" kern="1200">
           <a:solidFill>
             <a:schemeClr val="tx1"/>
           </a:solidFill>
@@ -3382,8 +3382,8 @@
           <a:cs typeface="+mn-cs"/>
         </a:defRPr>
       </a:lvl8pPr>
-      <a:lvl9pPr marL="3081894" algn="l" defTabSz="770473" rtl="0" eaLnBrk="1" latinLnBrk="0" hangingPunct="1">
-        <a:defRPr sz="1517" kern="1200">
+      <a:lvl9pPr marL="2313066" algn="l" defTabSz="578267" rtl="0" eaLnBrk="1" latinLnBrk="0" hangingPunct="1">
+        <a:defRPr sz="1138" kern="1200">
           <a:solidFill>
             <a:schemeClr val="tx1"/>
           </a:solidFill>
@@ -3414,6 +3414,54 @@
           <a:chExt cx="0" cy="0"/>
         </a:xfrm>
       </p:grpSpPr>
+      <p:sp>
+        <p:nvSpPr>
+          <p:cNvPr id="70" name="矩形 69">
+            <a:extLst>
+              <a:ext uri="{FF2B5EF4-FFF2-40B4-BE49-F238E27FC236}">
+                <a16:creationId xmlns:a16="http://schemas.microsoft.com/office/drawing/2014/main" id="{5CBA3418-DBC2-4371-B8F6-C87C37C39003}"/>
+              </a:ext>
+            </a:extLst>
+          </p:cNvPr>
+          <p:cNvSpPr/>
+          <p:nvPr/>
+        </p:nvSpPr>
+        <p:spPr>
+          <a:xfrm>
+            <a:off x="410791" y="283293"/>
+            <a:ext cx="3410927" cy="3915600"/>
+          </a:xfrm>
+          <a:prstGeom prst="rect">
+            <a:avLst/>
+          </a:prstGeom>
+        </p:spPr>
+        <p:style>
+          <a:lnRef idx="2">
+            <a:schemeClr val="accent1">
+              <a:shade val="50000"/>
+            </a:schemeClr>
+          </a:lnRef>
+          <a:fillRef idx="1">
+            <a:schemeClr val="accent1"/>
+          </a:fillRef>
+          <a:effectRef idx="0">
+            <a:schemeClr val="accent1"/>
+          </a:effectRef>
+          <a:fontRef idx="minor">
+            <a:schemeClr val="lt1"/>
+          </a:fontRef>
+        </p:style>
+        <p:txBody>
+          <a:bodyPr rtlCol="0" anchor="ctr"/>
+          <a:lstStyle/>
+          <a:p>
+            <a:pPr algn="ctr"/>
+            <a:endParaRPr lang="zh-CN" altLang="en-US" b="1" dirty="0">
+              <a:latin typeface="Consolas" panose="020B0609020204030204" pitchFamily="49" charset="0"/>
+            </a:endParaRPr>
+          </a:p>
+        </p:txBody>
+      </p:sp>
       <mc:AlternateContent xmlns:mc="http://schemas.openxmlformats.org/markup-compatibility/2006">
         <mc:Choice xmlns:a14="http://schemas.microsoft.com/office/drawing/2010/main" Requires="a14">
           <p:sp>
@@ -3430,7 +3478,7 @@
             </p:nvSpPr>
             <p:spPr>
               <a:xfrm>
-                <a:off x="554256" y="1921664"/>
+                <a:off x="573493" y="3344591"/>
                 <a:ext cx="728869" cy="410817"/>
               </a:xfrm>
               <a:prstGeom prst="rect">
@@ -3520,7 +3568,7 @@
             </p:nvSpPr>
             <p:spPr>
               <a:xfrm>
-                <a:off x="554256" y="1921664"/>
+                <a:off x="573493" y="3344591"/>
                 <a:ext cx="728869" cy="410817"/>
               </a:xfrm>
               <a:prstGeom prst="rect">
@@ -3572,7 +3620,7 @@
             </p:nvSpPr>
             <p:spPr>
               <a:xfrm>
-                <a:off x="1283125" y="1921664"/>
+                <a:off x="1302362" y="3344591"/>
                 <a:ext cx="728869" cy="410817"/>
               </a:xfrm>
               <a:prstGeom prst="rect">
@@ -3662,7 +3710,7 @@
             </p:nvSpPr>
             <p:spPr>
               <a:xfrm>
-                <a:off x="1283125" y="1921664"/>
+                <a:off x="1302362" y="3344591"/>
                 <a:ext cx="728869" cy="410817"/>
               </a:xfrm>
               <a:prstGeom prst="rect">
@@ -3714,7 +3762,7 @@
             </p:nvSpPr>
             <p:spPr>
               <a:xfrm>
-                <a:off x="2011994" y="1921664"/>
+                <a:off x="2480304" y="3350963"/>
                 <a:ext cx="728869" cy="410817"/>
               </a:xfrm>
               <a:prstGeom prst="rect">
@@ -3771,12 +3819,31 @@
                           </m:r>
                         </m:e>
                         <m:sub>
-                          <m:r>
-                            <a:rPr lang="en-US" altLang="zh-CN" i="1">
-                              <a:latin typeface="Cambria Math" panose="02040503050406030204" pitchFamily="18" charset="0"/>
-                            </a:rPr>
-                            <m:t>3</m:t>
-                          </m:r>
+                          <m:sSub>
+                            <m:sSubPr>
+                              <m:ctrlPr>
+                                <a:rPr lang="en-US" altLang="zh-CN" i="1">
+                                  <a:latin typeface="Cambria Math" panose="02040503050406030204" pitchFamily="18" charset="0"/>
+                                </a:rPr>
+                              </m:ctrlPr>
+                            </m:sSubPr>
+                            <m:e>
+                              <m:r>
+                                <a:rPr lang="en-US" altLang="zh-CN" i="1">
+                                  <a:latin typeface="Cambria Math" panose="02040503050406030204" pitchFamily="18" charset="0"/>
+                                </a:rPr>
+                                <m:t>𝑘</m:t>
+                              </m:r>
+                            </m:e>
+                            <m:sub>
+                              <m:r>
+                                <a:rPr lang="en-US" altLang="zh-CN" i="1">
+                                  <a:latin typeface="Cambria Math" panose="02040503050406030204" pitchFamily="18" charset="0"/>
+                                </a:rPr>
+                                <m:t>2</m:t>
+                              </m:r>
+                            </m:sub>
+                          </m:sSub>
                         </m:sub>
                       </m:sSub>
                     </m:oMath>
@@ -3804,7 +3871,7 @@
             </p:nvSpPr>
             <p:spPr>
               <a:xfrm>
-                <a:off x="2011994" y="1921664"/>
+                <a:off x="2480304" y="3350963"/>
                 <a:ext cx="728869" cy="410817"/>
               </a:xfrm>
               <a:prstGeom prst="rect">
@@ -3840,42 +3907,129 @@
           </p:sp>
         </mc:Fallback>
       </mc:AlternateContent>
-      <p:sp>
-        <p:nvSpPr>
-          <p:cNvPr id="7" name="文本框 6">
-            <a:extLst>
-              <a:ext uri="{FF2B5EF4-FFF2-40B4-BE49-F238E27FC236}">
-                <a16:creationId xmlns:a16="http://schemas.microsoft.com/office/drawing/2014/main" id="{D686E3B7-FFAD-4338-AAEC-CB37BE55678D}"/>
-              </a:ext>
-            </a:extLst>
-          </p:cNvPr>
-          <p:cNvSpPr txBox="1"/>
-          <p:nvPr/>
-        </p:nvSpPr>
-        <p:spPr>
-          <a:xfrm>
-            <a:off x="773762" y="1613887"/>
-            <a:ext cx="1747594" cy="307777"/>
-          </a:xfrm>
-          <a:prstGeom prst="rect">
-            <a:avLst/>
-          </a:prstGeom>
-          <a:noFill/>
-        </p:spPr>
-        <p:txBody>
-          <a:bodyPr wrap="none" rtlCol="0">
-            <a:spAutoFit/>
-          </a:bodyPr>
-          <a:lstStyle/>
-          <a:p>
-            <a:r>
-              <a:rPr lang="en-US" altLang="zh-CN" sz="1400" b="1" dirty="0"/>
-              <a:t>Past configurations</a:t>
-            </a:r>
-            <a:endParaRPr lang="zh-CN" altLang="en-US" sz="1400" b="1" dirty="0"/>
-          </a:p>
-        </p:txBody>
-      </p:sp>
+      <mc:AlternateContent xmlns:mc="http://schemas.openxmlformats.org/markup-compatibility/2006">
+        <mc:Choice xmlns:a14="http://schemas.microsoft.com/office/drawing/2010/main" Requires="a14">
+          <p:sp>
+            <p:nvSpPr>
+              <p:cNvPr id="7" name="文本框 6">
+                <a:extLst>
+                  <a:ext uri="{FF2B5EF4-FFF2-40B4-BE49-F238E27FC236}">
+                    <a16:creationId xmlns:a16="http://schemas.microsoft.com/office/drawing/2014/main" id="{D686E3B7-FFAD-4338-AAEC-CB37BE55678D}"/>
+                  </a:ext>
+                </a:extLst>
+              </p:cNvPr>
+              <p:cNvSpPr txBox="1"/>
+              <p:nvPr/>
+            </p:nvSpPr>
+            <p:spPr>
+              <a:xfrm>
+                <a:off x="973279" y="2996043"/>
+                <a:ext cx="2108334" cy="338554"/>
+              </a:xfrm>
+              <a:prstGeom prst="rect">
+                <a:avLst/>
+              </a:prstGeom>
+              <a:noFill/>
+            </p:spPr>
+            <p:txBody>
+              <a:bodyPr wrap="none" rtlCol="0">
+                <a:spAutoFit/>
+              </a:bodyPr>
+              <a:lstStyle/>
+              <a:p>
+                <a:r>
+                  <a:rPr lang="en-US" altLang="zh-CN" sz="1600" b="1" dirty="0"/>
+                  <a:t>Past </a:t>
+                </a:r>
+                <a14:m>
+                  <m:oMath xmlns:m="http://schemas.openxmlformats.org/officeDocument/2006/math">
+                    <m:sSub>
+                      <m:sSubPr>
+                        <m:ctrlPr>
+                          <a:rPr lang="en-US" altLang="zh-CN" sz="1600" i="1">
+                            <a:latin typeface="Cambria Math" panose="02040503050406030204" pitchFamily="18" charset="0"/>
+                          </a:rPr>
+                        </m:ctrlPr>
+                      </m:sSubPr>
+                      <m:e>
+                        <m:r>
+                          <a:rPr lang="en-US" altLang="zh-CN" sz="1600" i="1">
+                            <a:latin typeface="Cambria Math" panose="02040503050406030204" pitchFamily="18" charset="0"/>
+                          </a:rPr>
+                          <m:t>𝑘</m:t>
+                        </m:r>
+                      </m:e>
+                      <m:sub>
+                        <m:r>
+                          <a:rPr lang="en-US" altLang="zh-CN" sz="1600" i="1">
+                            <a:latin typeface="Cambria Math" panose="02040503050406030204" pitchFamily="18" charset="0"/>
+                          </a:rPr>
+                          <m:t>2</m:t>
+                        </m:r>
+                      </m:sub>
+                    </m:sSub>
+                    <m:r>
+                      <a:rPr lang="en-US" altLang="zh-CN" sz="1600" i="1">
+                        <a:latin typeface="Cambria Math" panose="02040503050406030204" pitchFamily="18" charset="0"/>
+                      </a:rPr>
+                      <m:t> </m:t>
+                    </m:r>
+                  </m:oMath>
+                </a14:m>
+                <a:r>
+                  <a:rPr lang="en-US" altLang="zh-CN" sz="1600" b="1" dirty="0"/>
+                  <a:t>configurations </a:t>
+                </a:r>
+                <a:endParaRPr lang="zh-CN" altLang="en-US" sz="1600" b="1" dirty="0"/>
+              </a:p>
+            </p:txBody>
+          </p:sp>
+        </mc:Choice>
+        <mc:Fallback>
+          <p:sp>
+            <p:nvSpPr>
+              <p:cNvPr id="7" name="文本框 6">
+                <a:extLst>
+                  <a:ext uri="{FF2B5EF4-FFF2-40B4-BE49-F238E27FC236}">
+                    <a16:creationId xmlns:a16="http://schemas.microsoft.com/office/drawing/2014/main" id="{D686E3B7-FFAD-4338-AAEC-CB37BE55678D}"/>
+                  </a:ext>
+                </a:extLst>
+              </p:cNvPr>
+              <p:cNvSpPr txBox="1">
+                <a:spLocks noRot="1" noChangeAspect="1" noMove="1" noResize="1" noEditPoints="1" noAdjustHandles="1" noChangeArrowheads="1" noChangeShapeType="1" noTextEdit="1"/>
+              </p:cNvSpPr>
+              <p:nvPr/>
+            </p:nvSpPr>
+            <p:spPr>
+              <a:xfrm>
+                <a:off x="973279" y="2996043"/>
+                <a:ext cx="2108334" cy="338554"/>
+              </a:xfrm>
+              <a:prstGeom prst="rect">
+                <a:avLst/>
+              </a:prstGeom>
+              <a:blipFill>
+                <a:blip r:embed="rId6"/>
+                <a:stretch>
+                  <a:fillRect l="-1734" t="-5357" r="-289" b="-21429"/>
+                </a:stretch>
+              </a:blipFill>
+            </p:spPr>
+            <p:txBody>
+              <a:bodyPr/>
+              <a:lstStyle/>
+              <a:p>
+                <a:r>
+                  <a:rPr lang="zh-CN" altLang="en-US">
+                    <a:noFill/>
+                  </a:rPr>
+                  <a:t> </a:t>
+                </a:r>
+              </a:p>
+            </p:txBody>
+          </p:sp>
+        </mc:Fallback>
+      </mc:AlternateContent>
       <mc:AlternateContent xmlns:mc="http://schemas.openxmlformats.org/markup-compatibility/2006">
         <mc:Choice xmlns:a14="http://schemas.microsoft.com/office/drawing/2010/main" Requires="a14">
           <p:sp>
@@ -3892,7 +4046,7 @@
             </p:nvSpPr>
             <p:spPr>
               <a:xfrm>
-                <a:off x="539298" y="2695449"/>
+                <a:off x="548052" y="1499307"/>
                 <a:ext cx="728869" cy="410817"/>
               </a:xfrm>
               <a:prstGeom prst="rect">
@@ -3982,14 +4136,14 @@
             </p:nvSpPr>
             <p:spPr>
               <a:xfrm>
-                <a:off x="539298" y="2695449"/>
+                <a:off x="548052" y="1499307"/>
                 <a:ext cx="728869" cy="410817"/>
               </a:xfrm>
               <a:prstGeom prst="rect">
                 <a:avLst/>
               </a:prstGeom>
               <a:blipFill>
-                <a:blip r:embed="rId6"/>
+                <a:blip r:embed="rId7"/>
                 <a:stretch>
                   <a:fillRect/>
                 </a:stretch>
@@ -4034,7 +4188,7 @@
             </p:nvSpPr>
             <p:spPr>
               <a:xfrm>
-                <a:off x="1268167" y="2695449"/>
+                <a:off x="1276920" y="1499307"/>
                 <a:ext cx="728869" cy="410817"/>
               </a:xfrm>
               <a:prstGeom prst="rect">
@@ -4124,14 +4278,14 @@
             </p:nvSpPr>
             <p:spPr>
               <a:xfrm>
-                <a:off x="1268167" y="2695449"/>
+                <a:off x="1276920" y="1499307"/>
                 <a:ext cx="728869" cy="410817"/>
               </a:xfrm>
               <a:prstGeom prst="rect">
                 <a:avLst/>
               </a:prstGeom>
               <a:blipFill>
-                <a:blip r:embed="rId7"/>
+                <a:blip r:embed="rId8"/>
                 <a:stretch>
                   <a:fillRect/>
                 </a:stretch>
@@ -4176,7 +4330,7 @@
             </p:nvSpPr>
             <p:spPr>
               <a:xfrm>
-                <a:off x="2003769" y="2695450"/>
+                <a:off x="2623390" y="1493383"/>
                 <a:ext cx="728869" cy="410817"/>
               </a:xfrm>
               <a:prstGeom prst="rect">
@@ -4233,12 +4387,31 @@
                           </m:r>
                         </m:e>
                         <m:sub>
-                          <m:r>
-                            <a:rPr lang="en-US" altLang="zh-CN" i="1">
-                              <a:latin typeface="Cambria Math" panose="02040503050406030204" pitchFamily="18" charset="0"/>
-                            </a:rPr>
-                            <m:t>3</m:t>
-                          </m:r>
+                          <m:sSub>
+                            <m:sSubPr>
+                              <m:ctrlPr>
+                                <a:rPr lang="en-US" altLang="zh-CN" i="1">
+                                  <a:latin typeface="Cambria Math" panose="02040503050406030204" pitchFamily="18" charset="0"/>
+                                </a:rPr>
+                              </m:ctrlPr>
+                            </m:sSubPr>
+                            <m:e>
+                              <m:r>
+                                <a:rPr lang="en-US" altLang="zh-CN" i="1">
+                                  <a:latin typeface="Cambria Math" panose="02040503050406030204" pitchFamily="18" charset="0"/>
+                                </a:rPr>
+                                <m:t>𝑘</m:t>
+                              </m:r>
+                            </m:e>
+                            <m:sub>
+                              <m:r>
+                                <a:rPr lang="en-US" altLang="zh-CN" i="1">
+                                  <a:latin typeface="Cambria Math" panose="02040503050406030204" pitchFamily="18" charset="0"/>
+                                </a:rPr>
+                                <m:t>1</m:t>
+                              </m:r>
+                            </m:sub>
+                          </m:sSub>
                         </m:sub>
                       </m:sSub>
                     </m:oMath>
@@ -4266,14 +4439,14 @@
             </p:nvSpPr>
             <p:spPr>
               <a:xfrm>
-                <a:off x="2003769" y="2695450"/>
+                <a:off x="2623390" y="1493383"/>
                 <a:ext cx="728869" cy="410817"/>
               </a:xfrm>
               <a:prstGeom prst="rect">
                 <a:avLst/>
               </a:prstGeom>
               <a:blipFill>
-                <a:blip r:embed="rId8"/>
+                <a:blip r:embed="rId9"/>
                 <a:stretch>
                   <a:fillRect/>
                 </a:stretch>
@@ -4316,8 +4489,8 @@
         </p:nvSpPr>
         <p:spPr>
           <a:xfrm>
-            <a:off x="911891" y="2387672"/>
-            <a:ext cx="1441420" cy="307777"/>
+            <a:off x="728735" y="1178520"/>
+            <a:ext cx="2813463" cy="338554"/>
           </a:xfrm>
           <a:prstGeom prst="rect">
             <a:avLst/>
@@ -4331,15 +4504,15 @@
           <a:lstStyle/>
           <a:p>
             <a:r>
-              <a:rPr lang="en-US" altLang="zh-CN" sz="1400" b="1" dirty="0"/>
-              <a:t>Spatial features</a:t>
+              <a:rPr lang="en-US" altLang="zh-CN" sz="1600" b="1" dirty="0"/>
+              <a:t>Spatial features of video chunk</a:t>
             </a:r>
-            <a:endParaRPr lang="zh-CN" altLang="en-US" sz="1400" b="1" dirty="0"/>
-          </a:p>
-        </p:txBody>
-      </p:sp>
-      <mc:AlternateContent xmlns:mc="http://schemas.openxmlformats.org/markup-compatibility/2006">
-        <mc:Choice xmlns:a14="http://schemas.microsoft.com/office/drawing/2010/main" Requires="a14">
+            <a:endParaRPr lang="zh-CN" altLang="en-US" sz="1600" b="1" dirty="0"/>
+          </a:p>
+        </p:txBody>
+      </p:sp>
+      <mc:AlternateContent xmlns:mc="http://schemas.openxmlformats.org/markup-compatibility/2006" xmlns:a14="http://schemas.microsoft.com/office/drawing/2010/main">
+        <mc:Choice Requires="a14">
           <p:sp>
             <p:nvSpPr>
               <p:cNvPr id="12" name="矩形 11">
@@ -4354,7 +4527,7 @@
             </p:nvSpPr>
             <p:spPr>
               <a:xfrm>
-                <a:off x="541761" y="3472261"/>
+                <a:off x="506740" y="2394983"/>
                 <a:ext cx="1137786" cy="410817"/>
               </a:xfrm>
               <a:prstGeom prst="rect">
@@ -4458,7 +4631,7 @@
             </p:txBody>
           </p:sp>
         </mc:Choice>
-        <mc:Fallback>
+        <mc:Fallback xmlns="">
           <p:sp>
             <p:nvSpPr>
               <p:cNvPr id="12" name="矩形 11">
@@ -4475,14 +4648,14 @@
             </p:nvSpPr>
             <p:spPr>
               <a:xfrm>
-                <a:off x="541761" y="3472261"/>
+                <a:off x="506740" y="2394983"/>
                 <a:ext cx="1137786" cy="410817"/>
               </a:xfrm>
               <a:prstGeom prst="rect">
                 <a:avLst/>
               </a:prstGeom>
               <a:blipFill>
-                <a:blip r:embed="rId9"/>
+                <a:blip r:embed="rId10"/>
                 <a:stretch>
                   <a:fillRect/>
                 </a:stretch>
@@ -4525,8 +4698,8 @@
         </p:nvSpPr>
         <p:spPr>
           <a:xfrm>
-            <a:off x="842835" y="3176420"/>
-            <a:ext cx="1667444" cy="307777"/>
+            <a:off x="586531" y="2043737"/>
+            <a:ext cx="3028778" cy="338554"/>
           </a:xfrm>
           <a:prstGeom prst="rect">
             <a:avLst/>
@@ -4540,15 +4713,15 @@
           <a:lstStyle/>
           <a:p>
             <a:r>
-              <a:rPr lang="en-US" altLang="zh-CN" sz="1400" b="1" dirty="0"/>
-              <a:t>Temporal features</a:t>
+              <a:rPr lang="en-US" altLang="zh-CN" sz="1600" b="1" dirty="0"/>
+              <a:t>Temporal features of video chunk</a:t>
             </a:r>
-            <a:endParaRPr lang="zh-CN" altLang="en-US" sz="1400" b="1" dirty="0"/>
-          </a:p>
-        </p:txBody>
-      </p:sp>
-      <mc:AlternateContent xmlns:mc="http://schemas.openxmlformats.org/markup-compatibility/2006">
-        <mc:Choice xmlns:a14="http://schemas.microsoft.com/office/drawing/2010/main" Requires="a14">
+            <a:endParaRPr lang="zh-CN" altLang="en-US" sz="1600" b="1" dirty="0"/>
+          </a:p>
+        </p:txBody>
+      </p:sp>
+      <mc:AlternateContent xmlns:mc="http://schemas.openxmlformats.org/markup-compatibility/2006" xmlns:a14="http://schemas.microsoft.com/office/drawing/2010/main">
+        <mc:Choice Requires="a14">
           <p:sp>
             <p:nvSpPr>
               <p:cNvPr id="16" name="矩形 15">
@@ -4563,8 +4736,8 @@
             </p:nvSpPr>
             <p:spPr>
               <a:xfrm>
-                <a:off x="1679547" y="3474028"/>
-                <a:ext cx="1061316" cy="410817"/>
+                <a:off x="2018460" y="2408369"/>
+                <a:ext cx="1463862" cy="410817"/>
               </a:xfrm>
               <a:prstGeom prst="rect">
                 <a:avLst/>
@@ -4620,12 +4793,31 @@
                           </m:r>
                         </m:e>
                         <m:sub>
-                          <m:r>
-                            <a:rPr lang="en-US" altLang="zh-CN" i="1">
-                              <a:latin typeface="Cambria Math" panose="02040503050406030204" pitchFamily="18" charset="0"/>
-                            </a:rPr>
-                            <m:t>3</m:t>
-                          </m:r>
+                          <m:sSub>
+                            <m:sSubPr>
+                              <m:ctrlPr>
+                                <a:rPr lang="en-US" altLang="zh-CN" i="1">
+                                  <a:latin typeface="Cambria Math" panose="02040503050406030204" pitchFamily="18" charset="0"/>
+                                </a:rPr>
+                              </m:ctrlPr>
+                            </m:sSubPr>
+                            <m:e>
+                              <m:r>
+                                <a:rPr lang="en-US" altLang="zh-CN" i="1">
+                                  <a:latin typeface="Cambria Math" panose="02040503050406030204" pitchFamily="18" charset="0"/>
+                                </a:rPr>
+                                <m:t>𝑘</m:t>
+                              </m:r>
+                            </m:e>
+                            <m:sub>
+                              <m:r>
+                                <a:rPr lang="en-US" altLang="zh-CN" i="1">
+                                  <a:latin typeface="Cambria Math" panose="02040503050406030204" pitchFamily="18" charset="0"/>
+                                </a:rPr>
+                                <m:t>1</m:t>
+                              </m:r>
+                            </m:sub>
+                          </m:sSub>
                         </m:sub>
                       </m:sSub>
                       <m:r>
@@ -4651,11 +4843,36 @@
                           </m:r>
                         </m:e>
                         <m:sub>
+                          <m:sSub>
+                            <m:sSubPr>
+                              <m:ctrlPr>
+                                <a:rPr lang="en-US" altLang="zh-CN" i="1">
+                                  <a:latin typeface="Cambria Math" panose="02040503050406030204" pitchFamily="18" charset="0"/>
+                                </a:rPr>
+                              </m:ctrlPr>
+                            </m:sSubPr>
+                            <m:e>
+                              <m:r>
+                                <a:rPr lang="en-US" altLang="zh-CN" i="1">
+                                  <a:latin typeface="Cambria Math" panose="02040503050406030204" pitchFamily="18" charset="0"/>
+                                </a:rPr>
+                                <m:t>𝑘</m:t>
+                              </m:r>
+                            </m:e>
+                            <m:sub>
+                              <m:r>
+                                <a:rPr lang="en-US" altLang="zh-CN" i="1">
+                                  <a:latin typeface="Cambria Math" panose="02040503050406030204" pitchFamily="18" charset="0"/>
+                                </a:rPr>
+                                <m:t>1</m:t>
+                              </m:r>
+                            </m:sub>
+                          </m:sSub>
                           <m:r>
                             <a:rPr lang="en-US" altLang="zh-CN" i="1">
                               <a:latin typeface="Cambria Math" panose="02040503050406030204" pitchFamily="18" charset="0"/>
                             </a:rPr>
-                            <m:t>1</m:t>
+                            <m:t>−1</m:t>
                           </m:r>
                         </m:sub>
                       </m:sSub>
@@ -4667,7 +4884,7 @@
             </p:txBody>
           </p:sp>
         </mc:Choice>
-        <mc:Fallback>
+        <mc:Fallback xmlns="">
           <p:sp>
             <p:nvSpPr>
               <p:cNvPr id="16" name="矩形 15">
@@ -4684,14 +4901,14 @@
             </p:nvSpPr>
             <p:spPr>
               <a:xfrm>
-                <a:off x="1679547" y="3474028"/>
-                <a:ext cx="1061316" cy="410817"/>
+                <a:off x="2018460" y="2408369"/>
+                <a:ext cx="1463862" cy="410817"/>
               </a:xfrm>
               <a:prstGeom prst="rect">
                 <a:avLst/>
               </a:prstGeom>
               <a:blipFill>
-                <a:blip r:embed="rId10"/>
+                <a:blip r:embed="rId11"/>
                 <a:stretch>
                   <a:fillRect/>
                 </a:stretch>
@@ -4736,8 +4953,8 @@
             </p:nvSpPr>
             <p:spPr>
               <a:xfrm>
-                <a:off x="2893349" y="1047015"/>
-                <a:ext cx="6849936" cy="4346713"/>
+                <a:off x="4200407" y="723747"/>
+                <a:ext cx="4941127" cy="3561284"/>
               </a:xfrm>
               <a:prstGeom prst="rect">
                 <a:avLst/>
@@ -4800,14 +5017,14 @@
             </p:nvSpPr>
             <p:spPr>
               <a:xfrm>
-                <a:off x="2893349" y="1047015"/>
-                <a:ext cx="6849936" cy="4346713"/>
+                <a:off x="4200407" y="723747"/>
+                <a:ext cx="4941127" cy="3561284"/>
               </a:xfrm>
               <a:prstGeom prst="rect">
                 <a:avLst/>
               </a:prstGeom>
               <a:blipFill>
-                <a:blip r:embed="rId11"/>
+                <a:blip r:embed="rId12"/>
                 <a:stretch>
                   <a:fillRect/>
                 </a:stretch>
@@ -4829,132 +5046,6 @@
           </p:sp>
         </mc:Fallback>
       </mc:AlternateContent>
-      <p:cxnSp>
-        <p:nvCxnSpPr>
-          <p:cNvPr id="19" name="直接箭头连接符 18">
-            <a:extLst>
-              <a:ext uri="{FF2B5EF4-FFF2-40B4-BE49-F238E27FC236}">
-                <a16:creationId xmlns:a16="http://schemas.microsoft.com/office/drawing/2014/main" id="{460E05EB-C45C-468A-B65F-D51DF15DB05D}"/>
-              </a:ext>
-            </a:extLst>
-          </p:cNvPr>
-          <p:cNvCxnSpPr>
-            <a:cxnSpLocks/>
-            <a:stCxn id="6" idx="3"/>
-          </p:cNvCxnSpPr>
-          <p:nvPr/>
-        </p:nvCxnSpPr>
-        <p:spPr>
-          <a:xfrm>
-            <a:off x="2740863" y="2127073"/>
-            <a:ext cx="882698" cy="640791"/>
-          </a:xfrm>
-          <a:prstGeom prst="straightConnector1">
-            <a:avLst/>
-          </a:prstGeom>
-          <a:ln w="28575">
-            <a:tailEnd type="triangle"/>
-          </a:ln>
-        </p:spPr>
-        <p:style>
-          <a:lnRef idx="1">
-            <a:schemeClr val="dk1"/>
-          </a:lnRef>
-          <a:fillRef idx="0">
-            <a:schemeClr val="dk1"/>
-          </a:fillRef>
-          <a:effectRef idx="0">
-            <a:schemeClr val="dk1"/>
-          </a:effectRef>
-          <a:fontRef idx="minor">
-            <a:schemeClr val="tx1"/>
-          </a:fontRef>
-        </p:style>
-      </p:cxnSp>
-      <p:cxnSp>
-        <p:nvCxnSpPr>
-          <p:cNvPr id="20" name="直接箭头连接符 19">
-            <a:extLst>
-              <a:ext uri="{FF2B5EF4-FFF2-40B4-BE49-F238E27FC236}">
-                <a16:creationId xmlns:a16="http://schemas.microsoft.com/office/drawing/2014/main" id="{162B7C59-4502-4B07-A641-F87AA6EF4BB1}"/>
-              </a:ext>
-            </a:extLst>
-          </p:cNvPr>
-          <p:cNvCxnSpPr>
-            <a:cxnSpLocks/>
-          </p:cNvCxnSpPr>
-          <p:nvPr/>
-        </p:nvCxnSpPr>
-        <p:spPr>
-          <a:xfrm>
-            <a:off x="2755221" y="2911305"/>
-            <a:ext cx="902394" cy="0"/>
-          </a:xfrm>
-          <a:prstGeom prst="straightConnector1">
-            <a:avLst/>
-          </a:prstGeom>
-          <a:ln w="28575">
-            <a:tailEnd type="triangle"/>
-          </a:ln>
-        </p:spPr>
-        <p:style>
-          <a:lnRef idx="1">
-            <a:schemeClr val="dk1"/>
-          </a:lnRef>
-          <a:fillRef idx="0">
-            <a:schemeClr val="dk1"/>
-          </a:fillRef>
-          <a:effectRef idx="0">
-            <a:schemeClr val="dk1"/>
-          </a:effectRef>
-          <a:fontRef idx="minor">
-            <a:schemeClr val="tx1"/>
-          </a:fontRef>
-        </p:style>
-      </p:cxnSp>
-      <p:cxnSp>
-        <p:nvCxnSpPr>
-          <p:cNvPr id="22" name="直接箭头连接符 21">
-            <a:extLst>
-              <a:ext uri="{FF2B5EF4-FFF2-40B4-BE49-F238E27FC236}">
-                <a16:creationId xmlns:a16="http://schemas.microsoft.com/office/drawing/2014/main" id="{524E959B-683A-4BAD-AB5A-33B9472711A3}"/>
-              </a:ext>
-            </a:extLst>
-          </p:cNvPr>
-          <p:cNvCxnSpPr>
-            <a:cxnSpLocks/>
-            <a:stCxn id="16" idx="3"/>
-            <a:endCxn id="208" idx="1"/>
-          </p:cNvCxnSpPr>
-          <p:nvPr/>
-        </p:nvCxnSpPr>
-        <p:spPr>
-          <a:xfrm flipV="1">
-            <a:off x="2740863" y="3054747"/>
-            <a:ext cx="875412" cy="624690"/>
-          </a:xfrm>
-          <a:prstGeom prst="straightConnector1">
-            <a:avLst/>
-          </a:prstGeom>
-          <a:ln w="28575">
-            <a:tailEnd type="triangle"/>
-          </a:ln>
-        </p:spPr>
-        <p:style>
-          <a:lnRef idx="1">
-            <a:schemeClr val="dk1"/>
-          </a:lnRef>
-          <a:fillRef idx="0">
-            <a:schemeClr val="dk1"/>
-          </a:fillRef>
-          <a:effectRef idx="0">
-            <a:schemeClr val="dk1"/>
-          </a:effectRef>
-          <a:fontRef idx="minor">
-            <a:schemeClr val="tx1"/>
-          </a:fontRef>
-        </p:style>
-      </p:cxnSp>
       <p:sp>
         <p:nvSpPr>
           <p:cNvPr id="25" name="文本框 24">
@@ -4969,8 +5060,8 @@
         </p:nvSpPr>
         <p:spPr>
           <a:xfrm>
-            <a:off x="5461133" y="1056326"/>
-            <a:ext cx="1838383" cy="369332"/>
+            <a:off x="4332575" y="723746"/>
+            <a:ext cx="1838383" cy="351956"/>
           </a:xfrm>
           <a:prstGeom prst="rect">
             <a:avLst/>
@@ -5005,8 +5096,8 @@
         </p:nvSpPr>
         <p:spPr>
           <a:xfrm>
-            <a:off x="4862728" y="1640740"/>
-            <a:ext cx="4378384" cy="2417797"/>
+            <a:off x="4881497" y="1065518"/>
+            <a:ext cx="4124490" cy="2191632"/>
           </a:xfrm>
           <a:prstGeom prst="rect">
             <a:avLst/>
@@ -5055,7 +5146,7 @@
           <a:lstStyle/>
           <a:p>
             <a:pPr algn="ctr"/>
-            <a:endParaRPr lang="zh-CN" altLang="en-US" dirty="0"/>
+            <a:endParaRPr lang="zh-CN" altLang="en-US" sz="1400" dirty="0"/>
           </a:p>
         </p:txBody>
       </p:sp>
@@ -5073,7 +5164,7 @@
         </p:nvSpPr>
         <p:spPr>
           <a:xfrm>
-            <a:off x="7435107" y="4504531"/>
+            <a:off x="7513041" y="3406181"/>
             <a:ext cx="1372047" cy="770760"/>
           </a:xfrm>
           <a:prstGeom prst="flowChartMagneticDisk">
@@ -5127,8 +5218,8 @@
         </p:nvSpPr>
         <p:spPr>
           <a:xfrm>
-            <a:off x="10162890" y="838986"/>
-            <a:ext cx="1815546" cy="1004285"/>
+            <a:off x="9752120" y="1594337"/>
+            <a:ext cx="1815546" cy="1004286"/>
           </a:xfrm>
           <a:prstGeom prst="flowChartDecision">
             <a:avLst/>
@@ -5175,8 +5266,8 @@
         </p:nvSpPr>
         <p:spPr>
           <a:xfrm>
-            <a:off x="4875947" y="4646449"/>
-            <a:ext cx="1372048" cy="559570"/>
+            <a:off x="4927782" y="3453168"/>
+            <a:ext cx="1398147" cy="654505"/>
           </a:xfrm>
           <a:prstGeom prst="rect">
             <a:avLst/>
@@ -5253,7 +5344,7 @@
         </p:nvCxnSpPr>
         <p:spPr>
           <a:xfrm>
-            <a:off x="6284270" y="4824276"/>
+            <a:off x="6397429" y="3779465"/>
             <a:ext cx="1150837" cy="0"/>
           </a:xfrm>
           <a:prstGeom prst="straightConnector1">
@@ -5299,7 +5390,7 @@
         </p:nvCxnSpPr>
         <p:spPr>
           <a:xfrm flipH="1">
-            <a:off x="6284270" y="5020395"/>
+            <a:off x="6362205" y="3922045"/>
             <a:ext cx="1154923" cy="0"/>
           </a:xfrm>
           <a:prstGeom prst="straightConnector1">
@@ -5344,8 +5435,8 @@
         </p:nvSpPr>
         <p:spPr>
           <a:xfrm>
-            <a:off x="6504621" y="4577389"/>
-            <a:ext cx="632906" cy="276998"/>
+            <a:off x="6617776" y="3532579"/>
+            <a:ext cx="632906" cy="277127"/>
           </a:xfrm>
           <a:prstGeom prst="rect">
             <a:avLst/>
@@ -5359,7 +5450,7 @@
           <a:lstStyle/>
           <a:p>
             <a:r>
-              <a:rPr lang="en-US" altLang="zh-CN" sz="1200" b="1" dirty="0">
+              <a:rPr lang="en-US" altLang="zh-CN" sz="1201" b="1" dirty="0">
                 <a:latin typeface="Consolas" panose="020B0609020204030204" pitchFamily="49" charset="0"/>
               </a:rPr>
               <a:t>write</a:t>
@@ -5384,8 +5475,8 @@
         </p:nvSpPr>
         <p:spPr>
           <a:xfrm>
-            <a:off x="6552140" y="5016386"/>
-            <a:ext cx="632906" cy="276999"/>
+            <a:off x="6630071" y="3918038"/>
+            <a:ext cx="632906" cy="277127"/>
           </a:xfrm>
           <a:prstGeom prst="rect">
             <a:avLst/>
@@ -5399,7 +5490,7 @@
           <a:lstStyle/>
           <a:p>
             <a:r>
-              <a:rPr lang="en-US" altLang="zh-CN" sz="1200" b="1" dirty="0">
+              <a:rPr lang="en-US" altLang="zh-CN" sz="1201" b="1" dirty="0">
                 <a:latin typeface="Consolas" panose="020B0609020204030204" pitchFamily="49" charset="0"/>
               </a:rPr>
               <a:t>read</a:t>
@@ -5426,8 +5517,8 @@
         </p:nvCxnSpPr>
         <p:spPr>
           <a:xfrm flipV="1">
-            <a:off x="5636727" y="4085040"/>
-            <a:ext cx="0" cy="518854"/>
+            <a:off x="5648853" y="3004447"/>
+            <a:ext cx="0" cy="411608"/>
           </a:xfrm>
           <a:prstGeom prst="straightConnector1">
             <a:avLst/>
@@ -5468,8 +5559,8 @@
         </p:nvSpPr>
         <p:spPr>
           <a:xfrm>
-            <a:off x="5058672" y="4205704"/>
-            <a:ext cx="689109" cy="276999"/>
+            <a:off x="4272352" y="3698903"/>
+            <a:ext cx="689108" cy="277127"/>
           </a:xfrm>
           <a:prstGeom prst="rect">
             <a:avLst/>
@@ -5483,60 +5574,12 @@
           <a:lstStyle/>
           <a:p>
             <a:r>
-              <a:rPr lang="en-US" altLang="zh-CN" sz="1200" b="1" dirty="0">
+              <a:rPr lang="en-US" altLang="zh-CN" sz="1201" b="1" dirty="0">
                 <a:latin typeface="Consolas" panose="020B0609020204030204" pitchFamily="49" charset="0"/>
               </a:rPr>
               <a:t>train</a:t>
             </a:r>
-            <a:endParaRPr lang="zh-CN" altLang="en-US" b="1" dirty="0">
-              <a:latin typeface="Consolas" panose="020B0609020204030204" pitchFamily="49" charset="0"/>
-            </a:endParaRPr>
-          </a:p>
-        </p:txBody>
-      </p:sp>
-      <p:sp>
-        <p:nvSpPr>
-          <p:cNvPr id="70" name="矩形 69">
-            <a:extLst>
-              <a:ext uri="{FF2B5EF4-FFF2-40B4-BE49-F238E27FC236}">
-                <a16:creationId xmlns:a16="http://schemas.microsoft.com/office/drawing/2014/main" id="{5CBA3418-DBC2-4371-B8F6-C87C37C39003}"/>
-              </a:ext>
-            </a:extLst>
-          </p:cNvPr>
-          <p:cNvSpPr/>
-          <p:nvPr/>
-        </p:nvSpPr>
-        <p:spPr>
-          <a:xfrm>
-            <a:off x="3639103" y="2106055"/>
-            <a:ext cx="730405" cy="1798985"/>
-          </a:xfrm>
-          <a:prstGeom prst="rect">
-            <a:avLst/>
-          </a:prstGeom>
-        </p:spPr>
-        <p:style>
-          <a:lnRef idx="2">
-            <a:schemeClr val="accent1">
-              <a:shade val="50000"/>
-            </a:schemeClr>
-          </a:lnRef>
-          <a:fillRef idx="1">
-            <a:schemeClr val="accent1"/>
-          </a:fillRef>
-          <a:effectRef idx="0">
-            <a:schemeClr val="accent1"/>
-          </a:effectRef>
-          <a:fontRef idx="minor">
-            <a:schemeClr val="lt1"/>
-          </a:fontRef>
-        </p:style>
-        <p:txBody>
-          <a:bodyPr rtlCol="0" anchor="ctr"/>
-          <a:lstStyle/>
-          <a:p>
-            <a:pPr algn="ctr"/>
-            <a:endParaRPr lang="zh-CN" altLang="en-US" b="1" dirty="0">
+            <a:endParaRPr lang="zh-CN" altLang="en-US" sz="1201" b="1" dirty="0">
               <a:latin typeface="Consolas" panose="020B0609020204030204" pitchFamily="49" charset="0"/>
             </a:endParaRPr>
           </a:p>
@@ -5559,7 +5602,7 @@
         </p:nvCxnSpPr>
         <p:spPr>
           <a:xfrm flipV="1">
-            <a:off x="4368983" y="1926406"/>
+            <a:off x="4387753" y="1351185"/>
             <a:ext cx="837247" cy="905374"/>
           </a:xfrm>
           <a:prstGeom prst="straightConnector1">
@@ -5601,7 +5644,7 @@
         </p:nvSpPr>
         <p:spPr>
           <a:xfrm>
-            <a:off x="5206229" y="1746758"/>
+            <a:off x="5224996" y="1171539"/>
             <a:ext cx="393994" cy="359297"/>
           </a:xfrm>
           <a:prstGeom prst="ellipse">
@@ -5628,7 +5671,7 @@
           <a:lstStyle/>
           <a:p>
             <a:pPr algn="ctr"/>
-            <a:endParaRPr lang="zh-CN" altLang="en-US"/>
+            <a:endParaRPr lang="zh-CN" altLang="en-US" sz="1400"/>
           </a:p>
         </p:txBody>
       </p:sp>
@@ -5646,7 +5689,7 @@
         </p:nvSpPr>
         <p:spPr>
           <a:xfrm>
-            <a:off x="5206229" y="2202258"/>
+            <a:off x="5224996" y="1627039"/>
             <a:ext cx="393994" cy="359297"/>
           </a:xfrm>
           <a:prstGeom prst="ellipse">
@@ -5673,7 +5716,7 @@
           <a:lstStyle/>
           <a:p>
             <a:pPr algn="ctr"/>
-            <a:endParaRPr lang="zh-CN" altLang="en-US"/>
+            <a:endParaRPr lang="zh-CN" altLang="en-US" sz="1400"/>
           </a:p>
         </p:txBody>
       </p:sp>
@@ -5691,7 +5734,7 @@
         </p:nvSpPr>
         <p:spPr>
           <a:xfrm>
-            <a:off x="5206229" y="2687043"/>
+            <a:off x="5224996" y="2111824"/>
             <a:ext cx="393994" cy="359297"/>
           </a:xfrm>
           <a:prstGeom prst="ellipse">
@@ -5718,7 +5761,7 @@
           <a:lstStyle/>
           <a:p>
             <a:pPr algn="ctr"/>
-            <a:endParaRPr lang="zh-CN" altLang="en-US"/>
+            <a:endParaRPr lang="zh-CN" altLang="en-US" sz="1400"/>
           </a:p>
         </p:txBody>
       </p:sp>
@@ -5736,7 +5779,7 @@
         </p:nvSpPr>
         <p:spPr>
           <a:xfrm>
-            <a:off x="5213296" y="3211965"/>
+            <a:off x="5232063" y="2636746"/>
             <a:ext cx="393994" cy="359297"/>
           </a:xfrm>
           <a:prstGeom prst="ellipse">
@@ -5763,7 +5806,7 @@
           <a:lstStyle/>
           <a:p>
             <a:pPr algn="ctr"/>
-            <a:endParaRPr lang="zh-CN" altLang="en-US"/>
+            <a:endParaRPr lang="zh-CN" altLang="en-US" sz="1400"/>
           </a:p>
         </p:txBody>
       </p:sp>
@@ -5784,7 +5827,7 @@
         </p:nvCxnSpPr>
         <p:spPr>
           <a:xfrm flipV="1">
-            <a:off x="4387817" y="2381906"/>
+            <a:off x="4406587" y="1806683"/>
             <a:ext cx="818413" cy="476446"/>
           </a:xfrm>
           <a:prstGeom prst="straightConnector1">
@@ -5829,7 +5872,7 @@
         </p:nvCxnSpPr>
         <p:spPr>
           <a:xfrm flipV="1">
-            <a:off x="4368461" y="2866691"/>
+            <a:off x="4387232" y="2291469"/>
             <a:ext cx="837769" cy="6804"/>
           </a:xfrm>
           <a:prstGeom prst="straightConnector1">
@@ -5874,7 +5917,7 @@
         </p:nvCxnSpPr>
         <p:spPr>
           <a:xfrm>
-            <a:off x="4363066" y="2842271"/>
+            <a:off x="4381833" y="2267048"/>
             <a:ext cx="850230" cy="549342"/>
           </a:xfrm>
           <a:prstGeom prst="straightConnector1">
@@ -5916,7 +5959,7 @@
         </p:nvSpPr>
         <p:spPr>
           <a:xfrm>
-            <a:off x="6206251" y="1755165"/>
+            <a:off x="6225018" y="1179946"/>
             <a:ext cx="393994" cy="359297"/>
           </a:xfrm>
           <a:prstGeom prst="ellipse">
@@ -5943,7 +5986,7 @@
           <a:lstStyle/>
           <a:p>
             <a:pPr algn="ctr"/>
-            <a:endParaRPr lang="zh-CN" altLang="en-US"/>
+            <a:endParaRPr lang="zh-CN" altLang="en-US" sz="1400"/>
           </a:p>
         </p:txBody>
       </p:sp>
@@ -5961,7 +6004,7 @@
         </p:nvSpPr>
         <p:spPr>
           <a:xfrm>
-            <a:off x="6206251" y="2210665"/>
+            <a:off x="6225018" y="1635446"/>
             <a:ext cx="393994" cy="359297"/>
           </a:xfrm>
           <a:prstGeom prst="ellipse">
@@ -5988,7 +6031,7 @@
           <a:lstStyle/>
           <a:p>
             <a:pPr algn="ctr"/>
-            <a:endParaRPr lang="zh-CN" altLang="en-US"/>
+            <a:endParaRPr lang="zh-CN" altLang="en-US" sz="1400"/>
           </a:p>
         </p:txBody>
       </p:sp>
@@ -6006,7 +6049,7 @@
         </p:nvSpPr>
         <p:spPr>
           <a:xfrm>
-            <a:off x="6206251" y="2695450"/>
+            <a:off x="6225018" y="2120231"/>
             <a:ext cx="393994" cy="359297"/>
           </a:xfrm>
           <a:prstGeom prst="ellipse">
@@ -6033,7 +6076,7 @@
           <a:lstStyle/>
           <a:p>
             <a:pPr algn="ctr"/>
-            <a:endParaRPr lang="zh-CN" altLang="en-US"/>
+            <a:endParaRPr lang="zh-CN" altLang="en-US" sz="1400"/>
           </a:p>
         </p:txBody>
       </p:sp>
@@ -6051,7 +6094,7 @@
         </p:nvSpPr>
         <p:spPr>
           <a:xfrm>
-            <a:off x="6213318" y="3220372"/>
+            <a:off x="6232085" y="2645153"/>
             <a:ext cx="393994" cy="359297"/>
           </a:xfrm>
           <a:prstGeom prst="ellipse">
@@ -6078,7 +6121,7 @@
           <a:lstStyle/>
           <a:p>
             <a:pPr algn="ctr"/>
-            <a:endParaRPr lang="zh-CN" altLang="en-US"/>
+            <a:endParaRPr lang="zh-CN" altLang="en-US" sz="1400"/>
           </a:p>
         </p:txBody>
       </p:sp>
@@ -6092,6 +6135,7 @@
             </a:extLst>
           </p:cNvPr>
           <p:cNvCxnSpPr>
+            <a:cxnSpLocks/>
             <a:stCxn id="79" idx="6"/>
             <a:endCxn id="90" idx="2"/>
           </p:cNvCxnSpPr>
@@ -6099,7 +6143,7 @@
         </p:nvCxnSpPr>
         <p:spPr>
           <a:xfrm>
-            <a:off x="5600223" y="1926407"/>
+            <a:off x="5618991" y="1351187"/>
             <a:ext cx="606028" cy="8407"/>
           </a:xfrm>
           <a:prstGeom prst="line">
@@ -6131,12 +6175,14 @@
               </a:ext>
             </a:extLst>
           </p:cNvPr>
-          <p:cNvCxnSpPr/>
+          <p:cNvCxnSpPr>
+            <a:cxnSpLocks/>
+          </p:cNvCxnSpPr>
           <p:nvPr/>
         </p:nvCxnSpPr>
         <p:spPr>
           <a:xfrm>
-            <a:off x="5619616" y="2422223"/>
+            <a:off x="5638384" y="1847003"/>
             <a:ext cx="606028" cy="8407"/>
           </a:xfrm>
           <a:prstGeom prst="line">
@@ -6168,12 +6214,14 @@
               </a:ext>
             </a:extLst>
           </p:cNvPr>
-          <p:cNvCxnSpPr/>
+          <p:cNvCxnSpPr>
+            <a:cxnSpLocks/>
+          </p:cNvCxnSpPr>
           <p:nvPr/>
         </p:nvCxnSpPr>
         <p:spPr>
           <a:xfrm>
-            <a:off x="5600223" y="2866691"/>
+            <a:off x="5618991" y="2291471"/>
             <a:ext cx="606028" cy="8407"/>
           </a:xfrm>
           <a:prstGeom prst="line">
@@ -6205,12 +6253,14 @@
               </a:ext>
             </a:extLst>
           </p:cNvPr>
-          <p:cNvCxnSpPr/>
+          <p:cNvCxnSpPr>
+            <a:cxnSpLocks/>
+          </p:cNvCxnSpPr>
           <p:nvPr/>
         </p:nvCxnSpPr>
         <p:spPr>
           <a:xfrm>
-            <a:off x="5607290" y="3414655"/>
+            <a:off x="5626058" y="2839435"/>
             <a:ext cx="606028" cy="8407"/>
           </a:xfrm>
           <a:prstGeom prst="line">
@@ -6250,7 +6300,7 @@
         </p:nvCxnSpPr>
         <p:spPr>
           <a:xfrm>
-            <a:off x="5592239" y="1947569"/>
+            <a:off x="5611010" y="1372347"/>
             <a:ext cx="614013" cy="442744"/>
           </a:xfrm>
           <a:prstGeom prst="line">
@@ -6289,7 +6339,7 @@
         </p:nvCxnSpPr>
         <p:spPr>
           <a:xfrm>
-            <a:off x="5611660" y="1940941"/>
+            <a:off x="5630428" y="1365718"/>
             <a:ext cx="574172" cy="948306"/>
           </a:xfrm>
           <a:prstGeom prst="line">
@@ -6328,8 +6378,8 @@
         </p:nvCxnSpPr>
         <p:spPr>
           <a:xfrm>
-            <a:off x="5631082" y="1958966"/>
-            <a:ext cx="574172" cy="1487981"/>
+            <a:off x="5649850" y="1383746"/>
+            <a:ext cx="574172" cy="1487980"/>
           </a:xfrm>
           <a:prstGeom prst="line">
             <a:avLst/>
@@ -6368,7 +6418,7 @@
         </p:nvCxnSpPr>
         <p:spPr>
           <a:xfrm>
-            <a:off x="5600223" y="2381907"/>
+            <a:off x="5618993" y="1806688"/>
             <a:ext cx="599743" cy="466363"/>
           </a:xfrm>
           <a:prstGeom prst="line">
@@ -6408,7 +6458,7 @@
         </p:nvCxnSpPr>
         <p:spPr>
           <a:xfrm flipV="1">
-            <a:off x="5619591" y="1934814"/>
+            <a:off x="5638359" y="1359591"/>
             <a:ext cx="586660" cy="470712"/>
           </a:xfrm>
           <a:prstGeom prst="line">
@@ -6449,8 +6499,8 @@
         </p:nvCxnSpPr>
         <p:spPr>
           <a:xfrm>
-            <a:off x="5600223" y="2381907"/>
-            <a:ext cx="670794" cy="1145144"/>
+            <a:off x="5618991" y="1806685"/>
+            <a:ext cx="670792" cy="1145144"/>
           </a:xfrm>
           <a:prstGeom prst="line">
             <a:avLst/>
@@ -6488,7 +6538,7 @@
         </p:nvCxnSpPr>
         <p:spPr>
           <a:xfrm flipV="1">
-            <a:off x="5631805" y="1960933"/>
+            <a:off x="5650576" y="1385714"/>
             <a:ext cx="529181" cy="899177"/>
           </a:xfrm>
           <a:prstGeom prst="line">
@@ -6527,7 +6577,7 @@
         </p:nvCxnSpPr>
         <p:spPr>
           <a:xfrm flipV="1">
-            <a:off x="5612304" y="2393688"/>
+            <a:off x="5631071" y="1818469"/>
             <a:ext cx="570340" cy="1003207"/>
           </a:xfrm>
           <a:prstGeom prst="line">
@@ -6566,7 +6616,7 @@
         </p:nvCxnSpPr>
         <p:spPr>
           <a:xfrm flipV="1">
-            <a:off x="5617498" y="2886229"/>
+            <a:off x="5636265" y="2311011"/>
             <a:ext cx="557034" cy="492043"/>
           </a:xfrm>
           <a:prstGeom prst="line">
@@ -6605,7 +6655,7 @@
         </p:nvCxnSpPr>
         <p:spPr>
           <a:xfrm flipV="1">
-            <a:off x="5636728" y="1957680"/>
+            <a:off x="5655498" y="1382461"/>
             <a:ext cx="553981" cy="1438755"/>
           </a:xfrm>
           <a:prstGeom prst="line">
@@ -6645,8 +6695,8 @@
         </p:nvCxnSpPr>
         <p:spPr>
           <a:xfrm>
-            <a:off x="5630086" y="2884654"/>
-            <a:ext cx="583233" cy="515367"/>
+            <a:off x="5648856" y="2309433"/>
+            <a:ext cx="583233" cy="515366"/>
           </a:xfrm>
           <a:prstGeom prst="line">
             <a:avLst/>
@@ -6684,7 +6734,7 @@
         </p:nvCxnSpPr>
         <p:spPr>
           <a:xfrm flipV="1">
-            <a:off x="5610206" y="2437210"/>
+            <a:off x="5628975" y="1861988"/>
             <a:ext cx="580502" cy="440582"/>
           </a:xfrm>
           <a:prstGeom prst="line">
@@ -6721,7 +6771,7 @@
         </p:nvSpPr>
         <p:spPr>
           <a:xfrm>
-            <a:off x="6929607" y="1866490"/>
+            <a:off x="6948376" y="1291270"/>
             <a:ext cx="342990" cy="302669"/>
           </a:xfrm>
           <a:prstGeom prst="ellipse">
@@ -6748,7 +6798,7 @@
           <a:lstStyle/>
           <a:p>
             <a:pPr algn="ctr"/>
-            <a:endParaRPr lang="zh-CN" altLang="en-US"/>
+            <a:endParaRPr lang="zh-CN" altLang="en-US" sz="1400"/>
           </a:p>
         </p:txBody>
       </p:sp>
@@ -6766,7 +6816,7 @@
         </p:nvSpPr>
         <p:spPr>
           <a:xfrm>
-            <a:off x="6936711" y="2310908"/>
+            <a:off x="6955478" y="1735689"/>
             <a:ext cx="342990" cy="302669"/>
           </a:xfrm>
           <a:prstGeom prst="ellipse">
@@ -6793,7 +6843,7 @@
           <a:lstStyle/>
           <a:p>
             <a:pPr algn="ctr"/>
-            <a:endParaRPr lang="zh-CN" altLang="en-US"/>
+            <a:endParaRPr lang="zh-CN" altLang="en-US" sz="1400"/>
           </a:p>
         </p:txBody>
       </p:sp>
@@ -6811,7 +6861,7 @@
         </p:nvSpPr>
         <p:spPr>
           <a:xfrm>
-            <a:off x="6949959" y="3203943"/>
+            <a:off x="6968727" y="2628724"/>
             <a:ext cx="342990" cy="302669"/>
           </a:xfrm>
           <a:prstGeom prst="ellipse">
@@ -6838,7 +6888,7 @@
           <a:lstStyle/>
           <a:p>
             <a:pPr algn="ctr"/>
-            <a:endParaRPr lang="zh-CN" altLang="en-US"/>
+            <a:endParaRPr lang="zh-CN" altLang="en-US" sz="1400"/>
           </a:p>
         </p:txBody>
       </p:sp>
@@ -6856,8 +6906,8 @@
         </p:nvSpPr>
         <p:spPr>
           <a:xfrm>
-            <a:off x="6963507" y="2760882"/>
-            <a:ext cx="281151" cy="421397"/>
+            <a:off x="6982280" y="2185662"/>
+            <a:ext cx="281151" cy="394147"/>
           </a:xfrm>
           <a:prstGeom prst="rect">
             <a:avLst/>
@@ -6876,7 +6926,7 @@
               </a:lnSpc>
             </a:pPr>
             <a:r>
-              <a:rPr lang="en-US" altLang="zh-CN" sz="2400" b="1" dirty="0">
+              <a:rPr lang="en-US" altLang="zh-CN" b="1" dirty="0">
                 <a:solidFill>
                   <a:schemeClr val="bg1"/>
                 </a:solidFill>
@@ -6893,7 +6943,7 @@
               </a:lnSpc>
             </a:pPr>
             <a:r>
-              <a:rPr lang="en-US" altLang="zh-CN" sz="2400" b="1" dirty="0">
+              <a:rPr lang="en-US" altLang="zh-CN" b="1" dirty="0">
                 <a:solidFill>
                   <a:schemeClr val="bg1"/>
                 </a:solidFill>
@@ -6910,7 +6960,7 @@
               </a:lnSpc>
             </a:pPr>
             <a:r>
-              <a:rPr lang="en-US" altLang="zh-CN" sz="2400" b="1" dirty="0">
+              <a:rPr lang="en-US" altLang="zh-CN" b="1" dirty="0">
                 <a:solidFill>
                   <a:schemeClr val="bg1"/>
                 </a:solidFill>
@@ -6919,7 +6969,7 @@
               </a:rPr>
               <a:t>.</a:t>
             </a:r>
-            <a:endParaRPr lang="zh-CN" altLang="en-US" sz="2400" b="1" dirty="0">
+            <a:endParaRPr lang="zh-CN" altLang="en-US" b="1" dirty="0">
               <a:solidFill>
                 <a:schemeClr val="bg1"/>
               </a:solidFill>
@@ -6945,8 +6995,8 @@
         </p:nvCxnSpPr>
         <p:spPr>
           <a:xfrm>
-            <a:off x="6613168" y="1934316"/>
-            <a:ext cx="329362" cy="83011"/>
+            <a:off x="6631937" y="1359095"/>
+            <a:ext cx="329362" cy="83010"/>
           </a:xfrm>
           <a:prstGeom prst="line">
             <a:avLst/>
@@ -6985,7 +7035,7 @@
         </p:nvCxnSpPr>
         <p:spPr>
           <a:xfrm>
-            <a:off x="6600245" y="1934813"/>
+            <a:off x="6619012" y="1359591"/>
             <a:ext cx="318858" cy="527428"/>
           </a:xfrm>
           <a:prstGeom prst="line">
@@ -7025,7 +7075,7 @@
         </p:nvCxnSpPr>
         <p:spPr>
           <a:xfrm>
-            <a:off x="6619613" y="1940941"/>
+            <a:off x="6638381" y="1365718"/>
             <a:ext cx="330346" cy="1414336"/>
           </a:xfrm>
           <a:prstGeom prst="line">
@@ -7065,7 +7115,7 @@
         </p:nvCxnSpPr>
         <p:spPr>
           <a:xfrm>
-            <a:off x="6593269" y="2378496"/>
+            <a:off x="6612036" y="1803276"/>
             <a:ext cx="343442" cy="83747"/>
           </a:xfrm>
           <a:prstGeom prst="line">
@@ -7105,7 +7155,7 @@
         </p:nvCxnSpPr>
         <p:spPr>
           <a:xfrm flipV="1">
-            <a:off x="6599721" y="2017824"/>
+            <a:off x="6618492" y="1442601"/>
             <a:ext cx="329887" cy="394140"/>
           </a:xfrm>
           <a:prstGeom prst="line">
@@ -7145,7 +7195,7 @@
         </p:nvCxnSpPr>
         <p:spPr>
           <a:xfrm>
-            <a:off x="6606181" y="2405526"/>
+            <a:off x="6624949" y="1830305"/>
             <a:ext cx="394008" cy="1056760"/>
           </a:xfrm>
           <a:prstGeom prst="line">
@@ -7186,7 +7236,7 @@
         </p:nvCxnSpPr>
         <p:spPr>
           <a:xfrm flipV="1">
-            <a:off x="6600245" y="2462243"/>
+            <a:off x="6619013" y="1887020"/>
             <a:ext cx="336466" cy="412856"/>
           </a:xfrm>
           <a:prstGeom prst="line">
@@ -7226,7 +7276,7 @@
         </p:nvCxnSpPr>
         <p:spPr>
           <a:xfrm flipV="1">
-            <a:off x="6628964" y="2017825"/>
+            <a:off x="6647734" y="1442606"/>
             <a:ext cx="300643" cy="840527"/>
           </a:xfrm>
           <a:prstGeom prst="line">
@@ -7266,7 +7316,7 @@
         </p:nvCxnSpPr>
         <p:spPr>
           <a:xfrm>
-            <a:off x="6628965" y="2878286"/>
+            <a:off x="6647733" y="2303067"/>
             <a:ext cx="371224" cy="584001"/>
           </a:xfrm>
           <a:prstGeom prst="line">
@@ -7306,8 +7356,8 @@
         </p:nvCxnSpPr>
         <p:spPr>
           <a:xfrm flipV="1">
-            <a:off x="6606759" y="2017824"/>
-            <a:ext cx="322848" cy="1354296"/>
+            <a:off x="6625527" y="1442602"/>
+            <a:ext cx="322848" cy="1354297"/>
           </a:xfrm>
           <a:prstGeom prst="line">
             <a:avLst/>
@@ -7346,7 +7396,7 @@
         </p:nvCxnSpPr>
         <p:spPr>
           <a:xfrm flipV="1">
-            <a:off x="6613283" y="2462242"/>
+            <a:off x="6632050" y="1887019"/>
             <a:ext cx="323428" cy="887786"/>
           </a:xfrm>
           <a:prstGeom prst="line">
@@ -7386,7 +7436,7 @@
         </p:nvCxnSpPr>
         <p:spPr>
           <a:xfrm>
-            <a:off x="6633491" y="3343534"/>
+            <a:off x="6652259" y="2768312"/>
             <a:ext cx="366698" cy="118752"/>
           </a:xfrm>
           <a:prstGeom prst="line">
@@ -7423,8 +7473,8 @@
         </p:nvSpPr>
         <p:spPr>
           <a:xfrm>
-            <a:off x="7245107" y="1843271"/>
-            <a:ext cx="1742113" cy="307777"/>
+            <a:off x="7263880" y="1268048"/>
+            <a:ext cx="1742113" cy="261610"/>
           </a:xfrm>
           <a:prstGeom prst="rect">
             <a:avLst/>
@@ -7438,7 +7488,7 @@
           <a:lstStyle/>
           <a:p>
             <a:r>
-              <a:rPr lang="en-US" altLang="zh-CN" sz="1400" dirty="0">
+              <a:rPr lang="en-US" altLang="zh-CN" sz="1100" dirty="0">
                 <a:solidFill>
                   <a:schemeClr val="bg1"/>
                 </a:solidFill>
@@ -7446,7 +7496,7 @@
               </a:rPr>
               <a:t>Configuration 1</a:t>
             </a:r>
-            <a:endParaRPr lang="zh-CN" altLang="en-US" sz="1400" dirty="0">
+            <a:endParaRPr lang="zh-CN" altLang="en-US" sz="1100" dirty="0">
               <a:solidFill>
                 <a:schemeClr val="bg1"/>
               </a:solidFill>
@@ -7469,8 +7519,8 @@
         </p:nvSpPr>
         <p:spPr>
           <a:xfrm>
-            <a:off x="7239466" y="2316045"/>
-            <a:ext cx="1730101" cy="307777"/>
+            <a:off x="7258237" y="1740822"/>
+            <a:ext cx="1730101" cy="261610"/>
           </a:xfrm>
           <a:prstGeom prst="rect">
             <a:avLst/>
@@ -7484,7 +7534,7 @@
           <a:lstStyle/>
           <a:p>
             <a:r>
-              <a:rPr lang="en-US" altLang="zh-CN" sz="1400" dirty="0">
+              <a:rPr lang="en-US" altLang="zh-CN" sz="1100" dirty="0">
                 <a:solidFill>
                   <a:schemeClr val="bg1"/>
                 </a:solidFill>
@@ -7492,7 +7542,7 @@
               </a:rPr>
               <a:t>Configuration 2</a:t>
             </a:r>
-            <a:endParaRPr lang="zh-CN" altLang="en-US" sz="1400" dirty="0">
+            <a:endParaRPr lang="zh-CN" altLang="en-US" sz="1100" dirty="0">
               <a:solidFill>
                 <a:schemeClr val="bg1"/>
               </a:solidFill>
@@ -7515,8 +7565,8 @@
         </p:nvSpPr>
         <p:spPr>
           <a:xfrm>
-            <a:off x="7275003" y="3210813"/>
-            <a:ext cx="1694565" cy="307777"/>
+            <a:off x="7293774" y="2635589"/>
+            <a:ext cx="1694565" cy="261610"/>
           </a:xfrm>
           <a:prstGeom prst="rect">
             <a:avLst/>
@@ -7530,24 +7580,15 @@
           <a:lstStyle/>
           <a:p>
             <a:r>
-              <a:rPr lang="en-US" altLang="zh-CN" sz="1300" dirty="0">
+              <a:rPr lang="en-US" altLang="zh-CN" sz="1100" dirty="0">
                 <a:solidFill>
                   <a:schemeClr val="bg1"/>
                 </a:solidFill>
                 <a:latin typeface="Consolas" panose="020B0609020204030204" pitchFamily="49" charset="0"/>
               </a:rPr>
-              <a:t>Configuration</a:t>
+              <a:t>Configuration 48</a:t>
             </a:r>
-            <a:r>
-              <a:rPr lang="en-US" altLang="zh-CN" sz="1400" dirty="0">
-                <a:solidFill>
-                  <a:schemeClr val="bg1"/>
-                </a:solidFill>
-                <a:latin typeface="Consolas" panose="020B0609020204030204" pitchFamily="49" charset="0"/>
-              </a:rPr>
-              <a:t> 48</a:t>
-            </a:r>
-            <a:endParaRPr lang="zh-CN" altLang="en-US" sz="1400" dirty="0">
+            <a:endParaRPr lang="zh-CN" altLang="en-US" sz="1100" dirty="0">
               <a:solidFill>
                 <a:schemeClr val="bg1"/>
               </a:solidFill>
@@ -7572,8 +7613,8 @@
             </p:nvSpPr>
             <p:spPr>
               <a:xfrm rot="10800000">
-                <a:off x="8391405" y="1837590"/>
-                <a:ext cx="805617" cy="1730730"/>
+                <a:off x="8285145" y="1442128"/>
+                <a:ext cx="805617" cy="1366528"/>
               </a:xfrm>
               <a:prstGeom prst="rect">
                 <a:avLst/>
@@ -7598,7 +7639,7 @@
                           <m:begChr m:val="{"/>
                           <m:endChr m:val=""/>
                           <m:ctrlPr>
-                            <a:rPr lang="en-US" altLang="zh-CN" i="1">
+                            <a:rPr lang="en-US" altLang="zh-CN" sz="1400" i="1">
                               <a:solidFill>
                                 <a:schemeClr val="bg1"/>
                               </a:solidFill>
@@ -7610,7 +7651,7 @@
                           <m:eqArr>
                             <m:eqArrPr>
                               <m:ctrlPr>
-                                <a:rPr lang="en-US" altLang="zh-CN" i="1">
+                                <a:rPr lang="en-US" altLang="zh-CN" sz="1400" i="1">
                                   <a:solidFill>
                                     <a:schemeClr val="bg1"/>
                                   </a:solidFill>
@@ -7630,7 +7671,7 @@
                     </m:oMath>
                   </m:oMathPara>
                 </a14:m>
-                <a:endParaRPr lang="zh-CN" altLang="en-US" dirty="0">
+                <a:endParaRPr lang="zh-CN" altLang="en-US" sz="1400" dirty="0">
                   <a:solidFill>
                     <a:schemeClr val="bg1"/>
                   </a:solidFill>
@@ -7656,14 +7697,14 @@
             </p:nvSpPr>
             <p:spPr>
               <a:xfrm rot="10800000">
-                <a:off x="8391405" y="1837590"/>
-                <a:ext cx="805617" cy="1730730"/>
+                <a:off x="8285145" y="1442128"/>
+                <a:ext cx="805617" cy="1366528"/>
               </a:xfrm>
               <a:prstGeom prst="rect">
                 <a:avLst/>
               </a:prstGeom>
               <a:blipFill>
-                <a:blip r:embed="rId12"/>
+                <a:blip r:embed="rId13"/>
                 <a:stretch>
                   <a:fillRect/>
                 </a:stretch>
@@ -7686,51 +7727,6 @@
       </mc:AlternateContent>
       <p:cxnSp>
         <p:nvCxnSpPr>
-          <p:cNvPr id="187" name="连接符: 肘形 186">
-            <a:extLst>
-              <a:ext uri="{FF2B5EF4-FFF2-40B4-BE49-F238E27FC236}">
-                <a16:creationId xmlns:a16="http://schemas.microsoft.com/office/drawing/2014/main" id="{2C8DC0DD-51FC-46BB-9B10-66B0DF164108}"/>
-              </a:ext>
-            </a:extLst>
-          </p:cNvPr>
-          <p:cNvCxnSpPr>
-            <a:cxnSpLocks/>
-            <a:endCxn id="31" idx="2"/>
-          </p:cNvCxnSpPr>
-          <p:nvPr/>
-        </p:nvCxnSpPr>
-        <p:spPr>
-          <a:xfrm flipV="1">
-            <a:off x="8966821" y="1843270"/>
-            <a:ext cx="2103843" cy="859686"/>
-          </a:xfrm>
-          <a:prstGeom prst="bentConnector2">
-            <a:avLst/>
-          </a:prstGeom>
-          <a:ln w="28575">
-            <a:solidFill>
-              <a:schemeClr val="tx1"/>
-            </a:solidFill>
-            <a:tailEnd type="triangle"/>
-          </a:ln>
-        </p:spPr>
-        <p:style>
-          <a:lnRef idx="1">
-            <a:schemeClr val="dk1"/>
-          </a:lnRef>
-          <a:fillRef idx="0">
-            <a:schemeClr val="dk1"/>
-          </a:fillRef>
-          <a:effectRef idx="0">
-            <a:schemeClr val="dk1"/>
-          </a:effectRef>
-          <a:fontRef idx="minor">
-            <a:schemeClr val="tx1"/>
-          </a:fontRef>
-        </p:style>
-      </p:cxnSp>
-      <p:cxnSp>
-        <p:nvCxnSpPr>
           <p:cNvPr id="189" name="连接符: 肘形 188">
             <a:extLst>
               <a:ext uri="{FF2B5EF4-FFF2-40B4-BE49-F238E27FC236}">
@@ -7741,18 +7737,18 @@
           <p:cNvCxnSpPr>
             <a:cxnSpLocks/>
             <a:stCxn id="31" idx="0"/>
-            <a:endCxn id="25" idx="0"/>
+            <a:endCxn id="17" idx="0"/>
           </p:cNvCxnSpPr>
           <p:nvPr/>
         </p:nvCxnSpPr>
         <p:spPr>
-          <a:xfrm rot="16200000" flipH="1" flipV="1">
-            <a:off x="8616824" y="-1397515"/>
-            <a:ext cx="217341" cy="4690339"/>
+          <a:xfrm rot="16200000" flipV="1">
+            <a:off x="8230139" y="-835422"/>
+            <a:ext cx="870589" cy="3988925"/>
           </a:xfrm>
           <a:prstGeom prst="bentConnector3">
             <a:avLst>
-              <a:gd name="adj1" fmla="val -105180"/>
+              <a:gd name="adj1" fmla="val 126258"/>
             </a:avLst>
           </a:prstGeom>
           <a:ln w="28575">
@@ -7774,46 +7770,6 @@
           </a:fontRef>
         </p:style>
       </p:cxnSp>
-      <p:sp>
-        <p:nvSpPr>
-          <p:cNvPr id="191" name="文本框 190">
-            <a:extLst>
-              <a:ext uri="{FF2B5EF4-FFF2-40B4-BE49-F238E27FC236}">
-                <a16:creationId xmlns:a16="http://schemas.microsoft.com/office/drawing/2014/main" id="{3486E692-D109-4ED5-A440-F234322A539C}"/>
-              </a:ext>
-            </a:extLst>
-          </p:cNvPr>
-          <p:cNvSpPr txBox="1"/>
-          <p:nvPr/>
-        </p:nvSpPr>
-        <p:spPr>
-          <a:xfrm>
-            <a:off x="8231910" y="223613"/>
-            <a:ext cx="1023207" cy="400110"/>
-          </a:xfrm>
-          <a:prstGeom prst="rect">
-            <a:avLst/>
-          </a:prstGeom>
-          <a:noFill/>
-        </p:spPr>
-        <p:txBody>
-          <a:bodyPr wrap="square" rtlCol="0">
-            <a:spAutoFit/>
-          </a:bodyPr>
-          <a:lstStyle/>
-          <a:p>
-            <a:r>
-              <a:rPr lang="en-US" altLang="zh-CN" sz="2000" b="1" dirty="0">
-                <a:latin typeface="Consolas" panose="020B0609020204030204" pitchFamily="49" charset="0"/>
-              </a:rPr>
-              <a:t>Reward</a:t>
-            </a:r>
-            <a:endParaRPr lang="zh-CN" altLang="en-US" sz="2400" b="1" dirty="0">
-              <a:latin typeface="Consolas" panose="020B0609020204030204" pitchFamily="49" charset="0"/>
-            </a:endParaRPr>
-          </a:p>
-        </p:txBody>
-      </p:sp>
       <p:sp>
         <p:nvSpPr>
           <p:cNvPr id="201" name="文本框 200">
@@ -7828,8 +7784,8 @@
         </p:nvSpPr>
         <p:spPr>
           <a:xfrm>
-            <a:off x="10439925" y="1151450"/>
-            <a:ext cx="1445746" cy="369332"/>
+            <a:off x="10017718" y="1911811"/>
+            <a:ext cx="1445746" cy="351956"/>
           </a:xfrm>
           <a:prstGeom prst="rect">
             <a:avLst/>
@@ -7861,55 +7817,6 @@
       </p:sp>
       <p:sp>
         <p:nvSpPr>
-          <p:cNvPr id="208" name="文本框 207">
-            <a:extLst>
-              <a:ext uri="{FF2B5EF4-FFF2-40B4-BE49-F238E27FC236}">
-                <a16:creationId xmlns:a16="http://schemas.microsoft.com/office/drawing/2014/main" id="{BE8F559B-13CD-4674-8C39-B82A1EA2C9E1}"/>
-              </a:ext>
-            </a:extLst>
-          </p:cNvPr>
-          <p:cNvSpPr txBox="1"/>
-          <p:nvPr/>
-        </p:nvSpPr>
-        <p:spPr>
-          <a:xfrm>
-            <a:off x="3616275" y="2731581"/>
-            <a:ext cx="849666" cy="646331"/>
-          </a:xfrm>
-          <a:prstGeom prst="rect">
-            <a:avLst/>
-          </a:prstGeom>
-          <a:noFill/>
-        </p:spPr>
-        <p:txBody>
-          <a:bodyPr wrap="square" rtlCol="0">
-            <a:spAutoFit/>
-          </a:bodyPr>
-          <a:lstStyle/>
-          <a:p>
-            <a:r>
-              <a:rPr lang="en-US" altLang="zh-CN" sz="1700" b="1" dirty="0">
-                <a:solidFill>
-                  <a:schemeClr val="bg1"/>
-                </a:solidFill>
-                <a:latin typeface="Consolas" panose="020B0609020204030204" pitchFamily="49" charset="0"/>
-              </a:rPr>
-              <a:t>State</a:t>
-            </a:r>
-            <a:endParaRPr lang="zh-CN" altLang="en-US" sz="1700" b="1" dirty="0">
-              <a:solidFill>
-                <a:schemeClr val="bg1"/>
-              </a:solidFill>
-              <a:latin typeface="Consolas" panose="020B0609020204030204" pitchFamily="49" charset="0"/>
-            </a:endParaRPr>
-          </a:p>
-          <a:p>
-            <a:endParaRPr lang="zh-CN" altLang="en-US" dirty="0"/>
-          </a:p>
-        </p:txBody>
-      </p:sp>
-      <p:sp>
-        <p:nvSpPr>
           <p:cNvPr id="215" name="文本框 214">
             <a:extLst>
               <a:ext uri="{FF2B5EF4-FFF2-40B4-BE49-F238E27FC236}">
@@ -7922,8 +7829,8 @@
         </p:nvSpPr>
         <p:spPr>
           <a:xfrm>
-            <a:off x="6476154" y="3688607"/>
-            <a:ext cx="1838383" cy="338554"/>
+            <a:off x="5874059" y="2936893"/>
+            <a:ext cx="1838383" cy="277127"/>
           </a:xfrm>
           <a:prstGeom prst="rect">
             <a:avLst/>
@@ -7937,14 +7844,14 @@
           <a:lstStyle/>
           <a:p>
             <a:r>
-              <a:rPr lang="en-US" altLang="zh-CN" sz="1600" b="1" dirty="0">
+              <a:rPr lang="en-US" altLang="zh-CN" sz="1201" b="1" dirty="0">
                 <a:solidFill>
                   <a:schemeClr val="bg1"/>
                 </a:solidFill>
               </a:rPr>
               <a:t>RL Agent</a:t>
             </a:r>
-            <a:endParaRPr lang="zh-CN" altLang="en-US" sz="1600" b="1" dirty="0">
+            <a:endParaRPr lang="zh-CN" altLang="en-US" sz="1201" b="1" dirty="0">
               <a:solidFill>
                 <a:schemeClr val="bg1"/>
               </a:solidFill>
@@ -7952,6 +7859,638 @@
           </a:p>
         </p:txBody>
       </p:sp>
+      <p:sp>
+        <p:nvSpPr>
+          <p:cNvPr id="2" name="文本框 1">
+            <a:extLst>
+              <a:ext uri="{FF2B5EF4-FFF2-40B4-BE49-F238E27FC236}">
+                <a16:creationId xmlns:a16="http://schemas.microsoft.com/office/drawing/2014/main" id="{495B7D61-0863-4140-AC58-D022473E6728}"/>
+              </a:ext>
+            </a:extLst>
+          </p:cNvPr>
+          <p:cNvSpPr txBox="1"/>
+          <p:nvPr/>
+        </p:nvSpPr>
+        <p:spPr>
+          <a:xfrm>
+            <a:off x="2044403" y="3204652"/>
+            <a:ext cx="342882" cy="523541"/>
+          </a:xfrm>
+          <a:prstGeom prst="rect">
+            <a:avLst/>
+          </a:prstGeom>
+          <a:noFill/>
+        </p:spPr>
+        <p:txBody>
+          <a:bodyPr wrap="square" rtlCol="0">
+            <a:spAutoFit/>
+          </a:bodyPr>
+          <a:lstStyle/>
+          <a:p>
+            <a:r>
+              <a:rPr lang="en-US" altLang="zh-CN" sz="2802" dirty="0"/>
+              <a:t>…</a:t>
+            </a:r>
+            <a:endParaRPr lang="zh-CN" altLang="en-US" sz="2802" dirty="0"/>
+          </a:p>
+        </p:txBody>
+      </p:sp>
+      <p:sp>
+        <p:nvSpPr>
+          <p:cNvPr id="89" name="文本框 88">
+            <a:extLst>
+              <a:ext uri="{FF2B5EF4-FFF2-40B4-BE49-F238E27FC236}">
+                <a16:creationId xmlns:a16="http://schemas.microsoft.com/office/drawing/2014/main" id="{B0D25039-9960-45DD-834D-6C723D9201BB}"/>
+              </a:ext>
+            </a:extLst>
+          </p:cNvPr>
+          <p:cNvSpPr txBox="1"/>
+          <p:nvPr/>
+        </p:nvSpPr>
+        <p:spPr>
+          <a:xfrm>
+            <a:off x="1640667" y="2282578"/>
+            <a:ext cx="342882" cy="523541"/>
+          </a:xfrm>
+          <a:prstGeom prst="rect">
+            <a:avLst/>
+          </a:prstGeom>
+          <a:noFill/>
+        </p:spPr>
+        <p:txBody>
+          <a:bodyPr wrap="square" rtlCol="0">
+            <a:spAutoFit/>
+          </a:bodyPr>
+          <a:lstStyle/>
+          <a:p>
+            <a:r>
+              <a:rPr lang="en-US" altLang="zh-CN" sz="2802" dirty="0"/>
+              <a:t>…</a:t>
+            </a:r>
+            <a:endParaRPr lang="zh-CN" altLang="en-US" sz="2802" dirty="0"/>
+          </a:p>
+        </p:txBody>
+      </p:sp>
+      <p:sp>
+        <p:nvSpPr>
+          <p:cNvPr id="94" name="文本框 93">
+            <a:extLst>
+              <a:ext uri="{FF2B5EF4-FFF2-40B4-BE49-F238E27FC236}">
+                <a16:creationId xmlns:a16="http://schemas.microsoft.com/office/drawing/2014/main" id="{DD60A6D0-CD77-4508-966F-AE58AED9BA12}"/>
+              </a:ext>
+            </a:extLst>
+          </p:cNvPr>
+          <p:cNvSpPr txBox="1"/>
+          <p:nvPr/>
+        </p:nvSpPr>
+        <p:spPr>
+          <a:xfrm>
+            <a:off x="2102009" y="1317571"/>
+            <a:ext cx="342882" cy="523541"/>
+          </a:xfrm>
+          <a:prstGeom prst="rect">
+            <a:avLst/>
+          </a:prstGeom>
+          <a:noFill/>
+        </p:spPr>
+        <p:txBody>
+          <a:bodyPr wrap="square" rtlCol="0">
+            <a:spAutoFit/>
+          </a:bodyPr>
+          <a:lstStyle/>
+          <a:p>
+            <a:r>
+              <a:rPr lang="en-US" altLang="zh-CN" sz="2802" dirty="0"/>
+              <a:t>…</a:t>
+            </a:r>
+            <a:endParaRPr lang="zh-CN" altLang="en-US" sz="2802" dirty="0"/>
+          </a:p>
+        </p:txBody>
+      </p:sp>
+      <mc:AlternateContent xmlns:mc="http://schemas.openxmlformats.org/markup-compatibility/2006">
+        <mc:Choice xmlns:a14="http://schemas.microsoft.com/office/drawing/2010/main" Requires="a14">
+          <p:sp>
+            <p:nvSpPr>
+              <p:cNvPr id="95" name="文本框 94">
+                <a:extLst>
+                  <a:ext uri="{FF2B5EF4-FFF2-40B4-BE49-F238E27FC236}">
+                    <a16:creationId xmlns:a16="http://schemas.microsoft.com/office/drawing/2014/main" id="{9933CA2E-099E-4D9E-AF6A-0D2273C7C414}"/>
+                  </a:ext>
+                </a:extLst>
+              </p:cNvPr>
+              <p:cNvSpPr txBox="1"/>
+              <p:nvPr/>
+            </p:nvSpPr>
+            <p:spPr>
+              <a:xfrm>
+                <a:off x="634466" y="664105"/>
+                <a:ext cx="1838383" cy="615553"/>
+              </a:xfrm>
+              <a:prstGeom prst="rect">
+                <a:avLst/>
+              </a:prstGeom>
+              <a:noFill/>
+            </p:spPr>
+            <p:txBody>
+              <a:bodyPr wrap="square" rtlCol="0">
+                <a:spAutoFit/>
+              </a:bodyPr>
+              <a:lstStyle/>
+              <a:p>
+                <a:r>
+                  <a:rPr lang="en-US" altLang="zh-CN" b="1" dirty="0">
+                    <a:solidFill>
+                      <a:schemeClr val="bg1"/>
+                    </a:solidFill>
+                  </a:rPr>
+                  <a:t>State </a:t>
+                </a:r>
+                <a14:m>
+                  <m:oMath xmlns:m="http://schemas.openxmlformats.org/officeDocument/2006/math">
+                    <m:sSub>
+                      <m:sSubPr>
+                        <m:ctrlPr>
+                          <a:rPr lang="en-US" altLang="zh-CN" b="1" i="1">
+                            <a:solidFill>
+                              <a:schemeClr val="bg1"/>
+                            </a:solidFill>
+                            <a:latin typeface="Cambria Math" panose="02040503050406030204" pitchFamily="18" charset="0"/>
+                          </a:rPr>
+                        </m:ctrlPr>
+                      </m:sSubPr>
+                      <m:e>
+                        <m:r>
+                          <a:rPr lang="en-US" altLang="zh-CN" b="1" i="1">
+                            <a:solidFill>
+                              <a:schemeClr val="bg1"/>
+                            </a:solidFill>
+                            <a:latin typeface="Cambria Math" panose="02040503050406030204" pitchFamily="18" charset="0"/>
+                          </a:rPr>
+                          <m:t>𝒔</m:t>
+                        </m:r>
+                      </m:e>
+                      <m:sub>
+                        <m:r>
+                          <a:rPr lang="en-US" altLang="zh-CN" b="1" i="1">
+                            <a:solidFill>
+                              <a:schemeClr val="bg1"/>
+                            </a:solidFill>
+                            <a:latin typeface="Cambria Math" panose="02040503050406030204" pitchFamily="18" charset="0"/>
+                          </a:rPr>
+                          <m:t>𝒕</m:t>
+                        </m:r>
+                      </m:sub>
+                    </m:sSub>
+                  </m:oMath>
+                </a14:m>
+                <a:endParaRPr lang="en-US" altLang="zh-CN" b="1" dirty="0">
+                  <a:solidFill>
+                    <a:schemeClr val="bg1"/>
+                  </a:solidFill>
+                </a:endParaRPr>
+              </a:p>
+              <a:p>
+                <a:endParaRPr lang="zh-CN" altLang="en-US" sz="1600" b="1" dirty="0">
+                  <a:solidFill>
+                    <a:schemeClr val="bg1"/>
+                  </a:solidFill>
+                </a:endParaRPr>
+              </a:p>
+            </p:txBody>
+          </p:sp>
+        </mc:Choice>
+        <mc:Fallback>
+          <p:sp>
+            <p:nvSpPr>
+              <p:cNvPr id="95" name="文本框 94">
+                <a:extLst>
+                  <a:ext uri="{FF2B5EF4-FFF2-40B4-BE49-F238E27FC236}">
+                    <a16:creationId xmlns:a16="http://schemas.microsoft.com/office/drawing/2014/main" id="{9933CA2E-099E-4D9E-AF6A-0D2273C7C414}"/>
+                  </a:ext>
+                </a:extLst>
+              </p:cNvPr>
+              <p:cNvSpPr txBox="1">
+                <a:spLocks noRot="1" noChangeAspect="1" noMove="1" noResize="1" noEditPoints="1" noAdjustHandles="1" noChangeArrowheads="1" noChangeShapeType="1" noTextEdit="1"/>
+              </p:cNvSpPr>
+              <p:nvPr/>
+            </p:nvSpPr>
+            <p:spPr>
+              <a:xfrm>
+                <a:off x="634466" y="664105"/>
+                <a:ext cx="1838383" cy="615553"/>
+              </a:xfrm>
+              <a:prstGeom prst="rect">
+                <a:avLst/>
+              </a:prstGeom>
+              <a:blipFill>
+                <a:blip r:embed="rId14"/>
+                <a:stretch>
+                  <a:fillRect l="-2649" t="-5941"/>
+                </a:stretch>
+              </a:blipFill>
+            </p:spPr>
+            <p:txBody>
+              <a:bodyPr/>
+              <a:lstStyle/>
+              <a:p>
+                <a:r>
+                  <a:rPr lang="zh-CN" altLang="en-US">
+                    <a:noFill/>
+                  </a:rPr>
+                  <a:t> </a:t>
+                </a:r>
+              </a:p>
+            </p:txBody>
+          </p:sp>
+        </mc:Fallback>
+      </mc:AlternateContent>
+      <mc:AlternateContent xmlns:mc="http://schemas.openxmlformats.org/markup-compatibility/2006" xmlns:a14="http://schemas.microsoft.com/office/drawing/2010/main">
+        <mc:Choice Requires="a14">
+          <p:sp>
+            <p:nvSpPr>
+              <p:cNvPr id="124" name="文本框 9">
+                <a:extLst>
+                  <a:ext uri="{FF2B5EF4-FFF2-40B4-BE49-F238E27FC236}">
+                    <a16:creationId xmlns:a16="http://schemas.microsoft.com/office/drawing/2014/main" id="{6AEC0247-5AFD-43B2-9656-7AEDC2695CC9}"/>
+                  </a:ext>
+                </a:extLst>
+              </p:cNvPr>
+              <p:cNvSpPr txBox="1"/>
+              <p:nvPr/>
+            </p:nvSpPr>
+            <p:spPr>
+              <a:xfrm>
+                <a:off x="6757247" y="58928"/>
+                <a:ext cx="6667500" cy="400238"/>
+              </a:xfrm>
+              <a:prstGeom prst="rect">
+                <a:avLst/>
+              </a:prstGeom>
+              <a:noFill/>
+            </p:spPr>
+            <p:txBody>
+              <a:bodyPr wrap="square" rtlCol="0">
+                <a:spAutoFit/>
+              </a:bodyPr>
+              <a:lstStyle>
+                <a:defPPr>
+                  <a:defRPr lang="en-US"/>
+                </a:defPPr>
+                <a:lvl1pPr marL="0" algn="l" defTabSz="457200" rtl="0" eaLnBrk="1" latinLnBrk="0" hangingPunct="1">
+                  <a:defRPr sz="1800" kern="1200">
+                    <a:solidFill>
+                      <a:schemeClr val="tx1"/>
+                    </a:solidFill>
+                    <a:latin typeface="+mn-lt"/>
+                    <a:ea typeface="+mn-ea"/>
+                    <a:cs typeface="+mn-cs"/>
+                  </a:defRPr>
+                </a:lvl1pPr>
+                <a:lvl2pPr marL="457200" algn="l" defTabSz="457200" rtl="0" eaLnBrk="1" latinLnBrk="0" hangingPunct="1">
+                  <a:defRPr sz="1800" kern="1200">
+                    <a:solidFill>
+                      <a:schemeClr val="tx1"/>
+                    </a:solidFill>
+                    <a:latin typeface="+mn-lt"/>
+                    <a:ea typeface="+mn-ea"/>
+                    <a:cs typeface="+mn-cs"/>
+                  </a:defRPr>
+                </a:lvl2pPr>
+                <a:lvl3pPr marL="914400" algn="l" defTabSz="457200" rtl="0" eaLnBrk="1" latinLnBrk="0" hangingPunct="1">
+                  <a:defRPr sz="1800" kern="1200">
+                    <a:solidFill>
+                      <a:schemeClr val="tx1"/>
+                    </a:solidFill>
+                    <a:latin typeface="+mn-lt"/>
+                    <a:ea typeface="+mn-ea"/>
+                    <a:cs typeface="+mn-cs"/>
+                  </a:defRPr>
+                </a:lvl3pPr>
+                <a:lvl4pPr marL="1371600" algn="l" defTabSz="457200" rtl="0" eaLnBrk="1" latinLnBrk="0" hangingPunct="1">
+                  <a:defRPr sz="1800" kern="1200">
+                    <a:solidFill>
+                      <a:schemeClr val="tx1"/>
+                    </a:solidFill>
+                    <a:latin typeface="+mn-lt"/>
+                    <a:ea typeface="+mn-ea"/>
+                    <a:cs typeface="+mn-cs"/>
+                  </a:defRPr>
+                </a:lvl4pPr>
+                <a:lvl5pPr marL="1828800" algn="l" defTabSz="457200" rtl="0" eaLnBrk="1" latinLnBrk="0" hangingPunct="1">
+                  <a:defRPr sz="1800" kern="1200">
+                    <a:solidFill>
+                      <a:schemeClr val="tx1"/>
+                    </a:solidFill>
+                    <a:latin typeface="+mn-lt"/>
+                    <a:ea typeface="+mn-ea"/>
+                    <a:cs typeface="+mn-cs"/>
+                  </a:defRPr>
+                </a:lvl5pPr>
+                <a:lvl6pPr marL="2286000" algn="l" defTabSz="457200" rtl="0" eaLnBrk="1" latinLnBrk="0" hangingPunct="1">
+                  <a:defRPr sz="1800" kern="1200">
+                    <a:solidFill>
+                      <a:schemeClr val="tx1"/>
+                    </a:solidFill>
+                    <a:latin typeface="+mn-lt"/>
+                    <a:ea typeface="+mn-ea"/>
+                    <a:cs typeface="+mn-cs"/>
+                  </a:defRPr>
+                </a:lvl6pPr>
+                <a:lvl7pPr marL="2743200" algn="l" defTabSz="457200" rtl="0" eaLnBrk="1" latinLnBrk="0" hangingPunct="1">
+                  <a:defRPr sz="1800" kern="1200">
+                    <a:solidFill>
+                      <a:schemeClr val="tx1"/>
+                    </a:solidFill>
+                    <a:latin typeface="+mn-lt"/>
+                    <a:ea typeface="+mn-ea"/>
+                    <a:cs typeface="+mn-cs"/>
+                  </a:defRPr>
+                </a:lvl7pPr>
+                <a:lvl8pPr marL="3200400" algn="l" defTabSz="457200" rtl="0" eaLnBrk="1" latinLnBrk="0" hangingPunct="1">
+                  <a:defRPr sz="1800" kern="1200">
+                    <a:solidFill>
+                      <a:schemeClr val="tx1"/>
+                    </a:solidFill>
+                    <a:latin typeface="+mn-lt"/>
+                    <a:ea typeface="+mn-ea"/>
+                    <a:cs typeface="+mn-cs"/>
+                  </a:defRPr>
+                </a:lvl8pPr>
+                <a:lvl9pPr marL="3657600" algn="l" defTabSz="457200" rtl="0" eaLnBrk="1" latinLnBrk="0" hangingPunct="1">
+                  <a:defRPr sz="1800" kern="1200">
+                    <a:solidFill>
+                      <a:schemeClr val="tx1"/>
+                    </a:solidFill>
+                    <a:latin typeface="+mn-lt"/>
+                    <a:ea typeface="+mn-ea"/>
+                    <a:cs typeface="+mn-cs"/>
+                  </a:defRPr>
+                </a:lvl9pPr>
+              </a:lstStyle>
+              <a:p>
+                <a14:m>
+                  <m:oMath xmlns:m="http://schemas.openxmlformats.org/officeDocument/2006/math">
+                    <m:r>
+                      <a:rPr lang="en-US" altLang="zh-CN" sz="2001" i="1">
+                        <a:latin typeface="Cambria Math" panose="02040503050406030204" pitchFamily="18" charset="0"/>
+                      </a:rPr>
+                      <m:t>𝑅𝑒𝑤𝑎𝑟𝑑</m:t>
+                    </m:r>
+                    <m:r>
+                      <a:rPr lang="en-US" altLang="zh-CN" sz="2001" i="1">
+                        <a:latin typeface="Cambria Math" panose="02040503050406030204" pitchFamily="18" charset="0"/>
+                      </a:rPr>
+                      <m:t>=</m:t>
+                    </m:r>
+                  </m:oMath>
+                </a14:m>
+                <a:r>
+                  <a:rPr lang="en-US" altLang="zh-CN" sz="2001" dirty="0"/>
+                  <a:t> </a:t>
+                </a:r>
+                <a14:m>
+                  <m:oMath xmlns:m="http://schemas.openxmlformats.org/officeDocument/2006/math">
+                    <m:r>
+                      <m:rPr>
+                        <m:sty m:val="p"/>
+                      </m:rPr>
+                      <a:rPr lang="en-US" altLang="zh-CN" sz="2001" i="1">
+                        <a:latin typeface="Cambria Math" panose="02040503050406030204" pitchFamily="18" charset="0"/>
+                      </a:rPr>
+                      <m:t>β</m:t>
+                    </m:r>
+                    <m:r>
+                      <a:rPr lang="en-US" altLang="zh-CN" sz="2001">
+                        <a:latin typeface="Cambria Math" panose="02040503050406030204" pitchFamily="18" charset="0"/>
+                        <a:ea typeface="Cambria Math" panose="02040503050406030204" pitchFamily="18" charset="0"/>
+                      </a:rPr>
+                      <m:t>×</m:t>
+                    </m:r>
+                    <m:r>
+                      <m:rPr>
+                        <m:sty m:val="p"/>
+                      </m:rPr>
+                      <a:rPr lang="en-US" altLang="zh-CN" sz="2001">
+                        <a:latin typeface="Cambria Math" panose="02040503050406030204" pitchFamily="18" charset="0"/>
+                        <a:ea typeface="Cambria Math" panose="02040503050406030204" pitchFamily="18" charset="0"/>
+                      </a:rPr>
+                      <m:t>A</m:t>
+                    </m:r>
+                  </m:oMath>
+                </a14:m>
+                <a:r>
+                  <a:rPr lang="en-US" altLang="zh-CN" sz="2001" dirty="0"/>
+                  <a:t> </a:t>
+                </a:r>
+                <a14:m>
+                  <m:oMath xmlns:m="http://schemas.openxmlformats.org/officeDocument/2006/math">
+                    <m:r>
+                      <a:rPr lang="en-US" altLang="zh-CN" sz="2001" i="1" dirty="0">
+                        <a:latin typeface="Cambria Math" panose="02040503050406030204" pitchFamily="18" charset="0"/>
+                      </a:rPr>
+                      <m:t>−(1−</m:t>
+                    </m:r>
+                    <m:r>
+                      <m:rPr>
+                        <m:sty m:val="p"/>
+                      </m:rPr>
+                      <a:rPr lang="en-US" altLang="zh-CN" sz="2001" i="1" dirty="0">
+                        <a:latin typeface="Cambria Math" panose="02040503050406030204" pitchFamily="18" charset="0"/>
+                      </a:rPr>
+                      <m:t>β</m:t>
+                    </m:r>
+                    <m:r>
+                      <a:rPr lang="en-US" altLang="zh-CN" sz="2001" i="1" dirty="0">
+                        <a:latin typeface="Cambria Math" panose="02040503050406030204" pitchFamily="18" charset="0"/>
+                      </a:rPr>
+                      <m:t>)×</m:t>
+                    </m:r>
+                  </m:oMath>
+                </a14:m>
+                <a:r>
+                  <a:rPr lang="en-US" altLang="zh-CN" sz="2001" dirty="0"/>
+                  <a:t> </a:t>
+                </a:r>
+                <a14:m>
+                  <m:oMath xmlns:m="http://schemas.openxmlformats.org/officeDocument/2006/math">
+                    <m:r>
+                      <m:rPr>
+                        <m:lit/>
+                      </m:rPr>
+                      <a:rPr lang="en-US" altLang="zh-CN" sz="2001">
+                        <a:latin typeface="Cambria Math" panose="02040503050406030204" pitchFamily="18" charset="0"/>
+                      </a:rPr>
+                      <m:t> </m:t>
+                    </m:r>
+                    <m:r>
+                      <m:rPr>
+                        <m:sty m:val="p"/>
+                      </m:rPr>
+                      <a:rPr lang="en-US" altLang="zh-CN" sz="2001" i="1">
+                        <a:latin typeface="Cambria Math" panose="02040503050406030204" pitchFamily="18" charset="0"/>
+                      </a:rPr>
+                      <m:t>Δ</m:t>
+                    </m:r>
+                  </m:oMath>
+                </a14:m>
+                <a:r>
+                  <a:rPr lang="en-US" altLang="zh-CN" sz="2001" i="1" dirty="0">
+                    <a:latin typeface="Cambria Math" panose="02040503050406030204" pitchFamily="18" charset="0"/>
+                  </a:rPr>
+                  <a:t>s</a:t>
+                </a:r>
+              </a:p>
+            </p:txBody>
+          </p:sp>
+        </mc:Choice>
+        <mc:Fallback xmlns="">
+          <p:sp>
+            <p:nvSpPr>
+              <p:cNvPr id="124" name="文本框 9">
+                <a:extLst>
+                  <a:ext uri="{FF2B5EF4-FFF2-40B4-BE49-F238E27FC236}">
+                    <a16:creationId xmlns:a16="http://schemas.microsoft.com/office/drawing/2014/main" id="{6AEC0247-5AFD-43B2-9656-7AEDC2695CC9}"/>
+                  </a:ext>
+                </a:extLst>
+              </p:cNvPr>
+              <p:cNvSpPr txBox="1">
+                <a:spLocks noRot="1" noChangeAspect="1" noMove="1" noResize="1" noEditPoints="1" noAdjustHandles="1" noChangeArrowheads="1" noChangeShapeType="1" noTextEdit="1"/>
+              </p:cNvSpPr>
+              <p:nvPr/>
+            </p:nvSpPr>
+            <p:spPr>
+              <a:xfrm>
+                <a:off x="6757247" y="58928"/>
+                <a:ext cx="6667500" cy="400238"/>
+              </a:xfrm>
+              <a:prstGeom prst="rect">
+                <a:avLst/>
+              </a:prstGeom>
+              <a:blipFill>
+                <a:blip r:embed="rId15"/>
+                <a:stretch>
+                  <a:fillRect t="-12308" b="-24615"/>
+                </a:stretch>
+              </a:blipFill>
+            </p:spPr>
+            <p:txBody>
+              <a:bodyPr/>
+              <a:lstStyle/>
+              <a:p>
+                <a:r>
+                  <a:rPr lang="zh-CN" altLang="en-US">
+                    <a:noFill/>
+                  </a:rPr>
+                  <a:t> </a:t>
+                </a:r>
+              </a:p>
+            </p:txBody>
+          </p:sp>
+        </mc:Fallback>
+      </mc:AlternateContent>
+      <p:sp>
+        <p:nvSpPr>
+          <p:cNvPr id="164" name="箭头: 右 163">
+            <a:extLst>
+              <a:ext uri="{FF2B5EF4-FFF2-40B4-BE49-F238E27FC236}">
+                <a16:creationId xmlns:a16="http://schemas.microsoft.com/office/drawing/2014/main" id="{F8C844A0-6109-401B-937A-FD5493EB6C71}"/>
+              </a:ext>
+            </a:extLst>
+          </p:cNvPr>
+          <p:cNvSpPr/>
+          <p:nvPr/>
+        </p:nvSpPr>
+        <p:spPr>
+          <a:xfrm>
+            <a:off x="3558262" y="2023058"/>
+            <a:ext cx="986940" cy="549342"/>
+          </a:xfrm>
+          <a:prstGeom prst="rightArrow">
+            <a:avLst/>
+          </a:prstGeom>
+          <a:ln w="28575">
+            <a:solidFill>
+              <a:schemeClr val="tx1"/>
+            </a:solidFill>
+          </a:ln>
+        </p:spPr>
+        <p:style>
+          <a:lnRef idx="2">
+            <a:schemeClr val="accent1">
+              <a:shade val="50000"/>
+            </a:schemeClr>
+          </a:lnRef>
+          <a:fillRef idx="1">
+            <a:schemeClr val="accent1"/>
+          </a:fillRef>
+          <a:effectRef idx="0">
+            <a:schemeClr val="accent1"/>
+          </a:effectRef>
+          <a:fontRef idx="minor">
+            <a:schemeClr val="lt1"/>
+          </a:fontRef>
+        </p:style>
+        <p:txBody>
+          <a:bodyPr rot="0" spcFirstLastPara="0" vertOverflow="overflow" horzOverflow="overflow" vert="horz" wrap="square" lIns="91440" tIns="45721" rIns="91440" bIns="45721" numCol="1" spcCol="0" rtlCol="0" fromWordArt="0" anchor="ctr" anchorCtr="0" forceAA="0" compatLnSpc="1">
+            <a:prstTxWarp prst="textNoShape">
+              <a:avLst/>
+            </a:prstTxWarp>
+            <a:noAutofit/>
+          </a:bodyPr>
+          <a:lstStyle/>
+          <a:p>
+            <a:pPr algn="ctr"/>
+            <a:endParaRPr lang="zh-CN" altLang="en-US">
+              <a:ln>
+                <a:solidFill>
+                  <a:schemeClr val="bg1"/>
+                </a:solidFill>
+              </a:ln>
+            </a:endParaRPr>
+          </a:p>
+        </p:txBody>
+      </p:sp>
+      <p:cxnSp>
+        <p:nvCxnSpPr>
+          <p:cNvPr id="198" name="直接箭头连接符 197">
+            <a:extLst>
+              <a:ext uri="{FF2B5EF4-FFF2-40B4-BE49-F238E27FC236}">
+                <a16:creationId xmlns:a16="http://schemas.microsoft.com/office/drawing/2014/main" id="{6E1CC0CF-E7D6-4296-A213-BCBC352981A4}"/>
+              </a:ext>
+            </a:extLst>
+          </p:cNvPr>
+          <p:cNvCxnSpPr>
+            <a:endCxn id="31" idx="1"/>
+          </p:cNvCxnSpPr>
+          <p:nvPr/>
+        </p:nvCxnSpPr>
+        <p:spPr>
+          <a:xfrm flipV="1">
+            <a:off x="9154389" y="2096478"/>
+            <a:ext cx="597735" cy="5356"/>
+          </a:xfrm>
+          <a:prstGeom prst="straightConnector1">
+            <a:avLst/>
+          </a:prstGeom>
+          <a:ln w="28575">
+            <a:tailEnd type="triangle"/>
+          </a:ln>
+        </p:spPr>
+        <p:style>
+          <a:lnRef idx="1">
+            <a:schemeClr val="dk1"/>
+          </a:lnRef>
+          <a:fillRef idx="0">
+            <a:schemeClr val="dk1"/>
+          </a:fillRef>
+          <a:effectRef idx="0">
+            <a:schemeClr val="dk1"/>
+          </a:effectRef>
+          <a:fontRef idx="minor">
+            <a:schemeClr val="tx1"/>
+          </a:fontRef>
+        </p:style>
+      </p:cxnSp>
     </p:spTree>
     <p:extLst>
       <p:ext uri="{BB962C8B-B14F-4D97-AF65-F5344CB8AC3E}">

--- a/paper/figures/framework2.pptx
+++ b/paper/figures/framework2.pptx
@@ -2,7 +2,7 @@
 <file path=ppt/presentation.xml><?xml version="1.0" encoding="utf-8"?>
 <p:presentation xmlns:a="http://schemas.openxmlformats.org/drawingml/2006/main" xmlns:r="http://schemas.openxmlformats.org/officeDocument/2006/relationships" xmlns:p="http://schemas.openxmlformats.org/presentationml/2006/main" saveSubsetFonts="1">
   <p:sldMasterIdLst>
-    <p:sldMasterId id="2147483684" r:id="rId1"/>
+    <p:sldMasterId id="2147483696" r:id="rId1"/>
   </p:sldMasterIdLst>
   <p:notesMasterIdLst>
     <p:notesMasterId r:id="rId3"/>
@@ -10,7 +10,7 @@
   <p:sldIdLst>
     <p:sldId id="256" r:id="rId2"/>
   </p:sldIdLst>
-  <p:sldSz cx="11831638" cy="4337050"/>
+  <p:sldSz cx="11831638" cy="3976688"/>
   <p:notesSz cx="6858000" cy="9144000"/>
   <p:defaultTextStyle>
     <a:defPPr>
@@ -197,7 +197,7 @@
           <a:p>
             <a:fld id="{565B4B56-32A4-4E7E-B32C-594EE8F61FCB}" type="datetimeFigureOut">
               <a:rPr lang="zh-CN" altLang="en-US" smtClean="0"/>
-              <a:t>2020/12/10</a:t>
+              <a:t>2020/12/13</a:t>
             </a:fld>
             <a:endParaRPr lang="zh-CN" altLang="en-US"/>
           </a:p>
@@ -215,8 +215,8 @@
         </p:nvSpPr>
         <p:spPr>
           <a:xfrm>
-            <a:off x="-779463" y="1143000"/>
-            <a:ext cx="8416926" cy="3086100"/>
+            <a:off x="-1160463" y="1143000"/>
+            <a:ext cx="9178926" cy="3086100"/>
           </a:xfrm>
           <a:prstGeom prst="rect">
             <a:avLst/>
@@ -493,8 +493,8 @@
         </p:nvSpPr>
         <p:spPr>
           <a:xfrm>
-            <a:off x="-779463" y="1143000"/>
-            <a:ext cx="8416926" cy="3086100"/>
+            <a:off x="-1160463" y="1143000"/>
+            <a:ext cx="9178926" cy="3086100"/>
           </a:xfrm>
         </p:spPr>
       </p:sp>
@@ -582,15 +582,15 @@
         </p:nvSpPr>
         <p:spPr>
           <a:xfrm>
-            <a:off x="1478955" y="709791"/>
-            <a:ext cx="8873729" cy="1509936"/>
+            <a:off x="1478955" y="650815"/>
+            <a:ext cx="8873729" cy="1384477"/>
           </a:xfrm>
         </p:spPr>
         <p:txBody>
           <a:bodyPr anchor="b"/>
           <a:lstStyle>
             <a:lvl1pPr algn="ctr">
-              <a:defRPr sz="3794"/>
+              <a:defRPr sz="3479"/>
             </a:lvl1pPr>
           </a:lstStyle>
           <a:p>
@@ -614,8 +614,8 @@
         </p:nvSpPr>
         <p:spPr>
           <a:xfrm>
-            <a:off x="1478955" y="2277956"/>
-            <a:ext cx="8873729" cy="1047116"/>
+            <a:off x="1478955" y="2088682"/>
+            <a:ext cx="8873729" cy="960112"/>
           </a:xfrm>
         </p:spPr>
         <p:txBody>
@@ -623,39 +623,39 @@
           <a:lstStyle>
             <a:lvl1pPr marL="0" indent="0" algn="ctr">
               <a:buNone/>
-              <a:defRPr sz="1518"/>
+              <a:defRPr sz="1392"/>
             </a:lvl1pPr>
-            <a:lvl2pPr marL="289133" indent="0" algn="ctr">
+            <a:lvl2pPr marL="265130" indent="0" algn="ctr">
               <a:buNone/>
-              <a:defRPr sz="1265"/>
+              <a:defRPr sz="1160"/>
             </a:lvl2pPr>
-            <a:lvl3pPr marL="578267" indent="0" algn="ctr">
+            <a:lvl3pPr marL="530261" indent="0" algn="ctr">
               <a:buNone/>
-              <a:defRPr sz="1138"/>
+              <a:defRPr sz="1044"/>
             </a:lvl3pPr>
-            <a:lvl4pPr marL="867400" indent="0" algn="ctr">
+            <a:lvl4pPr marL="795391" indent="0" algn="ctr">
               <a:buNone/>
-              <a:defRPr sz="1012"/>
+              <a:defRPr sz="928"/>
             </a:lvl4pPr>
-            <a:lvl5pPr marL="1156533" indent="0" algn="ctr">
+            <a:lvl5pPr marL="1060521" indent="0" algn="ctr">
               <a:buNone/>
-              <a:defRPr sz="1012"/>
+              <a:defRPr sz="928"/>
             </a:lvl5pPr>
-            <a:lvl6pPr marL="1445666" indent="0" algn="ctr">
+            <a:lvl6pPr marL="1325651" indent="0" algn="ctr">
               <a:buNone/>
-              <a:defRPr sz="1012"/>
+              <a:defRPr sz="928"/>
             </a:lvl6pPr>
-            <a:lvl7pPr marL="1734800" indent="0" algn="ctr">
+            <a:lvl7pPr marL="1590782" indent="0" algn="ctr">
               <a:buNone/>
-              <a:defRPr sz="1012"/>
+              <a:defRPr sz="928"/>
             </a:lvl7pPr>
-            <a:lvl8pPr marL="2023933" indent="0" algn="ctr">
+            <a:lvl8pPr marL="1855912" indent="0" algn="ctr">
               <a:buNone/>
-              <a:defRPr sz="1012"/>
+              <a:defRPr sz="928"/>
             </a:lvl8pPr>
-            <a:lvl9pPr marL="2313066" indent="0" algn="ctr">
+            <a:lvl9pPr marL="2121042" indent="0" algn="ctr">
               <a:buNone/>
-              <a:defRPr sz="1012"/>
+              <a:defRPr sz="928"/>
             </a:lvl9pPr>
           </a:lstStyle>
           <a:p>
@@ -684,7 +684,7 @@
           <a:p>
             <a:fld id="{A627DF43-A246-43EE-926C-71914852C54A}" type="datetimeFigureOut">
               <a:rPr lang="zh-CN" altLang="en-US" smtClean="0"/>
-              <a:t>2020/12/10</a:t>
+              <a:t>2020/12/13</a:t>
             </a:fld>
             <a:endParaRPr lang="zh-CN" altLang="en-US"/>
           </a:p>
@@ -735,7 +735,7 @@
     </p:spTree>
     <p:extLst>
       <p:ext uri="{BB962C8B-B14F-4D97-AF65-F5344CB8AC3E}">
-        <p14:creationId xmlns:p14="http://schemas.microsoft.com/office/powerpoint/2010/main" val="3655498764"/>
+        <p14:creationId xmlns:p14="http://schemas.microsoft.com/office/powerpoint/2010/main" val="567643345"/>
       </p:ext>
     </p:extLst>
   </p:cSld>
@@ -854,7 +854,7 @@
           <a:p>
             <a:fld id="{A627DF43-A246-43EE-926C-71914852C54A}" type="datetimeFigureOut">
               <a:rPr lang="zh-CN" altLang="en-US" smtClean="0"/>
-              <a:t>2020/12/10</a:t>
+              <a:t>2020/12/13</a:t>
             </a:fld>
             <a:endParaRPr lang="zh-CN" altLang="en-US"/>
           </a:p>
@@ -905,7 +905,7 @@
     </p:spTree>
     <p:extLst>
       <p:ext uri="{BB962C8B-B14F-4D97-AF65-F5344CB8AC3E}">
-        <p14:creationId xmlns:p14="http://schemas.microsoft.com/office/powerpoint/2010/main" val="1727293924"/>
+        <p14:creationId xmlns:p14="http://schemas.microsoft.com/office/powerpoint/2010/main" val="3581820794"/>
       </p:ext>
     </p:extLst>
   </p:cSld>
@@ -944,8 +944,8 @@
         </p:nvSpPr>
         <p:spPr>
           <a:xfrm>
-            <a:off x="8467016" y="230908"/>
-            <a:ext cx="2551197" cy="3675449"/>
+            <a:off x="8467016" y="211722"/>
+            <a:ext cx="2551197" cy="3370059"/>
           </a:xfrm>
         </p:spPr>
         <p:txBody>
@@ -972,8 +972,8 @@
         </p:nvSpPr>
         <p:spPr>
           <a:xfrm>
-            <a:off x="813425" y="230908"/>
-            <a:ext cx="7505695" cy="3675449"/>
+            <a:off x="813425" y="211722"/>
+            <a:ext cx="7505695" cy="3370059"/>
           </a:xfrm>
         </p:spPr>
         <p:txBody>
@@ -1034,7 +1034,7 @@
           <a:p>
             <a:fld id="{A627DF43-A246-43EE-926C-71914852C54A}" type="datetimeFigureOut">
               <a:rPr lang="zh-CN" altLang="en-US" smtClean="0"/>
-              <a:t>2020/12/10</a:t>
+              <a:t>2020/12/13</a:t>
             </a:fld>
             <a:endParaRPr lang="zh-CN" altLang="en-US"/>
           </a:p>
@@ -1085,7 +1085,7 @@
     </p:spTree>
     <p:extLst>
       <p:ext uri="{BB962C8B-B14F-4D97-AF65-F5344CB8AC3E}">
-        <p14:creationId xmlns:p14="http://schemas.microsoft.com/office/powerpoint/2010/main" val="421006474"/>
+        <p14:creationId xmlns:p14="http://schemas.microsoft.com/office/powerpoint/2010/main" val="3475871447"/>
       </p:ext>
     </p:extLst>
   </p:cSld>
@@ -1204,7 +1204,7 @@
           <a:p>
             <a:fld id="{A627DF43-A246-43EE-926C-71914852C54A}" type="datetimeFigureOut">
               <a:rPr lang="zh-CN" altLang="en-US" smtClean="0"/>
-              <a:t>2020/12/10</a:t>
+              <a:t>2020/12/13</a:t>
             </a:fld>
             <a:endParaRPr lang="zh-CN" altLang="en-US"/>
           </a:p>
@@ -1255,7 +1255,7 @@
     </p:spTree>
     <p:extLst>
       <p:ext uri="{BB962C8B-B14F-4D97-AF65-F5344CB8AC3E}">
-        <p14:creationId xmlns:p14="http://schemas.microsoft.com/office/powerpoint/2010/main" val="1149523721"/>
+        <p14:creationId xmlns:p14="http://schemas.microsoft.com/office/powerpoint/2010/main" val="3399689933"/>
       </p:ext>
     </p:extLst>
   </p:cSld>
@@ -1294,15 +1294,15 @@
         </p:nvSpPr>
         <p:spPr>
           <a:xfrm>
-            <a:off x="807263" y="1081251"/>
-            <a:ext cx="10204788" cy="1804092"/>
+            <a:off x="807263" y="991411"/>
+            <a:ext cx="10204788" cy="1654191"/>
           </a:xfrm>
         </p:spPr>
         <p:txBody>
           <a:bodyPr anchor="b"/>
           <a:lstStyle>
             <a:lvl1pPr>
-              <a:defRPr sz="3794"/>
+              <a:defRPr sz="3479"/>
             </a:lvl1pPr>
           </a:lstStyle>
           <a:p>
@@ -1326,8 +1326,8 @@
         </p:nvSpPr>
         <p:spPr>
           <a:xfrm>
-            <a:off x="807263" y="2902411"/>
-            <a:ext cx="10204788" cy="948729"/>
+            <a:off x="807263" y="2661252"/>
+            <a:ext cx="10204788" cy="869900"/>
           </a:xfrm>
         </p:spPr>
         <p:txBody>
@@ -1335,7 +1335,7 @@
           <a:lstStyle>
             <a:lvl1pPr marL="0" indent="0">
               <a:buNone/>
-              <a:defRPr sz="1518">
+              <a:defRPr sz="1392">
                 <a:solidFill>
                   <a:schemeClr val="tx1">
                     <a:tint val="75000"/>
@@ -1343,9 +1343,9 @@
                 </a:solidFill>
               </a:defRPr>
             </a:lvl1pPr>
-            <a:lvl2pPr marL="289133" indent="0">
+            <a:lvl2pPr marL="265130" indent="0">
               <a:buNone/>
-              <a:defRPr sz="1265">
+              <a:defRPr sz="1160">
                 <a:solidFill>
                   <a:schemeClr val="tx1">
                     <a:tint val="75000"/>
@@ -1353,9 +1353,9 @@
                 </a:solidFill>
               </a:defRPr>
             </a:lvl2pPr>
-            <a:lvl3pPr marL="578267" indent="0">
+            <a:lvl3pPr marL="530261" indent="0">
               <a:buNone/>
-              <a:defRPr sz="1138">
+              <a:defRPr sz="1044">
                 <a:solidFill>
                   <a:schemeClr val="tx1">
                     <a:tint val="75000"/>
@@ -1363,9 +1363,9 @@
                 </a:solidFill>
               </a:defRPr>
             </a:lvl3pPr>
-            <a:lvl4pPr marL="867400" indent="0">
+            <a:lvl4pPr marL="795391" indent="0">
               <a:buNone/>
-              <a:defRPr sz="1012">
+              <a:defRPr sz="928">
                 <a:solidFill>
                   <a:schemeClr val="tx1">
                     <a:tint val="75000"/>
@@ -1373,9 +1373,9 @@
                 </a:solidFill>
               </a:defRPr>
             </a:lvl4pPr>
-            <a:lvl5pPr marL="1156533" indent="0">
+            <a:lvl5pPr marL="1060521" indent="0">
               <a:buNone/>
-              <a:defRPr sz="1012">
+              <a:defRPr sz="928">
                 <a:solidFill>
                   <a:schemeClr val="tx1">
                     <a:tint val="75000"/>
@@ -1383,9 +1383,9 @@
                 </a:solidFill>
               </a:defRPr>
             </a:lvl5pPr>
-            <a:lvl6pPr marL="1445666" indent="0">
+            <a:lvl6pPr marL="1325651" indent="0">
               <a:buNone/>
-              <a:defRPr sz="1012">
+              <a:defRPr sz="928">
                 <a:solidFill>
                   <a:schemeClr val="tx1">
                     <a:tint val="75000"/>
@@ -1393,9 +1393,9 @@
                 </a:solidFill>
               </a:defRPr>
             </a:lvl6pPr>
-            <a:lvl7pPr marL="1734800" indent="0">
+            <a:lvl7pPr marL="1590782" indent="0">
               <a:buNone/>
-              <a:defRPr sz="1012">
+              <a:defRPr sz="928">
                 <a:solidFill>
                   <a:schemeClr val="tx1">
                     <a:tint val="75000"/>
@@ -1403,9 +1403,9 @@
                 </a:solidFill>
               </a:defRPr>
             </a:lvl7pPr>
-            <a:lvl8pPr marL="2023933" indent="0">
+            <a:lvl8pPr marL="1855912" indent="0">
               <a:buNone/>
-              <a:defRPr sz="1012">
+              <a:defRPr sz="928">
                 <a:solidFill>
                   <a:schemeClr val="tx1">
                     <a:tint val="75000"/>
@@ -1413,9 +1413,9 @@
                 </a:solidFill>
               </a:defRPr>
             </a:lvl8pPr>
-            <a:lvl9pPr marL="2313066" indent="0">
+            <a:lvl9pPr marL="2121042" indent="0">
               <a:buNone/>
-              <a:defRPr sz="1012">
+              <a:defRPr sz="928">
                 <a:solidFill>
                   <a:schemeClr val="tx1">
                     <a:tint val="75000"/>
@@ -1450,7 +1450,7 @@
           <a:p>
             <a:fld id="{A627DF43-A246-43EE-926C-71914852C54A}" type="datetimeFigureOut">
               <a:rPr lang="zh-CN" altLang="en-US" smtClean="0"/>
-              <a:t>2020/12/10</a:t>
+              <a:t>2020/12/13</a:t>
             </a:fld>
             <a:endParaRPr lang="zh-CN" altLang="en-US"/>
           </a:p>
@@ -1501,7 +1501,7 @@
     </p:spTree>
     <p:extLst>
       <p:ext uri="{BB962C8B-B14F-4D97-AF65-F5344CB8AC3E}">
-        <p14:creationId xmlns:p14="http://schemas.microsoft.com/office/powerpoint/2010/main" val="2870281393"/>
+        <p14:creationId xmlns:p14="http://schemas.microsoft.com/office/powerpoint/2010/main" val="1493951764"/>
       </p:ext>
     </p:extLst>
   </p:cSld>
@@ -1563,8 +1563,8 @@
         </p:nvSpPr>
         <p:spPr>
           <a:xfrm>
-            <a:off x="813425" y="1154539"/>
-            <a:ext cx="5028446" cy="2751818"/>
+            <a:off x="813425" y="1058609"/>
+            <a:ext cx="5028446" cy="2523172"/>
           </a:xfrm>
         </p:spPr>
         <p:txBody>
@@ -1620,8 +1620,8 @@
         </p:nvSpPr>
         <p:spPr>
           <a:xfrm>
-            <a:off x="5989767" y="1154539"/>
-            <a:ext cx="5028446" cy="2751818"/>
+            <a:off x="5989767" y="1058609"/>
+            <a:ext cx="5028446" cy="2523172"/>
           </a:xfrm>
         </p:spPr>
         <p:txBody>
@@ -1682,7 +1682,7 @@
           <a:p>
             <a:fld id="{A627DF43-A246-43EE-926C-71914852C54A}" type="datetimeFigureOut">
               <a:rPr lang="zh-CN" altLang="en-US" smtClean="0"/>
-              <a:t>2020/12/10</a:t>
+              <a:t>2020/12/13</a:t>
             </a:fld>
             <a:endParaRPr lang="zh-CN" altLang="en-US"/>
           </a:p>
@@ -1733,7 +1733,7 @@
     </p:spTree>
     <p:extLst>
       <p:ext uri="{BB962C8B-B14F-4D97-AF65-F5344CB8AC3E}">
-        <p14:creationId xmlns:p14="http://schemas.microsoft.com/office/powerpoint/2010/main" val="2657679266"/>
+        <p14:creationId xmlns:p14="http://schemas.microsoft.com/office/powerpoint/2010/main" val="2622243864"/>
       </p:ext>
     </p:extLst>
   </p:cSld>
@@ -1772,8 +1772,8 @@
         </p:nvSpPr>
         <p:spPr>
           <a:xfrm>
-            <a:off x="814966" y="230908"/>
-            <a:ext cx="10204788" cy="838296"/>
+            <a:off x="814966" y="211722"/>
+            <a:ext cx="10204788" cy="768643"/>
           </a:xfrm>
         </p:spPr>
         <p:txBody>
@@ -1800,8 +1800,8 @@
         </p:nvSpPr>
         <p:spPr>
           <a:xfrm>
-            <a:off x="814967" y="1063180"/>
-            <a:ext cx="5005337" cy="521048"/>
+            <a:off x="814967" y="974841"/>
+            <a:ext cx="5005337" cy="477755"/>
           </a:xfrm>
         </p:spPr>
         <p:txBody>
@@ -1809,39 +1809,39 @@
           <a:lstStyle>
             <a:lvl1pPr marL="0" indent="0">
               <a:buNone/>
-              <a:defRPr sz="1518" b="1"/>
+              <a:defRPr sz="1392" b="1"/>
             </a:lvl1pPr>
-            <a:lvl2pPr marL="289133" indent="0">
+            <a:lvl2pPr marL="265130" indent="0">
               <a:buNone/>
-              <a:defRPr sz="1265" b="1"/>
+              <a:defRPr sz="1160" b="1"/>
             </a:lvl2pPr>
-            <a:lvl3pPr marL="578267" indent="0">
+            <a:lvl3pPr marL="530261" indent="0">
               <a:buNone/>
-              <a:defRPr sz="1138" b="1"/>
+              <a:defRPr sz="1044" b="1"/>
             </a:lvl3pPr>
-            <a:lvl4pPr marL="867400" indent="0">
+            <a:lvl4pPr marL="795391" indent="0">
               <a:buNone/>
-              <a:defRPr sz="1012" b="1"/>
+              <a:defRPr sz="928" b="1"/>
             </a:lvl4pPr>
-            <a:lvl5pPr marL="1156533" indent="0">
+            <a:lvl5pPr marL="1060521" indent="0">
               <a:buNone/>
-              <a:defRPr sz="1012" b="1"/>
+              <a:defRPr sz="928" b="1"/>
             </a:lvl5pPr>
-            <a:lvl6pPr marL="1445666" indent="0">
+            <a:lvl6pPr marL="1325651" indent="0">
               <a:buNone/>
-              <a:defRPr sz="1012" b="1"/>
+              <a:defRPr sz="928" b="1"/>
             </a:lvl6pPr>
-            <a:lvl7pPr marL="1734800" indent="0">
+            <a:lvl7pPr marL="1590782" indent="0">
               <a:buNone/>
-              <a:defRPr sz="1012" b="1"/>
+              <a:defRPr sz="928" b="1"/>
             </a:lvl7pPr>
-            <a:lvl8pPr marL="2023933" indent="0">
+            <a:lvl8pPr marL="1855912" indent="0">
               <a:buNone/>
-              <a:defRPr sz="1012" b="1"/>
+              <a:defRPr sz="928" b="1"/>
             </a:lvl8pPr>
-            <a:lvl9pPr marL="2313066" indent="0">
+            <a:lvl9pPr marL="2121042" indent="0">
               <a:buNone/>
-              <a:defRPr sz="1012" b="1"/>
+              <a:defRPr sz="928" b="1"/>
             </a:lvl9pPr>
           </a:lstStyle>
           <a:p>
@@ -1865,8 +1865,8 @@
         </p:nvSpPr>
         <p:spPr>
           <a:xfrm>
-            <a:off x="814967" y="1584228"/>
-            <a:ext cx="5005337" cy="2330161"/>
+            <a:off x="814967" y="1452596"/>
+            <a:ext cx="5005337" cy="2136550"/>
           </a:xfrm>
         </p:spPr>
         <p:txBody>
@@ -1922,8 +1922,8 @@
         </p:nvSpPr>
         <p:spPr>
           <a:xfrm>
-            <a:off x="5989767" y="1063180"/>
-            <a:ext cx="5029987" cy="521048"/>
+            <a:off x="5989767" y="974841"/>
+            <a:ext cx="5029987" cy="477755"/>
           </a:xfrm>
         </p:spPr>
         <p:txBody>
@@ -1931,39 +1931,39 @@
           <a:lstStyle>
             <a:lvl1pPr marL="0" indent="0">
               <a:buNone/>
-              <a:defRPr sz="1518" b="1"/>
+              <a:defRPr sz="1392" b="1"/>
             </a:lvl1pPr>
-            <a:lvl2pPr marL="289133" indent="0">
+            <a:lvl2pPr marL="265130" indent="0">
               <a:buNone/>
-              <a:defRPr sz="1265" b="1"/>
+              <a:defRPr sz="1160" b="1"/>
             </a:lvl2pPr>
-            <a:lvl3pPr marL="578267" indent="0">
+            <a:lvl3pPr marL="530261" indent="0">
               <a:buNone/>
-              <a:defRPr sz="1138" b="1"/>
+              <a:defRPr sz="1044" b="1"/>
             </a:lvl3pPr>
-            <a:lvl4pPr marL="867400" indent="0">
+            <a:lvl4pPr marL="795391" indent="0">
               <a:buNone/>
-              <a:defRPr sz="1012" b="1"/>
+              <a:defRPr sz="928" b="1"/>
             </a:lvl4pPr>
-            <a:lvl5pPr marL="1156533" indent="0">
+            <a:lvl5pPr marL="1060521" indent="0">
               <a:buNone/>
-              <a:defRPr sz="1012" b="1"/>
+              <a:defRPr sz="928" b="1"/>
             </a:lvl5pPr>
-            <a:lvl6pPr marL="1445666" indent="0">
+            <a:lvl6pPr marL="1325651" indent="0">
               <a:buNone/>
-              <a:defRPr sz="1012" b="1"/>
+              <a:defRPr sz="928" b="1"/>
             </a:lvl6pPr>
-            <a:lvl7pPr marL="1734800" indent="0">
+            <a:lvl7pPr marL="1590782" indent="0">
               <a:buNone/>
-              <a:defRPr sz="1012" b="1"/>
+              <a:defRPr sz="928" b="1"/>
             </a:lvl7pPr>
-            <a:lvl8pPr marL="2023933" indent="0">
+            <a:lvl8pPr marL="1855912" indent="0">
               <a:buNone/>
-              <a:defRPr sz="1012" b="1"/>
+              <a:defRPr sz="928" b="1"/>
             </a:lvl8pPr>
-            <a:lvl9pPr marL="2313066" indent="0">
+            <a:lvl9pPr marL="2121042" indent="0">
               <a:buNone/>
-              <a:defRPr sz="1012" b="1"/>
+              <a:defRPr sz="928" b="1"/>
             </a:lvl9pPr>
           </a:lstStyle>
           <a:p>
@@ -1987,8 +1987,8 @@
         </p:nvSpPr>
         <p:spPr>
           <a:xfrm>
-            <a:off x="5989767" y="1584228"/>
-            <a:ext cx="5029987" cy="2330161"/>
+            <a:off x="5989767" y="1452596"/>
+            <a:ext cx="5029987" cy="2136550"/>
           </a:xfrm>
         </p:spPr>
         <p:txBody>
@@ -2049,7 +2049,7 @@
           <a:p>
             <a:fld id="{A627DF43-A246-43EE-926C-71914852C54A}" type="datetimeFigureOut">
               <a:rPr lang="zh-CN" altLang="en-US" smtClean="0"/>
-              <a:t>2020/12/10</a:t>
+              <a:t>2020/12/13</a:t>
             </a:fld>
             <a:endParaRPr lang="zh-CN" altLang="en-US"/>
           </a:p>
@@ -2100,7 +2100,7 @@
     </p:spTree>
     <p:extLst>
       <p:ext uri="{BB962C8B-B14F-4D97-AF65-F5344CB8AC3E}">
-        <p14:creationId xmlns:p14="http://schemas.microsoft.com/office/powerpoint/2010/main" val="3893960979"/>
+        <p14:creationId xmlns:p14="http://schemas.microsoft.com/office/powerpoint/2010/main" val="2535164194"/>
       </p:ext>
     </p:extLst>
   </p:cSld>
@@ -2167,7 +2167,7 @@
           <a:p>
             <a:fld id="{A627DF43-A246-43EE-926C-71914852C54A}" type="datetimeFigureOut">
               <a:rPr lang="zh-CN" altLang="en-US" smtClean="0"/>
-              <a:t>2020/12/10</a:t>
+              <a:t>2020/12/13</a:t>
             </a:fld>
             <a:endParaRPr lang="zh-CN" altLang="en-US"/>
           </a:p>
@@ -2218,7 +2218,7 @@
     </p:spTree>
     <p:extLst>
       <p:ext uri="{BB962C8B-B14F-4D97-AF65-F5344CB8AC3E}">
-        <p14:creationId xmlns:p14="http://schemas.microsoft.com/office/powerpoint/2010/main" val="3441805853"/>
+        <p14:creationId xmlns:p14="http://schemas.microsoft.com/office/powerpoint/2010/main" val="3106757463"/>
       </p:ext>
     </p:extLst>
   </p:cSld>
@@ -2262,7 +2262,7 @@
           <a:p>
             <a:fld id="{A627DF43-A246-43EE-926C-71914852C54A}" type="datetimeFigureOut">
               <a:rPr lang="zh-CN" altLang="en-US" smtClean="0"/>
-              <a:t>2020/12/10</a:t>
+              <a:t>2020/12/13</a:t>
             </a:fld>
             <a:endParaRPr lang="zh-CN" altLang="en-US"/>
           </a:p>
@@ -2313,7 +2313,7 @@
     </p:spTree>
     <p:extLst>
       <p:ext uri="{BB962C8B-B14F-4D97-AF65-F5344CB8AC3E}">
-        <p14:creationId xmlns:p14="http://schemas.microsoft.com/office/powerpoint/2010/main" val="4012392629"/>
+        <p14:creationId xmlns:p14="http://schemas.microsoft.com/office/powerpoint/2010/main" val="2764100879"/>
       </p:ext>
     </p:extLst>
   </p:cSld>
@@ -2352,15 +2352,15 @@
         </p:nvSpPr>
         <p:spPr>
           <a:xfrm>
-            <a:off x="814967" y="289137"/>
-            <a:ext cx="3816011" cy="1011978"/>
+            <a:off x="814967" y="265112"/>
+            <a:ext cx="3816011" cy="927894"/>
           </a:xfrm>
         </p:spPr>
         <p:txBody>
           <a:bodyPr anchor="b"/>
           <a:lstStyle>
             <a:lvl1pPr>
-              <a:defRPr sz="2024"/>
+              <a:defRPr sz="1856"/>
             </a:lvl1pPr>
           </a:lstStyle>
           <a:p>
@@ -2384,39 +2384,39 @@
         </p:nvSpPr>
         <p:spPr>
           <a:xfrm>
-            <a:off x="5029987" y="624455"/>
-            <a:ext cx="5989767" cy="3082117"/>
+            <a:off x="5029987" y="572570"/>
+            <a:ext cx="5989767" cy="2826026"/>
           </a:xfrm>
         </p:spPr>
         <p:txBody>
           <a:bodyPr/>
           <a:lstStyle>
             <a:lvl1pPr>
-              <a:defRPr sz="2024"/>
+              <a:defRPr sz="1856"/>
             </a:lvl1pPr>
             <a:lvl2pPr>
-              <a:defRPr sz="1771"/>
+              <a:defRPr sz="1624"/>
             </a:lvl2pPr>
             <a:lvl3pPr>
-              <a:defRPr sz="1518"/>
+              <a:defRPr sz="1392"/>
             </a:lvl3pPr>
             <a:lvl4pPr>
-              <a:defRPr sz="1265"/>
+              <a:defRPr sz="1160"/>
             </a:lvl4pPr>
             <a:lvl5pPr>
-              <a:defRPr sz="1265"/>
+              <a:defRPr sz="1160"/>
             </a:lvl5pPr>
             <a:lvl6pPr>
-              <a:defRPr sz="1265"/>
+              <a:defRPr sz="1160"/>
             </a:lvl6pPr>
             <a:lvl7pPr>
-              <a:defRPr sz="1265"/>
+              <a:defRPr sz="1160"/>
             </a:lvl7pPr>
             <a:lvl8pPr>
-              <a:defRPr sz="1265"/>
+              <a:defRPr sz="1160"/>
             </a:lvl8pPr>
             <a:lvl9pPr>
-              <a:defRPr sz="1265"/>
+              <a:defRPr sz="1160"/>
             </a:lvl9pPr>
           </a:lstStyle>
           <a:p>
@@ -2469,8 +2469,8 @@
         </p:nvSpPr>
         <p:spPr>
           <a:xfrm>
-            <a:off x="814967" y="1301115"/>
-            <a:ext cx="3816011" cy="2410476"/>
+            <a:off x="814967" y="1193006"/>
+            <a:ext cx="3816011" cy="2210192"/>
           </a:xfrm>
         </p:spPr>
         <p:txBody>
@@ -2478,39 +2478,39 @@
           <a:lstStyle>
             <a:lvl1pPr marL="0" indent="0">
               <a:buNone/>
-              <a:defRPr sz="1012"/>
+              <a:defRPr sz="928"/>
             </a:lvl1pPr>
-            <a:lvl2pPr marL="289133" indent="0">
+            <a:lvl2pPr marL="265130" indent="0">
               <a:buNone/>
-              <a:defRPr sz="885"/>
+              <a:defRPr sz="812"/>
             </a:lvl2pPr>
-            <a:lvl3pPr marL="578267" indent="0">
+            <a:lvl3pPr marL="530261" indent="0">
               <a:buNone/>
-              <a:defRPr sz="759"/>
+              <a:defRPr sz="696"/>
             </a:lvl3pPr>
-            <a:lvl4pPr marL="867400" indent="0">
+            <a:lvl4pPr marL="795391" indent="0">
               <a:buNone/>
-              <a:defRPr sz="632"/>
+              <a:defRPr sz="580"/>
             </a:lvl4pPr>
-            <a:lvl5pPr marL="1156533" indent="0">
+            <a:lvl5pPr marL="1060521" indent="0">
               <a:buNone/>
-              <a:defRPr sz="632"/>
+              <a:defRPr sz="580"/>
             </a:lvl5pPr>
-            <a:lvl6pPr marL="1445666" indent="0">
+            <a:lvl6pPr marL="1325651" indent="0">
               <a:buNone/>
-              <a:defRPr sz="632"/>
+              <a:defRPr sz="580"/>
             </a:lvl6pPr>
-            <a:lvl7pPr marL="1734800" indent="0">
+            <a:lvl7pPr marL="1590782" indent="0">
               <a:buNone/>
-              <a:defRPr sz="632"/>
+              <a:defRPr sz="580"/>
             </a:lvl7pPr>
-            <a:lvl8pPr marL="2023933" indent="0">
+            <a:lvl8pPr marL="1855912" indent="0">
               <a:buNone/>
-              <a:defRPr sz="632"/>
+              <a:defRPr sz="580"/>
             </a:lvl8pPr>
-            <a:lvl9pPr marL="2313066" indent="0">
+            <a:lvl9pPr marL="2121042" indent="0">
               <a:buNone/>
-              <a:defRPr sz="632"/>
+              <a:defRPr sz="580"/>
             </a:lvl9pPr>
           </a:lstStyle>
           <a:p>
@@ -2539,7 +2539,7 @@
           <a:p>
             <a:fld id="{A627DF43-A246-43EE-926C-71914852C54A}" type="datetimeFigureOut">
               <a:rPr lang="zh-CN" altLang="en-US" smtClean="0"/>
-              <a:t>2020/12/10</a:t>
+              <a:t>2020/12/13</a:t>
             </a:fld>
             <a:endParaRPr lang="zh-CN" altLang="en-US"/>
           </a:p>
@@ -2590,7 +2590,7 @@
     </p:spTree>
     <p:extLst>
       <p:ext uri="{BB962C8B-B14F-4D97-AF65-F5344CB8AC3E}">
-        <p14:creationId xmlns:p14="http://schemas.microsoft.com/office/powerpoint/2010/main" val="3189645383"/>
+        <p14:creationId xmlns:p14="http://schemas.microsoft.com/office/powerpoint/2010/main" val="3926229898"/>
       </p:ext>
     </p:extLst>
   </p:cSld>
@@ -2629,15 +2629,15 @@
         </p:nvSpPr>
         <p:spPr>
           <a:xfrm>
-            <a:off x="814967" y="289137"/>
-            <a:ext cx="3816011" cy="1011978"/>
+            <a:off x="814967" y="265112"/>
+            <a:ext cx="3816011" cy="927894"/>
           </a:xfrm>
         </p:spPr>
         <p:txBody>
           <a:bodyPr anchor="b"/>
           <a:lstStyle>
             <a:lvl1pPr>
-              <a:defRPr sz="2024"/>
+              <a:defRPr sz="1856"/>
             </a:lvl1pPr>
           </a:lstStyle>
           <a:p>
@@ -2661,8 +2661,8 @@
         </p:nvSpPr>
         <p:spPr>
           <a:xfrm>
-            <a:off x="5029987" y="624455"/>
-            <a:ext cx="5989767" cy="3082117"/>
+            <a:off x="5029987" y="572570"/>
+            <a:ext cx="5989767" cy="2826026"/>
           </a:xfrm>
         </p:spPr>
         <p:txBody>
@@ -2670,39 +2670,39 @@
           <a:lstStyle>
             <a:lvl1pPr marL="0" indent="0">
               <a:buNone/>
-              <a:defRPr sz="2024"/>
+              <a:defRPr sz="1856"/>
             </a:lvl1pPr>
-            <a:lvl2pPr marL="289133" indent="0">
+            <a:lvl2pPr marL="265130" indent="0">
               <a:buNone/>
-              <a:defRPr sz="1771"/>
+              <a:defRPr sz="1624"/>
             </a:lvl2pPr>
-            <a:lvl3pPr marL="578267" indent="0">
+            <a:lvl3pPr marL="530261" indent="0">
               <a:buNone/>
-              <a:defRPr sz="1518"/>
+              <a:defRPr sz="1392"/>
             </a:lvl3pPr>
-            <a:lvl4pPr marL="867400" indent="0">
+            <a:lvl4pPr marL="795391" indent="0">
               <a:buNone/>
-              <a:defRPr sz="1265"/>
+              <a:defRPr sz="1160"/>
             </a:lvl4pPr>
-            <a:lvl5pPr marL="1156533" indent="0">
+            <a:lvl5pPr marL="1060521" indent="0">
               <a:buNone/>
-              <a:defRPr sz="1265"/>
+              <a:defRPr sz="1160"/>
             </a:lvl5pPr>
-            <a:lvl6pPr marL="1445666" indent="0">
+            <a:lvl6pPr marL="1325651" indent="0">
               <a:buNone/>
-              <a:defRPr sz="1265"/>
+              <a:defRPr sz="1160"/>
             </a:lvl6pPr>
-            <a:lvl7pPr marL="1734800" indent="0">
+            <a:lvl7pPr marL="1590782" indent="0">
               <a:buNone/>
-              <a:defRPr sz="1265"/>
+              <a:defRPr sz="1160"/>
             </a:lvl7pPr>
-            <a:lvl8pPr marL="2023933" indent="0">
+            <a:lvl8pPr marL="1855912" indent="0">
               <a:buNone/>
-              <a:defRPr sz="1265"/>
+              <a:defRPr sz="1160"/>
             </a:lvl8pPr>
-            <a:lvl9pPr marL="2313066" indent="0">
+            <a:lvl9pPr marL="2121042" indent="0">
               <a:buNone/>
-              <a:defRPr sz="1265"/>
+              <a:defRPr sz="1160"/>
             </a:lvl9pPr>
           </a:lstStyle>
           <a:p>
@@ -2726,8 +2726,8 @@
         </p:nvSpPr>
         <p:spPr>
           <a:xfrm>
-            <a:off x="814967" y="1301115"/>
-            <a:ext cx="3816011" cy="2410476"/>
+            <a:off x="814967" y="1193006"/>
+            <a:ext cx="3816011" cy="2210192"/>
           </a:xfrm>
         </p:spPr>
         <p:txBody>
@@ -2735,39 +2735,39 @@
           <a:lstStyle>
             <a:lvl1pPr marL="0" indent="0">
               <a:buNone/>
-              <a:defRPr sz="1012"/>
+              <a:defRPr sz="928"/>
             </a:lvl1pPr>
-            <a:lvl2pPr marL="289133" indent="0">
+            <a:lvl2pPr marL="265130" indent="0">
               <a:buNone/>
-              <a:defRPr sz="885"/>
+              <a:defRPr sz="812"/>
             </a:lvl2pPr>
-            <a:lvl3pPr marL="578267" indent="0">
+            <a:lvl3pPr marL="530261" indent="0">
               <a:buNone/>
-              <a:defRPr sz="759"/>
+              <a:defRPr sz="696"/>
             </a:lvl3pPr>
-            <a:lvl4pPr marL="867400" indent="0">
+            <a:lvl4pPr marL="795391" indent="0">
               <a:buNone/>
-              <a:defRPr sz="632"/>
+              <a:defRPr sz="580"/>
             </a:lvl4pPr>
-            <a:lvl5pPr marL="1156533" indent="0">
+            <a:lvl5pPr marL="1060521" indent="0">
               <a:buNone/>
-              <a:defRPr sz="632"/>
+              <a:defRPr sz="580"/>
             </a:lvl5pPr>
-            <a:lvl6pPr marL="1445666" indent="0">
+            <a:lvl6pPr marL="1325651" indent="0">
               <a:buNone/>
-              <a:defRPr sz="632"/>
+              <a:defRPr sz="580"/>
             </a:lvl6pPr>
-            <a:lvl7pPr marL="1734800" indent="0">
+            <a:lvl7pPr marL="1590782" indent="0">
               <a:buNone/>
-              <a:defRPr sz="632"/>
+              <a:defRPr sz="580"/>
             </a:lvl7pPr>
-            <a:lvl8pPr marL="2023933" indent="0">
+            <a:lvl8pPr marL="1855912" indent="0">
               <a:buNone/>
-              <a:defRPr sz="632"/>
+              <a:defRPr sz="580"/>
             </a:lvl8pPr>
-            <a:lvl9pPr marL="2313066" indent="0">
+            <a:lvl9pPr marL="2121042" indent="0">
               <a:buNone/>
-              <a:defRPr sz="632"/>
+              <a:defRPr sz="580"/>
             </a:lvl9pPr>
           </a:lstStyle>
           <a:p>
@@ -2796,7 +2796,7 @@
           <a:p>
             <a:fld id="{A627DF43-A246-43EE-926C-71914852C54A}" type="datetimeFigureOut">
               <a:rPr lang="zh-CN" altLang="en-US" smtClean="0"/>
-              <a:t>2020/12/10</a:t>
+              <a:t>2020/12/13</a:t>
             </a:fld>
             <a:endParaRPr lang="zh-CN" altLang="en-US"/>
           </a:p>
@@ -2847,7 +2847,7 @@
     </p:spTree>
     <p:extLst>
       <p:ext uri="{BB962C8B-B14F-4D97-AF65-F5344CB8AC3E}">
-        <p14:creationId xmlns:p14="http://schemas.microsoft.com/office/powerpoint/2010/main" val="3826304893"/>
+        <p14:creationId xmlns:p14="http://schemas.microsoft.com/office/powerpoint/2010/main" val="2218358788"/>
       </p:ext>
     </p:extLst>
   </p:cSld>
@@ -2891,8 +2891,8 @@
         </p:nvSpPr>
         <p:spPr>
           <a:xfrm>
-            <a:off x="813425" y="230908"/>
-            <a:ext cx="10204788" cy="838296"/>
+            <a:off x="813425" y="211722"/>
+            <a:ext cx="10204788" cy="768643"/>
           </a:xfrm>
           <a:prstGeom prst="rect">
             <a:avLst/>
@@ -2924,8 +2924,8 @@
         </p:nvSpPr>
         <p:spPr>
           <a:xfrm>
-            <a:off x="813425" y="1154539"/>
-            <a:ext cx="10204788" cy="2751818"/>
+            <a:off x="813425" y="1058609"/>
+            <a:ext cx="10204788" cy="2523172"/>
           </a:xfrm>
           <a:prstGeom prst="rect">
             <a:avLst/>
@@ -2986,8 +2986,8 @@
         </p:nvSpPr>
         <p:spPr>
           <a:xfrm>
-            <a:off x="813425" y="4019803"/>
-            <a:ext cx="2662119" cy="230908"/>
+            <a:off x="813425" y="3685801"/>
+            <a:ext cx="2662119" cy="211722"/>
           </a:xfrm>
           <a:prstGeom prst="rect">
             <a:avLst/>
@@ -2997,7 +2997,7 @@
           <a:bodyPr vert="horz" lIns="91440" tIns="45720" rIns="91440" bIns="45720" rtlCol="0" anchor="ctr"/>
           <a:lstStyle>
             <a:lvl1pPr algn="l">
-              <a:defRPr sz="759">
+              <a:defRPr sz="696">
                 <a:solidFill>
                   <a:schemeClr val="tx1">
                     <a:tint val="75000"/>
@@ -3009,7 +3009,7 @@
           <a:p>
             <a:fld id="{A627DF43-A246-43EE-926C-71914852C54A}" type="datetimeFigureOut">
               <a:rPr lang="zh-CN" altLang="en-US" smtClean="0"/>
-              <a:t>2020/12/10</a:t>
+              <a:t>2020/12/13</a:t>
             </a:fld>
             <a:endParaRPr lang="zh-CN" altLang="en-US"/>
           </a:p>
@@ -3027,8 +3027,8 @@
         </p:nvSpPr>
         <p:spPr>
           <a:xfrm>
-            <a:off x="3919230" y="4019803"/>
-            <a:ext cx="3993178" cy="230908"/>
+            <a:off x="3919230" y="3685801"/>
+            <a:ext cx="3993178" cy="211722"/>
           </a:xfrm>
           <a:prstGeom prst="rect">
             <a:avLst/>
@@ -3038,7 +3038,7 @@
           <a:bodyPr vert="horz" lIns="91440" tIns="45720" rIns="91440" bIns="45720" rtlCol="0" anchor="ctr"/>
           <a:lstStyle>
             <a:lvl1pPr algn="ctr">
-              <a:defRPr sz="759">
+              <a:defRPr sz="696">
                 <a:solidFill>
                   <a:schemeClr val="tx1">
                     <a:tint val="75000"/>
@@ -3064,8 +3064,8 @@
         </p:nvSpPr>
         <p:spPr>
           <a:xfrm>
-            <a:off x="8356094" y="4019803"/>
-            <a:ext cx="2662119" cy="230908"/>
+            <a:off x="8356094" y="3685801"/>
+            <a:ext cx="2662119" cy="211722"/>
           </a:xfrm>
           <a:prstGeom prst="rect">
             <a:avLst/>
@@ -3075,7 +3075,7 @@
           <a:bodyPr vert="horz" lIns="91440" tIns="45720" rIns="91440" bIns="45720" rtlCol="0" anchor="ctr"/>
           <a:lstStyle>
             <a:lvl1pPr algn="r">
-              <a:defRPr sz="759">
+              <a:defRPr sz="696">
                 <a:solidFill>
                   <a:schemeClr val="tx1">
                     <a:tint val="75000"/>
@@ -3096,27 +3096,27 @@
     </p:spTree>
     <p:extLst>
       <p:ext uri="{BB962C8B-B14F-4D97-AF65-F5344CB8AC3E}">
-        <p14:creationId xmlns:p14="http://schemas.microsoft.com/office/powerpoint/2010/main" val="493184758"/>
+        <p14:creationId xmlns:p14="http://schemas.microsoft.com/office/powerpoint/2010/main" val="2124446154"/>
       </p:ext>
     </p:extLst>
   </p:cSld>
   <p:clrMap bg1="lt1" tx1="dk1" bg2="lt2" tx2="dk2" accent1="accent1" accent2="accent2" accent3="accent3" accent4="accent4" accent5="accent5" accent6="accent6" hlink="hlink" folHlink="folHlink"/>
   <p:sldLayoutIdLst>
-    <p:sldLayoutId id="2147483685" r:id="rId1"/>
-    <p:sldLayoutId id="2147483686" r:id="rId2"/>
-    <p:sldLayoutId id="2147483687" r:id="rId3"/>
-    <p:sldLayoutId id="2147483688" r:id="rId4"/>
-    <p:sldLayoutId id="2147483689" r:id="rId5"/>
-    <p:sldLayoutId id="2147483690" r:id="rId6"/>
-    <p:sldLayoutId id="2147483691" r:id="rId7"/>
-    <p:sldLayoutId id="2147483692" r:id="rId8"/>
-    <p:sldLayoutId id="2147483693" r:id="rId9"/>
-    <p:sldLayoutId id="2147483694" r:id="rId10"/>
-    <p:sldLayoutId id="2147483695" r:id="rId11"/>
+    <p:sldLayoutId id="2147483697" r:id="rId1"/>
+    <p:sldLayoutId id="2147483698" r:id="rId2"/>
+    <p:sldLayoutId id="2147483699" r:id="rId3"/>
+    <p:sldLayoutId id="2147483700" r:id="rId4"/>
+    <p:sldLayoutId id="2147483701" r:id="rId5"/>
+    <p:sldLayoutId id="2147483702" r:id="rId6"/>
+    <p:sldLayoutId id="2147483703" r:id="rId7"/>
+    <p:sldLayoutId id="2147483704" r:id="rId8"/>
+    <p:sldLayoutId id="2147483705" r:id="rId9"/>
+    <p:sldLayoutId id="2147483706" r:id="rId10"/>
+    <p:sldLayoutId id="2147483707" r:id="rId11"/>
   </p:sldLayoutIdLst>
   <p:txStyles>
     <p:titleStyle>
-      <a:lvl1pPr algn="l" defTabSz="578267" rtl="0" eaLnBrk="1" latinLnBrk="0" hangingPunct="1">
+      <a:lvl1pPr algn="l" defTabSz="530261" rtl="0" eaLnBrk="1" latinLnBrk="0" hangingPunct="1">
         <a:lnSpc>
           <a:spcPct val="90000"/>
         </a:lnSpc>
@@ -3124,7 +3124,7 @@
           <a:spcPct val="0"/>
         </a:spcBef>
         <a:buNone/>
-        <a:defRPr sz="2783" kern="1200">
+        <a:defRPr sz="2552" kern="1200">
           <a:solidFill>
             <a:schemeClr val="tx1"/>
           </a:solidFill>
@@ -3135,16 +3135,16 @@
       </a:lvl1pPr>
     </p:titleStyle>
     <p:bodyStyle>
-      <a:lvl1pPr marL="144567" indent="-144567" algn="l" defTabSz="578267" rtl="0" eaLnBrk="1" latinLnBrk="0" hangingPunct="1">
+      <a:lvl1pPr marL="132565" indent="-132565" algn="l" defTabSz="530261" rtl="0" eaLnBrk="1" latinLnBrk="0" hangingPunct="1">
         <a:lnSpc>
           <a:spcPct val="90000"/>
         </a:lnSpc>
         <a:spcBef>
-          <a:spcPts val="632"/>
+          <a:spcPts val="580"/>
         </a:spcBef>
         <a:buFont typeface="Arial" panose="020B0604020202020204" pitchFamily="34" charset="0"/>
         <a:buChar char="•"/>
-        <a:defRPr sz="1771" kern="1200">
+        <a:defRPr sz="1624" kern="1200">
           <a:solidFill>
             <a:schemeClr val="tx1"/>
           </a:solidFill>
@@ -3153,16 +3153,16 @@
           <a:cs typeface="+mn-cs"/>
         </a:defRPr>
       </a:lvl1pPr>
-      <a:lvl2pPr marL="433700" indent="-144567" algn="l" defTabSz="578267" rtl="0" eaLnBrk="1" latinLnBrk="0" hangingPunct="1">
+      <a:lvl2pPr marL="397695" indent="-132565" algn="l" defTabSz="530261" rtl="0" eaLnBrk="1" latinLnBrk="0" hangingPunct="1">
         <a:lnSpc>
           <a:spcPct val="90000"/>
         </a:lnSpc>
         <a:spcBef>
-          <a:spcPts val="316"/>
+          <a:spcPts val="290"/>
         </a:spcBef>
         <a:buFont typeface="Arial" panose="020B0604020202020204" pitchFamily="34" charset="0"/>
         <a:buChar char="•"/>
-        <a:defRPr sz="1518" kern="1200">
+        <a:defRPr sz="1392" kern="1200">
           <a:solidFill>
             <a:schemeClr val="tx1"/>
           </a:solidFill>
@@ -3171,16 +3171,16 @@
           <a:cs typeface="+mn-cs"/>
         </a:defRPr>
       </a:lvl2pPr>
-      <a:lvl3pPr marL="722833" indent="-144567" algn="l" defTabSz="578267" rtl="0" eaLnBrk="1" latinLnBrk="0" hangingPunct="1">
+      <a:lvl3pPr marL="662826" indent="-132565" algn="l" defTabSz="530261" rtl="0" eaLnBrk="1" latinLnBrk="0" hangingPunct="1">
         <a:lnSpc>
           <a:spcPct val="90000"/>
         </a:lnSpc>
         <a:spcBef>
-          <a:spcPts val="316"/>
+          <a:spcPts val="290"/>
         </a:spcBef>
         <a:buFont typeface="Arial" panose="020B0604020202020204" pitchFamily="34" charset="0"/>
         <a:buChar char="•"/>
-        <a:defRPr sz="1265" kern="1200">
+        <a:defRPr sz="1160" kern="1200">
           <a:solidFill>
             <a:schemeClr val="tx1"/>
           </a:solidFill>
@@ -3189,16 +3189,16 @@
           <a:cs typeface="+mn-cs"/>
         </a:defRPr>
       </a:lvl3pPr>
-      <a:lvl4pPr marL="1011966" indent="-144567" algn="l" defTabSz="578267" rtl="0" eaLnBrk="1" latinLnBrk="0" hangingPunct="1">
+      <a:lvl4pPr marL="927956" indent="-132565" algn="l" defTabSz="530261" rtl="0" eaLnBrk="1" latinLnBrk="0" hangingPunct="1">
         <a:lnSpc>
           <a:spcPct val="90000"/>
         </a:lnSpc>
         <a:spcBef>
-          <a:spcPts val="316"/>
+          <a:spcPts val="290"/>
         </a:spcBef>
         <a:buFont typeface="Arial" panose="020B0604020202020204" pitchFamily="34" charset="0"/>
         <a:buChar char="•"/>
-        <a:defRPr sz="1138" kern="1200">
+        <a:defRPr sz="1044" kern="1200">
           <a:solidFill>
             <a:schemeClr val="tx1"/>
           </a:solidFill>
@@ -3207,16 +3207,16 @@
           <a:cs typeface="+mn-cs"/>
         </a:defRPr>
       </a:lvl4pPr>
-      <a:lvl5pPr marL="1301100" indent="-144567" algn="l" defTabSz="578267" rtl="0" eaLnBrk="1" latinLnBrk="0" hangingPunct="1">
+      <a:lvl5pPr marL="1193086" indent="-132565" algn="l" defTabSz="530261" rtl="0" eaLnBrk="1" latinLnBrk="0" hangingPunct="1">
         <a:lnSpc>
           <a:spcPct val="90000"/>
         </a:lnSpc>
         <a:spcBef>
-          <a:spcPts val="316"/>
+          <a:spcPts val="290"/>
         </a:spcBef>
         <a:buFont typeface="Arial" panose="020B0604020202020204" pitchFamily="34" charset="0"/>
         <a:buChar char="•"/>
-        <a:defRPr sz="1138" kern="1200">
+        <a:defRPr sz="1044" kern="1200">
           <a:solidFill>
             <a:schemeClr val="tx1"/>
           </a:solidFill>
@@ -3225,16 +3225,16 @@
           <a:cs typeface="+mn-cs"/>
         </a:defRPr>
       </a:lvl5pPr>
-      <a:lvl6pPr marL="1590233" indent="-144567" algn="l" defTabSz="578267" rtl="0" eaLnBrk="1" latinLnBrk="0" hangingPunct="1">
+      <a:lvl6pPr marL="1458217" indent="-132565" algn="l" defTabSz="530261" rtl="0" eaLnBrk="1" latinLnBrk="0" hangingPunct="1">
         <a:lnSpc>
           <a:spcPct val="90000"/>
         </a:lnSpc>
         <a:spcBef>
-          <a:spcPts val="316"/>
+          <a:spcPts val="290"/>
         </a:spcBef>
         <a:buFont typeface="Arial" panose="020B0604020202020204" pitchFamily="34" charset="0"/>
         <a:buChar char="•"/>
-        <a:defRPr sz="1138" kern="1200">
+        <a:defRPr sz="1044" kern="1200">
           <a:solidFill>
             <a:schemeClr val="tx1"/>
           </a:solidFill>
@@ -3243,16 +3243,16 @@
           <a:cs typeface="+mn-cs"/>
         </a:defRPr>
       </a:lvl6pPr>
-      <a:lvl7pPr marL="1879366" indent="-144567" algn="l" defTabSz="578267" rtl="0" eaLnBrk="1" latinLnBrk="0" hangingPunct="1">
+      <a:lvl7pPr marL="1723347" indent="-132565" algn="l" defTabSz="530261" rtl="0" eaLnBrk="1" latinLnBrk="0" hangingPunct="1">
         <a:lnSpc>
           <a:spcPct val="90000"/>
         </a:lnSpc>
         <a:spcBef>
-          <a:spcPts val="316"/>
+          <a:spcPts val="290"/>
         </a:spcBef>
         <a:buFont typeface="Arial" panose="020B0604020202020204" pitchFamily="34" charset="0"/>
         <a:buChar char="•"/>
-        <a:defRPr sz="1138" kern="1200">
+        <a:defRPr sz="1044" kern="1200">
           <a:solidFill>
             <a:schemeClr val="tx1"/>
           </a:solidFill>
@@ -3261,16 +3261,16 @@
           <a:cs typeface="+mn-cs"/>
         </a:defRPr>
       </a:lvl7pPr>
-      <a:lvl8pPr marL="2168500" indent="-144567" algn="l" defTabSz="578267" rtl="0" eaLnBrk="1" latinLnBrk="0" hangingPunct="1">
+      <a:lvl8pPr marL="1988477" indent="-132565" algn="l" defTabSz="530261" rtl="0" eaLnBrk="1" latinLnBrk="0" hangingPunct="1">
         <a:lnSpc>
           <a:spcPct val="90000"/>
         </a:lnSpc>
         <a:spcBef>
-          <a:spcPts val="316"/>
+          <a:spcPts val="290"/>
         </a:spcBef>
         <a:buFont typeface="Arial" panose="020B0604020202020204" pitchFamily="34" charset="0"/>
         <a:buChar char="•"/>
-        <a:defRPr sz="1138" kern="1200">
+        <a:defRPr sz="1044" kern="1200">
           <a:solidFill>
             <a:schemeClr val="tx1"/>
           </a:solidFill>
@@ -3279,16 +3279,16 @@
           <a:cs typeface="+mn-cs"/>
         </a:defRPr>
       </a:lvl8pPr>
-      <a:lvl9pPr marL="2457633" indent="-144567" algn="l" defTabSz="578267" rtl="0" eaLnBrk="1" latinLnBrk="0" hangingPunct="1">
+      <a:lvl9pPr marL="2253607" indent="-132565" algn="l" defTabSz="530261" rtl="0" eaLnBrk="1" latinLnBrk="0" hangingPunct="1">
         <a:lnSpc>
           <a:spcPct val="90000"/>
         </a:lnSpc>
         <a:spcBef>
-          <a:spcPts val="316"/>
+          <a:spcPts val="290"/>
         </a:spcBef>
         <a:buFont typeface="Arial" panose="020B0604020202020204" pitchFamily="34" charset="0"/>
         <a:buChar char="•"/>
-        <a:defRPr sz="1138" kern="1200">
+        <a:defRPr sz="1044" kern="1200">
           <a:solidFill>
             <a:schemeClr val="tx1"/>
           </a:solidFill>
@@ -3302,8 +3302,8 @@
       <a:defPPr>
         <a:defRPr lang="en-US"/>
       </a:defPPr>
-      <a:lvl1pPr marL="0" algn="l" defTabSz="578267" rtl="0" eaLnBrk="1" latinLnBrk="0" hangingPunct="1">
-        <a:defRPr sz="1138" kern="1200">
+      <a:lvl1pPr marL="0" algn="l" defTabSz="530261" rtl="0" eaLnBrk="1" latinLnBrk="0" hangingPunct="1">
+        <a:defRPr sz="1044" kern="1200">
           <a:solidFill>
             <a:schemeClr val="tx1"/>
           </a:solidFill>
@@ -3312,8 +3312,8 @@
           <a:cs typeface="+mn-cs"/>
         </a:defRPr>
       </a:lvl1pPr>
-      <a:lvl2pPr marL="289133" algn="l" defTabSz="578267" rtl="0" eaLnBrk="1" latinLnBrk="0" hangingPunct="1">
-        <a:defRPr sz="1138" kern="1200">
+      <a:lvl2pPr marL="265130" algn="l" defTabSz="530261" rtl="0" eaLnBrk="1" latinLnBrk="0" hangingPunct="1">
+        <a:defRPr sz="1044" kern="1200">
           <a:solidFill>
             <a:schemeClr val="tx1"/>
           </a:solidFill>
@@ -3322,8 +3322,8 @@
           <a:cs typeface="+mn-cs"/>
         </a:defRPr>
       </a:lvl2pPr>
-      <a:lvl3pPr marL="578267" algn="l" defTabSz="578267" rtl="0" eaLnBrk="1" latinLnBrk="0" hangingPunct="1">
-        <a:defRPr sz="1138" kern="1200">
+      <a:lvl3pPr marL="530261" algn="l" defTabSz="530261" rtl="0" eaLnBrk="1" latinLnBrk="0" hangingPunct="1">
+        <a:defRPr sz="1044" kern="1200">
           <a:solidFill>
             <a:schemeClr val="tx1"/>
           </a:solidFill>
@@ -3332,8 +3332,8 @@
           <a:cs typeface="+mn-cs"/>
         </a:defRPr>
       </a:lvl3pPr>
-      <a:lvl4pPr marL="867400" algn="l" defTabSz="578267" rtl="0" eaLnBrk="1" latinLnBrk="0" hangingPunct="1">
-        <a:defRPr sz="1138" kern="1200">
+      <a:lvl4pPr marL="795391" algn="l" defTabSz="530261" rtl="0" eaLnBrk="1" latinLnBrk="0" hangingPunct="1">
+        <a:defRPr sz="1044" kern="1200">
           <a:solidFill>
             <a:schemeClr val="tx1"/>
           </a:solidFill>
@@ -3342,8 +3342,8 @@
           <a:cs typeface="+mn-cs"/>
         </a:defRPr>
       </a:lvl4pPr>
-      <a:lvl5pPr marL="1156533" algn="l" defTabSz="578267" rtl="0" eaLnBrk="1" latinLnBrk="0" hangingPunct="1">
-        <a:defRPr sz="1138" kern="1200">
+      <a:lvl5pPr marL="1060521" algn="l" defTabSz="530261" rtl="0" eaLnBrk="1" latinLnBrk="0" hangingPunct="1">
+        <a:defRPr sz="1044" kern="1200">
           <a:solidFill>
             <a:schemeClr val="tx1"/>
           </a:solidFill>
@@ -3352,8 +3352,8 @@
           <a:cs typeface="+mn-cs"/>
         </a:defRPr>
       </a:lvl5pPr>
-      <a:lvl6pPr marL="1445666" algn="l" defTabSz="578267" rtl="0" eaLnBrk="1" latinLnBrk="0" hangingPunct="1">
-        <a:defRPr sz="1138" kern="1200">
+      <a:lvl6pPr marL="1325651" algn="l" defTabSz="530261" rtl="0" eaLnBrk="1" latinLnBrk="0" hangingPunct="1">
+        <a:defRPr sz="1044" kern="1200">
           <a:solidFill>
             <a:schemeClr val="tx1"/>
           </a:solidFill>
@@ -3362,8 +3362,8 @@
           <a:cs typeface="+mn-cs"/>
         </a:defRPr>
       </a:lvl6pPr>
-      <a:lvl7pPr marL="1734800" algn="l" defTabSz="578267" rtl="0" eaLnBrk="1" latinLnBrk="0" hangingPunct="1">
-        <a:defRPr sz="1138" kern="1200">
+      <a:lvl7pPr marL="1590782" algn="l" defTabSz="530261" rtl="0" eaLnBrk="1" latinLnBrk="0" hangingPunct="1">
+        <a:defRPr sz="1044" kern="1200">
           <a:solidFill>
             <a:schemeClr val="tx1"/>
           </a:solidFill>
@@ -3372,8 +3372,8 @@
           <a:cs typeface="+mn-cs"/>
         </a:defRPr>
       </a:lvl7pPr>
-      <a:lvl8pPr marL="2023933" algn="l" defTabSz="578267" rtl="0" eaLnBrk="1" latinLnBrk="0" hangingPunct="1">
-        <a:defRPr sz="1138" kern="1200">
+      <a:lvl8pPr marL="1855912" algn="l" defTabSz="530261" rtl="0" eaLnBrk="1" latinLnBrk="0" hangingPunct="1">
+        <a:defRPr sz="1044" kern="1200">
           <a:solidFill>
             <a:schemeClr val="tx1"/>
           </a:solidFill>
@@ -3382,8 +3382,8 @@
           <a:cs typeface="+mn-cs"/>
         </a:defRPr>
       </a:lvl8pPr>
-      <a:lvl9pPr marL="2313066" algn="l" defTabSz="578267" rtl="0" eaLnBrk="1" latinLnBrk="0" hangingPunct="1">
-        <a:defRPr sz="1138" kern="1200">
+      <a:lvl9pPr marL="2121042" algn="l" defTabSz="530261" rtl="0" eaLnBrk="1" latinLnBrk="0" hangingPunct="1">
+        <a:defRPr sz="1044" kern="1200">
           <a:solidFill>
             <a:schemeClr val="tx1"/>
           </a:solidFill>
@@ -3428,8 +3428,8 @@
         </p:nvSpPr>
         <p:spPr>
           <a:xfrm>
-            <a:off x="410791" y="283293"/>
-            <a:ext cx="3410927" cy="3915600"/>
+            <a:off x="410794" y="543567"/>
+            <a:ext cx="3388416" cy="3281782"/>
           </a:xfrm>
           <a:prstGeom prst="rect">
             <a:avLst/>
@@ -3456,7 +3456,7 @@
           <a:lstStyle/>
           <a:p>
             <a:pPr algn="ctr"/>
-            <a:endParaRPr lang="zh-CN" altLang="en-US" b="1" dirty="0">
+            <a:endParaRPr lang="zh-CN" altLang="en-US" sz="1799" b="1" dirty="0">
               <a:latin typeface="Consolas" panose="020B0609020204030204" pitchFamily="49" charset="0"/>
             </a:endParaRPr>
           </a:p>
@@ -3478,8 +3478,8 @@
             </p:nvSpPr>
             <p:spPr>
               <a:xfrm>
-                <a:off x="573493" y="3344591"/>
-                <a:ext cx="728869" cy="410817"/>
+                <a:off x="573495" y="3164411"/>
+                <a:ext cx="728869" cy="410816"/>
               </a:xfrm>
               <a:prstGeom prst="rect">
                 <a:avLst/>
@@ -3521,14 +3521,14 @@
                       <m:sSub>
                         <m:sSubPr>
                           <m:ctrlPr>
-                            <a:rPr lang="en-US" altLang="zh-CN" i="1">
+                            <a:rPr lang="en-US" altLang="zh-CN" sz="1799" i="1">
                               <a:latin typeface="Cambria Math" panose="02040503050406030204" pitchFamily="18" charset="0"/>
                             </a:rPr>
                           </m:ctrlPr>
                         </m:sSubPr>
                         <m:e>
                           <m:r>
-                            <a:rPr lang="en-US" altLang="zh-CN" i="1">
+                            <a:rPr lang="en-US" altLang="zh-CN" sz="1799" i="1">
                               <a:latin typeface="Cambria Math" panose="02040503050406030204" pitchFamily="18" charset="0"/>
                             </a:rPr>
                             <m:t>𝑐</m:t>
@@ -3536,7 +3536,7 @@
                         </m:e>
                         <m:sub>
                           <m:r>
-                            <a:rPr lang="en-US" altLang="zh-CN" i="1">
+                            <a:rPr lang="en-US" altLang="zh-CN" sz="1799" i="1">
                               <a:latin typeface="Cambria Math" panose="02040503050406030204" pitchFamily="18" charset="0"/>
                             </a:rPr>
                             <m:t>1</m:t>
@@ -3546,7 +3546,7 @@
                     </m:oMath>
                   </m:oMathPara>
                 </a14:m>
-                <a:endParaRPr lang="zh-CN" altLang="en-US" dirty="0"/>
+                <a:endParaRPr lang="zh-CN" altLang="en-US" sz="1799" dirty="0"/>
               </a:p>
             </p:txBody>
           </p:sp>
@@ -3568,8 +3568,8 @@
             </p:nvSpPr>
             <p:spPr>
               <a:xfrm>
-                <a:off x="573493" y="3344591"/>
-                <a:ext cx="728869" cy="410817"/>
+                <a:off x="573495" y="3164411"/>
+                <a:ext cx="728869" cy="410816"/>
               </a:xfrm>
               <a:prstGeom prst="rect">
                 <a:avLst/>
@@ -3620,8 +3620,8 @@
             </p:nvSpPr>
             <p:spPr>
               <a:xfrm>
-                <a:off x="1302362" y="3344591"/>
-                <a:ext cx="728869" cy="410817"/>
+                <a:off x="1302363" y="3164411"/>
+                <a:ext cx="728869" cy="410816"/>
               </a:xfrm>
               <a:prstGeom prst="rect">
                 <a:avLst/>
@@ -3663,14 +3663,14 @@
                       <m:sSub>
                         <m:sSubPr>
                           <m:ctrlPr>
-                            <a:rPr lang="en-US" altLang="zh-CN" i="1">
+                            <a:rPr lang="en-US" altLang="zh-CN" sz="1799" i="1">
                               <a:latin typeface="Cambria Math" panose="02040503050406030204" pitchFamily="18" charset="0"/>
                             </a:rPr>
                           </m:ctrlPr>
                         </m:sSubPr>
                         <m:e>
                           <m:r>
-                            <a:rPr lang="en-US" altLang="zh-CN" i="1">
+                            <a:rPr lang="en-US" altLang="zh-CN" sz="1799" i="1">
                               <a:latin typeface="Cambria Math" panose="02040503050406030204" pitchFamily="18" charset="0"/>
                             </a:rPr>
                             <m:t>𝑐</m:t>
@@ -3678,7 +3678,7 @@
                         </m:e>
                         <m:sub>
                           <m:r>
-                            <a:rPr lang="en-US" altLang="zh-CN" i="1">
+                            <a:rPr lang="en-US" altLang="zh-CN" sz="1799" i="1">
                               <a:latin typeface="Cambria Math" panose="02040503050406030204" pitchFamily="18" charset="0"/>
                             </a:rPr>
                             <m:t>2</m:t>
@@ -3688,7 +3688,7 @@
                     </m:oMath>
                   </m:oMathPara>
                 </a14:m>
-                <a:endParaRPr lang="zh-CN" altLang="en-US" dirty="0"/>
+                <a:endParaRPr lang="zh-CN" altLang="en-US" sz="1799" dirty="0"/>
               </a:p>
             </p:txBody>
           </p:sp>
@@ -3710,8 +3710,8 @@
             </p:nvSpPr>
             <p:spPr>
               <a:xfrm>
-                <a:off x="1302362" y="3344591"/>
-                <a:ext cx="728869" cy="410817"/>
+                <a:off x="1302363" y="3164411"/>
+                <a:ext cx="728869" cy="410816"/>
               </a:xfrm>
               <a:prstGeom prst="rect">
                 <a:avLst/>
@@ -3762,8 +3762,8 @@
             </p:nvSpPr>
             <p:spPr>
               <a:xfrm>
-                <a:off x="2480304" y="3350963"/>
-                <a:ext cx="728869" cy="410817"/>
+                <a:off x="2480306" y="3170783"/>
+                <a:ext cx="728869" cy="410816"/>
               </a:xfrm>
               <a:prstGeom prst="rect">
                 <a:avLst/>
@@ -3805,14 +3805,14 @@
                       <m:sSub>
                         <m:sSubPr>
                           <m:ctrlPr>
-                            <a:rPr lang="en-US" altLang="zh-CN" i="1">
+                            <a:rPr lang="en-US" altLang="zh-CN" sz="1799" i="1">
                               <a:latin typeface="Cambria Math" panose="02040503050406030204" pitchFamily="18" charset="0"/>
                             </a:rPr>
                           </m:ctrlPr>
                         </m:sSubPr>
                         <m:e>
                           <m:r>
-                            <a:rPr lang="en-US" altLang="zh-CN" i="1">
+                            <a:rPr lang="en-US" altLang="zh-CN" sz="1799" i="1">
                               <a:latin typeface="Cambria Math" panose="02040503050406030204" pitchFamily="18" charset="0"/>
                             </a:rPr>
                             <m:t>𝑐</m:t>
@@ -3822,14 +3822,14 @@
                           <m:sSub>
                             <m:sSubPr>
                               <m:ctrlPr>
-                                <a:rPr lang="en-US" altLang="zh-CN" i="1">
+                                <a:rPr lang="en-US" altLang="zh-CN" sz="1799" i="1">
                                   <a:latin typeface="Cambria Math" panose="02040503050406030204" pitchFamily="18" charset="0"/>
                                 </a:rPr>
                               </m:ctrlPr>
                             </m:sSubPr>
                             <m:e>
                               <m:r>
-                                <a:rPr lang="en-US" altLang="zh-CN" i="1">
+                                <a:rPr lang="en-US" altLang="zh-CN" sz="1799" i="1">
                                   <a:latin typeface="Cambria Math" panose="02040503050406030204" pitchFamily="18" charset="0"/>
                                 </a:rPr>
                                 <m:t>𝑘</m:t>
@@ -3837,7 +3837,7 @@
                             </m:e>
                             <m:sub>
                               <m:r>
-                                <a:rPr lang="en-US" altLang="zh-CN" i="1">
+                                <a:rPr lang="en-US" altLang="zh-CN" sz="1799" i="1">
                                   <a:latin typeface="Cambria Math" panose="02040503050406030204" pitchFamily="18" charset="0"/>
                                 </a:rPr>
                                 <m:t>2</m:t>
@@ -3849,7 +3849,7 @@
                     </m:oMath>
                   </m:oMathPara>
                 </a14:m>
-                <a:endParaRPr lang="zh-CN" altLang="en-US" dirty="0"/>
+                <a:endParaRPr lang="zh-CN" altLang="en-US" sz="1799" dirty="0"/>
               </a:p>
             </p:txBody>
           </p:sp>
@@ -3871,8 +3871,8 @@
             </p:nvSpPr>
             <p:spPr>
               <a:xfrm>
-                <a:off x="2480304" y="3350963"/>
-                <a:ext cx="728869" cy="410817"/>
+                <a:off x="2480306" y="3170783"/>
+                <a:ext cx="728869" cy="410816"/>
               </a:xfrm>
               <a:prstGeom prst="rect">
                 <a:avLst/>
@@ -3923,7 +3923,7 @@
             </p:nvSpPr>
             <p:spPr>
               <a:xfrm>
-                <a:off x="973279" y="2996043"/>
+                <a:off x="973279" y="2815862"/>
                 <a:ext cx="2108334" cy="338554"/>
               </a:xfrm>
               <a:prstGeom prst="rect">
@@ -4002,7 +4002,7 @@
             </p:nvSpPr>
             <p:spPr>
               <a:xfrm>
-                <a:off x="973279" y="2996043"/>
+                <a:off x="973279" y="2815862"/>
                 <a:ext cx="2108334" cy="338554"/>
               </a:xfrm>
               <a:prstGeom prst="rect">
@@ -4011,7 +4011,7 @@
               <a:blipFill>
                 <a:blip r:embed="rId6"/>
                 <a:stretch>
-                  <a:fillRect l="-1734" t="-5357" r="-289" b="-21429"/>
+                  <a:fillRect l="-1734" t="-5455" r="-289" b="-23636"/>
                 </a:stretch>
               </a:blipFill>
             </p:spPr>
@@ -4046,8 +4046,8 @@
             </p:nvSpPr>
             <p:spPr>
               <a:xfrm>
-                <a:off x="548052" y="1499307"/>
-                <a:ext cx="728869" cy="410817"/>
+                <a:off x="548053" y="1319127"/>
+                <a:ext cx="728869" cy="410816"/>
               </a:xfrm>
               <a:prstGeom prst="rect">
                 <a:avLst/>
@@ -4089,14 +4089,14 @@
                       <m:sSub>
                         <m:sSubPr>
                           <m:ctrlPr>
-                            <a:rPr lang="en-US" altLang="zh-CN" i="1">
+                            <a:rPr lang="en-US" altLang="zh-CN" sz="1799" i="1">
                               <a:latin typeface="Cambria Math" panose="02040503050406030204" pitchFamily="18" charset="0"/>
                             </a:rPr>
                           </m:ctrlPr>
                         </m:sSubPr>
                         <m:e>
                           <m:r>
-                            <a:rPr lang="zh-CN" altLang="en-US" i="1">
+                            <a:rPr lang="zh-CN" altLang="en-US" sz="1799" i="1">
                               <a:latin typeface="Cambria Math" panose="02040503050406030204" pitchFamily="18" charset="0"/>
                             </a:rPr>
                             <m:t>𝒆</m:t>
@@ -4104,7 +4104,7 @@
                         </m:e>
                         <m:sub>
                           <m:r>
-                            <a:rPr lang="en-US" altLang="zh-CN" i="1">
+                            <a:rPr lang="en-US" altLang="zh-CN" sz="1799" i="1">
                               <a:latin typeface="Cambria Math" panose="02040503050406030204" pitchFamily="18" charset="0"/>
                             </a:rPr>
                             <m:t>1</m:t>
@@ -4114,7 +4114,7 @@
                     </m:oMath>
                   </m:oMathPara>
                 </a14:m>
-                <a:endParaRPr lang="zh-CN" altLang="en-US" dirty="0"/>
+                <a:endParaRPr lang="zh-CN" altLang="en-US" sz="1799" dirty="0"/>
               </a:p>
             </p:txBody>
           </p:sp>
@@ -4136,8 +4136,8 @@
             </p:nvSpPr>
             <p:spPr>
               <a:xfrm>
-                <a:off x="548052" y="1499307"/>
-                <a:ext cx="728869" cy="410817"/>
+                <a:off x="548053" y="1319127"/>
+                <a:ext cx="728869" cy="410816"/>
               </a:xfrm>
               <a:prstGeom prst="rect">
                 <a:avLst/>
@@ -4188,8 +4188,8 @@
             </p:nvSpPr>
             <p:spPr>
               <a:xfrm>
-                <a:off x="1276920" y="1499307"/>
-                <a:ext cx="728869" cy="410817"/>
+                <a:off x="1276921" y="1319127"/>
+                <a:ext cx="728869" cy="410816"/>
               </a:xfrm>
               <a:prstGeom prst="rect">
                 <a:avLst/>
@@ -4231,14 +4231,14 @@
                       <m:sSub>
                         <m:sSubPr>
                           <m:ctrlPr>
-                            <a:rPr lang="en-US" altLang="zh-CN" i="1">
+                            <a:rPr lang="en-US" altLang="zh-CN" sz="1799" i="1">
                               <a:latin typeface="Cambria Math" panose="02040503050406030204" pitchFamily="18" charset="0"/>
                             </a:rPr>
                           </m:ctrlPr>
                         </m:sSubPr>
                         <m:e>
                           <m:r>
-                            <a:rPr lang="zh-CN" altLang="en-US" i="1">
+                            <a:rPr lang="zh-CN" altLang="en-US" sz="1799" i="1">
                               <a:latin typeface="Cambria Math" panose="02040503050406030204" pitchFamily="18" charset="0"/>
                             </a:rPr>
                             <m:t>𝒆</m:t>
@@ -4246,7 +4246,7 @@
                         </m:e>
                         <m:sub>
                           <m:r>
-                            <a:rPr lang="en-US" altLang="zh-CN" i="1">
+                            <a:rPr lang="en-US" altLang="zh-CN" sz="1799" i="1">
                               <a:latin typeface="Cambria Math" panose="02040503050406030204" pitchFamily="18" charset="0"/>
                             </a:rPr>
                             <m:t>2</m:t>
@@ -4256,7 +4256,7 @@
                     </m:oMath>
                   </m:oMathPara>
                 </a14:m>
-                <a:endParaRPr lang="zh-CN" altLang="en-US" dirty="0"/>
+                <a:endParaRPr lang="zh-CN" altLang="en-US" sz="1799" dirty="0"/>
               </a:p>
             </p:txBody>
           </p:sp>
@@ -4278,8 +4278,8 @@
             </p:nvSpPr>
             <p:spPr>
               <a:xfrm>
-                <a:off x="1276920" y="1499307"/>
-                <a:ext cx="728869" cy="410817"/>
+                <a:off x="1276921" y="1319127"/>
+                <a:ext cx="728869" cy="410816"/>
               </a:xfrm>
               <a:prstGeom prst="rect">
                 <a:avLst/>
@@ -4330,8 +4330,8 @@
             </p:nvSpPr>
             <p:spPr>
               <a:xfrm>
-                <a:off x="2623390" y="1493383"/>
-                <a:ext cx="728869" cy="410817"/>
+                <a:off x="2623391" y="1313203"/>
+                <a:ext cx="728869" cy="410816"/>
               </a:xfrm>
               <a:prstGeom prst="rect">
                 <a:avLst/>
@@ -4373,14 +4373,14 @@
                       <m:sSub>
                         <m:sSubPr>
                           <m:ctrlPr>
-                            <a:rPr lang="en-US" altLang="zh-CN" i="1">
+                            <a:rPr lang="en-US" altLang="zh-CN" sz="1799" i="1">
                               <a:latin typeface="Cambria Math" panose="02040503050406030204" pitchFamily="18" charset="0"/>
                             </a:rPr>
                           </m:ctrlPr>
                         </m:sSubPr>
                         <m:e>
                           <m:r>
-                            <a:rPr lang="zh-CN" altLang="en-US" i="1">
+                            <a:rPr lang="zh-CN" altLang="en-US" sz="1799" i="1">
                               <a:latin typeface="Cambria Math" panose="02040503050406030204" pitchFamily="18" charset="0"/>
                             </a:rPr>
                             <m:t>𝒆</m:t>
@@ -4390,14 +4390,14 @@
                           <m:sSub>
                             <m:sSubPr>
                               <m:ctrlPr>
-                                <a:rPr lang="en-US" altLang="zh-CN" i="1">
+                                <a:rPr lang="en-US" altLang="zh-CN" sz="1799" i="1">
                                   <a:latin typeface="Cambria Math" panose="02040503050406030204" pitchFamily="18" charset="0"/>
                                 </a:rPr>
                               </m:ctrlPr>
                             </m:sSubPr>
                             <m:e>
                               <m:r>
-                                <a:rPr lang="en-US" altLang="zh-CN" i="1">
+                                <a:rPr lang="en-US" altLang="zh-CN" sz="1799" i="1">
                                   <a:latin typeface="Cambria Math" panose="02040503050406030204" pitchFamily="18" charset="0"/>
                                 </a:rPr>
                                 <m:t>𝑘</m:t>
@@ -4405,7 +4405,7 @@
                             </m:e>
                             <m:sub>
                               <m:r>
-                                <a:rPr lang="en-US" altLang="zh-CN" i="1">
+                                <a:rPr lang="en-US" altLang="zh-CN" sz="1799" i="1">
                                   <a:latin typeface="Cambria Math" panose="02040503050406030204" pitchFamily="18" charset="0"/>
                                 </a:rPr>
                                 <m:t>1</m:t>
@@ -4417,7 +4417,7 @@
                     </m:oMath>
                   </m:oMathPara>
                 </a14:m>
-                <a:endParaRPr lang="zh-CN" altLang="en-US" dirty="0"/>
+                <a:endParaRPr lang="zh-CN" altLang="en-US" sz="1799" dirty="0"/>
               </a:p>
             </p:txBody>
           </p:sp>
@@ -4439,8 +4439,8 @@
             </p:nvSpPr>
             <p:spPr>
               <a:xfrm>
-                <a:off x="2623390" y="1493383"/>
-                <a:ext cx="728869" cy="410817"/>
+                <a:off x="2623391" y="1313203"/>
+                <a:ext cx="728869" cy="410816"/>
               </a:xfrm>
               <a:prstGeom prst="rect">
                 <a:avLst/>
@@ -4489,7 +4489,7 @@
         </p:nvSpPr>
         <p:spPr>
           <a:xfrm>
-            <a:off x="728735" y="1178520"/>
+            <a:off x="728737" y="998339"/>
             <a:ext cx="2813463" cy="338554"/>
           </a:xfrm>
           <a:prstGeom prst="rect">
@@ -4511,8 +4511,8 @@
           </a:p>
         </p:txBody>
       </p:sp>
-      <mc:AlternateContent xmlns:mc="http://schemas.openxmlformats.org/markup-compatibility/2006" xmlns:a14="http://schemas.microsoft.com/office/drawing/2010/main">
-        <mc:Choice Requires="a14">
+      <mc:AlternateContent xmlns:mc="http://schemas.openxmlformats.org/markup-compatibility/2006">
+        <mc:Choice xmlns:a14="http://schemas.microsoft.com/office/drawing/2010/main" Requires="a14">
           <p:sp>
             <p:nvSpPr>
               <p:cNvPr id="12" name="矩形 11">
@@ -4527,8 +4527,8 @@
             </p:nvSpPr>
             <p:spPr>
               <a:xfrm>
-                <a:off x="506740" y="2394983"/>
-                <a:ext cx="1137786" cy="410817"/>
+                <a:off x="506740" y="2214802"/>
+                <a:ext cx="1137786" cy="410816"/>
               </a:xfrm>
               <a:prstGeom prst="rect">
                 <a:avLst/>
@@ -4570,14 +4570,14 @@
                       <m:sSub>
                         <m:sSubPr>
                           <m:ctrlPr>
-                            <a:rPr lang="en-US" altLang="zh-CN" i="1">
+                            <a:rPr lang="en-US" altLang="zh-CN" sz="1799" i="1">
                               <a:latin typeface="Cambria Math" panose="02040503050406030204" pitchFamily="18" charset="0"/>
                             </a:rPr>
                           </m:ctrlPr>
                         </m:sSubPr>
                         <m:e>
                           <m:r>
-                            <a:rPr lang="zh-CN" altLang="en-US" i="1">
+                            <a:rPr lang="zh-CN" altLang="en-US" sz="1799" i="1">
                               <a:latin typeface="Cambria Math" panose="02040503050406030204" pitchFamily="18" charset="0"/>
                             </a:rPr>
                             <m:t>𝒆</m:t>
@@ -4585,7 +4585,7 @@
                         </m:e>
                         <m:sub>
                           <m:r>
-                            <a:rPr lang="en-US" altLang="zh-CN" i="1">
+                            <a:rPr lang="en-US" altLang="zh-CN" sz="1799" i="1">
                               <a:latin typeface="Cambria Math" panose="02040503050406030204" pitchFamily="18" charset="0"/>
                             </a:rPr>
                             <m:t>2</m:t>
@@ -4593,7 +4593,7 @@
                         </m:sub>
                       </m:sSub>
                       <m:r>
-                        <a:rPr lang="en-US" altLang="zh-CN" i="1">
+                        <a:rPr lang="en-US" altLang="zh-CN" sz="1799" i="1">
                           <a:latin typeface="Cambria Math" panose="02040503050406030204" pitchFamily="18" charset="0"/>
                         </a:rPr>
                         <m:t>−</m:t>
@@ -4601,14 +4601,14 @@
                       <m:sSub>
                         <m:sSubPr>
                           <m:ctrlPr>
-                            <a:rPr lang="en-US" altLang="zh-CN" i="1">
+                            <a:rPr lang="en-US" altLang="zh-CN" sz="1799" i="1">
                               <a:latin typeface="Cambria Math" panose="02040503050406030204" pitchFamily="18" charset="0"/>
                             </a:rPr>
                           </m:ctrlPr>
                         </m:sSubPr>
                         <m:e>
                           <m:r>
-                            <a:rPr lang="zh-CN" altLang="en-US" i="1">
+                            <a:rPr lang="zh-CN" altLang="en-US" sz="1799" i="1">
                               <a:latin typeface="Cambria Math" panose="02040503050406030204" pitchFamily="18" charset="0"/>
                             </a:rPr>
                             <m:t>𝒆</m:t>
@@ -4616,7 +4616,7 @@
                         </m:e>
                         <m:sub>
                           <m:r>
-                            <a:rPr lang="en-US" altLang="zh-CN" i="1">
+                            <a:rPr lang="en-US" altLang="zh-CN" sz="1799" i="1">
                               <a:latin typeface="Cambria Math" panose="02040503050406030204" pitchFamily="18" charset="0"/>
                             </a:rPr>
                             <m:t>1</m:t>
@@ -4626,12 +4626,12 @@
                     </m:oMath>
                   </m:oMathPara>
                 </a14:m>
-                <a:endParaRPr lang="zh-CN" altLang="en-US" dirty="0"/>
+                <a:endParaRPr lang="zh-CN" altLang="en-US" sz="1799" dirty="0"/>
               </a:p>
             </p:txBody>
           </p:sp>
         </mc:Choice>
-        <mc:Fallback xmlns="">
+        <mc:Fallback>
           <p:sp>
             <p:nvSpPr>
               <p:cNvPr id="12" name="矩形 11">
@@ -4648,8 +4648,8 @@
             </p:nvSpPr>
             <p:spPr>
               <a:xfrm>
-                <a:off x="506740" y="2394983"/>
-                <a:ext cx="1137786" cy="410817"/>
+                <a:off x="506740" y="2214802"/>
+                <a:ext cx="1137786" cy="410816"/>
               </a:xfrm>
               <a:prstGeom prst="rect">
                 <a:avLst/>
@@ -4698,7 +4698,7 @@
         </p:nvSpPr>
         <p:spPr>
           <a:xfrm>
-            <a:off x="586531" y="2043737"/>
+            <a:off x="586531" y="1863557"/>
             <a:ext cx="3028778" cy="338554"/>
           </a:xfrm>
           <a:prstGeom prst="rect">
@@ -4720,8 +4720,8 @@
           </a:p>
         </p:txBody>
       </p:sp>
-      <mc:AlternateContent xmlns:mc="http://schemas.openxmlformats.org/markup-compatibility/2006" xmlns:a14="http://schemas.microsoft.com/office/drawing/2010/main">
-        <mc:Choice Requires="a14">
+      <mc:AlternateContent xmlns:mc="http://schemas.openxmlformats.org/markup-compatibility/2006">
+        <mc:Choice xmlns:a14="http://schemas.microsoft.com/office/drawing/2010/main" Requires="a14">
           <p:sp>
             <p:nvSpPr>
               <p:cNvPr id="16" name="矩形 15">
@@ -4736,8 +4736,8 @@
             </p:nvSpPr>
             <p:spPr>
               <a:xfrm>
-                <a:off x="2018460" y="2408369"/>
-                <a:ext cx="1463862" cy="410817"/>
+                <a:off x="2018461" y="2228189"/>
+                <a:ext cx="1463862" cy="410816"/>
               </a:xfrm>
               <a:prstGeom prst="rect">
                 <a:avLst/>
@@ -4779,14 +4779,14 @@
                       <m:sSub>
                         <m:sSubPr>
                           <m:ctrlPr>
-                            <a:rPr lang="en-US" altLang="zh-CN" i="1">
+                            <a:rPr lang="en-US" altLang="zh-CN" sz="1799" i="1">
                               <a:latin typeface="Cambria Math" panose="02040503050406030204" pitchFamily="18" charset="0"/>
                             </a:rPr>
                           </m:ctrlPr>
                         </m:sSubPr>
                         <m:e>
                           <m:r>
-                            <a:rPr lang="zh-CN" altLang="en-US" i="1">
+                            <a:rPr lang="zh-CN" altLang="en-US" sz="1799" i="1">
                               <a:latin typeface="Cambria Math" panose="02040503050406030204" pitchFamily="18" charset="0"/>
                             </a:rPr>
                             <m:t>𝒆</m:t>
@@ -4796,14 +4796,14 @@
                           <m:sSub>
                             <m:sSubPr>
                               <m:ctrlPr>
-                                <a:rPr lang="en-US" altLang="zh-CN" i="1">
+                                <a:rPr lang="en-US" altLang="zh-CN" sz="1799" i="1">
                                   <a:latin typeface="Cambria Math" panose="02040503050406030204" pitchFamily="18" charset="0"/>
                                 </a:rPr>
                               </m:ctrlPr>
                             </m:sSubPr>
                             <m:e>
                               <m:r>
-                                <a:rPr lang="en-US" altLang="zh-CN" i="1">
+                                <a:rPr lang="en-US" altLang="zh-CN" sz="1799" i="1">
                                   <a:latin typeface="Cambria Math" panose="02040503050406030204" pitchFamily="18" charset="0"/>
                                 </a:rPr>
                                 <m:t>𝑘</m:t>
@@ -4811,7 +4811,7 @@
                             </m:e>
                             <m:sub>
                               <m:r>
-                                <a:rPr lang="en-US" altLang="zh-CN" i="1">
+                                <a:rPr lang="en-US" altLang="zh-CN" sz="1799" i="1">
                                   <a:latin typeface="Cambria Math" panose="02040503050406030204" pitchFamily="18" charset="0"/>
                                 </a:rPr>
                                 <m:t>1</m:t>
@@ -4821,7 +4821,7 @@
                         </m:sub>
                       </m:sSub>
                       <m:r>
-                        <a:rPr lang="en-US" altLang="zh-CN" i="1">
+                        <a:rPr lang="en-US" altLang="zh-CN" sz="1799" i="1">
                           <a:latin typeface="Cambria Math" panose="02040503050406030204" pitchFamily="18" charset="0"/>
                         </a:rPr>
                         <m:t>−</m:t>
@@ -4829,14 +4829,14 @@
                       <m:sSub>
                         <m:sSubPr>
                           <m:ctrlPr>
-                            <a:rPr lang="en-US" altLang="zh-CN" i="1">
+                            <a:rPr lang="en-US" altLang="zh-CN" sz="1799" i="1">
                               <a:latin typeface="Cambria Math" panose="02040503050406030204" pitchFamily="18" charset="0"/>
                             </a:rPr>
                           </m:ctrlPr>
                         </m:sSubPr>
                         <m:e>
                           <m:r>
-                            <a:rPr lang="zh-CN" altLang="en-US" i="1">
+                            <a:rPr lang="zh-CN" altLang="en-US" sz="1799" i="1">
                               <a:latin typeface="Cambria Math" panose="02040503050406030204" pitchFamily="18" charset="0"/>
                             </a:rPr>
                             <m:t>𝒆</m:t>
@@ -4846,14 +4846,14 @@
                           <m:sSub>
                             <m:sSubPr>
                               <m:ctrlPr>
-                                <a:rPr lang="en-US" altLang="zh-CN" i="1">
+                                <a:rPr lang="en-US" altLang="zh-CN" sz="1799" i="1">
                                   <a:latin typeface="Cambria Math" panose="02040503050406030204" pitchFamily="18" charset="0"/>
                                 </a:rPr>
                               </m:ctrlPr>
                             </m:sSubPr>
                             <m:e>
                               <m:r>
-                                <a:rPr lang="en-US" altLang="zh-CN" i="1">
+                                <a:rPr lang="en-US" altLang="zh-CN" sz="1799" i="1">
                                   <a:latin typeface="Cambria Math" panose="02040503050406030204" pitchFamily="18" charset="0"/>
                                 </a:rPr>
                                 <m:t>𝑘</m:t>
@@ -4861,7 +4861,7 @@
                             </m:e>
                             <m:sub>
                               <m:r>
-                                <a:rPr lang="en-US" altLang="zh-CN" i="1">
+                                <a:rPr lang="en-US" altLang="zh-CN" sz="1799" i="1">
                                   <a:latin typeface="Cambria Math" panose="02040503050406030204" pitchFamily="18" charset="0"/>
                                 </a:rPr>
                                 <m:t>1</m:t>
@@ -4869,7 +4869,7 @@
                             </m:sub>
                           </m:sSub>
                           <m:r>
-                            <a:rPr lang="en-US" altLang="zh-CN" i="1">
+                            <a:rPr lang="en-US" altLang="zh-CN" sz="1799" i="1">
                               <a:latin typeface="Cambria Math" panose="02040503050406030204" pitchFamily="18" charset="0"/>
                             </a:rPr>
                             <m:t>−1</m:t>
@@ -4879,12 +4879,12 @@
                     </m:oMath>
                   </m:oMathPara>
                 </a14:m>
-                <a:endParaRPr lang="zh-CN" altLang="en-US" dirty="0"/>
+                <a:endParaRPr lang="zh-CN" altLang="en-US" sz="1799" dirty="0"/>
               </a:p>
             </p:txBody>
           </p:sp>
         </mc:Choice>
-        <mc:Fallback xmlns="">
+        <mc:Fallback>
           <p:sp>
             <p:nvSpPr>
               <p:cNvPr id="16" name="矩形 15">
@@ -4901,8 +4901,8 @@
             </p:nvSpPr>
             <p:spPr>
               <a:xfrm>
-                <a:off x="2018460" y="2408369"/>
-                <a:ext cx="1463862" cy="410817"/>
+                <a:off x="2018461" y="2228189"/>
+                <a:ext cx="1463862" cy="410816"/>
               </a:xfrm>
               <a:prstGeom prst="rect">
                 <a:avLst/>
@@ -4937,8 +4937,8 @@
           </p:sp>
         </mc:Fallback>
       </mc:AlternateContent>
-      <mc:AlternateContent xmlns:mc="http://schemas.openxmlformats.org/markup-compatibility/2006" xmlns:a14="http://schemas.microsoft.com/office/drawing/2010/main">
-        <mc:Choice Requires="a14">
+      <mc:AlternateContent xmlns:mc="http://schemas.openxmlformats.org/markup-compatibility/2006">
+        <mc:Choice xmlns:a14="http://schemas.microsoft.com/office/drawing/2010/main" Requires="a14">
           <p:sp>
             <p:nvSpPr>
               <p:cNvPr id="17" name="矩形 16">
@@ -4953,8 +4953,8 @@
             </p:nvSpPr>
             <p:spPr>
               <a:xfrm>
-                <a:off x="4200407" y="723747"/>
-                <a:ext cx="4941127" cy="3561284"/>
+                <a:off x="4200409" y="543567"/>
+                <a:ext cx="5007838" cy="3315633"/>
               </a:xfrm>
               <a:prstGeom prst="rect">
                 <a:avLst/>
@@ -4987,7 +4987,7 @@
                     </m:oMathParaPr>
                     <m:oMath xmlns:m="http://schemas.openxmlformats.org/officeDocument/2006/math">
                       <a:fld id="{825F15A7-03F4-43D7-82C5-3E23DA2F108C}" type="mathplaceholder">
-                        <a:rPr lang="zh-CN" altLang="en-US" i="1">
+                        <a:rPr lang="zh-CN" altLang="en-US" sz="1799" i="1">
                           <a:latin typeface="Cambria Math" panose="02040503050406030204" pitchFamily="18" charset="0"/>
                         </a:rPr>
                         <a:t>在此处键入公式。</a:t>
@@ -4995,12 +4995,12 @@
                     </m:oMath>
                   </m:oMathPara>
                 </a14:m>
-                <a:endParaRPr lang="zh-CN" altLang="en-US" dirty="0"/>
+                <a:endParaRPr lang="zh-CN" altLang="en-US" sz="1799" dirty="0"/>
               </a:p>
             </p:txBody>
           </p:sp>
         </mc:Choice>
-        <mc:Fallback xmlns="">
+        <mc:Fallback>
           <p:sp>
             <p:nvSpPr>
               <p:cNvPr id="17" name="矩形 16">
@@ -5017,8 +5017,8 @@
             </p:nvSpPr>
             <p:spPr>
               <a:xfrm>
-                <a:off x="4200407" y="723747"/>
-                <a:ext cx="4941127" cy="3561284"/>
+                <a:off x="4200409" y="543567"/>
+                <a:ext cx="5007838" cy="3315633"/>
               </a:xfrm>
               <a:prstGeom prst="rect">
                 <a:avLst/>
@@ -5060,8 +5060,8 @@
         </p:nvSpPr>
         <p:spPr>
           <a:xfrm>
-            <a:off x="4332575" y="723746"/>
-            <a:ext cx="1838383" cy="351956"/>
+            <a:off x="4332577" y="543565"/>
+            <a:ext cx="1838383" cy="307777"/>
           </a:xfrm>
           <a:prstGeom prst="rect">
             <a:avLst/>
@@ -5075,10 +5075,10 @@
           <a:lstStyle/>
           <a:p>
             <a:r>
-              <a:rPr lang="en-US" altLang="zh-CN" b="1" dirty="0"/>
+              <a:rPr lang="en-US" altLang="zh-CN" sz="1400" b="1" dirty="0"/>
               <a:t>RL framework</a:t>
             </a:r>
-            <a:endParaRPr lang="zh-CN" altLang="en-US" b="1" dirty="0"/>
+            <a:endParaRPr lang="zh-CN" altLang="en-US" sz="1400" b="1" dirty="0"/>
           </a:p>
         </p:txBody>
       </p:sp>
@@ -5096,7 +5096,7 @@
         </p:nvSpPr>
         <p:spPr>
           <a:xfrm>
-            <a:off x="4881497" y="1065518"/>
+            <a:off x="4881497" y="885338"/>
             <a:ext cx="4124490" cy="2191632"/>
           </a:xfrm>
           <a:prstGeom prst="rect">
@@ -5164,8 +5164,8 @@
         </p:nvSpPr>
         <p:spPr>
           <a:xfrm>
-            <a:off x="7513041" y="3406181"/>
-            <a:ext cx="1372047" cy="770760"/>
+            <a:off x="7585552" y="3255503"/>
+            <a:ext cx="1270956" cy="569845"/>
           </a:xfrm>
           <a:prstGeom prst="flowChartMagneticDisk">
             <a:avLst/>
@@ -5218,8 +5218,8 @@
         </p:nvSpPr>
         <p:spPr>
           <a:xfrm>
-            <a:off x="9752120" y="1594337"/>
-            <a:ext cx="1815546" cy="1004286"/>
+            <a:off x="9752120" y="1414157"/>
+            <a:ext cx="1815547" cy="1004286"/>
           </a:xfrm>
           <a:prstGeom prst="flowChartDecision">
             <a:avLst/>
@@ -5266,8 +5266,8 @@
         </p:nvSpPr>
         <p:spPr>
           <a:xfrm>
-            <a:off x="4927782" y="3453168"/>
-            <a:ext cx="1398147" cy="654505"/>
+            <a:off x="4856160" y="3324381"/>
+            <a:ext cx="1323598" cy="464869"/>
           </a:xfrm>
           <a:prstGeom prst="rect">
             <a:avLst/>
@@ -5344,8 +5344,8 @@
         </p:nvCxnSpPr>
         <p:spPr>
           <a:xfrm>
-            <a:off x="6397429" y="3779465"/>
-            <a:ext cx="1150837" cy="0"/>
+            <a:off x="6251585" y="3491837"/>
+            <a:ext cx="1303856" cy="0"/>
           </a:xfrm>
           <a:prstGeom prst="straightConnector1">
             <a:avLst/>
@@ -5390,8 +5390,8 @@
         </p:nvCxnSpPr>
         <p:spPr>
           <a:xfrm flipH="1">
-            <a:off x="6362205" y="3922045"/>
-            <a:ext cx="1154923" cy="0"/>
+            <a:off x="6225911" y="3634417"/>
+            <a:ext cx="1298393" cy="0"/>
           </a:xfrm>
           <a:prstGeom prst="straightConnector1">
             <a:avLst/>
@@ -5435,7 +5435,7 @@
         </p:nvSpPr>
         <p:spPr>
           <a:xfrm>
-            <a:off x="6617776" y="3532579"/>
+            <a:off x="6624949" y="3244953"/>
             <a:ext cx="632906" cy="277127"/>
           </a:xfrm>
           <a:prstGeom prst="rect">
@@ -5455,7 +5455,7 @@
               </a:rPr>
               <a:t>write</a:t>
             </a:r>
-            <a:endParaRPr lang="zh-CN" altLang="en-US" b="1" dirty="0">
+            <a:endParaRPr lang="zh-CN" altLang="en-US" sz="1799" b="1" dirty="0">
               <a:latin typeface="Consolas" panose="020B0609020204030204" pitchFamily="49" charset="0"/>
             </a:endParaRPr>
           </a:p>
@@ -5475,7 +5475,7 @@
         </p:nvSpPr>
         <p:spPr>
           <a:xfrm>
-            <a:off x="6630071" y="3918038"/>
+            <a:off x="6637244" y="3630411"/>
             <a:ext cx="632906" cy="277127"/>
           </a:xfrm>
           <a:prstGeom prst="rect">
@@ -5495,7 +5495,7 @@
               </a:rPr>
               <a:t>read</a:t>
             </a:r>
-            <a:endParaRPr lang="zh-CN" altLang="en-US" b="1" dirty="0">
+            <a:endParaRPr lang="zh-CN" altLang="en-US" sz="1799" b="1" dirty="0">
               <a:latin typeface="Consolas" panose="020B0609020204030204" pitchFamily="49" charset="0"/>
             </a:endParaRPr>
           </a:p>
@@ -5517,7 +5517,7 @@
         </p:nvCxnSpPr>
         <p:spPr>
           <a:xfrm flipV="1">
-            <a:off x="5648853" y="3004447"/>
+            <a:off x="5517959" y="2912773"/>
             <a:ext cx="0" cy="411608"/>
           </a:xfrm>
           <a:prstGeom prst="straightConnector1">
@@ -5559,8 +5559,8 @@
         </p:nvSpPr>
         <p:spPr>
           <a:xfrm>
-            <a:off x="4272352" y="3698903"/>
-            <a:ext cx="689108" cy="277127"/>
+            <a:off x="5084507" y="3089724"/>
+            <a:ext cx="689107" cy="230832"/>
           </a:xfrm>
           <a:prstGeom prst="rect">
             <a:avLst/>
@@ -5574,12 +5574,12 @@
           <a:lstStyle/>
           <a:p>
             <a:r>
-              <a:rPr lang="en-US" altLang="zh-CN" sz="1201" b="1" dirty="0">
+              <a:rPr lang="en-US" altLang="zh-CN" sz="900" b="1" dirty="0">
                 <a:latin typeface="Consolas" panose="020B0609020204030204" pitchFamily="49" charset="0"/>
               </a:rPr>
               <a:t>train</a:t>
             </a:r>
-            <a:endParaRPr lang="zh-CN" altLang="en-US" sz="1201" b="1" dirty="0">
+            <a:endParaRPr lang="zh-CN" altLang="en-US" sz="1100" b="1" dirty="0">
               <a:latin typeface="Consolas" panose="020B0609020204030204" pitchFamily="49" charset="0"/>
             </a:endParaRPr>
           </a:p>
@@ -5602,7 +5602,7 @@
         </p:nvCxnSpPr>
         <p:spPr>
           <a:xfrm flipV="1">
-            <a:off x="4387753" y="1351185"/>
+            <a:off x="4387755" y="1171004"/>
             <a:ext cx="837247" cy="905374"/>
           </a:xfrm>
           <a:prstGeom prst="straightConnector1">
@@ -5644,7 +5644,7 @@
         </p:nvSpPr>
         <p:spPr>
           <a:xfrm>
-            <a:off x="5224996" y="1171539"/>
+            <a:off x="5224996" y="991360"/>
             <a:ext cx="393994" cy="359297"/>
           </a:xfrm>
           <a:prstGeom prst="ellipse">
@@ -5689,7 +5689,7 @@
         </p:nvSpPr>
         <p:spPr>
           <a:xfrm>
-            <a:off x="5224996" y="1627039"/>
+            <a:off x="5224996" y="1446860"/>
             <a:ext cx="393994" cy="359297"/>
           </a:xfrm>
           <a:prstGeom prst="ellipse">
@@ -5734,7 +5734,7 @@
         </p:nvSpPr>
         <p:spPr>
           <a:xfrm>
-            <a:off x="5224996" y="2111824"/>
+            <a:off x="5224996" y="1931645"/>
             <a:ext cx="393994" cy="359297"/>
           </a:xfrm>
           <a:prstGeom prst="ellipse">
@@ -5779,7 +5779,7 @@
         </p:nvSpPr>
         <p:spPr>
           <a:xfrm>
-            <a:off x="5232063" y="2636746"/>
+            <a:off x="5232064" y="2456567"/>
             <a:ext cx="393994" cy="359297"/>
           </a:xfrm>
           <a:prstGeom prst="ellipse">
@@ -5827,7 +5827,7 @@
         </p:nvCxnSpPr>
         <p:spPr>
           <a:xfrm flipV="1">
-            <a:off x="4406587" y="1806683"/>
+            <a:off x="4406588" y="1626502"/>
             <a:ext cx="818413" cy="476446"/>
           </a:xfrm>
           <a:prstGeom prst="straightConnector1">
@@ -5872,7 +5872,7 @@
         </p:nvCxnSpPr>
         <p:spPr>
           <a:xfrm flipV="1">
-            <a:off x="4387232" y="2291469"/>
+            <a:off x="4387234" y="2111288"/>
             <a:ext cx="837769" cy="6804"/>
           </a:xfrm>
           <a:prstGeom prst="straightConnector1">
@@ -5917,7 +5917,7 @@
         </p:nvCxnSpPr>
         <p:spPr>
           <a:xfrm>
-            <a:off x="4381833" y="2267048"/>
+            <a:off x="4381834" y="2086867"/>
             <a:ext cx="850230" cy="549342"/>
           </a:xfrm>
           <a:prstGeom prst="straightConnector1">
@@ -5959,7 +5959,7 @@
         </p:nvSpPr>
         <p:spPr>
           <a:xfrm>
-            <a:off x="6225018" y="1179946"/>
+            <a:off x="6225019" y="999767"/>
             <a:ext cx="393994" cy="359297"/>
           </a:xfrm>
           <a:prstGeom prst="ellipse">
@@ -6004,7 +6004,7 @@
         </p:nvSpPr>
         <p:spPr>
           <a:xfrm>
-            <a:off x="6225018" y="1635446"/>
+            <a:off x="6225019" y="1455267"/>
             <a:ext cx="393994" cy="359297"/>
           </a:xfrm>
           <a:prstGeom prst="ellipse">
@@ -6049,7 +6049,7 @@
         </p:nvSpPr>
         <p:spPr>
           <a:xfrm>
-            <a:off x="6225018" y="2120231"/>
+            <a:off x="6225019" y="1940052"/>
             <a:ext cx="393994" cy="359297"/>
           </a:xfrm>
           <a:prstGeom prst="ellipse">
@@ -6094,7 +6094,7 @@
         </p:nvSpPr>
         <p:spPr>
           <a:xfrm>
-            <a:off x="6232085" y="2645153"/>
+            <a:off x="6232086" y="2464974"/>
             <a:ext cx="393994" cy="359297"/>
           </a:xfrm>
           <a:prstGeom prst="ellipse">
@@ -6143,8 +6143,8 @@
         </p:nvCxnSpPr>
         <p:spPr>
           <a:xfrm>
-            <a:off x="5618991" y="1351187"/>
-            <a:ext cx="606028" cy="8407"/>
+            <a:off x="5618991" y="1171007"/>
+            <a:ext cx="606028" cy="8406"/>
           </a:xfrm>
           <a:prstGeom prst="line">
             <a:avLst/>
@@ -6182,8 +6182,8 @@
         </p:nvCxnSpPr>
         <p:spPr>
           <a:xfrm>
-            <a:off x="5638384" y="1847003"/>
-            <a:ext cx="606028" cy="8407"/>
+            <a:off x="5638384" y="1666823"/>
+            <a:ext cx="606028" cy="8406"/>
           </a:xfrm>
           <a:prstGeom prst="line">
             <a:avLst/>
@@ -6221,8 +6221,8 @@
         </p:nvCxnSpPr>
         <p:spPr>
           <a:xfrm>
-            <a:off x="5618991" y="2291471"/>
-            <a:ext cx="606028" cy="8407"/>
+            <a:off x="5618991" y="2111291"/>
+            <a:ext cx="606028" cy="8406"/>
           </a:xfrm>
           <a:prstGeom prst="line">
             <a:avLst/>
@@ -6260,8 +6260,8 @@
         </p:nvCxnSpPr>
         <p:spPr>
           <a:xfrm>
-            <a:off x="5626058" y="2839435"/>
-            <a:ext cx="606028" cy="8407"/>
+            <a:off x="5626058" y="2659255"/>
+            <a:ext cx="606028" cy="8406"/>
           </a:xfrm>
           <a:prstGeom prst="line">
             <a:avLst/>
@@ -6300,7 +6300,7 @@
         </p:nvCxnSpPr>
         <p:spPr>
           <a:xfrm>
-            <a:off x="5611010" y="1372347"/>
+            <a:off x="5611012" y="1192167"/>
             <a:ext cx="614013" cy="442744"/>
           </a:xfrm>
           <a:prstGeom prst="line">
@@ -6339,7 +6339,7 @@
         </p:nvCxnSpPr>
         <p:spPr>
           <a:xfrm>
-            <a:off x="5630428" y="1365718"/>
+            <a:off x="5630428" y="1185537"/>
             <a:ext cx="574172" cy="948306"/>
           </a:xfrm>
           <a:prstGeom prst="line">
@@ -6378,7 +6378,7 @@
         </p:nvCxnSpPr>
         <p:spPr>
           <a:xfrm>
-            <a:off x="5649850" y="1383746"/>
+            <a:off x="5649850" y="1203566"/>
             <a:ext cx="574172" cy="1487980"/>
           </a:xfrm>
           <a:prstGeom prst="line">
@@ -6418,7 +6418,7 @@
         </p:nvCxnSpPr>
         <p:spPr>
           <a:xfrm>
-            <a:off x="5618993" y="1806688"/>
+            <a:off x="5618995" y="1626509"/>
             <a:ext cx="599743" cy="466363"/>
           </a:xfrm>
           <a:prstGeom prst="line">
@@ -6458,7 +6458,7 @@
         </p:nvCxnSpPr>
         <p:spPr>
           <a:xfrm flipV="1">
-            <a:off x="5638359" y="1359591"/>
+            <a:off x="5638360" y="1179411"/>
             <a:ext cx="586660" cy="470712"/>
           </a:xfrm>
           <a:prstGeom prst="line">
@@ -6499,7 +6499,7 @@
         </p:nvCxnSpPr>
         <p:spPr>
           <a:xfrm>
-            <a:off x="5618991" y="1806685"/>
+            <a:off x="5618991" y="1626505"/>
             <a:ext cx="670792" cy="1145144"/>
           </a:xfrm>
           <a:prstGeom prst="line">
@@ -6538,7 +6538,7 @@
         </p:nvCxnSpPr>
         <p:spPr>
           <a:xfrm flipV="1">
-            <a:off x="5650576" y="1385714"/>
+            <a:off x="5650577" y="1205535"/>
             <a:ext cx="529181" cy="899177"/>
           </a:xfrm>
           <a:prstGeom prst="line">
@@ -6577,7 +6577,7 @@
         </p:nvCxnSpPr>
         <p:spPr>
           <a:xfrm flipV="1">
-            <a:off x="5631071" y="1818469"/>
+            <a:off x="5631071" y="1638290"/>
             <a:ext cx="570340" cy="1003207"/>
           </a:xfrm>
           <a:prstGeom prst="line">
@@ -6616,8 +6616,8 @@
         </p:nvCxnSpPr>
         <p:spPr>
           <a:xfrm flipV="1">
-            <a:off x="5636265" y="2311011"/>
-            <a:ext cx="557034" cy="492043"/>
+            <a:off x="5636265" y="2130832"/>
+            <a:ext cx="557034" cy="492042"/>
           </a:xfrm>
           <a:prstGeom prst="line">
             <a:avLst/>
@@ -6655,7 +6655,7 @@
         </p:nvCxnSpPr>
         <p:spPr>
           <a:xfrm flipV="1">
-            <a:off x="5655498" y="1382461"/>
+            <a:off x="5655500" y="1202282"/>
             <a:ext cx="553981" cy="1438755"/>
           </a:xfrm>
           <a:prstGeom prst="line">
@@ -6695,7 +6695,7 @@
         </p:nvCxnSpPr>
         <p:spPr>
           <a:xfrm>
-            <a:off x="5648856" y="2309433"/>
+            <a:off x="5648858" y="2129253"/>
             <a:ext cx="583233" cy="515366"/>
           </a:xfrm>
           <a:prstGeom prst="line">
@@ -6734,8 +6734,8 @@
         </p:nvCxnSpPr>
         <p:spPr>
           <a:xfrm flipV="1">
-            <a:off x="5628975" y="1861988"/>
-            <a:ext cx="580502" cy="440582"/>
+            <a:off x="5628977" y="1681807"/>
+            <a:ext cx="580501" cy="440582"/>
           </a:xfrm>
           <a:prstGeom prst="line">
             <a:avLst/>
@@ -6771,7 +6771,7 @@
         </p:nvSpPr>
         <p:spPr>
           <a:xfrm>
-            <a:off x="6948376" y="1291270"/>
+            <a:off x="6948377" y="1111090"/>
             <a:ext cx="342990" cy="302669"/>
           </a:xfrm>
           <a:prstGeom prst="ellipse">
@@ -6816,7 +6816,7 @@
         </p:nvSpPr>
         <p:spPr>
           <a:xfrm>
-            <a:off x="6955478" y="1735689"/>
+            <a:off x="6955479" y="1555510"/>
             <a:ext cx="342990" cy="302669"/>
           </a:xfrm>
           <a:prstGeom prst="ellipse">
@@ -6861,7 +6861,7 @@
         </p:nvSpPr>
         <p:spPr>
           <a:xfrm>
-            <a:off x="6968727" y="2628724"/>
+            <a:off x="6968728" y="2448544"/>
             <a:ext cx="342990" cy="302669"/>
           </a:xfrm>
           <a:prstGeom prst="ellipse">
@@ -6906,7 +6906,7 @@
         </p:nvSpPr>
         <p:spPr>
           <a:xfrm>
-            <a:off x="6982280" y="2185662"/>
+            <a:off x="6982281" y="2005482"/>
             <a:ext cx="281151" cy="394147"/>
           </a:xfrm>
           <a:prstGeom prst="rect">
@@ -6926,7 +6926,7 @@
               </a:lnSpc>
             </a:pPr>
             <a:r>
-              <a:rPr lang="en-US" altLang="zh-CN" b="1" dirty="0">
+              <a:rPr lang="en-US" altLang="zh-CN" sz="1799" b="1" dirty="0">
                 <a:solidFill>
                   <a:schemeClr val="bg1"/>
                 </a:solidFill>
@@ -6943,7 +6943,7 @@
               </a:lnSpc>
             </a:pPr>
             <a:r>
-              <a:rPr lang="en-US" altLang="zh-CN" b="1" dirty="0">
+              <a:rPr lang="en-US" altLang="zh-CN" sz="1799" b="1" dirty="0">
                 <a:solidFill>
                   <a:schemeClr val="bg1"/>
                 </a:solidFill>
@@ -6960,7 +6960,7 @@
               </a:lnSpc>
             </a:pPr>
             <a:r>
-              <a:rPr lang="en-US" altLang="zh-CN" b="1" dirty="0">
+              <a:rPr lang="en-US" altLang="zh-CN" sz="1799" b="1" dirty="0">
                 <a:solidFill>
                   <a:schemeClr val="bg1"/>
                 </a:solidFill>
@@ -6969,7 +6969,7 @@
               </a:rPr>
               <a:t>.</a:t>
             </a:r>
-            <a:endParaRPr lang="zh-CN" altLang="en-US" b="1" dirty="0">
+            <a:endParaRPr lang="zh-CN" altLang="en-US" sz="1799" b="1" dirty="0">
               <a:solidFill>
                 <a:schemeClr val="bg1"/>
               </a:solidFill>
@@ -6995,8 +6995,8 @@
         </p:nvCxnSpPr>
         <p:spPr>
           <a:xfrm>
-            <a:off x="6631937" y="1359095"/>
-            <a:ext cx="329362" cy="83010"/>
+            <a:off x="6631937" y="1178915"/>
+            <a:ext cx="329363" cy="83010"/>
           </a:xfrm>
           <a:prstGeom prst="line">
             <a:avLst/>
@@ -7035,7 +7035,7 @@
         </p:nvCxnSpPr>
         <p:spPr>
           <a:xfrm>
-            <a:off x="6619012" y="1359591"/>
+            <a:off x="6619012" y="1179410"/>
             <a:ext cx="318858" cy="527428"/>
           </a:xfrm>
           <a:prstGeom prst="line">
@@ -7075,7 +7075,7 @@
         </p:nvCxnSpPr>
         <p:spPr>
           <a:xfrm>
-            <a:off x="6638381" y="1365718"/>
+            <a:off x="6638381" y="1185537"/>
             <a:ext cx="330346" cy="1414336"/>
           </a:xfrm>
           <a:prstGeom prst="line">
@@ -7115,8 +7115,8 @@
         </p:nvCxnSpPr>
         <p:spPr>
           <a:xfrm>
-            <a:off x="6612036" y="1803276"/>
-            <a:ext cx="343442" cy="83747"/>
+            <a:off x="6612036" y="1623096"/>
+            <a:ext cx="343442" cy="83748"/>
           </a:xfrm>
           <a:prstGeom prst="line">
             <a:avLst/>
@@ -7155,7 +7155,7 @@
         </p:nvCxnSpPr>
         <p:spPr>
           <a:xfrm flipV="1">
-            <a:off x="6618492" y="1442601"/>
+            <a:off x="6618494" y="1262421"/>
             <a:ext cx="329887" cy="394140"/>
           </a:xfrm>
           <a:prstGeom prst="line">
@@ -7195,8 +7195,8 @@
         </p:nvCxnSpPr>
         <p:spPr>
           <a:xfrm>
-            <a:off x="6624949" y="1830305"/>
-            <a:ext cx="394008" cy="1056760"/>
+            <a:off x="6624949" y="1650125"/>
+            <a:ext cx="394008" cy="1056761"/>
           </a:xfrm>
           <a:prstGeom prst="line">
             <a:avLst/>
@@ -7236,7 +7236,7 @@
         </p:nvCxnSpPr>
         <p:spPr>
           <a:xfrm flipV="1">
-            <a:off x="6619013" y="1887020"/>
+            <a:off x="6619013" y="1706839"/>
             <a:ext cx="336466" cy="412856"/>
           </a:xfrm>
           <a:prstGeom prst="line">
@@ -7276,7 +7276,7 @@
         </p:nvCxnSpPr>
         <p:spPr>
           <a:xfrm flipV="1">
-            <a:off x="6647734" y="1442606"/>
+            <a:off x="6647736" y="1262427"/>
             <a:ext cx="300643" cy="840527"/>
           </a:xfrm>
           <a:prstGeom prst="line">
@@ -7316,7 +7316,7 @@
         </p:nvCxnSpPr>
         <p:spPr>
           <a:xfrm>
-            <a:off x="6647733" y="2303067"/>
+            <a:off x="6647734" y="2122888"/>
             <a:ext cx="371224" cy="584001"/>
           </a:xfrm>
           <a:prstGeom prst="line">
@@ -7356,7 +7356,7 @@
         </p:nvCxnSpPr>
         <p:spPr>
           <a:xfrm flipV="1">
-            <a:off x="6625527" y="1442602"/>
+            <a:off x="6625528" y="1262423"/>
             <a:ext cx="322848" cy="1354297"/>
           </a:xfrm>
           <a:prstGeom prst="line">
@@ -7396,8 +7396,8 @@
         </p:nvCxnSpPr>
         <p:spPr>
           <a:xfrm flipV="1">
-            <a:off x="6632050" y="1887019"/>
-            <a:ext cx="323428" cy="887786"/>
+            <a:off x="6632051" y="1706839"/>
+            <a:ext cx="323428" cy="887785"/>
           </a:xfrm>
           <a:prstGeom prst="line">
             <a:avLst/>
@@ -7436,7 +7436,7 @@
         </p:nvCxnSpPr>
         <p:spPr>
           <a:xfrm>
-            <a:off x="6652259" y="2768312"/>
+            <a:off x="6652260" y="2588131"/>
             <a:ext cx="366698" cy="118752"/>
           </a:xfrm>
           <a:prstGeom prst="line">
@@ -7473,7 +7473,7 @@
         </p:nvSpPr>
         <p:spPr>
           <a:xfrm>
-            <a:off x="7263880" y="1268048"/>
+            <a:off x="7263881" y="1087867"/>
             <a:ext cx="1742113" cy="261610"/>
           </a:xfrm>
           <a:prstGeom prst="rect">
@@ -7519,7 +7519,7 @@
         </p:nvSpPr>
         <p:spPr>
           <a:xfrm>
-            <a:off x="7258237" y="1740822"/>
+            <a:off x="7258239" y="1560641"/>
             <a:ext cx="1730101" cy="261610"/>
           </a:xfrm>
           <a:prstGeom prst="rect">
@@ -7565,7 +7565,7 @@
         </p:nvSpPr>
         <p:spPr>
           <a:xfrm>
-            <a:off x="7293774" y="2635589"/>
+            <a:off x="7293776" y="2455408"/>
             <a:ext cx="1694565" cy="261610"/>
           </a:xfrm>
           <a:prstGeom prst="rect">
@@ -7597,8 +7597,8 @@
           </a:p>
         </p:txBody>
       </p:sp>
-      <mc:AlternateContent xmlns:mc="http://schemas.openxmlformats.org/markup-compatibility/2006" xmlns:a14="http://schemas.microsoft.com/office/drawing/2010/main">
-        <mc:Choice Requires="a14">
+      <mc:AlternateContent xmlns:mc="http://schemas.openxmlformats.org/markup-compatibility/2006">
+        <mc:Choice xmlns:a14="http://schemas.microsoft.com/office/drawing/2010/main" Requires="a14">
           <p:sp>
             <p:nvSpPr>
               <p:cNvPr id="185" name="文本框 184">
@@ -7613,7 +7613,7 @@
             </p:nvSpPr>
             <p:spPr>
               <a:xfrm rot="10800000">
-                <a:off x="8285145" y="1442128"/>
+                <a:off x="8285147" y="1168059"/>
                 <a:ext cx="805617" cy="1366528"/>
               </a:xfrm>
               <a:prstGeom prst="rect">
@@ -7680,7 +7680,7 @@
             </p:txBody>
           </p:sp>
         </mc:Choice>
-        <mc:Fallback xmlns="">
+        <mc:Fallback>
           <p:sp>
             <p:nvSpPr>
               <p:cNvPr id="185" name="文本框 184">
@@ -7697,7 +7697,7 @@
             </p:nvSpPr>
             <p:spPr>
               <a:xfrm rot="10800000">
-                <a:off x="8285145" y="1442128"/>
+                <a:off x="8285147" y="1168059"/>
                 <a:ext cx="805617" cy="1366528"/>
               </a:xfrm>
               <a:prstGeom prst="rect">
@@ -7743,8 +7743,8 @@
         </p:nvCxnSpPr>
         <p:spPr>
           <a:xfrm rot="16200000" flipV="1">
-            <a:off x="8230139" y="-835422"/>
-            <a:ext cx="870589" cy="3988925"/>
+            <a:off x="8246816" y="-998921"/>
+            <a:ext cx="870590" cy="3955566"/>
           </a:xfrm>
           <a:prstGeom prst="bentConnector3">
             <a:avLst>
@@ -7784,8 +7784,8 @@
         </p:nvSpPr>
         <p:spPr>
           <a:xfrm>
-            <a:off x="10017718" y="1911811"/>
-            <a:ext cx="1445746" cy="351956"/>
+            <a:off x="10017718" y="1731630"/>
+            <a:ext cx="1445746" cy="369204"/>
           </a:xfrm>
           <a:prstGeom prst="rect">
             <a:avLst/>
@@ -7799,7 +7799,7 @@
           <a:lstStyle/>
           <a:p>
             <a:r>
-              <a:rPr lang="en-US" altLang="zh-CN" b="1" dirty="0">
+              <a:rPr lang="en-US" altLang="zh-CN" sz="1799" b="1" dirty="0">
                 <a:solidFill>
                   <a:schemeClr val="bg1"/>
                 </a:solidFill>
@@ -7807,7 +7807,7 @@
               </a:rPr>
               <a:t>Inference</a:t>
             </a:r>
-            <a:endParaRPr lang="zh-CN" altLang="en-US" b="1" dirty="0">
+            <a:endParaRPr lang="zh-CN" altLang="en-US" sz="1799" b="1" dirty="0">
               <a:solidFill>
                 <a:schemeClr val="bg1"/>
               </a:solidFill>
@@ -7829,7 +7829,7 @@
         </p:nvSpPr>
         <p:spPr>
           <a:xfrm>
-            <a:off x="5874059" y="2936893"/>
+            <a:off x="5874061" y="2756714"/>
             <a:ext cx="1838383" cy="277127"/>
           </a:xfrm>
           <a:prstGeom prst="rect">
@@ -7873,7 +7873,7 @@
         </p:nvSpPr>
         <p:spPr>
           <a:xfrm>
-            <a:off x="2044403" y="3204652"/>
+            <a:off x="2044403" y="3024472"/>
             <a:ext cx="342882" cy="523541"/>
           </a:xfrm>
           <a:prstGeom prst="rect">
@@ -7909,7 +7909,7 @@
         </p:nvSpPr>
         <p:spPr>
           <a:xfrm>
-            <a:off x="1640667" y="2282578"/>
+            <a:off x="1640668" y="2102398"/>
             <a:ext cx="342882" cy="523541"/>
           </a:xfrm>
           <a:prstGeom prst="rect">
@@ -7945,7 +7945,7 @@
         </p:nvSpPr>
         <p:spPr>
           <a:xfrm>
-            <a:off x="2102009" y="1317571"/>
+            <a:off x="2102009" y="1137391"/>
             <a:ext cx="342882" cy="523541"/>
           </a:xfrm>
           <a:prstGeom prst="rect">
@@ -7983,8 +7983,8 @@
             </p:nvSpPr>
             <p:spPr>
               <a:xfrm>
-                <a:off x="634466" y="664105"/>
-                <a:ext cx="1838383" cy="615553"/>
+                <a:off x="435069" y="515492"/>
+                <a:ext cx="1838383" cy="615425"/>
               </a:xfrm>
               <a:prstGeom prst="rect">
                 <a:avLst/>
@@ -7998,7 +7998,7 @@
               <a:lstStyle/>
               <a:p>
                 <a:r>
-                  <a:rPr lang="en-US" altLang="zh-CN" b="1" dirty="0">
+                  <a:rPr lang="en-US" altLang="zh-CN" sz="1799" b="1" dirty="0">
                     <a:solidFill>
                       <a:schemeClr val="bg1"/>
                     </a:solidFill>
@@ -8010,7 +8010,7 @@
                     <m:sSub>
                       <m:sSubPr>
                         <m:ctrlPr>
-                          <a:rPr lang="en-US" altLang="zh-CN" b="1" i="1">
+                          <a:rPr lang="en-US" altLang="zh-CN" sz="1799" b="1" i="1">
                             <a:solidFill>
                               <a:schemeClr val="bg1"/>
                             </a:solidFill>
@@ -8020,7 +8020,7 @@
                       </m:sSubPr>
                       <m:e>
                         <m:r>
-                          <a:rPr lang="en-US" altLang="zh-CN" b="1" i="1">
+                          <a:rPr lang="en-US" altLang="zh-CN" sz="1799" b="1" i="1">
                             <a:solidFill>
                               <a:schemeClr val="bg1"/>
                             </a:solidFill>
@@ -8031,7 +8031,7 @@
                       </m:e>
                       <m:sub>
                         <m:r>
-                          <a:rPr lang="en-US" altLang="zh-CN" b="1" i="1">
+                          <a:rPr lang="en-US" altLang="zh-CN" sz="1799" b="1" i="1">
                             <a:solidFill>
                               <a:schemeClr val="bg1"/>
                             </a:solidFill>
@@ -8043,7 +8043,7 @@
                     </m:sSub>
                   </m:oMath>
                 </a14:m>
-                <a:endParaRPr lang="en-US" altLang="zh-CN" b="1" dirty="0">
+                <a:endParaRPr lang="en-US" altLang="zh-CN" sz="1799" b="1" dirty="0">
                   <a:solidFill>
                     <a:schemeClr val="bg1"/>
                   </a:solidFill>
@@ -8076,8 +8076,8 @@
             </p:nvSpPr>
             <p:spPr>
               <a:xfrm>
-                <a:off x="634466" y="664105"/>
-                <a:ext cx="1838383" cy="615553"/>
+                <a:off x="435069" y="515492"/>
+                <a:ext cx="1838383" cy="615425"/>
               </a:xfrm>
               <a:prstGeom prst="rect">
                 <a:avLst/>
@@ -8085,7 +8085,7 @@
               <a:blipFill>
                 <a:blip r:embed="rId14"/>
                 <a:stretch>
-                  <a:fillRect l="-2649" t="-5941"/>
+                  <a:fillRect l="-2318" t="-2970"/>
                 </a:stretch>
               </a:blipFill>
             </p:spPr>
@@ -8104,8 +8104,8 @@
           </p:sp>
         </mc:Fallback>
       </mc:AlternateContent>
-      <mc:AlternateContent xmlns:mc="http://schemas.openxmlformats.org/markup-compatibility/2006" xmlns:a14="http://schemas.microsoft.com/office/drawing/2010/main">
-        <mc:Choice Requires="a14">
+      <mc:AlternateContent xmlns:mc="http://schemas.openxmlformats.org/markup-compatibility/2006">
+        <mc:Choice xmlns:a14="http://schemas.microsoft.com/office/drawing/2010/main" Requires="a14">
           <p:sp>
             <p:nvSpPr>
               <p:cNvPr id="124" name="文本框 9">
@@ -8119,9 +8119,9 @@
               <p:nvPr/>
             </p:nvSpPr>
             <p:spPr>
-              <a:xfrm>
-                <a:off x="6757247" y="58928"/>
-                <a:ext cx="6667500" cy="400238"/>
+              <a:xfrm rot="10800000" flipV="1">
+                <a:off x="7038819" y="-7913"/>
+                <a:ext cx="3934337" cy="338554"/>
               </a:xfrm>
               <a:prstGeom prst="rect">
                 <a:avLst/>
@@ -8231,13 +8231,13 @@
                 <a14:m>
                   <m:oMath xmlns:m="http://schemas.openxmlformats.org/officeDocument/2006/math">
                     <m:r>
-                      <a:rPr lang="en-US" altLang="zh-CN" sz="2001" i="1">
+                      <a:rPr lang="en-US" altLang="zh-CN" sz="1600" i="1">
                         <a:latin typeface="Cambria Math" panose="02040503050406030204" pitchFamily="18" charset="0"/>
                       </a:rPr>
                       <m:t>𝑅𝑒𝑤𝑎𝑟𝑑</m:t>
                     </m:r>
                     <m:r>
-                      <a:rPr lang="en-US" altLang="zh-CN" sz="2001" i="1">
+                      <a:rPr lang="en-US" altLang="zh-CN" sz="1600" i="1">
                         <a:latin typeface="Cambria Math" panose="02040503050406030204" pitchFamily="18" charset="0"/>
                       </a:rPr>
                       <m:t>=</m:t>
@@ -8245,7 +8245,7 @@
                   </m:oMath>
                 </a14:m>
                 <a:r>
-                  <a:rPr lang="en-US" altLang="zh-CN" sz="2001" dirty="0"/>
+                  <a:rPr lang="en-US" altLang="zh-CN" sz="1600" dirty="0"/>
                   <a:t> </a:t>
                 </a:r>
                 <a14:m>
@@ -8254,13 +8254,13 @@
                       <m:rPr>
                         <m:sty m:val="p"/>
                       </m:rPr>
-                      <a:rPr lang="en-US" altLang="zh-CN" sz="2001" i="1">
+                      <a:rPr lang="en-US" altLang="zh-CN" sz="1600" i="1">
                         <a:latin typeface="Cambria Math" panose="02040503050406030204" pitchFamily="18" charset="0"/>
                       </a:rPr>
                       <m:t>β</m:t>
                     </m:r>
                     <m:r>
-                      <a:rPr lang="en-US" altLang="zh-CN" sz="2001">
+                      <a:rPr lang="en-US" altLang="zh-CN" sz="1600">
                         <a:latin typeface="Cambria Math" panose="02040503050406030204" pitchFamily="18" charset="0"/>
                         <a:ea typeface="Cambria Math" panose="02040503050406030204" pitchFamily="18" charset="0"/>
                       </a:rPr>
@@ -8270,7 +8270,7 @@
                       <m:rPr>
                         <m:sty m:val="p"/>
                       </m:rPr>
-                      <a:rPr lang="en-US" altLang="zh-CN" sz="2001">
+                      <a:rPr lang="en-US" altLang="zh-CN" sz="1600">
                         <a:latin typeface="Cambria Math" panose="02040503050406030204" pitchFamily="18" charset="0"/>
                         <a:ea typeface="Cambria Math" panose="02040503050406030204" pitchFamily="18" charset="0"/>
                       </a:rPr>
@@ -8279,13 +8279,13 @@
                   </m:oMath>
                 </a14:m>
                 <a:r>
-                  <a:rPr lang="en-US" altLang="zh-CN" sz="2001" dirty="0"/>
+                  <a:rPr lang="en-US" altLang="zh-CN" sz="1600" dirty="0"/>
                   <a:t> </a:t>
                 </a:r>
                 <a14:m>
                   <m:oMath xmlns:m="http://schemas.openxmlformats.org/officeDocument/2006/math">
                     <m:r>
-                      <a:rPr lang="en-US" altLang="zh-CN" sz="2001" i="1" dirty="0">
+                      <a:rPr lang="en-US" altLang="zh-CN" sz="1600" i="1" dirty="0">
                         <a:latin typeface="Cambria Math" panose="02040503050406030204" pitchFamily="18" charset="0"/>
                       </a:rPr>
                       <m:t>−(1−</m:t>
@@ -8294,13 +8294,13 @@
                       <m:rPr>
                         <m:sty m:val="p"/>
                       </m:rPr>
-                      <a:rPr lang="en-US" altLang="zh-CN" sz="2001" i="1" dirty="0">
+                      <a:rPr lang="en-US" altLang="zh-CN" sz="1600" i="1" dirty="0">
                         <a:latin typeface="Cambria Math" panose="02040503050406030204" pitchFamily="18" charset="0"/>
                       </a:rPr>
                       <m:t>β</m:t>
                     </m:r>
                     <m:r>
-                      <a:rPr lang="en-US" altLang="zh-CN" sz="2001" i="1" dirty="0">
+                      <a:rPr lang="en-US" altLang="zh-CN" sz="1600" i="1" dirty="0">
                         <a:latin typeface="Cambria Math" panose="02040503050406030204" pitchFamily="18" charset="0"/>
                       </a:rPr>
                       <m:t>)×</m:t>
@@ -8308,7 +8308,7 @@
                   </m:oMath>
                 </a14:m>
                 <a:r>
-                  <a:rPr lang="en-US" altLang="zh-CN" sz="2001" dirty="0"/>
+                  <a:rPr lang="en-US" altLang="zh-CN" sz="1600" dirty="0"/>
                   <a:t> </a:t>
                 </a:r>
                 <a14:m>
@@ -8317,7 +8317,7 @@
                       <m:rPr>
                         <m:lit/>
                       </m:rPr>
-                      <a:rPr lang="en-US" altLang="zh-CN" sz="2001">
+                      <a:rPr lang="en-US" altLang="zh-CN" sz="1600">
                         <a:latin typeface="Cambria Math" panose="02040503050406030204" pitchFamily="18" charset="0"/>
                       </a:rPr>
                       <m:t> </m:t>
@@ -8326,7 +8326,7 @@
                       <m:rPr>
                         <m:sty m:val="p"/>
                       </m:rPr>
-                      <a:rPr lang="en-US" altLang="zh-CN" sz="2001" i="1">
+                      <a:rPr lang="en-US" altLang="zh-CN" sz="1600" i="1">
                         <a:latin typeface="Cambria Math" panose="02040503050406030204" pitchFamily="18" charset="0"/>
                       </a:rPr>
                       <m:t>Δ</m:t>
@@ -8334,7 +8334,7 @@
                   </m:oMath>
                 </a14:m>
                 <a:r>
-                  <a:rPr lang="en-US" altLang="zh-CN" sz="2001" i="1" dirty="0">
+                  <a:rPr lang="en-US" altLang="zh-CN" sz="1600" i="1" dirty="0">
                     <a:latin typeface="Cambria Math" panose="02040503050406030204" pitchFamily="18" charset="0"/>
                   </a:rPr>
                   <a:t>s</a:t>
@@ -8343,7 +8343,7 @@
             </p:txBody>
           </p:sp>
         </mc:Choice>
-        <mc:Fallback xmlns="">
+        <mc:Fallback>
           <p:sp>
             <p:nvSpPr>
               <p:cNvPr id="124" name="文本框 9">
@@ -8359,9 +8359,9 @@
               <p:nvPr/>
             </p:nvSpPr>
             <p:spPr>
-              <a:xfrm>
-                <a:off x="6757247" y="58928"/>
-                <a:ext cx="6667500" cy="400238"/>
+              <a:xfrm rot="10800000" flipV="1">
+                <a:off x="7038819" y="-7913"/>
+                <a:ext cx="3934337" cy="338554"/>
               </a:xfrm>
               <a:prstGeom prst="rect">
                 <a:avLst/>
@@ -8369,7 +8369,7 @@
               <a:blipFill>
                 <a:blip r:embed="rId15"/>
                 <a:stretch>
-                  <a:fillRect t="-12308" b="-24615"/>
+                  <a:fillRect t="-9091" b="-20000"/>
                 </a:stretch>
               </a:blipFill>
             </p:spPr>
@@ -8402,7 +8402,7 @@
         </p:nvSpPr>
         <p:spPr>
           <a:xfrm>
-            <a:off x="3558262" y="2023058"/>
+            <a:off x="3558262" y="1842878"/>
             <a:ext cx="986940" cy="549342"/>
           </a:xfrm>
           <a:prstGeom prst="rightArrow">
@@ -8440,7 +8440,7 @@
           <a:lstStyle/>
           <a:p>
             <a:pPr algn="ctr"/>
-            <a:endParaRPr lang="zh-CN" altLang="en-US">
+            <a:endParaRPr lang="zh-CN" altLang="en-US" sz="1799">
               <a:ln>
                 <a:solidFill>
                   <a:schemeClr val="bg1"/>
@@ -8466,7 +8466,7 @@
         </p:nvCxnSpPr>
         <p:spPr>
           <a:xfrm flipV="1">
-            <a:off x="9154389" y="2096478"/>
+            <a:off x="9154391" y="1916297"/>
             <a:ext cx="597735" cy="5356"/>
           </a:xfrm>
           <a:prstGeom prst="straightConnector1">

--- a/paper/figures/framework2.pptx
+++ b/paper/figures/framework2.pptx
@@ -2,7 +2,7 @@
 <file path=ppt/presentation.xml><?xml version="1.0" encoding="utf-8"?>
 <p:presentation xmlns:a="http://schemas.openxmlformats.org/drawingml/2006/main" xmlns:r="http://schemas.openxmlformats.org/officeDocument/2006/relationships" xmlns:p="http://schemas.openxmlformats.org/presentationml/2006/main" saveSubsetFonts="1">
   <p:sldMasterIdLst>
-    <p:sldMasterId id="2147483696" r:id="rId1"/>
+    <p:sldMasterId id="2147483720" r:id="rId1"/>
   </p:sldMasterIdLst>
   <p:notesMasterIdLst>
     <p:notesMasterId r:id="rId3"/>
@@ -10,7 +10,7 @@
   <p:sldIdLst>
     <p:sldId id="256" r:id="rId2"/>
   </p:sldIdLst>
-  <p:sldSz cx="11831638" cy="3976688"/>
+  <p:sldSz cx="11831638" cy="2895600"/>
   <p:notesSz cx="6858000" cy="9144000"/>
   <p:defaultTextStyle>
     <a:defPPr>
@@ -215,8 +215,8 @@
         </p:nvSpPr>
         <p:spPr>
           <a:xfrm>
-            <a:off x="-1160463" y="1143000"/>
-            <a:ext cx="9178926" cy="3086100"/>
+            <a:off x="-2874963" y="1143000"/>
+            <a:ext cx="12607926" cy="3086100"/>
           </a:xfrm>
           <a:prstGeom prst="rect">
             <a:avLst/>
@@ -493,8 +493,8 @@
         </p:nvSpPr>
         <p:spPr>
           <a:xfrm>
-            <a:off x="-1160463" y="1143000"/>
-            <a:ext cx="9178926" cy="3086100"/>
+            <a:off x="-2874963" y="1143000"/>
+            <a:ext cx="12607926" cy="3086100"/>
           </a:xfrm>
         </p:spPr>
       </p:sp>
@@ -582,15 +582,15 @@
         </p:nvSpPr>
         <p:spPr>
           <a:xfrm>
-            <a:off x="1478955" y="650815"/>
-            <a:ext cx="8873729" cy="1384477"/>
+            <a:off x="1478955" y="473886"/>
+            <a:ext cx="8873729" cy="1008098"/>
           </a:xfrm>
         </p:spPr>
         <p:txBody>
           <a:bodyPr anchor="b"/>
           <a:lstStyle>
             <a:lvl1pPr algn="ctr">
-              <a:defRPr sz="3479"/>
+              <a:defRPr sz="2533"/>
             </a:lvl1pPr>
           </a:lstStyle>
           <a:p>
@@ -614,8 +614,8 @@
         </p:nvSpPr>
         <p:spPr>
           <a:xfrm>
-            <a:off x="1478955" y="2088682"/>
-            <a:ext cx="8873729" cy="960112"/>
+            <a:off x="1478955" y="1520860"/>
+            <a:ext cx="8873729" cy="699100"/>
           </a:xfrm>
         </p:spPr>
         <p:txBody>
@@ -623,39 +623,39 @@
           <a:lstStyle>
             <a:lvl1pPr marL="0" indent="0" algn="ctr">
               <a:buNone/>
-              <a:defRPr sz="1392"/>
+              <a:defRPr sz="1013"/>
             </a:lvl1pPr>
-            <a:lvl2pPr marL="265130" indent="0" algn="ctr">
+            <a:lvl2pPr marL="193030" indent="0" algn="ctr">
               <a:buNone/>
-              <a:defRPr sz="1160"/>
+              <a:defRPr sz="844"/>
             </a:lvl2pPr>
-            <a:lvl3pPr marL="530261" indent="0" algn="ctr">
+            <a:lvl3pPr marL="386060" indent="0" algn="ctr">
               <a:buNone/>
-              <a:defRPr sz="1044"/>
+              <a:defRPr sz="760"/>
             </a:lvl3pPr>
-            <a:lvl4pPr marL="795391" indent="0" algn="ctr">
+            <a:lvl4pPr marL="579090" indent="0" algn="ctr">
               <a:buNone/>
-              <a:defRPr sz="928"/>
+              <a:defRPr sz="676"/>
             </a:lvl4pPr>
-            <a:lvl5pPr marL="1060521" indent="0" algn="ctr">
+            <a:lvl5pPr marL="772119" indent="0" algn="ctr">
               <a:buNone/>
-              <a:defRPr sz="928"/>
+              <a:defRPr sz="676"/>
             </a:lvl5pPr>
-            <a:lvl6pPr marL="1325651" indent="0" algn="ctr">
+            <a:lvl6pPr marL="965149" indent="0" algn="ctr">
               <a:buNone/>
-              <a:defRPr sz="928"/>
+              <a:defRPr sz="676"/>
             </a:lvl6pPr>
-            <a:lvl7pPr marL="1590782" indent="0" algn="ctr">
+            <a:lvl7pPr marL="1158179" indent="0" algn="ctr">
               <a:buNone/>
-              <a:defRPr sz="928"/>
+              <a:defRPr sz="676"/>
             </a:lvl7pPr>
-            <a:lvl8pPr marL="1855912" indent="0" algn="ctr">
+            <a:lvl8pPr marL="1351209" indent="0" algn="ctr">
               <a:buNone/>
-              <a:defRPr sz="928"/>
+              <a:defRPr sz="676"/>
             </a:lvl8pPr>
-            <a:lvl9pPr marL="2121042" indent="0" algn="ctr">
+            <a:lvl9pPr marL="1544239" indent="0" algn="ctr">
               <a:buNone/>
-              <a:defRPr sz="928"/>
+              <a:defRPr sz="676"/>
             </a:lvl9pPr>
           </a:lstStyle>
           <a:p>
@@ -735,7 +735,7 @@
     </p:spTree>
     <p:extLst>
       <p:ext uri="{BB962C8B-B14F-4D97-AF65-F5344CB8AC3E}">
-        <p14:creationId xmlns:p14="http://schemas.microsoft.com/office/powerpoint/2010/main" val="567643345"/>
+        <p14:creationId xmlns:p14="http://schemas.microsoft.com/office/powerpoint/2010/main" val="112821707"/>
       </p:ext>
     </p:extLst>
   </p:cSld>
@@ -905,7 +905,7 @@
     </p:spTree>
     <p:extLst>
       <p:ext uri="{BB962C8B-B14F-4D97-AF65-F5344CB8AC3E}">
-        <p14:creationId xmlns:p14="http://schemas.microsoft.com/office/powerpoint/2010/main" val="3581820794"/>
+        <p14:creationId xmlns:p14="http://schemas.microsoft.com/office/powerpoint/2010/main" val="4163640101"/>
       </p:ext>
     </p:extLst>
   </p:cSld>
@@ -944,8 +944,8 @@
         </p:nvSpPr>
         <p:spPr>
           <a:xfrm>
-            <a:off x="8467016" y="211722"/>
-            <a:ext cx="2551197" cy="3370059"/>
+            <a:off x="8467016" y="154164"/>
+            <a:ext cx="2551197" cy="2453887"/>
           </a:xfrm>
         </p:spPr>
         <p:txBody>
@@ -972,8 +972,8 @@
         </p:nvSpPr>
         <p:spPr>
           <a:xfrm>
-            <a:off x="813425" y="211722"/>
-            <a:ext cx="7505695" cy="3370059"/>
+            <a:off x="813425" y="154164"/>
+            <a:ext cx="7505695" cy="2453887"/>
           </a:xfrm>
         </p:spPr>
         <p:txBody>
@@ -1085,7 +1085,7 @@
     </p:spTree>
     <p:extLst>
       <p:ext uri="{BB962C8B-B14F-4D97-AF65-F5344CB8AC3E}">
-        <p14:creationId xmlns:p14="http://schemas.microsoft.com/office/powerpoint/2010/main" val="3475871447"/>
+        <p14:creationId xmlns:p14="http://schemas.microsoft.com/office/powerpoint/2010/main" val="4245135502"/>
       </p:ext>
     </p:extLst>
   </p:cSld>
@@ -1255,7 +1255,7 @@
     </p:spTree>
     <p:extLst>
       <p:ext uri="{BB962C8B-B14F-4D97-AF65-F5344CB8AC3E}">
-        <p14:creationId xmlns:p14="http://schemas.microsoft.com/office/powerpoint/2010/main" val="3399689933"/>
+        <p14:creationId xmlns:p14="http://schemas.microsoft.com/office/powerpoint/2010/main" val="4170610536"/>
       </p:ext>
     </p:extLst>
   </p:cSld>
@@ -1294,15 +1294,15 @@
         </p:nvSpPr>
         <p:spPr>
           <a:xfrm>
-            <a:off x="807263" y="991411"/>
-            <a:ext cx="10204788" cy="1654191"/>
+            <a:off x="807263" y="721890"/>
+            <a:ext cx="10204788" cy="1204489"/>
           </a:xfrm>
         </p:spPr>
         <p:txBody>
           <a:bodyPr anchor="b"/>
           <a:lstStyle>
             <a:lvl1pPr>
-              <a:defRPr sz="3479"/>
+              <a:defRPr sz="2533"/>
             </a:lvl1pPr>
           </a:lstStyle>
           <a:p>
@@ -1326,8 +1326,8 @@
         </p:nvSpPr>
         <p:spPr>
           <a:xfrm>
-            <a:off x="807263" y="2661252"/>
-            <a:ext cx="10204788" cy="869900"/>
+            <a:off x="807263" y="1937774"/>
+            <a:ext cx="10204788" cy="633412"/>
           </a:xfrm>
         </p:spPr>
         <p:txBody>
@@ -1335,7 +1335,7 @@
           <a:lstStyle>
             <a:lvl1pPr marL="0" indent="0">
               <a:buNone/>
-              <a:defRPr sz="1392">
+              <a:defRPr sz="1013">
                 <a:solidFill>
                   <a:schemeClr val="tx1">
                     <a:tint val="75000"/>
@@ -1343,9 +1343,9 @@
                 </a:solidFill>
               </a:defRPr>
             </a:lvl1pPr>
-            <a:lvl2pPr marL="265130" indent="0">
+            <a:lvl2pPr marL="193030" indent="0">
               <a:buNone/>
-              <a:defRPr sz="1160">
+              <a:defRPr sz="844">
                 <a:solidFill>
                   <a:schemeClr val="tx1">
                     <a:tint val="75000"/>
@@ -1353,9 +1353,9 @@
                 </a:solidFill>
               </a:defRPr>
             </a:lvl2pPr>
-            <a:lvl3pPr marL="530261" indent="0">
+            <a:lvl3pPr marL="386060" indent="0">
               <a:buNone/>
-              <a:defRPr sz="1044">
+              <a:defRPr sz="760">
                 <a:solidFill>
                   <a:schemeClr val="tx1">
                     <a:tint val="75000"/>
@@ -1363,9 +1363,9 @@
                 </a:solidFill>
               </a:defRPr>
             </a:lvl3pPr>
-            <a:lvl4pPr marL="795391" indent="0">
+            <a:lvl4pPr marL="579090" indent="0">
               <a:buNone/>
-              <a:defRPr sz="928">
+              <a:defRPr sz="676">
                 <a:solidFill>
                   <a:schemeClr val="tx1">
                     <a:tint val="75000"/>
@@ -1373,9 +1373,9 @@
                 </a:solidFill>
               </a:defRPr>
             </a:lvl4pPr>
-            <a:lvl5pPr marL="1060521" indent="0">
+            <a:lvl5pPr marL="772119" indent="0">
               <a:buNone/>
-              <a:defRPr sz="928">
+              <a:defRPr sz="676">
                 <a:solidFill>
                   <a:schemeClr val="tx1">
                     <a:tint val="75000"/>
@@ -1383,9 +1383,9 @@
                 </a:solidFill>
               </a:defRPr>
             </a:lvl5pPr>
-            <a:lvl6pPr marL="1325651" indent="0">
+            <a:lvl6pPr marL="965149" indent="0">
               <a:buNone/>
-              <a:defRPr sz="928">
+              <a:defRPr sz="676">
                 <a:solidFill>
                   <a:schemeClr val="tx1">
                     <a:tint val="75000"/>
@@ -1393,9 +1393,9 @@
                 </a:solidFill>
               </a:defRPr>
             </a:lvl6pPr>
-            <a:lvl7pPr marL="1590782" indent="0">
+            <a:lvl7pPr marL="1158179" indent="0">
               <a:buNone/>
-              <a:defRPr sz="928">
+              <a:defRPr sz="676">
                 <a:solidFill>
                   <a:schemeClr val="tx1">
                     <a:tint val="75000"/>
@@ -1403,9 +1403,9 @@
                 </a:solidFill>
               </a:defRPr>
             </a:lvl7pPr>
-            <a:lvl8pPr marL="1855912" indent="0">
+            <a:lvl8pPr marL="1351209" indent="0">
               <a:buNone/>
-              <a:defRPr sz="928">
+              <a:defRPr sz="676">
                 <a:solidFill>
                   <a:schemeClr val="tx1">
                     <a:tint val="75000"/>
@@ -1413,9 +1413,9 @@
                 </a:solidFill>
               </a:defRPr>
             </a:lvl8pPr>
-            <a:lvl9pPr marL="2121042" indent="0">
+            <a:lvl9pPr marL="1544239" indent="0">
               <a:buNone/>
-              <a:defRPr sz="928">
+              <a:defRPr sz="676">
                 <a:solidFill>
                   <a:schemeClr val="tx1">
                     <a:tint val="75000"/>
@@ -1501,7 +1501,7 @@
     </p:spTree>
     <p:extLst>
       <p:ext uri="{BB962C8B-B14F-4D97-AF65-F5344CB8AC3E}">
-        <p14:creationId xmlns:p14="http://schemas.microsoft.com/office/powerpoint/2010/main" val="1493951764"/>
+        <p14:creationId xmlns:p14="http://schemas.microsoft.com/office/powerpoint/2010/main" val="3209322249"/>
       </p:ext>
     </p:extLst>
   </p:cSld>
@@ -1563,8 +1563,8 @@
         </p:nvSpPr>
         <p:spPr>
           <a:xfrm>
-            <a:off x="813425" y="1058609"/>
-            <a:ext cx="5028446" cy="2523172"/>
+            <a:off x="813425" y="770819"/>
+            <a:ext cx="5028446" cy="1837232"/>
           </a:xfrm>
         </p:spPr>
         <p:txBody>
@@ -1620,8 +1620,8 @@
         </p:nvSpPr>
         <p:spPr>
           <a:xfrm>
-            <a:off x="5989767" y="1058609"/>
-            <a:ext cx="5028446" cy="2523172"/>
+            <a:off x="5989767" y="770819"/>
+            <a:ext cx="5028446" cy="1837232"/>
           </a:xfrm>
         </p:spPr>
         <p:txBody>
@@ -1733,7 +1733,7 @@
     </p:spTree>
     <p:extLst>
       <p:ext uri="{BB962C8B-B14F-4D97-AF65-F5344CB8AC3E}">
-        <p14:creationId xmlns:p14="http://schemas.microsoft.com/office/powerpoint/2010/main" val="2622243864"/>
+        <p14:creationId xmlns:p14="http://schemas.microsoft.com/office/powerpoint/2010/main" val="2014880063"/>
       </p:ext>
     </p:extLst>
   </p:cSld>
@@ -1772,8 +1772,8 @@
         </p:nvSpPr>
         <p:spPr>
           <a:xfrm>
-            <a:off x="814966" y="211722"/>
-            <a:ext cx="10204788" cy="768643"/>
+            <a:off x="814966" y="154164"/>
+            <a:ext cx="10204788" cy="559682"/>
           </a:xfrm>
         </p:spPr>
         <p:txBody>
@@ -1800,8 +1800,8 @@
         </p:nvSpPr>
         <p:spPr>
           <a:xfrm>
-            <a:off x="814967" y="974841"/>
-            <a:ext cx="5005337" cy="477755"/>
+            <a:off x="814967" y="709824"/>
+            <a:ext cx="5005337" cy="347874"/>
           </a:xfrm>
         </p:spPr>
         <p:txBody>
@@ -1809,39 +1809,39 @@
           <a:lstStyle>
             <a:lvl1pPr marL="0" indent="0">
               <a:buNone/>
-              <a:defRPr sz="1392" b="1"/>
+              <a:defRPr sz="1013" b="1"/>
             </a:lvl1pPr>
-            <a:lvl2pPr marL="265130" indent="0">
+            <a:lvl2pPr marL="193030" indent="0">
               <a:buNone/>
-              <a:defRPr sz="1160" b="1"/>
+              <a:defRPr sz="844" b="1"/>
             </a:lvl2pPr>
-            <a:lvl3pPr marL="530261" indent="0">
+            <a:lvl3pPr marL="386060" indent="0">
               <a:buNone/>
-              <a:defRPr sz="1044" b="1"/>
+              <a:defRPr sz="760" b="1"/>
             </a:lvl3pPr>
-            <a:lvl4pPr marL="795391" indent="0">
+            <a:lvl4pPr marL="579090" indent="0">
               <a:buNone/>
-              <a:defRPr sz="928" b="1"/>
+              <a:defRPr sz="676" b="1"/>
             </a:lvl4pPr>
-            <a:lvl5pPr marL="1060521" indent="0">
+            <a:lvl5pPr marL="772119" indent="0">
               <a:buNone/>
-              <a:defRPr sz="928" b="1"/>
+              <a:defRPr sz="676" b="1"/>
             </a:lvl5pPr>
-            <a:lvl6pPr marL="1325651" indent="0">
+            <a:lvl6pPr marL="965149" indent="0">
               <a:buNone/>
-              <a:defRPr sz="928" b="1"/>
+              <a:defRPr sz="676" b="1"/>
             </a:lvl6pPr>
-            <a:lvl7pPr marL="1590782" indent="0">
+            <a:lvl7pPr marL="1158179" indent="0">
               <a:buNone/>
-              <a:defRPr sz="928" b="1"/>
+              <a:defRPr sz="676" b="1"/>
             </a:lvl7pPr>
-            <a:lvl8pPr marL="1855912" indent="0">
+            <a:lvl8pPr marL="1351209" indent="0">
               <a:buNone/>
-              <a:defRPr sz="928" b="1"/>
+              <a:defRPr sz="676" b="1"/>
             </a:lvl8pPr>
-            <a:lvl9pPr marL="2121042" indent="0">
+            <a:lvl9pPr marL="1544239" indent="0">
               <a:buNone/>
-              <a:defRPr sz="928" b="1"/>
+              <a:defRPr sz="676" b="1"/>
             </a:lvl9pPr>
           </a:lstStyle>
           <a:p>
@@ -1865,8 +1865,8 @@
         </p:nvSpPr>
         <p:spPr>
           <a:xfrm>
-            <a:off x="814967" y="1452596"/>
-            <a:ext cx="5005337" cy="2136550"/>
+            <a:off x="814967" y="1057698"/>
+            <a:ext cx="5005337" cy="1555715"/>
           </a:xfrm>
         </p:spPr>
         <p:txBody>
@@ -1922,8 +1922,8 @@
         </p:nvSpPr>
         <p:spPr>
           <a:xfrm>
-            <a:off x="5989767" y="974841"/>
-            <a:ext cx="5029987" cy="477755"/>
+            <a:off x="5989767" y="709824"/>
+            <a:ext cx="5029987" cy="347874"/>
           </a:xfrm>
         </p:spPr>
         <p:txBody>
@@ -1931,39 +1931,39 @@
           <a:lstStyle>
             <a:lvl1pPr marL="0" indent="0">
               <a:buNone/>
-              <a:defRPr sz="1392" b="1"/>
+              <a:defRPr sz="1013" b="1"/>
             </a:lvl1pPr>
-            <a:lvl2pPr marL="265130" indent="0">
+            <a:lvl2pPr marL="193030" indent="0">
               <a:buNone/>
-              <a:defRPr sz="1160" b="1"/>
+              <a:defRPr sz="844" b="1"/>
             </a:lvl2pPr>
-            <a:lvl3pPr marL="530261" indent="0">
+            <a:lvl3pPr marL="386060" indent="0">
               <a:buNone/>
-              <a:defRPr sz="1044" b="1"/>
+              <a:defRPr sz="760" b="1"/>
             </a:lvl3pPr>
-            <a:lvl4pPr marL="795391" indent="0">
+            <a:lvl4pPr marL="579090" indent="0">
               <a:buNone/>
-              <a:defRPr sz="928" b="1"/>
+              <a:defRPr sz="676" b="1"/>
             </a:lvl4pPr>
-            <a:lvl5pPr marL="1060521" indent="0">
+            <a:lvl5pPr marL="772119" indent="0">
               <a:buNone/>
-              <a:defRPr sz="928" b="1"/>
+              <a:defRPr sz="676" b="1"/>
             </a:lvl5pPr>
-            <a:lvl6pPr marL="1325651" indent="0">
+            <a:lvl6pPr marL="965149" indent="0">
               <a:buNone/>
-              <a:defRPr sz="928" b="1"/>
+              <a:defRPr sz="676" b="1"/>
             </a:lvl6pPr>
-            <a:lvl7pPr marL="1590782" indent="0">
+            <a:lvl7pPr marL="1158179" indent="0">
               <a:buNone/>
-              <a:defRPr sz="928" b="1"/>
+              <a:defRPr sz="676" b="1"/>
             </a:lvl7pPr>
-            <a:lvl8pPr marL="1855912" indent="0">
+            <a:lvl8pPr marL="1351209" indent="0">
               <a:buNone/>
-              <a:defRPr sz="928" b="1"/>
+              <a:defRPr sz="676" b="1"/>
             </a:lvl8pPr>
-            <a:lvl9pPr marL="2121042" indent="0">
+            <a:lvl9pPr marL="1544239" indent="0">
               <a:buNone/>
-              <a:defRPr sz="928" b="1"/>
+              <a:defRPr sz="676" b="1"/>
             </a:lvl9pPr>
           </a:lstStyle>
           <a:p>
@@ -1987,8 +1987,8 @@
         </p:nvSpPr>
         <p:spPr>
           <a:xfrm>
-            <a:off x="5989767" y="1452596"/>
-            <a:ext cx="5029987" cy="2136550"/>
+            <a:off x="5989767" y="1057698"/>
+            <a:ext cx="5029987" cy="1555715"/>
           </a:xfrm>
         </p:spPr>
         <p:txBody>
@@ -2100,7 +2100,7 @@
     </p:spTree>
     <p:extLst>
       <p:ext uri="{BB962C8B-B14F-4D97-AF65-F5344CB8AC3E}">
-        <p14:creationId xmlns:p14="http://schemas.microsoft.com/office/powerpoint/2010/main" val="2535164194"/>
+        <p14:creationId xmlns:p14="http://schemas.microsoft.com/office/powerpoint/2010/main" val="298398566"/>
       </p:ext>
     </p:extLst>
   </p:cSld>
@@ -2218,7 +2218,7 @@
     </p:spTree>
     <p:extLst>
       <p:ext uri="{BB962C8B-B14F-4D97-AF65-F5344CB8AC3E}">
-        <p14:creationId xmlns:p14="http://schemas.microsoft.com/office/powerpoint/2010/main" val="3106757463"/>
+        <p14:creationId xmlns:p14="http://schemas.microsoft.com/office/powerpoint/2010/main" val="2097797563"/>
       </p:ext>
     </p:extLst>
   </p:cSld>
@@ -2313,7 +2313,7 @@
     </p:spTree>
     <p:extLst>
       <p:ext uri="{BB962C8B-B14F-4D97-AF65-F5344CB8AC3E}">
-        <p14:creationId xmlns:p14="http://schemas.microsoft.com/office/powerpoint/2010/main" val="2764100879"/>
+        <p14:creationId xmlns:p14="http://schemas.microsoft.com/office/powerpoint/2010/main" val="3258334720"/>
       </p:ext>
     </p:extLst>
   </p:cSld>
@@ -2352,15 +2352,15 @@
         </p:nvSpPr>
         <p:spPr>
           <a:xfrm>
-            <a:off x="814967" y="265112"/>
-            <a:ext cx="3816011" cy="927894"/>
+            <a:off x="814967" y="193040"/>
+            <a:ext cx="3816011" cy="675640"/>
           </a:xfrm>
         </p:spPr>
         <p:txBody>
           <a:bodyPr anchor="b"/>
           <a:lstStyle>
             <a:lvl1pPr>
-              <a:defRPr sz="1856"/>
+              <a:defRPr sz="1351"/>
             </a:lvl1pPr>
           </a:lstStyle>
           <a:p>
@@ -2384,39 +2384,39 @@
         </p:nvSpPr>
         <p:spPr>
           <a:xfrm>
-            <a:off x="5029987" y="572570"/>
-            <a:ext cx="5989767" cy="2826026"/>
+            <a:off x="5029987" y="416913"/>
+            <a:ext cx="5989767" cy="2057753"/>
           </a:xfrm>
         </p:spPr>
         <p:txBody>
           <a:bodyPr/>
           <a:lstStyle>
             <a:lvl1pPr>
-              <a:defRPr sz="1856"/>
+              <a:defRPr sz="1351"/>
             </a:lvl1pPr>
             <a:lvl2pPr>
-              <a:defRPr sz="1624"/>
+              <a:defRPr sz="1182"/>
             </a:lvl2pPr>
             <a:lvl3pPr>
-              <a:defRPr sz="1392"/>
+              <a:defRPr sz="1013"/>
             </a:lvl3pPr>
             <a:lvl4pPr>
-              <a:defRPr sz="1160"/>
+              <a:defRPr sz="844"/>
             </a:lvl4pPr>
             <a:lvl5pPr>
-              <a:defRPr sz="1160"/>
+              <a:defRPr sz="844"/>
             </a:lvl5pPr>
             <a:lvl6pPr>
-              <a:defRPr sz="1160"/>
+              <a:defRPr sz="844"/>
             </a:lvl6pPr>
             <a:lvl7pPr>
-              <a:defRPr sz="1160"/>
+              <a:defRPr sz="844"/>
             </a:lvl7pPr>
             <a:lvl8pPr>
-              <a:defRPr sz="1160"/>
+              <a:defRPr sz="844"/>
             </a:lvl8pPr>
             <a:lvl9pPr>
-              <a:defRPr sz="1160"/>
+              <a:defRPr sz="844"/>
             </a:lvl9pPr>
           </a:lstStyle>
           <a:p>
@@ -2469,8 +2469,8 @@
         </p:nvSpPr>
         <p:spPr>
           <a:xfrm>
-            <a:off x="814967" y="1193006"/>
-            <a:ext cx="3816011" cy="2210192"/>
+            <a:off x="814967" y="868680"/>
+            <a:ext cx="3816011" cy="1609337"/>
           </a:xfrm>
         </p:spPr>
         <p:txBody>
@@ -2478,39 +2478,39 @@
           <a:lstStyle>
             <a:lvl1pPr marL="0" indent="0">
               <a:buNone/>
-              <a:defRPr sz="928"/>
+              <a:defRPr sz="676"/>
             </a:lvl1pPr>
-            <a:lvl2pPr marL="265130" indent="0">
+            <a:lvl2pPr marL="193030" indent="0">
               <a:buNone/>
-              <a:defRPr sz="812"/>
+              <a:defRPr sz="591"/>
             </a:lvl2pPr>
-            <a:lvl3pPr marL="530261" indent="0">
+            <a:lvl3pPr marL="386060" indent="0">
               <a:buNone/>
-              <a:defRPr sz="696"/>
+              <a:defRPr sz="507"/>
             </a:lvl3pPr>
-            <a:lvl4pPr marL="795391" indent="0">
+            <a:lvl4pPr marL="579090" indent="0">
               <a:buNone/>
-              <a:defRPr sz="580"/>
+              <a:defRPr sz="422"/>
             </a:lvl4pPr>
-            <a:lvl5pPr marL="1060521" indent="0">
+            <a:lvl5pPr marL="772119" indent="0">
               <a:buNone/>
-              <a:defRPr sz="580"/>
+              <a:defRPr sz="422"/>
             </a:lvl5pPr>
-            <a:lvl6pPr marL="1325651" indent="0">
+            <a:lvl6pPr marL="965149" indent="0">
               <a:buNone/>
-              <a:defRPr sz="580"/>
+              <a:defRPr sz="422"/>
             </a:lvl6pPr>
-            <a:lvl7pPr marL="1590782" indent="0">
+            <a:lvl7pPr marL="1158179" indent="0">
               <a:buNone/>
-              <a:defRPr sz="580"/>
+              <a:defRPr sz="422"/>
             </a:lvl7pPr>
-            <a:lvl8pPr marL="1855912" indent="0">
+            <a:lvl8pPr marL="1351209" indent="0">
               <a:buNone/>
-              <a:defRPr sz="580"/>
+              <a:defRPr sz="422"/>
             </a:lvl8pPr>
-            <a:lvl9pPr marL="2121042" indent="0">
+            <a:lvl9pPr marL="1544239" indent="0">
               <a:buNone/>
-              <a:defRPr sz="580"/>
+              <a:defRPr sz="422"/>
             </a:lvl9pPr>
           </a:lstStyle>
           <a:p>
@@ -2590,7 +2590,7 @@
     </p:spTree>
     <p:extLst>
       <p:ext uri="{BB962C8B-B14F-4D97-AF65-F5344CB8AC3E}">
-        <p14:creationId xmlns:p14="http://schemas.microsoft.com/office/powerpoint/2010/main" val="3926229898"/>
+        <p14:creationId xmlns:p14="http://schemas.microsoft.com/office/powerpoint/2010/main" val="3790169327"/>
       </p:ext>
     </p:extLst>
   </p:cSld>
@@ -2629,15 +2629,15 @@
         </p:nvSpPr>
         <p:spPr>
           <a:xfrm>
-            <a:off x="814967" y="265112"/>
-            <a:ext cx="3816011" cy="927894"/>
+            <a:off x="814967" y="193040"/>
+            <a:ext cx="3816011" cy="675640"/>
           </a:xfrm>
         </p:spPr>
         <p:txBody>
           <a:bodyPr anchor="b"/>
           <a:lstStyle>
             <a:lvl1pPr>
-              <a:defRPr sz="1856"/>
+              <a:defRPr sz="1351"/>
             </a:lvl1pPr>
           </a:lstStyle>
           <a:p>
@@ -2661,8 +2661,8 @@
         </p:nvSpPr>
         <p:spPr>
           <a:xfrm>
-            <a:off x="5029987" y="572570"/>
-            <a:ext cx="5989767" cy="2826026"/>
+            <a:off x="5029987" y="416913"/>
+            <a:ext cx="5989767" cy="2057753"/>
           </a:xfrm>
         </p:spPr>
         <p:txBody>
@@ -2670,39 +2670,39 @@
           <a:lstStyle>
             <a:lvl1pPr marL="0" indent="0">
               <a:buNone/>
-              <a:defRPr sz="1856"/>
+              <a:defRPr sz="1351"/>
             </a:lvl1pPr>
-            <a:lvl2pPr marL="265130" indent="0">
+            <a:lvl2pPr marL="193030" indent="0">
               <a:buNone/>
-              <a:defRPr sz="1624"/>
+              <a:defRPr sz="1182"/>
             </a:lvl2pPr>
-            <a:lvl3pPr marL="530261" indent="0">
+            <a:lvl3pPr marL="386060" indent="0">
               <a:buNone/>
-              <a:defRPr sz="1392"/>
+              <a:defRPr sz="1013"/>
             </a:lvl3pPr>
-            <a:lvl4pPr marL="795391" indent="0">
+            <a:lvl4pPr marL="579090" indent="0">
               <a:buNone/>
-              <a:defRPr sz="1160"/>
+              <a:defRPr sz="844"/>
             </a:lvl4pPr>
-            <a:lvl5pPr marL="1060521" indent="0">
+            <a:lvl5pPr marL="772119" indent="0">
               <a:buNone/>
-              <a:defRPr sz="1160"/>
+              <a:defRPr sz="844"/>
             </a:lvl5pPr>
-            <a:lvl6pPr marL="1325651" indent="0">
+            <a:lvl6pPr marL="965149" indent="0">
               <a:buNone/>
-              <a:defRPr sz="1160"/>
+              <a:defRPr sz="844"/>
             </a:lvl6pPr>
-            <a:lvl7pPr marL="1590782" indent="0">
+            <a:lvl7pPr marL="1158179" indent="0">
               <a:buNone/>
-              <a:defRPr sz="1160"/>
+              <a:defRPr sz="844"/>
             </a:lvl7pPr>
-            <a:lvl8pPr marL="1855912" indent="0">
+            <a:lvl8pPr marL="1351209" indent="0">
               <a:buNone/>
-              <a:defRPr sz="1160"/>
+              <a:defRPr sz="844"/>
             </a:lvl8pPr>
-            <a:lvl9pPr marL="2121042" indent="0">
+            <a:lvl9pPr marL="1544239" indent="0">
               <a:buNone/>
-              <a:defRPr sz="1160"/>
+              <a:defRPr sz="844"/>
             </a:lvl9pPr>
           </a:lstStyle>
           <a:p>
@@ -2726,8 +2726,8 @@
         </p:nvSpPr>
         <p:spPr>
           <a:xfrm>
-            <a:off x="814967" y="1193006"/>
-            <a:ext cx="3816011" cy="2210192"/>
+            <a:off x="814967" y="868680"/>
+            <a:ext cx="3816011" cy="1609337"/>
           </a:xfrm>
         </p:spPr>
         <p:txBody>
@@ -2735,39 +2735,39 @@
           <a:lstStyle>
             <a:lvl1pPr marL="0" indent="0">
               <a:buNone/>
-              <a:defRPr sz="928"/>
+              <a:defRPr sz="676"/>
             </a:lvl1pPr>
-            <a:lvl2pPr marL="265130" indent="0">
+            <a:lvl2pPr marL="193030" indent="0">
               <a:buNone/>
-              <a:defRPr sz="812"/>
+              <a:defRPr sz="591"/>
             </a:lvl2pPr>
-            <a:lvl3pPr marL="530261" indent="0">
+            <a:lvl3pPr marL="386060" indent="0">
               <a:buNone/>
-              <a:defRPr sz="696"/>
+              <a:defRPr sz="507"/>
             </a:lvl3pPr>
-            <a:lvl4pPr marL="795391" indent="0">
+            <a:lvl4pPr marL="579090" indent="0">
               <a:buNone/>
-              <a:defRPr sz="580"/>
+              <a:defRPr sz="422"/>
             </a:lvl4pPr>
-            <a:lvl5pPr marL="1060521" indent="0">
+            <a:lvl5pPr marL="772119" indent="0">
               <a:buNone/>
-              <a:defRPr sz="580"/>
+              <a:defRPr sz="422"/>
             </a:lvl5pPr>
-            <a:lvl6pPr marL="1325651" indent="0">
+            <a:lvl6pPr marL="965149" indent="0">
               <a:buNone/>
-              <a:defRPr sz="580"/>
+              <a:defRPr sz="422"/>
             </a:lvl6pPr>
-            <a:lvl7pPr marL="1590782" indent="0">
+            <a:lvl7pPr marL="1158179" indent="0">
               <a:buNone/>
-              <a:defRPr sz="580"/>
+              <a:defRPr sz="422"/>
             </a:lvl7pPr>
-            <a:lvl8pPr marL="1855912" indent="0">
+            <a:lvl8pPr marL="1351209" indent="0">
               <a:buNone/>
-              <a:defRPr sz="580"/>
+              <a:defRPr sz="422"/>
             </a:lvl8pPr>
-            <a:lvl9pPr marL="2121042" indent="0">
+            <a:lvl9pPr marL="1544239" indent="0">
               <a:buNone/>
-              <a:defRPr sz="580"/>
+              <a:defRPr sz="422"/>
             </a:lvl9pPr>
           </a:lstStyle>
           <a:p>
@@ -2847,7 +2847,7 @@
     </p:spTree>
     <p:extLst>
       <p:ext uri="{BB962C8B-B14F-4D97-AF65-F5344CB8AC3E}">
-        <p14:creationId xmlns:p14="http://schemas.microsoft.com/office/powerpoint/2010/main" val="2218358788"/>
+        <p14:creationId xmlns:p14="http://schemas.microsoft.com/office/powerpoint/2010/main" val="3483132675"/>
       </p:ext>
     </p:extLst>
   </p:cSld>
@@ -2891,8 +2891,8 @@
         </p:nvSpPr>
         <p:spPr>
           <a:xfrm>
-            <a:off x="813425" y="211722"/>
-            <a:ext cx="10204788" cy="768643"/>
+            <a:off x="813425" y="154164"/>
+            <a:ext cx="10204788" cy="559682"/>
           </a:xfrm>
           <a:prstGeom prst="rect">
             <a:avLst/>
@@ -2924,8 +2924,8 @@
         </p:nvSpPr>
         <p:spPr>
           <a:xfrm>
-            <a:off x="813425" y="1058609"/>
-            <a:ext cx="10204788" cy="2523172"/>
+            <a:off x="813425" y="770819"/>
+            <a:ext cx="10204788" cy="1837232"/>
           </a:xfrm>
           <a:prstGeom prst="rect">
             <a:avLst/>
@@ -2986,8 +2986,8 @@
         </p:nvSpPr>
         <p:spPr>
           <a:xfrm>
-            <a:off x="813425" y="3685801"/>
-            <a:ext cx="2662119" cy="211722"/>
+            <a:off x="813425" y="2683792"/>
+            <a:ext cx="2662119" cy="154164"/>
           </a:xfrm>
           <a:prstGeom prst="rect">
             <a:avLst/>
@@ -2997,7 +2997,7 @@
           <a:bodyPr vert="horz" lIns="91440" tIns="45720" rIns="91440" bIns="45720" rtlCol="0" anchor="ctr"/>
           <a:lstStyle>
             <a:lvl1pPr algn="l">
-              <a:defRPr sz="696">
+              <a:defRPr sz="507">
                 <a:solidFill>
                   <a:schemeClr val="tx1">
                     <a:tint val="75000"/>
@@ -3027,8 +3027,8 @@
         </p:nvSpPr>
         <p:spPr>
           <a:xfrm>
-            <a:off x="3919230" y="3685801"/>
-            <a:ext cx="3993178" cy="211722"/>
+            <a:off x="3919230" y="2683792"/>
+            <a:ext cx="3993178" cy="154164"/>
           </a:xfrm>
           <a:prstGeom prst="rect">
             <a:avLst/>
@@ -3038,7 +3038,7 @@
           <a:bodyPr vert="horz" lIns="91440" tIns="45720" rIns="91440" bIns="45720" rtlCol="0" anchor="ctr"/>
           <a:lstStyle>
             <a:lvl1pPr algn="ctr">
-              <a:defRPr sz="696">
+              <a:defRPr sz="507">
                 <a:solidFill>
                   <a:schemeClr val="tx1">
                     <a:tint val="75000"/>
@@ -3064,8 +3064,8 @@
         </p:nvSpPr>
         <p:spPr>
           <a:xfrm>
-            <a:off x="8356094" y="3685801"/>
-            <a:ext cx="2662119" cy="211722"/>
+            <a:off x="8356094" y="2683792"/>
+            <a:ext cx="2662119" cy="154164"/>
           </a:xfrm>
           <a:prstGeom prst="rect">
             <a:avLst/>
@@ -3075,7 +3075,7 @@
           <a:bodyPr vert="horz" lIns="91440" tIns="45720" rIns="91440" bIns="45720" rtlCol="0" anchor="ctr"/>
           <a:lstStyle>
             <a:lvl1pPr algn="r">
-              <a:defRPr sz="696">
+              <a:defRPr sz="507">
                 <a:solidFill>
                   <a:schemeClr val="tx1">
                     <a:tint val="75000"/>
@@ -3096,27 +3096,27 @@
     </p:spTree>
     <p:extLst>
       <p:ext uri="{BB962C8B-B14F-4D97-AF65-F5344CB8AC3E}">
-        <p14:creationId xmlns:p14="http://schemas.microsoft.com/office/powerpoint/2010/main" val="2124446154"/>
+        <p14:creationId xmlns:p14="http://schemas.microsoft.com/office/powerpoint/2010/main" val="567023196"/>
       </p:ext>
     </p:extLst>
   </p:cSld>
   <p:clrMap bg1="lt1" tx1="dk1" bg2="lt2" tx2="dk2" accent1="accent1" accent2="accent2" accent3="accent3" accent4="accent4" accent5="accent5" accent6="accent6" hlink="hlink" folHlink="folHlink"/>
   <p:sldLayoutIdLst>
-    <p:sldLayoutId id="2147483697" r:id="rId1"/>
-    <p:sldLayoutId id="2147483698" r:id="rId2"/>
-    <p:sldLayoutId id="2147483699" r:id="rId3"/>
-    <p:sldLayoutId id="2147483700" r:id="rId4"/>
-    <p:sldLayoutId id="2147483701" r:id="rId5"/>
-    <p:sldLayoutId id="2147483702" r:id="rId6"/>
-    <p:sldLayoutId id="2147483703" r:id="rId7"/>
-    <p:sldLayoutId id="2147483704" r:id="rId8"/>
-    <p:sldLayoutId id="2147483705" r:id="rId9"/>
-    <p:sldLayoutId id="2147483706" r:id="rId10"/>
-    <p:sldLayoutId id="2147483707" r:id="rId11"/>
+    <p:sldLayoutId id="2147483721" r:id="rId1"/>
+    <p:sldLayoutId id="2147483722" r:id="rId2"/>
+    <p:sldLayoutId id="2147483723" r:id="rId3"/>
+    <p:sldLayoutId id="2147483724" r:id="rId4"/>
+    <p:sldLayoutId id="2147483725" r:id="rId5"/>
+    <p:sldLayoutId id="2147483726" r:id="rId6"/>
+    <p:sldLayoutId id="2147483727" r:id="rId7"/>
+    <p:sldLayoutId id="2147483728" r:id="rId8"/>
+    <p:sldLayoutId id="2147483729" r:id="rId9"/>
+    <p:sldLayoutId id="2147483730" r:id="rId10"/>
+    <p:sldLayoutId id="2147483731" r:id="rId11"/>
   </p:sldLayoutIdLst>
   <p:txStyles>
     <p:titleStyle>
-      <a:lvl1pPr algn="l" defTabSz="530261" rtl="0" eaLnBrk="1" latinLnBrk="0" hangingPunct="1">
+      <a:lvl1pPr algn="l" defTabSz="386060" rtl="0" eaLnBrk="1" latinLnBrk="0" hangingPunct="1">
         <a:lnSpc>
           <a:spcPct val="90000"/>
         </a:lnSpc>
@@ -3124,7 +3124,7 @@
           <a:spcPct val="0"/>
         </a:spcBef>
         <a:buNone/>
-        <a:defRPr sz="2552" kern="1200">
+        <a:defRPr sz="1858" kern="1200">
           <a:solidFill>
             <a:schemeClr val="tx1"/>
           </a:solidFill>
@@ -3135,16 +3135,16 @@
       </a:lvl1pPr>
     </p:titleStyle>
     <p:bodyStyle>
-      <a:lvl1pPr marL="132565" indent="-132565" algn="l" defTabSz="530261" rtl="0" eaLnBrk="1" latinLnBrk="0" hangingPunct="1">
+      <a:lvl1pPr marL="96515" indent="-96515" algn="l" defTabSz="386060" rtl="0" eaLnBrk="1" latinLnBrk="0" hangingPunct="1">
         <a:lnSpc>
           <a:spcPct val="90000"/>
         </a:lnSpc>
         <a:spcBef>
-          <a:spcPts val="580"/>
+          <a:spcPts val="422"/>
         </a:spcBef>
         <a:buFont typeface="Arial" panose="020B0604020202020204" pitchFamily="34" charset="0"/>
         <a:buChar char="•"/>
-        <a:defRPr sz="1624" kern="1200">
+        <a:defRPr sz="1182" kern="1200">
           <a:solidFill>
             <a:schemeClr val="tx1"/>
           </a:solidFill>
@@ -3153,16 +3153,16 @@
           <a:cs typeface="+mn-cs"/>
         </a:defRPr>
       </a:lvl1pPr>
-      <a:lvl2pPr marL="397695" indent="-132565" algn="l" defTabSz="530261" rtl="0" eaLnBrk="1" latinLnBrk="0" hangingPunct="1">
+      <a:lvl2pPr marL="289545" indent="-96515" algn="l" defTabSz="386060" rtl="0" eaLnBrk="1" latinLnBrk="0" hangingPunct="1">
         <a:lnSpc>
           <a:spcPct val="90000"/>
         </a:lnSpc>
         <a:spcBef>
-          <a:spcPts val="290"/>
+          <a:spcPts val="211"/>
         </a:spcBef>
         <a:buFont typeface="Arial" panose="020B0604020202020204" pitchFamily="34" charset="0"/>
         <a:buChar char="•"/>
-        <a:defRPr sz="1392" kern="1200">
+        <a:defRPr sz="1013" kern="1200">
           <a:solidFill>
             <a:schemeClr val="tx1"/>
           </a:solidFill>
@@ -3171,16 +3171,16 @@
           <a:cs typeface="+mn-cs"/>
         </a:defRPr>
       </a:lvl2pPr>
-      <a:lvl3pPr marL="662826" indent="-132565" algn="l" defTabSz="530261" rtl="0" eaLnBrk="1" latinLnBrk="0" hangingPunct="1">
+      <a:lvl3pPr marL="482575" indent="-96515" algn="l" defTabSz="386060" rtl="0" eaLnBrk="1" latinLnBrk="0" hangingPunct="1">
         <a:lnSpc>
           <a:spcPct val="90000"/>
         </a:lnSpc>
         <a:spcBef>
-          <a:spcPts val="290"/>
+          <a:spcPts val="211"/>
         </a:spcBef>
         <a:buFont typeface="Arial" panose="020B0604020202020204" pitchFamily="34" charset="0"/>
         <a:buChar char="•"/>
-        <a:defRPr sz="1160" kern="1200">
+        <a:defRPr sz="844" kern="1200">
           <a:solidFill>
             <a:schemeClr val="tx1"/>
           </a:solidFill>
@@ -3189,16 +3189,16 @@
           <a:cs typeface="+mn-cs"/>
         </a:defRPr>
       </a:lvl3pPr>
-      <a:lvl4pPr marL="927956" indent="-132565" algn="l" defTabSz="530261" rtl="0" eaLnBrk="1" latinLnBrk="0" hangingPunct="1">
+      <a:lvl4pPr marL="675604" indent="-96515" algn="l" defTabSz="386060" rtl="0" eaLnBrk="1" latinLnBrk="0" hangingPunct="1">
         <a:lnSpc>
           <a:spcPct val="90000"/>
         </a:lnSpc>
         <a:spcBef>
-          <a:spcPts val="290"/>
+          <a:spcPts val="211"/>
         </a:spcBef>
         <a:buFont typeface="Arial" panose="020B0604020202020204" pitchFamily="34" charset="0"/>
         <a:buChar char="•"/>
-        <a:defRPr sz="1044" kern="1200">
+        <a:defRPr sz="760" kern="1200">
           <a:solidFill>
             <a:schemeClr val="tx1"/>
           </a:solidFill>
@@ -3207,16 +3207,16 @@
           <a:cs typeface="+mn-cs"/>
         </a:defRPr>
       </a:lvl4pPr>
-      <a:lvl5pPr marL="1193086" indent="-132565" algn="l" defTabSz="530261" rtl="0" eaLnBrk="1" latinLnBrk="0" hangingPunct="1">
+      <a:lvl5pPr marL="868634" indent="-96515" algn="l" defTabSz="386060" rtl="0" eaLnBrk="1" latinLnBrk="0" hangingPunct="1">
         <a:lnSpc>
           <a:spcPct val="90000"/>
         </a:lnSpc>
         <a:spcBef>
-          <a:spcPts val="290"/>
+          <a:spcPts val="211"/>
         </a:spcBef>
         <a:buFont typeface="Arial" panose="020B0604020202020204" pitchFamily="34" charset="0"/>
         <a:buChar char="•"/>
-        <a:defRPr sz="1044" kern="1200">
+        <a:defRPr sz="760" kern="1200">
           <a:solidFill>
             <a:schemeClr val="tx1"/>
           </a:solidFill>
@@ -3225,16 +3225,16 @@
           <a:cs typeface="+mn-cs"/>
         </a:defRPr>
       </a:lvl5pPr>
-      <a:lvl6pPr marL="1458217" indent="-132565" algn="l" defTabSz="530261" rtl="0" eaLnBrk="1" latinLnBrk="0" hangingPunct="1">
+      <a:lvl6pPr marL="1061664" indent="-96515" algn="l" defTabSz="386060" rtl="0" eaLnBrk="1" latinLnBrk="0" hangingPunct="1">
         <a:lnSpc>
           <a:spcPct val="90000"/>
         </a:lnSpc>
         <a:spcBef>
-          <a:spcPts val="290"/>
+          <a:spcPts val="211"/>
         </a:spcBef>
         <a:buFont typeface="Arial" panose="020B0604020202020204" pitchFamily="34" charset="0"/>
         <a:buChar char="•"/>
-        <a:defRPr sz="1044" kern="1200">
+        <a:defRPr sz="760" kern="1200">
           <a:solidFill>
             <a:schemeClr val="tx1"/>
           </a:solidFill>
@@ -3243,16 +3243,16 @@
           <a:cs typeface="+mn-cs"/>
         </a:defRPr>
       </a:lvl6pPr>
-      <a:lvl7pPr marL="1723347" indent="-132565" algn="l" defTabSz="530261" rtl="0" eaLnBrk="1" latinLnBrk="0" hangingPunct="1">
+      <a:lvl7pPr marL="1254694" indent="-96515" algn="l" defTabSz="386060" rtl="0" eaLnBrk="1" latinLnBrk="0" hangingPunct="1">
         <a:lnSpc>
           <a:spcPct val="90000"/>
         </a:lnSpc>
         <a:spcBef>
-          <a:spcPts val="290"/>
+          <a:spcPts val="211"/>
         </a:spcBef>
         <a:buFont typeface="Arial" panose="020B0604020202020204" pitchFamily="34" charset="0"/>
         <a:buChar char="•"/>
-        <a:defRPr sz="1044" kern="1200">
+        <a:defRPr sz="760" kern="1200">
           <a:solidFill>
             <a:schemeClr val="tx1"/>
           </a:solidFill>
@@ -3261,16 +3261,16 @@
           <a:cs typeface="+mn-cs"/>
         </a:defRPr>
       </a:lvl7pPr>
-      <a:lvl8pPr marL="1988477" indent="-132565" algn="l" defTabSz="530261" rtl="0" eaLnBrk="1" latinLnBrk="0" hangingPunct="1">
+      <a:lvl8pPr marL="1447724" indent="-96515" algn="l" defTabSz="386060" rtl="0" eaLnBrk="1" latinLnBrk="0" hangingPunct="1">
         <a:lnSpc>
           <a:spcPct val="90000"/>
         </a:lnSpc>
         <a:spcBef>
-          <a:spcPts val="290"/>
+          <a:spcPts val="211"/>
         </a:spcBef>
         <a:buFont typeface="Arial" panose="020B0604020202020204" pitchFamily="34" charset="0"/>
         <a:buChar char="•"/>
-        <a:defRPr sz="1044" kern="1200">
+        <a:defRPr sz="760" kern="1200">
           <a:solidFill>
             <a:schemeClr val="tx1"/>
           </a:solidFill>
@@ -3279,16 +3279,16 @@
           <a:cs typeface="+mn-cs"/>
         </a:defRPr>
       </a:lvl8pPr>
-      <a:lvl9pPr marL="2253607" indent="-132565" algn="l" defTabSz="530261" rtl="0" eaLnBrk="1" latinLnBrk="0" hangingPunct="1">
+      <a:lvl9pPr marL="1640754" indent="-96515" algn="l" defTabSz="386060" rtl="0" eaLnBrk="1" latinLnBrk="0" hangingPunct="1">
         <a:lnSpc>
           <a:spcPct val="90000"/>
         </a:lnSpc>
         <a:spcBef>
-          <a:spcPts val="290"/>
+          <a:spcPts val="211"/>
         </a:spcBef>
         <a:buFont typeface="Arial" panose="020B0604020202020204" pitchFamily="34" charset="0"/>
         <a:buChar char="•"/>
-        <a:defRPr sz="1044" kern="1200">
+        <a:defRPr sz="760" kern="1200">
           <a:solidFill>
             <a:schemeClr val="tx1"/>
           </a:solidFill>
@@ -3302,8 +3302,8 @@
       <a:defPPr>
         <a:defRPr lang="en-US"/>
       </a:defPPr>
-      <a:lvl1pPr marL="0" algn="l" defTabSz="530261" rtl="0" eaLnBrk="1" latinLnBrk="0" hangingPunct="1">
-        <a:defRPr sz="1044" kern="1200">
+      <a:lvl1pPr marL="0" algn="l" defTabSz="386060" rtl="0" eaLnBrk="1" latinLnBrk="0" hangingPunct="1">
+        <a:defRPr sz="760" kern="1200">
           <a:solidFill>
             <a:schemeClr val="tx1"/>
           </a:solidFill>
@@ -3312,8 +3312,8 @@
           <a:cs typeface="+mn-cs"/>
         </a:defRPr>
       </a:lvl1pPr>
-      <a:lvl2pPr marL="265130" algn="l" defTabSz="530261" rtl="0" eaLnBrk="1" latinLnBrk="0" hangingPunct="1">
-        <a:defRPr sz="1044" kern="1200">
+      <a:lvl2pPr marL="193030" algn="l" defTabSz="386060" rtl="0" eaLnBrk="1" latinLnBrk="0" hangingPunct="1">
+        <a:defRPr sz="760" kern="1200">
           <a:solidFill>
             <a:schemeClr val="tx1"/>
           </a:solidFill>
@@ -3322,8 +3322,8 @@
           <a:cs typeface="+mn-cs"/>
         </a:defRPr>
       </a:lvl2pPr>
-      <a:lvl3pPr marL="530261" algn="l" defTabSz="530261" rtl="0" eaLnBrk="1" latinLnBrk="0" hangingPunct="1">
-        <a:defRPr sz="1044" kern="1200">
+      <a:lvl3pPr marL="386060" algn="l" defTabSz="386060" rtl="0" eaLnBrk="1" latinLnBrk="0" hangingPunct="1">
+        <a:defRPr sz="760" kern="1200">
           <a:solidFill>
             <a:schemeClr val="tx1"/>
           </a:solidFill>
@@ -3332,8 +3332,8 @@
           <a:cs typeface="+mn-cs"/>
         </a:defRPr>
       </a:lvl3pPr>
-      <a:lvl4pPr marL="795391" algn="l" defTabSz="530261" rtl="0" eaLnBrk="1" latinLnBrk="0" hangingPunct="1">
-        <a:defRPr sz="1044" kern="1200">
+      <a:lvl4pPr marL="579090" algn="l" defTabSz="386060" rtl="0" eaLnBrk="1" latinLnBrk="0" hangingPunct="1">
+        <a:defRPr sz="760" kern="1200">
           <a:solidFill>
             <a:schemeClr val="tx1"/>
           </a:solidFill>
@@ -3342,8 +3342,8 @@
           <a:cs typeface="+mn-cs"/>
         </a:defRPr>
       </a:lvl4pPr>
-      <a:lvl5pPr marL="1060521" algn="l" defTabSz="530261" rtl="0" eaLnBrk="1" latinLnBrk="0" hangingPunct="1">
-        <a:defRPr sz="1044" kern="1200">
+      <a:lvl5pPr marL="772119" algn="l" defTabSz="386060" rtl="0" eaLnBrk="1" latinLnBrk="0" hangingPunct="1">
+        <a:defRPr sz="760" kern="1200">
           <a:solidFill>
             <a:schemeClr val="tx1"/>
           </a:solidFill>
@@ -3352,8 +3352,8 @@
           <a:cs typeface="+mn-cs"/>
         </a:defRPr>
       </a:lvl5pPr>
-      <a:lvl6pPr marL="1325651" algn="l" defTabSz="530261" rtl="0" eaLnBrk="1" latinLnBrk="0" hangingPunct="1">
-        <a:defRPr sz="1044" kern="1200">
+      <a:lvl6pPr marL="965149" algn="l" defTabSz="386060" rtl="0" eaLnBrk="1" latinLnBrk="0" hangingPunct="1">
+        <a:defRPr sz="760" kern="1200">
           <a:solidFill>
             <a:schemeClr val="tx1"/>
           </a:solidFill>
@@ -3362,8 +3362,8 @@
           <a:cs typeface="+mn-cs"/>
         </a:defRPr>
       </a:lvl6pPr>
-      <a:lvl7pPr marL="1590782" algn="l" defTabSz="530261" rtl="0" eaLnBrk="1" latinLnBrk="0" hangingPunct="1">
-        <a:defRPr sz="1044" kern="1200">
+      <a:lvl7pPr marL="1158179" algn="l" defTabSz="386060" rtl="0" eaLnBrk="1" latinLnBrk="0" hangingPunct="1">
+        <a:defRPr sz="760" kern="1200">
           <a:solidFill>
             <a:schemeClr val="tx1"/>
           </a:solidFill>
@@ -3372,8 +3372,8 @@
           <a:cs typeface="+mn-cs"/>
         </a:defRPr>
       </a:lvl7pPr>
-      <a:lvl8pPr marL="1855912" algn="l" defTabSz="530261" rtl="0" eaLnBrk="1" latinLnBrk="0" hangingPunct="1">
-        <a:defRPr sz="1044" kern="1200">
+      <a:lvl8pPr marL="1351209" algn="l" defTabSz="386060" rtl="0" eaLnBrk="1" latinLnBrk="0" hangingPunct="1">
+        <a:defRPr sz="760" kern="1200">
           <a:solidFill>
             <a:schemeClr val="tx1"/>
           </a:solidFill>
@@ -3382,8 +3382,8 @@
           <a:cs typeface="+mn-cs"/>
         </a:defRPr>
       </a:lvl8pPr>
-      <a:lvl9pPr marL="2121042" algn="l" defTabSz="530261" rtl="0" eaLnBrk="1" latinLnBrk="0" hangingPunct="1">
-        <a:defRPr sz="1044" kern="1200">
+      <a:lvl9pPr marL="1544239" algn="l" defTabSz="386060" rtl="0" eaLnBrk="1" latinLnBrk="0" hangingPunct="1">
+        <a:defRPr sz="760" kern="1200">
           <a:solidFill>
             <a:schemeClr val="tx1"/>
           </a:solidFill>
@@ -3428,8 +3428,8 @@
         </p:nvSpPr>
         <p:spPr>
           <a:xfrm>
-            <a:off x="410794" y="543567"/>
-            <a:ext cx="3388416" cy="3281782"/>
+            <a:off x="42198" y="59005"/>
+            <a:ext cx="3337605" cy="2692200"/>
           </a:xfrm>
           <a:prstGeom prst="rect">
             <a:avLst/>
@@ -3478,7 +3478,7 @@
             </p:nvSpPr>
             <p:spPr>
               <a:xfrm>
-                <a:off x="573495" y="3164411"/>
+                <a:off x="195520" y="2242852"/>
                 <a:ext cx="728869" cy="410816"/>
               </a:xfrm>
               <a:prstGeom prst="rect">
@@ -3568,7 +3568,7 @@
             </p:nvSpPr>
             <p:spPr>
               <a:xfrm>
-                <a:off x="573495" y="3164411"/>
+                <a:off x="195520" y="2242852"/>
                 <a:ext cx="728869" cy="410816"/>
               </a:xfrm>
               <a:prstGeom prst="rect">
@@ -3620,7 +3620,7 @@
             </p:nvSpPr>
             <p:spPr>
               <a:xfrm>
-                <a:off x="1302363" y="3164411"/>
+                <a:off x="924389" y="2242853"/>
                 <a:ext cx="728869" cy="410816"/>
               </a:xfrm>
               <a:prstGeom prst="rect">
@@ -3710,7 +3710,7 @@
             </p:nvSpPr>
             <p:spPr>
               <a:xfrm>
-                <a:off x="1302363" y="3164411"/>
+                <a:off x="924389" y="2242853"/>
                 <a:ext cx="728869" cy="410816"/>
               </a:xfrm>
               <a:prstGeom prst="rect">
@@ -3762,7 +3762,7 @@
             </p:nvSpPr>
             <p:spPr>
               <a:xfrm>
-                <a:off x="2480306" y="3170783"/>
+                <a:off x="2079569" y="2231093"/>
                 <a:ext cx="728869" cy="410816"/>
               </a:xfrm>
               <a:prstGeom prst="rect">
@@ -3871,7 +3871,7 @@
             </p:nvSpPr>
             <p:spPr>
               <a:xfrm>
-                <a:off x="2480306" y="3170783"/>
+                <a:off x="2079569" y="2231093"/>
                 <a:ext cx="728869" cy="410816"/>
               </a:xfrm>
               <a:prstGeom prst="rect">
@@ -3923,8 +3923,8 @@
             </p:nvSpPr>
             <p:spPr>
               <a:xfrm>
-                <a:off x="973279" y="2815862"/>
-                <a:ext cx="2108334" cy="338554"/>
+                <a:off x="595298" y="1894310"/>
+                <a:ext cx="1867050" cy="307777"/>
               </a:xfrm>
               <a:prstGeom prst="rect">
                 <a:avLst/>
@@ -3938,7 +3938,7 @@
               <a:lstStyle/>
               <a:p>
                 <a:r>
-                  <a:rPr lang="en-US" altLang="zh-CN" sz="1600" b="1" dirty="0"/>
+                  <a:rPr lang="en-US" altLang="zh-CN" sz="1400" b="1" dirty="0"/>
                   <a:t>Past </a:t>
                 </a:r>
                 <a14:m>
@@ -3946,14 +3946,14 @@
                     <m:sSub>
                       <m:sSubPr>
                         <m:ctrlPr>
-                          <a:rPr lang="en-US" altLang="zh-CN" sz="1600" i="1">
+                          <a:rPr lang="en-US" altLang="zh-CN" sz="1400" i="1">
                             <a:latin typeface="Cambria Math" panose="02040503050406030204" pitchFamily="18" charset="0"/>
                           </a:rPr>
                         </m:ctrlPr>
                       </m:sSubPr>
                       <m:e>
                         <m:r>
-                          <a:rPr lang="en-US" altLang="zh-CN" sz="1600" i="1">
+                          <a:rPr lang="en-US" altLang="zh-CN" sz="1400" i="1">
                             <a:latin typeface="Cambria Math" panose="02040503050406030204" pitchFamily="18" charset="0"/>
                           </a:rPr>
                           <m:t>𝑘</m:t>
@@ -3961,7 +3961,7 @@
                       </m:e>
                       <m:sub>
                         <m:r>
-                          <a:rPr lang="en-US" altLang="zh-CN" sz="1600" i="1">
+                          <a:rPr lang="en-US" altLang="zh-CN" sz="1400" i="1">
                             <a:latin typeface="Cambria Math" panose="02040503050406030204" pitchFamily="18" charset="0"/>
                           </a:rPr>
                           <m:t>2</m:t>
@@ -3969,7 +3969,7 @@
                       </m:sub>
                     </m:sSub>
                     <m:r>
-                      <a:rPr lang="en-US" altLang="zh-CN" sz="1600" i="1">
+                      <a:rPr lang="en-US" altLang="zh-CN" sz="1400" i="1">
                         <a:latin typeface="Cambria Math" panose="02040503050406030204" pitchFamily="18" charset="0"/>
                       </a:rPr>
                       <m:t> </m:t>
@@ -3977,10 +3977,10 @@
                   </m:oMath>
                 </a14:m>
                 <a:r>
-                  <a:rPr lang="en-US" altLang="zh-CN" sz="1600" b="1" dirty="0"/>
+                  <a:rPr lang="en-US" altLang="zh-CN" sz="1400" b="1" dirty="0"/>
                   <a:t>configurations </a:t>
                 </a:r>
-                <a:endParaRPr lang="zh-CN" altLang="en-US" sz="1600" b="1" dirty="0"/>
+                <a:endParaRPr lang="zh-CN" altLang="en-US" sz="1400" b="1" dirty="0"/>
               </a:p>
             </p:txBody>
           </p:sp>
@@ -4002,8 +4002,8 @@
             </p:nvSpPr>
             <p:spPr>
               <a:xfrm>
-                <a:off x="973279" y="2815862"/>
-                <a:ext cx="2108334" cy="338554"/>
+                <a:off x="595298" y="1894310"/>
+                <a:ext cx="1867050" cy="307777"/>
               </a:xfrm>
               <a:prstGeom prst="rect">
                 <a:avLst/>
@@ -4011,7 +4011,7 @@
               <a:blipFill>
                 <a:blip r:embed="rId6"/>
                 <a:stretch>
-                  <a:fillRect l="-1734" t="-5455" r="-289" b="-23636"/>
+                  <a:fillRect l="-980" t="-4000" b="-20000"/>
                 </a:stretch>
               </a:blipFill>
             </p:spPr>
@@ -4046,7 +4046,7 @@
             </p:nvSpPr>
             <p:spPr>
               <a:xfrm>
-                <a:off x="548053" y="1319127"/>
+                <a:off x="160262" y="663390"/>
                 <a:ext cx="728869" cy="410816"/>
               </a:xfrm>
               <a:prstGeom prst="rect">
@@ -4136,7 +4136,7 @@
             </p:nvSpPr>
             <p:spPr>
               <a:xfrm>
-                <a:off x="548053" y="1319127"/>
+                <a:off x="160262" y="663390"/>
                 <a:ext cx="728869" cy="410816"/>
               </a:xfrm>
               <a:prstGeom prst="rect">
@@ -4188,7 +4188,7 @@
             </p:nvSpPr>
             <p:spPr>
               <a:xfrm>
-                <a:off x="1276921" y="1319127"/>
+                <a:off x="889131" y="663391"/>
                 <a:ext cx="728869" cy="410816"/>
               </a:xfrm>
               <a:prstGeom prst="rect">
@@ -4278,7 +4278,7 @@
             </p:nvSpPr>
             <p:spPr>
               <a:xfrm>
-                <a:off x="1276921" y="1319127"/>
+                <a:off x="889131" y="663391"/>
                 <a:ext cx="728869" cy="410816"/>
               </a:xfrm>
               <a:prstGeom prst="rect">
@@ -4330,7 +4330,7 @@
             </p:nvSpPr>
             <p:spPr>
               <a:xfrm>
-                <a:off x="2623391" y="1313203"/>
+                <a:off x="2235601" y="657466"/>
                 <a:ext cx="728869" cy="410816"/>
               </a:xfrm>
               <a:prstGeom prst="rect">
@@ -4439,7 +4439,7 @@
             </p:nvSpPr>
             <p:spPr>
               <a:xfrm>
-                <a:off x="2623391" y="1313203"/>
+                <a:off x="2235601" y="657466"/>
                 <a:ext cx="728869" cy="410816"/>
               </a:xfrm>
               <a:prstGeom prst="rect">
@@ -4489,8 +4489,8 @@
         </p:nvSpPr>
         <p:spPr>
           <a:xfrm>
-            <a:off x="728737" y="998339"/>
-            <a:ext cx="2813463" cy="338554"/>
+            <a:off x="336359" y="337101"/>
+            <a:ext cx="2479718" cy="307777"/>
           </a:xfrm>
           <a:prstGeom prst="rect">
             <a:avLst/>
@@ -4504,10 +4504,10 @@
           <a:lstStyle/>
           <a:p>
             <a:r>
-              <a:rPr lang="en-US" altLang="zh-CN" sz="1600" b="1" dirty="0"/>
+              <a:rPr lang="en-US" altLang="zh-CN" sz="1400" b="1" dirty="0"/>
               <a:t>Spatial features of video chunk</a:t>
             </a:r>
-            <a:endParaRPr lang="zh-CN" altLang="en-US" sz="1600" b="1" dirty="0"/>
+            <a:endParaRPr lang="zh-CN" altLang="en-US" sz="1400" b="1" dirty="0"/>
           </a:p>
         </p:txBody>
       </p:sp>
@@ -4527,7 +4527,7 @@
             </p:nvSpPr>
             <p:spPr>
               <a:xfrm>
-                <a:off x="506740" y="2214802"/>
+                <a:off x="142792" y="1458071"/>
                 <a:ext cx="1137786" cy="410816"/>
               </a:xfrm>
               <a:prstGeom prst="rect">
@@ -4648,7 +4648,7 @@
             </p:nvSpPr>
             <p:spPr>
               <a:xfrm>
-                <a:off x="506740" y="2214802"/>
+                <a:off x="142792" y="1458071"/>
                 <a:ext cx="1137786" cy="410816"/>
               </a:xfrm>
               <a:prstGeom prst="rect">
@@ -4698,8 +4698,8 @@
         </p:nvSpPr>
         <p:spPr>
           <a:xfrm>
-            <a:off x="586531" y="1863557"/>
-            <a:ext cx="3028778" cy="338554"/>
+            <a:off x="214620" y="1154774"/>
+            <a:ext cx="2665473" cy="307777"/>
           </a:xfrm>
           <a:prstGeom prst="rect">
             <a:avLst/>
@@ -4713,10 +4713,10 @@
           <a:lstStyle/>
           <a:p>
             <a:r>
-              <a:rPr lang="en-US" altLang="zh-CN" sz="1600" b="1" dirty="0"/>
+              <a:rPr lang="en-US" altLang="zh-CN" sz="1400" b="1" dirty="0"/>
               <a:t>Temporal features of video chunk</a:t>
             </a:r>
-            <a:endParaRPr lang="zh-CN" altLang="en-US" sz="1600" b="1" dirty="0"/>
+            <a:endParaRPr lang="zh-CN" altLang="en-US" sz="1400" b="1" dirty="0"/>
           </a:p>
         </p:txBody>
       </p:sp>
@@ -4736,7 +4736,7 @@
             </p:nvSpPr>
             <p:spPr>
               <a:xfrm>
-                <a:off x="2018461" y="2228189"/>
+                <a:off x="1654513" y="1471458"/>
                 <a:ext cx="1463862" cy="410816"/>
               </a:xfrm>
               <a:prstGeom prst="rect">
@@ -4901,7 +4901,7 @@
             </p:nvSpPr>
             <p:spPr>
               <a:xfrm>
-                <a:off x="2018461" y="2228189"/>
+                <a:off x="1654513" y="1471458"/>
                 <a:ext cx="1463862" cy="410816"/>
               </a:xfrm>
               <a:prstGeom prst="rect">
@@ -4953,8 +4953,8 @@
             </p:nvSpPr>
             <p:spPr>
               <a:xfrm>
-                <a:off x="4200409" y="543567"/>
-                <a:ext cx="5007838" cy="3315633"/>
+                <a:off x="3705175" y="99817"/>
+                <a:ext cx="4950005" cy="2716507"/>
               </a:xfrm>
               <a:prstGeom prst="rect">
                 <a:avLst/>
@@ -5017,8 +5017,8 @@
             </p:nvSpPr>
             <p:spPr>
               <a:xfrm>
-                <a:off x="4200409" y="543567"/>
-                <a:ext cx="5007838" cy="3315633"/>
+                <a:off x="3705175" y="99817"/>
+                <a:ext cx="4950005" cy="2716507"/>
               </a:xfrm>
               <a:prstGeom prst="rect">
                 <a:avLst/>
@@ -5060,8 +5060,8 @@
         </p:nvSpPr>
         <p:spPr>
           <a:xfrm>
-            <a:off x="4332577" y="543565"/>
-            <a:ext cx="1838383" cy="307777"/>
+            <a:off x="3695368" y="99810"/>
+            <a:ext cx="1223311" cy="276999"/>
           </a:xfrm>
           <a:prstGeom prst="rect">
             <a:avLst/>
@@ -5075,10 +5075,10 @@
           <a:lstStyle/>
           <a:p>
             <a:r>
-              <a:rPr lang="en-US" altLang="zh-CN" sz="1400" b="1" dirty="0"/>
+              <a:rPr lang="en-US" altLang="zh-CN" sz="1200" b="1" dirty="0"/>
               <a:t>RL framework</a:t>
             </a:r>
-            <a:endParaRPr lang="zh-CN" altLang="en-US" sz="1400" b="1" dirty="0"/>
+            <a:endParaRPr lang="zh-CN" altLang="en-US" sz="1200" b="1" dirty="0"/>
           </a:p>
         </p:txBody>
       </p:sp>
@@ -5096,8 +5096,8 @@
         </p:nvSpPr>
         <p:spPr>
           <a:xfrm>
-            <a:off x="4881497" y="885338"/>
-            <a:ext cx="4124490" cy="2191632"/>
+            <a:off x="4843130" y="170352"/>
+            <a:ext cx="3687801" cy="1833685"/>
           </a:xfrm>
           <a:prstGeom prst="rect">
             <a:avLst/>
@@ -5164,8 +5164,8 @@
         </p:nvSpPr>
         <p:spPr>
           <a:xfrm>
-            <a:off x="7585552" y="3255503"/>
-            <a:ext cx="1270956" cy="569845"/>
+            <a:off x="7509222" y="2253155"/>
+            <a:ext cx="1072409" cy="492400"/>
           </a:xfrm>
           <a:prstGeom prst="flowChartMagneticDisk">
             <a:avLst/>
@@ -5193,12 +5193,12 @@
           <a:p>
             <a:pPr algn="ctr"/>
             <a:r>
-              <a:rPr lang="en-US" altLang="zh-CN" sz="1600" dirty="0">
+              <a:rPr lang="en-US" altLang="zh-CN" sz="1400" dirty="0">
                 <a:latin typeface="Consolas" panose="020B0609020204030204" pitchFamily="49" charset="0"/>
               </a:rPr>
               <a:t>Memory buffer</a:t>
             </a:r>
-            <a:endParaRPr lang="zh-CN" altLang="en-US" sz="1600" dirty="0">
+            <a:endParaRPr lang="zh-CN" altLang="en-US" sz="1400" dirty="0">
               <a:latin typeface="Consolas" panose="020B0609020204030204" pitchFamily="49" charset="0"/>
             </a:endParaRPr>
           </a:p>
@@ -5218,8 +5218,8 @@
         </p:nvSpPr>
         <p:spPr>
           <a:xfrm>
-            <a:off x="9752120" y="1414157"/>
-            <a:ext cx="1815547" cy="1004286"/>
+            <a:off x="10375331" y="695631"/>
+            <a:ext cx="1445747" cy="877636"/>
           </a:xfrm>
           <a:prstGeom prst="flowChartDecision">
             <a:avLst/>
@@ -5266,7 +5266,7 @@
         </p:nvSpPr>
         <p:spPr>
           <a:xfrm>
-            <a:off x="4856160" y="3324381"/>
+            <a:off x="4769482" y="2272384"/>
             <a:ext cx="1323598" cy="464869"/>
           </a:xfrm>
           <a:prstGeom prst="rect">
@@ -5317,12 +5317,12 @@
           <a:p>
             <a:pPr algn="ctr"/>
             <a:r>
-              <a:rPr lang="en-US" altLang="zh-CN" sz="1600" dirty="0">
+              <a:rPr lang="en-US" altLang="zh-CN" sz="1200" dirty="0">
                 <a:latin typeface="Consolas" panose="020B0609020204030204" pitchFamily="49" charset="0"/>
               </a:rPr>
               <a:t>Training controller </a:t>
             </a:r>
-            <a:endParaRPr lang="zh-CN" altLang="en-US" sz="1600" dirty="0">
+            <a:endParaRPr lang="zh-CN" altLang="en-US" sz="1200" dirty="0">
               <a:latin typeface="Consolas" panose="020B0609020204030204" pitchFamily="49" charset="0"/>
             </a:endParaRPr>
           </a:p>
@@ -5344,7 +5344,7 @@
         </p:nvCxnSpPr>
         <p:spPr>
           <a:xfrm>
-            <a:off x="6251585" y="3491837"/>
+            <a:off x="6155028" y="2407578"/>
             <a:ext cx="1303856" cy="0"/>
           </a:xfrm>
           <a:prstGeom prst="straightConnector1">
@@ -5390,7 +5390,7 @@
         </p:nvCxnSpPr>
         <p:spPr>
           <a:xfrm flipH="1">
-            <a:off x="6225911" y="3634417"/>
+            <a:off x="6141099" y="2527453"/>
             <a:ext cx="1298393" cy="0"/>
           </a:xfrm>
           <a:prstGeom prst="straightConnector1">
@@ -5435,7 +5435,7 @@
         </p:nvSpPr>
         <p:spPr>
           <a:xfrm>
-            <a:off x="6624949" y="3244953"/>
+            <a:off x="6470391" y="2157607"/>
             <a:ext cx="632906" cy="277127"/>
           </a:xfrm>
           <a:prstGeom prst="rect">
@@ -5475,7 +5475,7 @@
         </p:nvSpPr>
         <p:spPr>
           <a:xfrm>
-            <a:off x="6637244" y="3630411"/>
+            <a:off x="6511095" y="2475547"/>
             <a:ext cx="632906" cy="277127"/>
           </a:xfrm>
           <a:prstGeom prst="rect">
@@ -5517,8 +5517,8 @@
         </p:nvCxnSpPr>
         <p:spPr>
           <a:xfrm flipV="1">
-            <a:off x="5517959" y="2912773"/>
-            <a:ext cx="0" cy="411608"/>
+            <a:off x="5506318" y="1958049"/>
+            <a:ext cx="0" cy="273044"/>
           </a:xfrm>
           <a:prstGeom prst="straightConnector1">
             <a:avLst/>
@@ -5559,7 +5559,7 @@
         </p:nvSpPr>
         <p:spPr>
           <a:xfrm>
-            <a:off x="5084507" y="3089724"/>
+            <a:off x="5016694" y="1994044"/>
             <a:ext cx="689107" cy="230832"/>
           </a:xfrm>
           <a:prstGeom prst="rect">
@@ -5596,14 +5596,15 @@
           </p:cNvPr>
           <p:cNvCxnSpPr>
             <a:cxnSpLocks/>
+            <a:stCxn id="164" idx="3"/>
             <a:endCxn id="79" idx="2"/>
           </p:cNvCxnSpPr>
           <p:nvPr/>
         </p:nvCxnSpPr>
         <p:spPr>
           <a:xfrm flipV="1">
-            <a:off x="4387755" y="1171004"/>
-            <a:ext cx="837247" cy="905374"/>
+            <a:off x="4232652" y="390781"/>
+            <a:ext cx="756568" cy="764320"/>
           </a:xfrm>
           <a:prstGeom prst="straightConnector1">
             <a:avLst/>
@@ -5644,8 +5645,8 @@
         </p:nvSpPr>
         <p:spPr>
           <a:xfrm>
-            <a:off x="5224996" y="991360"/>
-            <a:ext cx="393994" cy="359297"/>
+            <a:off x="4989220" y="235926"/>
+            <a:ext cx="329797" cy="309709"/>
           </a:xfrm>
           <a:prstGeom prst="ellipse">
             <a:avLst/>
@@ -5689,8 +5690,8 @@
         </p:nvSpPr>
         <p:spPr>
           <a:xfrm>
-            <a:off x="5224996" y="1446860"/>
-            <a:ext cx="393994" cy="359297"/>
+            <a:off x="4989216" y="691423"/>
+            <a:ext cx="342282" cy="318268"/>
           </a:xfrm>
           <a:prstGeom prst="ellipse">
             <a:avLst/>
@@ -5734,8 +5735,8 @@
         </p:nvSpPr>
         <p:spPr>
           <a:xfrm>
-            <a:off x="5224996" y="1931645"/>
-            <a:ext cx="393994" cy="359297"/>
+            <a:off x="4982424" y="1132394"/>
+            <a:ext cx="350524" cy="318268"/>
           </a:xfrm>
           <a:prstGeom prst="ellipse">
             <a:avLst/>
@@ -5779,8 +5780,8 @@
         </p:nvSpPr>
         <p:spPr>
           <a:xfrm>
-            <a:off x="5232064" y="2456567"/>
-            <a:ext cx="393994" cy="359297"/>
+            <a:off x="4989216" y="1582909"/>
+            <a:ext cx="354146" cy="315624"/>
           </a:xfrm>
           <a:prstGeom prst="ellipse">
             <a:avLst/>
@@ -5821,14 +5822,15 @@
           </p:cNvPr>
           <p:cNvCxnSpPr>
             <a:cxnSpLocks/>
+            <a:stCxn id="164" idx="3"/>
             <a:endCxn id="80" idx="2"/>
           </p:cNvCxnSpPr>
           <p:nvPr/>
         </p:nvCxnSpPr>
         <p:spPr>
           <a:xfrm flipV="1">
-            <a:off x="4406588" y="1626502"/>
-            <a:ext cx="818413" cy="476446"/>
+            <a:off x="4232652" y="850557"/>
+            <a:ext cx="756564" cy="304544"/>
           </a:xfrm>
           <a:prstGeom prst="straightConnector1">
             <a:avLst/>
@@ -5866,14 +5868,15 @@
           </p:cNvPr>
           <p:cNvCxnSpPr>
             <a:cxnSpLocks/>
+            <a:stCxn id="164" idx="3"/>
             <a:endCxn id="81" idx="2"/>
           </p:cNvCxnSpPr>
           <p:nvPr/>
         </p:nvCxnSpPr>
         <p:spPr>
-          <a:xfrm flipV="1">
-            <a:off x="4387234" y="2111288"/>
-            <a:ext cx="837769" cy="6804"/>
+          <a:xfrm>
+            <a:off x="4232652" y="1155101"/>
+            <a:ext cx="749772" cy="136427"/>
           </a:xfrm>
           <a:prstGeom prst="straightConnector1">
             <a:avLst/>
@@ -5911,14 +5914,15 @@
           </p:cNvPr>
           <p:cNvCxnSpPr>
             <a:cxnSpLocks/>
+            <a:stCxn id="164" idx="3"/>
             <a:endCxn id="82" idx="2"/>
           </p:cNvCxnSpPr>
           <p:nvPr/>
         </p:nvCxnSpPr>
         <p:spPr>
           <a:xfrm>
-            <a:off x="4381834" y="2086867"/>
-            <a:ext cx="850230" cy="549342"/>
+            <a:off x="4232652" y="1155101"/>
+            <a:ext cx="756564" cy="585620"/>
           </a:xfrm>
           <a:prstGeom prst="straightConnector1">
             <a:avLst/>
@@ -5959,8 +5963,8 @@
         </p:nvSpPr>
         <p:spPr>
           <a:xfrm>
-            <a:off x="6225019" y="999767"/>
-            <a:ext cx="393994" cy="359297"/>
+            <a:off x="5684019" y="237790"/>
+            <a:ext cx="328585" cy="309709"/>
           </a:xfrm>
           <a:prstGeom prst="ellipse">
             <a:avLst/>
@@ -6004,865 +6008,8 @@
         </p:nvSpPr>
         <p:spPr>
           <a:xfrm>
-            <a:off x="6225019" y="1455267"/>
-            <a:ext cx="393994" cy="359297"/>
-          </a:xfrm>
-          <a:prstGeom prst="ellipse">
-            <a:avLst/>
-          </a:prstGeom>
-          <a:ln w="19050"/>
-        </p:spPr>
-        <p:style>
-          <a:lnRef idx="2">
-            <a:schemeClr val="dk1"/>
-          </a:lnRef>
-          <a:fillRef idx="1">
-            <a:schemeClr val="lt1"/>
-          </a:fillRef>
-          <a:effectRef idx="0">
-            <a:schemeClr val="dk1"/>
-          </a:effectRef>
-          <a:fontRef idx="minor">
-            <a:schemeClr val="dk1"/>
-          </a:fontRef>
-        </p:style>
-        <p:txBody>
-          <a:bodyPr rtlCol="0" anchor="ctr"/>
-          <a:lstStyle/>
-          <a:p>
-            <a:pPr algn="ctr"/>
-            <a:endParaRPr lang="zh-CN" altLang="en-US" sz="1400"/>
-          </a:p>
-        </p:txBody>
-      </p:sp>
-      <p:sp>
-        <p:nvSpPr>
-          <p:cNvPr id="92" name="椭圆 91">
-            <a:extLst>
-              <a:ext uri="{FF2B5EF4-FFF2-40B4-BE49-F238E27FC236}">
-                <a16:creationId xmlns:a16="http://schemas.microsoft.com/office/drawing/2014/main" id="{DA338ABF-E367-4B4A-8FB1-94CFD87AC0E4}"/>
-              </a:ext>
-            </a:extLst>
-          </p:cNvPr>
-          <p:cNvSpPr/>
-          <p:nvPr/>
-        </p:nvSpPr>
-        <p:spPr>
-          <a:xfrm>
-            <a:off x="6225019" y="1940052"/>
-            <a:ext cx="393994" cy="359297"/>
-          </a:xfrm>
-          <a:prstGeom prst="ellipse">
-            <a:avLst/>
-          </a:prstGeom>
-          <a:ln w="19050"/>
-        </p:spPr>
-        <p:style>
-          <a:lnRef idx="2">
-            <a:schemeClr val="dk1"/>
-          </a:lnRef>
-          <a:fillRef idx="1">
-            <a:schemeClr val="lt1"/>
-          </a:fillRef>
-          <a:effectRef idx="0">
-            <a:schemeClr val="dk1"/>
-          </a:effectRef>
-          <a:fontRef idx="minor">
-            <a:schemeClr val="dk1"/>
-          </a:fontRef>
-        </p:style>
-        <p:txBody>
-          <a:bodyPr rtlCol="0" anchor="ctr"/>
-          <a:lstStyle/>
-          <a:p>
-            <a:pPr algn="ctr"/>
-            <a:endParaRPr lang="zh-CN" altLang="en-US" sz="1400"/>
-          </a:p>
-        </p:txBody>
-      </p:sp>
-      <p:sp>
-        <p:nvSpPr>
-          <p:cNvPr id="93" name="椭圆 92">
-            <a:extLst>
-              <a:ext uri="{FF2B5EF4-FFF2-40B4-BE49-F238E27FC236}">
-                <a16:creationId xmlns:a16="http://schemas.microsoft.com/office/drawing/2014/main" id="{063C93B4-D965-4CF1-88AD-C0EF9BFBAD2A}"/>
-              </a:ext>
-            </a:extLst>
-          </p:cNvPr>
-          <p:cNvSpPr/>
-          <p:nvPr/>
-        </p:nvSpPr>
-        <p:spPr>
-          <a:xfrm>
-            <a:off x="6232086" y="2464974"/>
-            <a:ext cx="393994" cy="359297"/>
-          </a:xfrm>
-          <a:prstGeom prst="ellipse">
-            <a:avLst/>
-          </a:prstGeom>
-          <a:ln w="19050"/>
-        </p:spPr>
-        <p:style>
-          <a:lnRef idx="2">
-            <a:schemeClr val="dk1"/>
-          </a:lnRef>
-          <a:fillRef idx="1">
-            <a:schemeClr val="lt1"/>
-          </a:fillRef>
-          <a:effectRef idx="0">
-            <a:schemeClr val="dk1"/>
-          </a:effectRef>
-          <a:fontRef idx="minor">
-            <a:schemeClr val="dk1"/>
-          </a:fontRef>
-        </p:style>
-        <p:txBody>
-          <a:bodyPr rtlCol="0" anchor="ctr"/>
-          <a:lstStyle/>
-          <a:p>
-            <a:pPr algn="ctr"/>
-            <a:endParaRPr lang="zh-CN" altLang="en-US" sz="1400"/>
-          </a:p>
-        </p:txBody>
-      </p:sp>
-      <p:cxnSp>
-        <p:nvCxnSpPr>
-          <p:cNvPr id="98" name="直接连接符 97">
-            <a:extLst>
-              <a:ext uri="{FF2B5EF4-FFF2-40B4-BE49-F238E27FC236}">
-                <a16:creationId xmlns:a16="http://schemas.microsoft.com/office/drawing/2014/main" id="{A3944A7F-2655-4C5E-B3D4-1FFB1F93C386}"/>
-              </a:ext>
-            </a:extLst>
-          </p:cNvPr>
-          <p:cNvCxnSpPr>
-            <a:cxnSpLocks/>
-            <a:stCxn id="79" idx="6"/>
-            <a:endCxn id="90" idx="2"/>
-          </p:cNvCxnSpPr>
-          <p:nvPr/>
-        </p:nvCxnSpPr>
-        <p:spPr>
-          <a:xfrm>
-            <a:off x="5618991" y="1171007"/>
-            <a:ext cx="606028" cy="8406"/>
-          </a:xfrm>
-          <a:prstGeom prst="line">
-            <a:avLst/>
-          </a:prstGeom>
-          <a:ln w="28575"/>
-        </p:spPr>
-        <p:style>
-          <a:lnRef idx="1">
-            <a:schemeClr val="dk1"/>
-          </a:lnRef>
-          <a:fillRef idx="0">
-            <a:schemeClr val="dk1"/>
-          </a:fillRef>
-          <a:effectRef idx="0">
-            <a:schemeClr val="dk1"/>
-          </a:effectRef>
-          <a:fontRef idx="minor">
-            <a:schemeClr val="tx1"/>
-          </a:fontRef>
-        </p:style>
-      </p:cxnSp>
-      <p:cxnSp>
-        <p:nvCxnSpPr>
-          <p:cNvPr id="99" name="直接连接符 98">
-            <a:extLst>
-              <a:ext uri="{FF2B5EF4-FFF2-40B4-BE49-F238E27FC236}">
-                <a16:creationId xmlns:a16="http://schemas.microsoft.com/office/drawing/2014/main" id="{C5A9AE77-B68D-4278-8506-E2CED7A7230A}"/>
-              </a:ext>
-            </a:extLst>
-          </p:cNvPr>
-          <p:cNvCxnSpPr>
-            <a:cxnSpLocks/>
-          </p:cNvCxnSpPr>
-          <p:nvPr/>
-        </p:nvCxnSpPr>
-        <p:spPr>
-          <a:xfrm>
-            <a:off x="5638384" y="1666823"/>
-            <a:ext cx="606028" cy="8406"/>
-          </a:xfrm>
-          <a:prstGeom prst="line">
-            <a:avLst/>
-          </a:prstGeom>
-          <a:ln w="28575"/>
-        </p:spPr>
-        <p:style>
-          <a:lnRef idx="1">
-            <a:schemeClr val="dk1"/>
-          </a:lnRef>
-          <a:fillRef idx="0">
-            <a:schemeClr val="dk1"/>
-          </a:fillRef>
-          <a:effectRef idx="0">
-            <a:schemeClr val="dk1"/>
-          </a:effectRef>
-          <a:fontRef idx="minor">
-            <a:schemeClr val="tx1"/>
-          </a:fontRef>
-        </p:style>
-      </p:cxnSp>
-      <p:cxnSp>
-        <p:nvCxnSpPr>
-          <p:cNvPr id="100" name="直接连接符 99">
-            <a:extLst>
-              <a:ext uri="{FF2B5EF4-FFF2-40B4-BE49-F238E27FC236}">
-                <a16:creationId xmlns:a16="http://schemas.microsoft.com/office/drawing/2014/main" id="{E1503A92-5E72-4FB9-BF84-1B59DD2F2E6F}"/>
-              </a:ext>
-            </a:extLst>
-          </p:cNvPr>
-          <p:cNvCxnSpPr>
-            <a:cxnSpLocks/>
-          </p:cNvCxnSpPr>
-          <p:nvPr/>
-        </p:nvCxnSpPr>
-        <p:spPr>
-          <a:xfrm>
-            <a:off x="5618991" y="2111291"/>
-            <a:ext cx="606028" cy="8406"/>
-          </a:xfrm>
-          <a:prstGeom prst="line">
-            <a:avLst/>
-          </a:prstGeom>
-          <a:ln w="28575"/>
-        </p:spPr>
-        <p:style>
-          <a:lnRef idx="1">
-            <a:schemeClr val="dk1"/>
-          </a:lnRef>
-          <a:fillRef idx="0">
-            <a:schemeClr val="dk1"/>
-          </a:fillRef>
-          <a:effectRef idx="0">
-            <a:schemeClr val="dk1"/>
-          </a:effectRef>
-          <a:fontRef idx="minor">
-            <a:schemeClr val="tx1"/>
-          </a:fontRef>
-        </p:style>
-      </p:cxnSp>
-      <p:cxnSp>
-        <p:nvCxnSpPr>
-          <p:cNvPr id="101" name="直接连接符 100">
-            <a:extLst>
-              <a:ext uri="{FF2B5EF4-FFF2-40B4-BE49-F238E27FC236}">
-                <a16:creationId xmlns:a16="http://schemas.microsoft.com/office/drawing/2014/main" id="{E0E00A67-BAB1-431E-B7CF-1E0A936B0DF4}"/>
-              </a:ext>
-            </a:extLst>
-          </p:cNvPr>
-          <p:cNvCxnSpPr>
-            <a:cxnSpLocks/>
-          </p:cNvCxnSpPr>
-          <p:nvPr/>
-        </p:nvCxnSpPr>
-        <p:spPr>
-          <a:xfrm>
-            <a:off x="5626058" y="2659255"/>
-            <a:ext cx="606028" cy="8406"/>
-          </a:xfrm>
-          <a:prstGeom prst="line">
-            <a:avLst/>
-          </a:prstGeom>
-          <a:ln w="28575"/>
-        </p:spPr>
-        <p:style>
-          <a:lnRef idx="1">
-            <a:schemeClr val="dk1"/>
-          </a:lnRef>
-          <a:fillRef idx="0">
-            <a:schemeClr val="dk1"/>
-          </a:fillRef>
-          <a:effectRef idx="0">
-            <a:schemeClr val="dk1"/>
-          </a:effectRef>
-          <a:fontRef idx="minor">
-            <a:schemeClr val="tx1"/>
-          </a:fontRef>
-        </p:style>
-      </p:cxnSp>
-      <p:cxnSp>
-        <p:nvCxnSpPr>
-          <p:cNvPr id="103" name="直接连接符 102">
-            <a:extLst>
-              <a:ext uri="{FF2B5EF4-FFF2-40B4-BE49-F238E27FC236}">
-                <a16:creationId xmlns:a16="http://schemas.microsoft.com/office/drawing/2014/main" id="{35F2FCB0-2438-482E-B4AB-433CDC3A1997}"/>
-              </a:ext>
-            </a:extLst>
-          </p:cNvPr>
-          <p:cNvCxnSpPr>
-            <a:cxnSpLocks/>
-            <a:endCxn id="91" idx="2"/>
-          </p:cNvCxnSpPr>
-          <p:nvPr/>
-        </p:nvCxnSpPr>
-        <p:spPr>
-          <a:xfrm>
-            <a:off x="5611012" y="1192167"/>
-            <a:ext cx="614013" cy="442744"/>
-          </a:xfrm>
-          <a:prstGeom prst="line">
-            <a:avLst/>
-          </a:prstGeom>
-          <a:ln w="28575"/>
-        </p:spPr>
-        <p:style>
-          <a:lnRef idx="1">
-            <a:schemeClr val="dk1"/>
-          </a:lnRef>
-          <a:fillRef idx="0">
-            <a:schemeClr val="dk1"/>
-          </a:fillRef>
-          <a:effectRef idx="0">
-            <a:schemeClr val="dk1"/>
-          </a:effectRef>
-          <a:fontRef idx="minor">
-            <a:schemeClr val="tx1"/>
-          </a:fontRef>
-        </p:style>
-      </p:cxnSp>
-      <p:cxnSp>
-        <p:nvCxnSpPr>
-          <p:cNvPr id="105" name="直接连接符 104">
-            <a:extLst>
-              <a:ext uri="{FF2B5EF4-FFF2-40B4-BE49-F238E27FC236}">
-                <a16:creationId xmlns:a16="http://schemas.microsoft.com/office/drawing/2014/main" id="{1CC373B8-926C-4ECD-9D28-8DE5279B972F}"/>
-              </a:ext>
-            </a:extLst>
-          </p:cNvPr>
-          <p:cNvCxnSpPr>
-            <a:cxnSpLocks/>
-          </p:cNvCxnSpPr>
-          <p:nvPr/>
-        </p:nvCxnSpPr>
-        <p:spPr>
-          <a:xfrm>
-            <a:off x="5630428" y="1185537"/>
-            <a:ext cx="574172" cy="948306"/>
-          </a:xfrm>
-          <a:prstGeom prst="line">
-            <a:avLst/>
-          </a:prstGeom>
-          <a:ln w="28575"/>
-        </p:spPr>
-        <p:style>
-          <a:lnRef idx="1">
-            <a:schemeClr val="dk1"/>
-          </a:lnRef>
-          <a:fillRef idx="0">
-            <a:schemeClr val="dk1"/>
-          </a:fillRef>
-          <a:effectRef idx="0">
-            <a:schemeClr val="dk1"/>
-          </a:effectRef>
-          <a:fontRef idx="minor">
-            <a:schemeClr val="tx1"/>
-          </a:fontRef>
-        </p:style>
-      </p:cxnSp>
-      <p:cxnSp>
-        <p:nvCxnSpPr>
-          <p:cNvPr id="107" name="直接连接符 106">
-            <a:extLst>
-              <a:ext uri="{FF2B5EF4-FFF2-40B4-BE49-F238E27FC236}">
-                <a16:creationId xmlns:a16="http://schemas.microsoft.com/office/drawing/2014/main" id="{D8E3CF46-39D7-4234-9E78-13AE511CA6FD}"/>
-              </a:ext>
-            </a:extLst>
-          </p:cNvPr>
-          <p:cNvCxnSpPr>
-            <a:cxnSpLocks/>
-          </p:cNvCxnSpPr>
-          <p:nvPr/>
-        </p:nvCxnSpPr>
-        <p:spPr>
-          <a:xfrm>
-            <a:off x="5649850" y="1203566"/>
-            <a:ext cx="574172" cy="1487980"/>
-          </a:xfrm>
-          <a:prstGeom prst="line">
-            <a:avLst/>
-          </a:prstGeom>
-          <a:ln w="28575"/>
-        </p:spPr>
-        <p:style>
-          <a:lnRef idx="1">
-            <a:schemeClr val="dk1"/>
-          </a:lnRef>
-          <a:fillRef idx="0">
-            <a:schemeClr val="dk1"/>
-          </a:fillRef>
-          <a:effectRef idx="0">
-            <a:schemeClr val="dk1"/>
-          </a:effectRef>
-          <a:fontRef idx="minor">
-            <a:schemeClr val="tx1"/>
-          </a:fontRef>
-        </p:style>
-      </p:cxnSp>
-      <p:cxnSp>
-        <p:nvCxnSpPr>
-          <p:cNvPr id="109" name="直接连接符 108">
-            <a:extLst>
-              <a:ext uri="{FF2B5EF4-FFF2-40B4-BE49-F238E27FC236}">
-                <a16:creationId xmlns:a16="http://schemas.microsoft.com/office/drawing/2014/main" id="{46947A7F-FEA9-436E-B739-4E3144329563}"/>
-              </a:ext>
-            </a:extLst>
-          </p:cNvPr>
-          <p:cNvCxnSpPr>
-            <a:cxnSpLocks/>
-            <a:stCxn id="80" idx="6"/>
-          </p:cNvCxnSpPr>
-          <p:nvPr/>
-        </p:nvCxnSpPr>
-        <p:spPr>
-          <a:xfrm>
-            <a:off x="5618995" y="1626509"/>
-            <a:ext cx="599743" cy="466363"/>
-          </a:xfrm>
-          <a:prstGeom prst="line">
-            <a:avLst/>
-          </a:prstGeom>
-          <a:ln w="28575"/>
-        </p:spPr>
-        <p:style>
-          <a:lnRef idx="1">
-            <a:schemeClr val="dk1"/>
-          </a:lnRef>
-          <a:fillRef idx="0">
-            <a:schemeClr val="dk1"/>
-          </a:fillRef>
-          <a:effectRef idx="0">
-            <a:schemeClr val="dk1"/>
-          </a:effectRef>
-          <a:fontRef idx="minor">
-            <a:schemeClr val="tx1"/>
-          </a:fontRef>
-        </p:style>
-      </p:cxnSp>
-      <p:cxnSp>
-        <p:nvCxnSpPr>
-          <p:cNvPr id="110" name="直接连接符 109">
-            <a:extLst>
-              <a:ext uri="{FF2B5EF4-FFF2-40B4-BE49-F238E27FC236}">
-                <a16:creationId xmlns:a16="http://schemas.microsoft.com/office/drawing/2014/main" id="{190E901F-C76D-46E1-ADC4-56C6C565F3AE}"/>
-              </a:ext>
-            </a:extLst>
-          </p:cNvPr>
-          <p:cNvCxnSpPr>
-            <a:cxnSpLocks/>
-            <a:endCxn id="90" idx="2"/>
-          </p:cNvCxnSpPr>
-          <p:nvPr/>
-        </p:nvCxnSpPr>
-        <p:spPr>
-          <a:xfrm flipV="1">
-            <a:off x="5638360" y="1179411"/>
-            <a:ext cx="586660" cy="470712"/>
-          </a:xfrm>
-          <a:prstGeom prst="line">
-            <a:avLst/>
-          </a:prstGeom>
-          <a:ln w="28575"/>
-        </p:spPr>
-        <p:style>
-          <a:lnRef idx="1">
-            <a:schemeClr val="dk1"/>
-          </a:lnRef>
-          <a:fillRef idx="0">
-            <a:schemeClr val="dk1"/>
-          </a:fillRef>
-          <a:effectRef idx="0">
-            <a:schemeClr val="dk1"/>
-          </a:effectRef>
-          <a:fontRef idx="minor">
-            <a:schemeClr val="tx1"/>
-          </a:fontRef>
-        </p:style>
-      </p:cxnSp>
-      <p:cxnSp>
-        <p:nvCxnSpPr>
-          <p:cNvPr id="112" name="直接连接符 111">
-            <a:extLst>
-              <a:ext uri="{FF2B5EF4-FFF2-40B4-BE49-F238E27FC236}">
-                <a16:creationId xmlns:a16="http://schemas.microsoft.com/office/drawing/2014/main" id="{FBA58ADF-D592-447C-ACF2-2A2CBC77318E}"/>
-              </a:ext>
-            </a:extLst>
-          </p:cNvPr>
-          <p:cNvCxnSpPr>
-            <a:cxnSpLocks/>
-            <a:stCxn id="80" idx="6"/>
-            <a:endCxn id="93" idx="3"/>
-          </p:cNvCxnSpPr>
-          <p:nvPr/>
-        </p:nvCxnSpPr>
-        <p:spPr>
-          <a:xfrm>
-            <a:off x="5618991" y="1626505"/>
-            <a:ext cx="670792" cy="1145144"/>
-          </a:xfrm>
-          <a:prstGeom prst="line">
-            <a:avLst/>
-          </a:prstGeom>
-          <a:ln w="28575"/>
-        </p:spPr>
-        <p:style>
-          <a:lnRef idx="1">
-            <a:schemeClr val="dk1"/>
-          </a:lnRef>
-          <a:fillRef idx="0">
-            <a:schemeClr val="dk1"/>
-          </a:fillRef>
-          <a:effectRef idx="0">
-            <a:schemeClr val="dk1"/>
-          </a:effectRef>
-          <a:fontRef idx="minor">
-            <a:schemeClr val="tx1"/>
-          </a:fontRef>
-        </p:style>
-      </p:cxnSp>
-      <p:cxnSp>
-        <p:nvCxnSpPr>
-          <p:cNvPr id="116" name="直接连接符 115">
-            <a:extLst>
-              <a:ext uri="{FF2B5EF4-FFF2-40B4-BE49-F238E27FC236}">
-                <a16:creationId xmlns:a16="http://schemas.microsoft.com/office/drawing/2014/main" id="{F70563F8-745C-430C-BC67-021AB5035BF0}"/>
-              </a:ext>
-            </a:extLst>
-          </p:cNvPr>
-          <p:cNvCxnSpPr>
-            <a:cxnSpLocks/>
-          </p:cNvCxnSpPr>
-          <p:nvPr/>
-        </p:nvCxnSpPr>
-        <p:spPr>
-          <a:xfrm flipV="1">
-            <a:off x="5650577" y="1205535"/>
-            <a:ext cx="529181" cy="899177"/>
-          </a:xfrm>
-          <a:prstGeom prst="line">
-            <a:avLst/>
-          </a:prstGeom>
-          <a:ln w="28575"/>
-        </p:spPr>
-        <p:style>
-          <a:lnRef idx="1">
-            <a:schemeClr val="dk1"/>
-          </a:lnRef>
-          <a:fillRef idx="0">
-            <a:schemeClr val="dk1"/>
-          </a:fillRef>
-          <a:effectRef idx="0">
-            <a:schemeClr val="dk1"/>
-          </a:effectRef>
-          <a:fontRef idx="minor">
-            <a:schemeClr val="tx1"/>
-          </a:fontRef>
-        </p:style>
-      </p:cxnSp>
-      <p:cxnSp>
-        <p:nvCxnSpPr>
-          <p:cNvPr id="122" name="直接连接符 121">
-            <a:extLst>
-              <a:ext uri="{FF2B5EF4-FFF2-40B4-BE49-F238E27FC236}">
-                <a16:creationId xmlns:a16="http://schemas.microsoft.com/office/drawing/2014/main" id="{4CB2F455-AEA3-4BDA-9A67-075A2D426131}"/>
-              </a:ext>
-            </a:extLst>
-          </p:cNvPr>
-          <p:cNvCxnSpPr>
-            <a:cxnSpLocks/>
-          </p:cNvCxnSpPr>
-          <p:nvPr/>
-        </p:nvCxnSpPr>
-        <p:spPr>
-          <a:xfrm flipV="1">
-            <a:off x="5631071" y="1638290"/>
-            <a:ext cx="570340" cy="1003207"/>
-          </a:xfrm>
-          <a:prstGeom prst="line">
-            <a:avLst/>
-          </a:prstGeom>
-          <a:ln w="28575"/>
-        </p:spPr>
-        <p:style>
-          <a:lnRef idx="1">
-            <a:schemeClr val="dk1"/>
-          </a:lnRef>
-          <a:fillRef idx="0">
-            <a:schemeClr val="dk1"/>
-          </a:fillRef>
-          <a:effectRef idx="0">
-            <a:schemeClr val="dk1"/>
-          </a:effectRef>
-          <a:fontRef idx="minor">
-            <a:schemeClr val="tx1"/>
-          </a:fontRef>
-        </p:style>
-      </p:cxnSp>
-      <p:cxnSp>
-        <p:nvCxnSpPr>
-          <p:cNvPr id="123" name="直接连接符 122">
-            <a:extLst>
-              <a:ext uri="{FF2B5EF4-FFF2-40B4-BE49-F238E27FC236}">
-                <a16:creationId xmlns:a16="http://schemas.microsoft.com/office/drawing/2014/main" id="{CA80CE9E-4085-4DCC-B9CB-5B9491543507}"/>
-              </a:ext>
-            </a:extLst>
-          </p:cNvPr>
-          <p:cNvCxnSpPr>
-            <a:cxnSpLocks/>
-          </p:cNvCxnSpPr>
-          <p:nvPr/>
-        </p:nvCxnSpPr>
-        <p:spPr>
-          <a:xfrm flipV="1">
-            <a:off x="5636265" y="2130832"/>
-            <a:ext cx="557034" cy="492042"/>
-          </a:xfrm>
-          <a:prstGeom prst="line">
-            <a:avLst/>
-          </a:prstGeom>
-          <a:ln w="28575"/>
-        </p:spPr>
-        <p:style>
-          <a:lnRef idx="1">
-            <a:schemeClr val="dk1"/>
-          </a:lnRef>
-          <a:fillRef idx="0">
-            <a:schemeClr val="dk1"/>
-          </a:fillRef>
-          <a:effectRef idx="0">
-            <a:schemeClr val="dk1"/>
-          </a:effectRef>
-          <a:fontRef idx="minor">
-            <a:schemeClr val="tx1"/>
-          </a:fontRef>
-        </p:style>
-      </p:cxnSp>
-      <p:cxnSp>
-        <p:nvCxnSpPr>
-          <p:cNvPr id="127" name="直接连接符 126">
-            <a:extLst>
-              <a:ext uri="{FF2B5EF4-FFF2-40B4-BE49-F238E27FC236}">
-                <a16:creationId xmlns:a16="http://schemas.microsoft.com/office/drawing/2014/main" id="{02AD3F67-E776-4CBD-AF16-8E37A151AFFD}"/>
-              </a:ext>
-            </a:extLst>
-          </p:cNvPr>
-          <p:cNvCxnSpPr>
-            <a:cxnSpLocks/>
-          </p:cNvCxnSpPr>
-          <p:nvPr/>
-        </p:nvCxnSpPr>
-        <p:spPr>
-          <a:xfrm flipV="1">
-            <a:off x="5655500" y="1202282"/>
-            <a:ext cx="553981" cy="1438755"/>
-          </a:xfrm>
-          <a:prstGeom prst="line">
-            <a:avLst/>
-          </a:prstGeom>
-          <a:ln w="28575"/>
-        </p:spPr>
-        <p:style>
-          <a:lnRef idx="1">
-            <a:schemeClr val="dk1"/>
-          </a:lnRef>
-          <a:fillRef idx="0">
-            <a:schemeClr val="dk1"/>
-          </a:fillRef>
-          <a:effectRef idx="0">
-            <a:schemeClr val="dk1"/>
-          </a:effectRef>
-          <a:fontRef idx="minor">
-            <a:schemeClr val="tx1"/>
-          </a:fontRef>
-        </p:style>
-      </p:cxnSp>
-      <p:cxnSp>
-        <p:nvCxnSpPr>
-          <p:cNvPr id="129" name="直接连接符 128">
-            <a:extLst>
-              <a:ext uri="{FF2B5EF4-FFF2-40B4-BE49-F238E27FC236}">
-                <a16:creationId xmlns:a16="http://schemas.microsoft.com/office/drawing/2014/main" id="{8E60187D-F28D-4313-BEB1-82F3C5300B4B}"/>
-              </a:ext>
-            </a:extLst>
-          </p:cNvPr>
-          <p:cNvCxnSpPr>
-            <a:cxnSpLocks/>
-            <a:endCxn id="93" idx="2"/>
-          </p:cNvCxnSpPr>
-          <p:nvPr/>
-        </p:nvCxnSpPr>
-        <p:spPr>
-          <a:xfrm>
-            <a:off x="5648858" y="2129253"/>
-            <a:ext cx="583233" cy="515366"/>
-          </a:xfrm>
-          <a:prstGeom prst="line">
-            <a:avLst/>
-          </a:prstGeom>
-          <a:ln w="28575"/>
-        </p:spPr>
-        <p:style>
-          <a:lnRef idx="1">
-            <a:schemeClr val="dk1"/>
-          </a:lnRef>
-          <a:fillRef idx="0">
-            <a:schemeClr val="dk1"/>
-          </a:fillRef>
-          <a:effectRef idx="0">
-            <a:schemeClr val="dk1"/>
-          </a:effectRef>
-          <a:fontRef idx="minor">
-            <a:schemeClr val="tx1"/>
-          </a:fontRef>
-        </p:style>
-      </p:cxnSp>
-      <p:cxnSp>
-        <p:nvCxnSpPr>
-          <p:cNvPr id="132" name="直接连接符 131">
-            <a:extLst>
-              <a:ext uri="{FF2B5EF4-FFF2-40B4-BE49-F238E27FC236}">
-                <a16:creationId xmlns:a16="http://schemas.microsoft.com/office/drawing/2014/main" id="{77183678-BA80-41CA-87EE-367BC581622F}"/>
-              </a:ext>
-            </a:extLst>
-          </p:cNvPr>
-          <p:cNvCxnSpPr>
-            <a:cxnSpLocks/>
-          </p:cNvCxnSpPr>
-          <p:nvPr/>
-        </p:nvCxnSpPr>
-        <p:spPr>
-          <a:xfrm flipV="1">
-            <a:off x="5628977" y="1681807"/>
-            <a:ext cx="580501" cy="440582"/>
-          </a:xfrm>
-          <a:prstGeom prst="line">
-            <a:avLst/>
-          </a:prstGeom>
-          <a:ln w="28575"/>
-        </p:spPr>
-        <p:style>
-          <a:lnRef idx="1">
-            <a:schemeClr val="dk1"/>
-          </a:lnRef>
-          <a:fillRef idx="0">
-            <a:schemeClr val="dk1"/>
-          </a:fillRef>
-          <a:effectRef idx="0">
-            <a:schemeClr val="dk1"/>
-          </a:effectRef>
-          <a:fontRef idx="minor">
-            <a:schemeClr val="tx1"/>
-          </a:fontRef>
-        </p:style>
-      </p:cxnSp>
-      <p:sp>
-        <p:nvSpPr>
-          <p:cNvPr id="134" name="椭圆 133">
-            <a:extLst>
-              <a:ext uri="{FF2B5EF4-FFF2-40B4-BE49-F238E27FC236}">
-                <a16:creationId xmlns:a16="http://schemas.microsoft.com/office/drawing/2014/main" id="{E245F41C-792C-49D0-851F-0A82724F78BE}"/>
-              </a:ext>
-            </a:extLst>
-          </p:cNvPr>
-          <p:cNvSpPr/>
-          <p:nvPr/>
-        </p:nvSpPr>
-        <p:spPr>
-          <a:xfrm>
-            <a:off x="6948377" y="1111090"/>
-            <a:ext cx="342990" cy="302669"/>
-          </a:xfrm>
-          <a:prstGeom prst="ellipse">
-            <a:avLst/>
-          </a:prstGeom>
-          <a:ln w="19050"/>
-        </p:spPr>
-        <p:style>
-          <a:lnRef idx="2">
-            <a:schemeClr val="dk1"/>
-          </a:lnRef>
-          <a:fillRef idx="1">
-            <a:schemeClr val="lt1"/>
-          </a:fillRef>
-          <a:effectRef idx="0">
-            <a:schemeClr val="dk1"/>
-          </a:effectRef>
-          <a:fontRef idx="minor">
-            <a:schemeClr val="dk1"/>
-          </a:fontRef>
-        </p:style>
-        <p:txBody>
-          <a:bodyPr rtlCol="0" anchor="ctr"/>
-          <a:lstStyle/>
-          <a:p>
-            <a:pPr algn="ctr"/>
-            <a:endParaRPr lang="zh-CN" altLang="en-US" sz="1400"/>
-          </a:p>
-        </p:txBody>
-      </p:sp>
-      <p:sp>
-        <p:nvSpPr>
-          <p:cNvPr id="135" name="椭圆 134">
-            <a:extLst>
-              <a:ext uri="{FF2B5EF4-FFF2-40B4-BE49-F238E27FC236}">
-                <a16:creationId xmlns:a16="http://schemas.microsoft.com/office/drawing/2014/main" id="{F2079229-3DAE-4276-AE11-6ACEAE4233E8}"/>
-              </a:ext>
-            </a:extLst>
-          </p:cNvPr>
-          <p:cNvSpPr/>
-          <p:nvPr/>
-        </p:nvSpPr>
-        <p:spPr>
-          <a:xfrm>
-            <a:off x="6955479" y="1555510"/>
-            <a:ext cx="342990" cy="302669"/>
-          </a:xfrm>
-          <a:prstGeom prst="ellipse">
-            <a:avLst/>
-          </a:prstGeom>
-          <a:ln w="19050"/>
-        </p:spPr>
-        <p:style>
-          <a:lnRef idx="2">
-            <a:schemeClr val="dk1"/>
-          </a:lnRef>
-          <a:fillRef idx="1">
-            <a:schemeClr val="lt1"/>
-          </a:fillRef>
-          <a:effectRef idx="0">
-            <a:schemeClr val="dk1"/>
-          </a:effectRef>
-          <a:fontRef idx="minor">
-            <a:schemeClr val="dk1"/>
-          </a:fontRef>
-        </p:style>
-        <p:txBody>
-          <a:bodyPr rtlCol="0" anchor="ctr"/>
-          <a:lstStyle/>
-          <a:p>
-            <a:pPr algn="ctr"/>
-            <a:endParaRPr lang="zh-CN" altLang="en-US" sz="1400"/>
-          </a:p>
-        </p:txBody>
-      </p:sp>
-      <p:sp>
-        <p:nvSpPr>
-          <p:cNvPr id="138" name="椭圆 137">
-            <a:extLst>
-              <a:ext uri="{FF2B5EF4-FFF2-40B4-BE49-F238E27FC236}">
-                <a16:creationId xmlns:a16="http://schemas.microsoft.com/office/drawing/2014/main" id="{293288E8-921E-481F-B528-1F5325811E27}"/>
-              </a:ext>
-            </a:extLst>
-          </p:cNvPr>
-          <p:cNvSpPr/>
-          <p:nvPr/>
-        </p:nvSpPr>
-        <p:spPr>
-          <a:xfrm>
-            <a:off x="6968728" y="2448544"/>
-            <a:ext cx="342990" cy="302669"/>
+            <a:off x="5665926" y="689149"/>
+            <a:ext cx="328803" cy="306952"/>
           </a:xfrm>
           <a:prstGeom prst="ellipse">
             <a:avLst/>
@@ -6906,7 +6053,7 @@
         </p:nvSpPr>
         <p:spPr>
           <a:xfrm>
-            <a:off x="6982281" y="2005482"/>
+            <a:off x="7304343" y="1099416"/>
             <a:ext cx="281151" cy="394147"/>
           </a:xfrm>
           <a:prstGeom prst="rect">
@@ -6979,486 +6126,6 @@
           </a:p>
         </p:txBody>
       </p:sp>
-      <p:cxnSp>
-        <p:nvCxnSpPr>
-          <p:cNvPr id="142" name="直接连接符 141">
-            <a:extLst>
-              <a:ext uri="{FF2B5EF4-FFF2-40B4-BE49-F238E27FC236}">
-                <a16:creationId xmlns:a16="http://schemas.microsoft.com/office/drawing/2014/main" id="{E46D0471-3458-4076-B691-290427F92637}"/>
-              </a:ext>
-            </a:extLst>
-          </p:cNvPr>
-          <p:cNvCxnSpPr>
-            <a:cxnSpLocks/>
-          </p:cNvCxnSpPr>
-          <p:nvPr/>
-        </p:nvCxnSpPr>
-        <p:spPr>
-          <a:xfrm>
-            <a:off x="6631937" y="1178915"/>
-            <a:ext cx="329363" cy="83010"/>
-          </a:xfrm>
-          <a:prstGeom prst="line">
-            <a:avLst/>
-          </a:prstGeom>
-          <a:ln w="28575"/>
-        </p:spPr>
-        <p:style>
-          <a:lnRef idx="1">
-            <a:schemeClr val="dk1"/>
-          </a:lnRef>
-          <a:fillRef idx="0">
-            <a:schemeClr val="dk1"/>
-          </a:fillRef>
-          <a:effectRef idx="0">
-            <a:schemeClr val="dk1"/>
-          </a:effectRef>
-          <a:fontRef idx="minor">
-            <a:schemeClr val="tx1"/>
-          </a:fontRef>
-        </p:style>
-      </p:cxnSp>
-      <p:cxnSp>
-        <p:nvCxnSpPr>
-          <p:cNvPr id="143" name="直接连接符 142">
-            <a:extLst>
-              <a:ext uri="{FF2B5EF4-FFF2-40B4-BE49-F238E27FC236}">
-                <a16:creationId xmlns:a16="http://schemas.microsoft.com/office/drawing/2014/main" id="{72443F4C-0B23-4055-AFAA-F72D3FAFBAAC}"/>
-              </a:ext>
-            </a:extLst>
-          </p:cNvPr>
-          <p:cNvCxnSpPr>
-            <a:cxnSpLocks/>
-            <a:stCxn id="90" idx="6"/>
-          </p:cNvCxnSpPr>
-          <p:nvPr/>
-        </p:nvCxnSpPr>
-        <p:spPr>
-          <a:xfrm>
-            <a:off x="6619012" y="1179410"/>
-            <a:ext cx="318858" cy="527428"/>
-          </a:xfrm>
-          <a:prstGeom prst="line">
-            <a:avLst/>
-          </a:prstGeom>
-          <a:ln w="28575"/>
-        </p:spPr>
-        <p:style>
-          <a:lnRef idx="1">
-            <a:schemeClr val="dk1"/>
-          </a:lnRef>
-          <a:fillRef idx="0">
-            <a:schemeClr val="dk1"/>
-          </a:fillRef>
-          <a:effectRef idx="0">
-            <a:schemeClr val="dk1"/>
-          </a:effectRef>
-          <a:fontRef idx="minor">
-            <a:schemeClr val="tx1"/>
-          </a:fontRef>
-        </p:style>
-      </p:cxnSp>
-      <p:cxnSp>
-        <p:nvCxnSpPr>
-          <p:cNvPr id="147" name="直接连接符 146">
-            <a:extLst>
-              <a:ext uri="{FF2B5EF4-FFF2-40B4-BE49-F238E27FC236}">
-                <a16:creationId xmlns:a16="http://schemas.microsoft.com/office/drawing/2014/main" id="{D65DE489-68CE-4299-9FFF-C3A9DC544257}"/>
-              </a:ext>
-            </a:extLst>
-          </p:cNvPr>
-          <p:cNvCxnSpPr>
-            <a:cxnSpLocks/>
-            <a:endCxn id="138" idx="2"/>
-          </p:cNvCxnSpPr>
-          <p:nvPr/>
-        </p:nvCxnSpPr>
-        <p:spPr>
-          <a:xfrm>
-            <a:off x="6638381" y="1185537"/>
-            <a:ext cx="330346" cy="1414336"/>
-          </a:xfrm>
-          <a:prstGeom prst="line">
-            <a:avLst/>
-          </a:prstGeom>
-          <a:ln w="28575"/>
-        </p:spPr>
-        <p:style>
-          <a:lnRef idx="1">
-            <a:schemeClr val="dk1"/>
-          </a:lnRef>
-          <a:fillRef idx="0">
-            <a:schemeClr val="dk1"/>
-          </a:fillRef>
-          <a:effectRef idx="0">
-            <a:schemeClr val="dk1"/>
-          </a:effectRef>
-          <a:fontRef idx="minor">
-            <a:schemeClr val="tx1"/>
-          </a:fontRef>
-        </p:style>
-      </p:cxnSp>
-      <p:cxnSp>
-        <p:nvCxnSpPr>
-          <p:cNvPr id="150" name="直接连接符 149">
-            <a:extLst>
-              <a:ext uri="{FF2B5EF4-FFF2-40B4-BE49-F238E27FC236}">
-                <a16:creationId xmlns:a16="http://schemas.microsoft.com/office/drawing/2014/main" id="{569FF47E-8A2F-40D7-9150-25908C87E829}"/>
-              </a:ext>
-            </a:extLst>
-          </p:cNvPr>
-          <p:cNvCxnSpPr>
-            <a:cxnSpLocks/>
-            <a:endCxn id="135" idx="2"/>
-          </p:cNvCxnSpPr>
-          <p:nvPr/>
-        </p:nvCxnSpPr>
-        <p:spPr>
-          <a:xfrm>
-            <a:off x="6612036" y="1623096"/>
-            <a:ext cx="343442" cy="83748"/>
-          </a:xfrm>
-          <a:prstGeom prst="line">
-            <a:avLst/>
-          </a:prstGeom>
-          <a:ln w="28575"/>
-        </p:spPr>
-        <p:style>
-          <a:lnRef idx="1">
-            <a:schemeClr val="dk1"/>
-          </a:lnRef>
-          <a:fillRef idx="0">
-            <a:schemeClr val="dk1"/>
-          </a:fillRef>
-          <a:effectRef idx="0">
-            <a:schemeClr val="dk1"/>
-          </a:effectRef>
-          <a:fontRef idx="minor">
-            <a:schemeClr val="tx1"/>
-          </a:fontRef>
-        </p:style>
-      </p:cxnSp>
-      <p:cxnSp>
-        <p:nvCxnSpPr>
-          <p:cNvPr id="152" name="直接连接符 151">
-            <a:extLst>
-              <a:ext uri="{FF2B5EF4-FFF2-40B4-BE49-F238E27FC236}">
-                <a16:creationId xmlns:a16="http://schemas.microsoft.com/office/drawing/2014/main" id="{AF02DC1D-A277-4B1B-B17A-819FA21186E7}"/>
-              </a:ext>
-            </a:extLst>
-          </p:cNvPr>
-          <p:cNvCxnSpPr>
-            <a:cxnSpLocks/>
-            <a:endCxn id="134" idx="2"/>
-          </p:cNvCxnSpPr>
-          <p:nvPr/>
-        </p:nvCxnSpPr>
-        <p:spPr>
-          <a:xfrm flipV="1">
-            <a:off x="6618494" y="1262421"/>
-            <a:ext cx="329887" cy="394140"/>
-          </a:xfrm>
-          <a:prstGeom prst="line">
-            <a:avLst/>
-          </a:prstGeom>
-          <a:ln w="28575"/>
-        </p:spPr>
-        <p:style>
-          <a:lnRef idx="1">
-            <a:schemeClr val="dk1"/>
-          </a:lnRef>
-          <a:fillRef idx="0">
-            <a:schemeClr val="dk1"/>
-          </a:fillRef>
-          <a:effectRef idx="0">
-            <a:schemeClr val="dk1"/>
-          </a:effectRef>
-          <a:fontRef idx="minor">
-            <a:schemeClr val="tx1"/>
-          </a:fontRef>
-        </p:style>
-      </p:cxnSp>
-      <p:cxnSp>
-        <p:nvCxnSpPr>
-          <p:cNvPr id="154" name="直接连接符 153">
-            <a:extLst>
-              <a:ext uri="{FF2B5EF4-FFF2-40B4-BE49-F238E27FC236}">
-                <a16:creationId xmlns:a16="http://schemas.microsoft.com/office/drawing/2014/main" id="{CF09F9C5-A40A-4881-B259-F4345851BEFB}"/>
-              </a:ext>
-            </a:extLst>
-          </p:cNvPr>
-          <p:cNvCxnSpPr>
-            <a:cxnSpLocks/>
-            <a:endCxn id="138" idx="3"/>
-          </p:cNvCxnSpPr>
-          <p:nvPr/>
-        </p:nvCxnSpPr>
-        <p:spPr>
-          <a:xfrm>
-            <a:off x="6624949" y="1650125"/>
-            <a:ext cx="394008" cy="1056761"/>
-          </a:xfrm>
-          <a:prstGeom prst="line">
-            <a:avLst/>
-          </a:prstGeom>
-          <a:ln w="28575"/>
-        </p:spPr>
-        <p:style>
-          <a:lnRef idx="1">
-            <a:schemeClr val="dk1"/>
-          </a:lnRef>
-          <a:fillRef idx="0">
-            <a:schemeClr val="dk1"/>
-          </a:fillRef>
-          <a:effectRef idx="0">
-            <a:schemeClr val="dk1"/>
-          </a:effectRef>
-          <a:fontRef idx="minor">
-            <a:schemeClr val="tx1"/>
-          </a:fontRef>
-        </p:style>
-      </p:cxnSp>
-      <p:cxnSp>
-        <p:nvCxnSpPr>
-          <p:cNvPr id="157" name="直接连接符 156">
-            <a:extLst>
-              <a:ext uri="{FF2B5EF4-FFF2-40B4-BE49-F238E27FC236}">
-                <a16:creationId xmlns:a16="http://schemas.microsoft.com/office/drawing/2014/main" id="{EB523E1F-4E16-41A2-973B-8C80FE6379B4}"/>
-              </a:ext>
-            </a:extLst>
-          </p:cNvPr>
-          <p:cNvCxnSpPr>
-            <a:cxnSpLocks/>
-            <a:stCxn id="92" idx="6"/>
-            <a:endCxn id="135" idx="2"/>
-          </p:cNvCxnSpPr>
-          <p:nvPr/>
-        </p:nvCxnSpPr>
-        <p:spPr>
-          <a:xfrm flipV="1">
-            <a:off x="6619013" y="1706839"/>
-            <a:ext cx="336466" cy="412856"/>
-          </a:xfrm>
-          <a:prstGeom prst="line">
-            <a:avLst/>
-          </a:prstGeom>
-          <a:ln w="28575"/>
-        </p:spPr>
-        <p:style>
-          <a:lnRef idx="1">
-            <a:schemeClr val="dk1"/>
-          </a:lnRef>
-          <a:fillRef idx="0">
-            <a:schemeClr val="dk1"/>
-          </a:fillRef>
-          <a:effectRef idx="0">
-            <a:schemeClr val="dk1"/>
-          </a:effectRef>
-          <a:fontRef idx="minor">
-            <a:schemeClr val="tx1"/>
-          </a:fontRef>
-        </p:style>
-      </p:cxnSp>
-      <p:cxnSp>
-        <p:nvCxnSpPr>
-          <p:cNvPr id="159" name="直接连接符 158">
-            <a:extLst>
-              <a:ext uri="{FF2B5EF4-FFF2-40B4-BE49-F238E27FC236}">
-                <a16:creationId xmlns:a16="http://schemas.microsoft.com/office/drawing/2014/main" id="{1323683A-27EE-4591-91C1-2445895DF182}"/>
-              </a:ext>
-            </a:extLst>
-          </p:cNvPr>
-          <p:cNvCxnSpPr>
-            <a:cxnSpLocks/>
-            <a:endCxn id="134" idx="2"/>
-          </p:cNvCxnSpPr>
-          <p:nvPr/>
-        </p:nvCxnSpPr>
-        <p:spPr>
-          <a:xfrm flipV="1">
-            <a:off x="6647736" y="1262427"/>
-            <a:ext cx="300643" cy="840527"/>
-          </a:xfrm>
-          <a:prstGeom prst="line">
-            <a:avLst/>
-          </a:prstGeom>
-          <a:ln w="28575"/>
-        </p:spPr>
-        <p:style>
-          <a:lnRef idx="1">
-            <a:schemeClr val="dk1"/>
-          </a:lnRef>
-          <a:fillRef idx="0">
-            <a:schemeClr val="dk1"/>
-          </a:fillRef>
-          <a:effectRef idx="0">
-            <a:schemeClr val="dk1"/>
-          </a:effectRef>
-          <a:fontRef idx="minor">
-            <a:schemeClr val="tx1"/>
-          </a:fontRef>
-        </p:style>
-      </p:cxnSp>
-      <p:cxnSp>
-        <p:nvCxnSpPr>
-          <p:cNvPr id="163" name="直接连接符 162">
-            <a:extLst>
-              <a:ext uri="{FF2B5EF4-FFF2-40B4-BE49-F238E27FC236}">
-                <a16:creationId xmlns:a16="http://schemas.microsoft.com/office/drawing/2014/main" id="{F171988E-85E4-47CB-8DEF-717571A79905}"/>
-              </a:ext>
-            </a:extLst>
-          </p:cNvPr>
-          <p:cNvCxnSpPr>
-            <a:cxnSpLocks/>
-            <a:endCxn id="138" idx="3"/>
-          </p:cNvCxnSpPr>
-          <p:nvPr/>
-        </p:nvCxnSpPr>
-        <p:spPr>
-          <a:xfrm>
-            <a:off x="6647734" y="2122888"/>
-            <a:ext cx="371224" cy="584001"/>
-          </a:xfrm>
-          <a:prstGeom prst="line">
-            <a:avLst/>
-          </a:prstGeom>
-          <a:ln w="28575"/>
-        </p:spPr>
-        <p:style>
-          <a:lnRef idx="1">
-            <a:schemeClr val="dk1"/>
-          </a:lnRef>
-          <a:fillRef idx="0">
-            <a:schemeClr val="dk1"/>
-          </a:fillRef>
-          <a:effectRef idx="0">
-            <a:schemeClr val="dk1"/>
-          </a:effectRef>
-          <a:fontRef idx="minor">
-            <a:schemeClr val="tx1"/>
-          </a:fontRef>
-        </p:style>
-      </p:cxnSp>
-      <p:cxnSp>
-        <p:nvCxnSpPr>
-          <p:cNvPr id="165" name="直接连接符 164">
-            <a:extLst>
-              <a:ext uri="{FF2B5EF4-FFF2-40B4-BE49-F238E27FC236}">
-                <a16:creationId xmlns:a16="http://schemas.microsoft.com/office/drawing/2014/main" id="{8DF0413C-D6D7-4C79-BD14-673F046B431F}"/>
-              </a:ext>
-            </a:extLst>
-          </p:cNvPr>
-          <p:cNvCxnSpPr>
-            <a:cxnSpLocks/>
-            <a:endCxn id="134" idx="2"/>
-          </p:cNvCxnSpPr>
-          <p:nvPr/>
-        </p:nvCxnSpPr>
-        <p:spPr>
-          <a:xfrm flipV="1">
-            <a:off x="6625528" y="1262423"/>
-            <a:ext cx="322848" cy="1354297"/>
-          </a:xfrm>
-          <a:prstGeom prst="line">
-            <a:avLst/>
-          </a:prstGeom>
-          <a:ln w="28575"/>
-        </p:spPr>
-        <p:style>
-          <a:lnRef idx="1">
-            <a:schemeClr val="dk1"/>
-          </a:lnRef>
-          <a:fillRef idx="0">
-            <a:schemeClr val="dk1"/>
-          </a:fillRef>
-          <a:effectRef idx="0">
-            <a:schemeClr val="dk1"/>
-          </a:effectRef>
-          <a:fontRef idx="minor">
-            <a:schemeClr val="tx1"/>
-          </a:fontRef>
-        </p:style>
-      </p:cxnSp>
-      <p:cxnSp>
-        <p:nvCxnSpPr>
-          <p:cNvPr id="167" name="直接连接符 166">
-            <a:extLst>
-              <a:ext uri="{FF2B5EF4-FFF2-40B4-BE49-F238E27FC236}">
-                <a16:creationId xmlns:a16="http://schemas.microsoft.com/office/drawing/2014/main" id="{7576AC6E-476E-4CAE-B0E0-0C187DA5FE80}"/>
-              </a:ext>
-            </a:extLst>
-          </p:cNvPr>
-          <p:cNvCxnSpPr>
-            <a:cxnSpLocks/>
-            <a:endCxn id="135" idx="2"/>
-          </p:cNvCxnSpPr>
-          <p:nvPr/>
-        </p:nvCxnSpPr>
-        <p:spPr>
-          <a:xfrm flipV="1">
-            <a:off x="6632051" y="1706839"/>
-            <a:ext cx="323428" cy="887785"/>
-          </a:xfrm>
-          <a:prstGeom prst="line">
-            <a:avLst/>
-          </a:prstGeom>
-          <a:ln w="28575"/>
-        </p:spPr>
-        <p:style>
-          <a:lnRef idx="1">
-            <a:schemeClr val="dk1"/>
-          </a:lnRef>
-          <a:fillRef idx="0">
-            <a:schemeClr val="dk1"/>
-          </a:fillRef>
-          <a:effectRef idx="0">
-            <a:schemeClr val="dk1"/>
-          </a:effectRef>
-          <a:fontRef idx="minor">
-            <a:schemeClr val="tx1"/>
-          </a:fontRef>
-        </p:style>
-      </p:cxnSp>
-      <p:cxnSp>
-        <p:nvCxnSpPr>
-          <p:cNvPr id="169" name="直接连接符 168">
-            <a:extLst>
-              <a:ext uri="{FF2B5EF4-FFF2-40B4-BE49-F238E27FC236}">
-                <a16:creationId xmlns:a16="http://schemas.microsoft.com/office/drawing/2014/main" id="{7A8151FA-23CE-4BB2-AC2E-ADABD8220A53}"/>
-              </a:ext>
-            </a:extLst>
-          </p:cNvPr>
-          <p:cNvCxnSpPr>
-            <a:cxnSpLocks/>
-            <a:endCxn id="138" idx="3"/>
-          </p:cNvCxnSpPr>
-          <p:nvPr/>
-        </p:nvCxnSpPr>
-        <p:spPr>
-          <a:xfrm>
-            <a:off x="6652260" y="2588131"/>
-            <a:ext cx="366698" cy="118752"/>
-          </a:xfrm>
-          <a:prstGeom prst="line">
-            <a:avLst/>
-          </a:prstGeom>
-          <a:ln w="28575"/>
-        </p:spPr>
-        <p:style>
-          <a:lnRef idx="1">
-            <a:schemeClr val="dk1"/>
-          </a:lnRef>
-          <a:fillRef idx="0">
-            <a:schemeClr val="dk1"/>
-          </a:fillRef>
-          <a:effectRef idx="0">
-            <a:schemeClr val="dk1"/>
-          </a:effectRef>
-          <a:fontRef idx="minor">
-            <a:schemeClr val="tx1"/>
-          </a:fontRef>
-        </p:style>
-      </p:cxnSp>
       <p:sp>
         <p:nvSpPr>
           <p:cNvPr id="182" name="文本框 181">
@@ -7473,7 +6140,7 @@
         </p:nvSpPr>
         <p:spPr>
           <a:xfrm>
-            <a:off x="7263881" y="1087867"/>
+            <a:off x="6802639" y="419925"/>
             <a:ext cx="1742113" cy="261610"/>
           </a:xfrm>
           <a:prstGeom prst="rect">
@@ -7519,7 +6186,7 @@
         </p:nvSpPr>
         <p:spPr>
           <a:xfrm>
-            <a:off x="7258239" y="1560641"/>
+            <a:off x="6803770" y="870759"/>
             <a:ext cx="1730101" cy="261610"/>
           </a:xfrm>
           <a:prstGeom prst="rect">
@@ -7565,7 +6232,7 @@
         </p:nvSpPr>
         <p:spPr>
           <a:xfrm>
-            <a:off x="7293776" y="2455408"/>
+            <a:off x="6773067" y="1369089"/>
             <a:ext cx="1694565" cy="261610"/>
           </a:xfrm>
           <a:prstGeom prst="rect">
@@ -7613,7 +6280,7 @@
             </p:nvSpPr>
             <p:spPr>
               <a:xfrm rot="10800000">
-                <a:off x="8285147" y="1168059"/>
+                <a:off x="7739135" y="435793"/>
                 <a:ext cx="805617" cy="1366528"/>
               </a:xfrm>
               <a:prstGeom prst="rect">
@@ -7697,7 +6364,7 @@
             </p:nvSpPr>
             <p:spPr>
               <a:xfrm rot="10800000">
-                <a:off x="8285147" y="1168059"/>
+                <a:off x="7739135" y="435793"/>
                 <a:ext cx="805617" cy="1366528"/>
               </a:xfrm>
               <a:prstGeom prst="rect">
@@ -7737,19 +6404,16 @@
           <p:cNvCxnSpPr>
             <a:cxnSpLocks/>
             <a:stCxn id="31" idx="0"/>
-            <a:endCxn id="17" idx="0"/>
           </p:cNvCxnSpPr>
           <p:nvPr/>
         </p:nvCxnSpPr>
         <p:spPr>
           <a:xfrm rot="16200000" flipV="1">
-            <a:off x="8246816" y="-998921"/>
-            <a:ext cx="870590" cy="3955566"/>
-          </a:xfrm>
-          <a:prstGeom prst="bentConnector3">
-            <a:avLst>
-              <a:gd name="adj1" fmla="val 126258"/>
-            </a:avLst>
+            <a:off x="9612270" y="-790304"/>
+            <a:ext cx="558238" cy="2413632"/>
+          </a:xfrm>
+          <a:prstGeom prst="bentConnector2">
+            <a:avLst/>
           </a:prstGeom>
           <a:ln w="28575">
             <a:tailEnd type="triangle"/>
@@ -7784,8 +6448,8 @@
         </p:nvSpPr>
         <p:spPr>
           <a:xfrm>
-            <a:off x="10017718" y="1731630"/>
-            <a:ext cx="1445746" cy="369204"/>
+            <a:off x="10572948" y="980560"/>
+            <a:ext cx="1445746" cy="307777"/>
           </a:xfrm>
           <a:prstGeom prst="rect">
             <a:avLst/>
@@ -7799,7 +6463,7 @@
           <a:lstStyle/>
           <a:p>
             <a:r>
-              <a:rPr lang="en-US" altLang="zh-CN" sz="1799" b="1" dirty="0">
+              <a:rPr lang="en-US" altLang="zh-CN" sz="1400" b="1" dirty="0">
                 <a:solidFill>
                   <a:schemeClr val="bg1"/>
                 </a:solidFill>
@@ -7807,51 +6471,7 @@
               </a:rPr>
               <a:t>Inference</a:t>
             </a:r>
-            <a:endParaRPr lang="zh-CN" altLang="en-US" sz="1799" b="1" dirty="0">
-              <a:solidFill>
-                <a:schemeClr val="bg1"/>
-              </a:solidFill>
-            </a:endParaRPr>
-          </a:p>
-        </p:txBody>
-      </p:sp>
-      <p:sp>
-        <p:nvSpPr>
-          <p:cNvPr id="215" name="文本框 214">
-            <a:extLst>
-              <a:ext uri="{FF2B5EF4-FFF2-40B4-BE49-F238E27FC236}">
-                <a16:creationId xmlns:a16="http://schemas.microsoft.com/office/drawing/2014/main" id="{57AD8982-952E-4B0F-84B4-D59175B43E6D}"/>
-              </a:ext>
-            </a:extLst>
-          </p:cNvPr>
-          <p:cNvSpPr txBox="1"/>
-          <p:nvPr/>
-        </p:nvSpPr>
-        <p:spPr>
-          <a:xfrm>
-            <a:off x="5874061" y="2756714"/>
-            <a:ext cx="1838383" cy="277127"/>
-          </a:xfrm>
-          <a:prstGeom prst="rect">
-            <a:avLst/>
-          </a:prstGeom>
-          <a:noFill/>
-        </p:spPr>
-        <p:txBody>
-          <a:bodyPr wrap="square" rtlCol="0">
-            <a:spAutoFit/>
-          </a:bodyPr>
-          <a:lstStyle/>
-          <a:p>
-            <a:r>
-              <a:rPr lang="en-US" altLang="zh-CN" sz="1201" b="1" dirty="0">
-                <a:solidFill>
-                  <a:schemeClr val="bg1"/>
-                </a:solidFill>
-              </a:rPr>
-              <a:t>RL Agent</a:t>
-            </a:r>
-            <a:endParaRPr lang="zh-CN" altLang="en-US" sz="1201" b="1" dirty="0">
+            <a:endParaRPr lang="zh-CN" altLang="en-US" sz="1400" b="1" dirty="0">
               <a:solidFill>
                 <a:schemeClr val="bg1"/>
               </a:solidFill>
@@ -7873,7 +6493,7 @@
         </p:nvSpPr>
         <p:spPr>
           <a:xfrm>
-            <a:off x="2044403" y="3024472"/>
+            <a:off x="1627118" y="2088068"/>
             <a:ext cx="342882" cy="523541"/>
           </a:xfrm>
           <a:prstGeom prst="rect">
@@ -7909,7 +6529,7 @@
         </p:nvSpPr>
         <p:spPr>
           <a:xfrm>
-            <a:off x="1640668" y="2102398"/>
+            <a:off x="1276720" y="1345674"/>
             <a:ext cx="342882" cy="523541"/>
           </a:xfrm>
           <a:prstGeom prst="rect">
@@ -7945,7 +6565,7 @@
         </p:nvSpPr>
         <p:spPr>
           <a:xfrm>
-            <a:off x="2102009" y="1137391"/>
+            <a:off x="1714213" y="481661"/>
             <a:ext cx="342882" cy="523541"/>
           </a:xfrm>
           <a:prstGeom prst="rect">
@@ -7983,7 +6603,7 @@
             </p:nvSpPr>
             <p:spPr>
               <a:xfrm>
-                <a:off x="435069" y="515492"/>
+                <a:off x="21374" y="-19631"/>
                 <a:ext cx="1838383" cy="615425"/>
               </a:xfrm>
               <a:prstGeom prst="rect">
@@ -8076,7 +6696,7 @@
             </p:nvSpPr>
             <p:spPr>
               <a:xfrm>
-                <a:off x="435069" y="515492"/>
+                <a:off x="21374" y="-19631"/>
                 <a:ext cx="1838383" cy="615425"/>
               </a:xfrm>
               <a:prstGeom prst="rect">
@@ -8085,7 +6705,7 @@
               <a:blipFill>
                 <a:blip r:embed="rId14"/>
                 <a:stretch>
-                  <a:fillRect l="-2318" t="-2970"/>
+                  <a:fillRect l="-2658" t="-2970"/>
                 </a:stretch>
               </a:blipFill>
             </p:spPr>
@@ -8120,8 +6740,8 @@
             </p:nvSpPr>
             <p:spPr>
               <a:xfrm rot="10800000" flipV="1">
-                <a:off x="7038819" y="-7913"/>
-                <a:ext cx="3934337" cy="338554"/>
+                <a:off x="8869752" y="151122"/>
+                <a:ext cx="3934337" cy="276999"/>
               </a:xfrm>
               <a:prstGeom prst="rect">
                 <a:avLst/>
@@ -8231,36 +6851,43 @@
                 <a14:m>
                   <m:oMath xmlns:m="http://schemas.openxmlformats.org/officeDocument/2006/math">
                     <m:r>
-                      <a:rPr lang="en-US" altLang="zh-CN" sz="1600" i="1">
+                      <a:rPr lang="en-US" altLang="zh-CN" sz="1200" i="1">
                         <a:latin typeface="Cambria Math" panose="02040503050406030204" pitchFamily="18" charset="0"/>
                       </a:rPr>
-                      <m:t>𝑅𝑒𝑤𝑎𝑟𝑑</m:t>
+                      <m:t>𝑅</m:t>
                     </m:r>
                     <m:r>
-                      <a:rPr lang="en-US" altLang="zh-CN" sz="1600" i="1">
+                      <m:rPr>
+                        <m:sty m:val="p"/>
+                      </m:rPr>
+                      <a:rPr lang="en-US" altLang="zh-CN" sz="1200" i="1">
+                        <a:latin typeface="Cambria Math" panose="02040503050406030204" pitchFamily="18" charset="0"/>
+                      </a:rPr>
+                      <m:t>e</m:t>
+                    </m:r>
+                    <m:r>
+                      <a:rPr lang="en-US" altLang="zh-CN" sz="1200" i="1">
+                        <a:latin typeface="Cambria Math" panose="02040503050406030204" pitchFamily="18" charset="0"/>
+                      </a:rPr>
+                      <m:t>𝑤𝑎𝑟𝑑</m:t>
+                    </m:r>
+                    <m:r>
+                      <a:rPr lang="en-US" altLang="zh-CN" sz="1200" i="1">
                         <a:latin typeface="Cambria Math" panose="02040503050406030204" pitchFamily="18" charset="0"/>
                       </a:rPr>
                       <m:t>=</m:t>
                     </m:r>
-                  </m:oMath>
-                </a14:m>
-                <a:r>
-                  <a:rPr lang="en-US" altLang="zh-CN" sz="1600" dirty="0"/>
-                  <a:t> </a:t>
-                </a:r>
-                <a14:m>
-                  <m:oMath xmlns:m="http://schemas.openxmlformats.org/officeDocument/2006/math">
                     <m:r>
                       <m:rPr>
                         <m:sty m:val="p"/>
                       </m:rPr>
-                      <a:rPr lang="en-US" altLang="zh-CN" sz="1600" i="1">
+                      <a:rPr lang="en-US" altLang="zh-CN" sz="1200" i="1">
                         <a:latin typeface="Cambria Math" panose="02040503050406030204" pitchFamily="18" charset="0"/>
                       </a:rPr>
                       <m:t>β</m:t>
                     </m:r>
                     <m:r>
-                      <a:rPr lang="en-US" altLang="zh-CN" sz="1600">
+                      <a:rPr lang="en-US" altLang="zh-CN" sz="1200">
                         <a:latin typeface="Cambria Math" panose="02040503050406030204" pitchFamily="18" charset="0"/>
                         <a:ea typeface="Cambria Math" panose="02040503050406030204" pitchFamily="18" charset="0"/>
                       </a:rPr>
@@ -8270,7 +6897,7 @@
                       <m:rPr>
                         <m:sty m:val="p"/>
                       </m:rPr>
-                      <a:rPr lang="en-US" altLang="zh-CN" sz="1600">
+                      <a:rPr lang="en-US" altLang="zh-CN" sz="1200">
                         <a:latin typeface="Cambria Math" panose="02040503050406030204" pitchFamily="18" charset="0"/>
                         <a:ea typeface="Cambria Math" panose="02040503050406030204" pitchFamily="18" charset="0"/>
                       </a:rPr>
@@ -8279,13 +6906,13 @@
                   </m:oMath>
                 </a14:m>
                 <a:r>
-                  <a:rPr lang="en-US" altLang="zh-CN" sz="1600" dirty="0"/>
+                  <a:rPr lang="en-US" altLang="zh-CN" sz="1200" dirty="0"/>
                   <a:t> </a:t>
                 </a:r>
                 <a14:m>
                   <m:oMath xmlns:m="http://schemas.openxmlformats.org/officeDocument/2006/math">
                     <m:r>
-                      <a:rPr lang="en-US" altLang="zh-CN" sz="1600" i="1" dirty="0">
+                      <a:rPr lang="en-US" altLang="zh-CN" sz="1200" i="1" dirty="0">
                         <a:latin typeface="Cambria Math" panose="02040503050406030204" pitchFamily="18" charset="0"/>
                       </a:rPr>
                       <m:t>−(1−</m:t>
@@ -8294,13 +6921,13 @@
                       <m:rPr>
                         <m:sty m:val="p"/>
                       </m:rPr>
-                      <a:rPr lang="en-US" altLang="zh-CN" sz="1600" i="1" dirty="0">
+                      <a:rPr lang="en-US" altLang="zh-CN" sz="1200" i="1" dirty="0">
                         <a:latin typeface="Cambria Math" panose="02040503050406030204" pitchFamily="18" charset="0"/>
                       </a:rPr>
                       <m:t>β</m:t>
                     </m:r>
                     <m:r>
-                      <a:rPr lang="en-US" altLang="zh-CN" sz="1600" i="1" dirty="0">
+                      <a:rPr lang="en-US" altLang="zh-CN" sz="1200" i="1" dirty="0">
                         <a:latin typeface="Cambria Math" panose="02040503050406030204" pitchFamily="18" charset="0"/>
                       </a:rPr>
                       <m:t>)×</m:t>
@@ -8308,7 +6935,7 @@
                   </m:oMath>
                 </a14:m>
                 <a:r>
-                  <a:rPr lang="en-US" altLang="zh-CN" sz="1600" dirty="0"/>
+                  <a:rPr lang="en-US" altLang="zh-CN" sz="1200" dirty="0"/>
                   <a:t> </a:t>
                 </a:r>
                 <a14:m>
@@ -8317,7 +6944,7 @@
                       <m:rPr>
                         <m:lit/>
                       </m:rPr>
-                      <a:rPr lang="en-US" altLang="zh-CN" sz="1600">
+                      <a:rPr lang="en-US" altLang="zh-CN" sz="1200">
                         <a:latin typeface="Cambria Math" panose="02040503050406030204" pitchFamily="18" charset="0"/>
                       </a:rPr>
                       <m:t> </m:t>
@@ -8326,7 +6953,7 @@
                       <m:rPr>
                         <m:sty m:val="p"/>
                       </m:rPr>
-                      <a:rPr lang="en-US" altLang="zh-CN" sz="1600" i="1">
+                      <a:rPr lang="en-US" altLang="zh-CN" sz="1200" i="1">
                         <a:latin typeface="Cambria Math" panose="02040503050406030204" pitchFamily="18" charset="0"/>
                       </a:rPr>
                       <m:t>Δ</m:t>
@@ -8334,7 +6961,7 @@
                   </m:oMath>
                 </a14:m>
                 <a:r>
-                  <a:rPr lang="en-US" altLang="zh-CN" sz="1600" i="1" dirty="0">
+                  <a:rPr lang="en-US" altLang="zh-CN" sz="1200" i="1" dirty="0">
                     <a:latin typeface="Cambria Math" panose="02040503050406030204" pitchFamily="18" charset="0"/>
                   </a:rPr>
                   <a:t>s</a:t>
@@ -8360,8 +6987,8 @@
             </p:nvSpPr>
             <p:spPr>
               <a:xfrm rot="10800000" flipV="1">
-                <a:off x="7038819" y="-7913"/>
-                <a:ext cx="3934337" cy="338554"/>
+                <a:off x="8869752" y="151122"/>
+                <a:ext cx="3934337" cy="276999"/>
               </a:xfrm>
               <a:prstGeom prst="rect">
                 <a:avLst/>
@@ -8369,7 +6996,7 @@
               <a:blipFill>
                 <a:blip r:embed="rId15"/>
                 <a:stretch>
-                  <a:fillRect t="-9091" b="-20000"/>
+                  <a:fillRect t="-2222" b="-17778"/>
                 </a:stretch>
               </a:blipFill>
             </p:spPr>
@@ -8402,7 +7029,7 @@
         </p:nvSpPr>
         <p:spPr>
           <a:xfrm>
-            <a:off x="3558262" y="1842878"/>
+            <a:off x="3245712" y="880430"/>
             <a:ext cx="986940" cy="549342"/>
           </a:xfrm>
           <a:prstGeom prst="rightArrow">
@@ -8460,14 +7087,14 @@
             </a:extLst>
           </p:cNvPr>
           <p:cNvCxnSpPr>
-            <a:endCxn id="31" idx="1"/>
+            <a:cxnSpLocks/>
           </p:cNvCxnSpPr>
           <p:nvPr/>
         </p:nvCxnSpPr>
         <p:spPr>
-          <a:xfrm flipV="1">
-            <a:off x="9154391" y="1916297"/>
-            <a:ext cx="597735" cy="5356"/>
+          <a:xfrm>
+            <a:off x="8467632" y="1122875"/>
+            <a:ext cx="1907699" cy="9494"/>
           </a:xfrm>
           <a:prstGeom prst="straightConnector1">
             <a:avLst/>
@@ -8475,6 +7102,1378 @@
           <a:ln w="28575">
             <a:tailEnd type="triangle"/>
           </a:ln>
+        </p:spPr>
+        <p:style>
+          <a:lnRef idx="1">
+            <a:schemeClr val="dk1"/>
+          </a:lnRef>
+          <a:fillRef idx="0">
+            <a:schemeClr val="dk1"/>
+          </a:fillRef>
+          <a:effectRef idx="0">
+            <a:schemeClr val="dk1"/>
+          </a:effectRef>
+          <a:fontRef idx="minor">
+            <a:schemeClr val="tx1"/>
+          </a:fontRef>
+        </p:style>
+      </p:cxnSp>
+      <p:sp>
+        <p:nvSpPr>
+          <p:cNvPr id="113" name="椭圆 112">
+            <a:extLst>
+              <a:ext uri="{FF2B5EF4-FFF2-40B4-BE49-F238E27FC236}">
+                <a16:creationId xmlns:a16="http://schemas.microsoft.com/office/drawing/2014/main" id="{11D3562F-95A0-4B83-ADF1-42B6E578B222}"/>
+              </a:ext>
+            </a:extLst>
+          </p:cNvPr>
+          <p:cNvSpPr/>
+          <p:nvPr/>
+        </p:nvSpPr>
+        <p:spPr>
+          <a:xfrm>
+            <a:off x="5678340" y="1573267"/>
+            <a:ext cx="354146" cy="315624"/>
+          </a:xfrm>
+          <a:prstGeom prst="ellipse">
+            <a:avLst/>
+          </a:prstGeom>
+          <a:ln w="19050"/>
+        </p:spPr>
+        <p:style>
+          <a:lnRef idx="2">
+            <a:schemeClr val="dk1"/>
+          </a:lnRef>
+          <a:fillRef idx="1">
+            <a:schemeClr val="lt1"/>
+          </a:fillRef>
+          <a:effectRef idx="0">
+            <a:schemeClr val="dk1"/>
+          </a:effectRef>
+          <a:fontRef idx="minor">
+            <a:schemeClr val="dk1"/>
+          </a:fontRef>
+        </p:style>
+        <p:txBody>
+          <a:bodyPr rtlCol="0" anchor="ctr"/>
+          <a:lstStyle/>
+          <a:p>
+            <a:pPr algn="ctr"/>
+            <a:endParaRPr lang="zh-CN" altLang="en-US" sz="1400"/>
+          </a:p>
+        </p:txBody>
+      </p:sp>
+      <p:sp>
+        <p:nvSpPr>
+          <p:cNvPr id="117" name="椭圆 116">
+            <a:extLst>
+              <a:ext uri="{FF2B5EF4-FFF2-40B4-BE49-F238E27FC236}">
+                <a16:creationId xmlns:a16="http://schemas.microsoft.com/office/drawing/2014/main" id="{FFA30B10-3C2A-4076-BB64-DE67F2DE804F}"/>
+              </a:ext>
+            </a:extLst>
+          </p:cNvPr>
+          <p:cNvSpPr/>
+          <p:nvPr/>
+        </p:nvSpPr>
+        <p:spPr>
+          <a:xfrm>
+            <a:off x="6366572" y="380007"/>
+            <a:ext cx="354146" cy="315624"/>
+          </a:xfrm>
+          <a:prstGeom prst="ellipse">
+            <a:avLst/>
+          </a:prstGeom>
+          <a:ln w="19050"/>
+        </p:spPr>
+        <p:style>
+          <a:lnRef idx="2">
+            <a:schemeClr val="dk1"/>
+          </a:lnRef>
+          <a:fillRef idx="1">
+            <a:schemeClr val="lt1"/>
+          </a:fillRef>
+          <a:effectRef idx="0">
+            <a:schemeClr val="dk1"/>
+          </a:effectRef>
+          <a:fontRef idx="minor">
+            <a:schemeClr val="dk1"/>
+          </a:fontRef>
+        </p:style>
+        <p:txBody>
+          <a:bodyPr rtlCol="0" anchor="ctr"/>
+          <a:lstStyle/>
+          <a:p>
+            <a:pPr algn="ctr"/>
+            <a:endParaRPr lang="zh-CN" altLang="en-US" sz="1400"/>
+          </a:p>
+        </p:txBody>
+      </p:sp>
+      <p:sp>
+        <p:nvSpPr>
+          <p:cNvPr id="118" name="椭圆 117">
+            <a:extLst>
+              <a:ext uri="{FF2B5EF4-FFF2-40B4-BE49-F238E27FC236}">
+                <a16:creationId xmlns:a16="http://schemas.microsoft.com/office/drawing/2014/main" id="{B5A9DFD2-219B-45A3-A745-0A3BAC5AD695}"/>
+              </a:ext>
+            </a:extLst>
+          </p:cNvPr>
+          <p:cNvSpPr/>
+          <p:nvPr/>
+        </p:nvSpPr>
+        <p:spPr>
+          <a:xfrm>
+            <a:off x="6360118" y="835967"/>
+            <a:ext cx="354146" cy="315624"/>
+          </a:xfrm>
+          <a:prstGeom prst="ellipse">
+            <a:avLst/>
+          </a:prstGeom>
+          <a:ln w="19050"/>
+        </p:spPr>
+        <p:style>
+          <a:lnRef idx="2">
+            <a:schemeClr val="dk1"/>
+          </a:lnRef>
+          <a:fillRef idx="1">
+            <a:schemeClr val="lt1"/>
+          </a:fillRef>
+          <a:effectRef idx="0">
+            <a:schemeClr val="dk1"/>
+          </a:effectRef>
+          <a:fontRef idx="minor">
+            <a:schemeClr val="dk1"/>
+          </a:fontRef>
+        </p:style>
+        <p:txBody>
+          <a:bodyPr rtlCol="0" anchor="ctr"/>
+          <a:lstStyle/>
+          <a:p>
+            <a:pPr algn="ctr"/>
+            <a:endParaRPr lang="zh-CN" altLang="en-US" sz="1400"/>
+          </a:p>
+        </p:txBody>
+      </p:sp>
+      <p:sp>
+        <p:nvSpPr>
+          <p:cNvPr id="119" name="椭圆 118">
+            <a:extLst>
+              <a:ext uri="{FF2B5EF4-FFF2-40B4-BE49-F238E27FC236}">
+                <a16:creationId xmlns:a16="http://schemas.microsoft.com/office/drawing/2014/main" id="{619CC6A2-9783-49B7-80F3-D771DD63D925}"/>
+              </a:ext>
+            </a:extLst>
+          </p:cNvPr>
+          <p:cNvSpPr/>
+          <p:nvPr/>
+        </p:nvSpPr>
+        <p:spPr>
+          <a:xfrm>
+            <a:off x="6360118" y="1327594"/>
+            <a:ext cx="354146" cy="315624"/>
+          </a:xfrm>
+          <a:prstGeom prst="ellipse">
+            <a:avLst/>
+          </a:prstGeom>
+          <a:ln w="19050"/>
+        </p:spPr>
+        <p:style>
+          <a:lnRef idx="2">
+            <a:schemeClr val="dk1"/>
+          </a:lnRef>
+          <a:fillRef idx="1">
+            <a:schemeClr val="lt1"/>
+          </a:fillRef>
+          <a:effectRef idx="0">
+            <a:schemeClr val="dk1"/>
+          </a:effectRef>
+          <a:fontRef idx="minor">
+            <a:schemeClr val="dk1"/>
+          </a:fontRef>
+        </p:style>
+        <p:txBody>
+          <a:bodyPr rtlCol="0" anchor="ctr"/>
+          <a:lstStyle/>
+          <a:p>
+            <a:pPr algn="ctr"/>
+            <a:endParaRPr lang="zh-CN" altLang="en-US" sz="1400"/>
+          </a:p>
+        </p:txBody>
+      </p:sp>
+      <p:cxnSp>
+        <p:nvCxnSpPr>
+          <p:cNvPr id="126" name="直接连接符 125">
+            <a:extLst>
+              <a:ext uri="{FF2B5EF4-FFF2-40B4-BE49-F238E27FC236}">
+                <a16:creationId xmlns:a16="http://schemas.microsoft.com/office/drawing/2014/main" id="{F6C63035-1B24-48E6-ACD0-45A675EA80F8}"/>
+              </a:ext>
+            </a:extLst>
+          </p:cNvPr>
+          <p:cNvCxnSpPr>
+            <a:stCxn id="79" idx="6"/>
+            <a:endCxn id="90" idx="2"/>
+          </p:cNvCxnSpPr>
+          <p:nvPr/>
+        </p:nvCxnSpPr>
+        <p:spPr>
+          <a:xfrm>
+            <a:off x="5319017" y="390781"/>
+            <a:ext cx="365002" cy="1864"/>
+          </a:xfrm>
+          <a:prstGeom prst="line">
+            <a:avLst/>
+          </a:prstGeom>
+          <a:ln w="19050"/>
+        </p:spPr>
+        <p:style>
+          <a:lnRef idx="1">
+            <a:schemeClr val="dk1"/>
+          </a:lnRef>
+          <a:fillRef idx="0">
+            <a:schemeClr val="dk1"/>
+          </a:fillRef>
+          <a:effectRef idx="0">
+            <a:schemeClr val="dk1"/>
+          </a:effectRef>
+          <a:fontRef idx="minor">
+            <a:schemeClr val="tx1"/>
+          </a:fontRef>
+        </p:style>
+      </p:cxnSp>
+      <p:cxnSp>
+        <p:nvCxnSpPr>
+          <p:cNvPr id="155" name="直接连接符 154">
+            <a:extLst>
+              <a:ext uri="{FF2B5EF4-FFF2-40B4-BE49-F238E27FC236}">
+                <a16:creationId xmlns:a16="http://schemas.microsoft.com/office/drawing/2014/main" id="{0B860DCA-FCCB-43ED-B308-7D1B31BA5059}"/>
+              </a:ext>
+            </a:extLst>
+          </p:cNvPr>
+          <p:cNvCxnSpPr>
+            <a:cxnSpLocks/>
+            <a:stCxn id="80" idx="6"/>
+            <a:endCxn id="91" idx="2"/>
+          </p:cNvCxnSpPr>
+          <p:nvPr/>
+        </p:nvCxnSpPr>
+        <p:spPr>
+          <a:xfrm flipV="1">
+            <a:off x="5331498" y="842625"/>
+            <a:ext cx="334428" cy="7932"/>
+          </a:xfrm>
+          <a:prstGeom prst="line">
+            <a:avLst/>
+          </a:prstGeom>
+          <a:ln w="19050"/>
+        </p:spPr>
+        <p:style>
+          <a:lnRef idx="1">
+            <a:schemeClr val="dk1"/>
+          </a:lnRef>
+          <a:fillRef idx="0">
+            <a:schemeClr val="dk1"/>
+          </a:fillRef>
+          <a:effectRef idx="0">
+            <a:schemeClr val="dk1"/>
+          </a:effectRef>
+          <a:fontRef idx="minor">
+            <a:schemeClr val="tx1"/>
+          </a:fontRef>
+        </p:style>
+      </p:cxnSp>
+      <p:cxnSp>
+        <p:nvCxnSpPr>
+          <p:cNvPr id="160" name="直接连接符 159">
+            <a:extLst>
+              <a:ext uri="{FF2B5EF4-FFF2-40B4-BE49-F238E27FC236}">
+                <a16:creationId xmlns:a16="http://schemas.microsoft.com/office/drawing/2014/main" id="{F6C63035-1B24-48E6-ACD0-45A675EA80F8}"/>
+              </a:ext>
+            </a:extLst>
+          </p:cNvPr>
+          <p:cNvCxnSpPr>
+            <a:cxnSpLocks/>
+            <a:stCxn id="81" idx="6"/>
+            <a:endCxn id="161" idx="2"/>
+          </p:cNvCxnSpPr>
+          <p:nvPr/>
+        </p:nvCxnSpPr>
+        <p:spPr>
+          <a:xfrm flipV="1">
+            <a:off x="5332948" y="1289874"/>
+            <a:ext cx="356914" cy="1654"/>
+          </a:xfrm>
+          <a:prstGeom prst="line">
+            <a:avLst/>
+          </a:prstGeom>
+          <a:ln w="19050"/>
+        </p:spPr>
+        <p:style>
+          <a:lnRef idx="1">
+            <a:schemeClr val="dk1"/>
+          </a:lnRef>
+          <a:fillRef idx="0">
+            <a:schemeClr val="dk1"/>
+          </a:fillRef>
+          <a:effectRef idx="0">
+            <a:schemeClr val="dk1"/>
+          </a:effectRef>
+          <a:fontRef idx="minor">
+            <a:schemeClr val="tx1"/>
+          </a:fontRef>
+        </p:style>
+      </p:cxnSp>
+      <p:sp>
+        <p:nvSpPr>
+          <p:cNvPr id="161" name="椭圆 160">
+            <a:extLst>
+              <a:ext uri="{FF2B5EF4-FFF2-40B4-BE49-F238E27FC236}">
+                <a16:creationId xmlns:a16="http://schemas.microsoft.com/office/drawing/2014/main" id="{696C789A-932E-4FE0-8633-D7F95B06E1C1}"/>
+              </a:ext>
+            </a:extLst>
+          </p:cNvPr>
+          <p:cNvSpPr/>
+          <p:nvPr/>
+        </p:nvSpPr>
+        <p:spPr>
+          <a:xfrm>
+            <a:off x="5689862" y="1136398"/>
+            <a:ext cx="328803" cy="306952"/>
+          </a:xfrm>
+          <a:prstGeom prst="ellipse">
+            <a:avLst/>
+          </a:prstGeom>
+          <a:ln w="19050"/>
+        </p:spPr>
+        <p:style>
+          <a:lnRef idx="2">
+            <a:schemeClr val="dk1"/>
+          </a:lnRef>
+          <a:fillRef idx="1">
+            <a:schemeClr val="lt1"/>
+          </a:fillRef>
+          <a:effectRef idx="0">
+            <a:schemeClr val="dk1"/>
+          </a:effectRef>
+          <a:fontRef idx="minor">
+            <a:schemeClr val="dk1"/>
+          </a:fontRef>
+        </p:style>
+        <p:txBody>
+          <a:bodyPr rtlCol="0" anchor="ctr"/>
+          <a:lstStyle/>
+          <a:p>
+            <a:pPr algn="ctr"/>
+            <a:endParaRPr lang="zh-CN" altLang="en-US" sz="1400"/>
+          </a:p>
+        </p:txBody>
+      </p:sp>
+      <p:cxnSp>
+        <p:nvCxnSpPr>
+          <p:cNvPr id="168" name="直接连接符 167">
+            <a:extLst>
+              <a:ext uri="{FF2B5EF4-FFF2-40B4-BE49-F238E27FC236}">
+                <a16:creationId xmlns:a16="http://schemas.microsoft.com/office/drawing/2014/main" id="{07BFDC11-C800-4E4D-8548-2C15CB80F11A}"/>
+              </a:ext>
+            </a:extLst>
+          </p:cNvPr>
+          <p:cNvCxnSpPr>
+            <a:cxnSpLocks/>
+            <a:stCxn id="82" idx="6"/>
+            <a:endCxn id="113" idx="2"/>
+          </p:cNvCxnSpPr>
+          <p:nvPr/>
+        </p:nvCxnSpPr>
+        <p:spPr>
+          <a:xfrm flipV="1">
+            <a:off x="5343362" y="1731079"/>
+            <a:ext cx="334978" cy="9642"/>
+          </a:xfrm>
+          <a:prstGeom prst="line">
+            <a:avLst/>
+          </a:prstGeom>
+          <a:ln w="19050"/>
+        </p:spPr>
+        <p:style>
+          <a:lnRef idx="1">
+            <a:schemeClr val="dk1"/>
+          </a:lnRef>
+          <a:fillRef idx="0">
+            <a:schemeClr val="dk1"/>
+          </a:fillRef>
+          <a:effectRef idx="0">
+            <a:schemeClr val="dk1"/>
+          </a:effectRef>
+          <a:fontRef idx="minor">
+            <a:schemeClr val="tx1"/>
+          </a:fontRef>
+        </p:style>
+      </p:cxnSp>
+      <p:cxnSp>
+        <p:nvCxnSpPr>
+          <p:cNvPr id="170" name="直接连接符 169">
+            <a:extLst>
+              <a:ext uri="{FF2B5EF4-FFF2-40B4-BE49-F238E27FC236}">
+                <a16:creationId xmlns:a16="http://schemas.microsoft.com/office/drawing/2014/main" id="{F48A06F5-6DA1-4AD3-AB0E-EBDD5253AF74}"/>
+              </a:ext>
+            </a:extLst>
+          </p:cNvPr>
+          <p:cNvCxnSpPr>
+            <a:cxnSpLocks/>
+            <a:stCxn id="79" idx="6"/>
+            <a:endCxn id="91" idx="2"/>
+          </p:cNvCxnSpPr>
+          <p:nvPr/>
+        </p:nvCxnSpPr>
+        <p:spPr>
+          <a:xfrm>
+            <a:off x="5319017" y="390781"/>
+            <a:ext cx="346909" cy="451844"/>
+          </a:xfrm>
+          <a:prstGeom prst="line">
+            <a:avLst/>
+          </a:prstGeom>
+          <a:ln w="19050"/>
+        </p:spPr>
+        <p:style>
+          <a:lnRef idx="1">
+            <a:schemeClr val="dk1"/>
+          </a:lnRef>
+          <a:fillRef idx="0">
+            <a:schemeClr val="dk1"/>
+          </a:fillRef>
+          <a:effectRef idx="0">
+            <a:schemeClr val="dk1"/>
+          </a:effectRef>
+          <a:fontRef idx="minor">
+            <a:schemeClr val="tx1"/>
+          </a:fontRef>
+        </p:style>
+      </p:cxnSp>
+      <p:cxnSp>
+        <p:nvCxnSpPr>
+          <p:cNvPr id="173" name="直接连接符 172">
+            <a:extLst>
+              <a:ext uri="{FF2B5EF4-FFF2-40B4-BE49-F238E27FC236}">
+                <a16:creationId xmlns:a16="http://schemas.microsoft.com/office/drawing/2014/main" id="{88F90D57-F539-49C8-9848-55C2971D9D2A}"/>
+              </a:ext>
+            </a:extLst>
+          </p:cNvPr>
+          <p:cNvCxnSpPr>
+            <a:cxnSpLocks/>
+            <a:stCxn id="80" idx="6"/>
+            <a:endCxn id="161" idx="2"/>
+          </p:cNvCxnSpPr>
+          <p:nvPr/>
+        </p:nvCxnSpPr>
+        <p:spPr>
+          <a:xfrm>
+            <a:off x="5331498" y="850557"/>
+            <a:ext cx="358364" cy="439317"/>
+          </a:xfrm>
+          <a:prstGeom prst="line">
+            <a:avLst/>
+          </a:prstGeom>
+          <a:ln w="19050"/>
+        </p:spPr>
+        <p:style>
+          <a:lnRef idx="1">
+            <a:schemeClr val="dk1"/>
+          </a:lnRef>
+          <a:fillRef idx="0">
+            <a:schemeClr val="dk1"/>
+          </a:fillRef>
+          <a:effectRef idx="0">
+            <a:schemeClr val="dk1"/>
+          </a:effectRef>
+          <a:fontRef idx="minor">
+            <a:schemeClr val="tx1"/>
+          </a:fontRef>
+        </p:style>
+      </p:cxnSp>
+      <p:cxnSp>
+        <p:nvCxnSpPr>
+          <p:cNvPr id="176" name="直接连接符 175">
+            <a:extLst>
+              <a:ext uri="{FF2B5EF4-FFF2-40B4-BE49-F238E27FC236}">
+                <a16:creationId xmlns:a16="http://schemas.microsoft.com/office/drawing/2014/main" id="{F8863774-7C3D-412C-9765-9F1C625E6229}"/>
+              </a:ext>
+            </a:extLst>
+          </p:cNvPr>
+          <p:cNvCxnSpPr>
+            <a:cxnSpLocks/>
+            <a:stCxn id="81" idx="6"/>
+            <a:endCxn id="113" idx="2"/>
+          </p:cNvCxnSpPr>
+          <p:nvPr/>
+        </p:nvCxnSpPr>
+        <p:spPr>
+          <a:xfrm>
+            <a:off x="5332948" y="1291528"/>
+            <a:ext cx="345392" cy="439551"/>
+          </a:xfrm>
+          <a:prstGeom prst="line">
+            <a:avLst/>
+          </a:prstGeom>
+          <a:ln w="19050"/>
+        </p:spPr>
+        <p:style>
+          <a:lnRef idx="1">
+            <a:schemeClr val="dk1"/>
+          </a:lnRef>
+          <a:fillRef idx="0">
+            <a:schemeClr val="dk1"/>
+          </a:fillRef>
+          <a:effectRef idx="0">
+            <a:schemeClr val="dk1"/>
+          </a:effectRef>
+          <a:fontRef idx="minor">
+            <a:schemeClr val="tx1"/>
+          </a:fontRef>
+        </p:style>
+      </p:cxnSp>
+      <p:cxnSp>
+        <p:nvCxnSpPr>
+          <p:cNvPr id="179" name="直接连接符 178">
+            <a:extLst>
+              <a:ext uri="{FF2B5EF4-FFF2-40B4-BE49-F238E27FC236}">
+                <a16:creationId xmlns:a16="http://schemas.microsoft.com/office/drawing/2014/main" id="{583B2D96-FC6B-434F-BE5D-C497C06D7487}"/>
+              </a:ext>
+            </a:extLst>
+          </p:cNvPr>
+          <p:cNvCxnSpPr>
+            <a:cxnSpLocks/>
+            <a:stCxn id="82" idx="6"/>
+            <a:endCxn id="161" idx="2"/>
+          </p:cNvCxnSpPr>
+          <p:nvPr/>
+        </p:nvCxnSpPr>
+        <p:spPr>
+          <a:xfrm flipV="1">
+            <a:off x="5343362" y="1289874"/>
+            <a:ext cx="346500" cy="450847"/>
+          </a:xfrm>
+          <a:prstGeom prst="line">
+            <a:avLst/>
+          </a:prstGeom>
+          <a:ln w="19050"/>
+        </p:spPr>
+        <p:style>
+          <a:lnRef idx="1">
+            <a:schemeClr val="dk1"/>
+          </a:lnRef>
+          <a:fillRef idx="0">
+            <a:schemeClr val="dk1"/>
+          </a:fillRef>
+          <a:effectRef idx="0">
+            <a:schemeClr val="dk1"/>
+          </a:effectRef>
+          <a:fontRef idx="minor">
+            <a:schemeClr val="tx1"/>
+          </a:fontRef>
+        </p:style>
+      </p:cxnSp>
+      <p:cxnSp>
+        <p:nvCxnSpPr>
+          <p:cNvPr id="186" name="直接连接符 185">
+            <a:extLst>
+              <a:ext uri="{FF2B5EF4-FFF2-40B4-BE49-F238E27FC236}">
+                <a16:creationId xmlns:a16="http://schemas.microsoft.com/office/drawing/2014/main" id="{442C109A-FAFA-4420-BA29-6BDE21B45B64}"/>
+              </a:ext>
+            </a:extLst>
+          </p:cNvPr>
+          <p:cNvCxnSpPr>
+            <a:cxnSpLocks/>
+            <a:stCxn id="81" idx="6"/>
+            <a:endCxn id="91" idx="2"/>
+          </p:cNvCxnSpPr>
+          <p:nvPr/>
+        </p:nvCxnSpPr>
+        <p:spPr>
+          <a:xfrm flipV="1">
+            <a:off x="5332948" y="842625"/>
+            <a:ext cx="332978" cy="448903"/>
+          </a:xfrm>
+          <a:prstGeom prst="line">
+            <a:avLst/>
+          </a:prstGeom>
+          <a:ln w="19050"/>
+        </p:spPr>
+        <p:style>
+          <a:lnRef idx="1">
+            <a:schemeClr val="dk1"/>
+          </a:lnRef>
+          <a:fillRef idx="0">
+            <a:schemeClr val="dk1"/>
+          </a:fillRef>
+          <a:effectRef idx="0">
+            <a:schemeClr val="dk1"/>
+          </a:effectRef>
+          <a:fontRef idx="minor">
+            <a:schemeClr val="tx1"/>
+          </a:fontRef>
+        </p:style>
+      </p:cxnSp>
+      <p:cxnSp>
+        <p:nvCxnSpPr>
+          <p:cNvPr id="187" name="直接连接符 186">
+            <a:extLst>
+              <a:ext uri="{FF2B5EF4-FFF2-40B4-BE49-F238E27FC236}">
+                <a16:creationId xmlns:a16="http://schemas.microsoft.com/office/drawing/2014/main" id="{CF1DC3E9-F211-44F3-B906-B1D94D3B7748}"/>
+              </a:ext>
+            </a:extLst>
+          </p:cNvPr>
+          <p:cNvCxnSpPr>
+            <a:cxnSpLocks/>
+            <a:stCxn id="80" idx="6"/>
+            <a:endCxn id="90" idx="2"/>
+          </p:cNvCxnSpPr>
+          <p:nvPr/>
+        </p:nvCxnSpPr>
+        <p:spPr>
+          <a:xfrm flipV="1">
+            <a:off x="5331498" y="392645"/>
+            <a:ext cx="352521" cy="457912"/>
+          </a:xfrm>
+          <a:prstGeom prst="line">
+            <a:avLst/>
+          </a:prstGeom>
+          <a:ln w="19050"/>
+        </p:spPr>
+        <p:style>
+          <a:lnRef idx="1">
+            <a:schemeClr val="dk1"/>
+          </a:lnRef>
+          <a:fillRef idx="0">
+            <a:schemeClr val="dk1"/>
+          </a:fillRef>
+          <a:effectRef idx="0">
+            <a:schemeClr val="dk1"/>
+          </a:effectRef>
+          <a:fontRef idx="minor">
+            <a:schemeClr val="tx1"/>
+          </a:fontRef>
+        </p:style>
+      </p:cxnSp>
+      <p:cxnSp>
+        <p:nvCxnSpPr>
+          <p:cNvPr id="188" name="直接连接符 187">
+            <a:extLst>
+              <a:ext uri="{FF2B5EF4-FFF2-40B4-BE49-F238E27FC236}">
+                <a16:creationId xmlns:a16="http://schemas.microsoft.com/office/drawing/2014/main" id="{D416742B-6DE0-4F9C-80E2-4F97897FF87B}"/>
+              </a:ext>
+            </a:extLst>
+          </p:cNvPr>
+          <p:cNvCxnSpPr>
+            <a:cxnSpLocks/>
+            <a:stCxn id="82" idx="6"/>
+            <a:endCxn id="91" idx="2"/>
+          </p:cNvCxnSpPr>
+          <p:nvPr/>
+        </p:nvCxnSpPr>
+        <p:spPr>
+          <a:xfrm flipV="1">
+            <a:off x="5343362" y="842625"/>
+            <a:ext cx="322564" cy="898096"/>
+          </a:xfrm>
+          <a:prstGeom prst="line">
+            <a:avLst/>
+          </a:prstGeom>
+          <a:ln w="19050"/>
+        </p:spPr>
+        <p:style>
+          <a:lnRef idx="1">
+            <a:schemeClr val="dk1"/>
+          </a:lnRef>
+          <a:fillRef idx="0">
+            <a:schemeClr val="dk1"/>
+          </a:fillRef>
+          <a:effectRef idx="0">
+            <a:schemeClr val="dk1"/>
+          </a:effectRef>
+          <a:fontRef idx="minor">
+            <a:schemeClr val="tx1"/>
+          </a:fontRef>
+        </p:style>
+      </p:cxnSp>
+      <p:cxnSp>
+        <p:nvCxnSpPr>
+          <p:cNvPr id="191" name="直接连接符 190">
+            <a:extLst>
+              <a:ext uri="{FF2B5EF4-FFF2-40B4-BE49-F238E27FC236}">
+                <a16:creationId xmlns:a16="http://schemas.microsoft.com/office/drawing/2014/main" id="{4AF521CC-4326-4F85-9B08-A871BFA4C704}"/>
+              </a:ext>
+            </a:extLst>
+          </p:cNvPr>
+          <p:cNvCxnSpPr>
+            <a:cxnSpLocks/>
+            <a:stCxn id="81" idx="6"/>
+            <a:endCxn id="90" idx="2"/>
+          </p:cNvCxnSpPr>
+          <p:nvPr/>
+        </p:nvCxnSpPr>
+        <p:spPr>
+          <a:xfrm flipV="1">
+            <a:off x="5332948" y="392645"/>
+            <a:ext cx="351071" cy="898883"/>
+          </a:xfrm>
+          <a:prstGeom prst="line">
+            <a:avLst/>
+          </a:prstGeom>
+          <a:ln w="19050"/>
+        </p:spPr>
+        <p:style>
+          <a:lnRef idx="1">
+            <a:schemeClr val="dk1"/>
+          </a:lnRef>
+          <a:fillRef idx="0">
+            <a:schemeClr val="dk1"/>
+          </a:fillRef>
+          <a:effectRef idx="0">
+            <a:schemeClr val="dk1"/>
+          </a:effectRef>
+          <a:fontRef idx="minor">
+            <a:schemeClr val="tx1"/>
+          </a:fontRef>
+        </p:style>
+      </p:cxnSp>
+      <p:cxnSp>
+        <p:nvCxnSpPr>
+          <p:cNvPr id="194" name="直接连接符 193">
+            <a:extLst>
+              <a:ext uri="{FF2B5EF4-FFF2-40B4-BE49-F238E27FC236}">
+                <a16:creationId xmlns:a16="http://schemas.microsoft.com/office/drawing/2014/main" id="{4A9571EB-474B-4496-B961-C6C6625DF70C}"/>
+              </a:ext>
+            </a:extLst>
+          </p:cNvPr>
+          <p:cNvCxnSpPr>
+            <a:cxnSpLocks/>
+            <a:stCxn id="82" idx="6"/>
+            <a:endCxn id="90" idx="2"/>
+          </p:cNvCxnSpPr>
+          <p:nvPr/>
+        </p:nvCxnSpPr>
+        <p:spPr>
+          <a:xfrm flipV="1">
+            <a:off x="5343362" y="392645"/>
+            <a:ext cx="340657" cy="1348076"/>
+          </a:xfrm>
+          <a:prstGeom prst="line">
+            <a:avLst/>
+          </a:prstGeom>
+          <a:ln w="19050"/>
+        </p:spPr>
+        <p:style>
+          <a:lnRef idx="1">
+            <a:schemeClr val="dk1"/>
+          </a:lnRef>
+          <a:fillRef idx="0">
+            <a:schemeClr val="dk1"/>
+          </a:fillRef>
+          <a:effectRef idx="0">
+            <a:schemeClr val="dk1"/>
+          </a:effectRef>
+          <a:fontRef idx="minor">
+            <a:schemeClr val="tx1"/>
+          </a:fontRef>
+        </p:style>
+      </p:cxnSp>
+      <p:cxnSp>
+        <p:nvCxnSpPr>
+          <p:cNvPr id="197" name="直接连接符 196">
+            <a:extLst>
+              <a:ext uri="{FF2B5EF4-FFF2-40B4-BE49-F238E27FC236}">
+                <a16:creationId xmlns:a16="http://schemas.microsoft.com/office/drawing/2014/main" id="{CD41F4D6-A265-46AF-A28E-4D8734234156}"/>
+              </a:ext>
+            </a:extLst>
+          </p:cNvPr>
+          <p:cNvCxnSpPr>
+            <a:cxnSpLocks/>
+            <a:stCxn id="79" idx="6"/>
+            <a:endCxn id="161" idx="2"/>
+          </p:cNvCxnSpPr>
+          <p:nvPr/>
+        </p:nvCxnSpPr>
+        <p:spPr>
+          <a:xfrm>
+            <a:off x="5319017" y="390781"/>
+            <a:ext cx="370845" cy="899093"/>
+          </a:xfrm>
+          <a:prstGeom prst="line">
+            <a:avLst/>
+          </a:prstGeom>
+          <a:ln w="19050"/>
+        </p:spPr>
+        <p:style>
+          <a:lnRef idx="1">
+            <a:schemeClr val="dk1"/>
+          </a:lnRef>
+          <a:fillRef idx="0">
+            <a:schemeClr val="dk1"/>
+          </a:fillRef>
+          <a:effectRef idx="0">
+            <a:schemeClr val="dk1"/>
+          </a:effectRef>
+          <a:fontRef idx="minor">
+            <a:schemeClr val="tx1"/>
+          </a:fontRef>
+        </p:style>
+      </p:cxnSp>
+      <p:cxnSp>
+        <p:nvCxnSpPr>
+          <p:cNvPr id="200" name="直接连接符 199">
+            <a:extLst>
+              <a:ext uri="{FF2B5EF4-FFF2-40B4-BE49-F238E27FC236}">
+                <a16:creationId xmlns:a16="http://schemas.microsoft.com/office/drawing/2014/main" id="{C983ABAC-5A0F-41BA-ACCE-FC7AB0C5676F}"/>
+              </a:ext>
+            </a:extLst>
+          </p:cNvPr>
+          <p:cNvCxnSpPr>
+            <a:cxnSpLocks/>
+            <a:stCxn id="79" idx="6"/>
+            <a:endCxn id="113" idx="2"/>
+          </p:cNvCxnSpPr>
+          <p:nvPr/>
+        </p:nvCxnSpPr>
+        <p:spPr>
+          <a:xfrm>
+            <a:off x="5319017" y="390781"/>
+            <a:ext cx="359323" cy="1340298"/>
+          </a:xfrm>
+          <a:prstGeom prst="line">
+            <a:avLst/>
+          </a:prstGeom>
+          <a:ln w="19050"/>
+        </p:spPr>
+        <p:style>
+          <a:lnRef idx="1">
+            <a:schemeClr val="dk1"/>
+          </a:lnRef>
+          <a:fillRef idx="0">
+            <a:schemeClr val="dk1"/>
+          </a:fillRef>
+          <a:effectRef idx="0">
+            <a:schemeClr val="dk1"/>
+          </a:effectRef>
+          <a:fontRef idx="minor">
+            <a:schemeClr val="tx1"/>
+          </a:fontRef>
+        </p:style>
+      </p:cxnSp>
+      <p:cxnSp>
+        <p:nvCxnSpPr>
+          <p:cNvPr id="203" name="直接连接符 202">
+            <a:extLst>
+              <a:ext uri="{FF2B5EF4-FFF2-40B4-BE49-F238E27FC236}">
+                <a16:creationId xmlns:a16="http://schemas.microsoft.com/office/drawing/2014/main" id="{22A62E31-7B17-4C41-84DB-DD8D040688FF}"/>
+              </a:ext>
+            </a:extLst>
+          </p:cNvPr>
+          <p:cNvCxnSpPr>
+            <a:cxnSpLocks/>
+            <a:stCxn id="80" idx="6"/>
+            <a:endCxn id="113" idx="2"/>
+          </p:cNvCxnSpPr>
+          <p:nvPr/>
+        </p:nvCxnSpPr>
+        <p:spPr>
+          <a:xfrm>
+            <a:off x="5331498" y="850557"/>
+            <a:ext cx="346842" cy="880522"/>
+          </a:xfrm>
+          <a:prstGeom prst="line">
+            <a:avLst/>
+          </a:prstGeom>
+          <a:ln w="19050"/>
+        </p:spPr>
+        <p:style>
+          <a:lnRef idx="1">
+            <a:schemeClr val="dk1"/>
+          </a:lnRef>
+          <a:fillRef idx="0">
+            <a:schemeClr val="dk1"/>
+          </a:fillRef>
+          <a:effectRef idx="0">
+            <a:schemeClr val="dk1"/>
+          </a:effectRef>
+          <a:fontRef idx="minor">
+            <a:schemeClr val="tx1"/>
+          </a:fontRef>
+        </p:style>
+      </p:cxnSp>
+      <p:cxnSp>
+        <p:nvCxnSpPr>
+          <p:cNvPr id="206" name="直接连接符 205">
+            <a:extLst>
+              <a:ext uri="{FF2B5EF4-FFF2-40B4-BE49-F238E27FC236}">
+                <a16:creationId xmlns:a16="http://schemas.microsoft.com/office/drawing/2014/main" id="{A199A4D4-6677-486B-9D45-972459640D8C}"/>
+              </a:ext>
+            </a:extLst>
+          </p:cNvPr>
+          <p:cNvCxnSpPr>
+            <a:cxnSpLocks/>
+            <a:stCxn id="90" idx="6"/>
+            <a:endCxn id="117" idx="2"/>
+          </p:cNvCxnSpPr>
+          <p:nvPr/>
+        </p:nvCxnSpPr>
+        <p:spPr>
+          <a:xfrm>
+            <a:off x="6012604" y="392645"/>
+            <a:ext cx="353968" cy="145174"/>
+          </a:xfrm>
+          <a:prstGeom prst="line">
+            <a:avLst/>
+          </a:prstGeom>
+          <a:ln w="19050"/>
+        </p:spPr>
+        <p:style>
+          <a:lnRef idx="1">
+            <a:schemeClr val="dk1"/>
+          </a:lnRef>
+          <a:fillRef idx="0">
+            <a:schemeClr val="dk1"/>
+          </a:fillRef>
+          <a:effectRef idx="0">
+            <a:schemeClr val="dk1"/>
+          </a:effectRef>
+          <a:fontRef idx="minor">
+            <a:schemeClr val="tx1"/>
+          </a:fontRef>
+        </p:style>
+      </p:cxnSp>
+      <p:cxnSp>
+        <p:nvCxnSpPr>
+          <p:cNvPr id="209" name="直接连接符 208">
+            <a:extLst>
+              <a:ext uri="{FF2B5EF4-FFF2-40B4-BE49-F238E27FC236}">
+                <a16:creationId xmlns:a16="http://schemas.microsoft.com/office/drawing/2014/main" id="{8CB7D568-8591-49A6-9AAE-9FBE744350F1}"/>
+              </a:ext>
+            </a:extLst>
+          </p:cNvPr>
+          <p:cNvCxnSpPr>
+            <a:cxnSpLocks/>
+            <a:stCxn id="90" idx="6"/>
+            <a:endCxn id="118" idx="2"/>
+          </p:cNvCxnSpPr>
+          <p:nvPr/>
+        </p:nvCxnSpPr>
+        <p:spPr>
+          <a:xfrm>
+            <a:off x="6012604" y="392645"/>
+            <a:ext cx="347514" cy="601134"/>
+          </a:xfrm>
+          <a:prstGeom prst="line">
+            <a:avLst/>
+          </a:prstGeom>
+          <a:ln w="19050"/>
+        </p:spPr>
+        <p:style>
+          <a:lnRef idx="1">
+            <a:schemeClr val="dk1"/>
+          </a:lnRef>
+          <a:fillRef idx="0">
+            <a:schemeClr val="dk1"/>
+          </a:fillRef>
+          <a:effectRef idx="0">
+            <a:schemeClr val="dk1"/>
+          </a:effectRef>
+          <a:fontRef idx="minor">
+            <a:schemeClr val="tx1"/>
+          </a:fontRef>
+        </p:style>
+      </p:cxnSp>
+      <p:cxnSp>
+        <p:nvCxnSpPr>
+          <p:cNvPr id="212" name="直接连接符 211">
+            <a:extLst>
+              <a:ext uri="{FF2B5EF4-FFF2-40B4-BE49-F238E27FC236}">
+                <a16:creationId xmlns:a16="http://schemas.microsoft.com/office/drawing/2014/main" id="{1C853476-BAA0-460B-BB4F-ECE25C34A67B}"/>
+              </a:ext>
+            </a:extLst>
+          </p:cNvPr>
+          <p:cNvCxnSpPr>
+            <a:cxnSpLocks/>
+            <a:stCxn id="90" idx="6"/>
+            <a:endCxn id="119" idx="2"/>
+          </p:cNvCxnSpPr>
+          <p:nvPr/>
+        </p:nvCxnSpPr>
+        <p:spPr>
+          <a:xfrm>
+            <a:off x="6012604" y="392645"/>
+            <a:ext cx="347514" cy="1092761"/>
+          </a:xfrm>
+          <a:prstGeom prst="line">
+            <a:avLst/>
+          </a:prstGeom>
+          <a:ln w="19050"/>
+        </p:spPr>
+        <p:style>
+          <a:lnRef idx="1">
+            <a:schemeClr val="dk1"/>
+          </a:lnRef>
+          <a:fillRef idx="0">
+            <a:schemeClr val="dk1"/>
+          </a:fillRef>
+          <a:effectRef idx="0">
+            <a:schemeClr val="dk1"/>
+          </a:effectRef>
+          <a:fontRef idx="minor">
+            <a:schemeClr val="tx1"/>
+          </a:fontRef>
+        </p:style>
+      </p:cxnSp>
+      <p:cxnSp>
+        <p:nvCxnSpPr>
+          <p:cNvPr id="216" name="直接连接符 215">
+            <a:extLst>
+              <a:ext uri="{FF2B5EF4-FFF2-40B4-BE49-F238E27FC236}">
+                <a16:creationId xmlns:a16="http://schemas.microsoft.com/office/drawing/2014/main" id="{FE2CFEEE-2E8E-4224-B53A-F35BB0F50192}"/>
+              </a:ext>
+            </a:extLst>
+          </p:cNvPr>
+          <p:cNvCxnSpPr>
+            <a:cxnSpLocks/>
+            <a:stCxn id="91" idx="6"/>
+            <a:endCxn id="118" idx="2"/>
+          </p:cNvCxnSpPr>
+          <p:nvPr/>
+        </p:nvCxnSpPr>
+        <p:spPr>
+          <a:xfrm>
+            <a:off x="5994729" y="842625"/>
+            <a:ext cx="365389" cy="151154"/>
+          </a:xfrm>
+          <a:prstGeom prst="line">
+            <a:avLst/>
+          </a:prstGeom>
+          <a:ln w="19050"/>
+        </p:spPr>
+        <p:style>
+          <a:lnRef idx="1">
+            <a:schemeClr val="dk1"/>
+          </a:lnRef>
+          <a:fillRef idx="0">
+            <a:schemeClr val="dk1"/>
+          </a:fillRef>
+          <a:effectRef idx="0">
+            <a:schemeClr val="dk1"/>
+          </a:effectRef>
+          <a:fontRef idx="minor">
+            <a:schemeClr val="tx1"/>
+          </a:fontRef>
+        </p:style>
+      </p:cxnSp>
+      <p:cxnSp>
+        <p:nvCxnSpPr>
+          <p:cNvPr id="219" name="直接连接符 218">
+            <a:extLst>
+              <a:ext uri="{FF2B5EF4-FFF2-40B4-BE49-F238E27FC236}">
+                <a16:creationId xmlns:a16="http://schemas.microsoft.com/office/drawing/2014/main" id="{658C67EC-F703-4F1E-9598-E6489B80351F}"/>
+              </a:ext>
+            </a:extLst>
+          </p:cNvPr>
+          <p:cNvCxnSpPr>
+            <a:cxnSpLocks/>
+            <a:stCxn id="91" idx="6"/>
+            <a:endCxn id="117" idx="2"/>
+          </p:cNvCxnSpPr>
+          <p:nvPr/>
+        </p:nvCxnSpPr>
+        <p:spPr>
+          <a:xfrm flipV="1">
+            <a:off x="5994729" y="537819"/>
+            <a:ext cx="371843" cy="304806"/>
+          </a:xfrm>
+          <a:prstGeom prst="line">
+            <a:avLst/>
+          </a:prstGeom>
+          <a:ln w="19050"/>
+        </p:spPr>
+        <p:style>
+          <a:lnRef idx="1">
+            <a:schemeClr val="dk1"/>
+          </a:lnRef>
+          <a:fillRef idx="0">
+            <a:schemeClr val="dk1"/>
+          </a:fillRef>
+          <a:effectRef idx="0">
+            <a:schemeClr val="dk1"/>
+          </a:effectRef>
+          <a:fontRef idx="minor">
+            <a:schemeClr val="tx1"/>
+          </a:fontRef>
+        </p:style>
+      </p:cxnSp>
+      <p:cxnSp>
+        <p:nvCxnSpPr>
+          <p:cNvPr id="222" name="直接连接符 221">
+            <a:extLst>
+              <a:ext uri="{FF2B5EF4-FFF2-40B4-BE49-F238E27FC236}">
+                <a16:creationId xmlns:a16="http://schemas.microsoft.com/office/drawing/2014/main" id="{CE45685C-7671-4B45-A7F2-20C5C0CDDE9C}"/>
+              </a:ext>
+            </a:extLst>
+          </p:cNvPr>
+          <p:cNvCxnSpPr>
+            <a:cxnSpLocks/>
+            <a:stCxn id="91" idx="6"/>
+            <a:endCxn id="119" idx="2"/>
+          </p:cNvCxnSpPr>
+          <p:nvPr/>
+        </p:nvCxnSpPr>
+        <p:spPr>
+          <a:xfrm>
+            <a:off x="5994729" y="842625"/>
+            <a:ext cx="365389" cy="642781"/>
+          </a:xfrm>
+          <a:prstGeom prst="line">
+            <a:avLst/>
+          </a:prstGeom>
+          <a:ln w="19050"/>
+        </p:spPr>
+        <p:style>
+          <a:lnRef idx="1">
+            <a:schemeClr val="dk1"/>
+          </a:lnRef>
+          <a:fillRef idx="0">
+            <a:schemeClr val="dk1"/>
+          </a:fillRef>
+          <a:effectRef idx="0">
+            <a:schemeClr val="dk1"/>
+          </a:effectRef>
+          <a:fontRef idx="minor">
+            <a:schemeClr val="tx1"/>
+          </a:fontRef>
+        </p:style>
+      </p:cxnSp>
+      <p:cxnSp>
+        <p:nvCxnSpPr>
+          <p:cNvPr id="225" name="直接连接符 224">
+            <a:extLst>
+              <a:ext uri="{FF2B5EF4-FFF2-40B4-BE49-F238E27FC236}">
+                <a16:creationId xmlns:a16="http://schemas.microsoft.com/office/drawing/2014/main" id="{F280101D-3757-4353-BB66-6F8FAAB1C906}"/>
+              </a:ext>
+            </a:extLst>
+          </p:cNvPr>
+          <p:cNvCxnSpPr>
+            <a:cxnSpLocks/>
+            <a:stCxn id="161" idx="6"/>
+            <a:endCxn id="118" idx="2"/>
+          </p:cNvCxnSpPr>
+          <p:nvPr/>
+        </p:nvCxnSpPr>
+        <p:spPr>
+          <a:xfrm flipV="1">
+            <a:off x="6018665" y="993779"/>
+            <a:ext cx="341453" cy="296095"/>
+          </a:xfrm>
+          <a:prstGeom prst="line">
+            <a:avLst/>
+          </a:prstGeom>
+          <a:ln w="19050"/>
+        </p:spPr>
+        <p:style>
+          <a:lnRef idx="1">
+            <a:schemeClr val="dk1"/>
+          </a:lnRef>
+          <a:fillRef idx="0">
+            <a:schemeClr val="dk1"/>
+          </a:fillRef>
+          <a:effectRef idx="0">
+            <a:schemeClr val="dk1"/>
+          </a:effectRef>
+          <a:fontRef idx="minor">
+            <a:schemeClr val="tx1"/>
+          </a:fontRef>
+        </p:style>
+      </p:cxnSp>
+      <p:cxnSp>
+        <p:nvCxnSpPr>
+          <p:cNvPr id="228" name="直接连接符 227">
+            <a:extLst>
+              <a:ext uri="{FF2B5EF4-FFF2-40B4-BE49-F238E27FC236}">
+                <a16:creationId xmlns:a16="http://schemas.microsoft.com/office/drawing/2014/main" id="{AC493294-59E2-45AA-8E00-B4F3862B62C1}"/>
+              </a:ext>
+            </a:extLst>
+          </p:cNvPr>
+          <p:cNvCxnSpPr>
+            <a:cxnSpLocks/>
+            <a:stCxn id="161" idx="6"/>
+            <a:endCxn id="117" idx="2"/>
+          </p:cNvCxnSpPr>
+          <p:nvPr/>
+        </p:nvCxnSpPr>
+        <p:spPr>
+          <a:xfrm flipV="1">
+            <a:off x="6018665" y="537819"/>
+            <a:ext cx="347907" cy="752055"/>
+          </a:xfrm>
+          <a:prstGeom prst="line">
+            <a:avLst/>
+          </a:prstGeom>
+          <a:ln w="19050"/>
+        </p:spPr>
+        <p:style>
+          <a:lnRef idx="1">
+            <a:schemeClr val="dk1"/>
+          </a:lnRef>
+          <a:fillRef idx="0">
+            <a:schemeClr val="dk1"/>
+          </a:fillRef>
+          <a:effectRef idx="0">
+            <a:schemeClr val="dk1"/>
+          </a:effectRef>
+          <a:fontRef idx="minor">
+            <a:schemeClr val="tx1"/>
+          </a:fontRef>
+        </p:style>
+      </p:cxnSp>
+      <p:cxnSp>
+        <p:nvCxnSpPr>
+          <p:cNvPr id="231" name="直接连接符 230">
+            <a:extLst>
+              <a:ext uri="{FF2B5EF4-FFF2-40B4-BE49-F238E27FC236}">
+                <a16:creationId xmlns:a16="http://schemas.microsoft.com/office/drawing/2014/main" id="{F19AEA0D-EA2A-49D5-94A0-3D65EC122A64}"/>
+              </a:ext>
+            </a:extLst>
+          </p:cNvPr>
+          <p:cNvCxnSpPr>
+            <a:cxnSpLocks/>
+            <a:stCxn id="161" idx="6"/>
+            <a:endCxn id="119" idx="2"/>
+          </p:cNvCxnSpPr>
+          <p:nvPr/>
+        </p:nvCxnSpPr>
+        <p:spPr>
+          <a:xfrm>
+            <a:off x="6018665" y="1289874"/>
+            <a:ext cx="341453" cy="195532"/>
+          </a:xfrm>
+          <a:prstGeom prst="line">
+            <a:avLst/>
+          </a:prstGeom>
+          <a:ln w="19050"/>
+        </p:spPr>
+        <p:style>
+          <a:lnRef idx="1">
+            <a:schemeClr val="dk1"/>
+          </a:lnRef>
+          <a:fillRef idx="0">
+            <a:schemeClr val="dk1"/>
+          </a:fillRef>
+          <a:effectRef idx="0">
+            <a:schemeClr val="dk1"/>
+          </a:effectRef>
+          <a:fontRef idx="minor">
+            <a:schemeClr val="tx1"/>
+          </a:fontRef>
+        </p:style>
+      </p:cxnSp>
+      <p:cxnSp>
+        <p:nvCxnSpPr>
+          <p:cNvPr id="234" name="直接连接符 233">
+            <a:extLst>
+              <a:ext uri="{FF2B5EF4-FFF2-40B4-BE49-F238E27FC236}">
+                <a16:creationId xmlns:a16="http://schemas.microsoft.com/office/drawing/2014/main" id="{5C8EF485-AD69-4785-912A-39972D462534}"/>
+              </a:ext>
+            </a:extLst>
+          </p:cNvPr>
+          <p:cNvCxnSpPr>
+            <a:cxnSpLocks/>
+            <a:stCxn id="113" idx="6"/>
+            <a:endCxn id="117" idx="2"/>
+          </p:cNvCxnSpPr>
+          <p:nvPr/>
+        </p:nvCxnSpPr>
+        <p:spPr>
+          <a:xfrm flipV="1">
+            <a:off x="6032486" y="537819"/>
+            <a:ext cx="334086" cy="1193260"/>
+          </a:xfrm>
+          <a:prstGeom prst="line">
+            <a:avLst/>
+          </a:prstGeom>
+          <a:ln w="19050"/>
+        </p:spPr>
+        <p:style>
+          <a:lnRef idx="1">
+            <a:schemeClr val="dk1"/>
+          </a:lnRef>
+          <a:fillRef idx="0">
+            <a:schemeClr val="dk1"/>
+          </a:fillRef>
+          <a:effectRef idx="0">
+            <a:schemeClr val="dk1"/>
+          </a:effectRef>
+          <a:fontRef idx="minor">
+            <a:schemeClr val="tx1"/>
+          </a:fontRef>
+        </p:style>
+      </p:cxnSp>
+      <p:cxnSp>
+        <p:nvCxnSpPr>
+          <p:cNvPr id="237" name="直接连接符 236">
+            <a:extLst>
+              <a:ext uri="{FF2B5EF4-FFF2-40B4-BE49-F238E27FC236}">
+                <a16:creationId xmlns:a16="http://schemas.microsoft.com/office/drawing/2014/main" id="{57375D1A-8E45-4A87-952A-0DB4F6B0CC71}"/>
+              </a:ext>
+            </a:extLst>
+          </p:cNvPr>
+          <p:cNvCxnSpPr>
+            <a:cxnSpLocks/>
+            <a:stCxn id="113" idx="6"/>
+            <a:endCxn id="118" idx="2"/>
+          </p:cNvCxnSpPr>
+          <p:nvPr/>
+        </p:nvCxnSpPr>
+        <p:spPr>
+          <a:xfrm flipV="1">
+            <a:off x="6032486" y="993779"/>
+            <a:ext cx="327632" cy="737300"/>
+          </a:xfrm>
+          <a:prstGeom prst="line">
+            <a:avLst/>
+          </a:prstGeom>
+          <a:ln w="19050"/>
+        </p:spPr>
+        <p:style>
+          <a:lnRef idx="1">
+            <a:schemeClr val="dk1"/>
+          </a:lnRef>
+          <a:fillRef idx="0">
+            <a:schemeClr val="dk1"/>
+          </a:fillRef>
+          <a:effectRef idx="0">
+            <a:schemeClr val="dk1"/>
+          </a:effectRef>
+          <a:fontRef idx="minor">
+            <a:schemeClr val="tx1"/>
+          </a:fontRef>
+        </p:style>
+      </p:cxnSp>
+      <p:cxnSp>
+        <p:nvCxnSpPr>
+          <p:cNvPr id="240" name="直接连接符 239">
+            <a:extLst>
+              <a:ext uri="{FF2B5EF4-FFF2-40B4-BE49-F238E27FC236}">
+                <a16:creationId xmlns:a16="http://schemas.microsoft.com/office/drawing/2014/main" id="{96DA999D-CE2D-4934-9AFD-CF507AD30192}"/>
+              </a:ext>
+            </a:extLst>
+          </p:cNvPr>
+          <p:cNvCxnSpPr>
+            <a:cxnSpLocks/>
+            <a:stCxn id="113" idx="6"/>
+            <a:endCxn id="119" idx="2"/>
+          </p:cNvCxnSpPr>
+          <p:nvPr/>
+        </p:nvCxnSpPr>
+        <p:spPr>
+          <a:xfrm flipV="1">
+            <a:off x="6032486" y="1485406"/>
+            <a:ext cx="327632" cy="245673"/>
+          </a:xfrm>
+          <a:prstGeom prst="line">
+            <a:avLst/>
+          </a:prstGeom>
+          <a:ln w="19050"/>
         </p:spPr>
         <p:style>
           <a:lnRef idx="1">

--- a/paper/figures/framework2.pptx
+++ b/paper/figures/framework2.pptx
@@ -3462,8 +3462,8 @@
           </a:p>
         </p:txBody>
       </p:sp>
-      <mc:AlternateContent xmlns:mc="http://schemas.openxmlformats.org/markup-compatibility/2006">
-        <mc:Choice xmlns:a14="http://schemas.microsoft.com/office/drawing/2010/main" Requires="a14">
+      <mc:AlternateContent xmlns:mc="http://schemas.openxmlformats.org/markup-compatibility/2006" xmlns:a14="http://schemas.microsoft.com/office/drawing/2010/main">
+        <mc:Choice Requires="a14">
           <p:sp>
             <p:nvSpPr>
               <p:cNvPr id="4" name="矩形 3">
@@ -3551,7 +3551,7 @@
             </p:txBody>
           </p:sp>
         </mc:Choice>
-        <mc:Fallback>
+        <mc:Fallback xmlns="">
           <p:sp>
             <p:nvSpPr>
               <p:cNvPr id="4" name="矩形 3">
@@ -3604,8 +3604,8 @@
           </p:sp>
         </mc:Fallback>
       </mc:AlternateContent>
-      <mc:AlternateContent xmlns:mc="http://schemas.openxmlformats.org/markup-compatibility/2006">
-        <mc:Choice xmlns:a14="http://schemas.microsoft.com/office/drawing/2010/main" Requires="a14">
+      <mc:AlternateContent xmlns:mc="http://schemas.openxmlformats.org/markup-compatibility/2006" xmlns:a14="http://schemas.microsoft.com/office/drawing/2010/main">
+        <mc:Choice Requires="a14">
           <p:sp>
             <p:nvSpPr>
               <p:cNvPr id="5" name="矩形 4">
@@ -3693,7 +3693,7 @@
             </p:txBody>
           </p:sp>
         </mc:Choice>
-        <mc:Fallback>
+        <mc:Fallback xmlns="">
           <p:sp>
             <p:nvSpPr>
               <p:cNvPr id="5" name="矩形 4">
@@ -3746,8 +3746,8 @@
           </p:sp>
         </mc:Fallback>
       </mc:AlternateContent>
-      <mc:AlternateContent xmlns:mc="http://schemas.openxmlformats.org/markup-compatibility/2006">
-        <mc:Choice xmlns:a14="http://schemas.microsoft.com/office/drawing/2010/main" Requires="a14">
+      <mc:AlternateContent xmlns:mc="http://schemas.openxmlformats.org/markup-compatibility/2006" xmlns:a14="http://schemas.microsoft.com/office/drawing/2010/main">
+        <mc:Choice Requires="a14">
           <p:sp>
             <p:nvSpPr>
               <p:cNvPr id="6" name="矩形 5">
@@ -3854,7 +3854,7 @@
             </p:txBody>
           </p:sp>
         </mc:Choice>
-        <mc:Fallback>
+        <mc:Fallback xmlns="">
           <p:sp>
             <p:nvSpPr>
               <p:cNvPr id="6" name="矩形 5">
@@ -3907,8 +3907,8 @@
           </p:sp>
         </mc:Fallback>
       </mc:AlternateContent>
-      <mc:AlternateContent xmlns:mc="http://schemas.openxmlformats.org/markup-compatibility/2006">
-        <mc:Choice xmlns:a14="http://schemas.microsoft.com/office/drawing/2010/main" Requires="a14">
+      <mc:AlternateContent xmlns:mc="http://schemas.openxmlformats.org/markup-compatibility/2006" xmlns:a14="http://schemas.microsoft.com/office/drawing/2010/main">
+        <mc:Choice Requires="a14">
           <p:sp>
             <p:nvSpPr>
               <p:cNvPr id="7" name="文本框 6">
@@ -3985,7 +3985,7 @@
             </p:txBody>
           </p:sp>
         </mc:Choice>
-        <mc:Fallback>
+        <mc:Fallback xmlns="">
           <p:sp>
             <p:nvSpPr>
               <p:cNvPr id="7" name="文本框 6">
@@ -4030,8 +4030,8 @@
           </p:sp>
         </mc:Fallback>
       </mc:AlternateContent>
-      <mc:AlternateContent xmlns:mc="http://schemas.openxmlformats.org/markup-compatibility/2006">
-        <mc:Choice xmlns:a14="http://schemas.microsoft.com/office/drawing/2010/main" Requires="a14">
+      <mc:AlternateContent xmlns:mc="http://schemas.openxmlformats.org/markup-compatibility/2006" xmlns:a14="http://schemas.microsoft.com/office/drawing/2010/main">
+        <mc:Choice Requires="a14">
           <p:sp>
             <p:nvSpPr>
               <p:cNvPr id="8" name="矩形 7">
@@ -4119,7 +4119,7 @@
             </p:txBody>
           </p:sp>
         </mc:Choice>
-        <mc:Fallback>
+        <mc:Fallback xmlns="">
           <p:sp>
             <p:nvSpPr>
               <p:cNvPr id="8" name="矩形 7">
@@ -4172,8 +4172,8 @@
           </p:sp>
         </mc:Fallback>
       </mc:AlternateContent>
-      <mc:AlternateContent xmlns:mc="http://schemas.openxmlformats.org/markup-compatibility/2006">
-        <mc:Choice xmlns:a14="http://schemas.microsoft.com/office/drawing/2010/main" Requires="a14">
+      <mc:AlternateContent xmlns:mc="http://schemas.openxmlformats.org/markup-compatibility/2006" xmlns:a14="http://schemas.microsoft.com/office/drawing/2010/main">
+        <mc:Choice Requires="a14">
           <p:sp>
             <p:nvSpPr>
               <p:cNvPr id="9" name="矩形 8">
@@ -4261,7 +4261,7 @@
             </p:txBody>
           </p:sp>
         </mc:Choice>
-        <mc:Fallback>
+        <mc:Fallback xmlns="">
           <p:sp>
             <p:nvSpPr>
               <p:cNvPr id="9" name="矩形 8">
@@ -4314,8 +4314,8 @@
           </p:sp>
         </mc:Fallback>
       </mc:AlternateContent>
-      <mc:AlternateContent xmlns:mc="http://schemas.openxmlformats.org/markup-compatibility/2006">
-        <mc:Choice xmlns:a14="http://schemas.microsoft.com/office/drawing/2010/main" Requires="a14">
+      <mc:AlternateContent xmlns:mc="http://schemas.openxmlformats.org/markup-compatibility/2006" xmlns:a14="http://schemas.microsoft.com/office/drawing/2010/main">
+        <mc:Choice Requires="a14">
           <p:sp>
             <p:nvSpPr>
               <p:cNvPr id="10" name="矩形 9">
@@ -4422,7 +4422,7 @@
             </p:txBody>
           </p:sp>
         </mc:Choice>
-        <mc:Fallback>
+        <mc:Fallback xmlns="">
           <p:sp>
             <p:nvSpPr>
               <p:cNvPr id="10" name="矩形 9">
@@ -4511,8 +4511,8 @@
           </a:p>
         </p:txBody>
       </p:sp>
-      <mc:AlternateContent xmlns:mc="http://schemas.openxmlformats.org/markup-compatibility/2006">
-        <mc:Choice xmlns:a14="http://schemas.microsoft.com/office/drawing/2010/main" Requires="a14">
+      <mc:AlternateContent xmlns:mc="http://schemas.openxmlformats.org/markup-compatibility/2006" xmlns:a14="http://schemas.microsoft.com/office/drawing/2010/main">
+        <mc:Choice Requires="a14">
           <p:sp>
             <p:nvSpPr>
               <p:cNvPr id="12" name="矩形 11">
@@ -4631,7 +4631,7 @@
             </p:txBody>
           </p:sp>
         </mc:Choice>
-        <mc:Fallback>
+        <mc:Fallback xmlns="">
           <p:sp>
             <p:nvSpPr>
               <p:cNvPr id="12" name="矩形 11">
@@ -4720,8 +4720,8 @@
           </a:p>
         </p:txBody>
       </p:sp>
-      <mc:AlternateContent xmlns:mc="http://schemas.openxmlformats.org/markup-compatibility/2006">
-        <mc:Choice xmlns:a14="http://schemas.microsoft.com/office/drawing/2010/main" Requires="a14">
+      <mc:AlternateContent xmlns:mc="http://schemas.openxmlformats.org/markup-compatibility/2006" xmlns:a14="http://schemas.microsoft.com/office/drawing/2010/main">
+        <mc:Choice Requires="a14">
           <p:sp>
             <p:nvSpPr>
               <p:cNvPr id="16" name="矩形 15">
@@ -4884,7 +4884,7 @@
             </p:txBody>
           </p:sp>
         </mc:Choice>
-        <mc:Fallback>
+        <mc:Fallback xmlns="">
           <p:sp>
             <p:nvSpPr>
               <p:cNvPr id="16" name="矩形 15">
@@ -4937,8 +4937,8 @@
           </p:sp>
         </mc:Fallback>
       </mc:AlternateContent>
-      <mc:AlternateContent xmlns:mc="http://schemas.openxmlformats.org/markup-compatibility/2006">
-        <mc:Choice xmlns:a14="http://schemas.microsoft.com/office/drawing/2010/main" Requires="a14">
+      <mc:AlternateContent xmlns:mc="http://schemas.openxmlformats.org/markup-compatibility/2006" xmlns:a14="http://schemas.microsoft.com/office/drawing/2010/main">
+        <mc:Choice Requires="a14">
           <p:sp>
             <p:nvSpPr>
               <p:cNvPr id="17" name="矩形 16">
@@ -5000,7 +5000,7 @@
             </p:txBody>
           </p:sp>
         </mc:Choice>
-        <mc:Fallback>
+        <mc:Fallback xmlns="">
           <p:sp>
             <p:nvSpPr>
               <p:cNvPr id="17" name="矩形 16">
@@ -5193,12 +5193,12 @@
           <a:p>
             <a:pPr algn="ctr"/>
             <a:r>
-              <a:rPr lang="en-US" altLang="zh-CN" sz="1400" dirty="0">
+              <a:rPr lang="en-US" altLang="zh-CN" sz="1200" dirty="0">
                 <a:latin typeface="Consolas" panose="020B0609020204030204" pitchFamily="49" charset="0"/>
               </a:rPr>
               <a:t>Memory buffer</a:t>
             </a:r>
-            <a:endParaRPr lang="zh-CN" altLang="en-US" sz="1400" dirty="0">
+            <a:endParaRPr lang="zh-CN" altLang="en-US" sz="1200" dirty="0">
               <a:latin typeface="Consolas" panose="020B0609020204030204" pitchFamily="49" charset="0"/>
             </a:endParaRPr>
           </a:p>
@@ -5218,8 +5218,8 @@
         </p:nvSpPr>
         <p:spPr>
           <a:xfrm>
-            <a:off x="10375331" y="695631"/>
-            <a:ext cx="1445747" cy="877636"/>
+            <a:off x="10274459" y="987594"/>
+            <a:ext cx="1518459" cy="891732"/>
           </a:xfrm>
           <a:prstGeom prst="flowChartDecision">
             <a:avLst/>
@@ -5560,7 +5560,7 @@
         <p:spPr>
           <a:xfrm>
             <a:off x="5016694" y="1994044"/>
-            <a:ext cx="689107" cy="230832"/>
+            <a:ext cx="689107" cy="253916"/>
           </a:xfrm>
           <a:prstGeom prst="rect">
             <a:avLst/>
@@ -5574,12 +5574,12 @@
           <a:lstStyle/>
           <a:p>
             <a:r>
-              <a:rPr lang="en-US" altLang="zh-CN" sz="900" b="1" dirty="0">
+              <a:rPr lang="en-US" altLang="zh-CN" sz="1050" b="1" dirty="0">
                 <a:latin typeface="Consolas" panose="020B0609020204030204" pitchFamily="49" charset="0"/>
               </a:rPr>
               <a:t>train</a:t>
             </a:r>
-            <a:endParaRPr lang="zh-CN" altLang="en-US" sz="1100" b="1" dirty="0">
+            <a:endParaRPr lang="zh-CN" altLang="en-US" sz="1400" b="1" dirty="0">
               <a:latin typeface="Consolas" panose="020B0609020204030204" pitchFamily="49" charset="0"/>
             </a:endParaRPr>
           </a:p>
@@ -6264,8 +6264,8 @@
           </a:p>
         </p:txBody>
       </p:sp>
-      <mc:AlternateContent xmlns:mc="http://schemas.openxmlformats.org/markup-compatibility/2006">
-        <mc:Choice xmlns:a14="http://schemas.microsoft.com/office/drawing/2010/main" Requires="a14">
+      <mc:AlternateContent xmlns:mc="http://schemas.openxmlformats.org/markup-compatibility/2006" xmlns:a14="http://schemas.microsoft.com/office/drawing/2010/main">
+        <mc:Choice Requires="a14">
           <p:sp>
             <p:nvSpPr>
               <p:cNvPr id="185" name="文本框 184">
@@ -6347,7 +6347,7 @@
             </p:txBody>
           </p:sp>
         </mc:Choice>
-        <mc:Fallback>
+        <mc:Fallback xmlns="">
           <p:sp>
             <p:nvSpPr>
               <p:cNvPr id="185" name="文本框 184">
@@ -6392,48 +6392,6 @@
           </p:sp>
         </mc:Fallback>
       </mc:AlternateContent>
-      <p:cxnSp>
-        <p:nvCxnSpPr>
-          <p:cNvPr id="189" name="连接符: 肘形 188">
-            <a:extLst>
-              <a:ext uri="{FF2B5EF4-FFF2-40B4-BE49-F238E27FC236}">
-                <a16:creationId xmlns:a16="http://schemas.microsoft.com/office/drawing/2014/main" id="{D41CF084-A419-4A07-A812-4AF7341894DD}"/>
-              </a:ext>
-            </a:extLst>
-          </p:cNvPr>
-          <p:cNvCxnSpPr>
-            <a:cxnSpLocks/>
-            <a:stCxn id="31" idx="0"/>
-          </p:cNvCxnSpPr>
-          <p:nvPr/>
-        </p:nvCxnSpPr>
-        <p:spPr>
-          <a:xfrm rot="16200000" flipV="1">
-            <a:off x="9612270" y="-790304"/>
-            <a:ext cx="558238" cy="2413632"/>
-          </a:xfrm>
-          <a:prstGeom prst="bentConnector2">
-            <a:avLst/>
-          </a:prstGeom>
-          <a:ln w="28575">
-            <a:tailEnd type="triangle"/>
-          </a:ln>
-        </p:spPr>
-        <p:style>
-          <a:lnRef idx="1">
-            <a:schemeClr val="dk1"/>
-          </a:lnRef>
-          <a:fillRef idx="0">
-            <a:schemeClr val="dk1"/>
-          </a:fillRef>
-          <a:effectRef idx="0">
-            <a:schemeClr val="dk1"/>
-          </a:effectRef>
-          <a:fontRef idx="minor">
-            <a:schemeClr val="tx1"/>
-          </a:fontRef>
-        </p:style>
-      </p:cxnSp>
       <p:sp>
         <p:nvSpPr>
           <p:cNvPr id="201" name="文本框 200">
@@ -6448,8 +6406,8 @@
         </p:nvSpPr>
         <p:spPr>
           <a:xfrm>
-            <a:off x="10572948" y="980560"/>
-            <a:ext cx="1445746" cy="307777"/>
+            <a:off x="10447534" y="1257379"/>
+            <a:ext cx="1445746" cy="338554"/>
           </a:xfrm>
           <a:prstGeom prst="rect">
             <a:avLst/>
@@ -6463,7 +6421,7 @@
           <a:lstStyle/>
           <a:p>
             <a:r>
-              <a:rPr lang="en-US" altLang="zh-CN" sz="1400" b="1" dirty="0">
+              <a:rPr lang="en-US" altLang="zh-CN" sz="1600" b="1" dirty="0">
                 <a:solidFill>
                   <a:schemeClr val="bg1"/>
                 </a:solidFill>
@@ -6471,7 +6429,7 @@
               </a:rPr>
               <a:t>Inference</a:t>
             </a:r>
-            <a:endParaRPr lang="zh-CN" altLang="en-US" sz="1400" b="1" dirty="0">
+            <a:endParaRPr lang="zh-CN" altLang="en-US" sz="1600" b="1" dirty="0">
               <a:solidFill>
                 <a:schemeClr val="bg1"/>
               </a:solidFill>
@@ -6587,8 +6545,8 @@
           </a:p>
         </p:txBody>
       </p:sp>
-      <mc:AlternateContent xmlns:mc="http://schemas.openxmlformats.org/markup-compatibility/2006">
-        <mc:Choice xmlns:a14="http://schemas.microsoft.com/office/drawing/2010/main" Requires="a14">
+      <mc:AlternateContent xmlns:mc="http://schemas.openxmlformats.org/markup-compatibility/2006" xmlns:a14="http://schemas.microsoft.com/office/drawing/2010/main">
+        <mc:Choice Requires="a14">
           <p:sp>
             <p:nvSpPr>
               <p:cNvPr id="95" name="文本框 94">
@@ -6679,7 +6637,7 @@
             </p:txBody>
           </p:sp>
         </mc:Choice>
-        <mc:Fallback>
+        <mc:Fallback xmlns="">
           <p:sp>
             <p:nvSpPr>
               <p:cNvPr id="95" name="文本框 94">
@@ -6740,8 +6698,8 @@
             </p:nvSpPr>
             <p:spPr>
               <a:xfrm rot="10800000" flipV="1">
-                <a:off x="8869752" y="151122"/>
-                <a:ext cx="3934337" cy="276999"/>
+                <a:off x="8619879" y="503577"/>
+                <a:ext cx="3934337" cy="307777"/>
               </a:xfrm>
               <a:prstGeom prst="rect">
                 <a:avLst/>
@@ -6851,117 +6809,87 @@
                 <a14:m>
                   <m:oMath xmlns:m="http://schemas.openxmlformats.org/officeDocument/2006/math">
                     <m:r>
-                      <a:rPr lang="en-US" altLang="zh-CN" sz="1200" i="1">
+                      <a:rPr lang="en-US" altLang="zh-CN" sz="1400" b="1" i="1">
                         <a:latin typeface="Cambria Math" panose="02040503050406030204" pitchFamily="18" charset="0"/>
                       </a:rPr>
-                      <m:t>𝑅</m:t>
+                      <m:t>𝑹𝒆𝒘𝒂𝒓𝒅</m:t>
                     </m:r>
                     <m:r>
-                      <m:rPr>
-                        <m:sty m:val="p"/>
-                      </m:rPr>
-                      <a:rPr lang="en-US" altLang="zh-CN" sz="1200" i="1">
-                        <a:latin typeface="Cambria Math" panose="02040503050406030204" pitchFamily="18" charset="0"/>
-                      </a:rPr>
-                      <m:t>e</m:t>
-                    </m:r>
-                    <m:r>
-                      <a:rPr lang="en-US" altLang="zh-CN" sz="1200" i="1">
-                        <a:latin typeface="Cambria Math" panose="02040503050406030204" pitchFamily="18" charset="0"/>
-                      </a:rPr>
-                      <m:t>𝑤𝑎𝑟𝑑</m:t>
-                    </m:r>
-                    <m:r>
-                      <a:rPr lang="en-US" altLang="zh-CN" sz="1200" i="1">
+                      <a:rPr lang="en-US" altLang="zh-CN" sz="1400" b="1" i="1">
                         <a:latin typeface="Cambria Math" panose="02040503050406030204" pitchFamily="18" charset="0"/>
                       </a:rPr>
                       <m:t>=</m:t>
                     </m:r>
                     <m:r>
-                      <m:rPr>
-                        <m:sty m:val="p"/>
-                      </m:rPr>
-                      <a:rPr lang="en-US" altLang="zh-CN" sz="1200" i="1">
+                      <a:rPr lang="en-US" altLang="zh-CN" sz="1400" b="1" i="1">
                         <a:latin typeface="Cambria Math" panose="02040503050406030204" pitchFamily="18" charset="0"/>
                       </a:rPr>
-                      <m:t>β</m:t>
+                      <m:t>𝜷</m:t>
                     </m:r>
                     <m:r>
-                      <a:rPr lang="en-US" altLang="zh-CN" sz="1200">
+                      <a:rPr lang="en-US" altLang="zh-CN" sz="1400" b="1" i="1">
                         <a:latin typeface="Cambria Math" panose="02040503050406030204" pitchFamily="18" charset="0"/>
                         <a:ea typeface="Cambria Math" panose="02040503050406030204" pitchFamily="18" charset="0"/>
                       </a:rPr>
-                      <m:t>×</m:t>
-                    </m:r>
-                    <m:r>
-                      <m:rPr>
-                        <m:sty m:val="p"/>
-                      </m:rPr>
-                      <a:rPr lang="en-US" altLang="zh-CN" sz="1200">
-                        <a:latin typeface="Cambria Math" panose="02040503050406030204" pitchFamily="18" charset="0"/>
-                        <a:ea typeface="Cambria Math" panose="02040503050406030204" pitchFamily="18" charset="0"/>
-                      </a:rPr>
-                      <m:t>A</m:t>
+                      <m:t>𝐀</m:t>
                     </m:r>
                   </m:oMath>
                 </a14:m>
                 <a:r>
-                  <a:rPr lang="en-US" altLang="zh-CN" sz="1200" dirty="0"/>
+                  <a:rPr lang="en-US" altLang="zh-CN" sz="1400" b="1" dirty="0"/>
                   <a:t> </a:t>
                 </a:r>
                 <a14:m>
                   <m:oMath xmlns:m="http://schemas.openxmlformats.org/officeDocument/2006/math">
                     <m:r>
-                      <a:rPr lang="en-US" altLang="zh-CN" sz="1200" i="1" dirty="0">
+                      <a:rPr lang="en-US" altLang="zh-CN" sz="1400" b="1" i="1" dirty="0">
                         <a:latin typeface="Cambria Math" panose="02040503050406030204" pitchFamily="18" charset="0"/>
                       </a:rPr>
-                      <m:t>−(1−</m:t>
+                      <m:t>−(</m:t>
                     </m:r>
                     <m:r>
-                      <m:rPr>
-                        <m:sty m:val="p"/>
-                      </m:rPr>
-                      <a:rPr lang="en-US" altLang="zh-CN" sz="1200" i="1" dirty="0">
+                      <a:rPr lang="en-US" altLang="zh-CN" sz="1400" b="1" i="1" dirty="0">
                         <a:latin typeface="Cambria Math" panose="02040503050406030204" pitchFamily="18" charset="0"/>
                       </a:rPr>
-                      <m:t>β</m:t>
+                      <m:t>𝟏</m:t>
                     </m:r>
                     <m:r>
-                      <a:rPr lang="en-US" altLang="zh-CN" sz="1200" i="1" dirty="0">
+                      <a:rPr lang="en-US" altLang="zh-CN" sz="1400" b="1" i="1" dirty="0">
                         <a:latin typeface="Cambria Math" panose="02040503050406030204" pitchFamily="18" charset="0"/>
                       </a:rPr>
-                      <m:t>)×</m:t>
+                      <m:t>−</m:t>
                     </m:r>
-                  </m:oMath>
-                </a14:m>
-                <a:r>
-                  <a:rPr lang="en-US" altLang="zh-CN" sz="1200" dirty="0"/>
-                  <a:t> </a:t>
-                </a:r>
-                <a14:m>
-                  <m:oMath xmlns:m="http://schemas.openxmlformats.org/officeDocument/2006/math">
+                    <m:r>
+                      <a:rPr lang="en-US" altLang="zh-CN" sz="1400" b="1" i="1" dirty="0">
+                        <a:latin typeface="Cambria Math" panose="02040503050406030204" pitchFamily="18" charset="0"/>
+                      </a:rPr>
+                      <m:t>𝜷</m:t>
+                    </m:r>
+                    <m:r>
+                      <a:rPr lang="en-US" altLang="zh-CN" sz="1400" b="1" i="1" dirty="0">
+                        <a:latin typeface="Cambria Math" panose="02040503050406030204" pitchFamily="18" charset="0"/>
+                      </a:rPr>
+                      <m:t>)</m:t>
+                    </m:r>
                     <m:r>
                       <m:rPr>
                         <m:lit/>
                       </m:rPr>
-                      <a:rPr lang="en-US" altLang="zh-CN" sz="1200">
+                      <a:rPr lang="en-US" altLang="zh-CN" sz="1400" b="1">
                         <a:latin typeface="Cambria Math" panose="02040503050406030204" pitchFamily="18" charset="0"/>
                       </a:rPr>
                       <m:t> </m:t>
                     </m:r>
                     <m:r>
-                      <m:rPr>
-                        <m:sty m:val="p"/>
-                      </m:rPr>
-                      <a:rPr lang="en-US" altLang="zh-CN" sz="1200" i="1">
+                      <a:rPr lang="en-US" altLang="zh-CN" sz="1400" b="1" i="1">
                         <a:latin typeface="Cambria Math" panose="02040503050406030204" pitchFamily="18" charset="0"/>
                       </a:rPr>
-                      <m:t>Δ</m:t>
+                      <m:t>𝜟</m:t>
                     </m:r>
                   </m:oMath>
                 </a14:m>
                 <a:r>
-                  <a:rPr lang="en-US" altLang="zh-CN" sz="1200" i="1" dirty="0">
+                  <a:rPr lang="en-US" altLang="zh-CN" sz="1400" b="1" i="1" dirty="0">
                     <a:latin typeface="Cambria Math" panose="02040503050406030204" pitchFamily="18" charset="0"/>
                   </a:rPr>
                   <a:t>s</a:t>
@@ -6987,8 +6915,8 @@
             </p:nvSpPr>
             <p:spPr>
               <a:xfrm rot="10800000" flipV="1">
-                <a:off x="8869752" y="151122"/>
-                <a:ext cx="3934337" cy="276999"/>
+                <a:off x="8619879" y="503577"/>
+                <a:ext cx="3934337" cy="307777"/>
               </a:xfrm>
               <a:prstGeom prst="rect">
                 <a:avLst/>
@@ -6996,7 +6924,7 @@
               <a:blipFill>
                 <a:blip r:embed="rId15"/>
                 <a:stretch>
-                  <a:fillRect t="-2222" b="-17778"/>
+                  <a:fillRect t="-6000" b="-18000"/>
                 </a:stretch>
               </a:blipFill>
             </p:spPr>
@@ -7077,47 +7005,6 @@
           </a:p>
         </p:txBody>
       </p:sp>
-      <p:cxnSp>
-        <p:nvCxnSpPr>
-          <p:cNvPr id="198" name="直接箭头连接符 197">
-            <a:extLst>
-              <a:ext uri="{FF2B5EF4-FFF2-40B4-BE49-F238E27FC236}">
-                <a16:creationId xmlns:a16="http://schemas.microsoft.com/office/drawing/2014/main" id="{6E1CC0CF-E7D6-4296-A213-BCBC352981A4}"/>
-              </a:ext>
-            </a:extLst>
-          </p:cNvPr>
-          <p:cNvCxnSpPr>
-            <a:cxnSpLocks/>
-          </p:cNvCxnSpPr>
-          <p:nvPr/>
-        </p:nvCxnSpPr>
-        <p:spPr>
-          <a:xfrm>
-            <a:off x="8467632" y="1122875"/>
-            <a:ext cx="1907699" cy="9494"/>
-          </a:xfrm>
-          <a:prstGeom prst="straightConnector1">
-            <a:avLst/>
-          </a:prstGeom>
-          <a:ln w="28575">
-            <a:tailEnd type="triangle"/>
-          </a:ln>
-        </p:spPr>
-        <p:style>
-          <a:lnRef idx="1">
-            <a:schemeClr val="dk1"/>
-          </a:lnRef>
-          <a:fillRef idx="0">
-            <a:schemeClr val="dk1"/>
-          </a:fillRef>
-          <a:effectRef idx="0">
-            <a:schemeClr val="dk1"/>
-          </a:effectRef>
-          <a:fontRef idx="minor">
-            <a:schemeClr val="tx1"/>
-          </a:fontRef>
-        </p:style>
-      </p:cxnSp>
       <p:sp>
         <p:nvSpPr>
           <p:cNvPr id="113" name="椭圆 112">
@@ -8490,6 +8377,129 @@
           </a:fontRef>
         </p:style>
       </p:cxnSp>
+      <p:sp>
+        <p:nvSpPr>
+          <p:cNvPr id="85" name="箭头: 右 84">
+            <a:extLst>
+              <a:ext uri="{FF2B5EF4-FFF2-40B4-BE49-F238E27FC236}">
+                <a16:creationId xmlns:a16="http://schemas.microsoft.com/office/drawing/2014/main" id="{63850C19-BB3C-468D-A891-7877466D3F42}"/>
+              </a:ext>
+            </a:extLst>
+          </p:cNvPr>
+          <p:cNvSpPr/>
+          <p:nvPr/>
+        </p:nvSpPr>
+        <p:spPr>
+          <a:xfrm>
+            <a:off x="8309578" y="1277528"/>
+            <a:ext cx="1928002" cy="314875"/>
+          </a:xfrm>
+          <a:prstGeom prst="rightArrow">
+            <a:avLst/>
+          </a:prstGeom>
+          <a:ln w="28575">
+            <a:solidFill>
+              <a:schemeClr val="tx1"/>
+            </a:solidFill>
+          </a:ln>
+        </p:spPr>
+        <p:style>
+          <a:lnRef idx="2">
+            <a:schemeClr val="accent1">
+              <a:shade val="50000"/>
+            </a:schemeClr>
+          </a:lnRef>
+          <a:fillRef idx="1">
+            <a:schemeClr val="accent1"/>
+          </a:fillRef>
+          <a:effectRef idx="0">
+            <a:schemeClr val="accent1"/>
+          </a:effectRef>
+          <a:fontRef idx="minor">
+            <a:schemeClr val="lt1"/>
+          </a:fontRef>
+        </p:style>
+        <p:txBody>
+          <a:bodyPr rot="0" spcFirstLastPara="0" vertOverflow="overflow" horzOverflow="overflow" vert="horz" wrap="square" lIns="91440" tIns="45721" rIns="91440" bIns="45721" numCol="1" spcCol="0" rtlCol="0" fromWordArt="0" anchor="ctr" anchorCtr="0" forceAA="0" compatLnSpc="1">
+            <a:prstTxWarp prst="textNoShape">
+              <a:avLst/>
+            </a:prstTxWarp>
+            <a:noAutofit/>
+          </a:bodyPr>
+          <a:lstStyle/>
+          <a:p>
+            <a:pPr algn="ctr"/>
+            <a:endParaRPr lang="zh-CN" altLang="en-US" sz="1799" dirty="0">
+              <a:ln>
+                <a:solidFill>
+                  <a:schemeClr val="bg1"/>
+                </a:solidFill>
+              </a:ln>
+            </a:endParaRPr>
+          </a:p>
+        </p:txBody>
+      </p:sp>
+      <p:sp>
+        <p:nvSpPr>
+          <p:cNvPr id="22" name="箭头: 直角上 21">
+            <a:extLst>
+              <a:ext uri="{FF2B5EF4-FFF2-40B4-BE49-F238E27FC236}">
+                <a16:creationId xmlns:a16="http://schemas.microsoft.com/office/drawing/2014/main" id="{0352FA02-02C8-4D96-84EA-BFA6992B3359}"/>
+              </a:ext>
+            </a:extLst>
+          </p:cNvPr>
+          <p:cNvSpPr/>
+          <p:nvPr/>
+        </p:nvSpPr>
+        <p:spPr>
+          <a:xfrm rot="16200000">
+            <a:off x="9342379" y="-796875"/>
+            <a:ext cx="736955" cy="2802558"/>
+          </a:xfrm>
+          <a:prstGeom prst="bentUpArrow">
+            <a:avLst>
+              <a:gd name="adj1" fmla="val 25000"/>
+              <a:gd name="adj2" fmla="val 24583"/>
+              <a:gd name="adj3" fmla="val 25000"/>
+            </a:avLst>
+          </a:prstGeom>
+          <a:ln w="28575">
+            <a:solidFill>
+              <a:schemeClr val="tx1"/>
+            </a:solidFill>
+          </a:ln>
+        </p:spPr>
+        <p:style>
+          <a:lnRef idx="2">
+            <a:schemeClr val="accent1">
+              <a:shade val="50000"/>
+            </a:schemeClr>
+          </a:lnRef>
+          <a:fillRef idx="1">
+            <a:schemeClr val="accent1"/>
+          </a:fillRef>
+          <a:effectRef idx="0">
+            <a:schemeClr val="accent1"/>
+          </a:effectRef>
+          <a:fontRef idx="minor">
+            <a:schemeClr val="lt1"/>
+          </a:fontRef>
+        </p:style>
+        <p:txBody>
+          <a:bodyPr rtlCol="0" anchor="ctr"/>
+          <a:lstStyle/>
+          <a:p>
+            <a:pPr algn="ctr"/>
+            <a:endParaRPr lang="zh-CN" altLang="en-US">
+              <a:ln w="38100">
+                <a:solidFill>
+                  <a:schemeClr val="tx1"/>
+                </a:solidFill>
+              </a:ln>
+            </a:endParaRPr>
+          </a:p>
+        </p:txBody>
+      </p:sp>
     </p:spTree>
     <p:extLst>
       <p:ext uri="{BB962C8B-B14F-4D97-AF65-F5344CB8AC3E}">

--- a/paper/figures/framework2.pptx
+++ b/paper/figures/framework2.pptx
@@ -6218,54 +6218,140 @@
           </a:p>
         </p:txBody>
       </p:sp>
-      <p:sp>
-        <p:nvSpPr>
-          <p:cNvPr id="184" name="文本框 183">
-            <a:extLst>
-              <a:ext uri="{FF2B5EF4-FFF2-40B4-BE49-F238E27FC236}">
-                <a16:creationId xmlns:a16="http://schemas.microsoft.com/office/drawing/2014/main" id="{07E79612-1D88-4D5D-B425-1C4A1837E903}"/>
-              </a:ext>
-            </a:extLst>
-          </p:cNvPr>
-          <p:cNvSpPr txBox="1"/>
-          <p:nvPr/>
-        </p:nvSpPr>
-        <p:spPr>
-          <a:xfrm>
-            <a:off x="6773067" y="1369089"/>
-            <a:ext cx="1694565" cy="261610"/>
-          </a:xfrm>
-          <a:prstGeom prst="rect">
-            <a:avLst/>
-          </a:prstGeom>
-          <a:noFill/>
-        </p:spPr>
-        <p:txBody>
-          <a:bodyPr wrap="square" rtlCol="0">
-            <a:spAutoFit/>
-          </a:bodyPr>
-          <a:lstStyle/>
-          <a:p>
-            <a:r>
-              <a:rPr lang="en-US" altLang="zh-CN" sz="1100" dirty="0">
-                <a:solidFill>
-                  <a:schemeClr val="bg1"/>
-                </a:solidFill>
-                <a:latin typeface="Consolas" panose="020B0609020204030204" pitchFamily="49" charset="0"/>
-              </a:rPr>
-              <a:t>Configuration 48</a:t>
-            </a:r>
-            <a:endParaRPr lang="zh-CN" altLang="en-US" sz="1100" dirty="0">
-              <a:solidFill>
-                <a:schemeClr val="bg1"/>
-              </a:solidFill>
-              <a:latin typeface="Consolas" panose="020B0609020204030204" pitchFamily="49" charset="0"/>
-            </a:endParaRPr>
-          </a:p>
-        </p:txBody>
-      </p:sp>
-      <mc:AlternateContent xmlns:mc="http://schemas.openxmlformats.org/markup-compatibility/2006" xmlns:a14="http://schemas.microsoft.com/office/drawing/2010/main">
-        <mc:Choice Requires="a14">
+      <mc:AlternateContent xmlns:mc="http://schemas.openxmlformats.org/markup-compatibility/2006">
+        <mc:Choice xmlns:a14="http://schemas.microsoft.com/office/drawing/2010/main" Requires="a14">
+          <p:sp>
+            <p:nvSpPr>
+              <p:cNvPr id="184" name="文本框 183">
+                <a:extLst>
+                  <a:ext uri="{FF2B5EF4-FFF2-40B4-BE49-F238E27FC236}">
+                    <a16:creationId xmlns:a16="http://schemas.microsoft.com/office/drawing/2014/main" id="{07E79612-1D88-4D5D-B425-1C4A1837E903}"/>
+                  </a:ext>
+                </a:extLst>
+              </p:cNvPr>
+              <p:cNvSpPr txBox="1"/>
+              <p:nvPr/>
+            </p:nvSpPr>
+            <p:spPr>
+              <a:xfrm>
+                <a:off x="6795057" y="1380498"/>
+                <a:ext cx="1694565" cy="261610"/>
+              </a:xfrm>
+              <a:prstGeom prst="rect">
+                <a:avLst/>
+              </a:prstGeom>
+              <a:noFill/>
+            </p:spPr>
+            <p:txBody>
+              <a:bodyPr wrap="square" rtlCol="0">
+                <a:spAutoFit/>
+              </a:bodyPr>
+              <a:lstStyle/>
+              <a:p>
+                <a:r>
+                  <a:rPr lang="en-US" altLang="zh-CN" sz="1100" dirty="0">
+                    <a:solidFill>
+                      <a:schemeClr val="bg1"/>
+                    </a:solidFill>
+                    <a:latin typeface="Consolas" panose="020B0609020204030204" pitchFamily="49" charset="0"/>
+                  </a:rPr>
+                  <a:t>Configuration </a:t>
+                </a:r>
+                <a14:m>
+                  <m:oMath xmlns:m="http://schemas.openxmlformats.org/officeDocument/2006/math">
+                    <m:sSub>
+                      <m:sSubPr>
+                        <m:ctrlPr>
+                          <a:rPr lang="en-US" altLang="zh-CN" sz="1100">
+                            <a:solidFill>
+                              <a:schemeClr val="bg1"/>
+                            </a:solidFill>
+                            <a:latin typeface="Consolas" panose="020B0609020204030204" pitchFamily="49" charset="0"/>
+                          </a:rPr>
+                        </m:ctrlPr>
+                      </m:sSubPr>
+                      <m:e>
+                        <m:r>
+                          <a:rPr lang="en-US" altLang="zh-CN" sz="1100">
+                            <a:solidFill>
+                              <a:schemeClr val="bg1"/>
+                            </a:solidFill>
+                            <a:latin typeface="Consolas" panose="020B0609020204030204" pitchFamily="49" charset="0"/>
+                          </a:rPr>
+                          <m:t>𝑘</m:t>
+                        </m:r>
+                      </m:e>
+                      <m:sub>
+                        <m:r>
+                          <a:rPr lang="en-US" altLang="zh-CN" sz="1100" b="0" i="0" smtClean="0">
+                            <a:solidFill>
+                              <a:schemeClr val="bg1"/>
+                            </a:solidFill>
+                            <a:latin typeface="Cambria Math" panose="02040503050406030204" pitchFamily="18" charset="0"/>
+                          </a:rPr>
+                          <m:t>3</m:t>
+                        </m:r>
+                      </m:sub>
+                    </m:sSub>
+                  </m:oMath>
+                </a14:m>
+                <a:endParaRPr lang="zh-CN" altLang="en-US" sz="1100" dirty="0">
+                  <a:solidFill>
+                    <a:schemeClr val="bg1"/>
+                  </a:solidFill>
+                  <a:latin typeface="Consolas" panose="020B0609020204030204" pitchFamily="49" charset="0"/>
+                </a:endParaRPr>
+              </a:p>
+            </p:txBody>
+          </p:sp>
+        </mc:Choice>
+        <mc:Fallback>
+          <p:sp>
+            <p:nvSpPr>
+              <p:cNvPr id="184" name="文本框 183">
+                <a:extLst>
+                  <a:ext uri="{FF2B5EF4-FFF2-40B4-BE49-F238E27FC236}">
+                    <a16:creationId xmlns:a16="http://schemas.microsoft.com/office/drawing/2014/main" id="{07E79612-1D88-4D5D-B425-1C4A1837E903}"/>
+                  </a:ext>
+                </a:extLst>
+              </p:cNvPr>
+              <p:cNvSpPr txBox="1">
+                <a:spLocks noRot="1" noChangeAspect="1" noMove="1" noResize="1" noEditPoints="1" noAdjustHandles="1" noChangeArrowheads="1" noChangeShapeType="1" noTextEdit="1"/>
+              </p:cNvSpPr>
+              <p:nvPr/>
+            </p:nvSpPr>
+            <p:spPr>
+              <a:xfrm>
+                <a:off x="6795057" y="1380498"/>
+                <a:ext cx="1694565" cy="261610"/>
+              </a:xfrm>
+              <a:prstGeom prst="rect">
+                <a:avLst/>
+              </a:prstGeom>
+              <a:blipFill>
+                <a:blip r:embed="rId13"/>
+                <a:stretch>
+                  <a:fillRect b="-16279"/>
+                </a:stretch>
+              </a:blipFill>
+            </p:spPr>
+            <p:txBody>
+              <a:bodyPr/>
+              <a:lstStyle/>
+              <a:p>
+                <a:r>
+                  <a:rPr lang="zh-CN" altLang="en-US">
+                    <a:noFill/>
+                  </a:rPr>
+                  <a:t> </a:t>
+                </a:r>
+              </a:p>
+            </p:txBody>
+          </p:sp>
+        </mc:Fallback>
+      </mc:AlternateContent>
+      <mc:AlternateContent xmlns:mc="http://schemas.openxmlformats.org/markup-compatibility/2006">
+        <mc:Choice xmlns:a14="http://schemas.microsoft.com/office/drawing/2010/main" Requires="a14">
           <p:sp>
             <p:nvSpPr>
               <p:cNvPr id="185" name="文本框 184">
@@ -6347,7 +6433,7 @@
             </p:txBody>
           </p:sp>
         </mc:Choice>
-        <mc:Fallback xmlns="">
+        <mc:Fallback>
           <p:sp>
             <p:nvSpPr>
               <p:cNvPr id="185" name="文本框 184">
@@ -6371,7 +6457,7 @@
                 <a:avLst/>
               </a:prstGeom>
               <a:blipFill>
-                <a:blip r:embed="rId13"/>
+                <a:blip r:embed="rId14"/>
                 <a:stretch>
                   <a:fillRect/>
                 </a:stretch>
@@ -6661,7 +6747,7 @@
                 <a:avLst/>
               </a:prstGeom>
               <a:blipFill>
-                <a:blip r:embed="rId14"/>
+                <a:blip r:embed="rId15"/>
                 <a:stretch>
                   <a:fillRect l="-2658" t="-2970"/>
                 </a:stretch>
@@ -6682,8 +6768,8 @@
           </p:sp>
         </mc:Fallback>
       </mc:AlternateContent>
-      <mc:AlternateContent xmlns:mc="http://schemas.openxmlformats.org/markup-compatibility/2006">
-        <mc:Choice xmlns:a14="http://schemas.microsoft.com/office/drawing/2010/main" Requires="a14">
+      <mc:AlternateContent xmlns:mc="http://schemas.openxmlformats.org/markup-compatibility/2006" xmlns:a14="http://schemas.microsoft.com/office/drawing/2010/main">
+        <mc:Choice Requires="a14">
           <p:sp>
             <p:nvSpPr>
               <p:cNvPr id="124" name="文本框 9">
@@ -6898,7 +6984,7 @@
             </p:txBody>
           </p:sp>
         </mc:Choice>
-        <mc:Fallback>
+        <mc:Fallback xmlns="">
           <p:sp>
             <p:nvSpPr>
               <p:cNvPr id="124" name="文本框 9">
@@ -6922,7 +7008,7 @@
                 <a:avLst/>
               </a:prstGeom>
               <a:blipFill>
-                <a:blip r:embed="rId15"/>
+                <a:blip r:embed="rId16"/>
                 <a:stretch>
                   <a:fillRect t="-6000" b="-18000"/>
                 </a:stretch>

--- a/paper/figures/framework2.pptx
+++ b/paper/figures/framework2.pptx
@@ -197,7 +197,7 @@
           <a:p>
             <a:fld id="{565B4B56-32A4-4E7E-B32C-594EE8F61FCB}" type="datetimeFigureOut">
               <a:rPr lang="zh-CN" altLang="en-US" smtClean="0"/>
-              <a:t>2020/12/13</a:t>
+              <a:t>2020/12/14</a:t>
             </a:fld>
             <a:endParaRPr lang="zh-CN" altLang="en-US"/>
           </a:p>
@@ -684,7 +684,7 @@
           <a:p>
             <a:fld id="{A627DF43-A246-43EE-926C-71914852C54A}" type="datetimeFigureOut">
               <a:rPr lang="zh-CN" altLang="en-US" smtClean="0"/>
-              <a:t>2020/12/13</a:t>
+              <a:t>2020/12/14</a:t>
             </a:fld>
             <a:endParaRPr lang="zh-CN" altLang="en-US"/>
           </a:p>
@@ -854,7 +854,7 @@
           <a:p>
             <a:fld id="{A627DF43-A246-43EE-926C-71914852C54A}" type="datetimeFigureOut">
               <a:rPr lang="zh-CN" altLang="en-US" smtClean="0"/>
-              <a:t>2020/12/13</a:t>
+              <a:t>2020/12/14</a:t>
             </a:fld>
             <a:endParaRPr lang="zh-CN" altLang="en-US"/>
           </a:p>
@@ -1034,7 +1034,7 @@
           <a:p>
             <a:fld id="{A627DF43-A246-43EE-926C-71914852C54A}" type="datetimeFigureOut">
               <a:rPr lang="zh-CN" altLang="en-US" smtClean="0"/>
-              <a:t>2020/12/13</a:t>
+              <a:t>2020/12/14</a:t>
             </a:fld>
             <a:endParaRPr lang="zh-CN" altLang="en-US"/>
           </a:p>
@@ -1204,7 +1204,7 @@
           <a:p>
             <a:fld id="{A627DF43-A246-43EE-926C-71914852C54A}" type="datetimeFigureOut">
               <a:rPr lang="zh-CN" altLang="en-US" smtClean="0"/>
-              <a:t>2020/12/13</a:t>
+              <a:t>2020/12/14</a:t>
             </a:fld>
             <a:endParaRPr lang="zh-CN" altLang="en-US"/>
           </a:p>
@@ -1450,7 +1450,7 @@
           <a:p>
             <a:fld id="{A627DF43-A246-43EE-926C-71914852C54A}" type="datetimeFigureOut">
               <a:rPr lang="zh-CN" altLang="en-US" smtClean="0"/>
-              <a:t>2020/12/13</a:t>
+              <a:t>2020/12/14</a:t>
             </a:fld>
             <a:endParaRPr lang="zh-CN" altLang="en-US"/>
           </a:p>
@@ -1682,7 +1682,7 @@
           <a:p>
             <a:fld id="{A627DF43-A246-43EE-926C-71914852C54A}" type="datetimeFigureOut">
               <a:rPr lang="zh-CN" altLang="en-US" smtClean="0"/>
-              <a:t>2020/12/13</a:t>
+              <a:t>2020/12/14</a:t>
             </a:fld>
             <a:endParaRPr lang="zh-CN" altLang="en-US"/>
           </a:p>
@@ -2049,7 +2049,7 @@
           <a:p>
             <a:fld id="{A627DF43-A246-43EE-926C-71914852C54A}" type="datetimeFigureOut">
               <a:rPr lang="zh-CN" altLang="en-US" smtClean="0"/>
-              <a:t>2020/12/13</a:t>
+              <a:t>2020/12/14</a:t>
             </a:fld>
             <a:endParaRPr lang="zh-CN" altLang="en-US"/>
           </a:p>
@@ -2167,7 +2167,7 @@
           <a:p>
             <a:fld id="{A627DF43-A246-43EE-926C-71914852C54A}" type="datetimeFigureOut">
               <a:rPr lang="zh-CN" altLang="en-US" smtClean="0"/>
-              <a:t>2020/12/13</a:t>
+              <a:t>2020/12/14</a:t>
             </a:fld>
             <a:endParaRPr lang="zh-CN" altLang="en-US"/>
           </a:p>
@@ -2262,7 +2262,7 @@
           <a:p>
             <a:fld id="{A627DF43-A246-43EE-926C-71914852C54A}" type="datetimeFigureOut">
               <a:rPr lang="zh-CN" altLang="en-US" smtClean="0"/>
-              <a:t>2020/12/13</a:t>
+              <a:t>2020/12/14</a:t>
             </a:fld>
             <a:endParaRPr lang="zh-CN" altLang="en-US"/>
           </a:p>
@@ -2539,7 +2539,7 @@
           <a:p>
             <a:fld id="{A627DF43-A246-43EE-926C-71914852C54A}" type="datetimeFigureOut">
               <a:rPr lang="zh-CN" altLang="en-US" smtClean="0"/>
-              <a:t>2020/12/13</a:t>
+              <a:t>2020/12/14</a:t>
             </a:fld>
             <a:endParaRPr lang="zh-CN" altLang="en-US"/>
           </a:p>
@@ -2796,7 +2796,7 @@
           <a:p>
             <a:fld id="{A627DF43-A246-43EE-926C-71914852C54A}" type="datetimeFigureOut">
               <a:rPr lang="zh-CN" altLang="en-US" smtClean="0"/>
-              <a:t>2020/12/13</a:t>
+              <a:t>2020/12/14</a:t>
             </a:fld>
             <a:endParaRPr lang="zh-CN" altLang="en-US"/>
           </a:p>
@@ -3009,7 +3009,7 @@
           <a:p>
             <a:fld id="{A627DF43-A246-43EE-926C-71914852C54A}" type="datetimeFigureOut">
               <a:rPr lang="zh-CN" altLang="en-US" smtClean="0"/>
-              <a:t>2020/12/13</a:t>
+              <a:t>2020/12/14</a:t>
             </a:fld>
             <a:endParaRPr lang="zh-CN" altLang="en-US"/>
           </a:p>
@@ -3429,11 +3429,19 @@
         <p:spPr>
           <a:xfrm>
             <a:off x="42198" y="59005"/>
-            <a:ext cx="3337605" cy="2692200"/>
+            <a:ext cx="3172037" cy="2692200"/>
           </a:xfrm>
           <a:prstGeom prst="rect">
             <a:avLst/>
           </a:prstGeom>
+          <a:solidFill>
+            <a:schemeClr val="bg1"/>
+          </a:solidFill>
+          <a:ln w="28575">
+            <a:solidFill>
+              <a:schemeClr val="tx1"/>
+            </a:solidFill>
+          </a:ln>
         </p:spPr>
         <p:style>
           <a:lnRef idx="2">
@@ -3484,7 +3492,10 @@
               <a:prstGeom prst="rect">
                 <a:avLst/>
               </a:prstGeom>
-              <a:ln w="38100">
+              <a:solidFill>
+                <a:schemeClr val="bg2"/>
+              </a:solidFill>
+              <a:ln w="12700">
                 <a:solidFill>
                   <a:schemeClr val="tx1">
                     <a:lumMod val="95000"/>
@@ -3492,6 +3503,13 @@
                   </a:schemeClr>
                 </a:solidFill>
               </a:ln>
+              <a:effectLst>
+                <a:outerShdw blurRad="50800" dist="38100" dir="2700000" algn="tl" rotWithShape="0">
+                  <a:prstClr val="black">
+                    <a:alpha val="40000"/>
+                  </a:prstClr>
+                </a:outerShdw>
+              </a:effectLst>
             </p:spPr>
             <p:style>
               <a:lnRef idx="2">
@@ -3580,7 +3598,7 @@
                   <a:fillRect/>
                 </a:stretch>
               </a:blipFill>
-              <a:ln w="38100">
+              <a:ln w="12700">
                 <a:solidFill>
                   <a:schemeClr val="tx1">
                     <a:lumMod val="95000"/>
@@ -3588,6 +3606,13 @@
                   </a:schemeClr>
                 </a:solidFill>
               </a:ln>
+              <a:effectLst>
+                <a:outerShdw blurRad="50800" dist="38100" dir="2700000" algn="tl" rotWithShape="0">
+                  <a:prstClr val="black">
+                    <a:alpha val="40000"/>
+                  </a:prstClr>
+                </a:outerShdw>
+              </a:effectLst>
             </p:spPr>
             <p:txBody>
               <a:bodyPr/>
@@ -3626,7 +3651,10 @@
               <a:prstGeom prst="rect">
                 <a:avLst/>
               </a:prstGeom>
-              <a:ln w="38100">
+              <a:solidFill>
+                <a:schemeClr val="bg2"/>
+              </a:solidFill>
+              <a:ln w="12700">
                 <a:solidFill>
                   <a:schemeClr val="tx1">
                     <a:lumMod val="95000"/>
@@ -3634,6 +3662,13 @@
                   </a:schemeClr>
                 </a:solidFill>
               </a:ln>
+              <a:effectLst>
+                <a:outerShdw blurRad="50800" dist="38100" dir="2700000" algn="tl" rotWithShape="0">
+                  <a:prstClr val="black">
+                    <a:alpha val="40000"/>
+                  </a:prstClr>
+                </a:outerShdw>
+              </a:effectLst>
             </p:spPr>
             <p:style>
               <a:lnRef idx="2">
@@ -3722,7 +3757,7 @@
                   <a:fillRect/>
                 </a:stretch>
               </a:blipFill>
-              <a:ln w="38100">
+              <a:ln w="12700">
                 <a:solidFill>
                   <a:schemeClr val="tx1">
                     <a:lumMod val="95000"/>
@@ -3730,6 +3765,13 @@
                   </a:schemeClr>
                 </a:solidFill>
               </a:ln>
+              <a:effectLst>
+                <a:outerShdw blurRad="50800" dist="38100" dir="2700000" algn="tl" rotWithShape="0">
+                  <a:prstClr val="black">
+                    <a:alpha val="40000"/>
+                  </a:prstClr>
+                </a:outerShdw>
+              </a:effectLst>
             </p:spPr>
             <p:txBody>
               <a:bodyPr/>
@@ -3768,7 +3810,10 @@
               <a:prstGeom prst="rect">
                 <a:avLst/>
               </a:prstGeom>
-              <a:ln w="38100">
+              <a:solidFill>
+                <a:schemeClr val="bg2"/>
+              </a:solidFill>
+              <a:ln w="12700">
                 <a:solidFill>
                   <a:schemeClr val="tx1">
                     <a:lumMod val="95000"/>
@@ -3776,6 +3821,13 @@
                   </a:schemeClr>
                 </a:solidFill>
               </a:ln>
+              <a:effectLst>
+                <a:outerShdw blurRad="50800" dist="38100" dir="2700000" algn="tl" rotWithShape="0">
+                  <a:prstClr val="black">
+                    <a:alpha val="40000"/>
+                  </a:prstClr>
+                </a:outerShdw>
+              </a:effectLst>
             </p:spPr>
             <p:style>
               <a:lnRef idx="2">
@@ -3883,7 +3935,7 @@
                   <a:fillRect/>
                 </a:stretch>
               </a:blipFill>
-              <a:ln w="38100">
+              <a:ln w="12700">
                 <a:solidFill>
                   <a:schemeClr val="tx1">
                     <a:lumMod val="95000"/>
@@ -3891,6 +3943,13 @@
                   </a:schemeClr>
                 </a:solidFill>
               </a:ln>
+              <a:effectLst>
+                <a:outerShdw blurRad="50800" dist="38100" dir="2700000" algn="tl" rotWithShape="0">
+                  <a:prstClr val="black">
+                    <a:alpha val="40000"/>
+                  </a:prstClr>
+                </a:outerShdw>
+              </a:effectLst>
             </p:spPr>
             <p:txBody>
               <a:bodyPr/>
@@ -4052,7 +4111,10 @@
               <a:prstGeom prst="rect">
                 <a:avLst/>
               </a:prstGeom>
-              <a:ln w="38100">
+              <a:solidFill>
+                <a:schemeClr val="bg2"/>
+              </a:solidFill>
+              <a:ln w="12700">
                 <a:solidFill>
                   <a:schemeClr val="tx1">
                     <a:lumMod val="95000"/>
@@ -4060,6 +4122,13 @@
                   </a:schemeClr>
                 </a:solidFill>
               </a:ln>
+              <a:effectLst>
+                <a:outerShdw blurRad="50800" dist="38100" dir="2700000" algn="tl" rotWithShape="0">
+                  <a:prstClr val="black">
+                    <a:alpha val="40000"/>
+                  </a:prstClr>
+                </a:outerShdw>
+              </a:effectLst>
             </p:spPr>
             <p:style>
               <a:lnRef idx="2">
@@ -4148,7 +4217,7 @@
                   <a:fillRect/>
                 </a:stretch>
               </a:blipFill>
-              <a:ln w="38100">
+              <a:ln w="12700">
                 <a:solidFill>
                   <a:schemeClr val="tx1">
                     <a:lumMod val="95000"/>
@@ -4156,6 +4225,13 @@
                   </a:schemeClr>
                 </a:solidFill>
               </a:ln>
+              <a:effectLst>
+                <a:outerShdw blurRad="50800" dist="38100" dir="2700000" algn="tl" rotWithShape="0">
+                  <a:prstClr val="black">
+                    <a:alpha val="40000"/>
+                  </a:prstClr>
+                </a:outerShdw>
+              </a:effectLst>
             </p:spPr>
             <p:txBody>
               <a:bodyPr/>
@@ -4194,7 +4270,10 @@
               <a:prstGeom prst="rect">
                 <a:avLst/>
               </a:prstGeom>
-              <a:ln w="38100">
+              <a:solidFill>
+                <a:schemeClr val="bg2"/>
+              </a:solidFill>
+              <a:ln w="12700">
                 <a:solidFill>
                   <a:schemeClr val="tx1">
                     <a:lumMod val="95000"/>
@@ -4202,6 +4281,13 @@
                   </a:schemeClr>
                 </a:solidFill>
               </a:ln>
+              <a:effectLst>
+                <a:outerShdw blurRad="50800" dist="38100" dir="2700000" algn="tl" rotWithShape="0">
+                  <a:prstClr val="black">
+                    <a:alpha val="40000"/>
+                  </a:prstClr>
+                </a:outerShdw>
+              </a:effectLst>
             </p:spPr>
             <p:style>
               <a:lnRef idx="2">
@@ -4290,7 +4376,7 @@
                   <a:fillRect/>
                 </a:stretch>
               </a:blipFill>
-              <a:ln w="38100">
+              <a:ln w="12700">
                 <a:solidFill>
                   <a:schemeClr val="tx1">
                     <a:lumMod val="95000"/>
@@ -4298,6 +4384,13 @@
                   </a:schemeClr>
                 </a:solidFill>
               </a:ln>
+              <a:effectLst>
+                <a:outerShdw blurRad="50800" dist="38100" dir="2700000" algn="tl" rotWithShape="0">
+                  <a:prstClr val="black">
+                    <a:alpha val="40000"/>
+                  </a:prstClr>
+                </a:outerShdw>
+              </a:effectLst>
             </p:spPr>
             <p:txBody>
               <a:bodyPr/>
@@ -4336,7 +4429,10 @@
               <a:prstGeom prst="rect">
                 <a:avLst/>
               </a:prstGeom>
-              <a:ln w="38100">
+              <a:solidFill>
+                <a:schemeClr val="bg2"/>
+              </a:solidFill>
+              <a:ln w="12700">
                 <a:solidFill>
                   <a:schemeClr val="tx1">
                     <a:lumMod val="95000"/>
@@ -4344,6 +4440,13 @@
                   </a:schemeClr>
                 </a:solidFill>
               </a:ln>
+              <a:effectLst>
+                <a:outerShdw blurRad="50800" dist="38100" dir="2700000" algn="tl" rotWithShape="0">
+                  <a:prstClr val="black">
+                    <a:alpha val="40000"/>
+                  </a:prstClr>
+                </a:outerShdw>
+              </a:effectLst>
             </p:spPr>
             <p:style>
               <a:lnRef idx="2">
@@ -4451,7 +4554,7 @@
                   <a:fillRect/>
                 </a:stretch>
               </a:blipFill>
-              <a:ln w="38100">
+              <a:ln w="12700">
                 <a:solidFill>
                   <a:schemeClr val="tx1">
                     <a:lumMod val="95000"/>
@@ -4459,6 +4562,13 @@
                   </a:schemeClr>
                 </a:solidFill>
               </a:ln>
+              <a:effectLst>
+                <a:outerShdw blurRad="50800" dist="38100" dir="2700000" algn="tl" rotWithShape="0">
+                  <a:prstClr val="black">
+                    <a:alpha val="40000"/>
+                  </a:prstClr>
+                </a:outerShdw>
+              </a:effectLst>
             </p:spPr>
             <p:txBody>
               <a:bodyPr/>
@@ -4504,10 +4614,16 @@
           <a:lstStyle/>
           <a:p>
             <a:r>
-              <a:rPr lang="en-US" altLang="zh-CN" sz="1400" b="1" dirty="0"/>
+              <a:rPr lang="en-US" altLang="zh-CN" sz="1400" b="1" dirty="0">
+                <a:latin typeface="Calibri" panose="020F0502020204030204" pitchFamily="34" charset="0"/>
+                <a:cs typeface="Calibri" panose="020F0502020204030204" pitchFamily="34" charset="0"/>
+              </a:rPr>
               <a:t>Spatial features of video chunk</a:t>
             </a:r>
-            <a:endParaRPr lang="zh-CN" altLang="en-US" sz="1400" b="1" dirty="0"/>
+            <a:endParaRPr lang="zh-CN" altLang="en-US" sz="1400" b="1" dirty="0">
+              <a:latin typeface="Calibri" panose="020F0502020204030204" pitchFamily="34" charset="0"/>
+              <a:cs typeface="Calibri" panose="020F0502020204030204" pitchFamily="34" charset="0"/>
+            </a:endParaRPr>
           </a:p>
         </p:txBody>
       </p:sp>
@@ -4533,7 +4649,10 @@
               <a:prstGeom prst="rect">
                 <a:avLst/>
               </a:prstGeom>
-              <a:ln w="38100">
+              <a:solidFill>
+                <a:schemeClr val="bg2"/>
+              </a:solidFill>
+              <a:ln w="12700">
                 <a:solidFill>
                   <a:schemeClr val="tx1">
                     <a:lumMod val="95000"/>
@@ -4541,6 +4660,13 @@
                   </a:schemeClr>
                 </a:solidFill>
               </a:ln>
+              <a:effectLst>
+                <a:outerShdw blurRad="50800" dist="38100" dir="2700000" algn="tl" rotWithShape="0">
+                  <a:prstClr val="black">
+                    <a:alpha val="40000"/>
+                  </a:prstClr>
+                </a:outerShdw>
+              </a:effectLst>
             </p:spPr>
             <p:style>
               <a:lnRef idx="2">
@@ -4660,7 +4786,7 @@
                   <a:fillRect/>
                 </a:stretch>
               </a:blipFill>
-              <a:ln w="38100">
+              <a:ln w="12700">
                 <a:solidFill>
                   <a:schemeClr val="tx1">
                     <a:lumMod val="95000"/>
@@ -4668,6 +4794,13 @@
                   </a:schemeClr>
                 </a:solidFill>
               </a:ln>
+              <a:effectLst>
+                <a:outerShdw blurRad="50800" dist="38100" dir="2700000" algn="tl" rotWithShape="0">
+                  <a:prstClr val="black">
+                    <a:alpha val="40000"/>
+                  </a:prstClr>
+                </a:outerShdw>
+              </a:effectLst>
             </p:spPr>
             <p:txBody>
               <a:bodyPr/>
@@ -4742,7 +4875,10 @@
               <a:prstGeom prst="rect">
                 <a:avLst/>
               </a:prstGeom>
-              <a:ln w="38100">
+              <a:solidFill>
+                <a:schemeClr val="bg2"/>
+              </a:solidFill>
+              <a:ln w="12700">
                 <a:solidFill>
                   <a:schemeClr val="tx1">
                     <a:lumMod val="95000"/>
@@ -4750,6 +4886,13 @@
                   </a:schemeClr>
                 </a:solidFill>
               </a:ln>
+              <a:effectLst>
+                <a:outerShdw blurRad="50800" dist="38100" dir="2700000" algn="tl" rotWithShape="0">
+                  <a:prstClr val="black">
+                    <a:alpha val="40000"/>
+                  </a:prstClr>
+                </a:outerShdw>
+              </a:effectLst>
             </p:spPr>
             <p:style>
               <a:lnRef idx="2">
@@ -4913,7 +5056,7 @@
                   <a:fillRect/>
                 </a:stretch>
               </a:blipFill>
-              <a:ln w="38100">
+              <a:ln w="12700">
                 <a:solidFill>
                   <a:schemeClr val="tx1">
                     <a:lumMod val="95000"/>
@@ -4921,6 +5064,13 @@
                   </a:schemeClr>
                 </a:solidFill>
               </a:ln>
+              <a:effectLst>
+                <a:outerShdw blurRad="50800" dist="38100" dir="2700000" algn="tl" rotWithShape="0">
+                  <a:prstClr val="black">
+                    <a:alpha val="40000"/>
+                  </a:prstClr>
+                </a:outerShdw>
+              </a:effectLst>
             </p:spPr>
             <p:txBody>
               <a:bodyPr/>
@@ -4953,8 +5103,8 @@
             </p:nvSpPr>
             <p:spPr>
               <a:xfrm>
-                <a:off x="3705175" y="99817"/>
-                <a:ext cx="4950005" cy="2716507"/>
+                <a:off x="3705176" y="99817"/>
+                <a:ext cx="4876456" cy="2625431"/>
               </a:xfrm>
               <a:prstGeom prst="rect">
                 <a:avLst/>
@@ -5017,8 +5167,8 @@
             </p:nvSpPr>
             <p:spPr>
               <a:xfrm>
-                <a:off x="3705175" y="99817"/>
-                <a:ext cx="4950005" cy="2716507"/>
+                <a:off x="3705176" y="99817"/>
+                <a:ext cx="4876456" cy="2625431"/>
               </a:xfrm>
               <a:prstGeom prst="rect">
                 <a:avLst/>
@@ -5061,7 +5211,7 @@
         <p:spPr>
           <a:xfrm>
             <a:off x="3695368" y="99810"/>
-            <a:ext cx="1223311" cy="276999"/>
+            <a:ext cx="1298819" cy="276999"/>
           </a:xfrm>
           <a:prstGeom prst="rect">
             <a:avLst/>
@@ -5075,10 +5225,14 @@
           <a:lstStyle/>
           <a:p>
             <a:r>
-              <a:rPr lang="en-US" altLang="zh-CN" sz="1200" b="1" dirty="0"/>
+              <a:rPr lang="en-US" altLang="zh-CN" sz="1200" b="1" dirty="0">
+                <a:ea typeface="微软雅黑" panose="020B0503020204020204" pitchFamily="34" charset="-122"/>
+              </a:rPr>
               <a:t>RL framework</a:t>
             </a:r>
-            <a:endParaRPr lang="zh-CN" altLang="en-US" sz="1200" b="1" dirty="0"/>
+            <a:endParaRPr lang="zh-CN" altLang="en-US" sz="1200" b="1" dirty="0">
+              <a:ea typeface="微软雅黑" panose="020B0503020204020204" pitchFamily="34" charset="-122"/>
+            </a:endParaRPr>
           </a:p>
         </p:txBody>
       </p:sp>
@@ -5096,34 +5250,21 @@
         </p:nvSpPr>
         <p:spPr>
           <a:xfrm>
-            <a:off x="4843130" y="170352"/>
+            <a:off x="4823568" y="192614"/>
             <a:ext cx="3687801" cy="1833685"/>
           </a:xfrm>
           <a:prstGeom prst="rect">
             <a:avLst/>
           </a:prstGeom>
-          <a:ln>
-            <a:noFill/>
+          <a:solidFill>
+            <a:schemeClr val="bg1"/>
+          </a:solidFill>
+          <a:ln w="38100">
+            <a:solidFill>
+              <a:schemeClr val="tx1"/>
+            </a:solidFill>
           </a:ln>
-          <a:effectLst>
-            <a:outerShdw blurRad="107950" dist="12700" dir="5400000" algn="ctr">
-              <a:srgbClr val="000000"/>
-            </a:outerShdw>
-          </a:effectLst>
-          <a:scene3d>
-            <a:camera prst="orthographicFront">
-              <a:rot lat="0" lon="0" rev="0"/>
-            </a:camera>
-            <a:lightRig rig="soft" dir="t">
-              <a:rot lat="0" lon="0" rev="0"/>
-            </a:lightRig>
-          </a:scene3d>
-          <a:sp3d contourW="44450" prstMaterial="matte">
-            <a:bevelT w="63500" h="63500" prst="artDeco"/>
-            <a:contourClr>
-              <a:srgbClr val="FFFFFF"/>
-            </a:contourClr>
-          </a:sp3d>
+          <a:effectLst/>
         </p:spPr>
         <p:style>
           <a:lnRef idx="2">
@@ -5164,12 +5305,27 @@
         </p:nvSpPr>
         <p:spPr>
           <a:xfrm>
-            <a:off x="7509222" y="2253155"/>
-            <a:ext cx="1072409" cy="492400"/>
+            <a:off x="7372800" y="2253155"/>
+            <a:ext cx="1158131" cy="400510"/>
           </a:xfrm>
           <a:prstGeom prst="flowChartMagneticDisk">
             <a:avLst/>
           </a:prstGeom>
+          <a:solidFill>
+            <a:schemeClr val="bg2"/>
+          </a:solidFill>
+          <a:ln w="12700">
+            <a:solidFill>
+              <a:schemeClr val="tx1"/>
+            </a:solidFill>
+          </a:ln>
+          <a:effectLst>
+            <a:outerShdw blurRad="50800" dist="38100" dir="2700000" algn="tl" rotWithShape="0">
+              <a:prstClr val="black">
+                <a:alpha val="40000"/>
+              </a:prstClr>
+            </a:outerShdw>
+          </a:effectLst>
         </p:spPr>
         <p:style>
           <a:lnRef idx="2">
@@ -5193,23 +5349,29 @@
           <a:p>
             <a:pPr algn="ctr"/>
             <a:r>
-              <a:rPr lang="en-US" altLang="zh-CN" sz="1200" dirty="0">
-                <a:latin typeface="Consolas" panose="020B0609020204030204" pitchFamily="49" charset="0"/>
+              <a:rPr lang="en-US" altLang="zh-CN" sz="1200" b="1" dirty="0">
+                <a:solidFill>
+                  <a:schemeClr val="tx1"/>
+                </a:solidFill>
+                <a:ea typeface="微软雅黑" panose="020B0503020204020204" pitchFamily="34" charset="-122"/>
               </a:rPr>
               <a:t>Memory buffer</a:t>
             </a:r>
-            <a:endParaRPr lang="zh-CN" altLang="en-US" sz="1200" dirty="0">
-              <a:latin typeface="Consolas" panose="020B0609020204030204" pitchFamily="49" charset="0"/>
+            <a:endParaRPr lang="zh-CN" altLang="en-US" sz="1200" b="1" dirty="0">
+              <a:solidFill>
+                <a:schemeClr val="tx1"/>
+              </a:solidFill>
+              <a:ea typeface="微软雅黑" panose="020B0503020204020204" pitchFamily="34" charset="-122"/>
             </a:endParaRPr>
           </a:p>
         </p:txBody>
       </p:sp>
       <p:sp>
         <p:nvSpPr>
-          <p:cNvPr id="31" name="流程图: 决策 30">
+          <p:cNvPr id="43" name="矩形 42">
             <a:extLst>
               <a:ext uri="{FF2B5EF4-FFF2-40B4-BE49-F238E27FC236}">
-                <a16:creationId xmlns:a16="http://schemas.microsoft.com/office/drawing/2014/main" id="{0A5B2F80-AA5A-42FD-8DBE-A80659AB8099}"/>
+                <a16:creationId xmlns:a16="http://schemas.microsoft.com/office/drawing/2014/main" id="{83B3515C-E634-4891-AAF9-BFAE0CD6AFD5}"/>
               </a:ext>
             </a:extLst>
           </p:cNvPr>
@@ -5218,12 +5380,27 @@
         </p:nvSpPr>
         <p:spPr>
           <a:xfrm>
-            <a:off x="10274459" y="987594"/>
-            <a:ext cx="1518459" cy="891732"/>
-          </a:xfrm>
-          <a:prstGeom prst="flowChartDecision">
+            <a:off x="4799155" y="2272385"/>
+            <a:ext cx="1252932" cy="369524"/>
+          </a:xfrm>
+          <a:prstGeom prst="rect">
             <a:avLst/>
           </a:prstGeom>
+          <a:solidFill>
+            <a:schemeClr val="bg2"/>
+          </a:solidFill>
+          <a:ln w="12700">
+            <a:solidFill>
+              <a:schemeClr val="tx1"/>
+            </a:solidFill>
+          </a:ln>
+          <a:effectLst>
+            <a:outerShdw blurRad="50800" dist="38100" dir="2700000" algn="tl" rotWithShape="0">
+              <a:prstClr val="black">
+                <a:alpha val="40000"/>
+              </a:prstClr>
+            </a:outerShdw>
+          </a:effectLst>
         </p:spPr>
         <p:style>
           <a:lnRef idx="2">
@@ -5246,84 +5423,20 @@
           <a:lstStyle/>
           <a:p>
             <a:pPr algn="ctr"/>
-            <a:endParaRPr lang="en-US" altLang="zh-CN" sz="1500" dirty="0">
-              <a:latin typeface="Consolas" panose="020B0609020204030204" pitchFamily="49" charset="0"/>
-            </a:endParaRPr>
-          </a:p>
-        </p:txBody>
-      </p:sp>
-      <p:sp>
-        <p:nvSpPr>
-          <p:cNvPr id="43" name="矩形 42">
-            <a:extLst>
-              <a:ext uri="{FF2B5EF4-FFF2-40B4-BE49-F238E27FC236}">
-                <a16:creationId xmlns:a16="http://schemas.microsoft.com/office/drawing/2014/main" id="{83B3515C-E634-4891-AAF9-BFAE0CD6AFD5}"/>
-              </a:ext>
-            </a:extLst>
-          </p:cNvPr>
-          <p:cNvSpPr/>
-          <p:nvPr/>
-        </p:nvSpPr>
-        <p:spPr>
-          <a:xfrm>
-            <a:off x="4769482" y="2272384"/>
-            <a:ext cx="1323598" cy="464869"/>
-          </a:xfrm>
-          <a:prstGeom prst="rect">
-            <a:avLst/>
-          </a:prstGeom>
-          <a:ln>
-            <a:noFill/>
-          </a:ln>
-          <a:effectLst>
-            <a:outerShdw blurRad="107950" dist="12700" dir="5400000" algn="ctr">
-              <a:srgbClr val="000000"/>
-            </a:outerShdw>
-          </a:effectLst>
-          <a:scene3d>
-            <a:camera prst="orthographicFront">
-              <a:rot lat="0" lon="0" rev="0"/>
-            </a:camera>
-            <a:lightRig rig="soft" dir="t">
-              <a:rot lat="0" lon="0" rev="0"/>
-            </a:lightRig>
-          </a:scene3d>
-          <a:sp3d contourW="44450" prstMaterial="matte">
-            <a:bevelT w="63500" h="63500" prst="artDeco"/>
-            <a:contourClr>
-              <a:srgbClr val="FFFFFF"/>
-            </a:contourClr>
-          </a:sp3d>
-        </p:spPr>
-        <p:style>
-          <a:lnRef idx="2">
-            <a:schemeClr val="accent1">
-              <a:shade val="50000"/>
-            </a:schemeClr>
-          </a:lnRef>
-          <a:fillRef idx="1">
-            <a:schemeClr val="accent1"/>
-          </a:fillRef>
-          <a:effectRef idx="0">
-            <a:schemeClr val="accent1"/>
-          </a:effectRef>
-          <a:fontRef idx="minor">
-            <a:schemeClr val="lt1"/>
-          </a:fontRef>
-        </p:style>
-        <p:txBody>
-          <a:bodyPr rtlCol="0" anchor="ctr"/>
-          <a:lstStyle/>
-          <a:p>
-            <a:pPr algn="ctr"/>
             <a:r>
-              <a:rPr lang="en-US" altLang="zh-CN" sz="1200" dirty="0">
-                <a:latin typeface="Consolas" panose="020B0609020204030204" pitchFamily="49" charset="0"/>
+              <a:rPr lang="en-US" altLang="zh-CN" sz="1200" b="1" dirty="0">
+                <a:solidFill>
+                  <a:schemeClr val="tx1"/>
+                </a:solidFill>
+                <a:ea typeface="微软雅黑" panose="020B0503020204020204" pitchFamily="34" charset="-122"/>
               </a:rPr>
               <a:t>Training controller </a:t>
             </a:r>
-            <a:endParaRPr lang="zh-CN" altLang="en-US" sz="1200" dirty="0">
-              <a:latin typeface="Consolas" panose="020B0609020204030204" pitchFamily="49" charset="0"/>
+            <a:endParaRPr lang="zh-CN" altLang="en-US" sz="1200" b="1" dirty="0">
+              <a:solidFill>
+                <a:schemeClr val="tx1"/>
+              </a:solidFill>
+              <a:ea typeface="微软雅黑" panose="020B0503020204020204" pitchFamily="34" charset="-122"/>
             </a:endParaRPr>
           </a:p>
         </p:txBody>
@@ -5344,8 +5457,8 @@
         </p:nvCxnSpPr>
         <p:spPr>
           <a:xfrm>
-            <a:off x="6155028" y="2407578"/>
-            <a:ext cx="1303856" cy="0"/>
+            <a:off x="6052087" y="2407578"/>
+            <a:ext cx="1320713" cy="0"/>
           </a:xfrm>
           <a:prstGeom prst="straightConnector1">
             <a:avLst/>
@@ -5390,8 +5503,8 @@
         </p:nvCxnSpPr>
         <p:spPr>
           <a:xfrm flipH="1">
-            <a:off x="6141099" y="2527453"/>
-            <a:ext cx="1298393" cy="0"/>
+            <a:off x="6052087" y="2527453"/>
+            <a:ext cx="1252257" cy="0"/>
           </a:xfrm>
           <a:prstGeom prst="straightConnector1">
             <a:avLst/>
@@ -5435,8 +5548,8 @@
         </p:nvSpPr>
         <p:spPr>
           <a:xfrm>
-            <a:off x="6470391" y="2157607"/>
-            <a:ext cx="632906" cy="277127"/>
+            <a:off x="6452414" y="2171380"/>
+            <a:ext cx="632906" cy="276999"/>
           </a:xfrm>
           <a:prstGeom prst="rect">
             <a:avLst/>
@@ -5450,13 +5563,13 @@
           <a:lstStyle/>
           <a:p>
             <a:r>
-              <a:rPr lang="en-US" altLang="zh-CN" sz="1201" b="1" dirty="0">
-                <a:latin typeface="Consolas" panose="020B0609020204030204" pitchFamily="49" charset="0"/>
+              <a:rPr lang="en-US" altLang="zh-CN" sz="1200" b="1" dirty="0">
+                <a:ea typeface="微软雅黑" panose="020B0503020204020204" pitchFamily="34" charset="-122"/>
               </a:rPr>
               <a:t>write</a:t>
             </a:r>
             <a:endParaRPr lang="zh-CN" altLang="en-US" sz="1799" b="1" dirty="0">
-              <a:latin typeface="Consolas" panose="020B0609020204030204" pitchFamily="49" charset="0"/>
+              <a:ea typeface="微软雅黑" panose="020B0503020204020204" pitchFamily="34" charset="-122"/>
             </a:endParaRPr>
           </a:p>
         </p:txBody>
@@ -5475,8 +5588,8 @@
         </p:nvSpPr>
         <p:spPr>
           <a:xfrm>
-            <a:off x="6511095" y="2475547"/>
-            <a:ext cx="632906" cy="277127"/>
+            <a:off x="6476062" y="2473109"/>
+            <a:ext cx="632906" cy="276999"/>
           </a:xfrm>
           <a:prstGeom prst="rect">
             <a:avLst/>
@@ -5490,13 +5603,13 @@
           <a:lstStyle/>
           <a:p>
             <a:r>
-              <a:rPr lang="en-US" altLang="zh-CN" sz="1201" b="1" dirty="0">
-                <a:latin typeface="Consolas" panose="020B0609020204030204" pitchFamily="49" charset="0"/>
+              <a:rPr lang="en-US" altLang="zh-CN" sz="1200" b="1" dirty="0">
+                <a:ea typeface="微软雅黑" panose="020B0503020204020204" pitchFamily="34" charset="-122"/>
               </a:rPr>
               <a:t>read</a:t>
             </a:r>
-            <a:endParaRPr lang="zh-CN" altLang="en-US" sz="1799" b="1" dirty="0">
-              <a:latin typeface="Consolas" panose="020B0609020204030204" pitchFamily="49" charset="0"/>
+            <a:endParaRPr lang="zh-CN" altLang="en-US" sz="1600" b="1" dirty="0">
+              <a:ea typeface="微软雅黑" panose="020B0503020204020204" pitchFamily="34" charset="-122"/>
             </a:endParaRPr>
           </a:p>
         </p:txBody>
@@ -5517,8 +5630,8 @@
         </p:nvCxnSpPr>
         <p:spPr>
           <a:xfrm flipV="1">
-            <a:off x="5506318" y="1958049"/>
-            <a:ext cx="0" cy="273044"/>
+            <a:off x="5506318" y="2026299"/>
+            <a:ext cx="0" cy="233594"/>
           </a:xfrm>
           <a:prstGeom prst="straightConnector1">
             <a:avLst/>
@@ -5559,13 +5672,14 @@
         </p:nvSpPr>
         <p:spPr>
           <a:xfrm>
-            <a:off x="5016694" y="1994044"/>
-            <a:ext cx="689107" cy="253916"/>
+            <a:off x="5107131" y="2022131"/>
+            <a:ext cx="530263" cy="246221"/>
           </a:xfrm>
           <a:prstGeom prst="rect">
             <a:avLst/>
           </a:prstGeom>
           <a:noFill/>
+          <a:effectLst/>
         </p:spPr>
         <p:txBody>
           <a:bodyPr wrap="square" rtlCol="0">
@@ -5574,13 +5688,13 @@
           <a:lstStyle/>
           <a:p>
             <a:r>
-              <a:rPr lang="en-US" altLang="zh-CN" sz="1050" b="1" dirty="0">
-                <a:latin typeface="Consolas" panose="020B0609020204030204" pitchFamily="49" charset="0"/>
+              <a:rPr lang="en-US" altLang="zh-CN" sz="1000" b="1" dirty="0">
+                <a:ea typeface="微软雅黑" panose="020B0503020204020204" pitchFamily="34" charset="-122"/>
               </a:rPr>
               <a:t>train</a:t>
             </a:r>
-            <a:endParaRPr lang="zh-CN" altLang="en-US" sz="1400" b="1" dirty="0">
-              <a:latin typeface="Consolas" panose="020B0609020204030204" pitchFamily="49" charset="0"/>
+            <a:endParaRPr lang="zh-CN" altLang="en-US" sz="1100" b="1" dirty="0">
+              <a:ea typeface="微软雅黑" panose="020B0503020204020204" pitchFamily="34" charset="-122"/>
             </a:endParaRPr>
           </a:p>
         </p:txBody>
@@ -5603,8 +5717,8 @@
         </p:nvCxnSpPr>
         <p:spPr>
           <a:xfrm flipV="1">
-            <a:off x="4232652" y="390781"/>
-            <a:ext cx="756568" cy="764320"/>
+            <a:off x="4232652" y="390166"/>
+            <a:ext cx="715622" cy="764935"/>
           </a:xfrm>
           <a:prstGeom prst="straightConnector1">
             <a:avLst/>
@@ -5645,7 +5759,7 @@
         </p:nvSpPr>
         <p:spPr>
           <a:xfrm>
-            <a:off x="4989220" y="235926"/>
+            <a:off x="4948274" y="235311"/>
             <a:ext cx="329797" cy="309709"/>
           </a:xfrm>
           <a:prstGeom prst="ellipse">
@@ -5690,7 +5804,7 @@
         </p:nvSpPr>
         <p:spPr>
           <a:xfrm>
-            <a:off x="4989216" y="691423"/>
+            <a:off x="4948270" y="690808"/>
             <a:ext cx="342282" cy="318268"/>
           </a:xfrm>
           <a:prstGeom prst="ellipse">
@@ -5735,7 +5849,7 @@
         </p:nvSpPr>
         <p:spPr>
           <a:xfrm>
-            <a:off x="4982424" y="1132394"/>
+            <a:off x="4941478" y="1131779"/>
             <a:ext cx="350524" cy="318268"/>
           </a:xfrm>
           <a:prstGeom prst="ellipse">
@@ -5780,7 +5894,7 @@
         </p:nvSpPr>
         <p:spPr>
           <a:xfrm>
-            <a:off x="4989216" y="1582909"/>
+            <a:off x="4948270" y="1582294"/>
             <a:ext cx="354146" cy="315624"/>
           </a:xfrm>
           <a:prstGeom prst="ellipse">
@@ -5829,8 +5943,8 @@
         </p:nvCxnSpPr>
         <p:spPr>
           <a:xfrm flipV="1">
-            <a:off x="4232652" y="850557"/>
-            <a:ext cx="756564" cy="304544"/>
+            <a:off x="4232652" y="849942"/>
+            <a:ext cx="715618" cy="305159"/>
           </a:xfrm>
           <a:prstGeom prst="straightConnector1">
             <a:avLst/>
@@ -5876,7 +5990,7 @@
         <p:spPr>
           <a:xfrm>
             <a:off x="4232652" y="1155101"/>
-            <a:ext cx="749772" cy="136427"/>
+            <a:ext cx="708826" cy="135812"/>
           </a:xfrm>
           <a:prstGeom prst="straightConnector1">
             <a:avLst/>
@@ -5922,7 +6036,7 @@
         <p:spPr>
           <a:xfrm>
             <a:off x="4232652" y="1155101"/>
-            <a:ext cx="756564" cy="585620"/>
+            <a:ext cx="715618" cy="585005"/>
           </a:xfrm>
           <a:prstGeom prst="straightConnector1">
             <a:avLst/>
@@ -5963,7 +6077,7 @@
         </p:nvSpPr>
         <p:spPr>
           <a:xfrm>
-            <a:off x="5684019" y="237790"/>
+            <a:off x="5643073" y="237175"/>
             <a:ext cx="328585" cy="309709"/>
           </a:xfrm>
           <a:prstGeom prst="ellipse">
@@ -6008,7 +6122,7 @@
         </p:nvSpPr>
         <p:spPr>
           <a:xfrm>
-            <a:off x="5665926" y="689149"/>
+            <a:off x="5624980" y="688534"/>
             <a:ext cx="328803" cy="306952"/>
           </a:xfrm>
           <a:prstGeom prst="ellipse">
@@ -6053,7 +6167,7 @@
         </p:nvSpPr>
         <p:spPr>
           <a:xfrm>
-            <a:off x="7304343" y="1099416"/>
+            <a:off x="7297108" y="1086245"/>
             <a:ext cx="281151" cy="394147"/>
           </a:xfrm>
           <a:prstGeom prst="rect">
@@ -6074,9 +6188,6 @@
             </a:pPr>
             <a:r>
               <a:rPr lang="en-US" altLang="zh-CN" sz="1799" b="1" dirty="0">
-                <a:solidFill>
-                  <a:schemeClr val="bg1"/>
-                </a:solidFill>
                 <a:latin typeface="微软雅黑" panose="020B0503020204020204" pitchFamily="34" charset="-122"/>
                 <a:ea typeface="微软雅黑" panose="020B0503020204020204" pitchFamily="34" charset="-122"/>
               </a:rPr>
@@ -6091,9 +6202,6 @@
             </a:pPr>
             <a:r>
               <a:rPr lang="en-US" altLang="zh-CN" sz="1799" b="1" dirty="0">
-                <a:solidFill>
-                  <a:schemeClr val="bg1"/>
-                </a:solidFill>
                 <a:latin typeface="微软雅黑" panose="020B0503020204020204" pitchFamily="34" charset="-122"/>
                 <a:ea typeface="微软雅黑" panose="020B0503020204020204" pitchFamily="34" charset="-122"/>
               </a:rPr>
@@ -6108,18 +6216,12 @@
             </a:pPr>
             <a:r>
               <a:rPr lang="en-US" altLang="zh-CN" sz="1799" b="1" dirty="0">
-                <a:solidFill>
-                  <a:schemeClr val="bg1"/>
-                </a:solidFill>
                 <a:latin typeface="微软雅黑" panose="020B0503020204020204" pitchFamily="34" charset="-122"/>
                 <a:ea typeface="微软雅黑" panose="020B0503020204020204" pitchFamily="34" charset="-122"/>
               </a:rPr>
               <a:t>.</a:t>
             </a:r>
             <a:endParaRPr lang="zh-CN" altLang="en-US" sz="1799" b="1" dirty="0">
-              <a:solidFill>
-                <a:schemeClr val="bg1"/>
-              </a:solidFill>
               <a:latin typeface="微软雅黑" panose="020B0503020204020204" pitchFamily="34" charset="-122"/>
               <a:ea typeface="微软雅黑" panose="020B0503020204020204" pitchFamily="34" charset="-122"/>
             </a:endParaRPr>
@@ -6140,8 +6242,8 @@
         </p:nvSpPr>
         <p:spPr>
           <a:xfrm>
-            <a:off x="6802639" y="419925"/>
-            <a:ext cx="1742113" cy="261610"/>
+            <a:off x="6784912" y="405562"/>
+            <a:ext cx="1742113" cy="307777"/>
           </a:xfrm>
           <a:prstGeom prst="rect">
             <a:avLst/>
@@ -6155,19 +6257,13 @@
           <a:lstStyle/>
           <a:p>
             <a:r>
-              <a:rPr lang="en-US" altLang="zh-CN" sz="1100" dirty="0">
-                <a:solidFill>
-                  <a:schemeClr val="bg1"/>
-                </a:solidFill>
-                <a:latin typeface="Consolas" panose="020B0609020204030204" pitchFamily="49" charset="0"/>
+              <a:rPr lang="en-US" altLang="zh-CN" sz="1400" dirty="0">
+                <a:ea typeface="微软雅黑" panose="020B0503020204020204" pitchFamily="34" charset="-122"/>
               </a:rPr>
               <a:t>Configuration 1</a:t>
             </a:r>
-            <a:endParaRPr lang="zh-CN" altLang="en-US" sz="1100" dirty="0">
-              <a:solidFill>
-                <a:schemeClr val="bg1"/>
-              </a:solidFill>
-              <a:latin typeface="Consolas" panose="020B0609020204030204" pitchFamily="49" charset="0"/>
+            <a:endParaRPr lang="zh-CN" altLang="en-US" sz="1400" dirty="0">
+              <a:ea typeface="微软雅黑" panose="020B0503020204020204" pitchFamily="34" charset="-122"/>
             </a:endParaRPr>
           </a:p>
         </p:txBody>
@@ -6186,8 +6282,8 @@
         </p:nvSpPr>
         <p:spPr>
           <a:xfrm>
-            <a:off x="6803770" y="870759"/>
-            <a:ext cx="1730101" cy="261610"/>
+            <a:off x="6796924" y="885841"/>
+            <a:ext cx="1730101" cy="307777"/>
           </a:xfrm>
           <a:prstGeom prst="rect">
             <a:avLst/>
@@ -6201,19 +6297,13 @@
           <a:lstStyle/>
           <a:p>
             <a:r>
-              <a:rPr lang="en-US" altLang="zh-CN" sz="1100" dirty="0">
-                <a:solidFill>
-                  <a:schemeClr val="bg1"/>
-                </a:solidFill>
-                <a:latin typeface="Consolas" panose="020B0609020204030204" pitchFamily="49" charset="0"/>
+              <a:rPr lang="en-US" altLang="zh-CN" sz="1400" dirty="0">
+                <a:ea typeface="微软雅黑" panose="020B0503020204020204" pitchFamily="34" charset="-122"/>
               </a:rPr>
               <a:t>Configuration 2</a:t>
             </a:r>
-            <a:endParaRPr lang="zh-CN" altLang="en-US" sz="1100" dirty="0">
-              <a:solidFill>
-                <a:schemeClr val="bg1"/>
-              </a:solidFill>
-              <a:latin typeface="Consolas" panose="020B0609020204030204" pitchFamily="49" charset="0"/>
+            <a:endParaRPr lang="zh-CN" altLang="en-US" sz="1400" dirty="0">
+              <a:ea typeface="微软雅黑" panose="020B0503020204020204" pitchFamily="34" charset="-122"/>
             </a:endParaRPr>
           </a:p>
         </p:txBody>
@@ -6234,8 +6324,8 @@
             </p:nvSpPr>
             <p:spPr>
               <a:xfrm>
-                <a:off x="6795057" y="1380498"/>
-                <a:ext cx="1694565" cy="261610"/>
+                <a:off x="6816804" y="1371880"/>
+                <a:ext cx="1694565" cy="307777"/>
               </a:xfrm>
               <a:prstGeom prst="rect">
                 <a:avLst/>
@@ -6249,44 +6339,36 @@
               <a:lstStyle/>
               <a:p>
                 <a:r>
-                  <a:rPr lang="en-US" altLang="zh-CN" sz="1100" dirty="0">
-                    <a:solidFill>
-                      <a:schemeClr val="bg1"/>
-                    </a:solidFill>
-                    <a:latin typeface="Consolas" panose="020B0609020204030204" pitchFamily="49" charset="0"/>
+                  <a:rPr lang="en-US" altLang="zh-CN" sz="1400" dirty="0">
+                    <a:ea typeface="微软雅黑" panose="020B0503020204020204" pitchFamily="34" charset="-122"/>
                   </a:rPr>
-                  <a:t>Configuration </a:t>
+                  <a:t>Configuration</a:t>
+                </a:r>
+                <a:r>
+                  <a:rPr lang="en-US" altLang="zh-CN" sz="1400" dirty="0"/>
+                  <a:t> </a:t>
                 </a:r>
                 <a14:m>
                   <m:oMath xmlns:m="http://schemas.openxmlformats.org/officeDocument/2006/math">
                     <m:sSub>
                       <m:sSubPr>
                         <m:ctrlPr>
-                          <a:rPr lang="en-US" altLang="zh-CN" sz="1100">
-                            <a:solidFill>
-                              <a:schemeClr val="bg1"/>
-                            </a:solidFill>
-                            <a:latin typeface="Consolas" panose="020B0609020204030204" pitchFamily="49" charset="0"/>
+                          <a:rPr lang="en-US" altLang="zh-CN" sz="1400" i="1" smtClean="0">
+                            <a:latin typeface="Cambria Math" panose="02040503050406030204" pitchFamily="18" charset="0"/>
                           </a:rPr>
                         </m:ctrlPr>
                       </m:sSubPr>
                       <m:e>
                         <m:r>
-                          <a:rPr lang="en-US" altLang="zh-CN" sz="1100">
-                            <a:solidFill>
-                              <a:schemeClr val="bg1"/>
-                            </a:solidFill>
-                            <a:latin typeface="Consolas" panose="020B0609020204030204" pitchFamily="49" charset="0"/>
+                          <a:rPr lang="en-US" altLang="zh-CN" sz="1400" i="1">
+                            <a:latin typeface="Cambria Math" panose="02040503050406030204" pitchFamily="18" charset="0"/>
                           </a:rPr>
                           <m:t>𝑘</m:t>
                         </m:r>
                       </m:e>
                       <m:sub>
                         <m:r>
-                          <a:rPr lang="en-US" altLang="zh-CN" sz="1100" b="0" i="0" smtClean="0">
-                            <a:solidFill>
-                              <a:schemeClr val="bg1"/>
-                            </a:solidFill>
+                          <a:rPr lang="en-US" altLang="zh-CN" sz="1400" b="0" i="1" smtClean="0">
                             <a:latin typeface="Cambria Math" panose="02040503050406030204" pitchFamily="18" charset="0"/>
                           </a:rPr>
                           <m:t>3</m:t>
@@ -6295,12 +6377,7 @@
                     </m:sSub>
                   </m:oMath>
                 </a14:m>
-                <a:endParaRPr lang="zh-CN" altLang="en-US" sz="1100" dirty="0">
-                  <a:solidFill>
-                    <a:schemeClr val="bg1"/>
-                  </a:solidFill>
-                  <a:latin typeface="Consolas" panose="020B0609020204030204" pitchFamily="49" charset="0"/>
-                </a:endParaRPr>
+                <a:endParaRPr lang="zh-CN" altLang="en-US" sz="1400" dirty="0"/>
               </a:p>
             </p:txBody>
           </p:sp>
@@ -6322,8 +6399,8 @@
             </p:nvSpPr>
             <p:spPr>
               <a:xfrm>
-                <a:off x="6795057" y="1380498"/>
-                <a:ext cx="1694565" cy="261610"/>
+                <a:off x="6816804" y="1371880"/>
+                <a:ext cx="1694565" cy="307777"/>
               </a:xfrm>
               <a:prstGeom prst="rect">
                 <a:avLst/>
@@ -6331,7 +6408,7 @@
               <a:blipFill>
                 <a:blip r:embed="rId13"/>
                 <a:stretch>
-                  <a:fillRect b="-16279"/>
+                  <a:fillRect l="-1079" t="-3922" b="-19608"/>
                 </a:stretch>
               </a:blipFill>
             </p:spPr>
@@ -6350,8 +6427,8 @@
           </p:sp>
         </mc:Fallback>
       </mc:AlternateContent>
-      <mc:AlternateContent xmlns:mc="http://schemas.openxmlformats.org/markup-compatibility/2006">
-        <mc:Choice xmlns:a14="http://schemas.microsoft.com/office/drawing/2010/main" Requires="a14">
+      <mc:AlternateContent xmlns:mc="http://schemas.openxmlformats.org/markup-compatibility/2006" xmlns:a14="http://schemas.microsoft.com/office/drawing/2010/main">
+        <mc:Choice Requires="a14">
           <p:sp>
             <p:nvSpPr>
               <p:cNvPr id="185" name="文本框 184">
@@ -6366,8 +6443,8 @@
             </p:nvSpPr>
             <p:spPr>
               <a:xfrm rot="10800000">
-                <a:off x="7739135" y="435793"/>
-                <a:ext cx="805617" cy="1366528"/>
+                <a:off x="8105519" y="207644"/>
+                <a:ext cx="235043" cy="1537857"/>
               </a:xfrm>
               <a:prstGeom prst="rect">
                 <a:avLst/>
@@ -6392,9 +6469,9 @@
                           <m:begChr m:val="{"/>
                           <m:endChr m:val=""/>
                           <m:ctrlPr>
-                            <a:rPr lang="en-US" altLang="zh-CN" sz="1400" i="1">
+                            <a:rPr lang="en-US" altLang="zh-CN" sz="1400" i="1" smtClean="0">
                               <a:solidFill>
-                                <a:schemeClr val="bg1"/>
+                                <a:schemeClr val="tx1"/>
                               </a:solidFill>
                               <a:latin typeface="Cambria Math" panose="02040503050406030204" pitchFamily="18" charset="0"/>
                             </a:rPr>
@@ -6406,7 +6483,7 @@
                               <m:ctrlPr>
                                 <a:rPr lang="en-US" altLang="zh-CN" sz="1400" i="1">
                                   <a:solidFill>
-                                    <a:schemeClr val="bg1"/>
+                                    <a:schemeClr val="tx1"/>
                                   </a:solidFill>
                                   <a:latin typeface="Cambria Math" panose="02040503050406030204" pitchFamily="18" charset="0"/>
                                 </a:rPr>
@@ -6426,14 +6503,14 @@
                 </a14:m>
                 <a:endParaRPr lang="zh-CN" altLang="en-US" sz="1400" dirty="0">
                   <a:solidFill>
-                    <a:schemeClr val="bg1"/>
+                    <a:schemeClr val="tx1"/>
                   </a:solidFill>
                 </a:endParaRPr>
               </a:p>
             </p:txBody>
           </p:sp>
         </mc:Choice>
-        <mc:Fallback>
+        <mc:Fallback xmlns="">
           <p:sp>
             <p:nvSpPr>
               <p:cNvPr id="185" name="文本框 184">
@@ -6450,8 +6527,8 @@
             </p:nvSpPr>
             <p:spPr>
               <a:xfrm rot="10800000">
-                <a:off x="7739135" y="435793"/>
-                <a:ext cx="805617" cy="1366528"/>
+                <a:off x="8105519" y="207644"/>
+                <a:ext cx="235043" cy="1537857"/>
               </a:xfrm>
               <a:prstGeom prst="rect">
                 <a:avLst/>
@@ -6480,51 +6557,6 @@
       </mc:AlternateContent>
       <p:sp>
         <p:nvSpPr>
-          <p:cNvPr id="201" name="文本框 200">
-            <a:extLst>
-              <a:ext uri="{FF2B5EF4-FFF2-40B4-BE49-F238E27FC236}">
-                <a16:creationId xmlns:a16="http://schemas.microsoft.com/office/drawing/2014/main" id="{30910FBE-28FF-4B96-8A91-B67590100482}"/>
-              </a:ext>
-            </a:extLst>
-          </p:cNvPr>
-          <p:cNvSpPr txBox="1"/>
-          <p:nvPr/>
-        </p:nvSpPr>
-        <p:spPr>
-          <a:xfrm>
-            <a:off x="10447534" y="1257379"/>
-            <a:ext cx="1445746" cy="338554"/>
-          </a:xfrm>
-          <a:prstGeom prst="rect">
-            <a:avLst/>
-          </a:prstGeom>
-          <a:noFill/>
-        </p:spPr>
-        <p:txBody>
-          <a:bodyPr wrap="square" rtlCol="0">
-            <a:spAutoFit/>
-          </a:bodyPr>
-          <a:lstStyle/>
-          <a:p>
-            <a:r>
-              <a:rPr lang="en-US" altLang="zh-CN" sz="1600" b="1" dirty="0">
-                <a:solidFill>
-                  <a:schemeClr val="bg1"/>
-                </a:solidFill>
-                <a:latin typeface="Consolas" panose="020B0609020204030204" pitchFamily="49" charset="0"/>
-              </a:rPr>
-              <a:t>Inference</a:t>
-            </a:r>
-            <a:endParaRPr lang="zh-CN" altLang="en-US" sz="1600" b="1" dirty="0">
-              <a:solidFill>
-                <a:schemeClr val="bg1"/>
-              </a:solidFill>
-            </a:endParaRPr>
-          </a:p>
-        </p:txBody>
-      </p:sp>
-      <p:sp>
-        <p:nvSpPr>
           <p:cNvPr id="2" name="文本框 1">
             <a:extLst>
               <a:ext uri="{FF2B5EF4-FFF2-40B4-BE49-F238E27FC236}">
@@ -6647,8 +6679,8 @@
             </p:nvSpPr>
             <p:spPr>
               <a:xfrm>
-                <a:off x="21374" y="-19631"/>
-                <a:ext cx="1838383" cy="615425"/>
+                <a:off x="21374" y="-19630"/>
+                <a:ext cx="1255345" cy="615425"/>
               </a:xfrm>
               <a:prstGeom prst="rect">
                 <a:avLst/>
@@ -6664,8 +6696,10 @@
                 <a:r>
                   <a:rPr lang="en-US" altLang="zh-CN" sz="1799" b="1" dirty="0">
                     <a:solidFill>
-                      <a:schemeClr val="bg1"/>
+                      <a:schemeClr val="tx1"/>
                     </a:solidFill>
+                    <a:latin typeface="Calibri" panose="020F0502020204030204" pitchFamily="34" charset="0"/>
+                    <a:cs typeface="Calibri" panose="020F0502020204030204" pitchFamily="34" charset="0"/>
                   </a:rPr>
                   <a:t>State </a:t>
                 </a:r>
@@ -6676,7 +6710,7 @@
                         <m:ctrlPr>
                           <a:rPr lang="en-US" altLang="zh-CN" sz="1799" b="1" i="1">
                             <a:solidFill>
-                              <a:schemeClr val="bg1"/>
+                              <a:schemeClr val="tx1"/>
                             </a:solidFill>
                             <a:latin typeface="Cambria Math" panose="02040503050406030204" pitchFamily="18" charset="0"/>
                           </a:rPr>
@@ -6686,7 +6720,7 @@
                         <m:r>
                           <a:rPr lang="en-US" altLang="zh-CN" sz="1799" b="1" i="1">
                             <a:solidFill>
-                              <a:schemeClr val="bg1"/>
+                              <a:schemeClr val="tx1"/>
                             </a:solidFill>
                             <a:latin typeface="Cambria Math" panose="02040503050406030204" pitchFamily="18" charset="0"/>
                           </a:rPr>
@@ -6697,7 +6731,7 @@
                         <m:r>
                           <a:rPr lang="en-US" altLang="zh-CN" sz="1799" b="1" i="1">
                             <a:solidFill>
-                              <a:schemeClr val="bg1"/>
+                              <a:schemeClr val="tx1"/>
                             </a:solidFill>
                             <a:latin typeface="Cambria Math" panose="02040503050406030204" pitchFamily="18" charset="0"/>
                           </a:rPr>
@@ -6709,8 +6743,10 @@
                 </a14:m>
                 <a:endParaRPr lang="en-US" altLang="zh-CN" sz="1799" b="1" dirty="0">
                   <a:solidFill>
-                    <a:schemeClr val="bg1"/>
+                    <a:schemeClr val="tx1"/>
                   </a:solidFill>
+                  <a:latin typeface="Calibri" panose="020F0502020204030204" pitchFamily="34" charset="0"/>
+                  <a:cs typeface="Calibri" panose="020F0502020204030204" pitchFamily="34" charset="0"/>
                 </a:endParaRPr>
               </a:p>
               <a:p>
@@ -6740,8 +6776,8 @@
             </p:nvSpPr>
             <p:spPr>
               <a:xfrm>
-                <a:off x="21374" y="-19631"/>
-                <a:ext cx="1838383" cy="615425"/>
+                <a:off x="21374" y="-19630"/>
+                <a:ext cx="1255345" cy="615425"/>
               </a:xfrm>
               <a:prstGeom prst="rect">
                 <a:avLst/>
@@ -6749,7 +6785,7 @@
               <a:blipFill>
                 <a:blip r:embed="rId15"/>
                 <a:stretch>
-                  <a:fillRect l="-2658" t="-2970"/>
+                  <a:fillRect l="-3902" t="-2970"/>
                 </a:stretch>
               </a:blipFill>
             </p:spPr>
@@ -6768,14 +6804,1515 @@
           </p:sp>
         </mc:Fallback>
       </mc:AlternateContent>
+      <p:sp>
+        <p:nvSpPr>
+          <p:cNvPr id="164" name="箭头: 右 163">
+            <a:extLst>
+              <a:ext uri="{FF2B5EF4-FFF2-40B4-BE49-F238E27FC236}">
+                <a16:creationId xmlns:a16="http://schemas.microsoft.com/office/drawing/2014/main" id="{F8C844A0-6109-401B-937A-FD5493EB6C71}"/>
+              </a:ext>
+            </a:extLst>
+          </p:cNvPr>
+          <p:cNvSpPr/>
+          <p:nvPr/>
+        </p:nvSpPr>
+        <p:spPr>
+          <a:xfrm>
+            <a:off x="3209890" y="880430"/>
+            <a:ext cx="1022762" cy="549342"/>
+          </a:xfrm>
+          <a:prstGeom prst="rightArrow">
+            <a:avLst/>
+          </a:prstGeom>
+          <a:solidFill>
+            <a:schemeClr val="bg1"/>
+          </a:solidFill>
+          <a:ln w="28575">
+            <a:solidFill>
+              <a:schemeClr val="tx1"/>
+            </a:solidFill>
+          </a:ln>
+        </p:spPr>
+        <p:style>
+          <a:lnRef idx="2">
+            <a:schemeClr val="accent1">
+              <a:shade val="50000"/>
+            </a:schemeClr>
+          </a:lnRef>
+          <a:fillRef idx="1">
+            <a:schemeClr val="accent1"/>
+          </a:fillRef>
+          <a:effectRef idx="0">
+            <a:schemeClr val="accent1"/>
+          </a:effectRef>
+          <a:fontRef idx="minor">
+            <a:schemeClr val="lt1"/>
+          </a:fontRef>
+        </p:style>
+        <p:txBody>
+          <a:bodyPr rot="0" spcFirstLastPara="0" vertOverflow="overflow" horzOverflow="overflow" vert="horz" wrap="square" lIns="91440" tIns="45721" rIns="91440" bIns="45721" numCol="1" spcCol="0" rtlCol="0" fromWordArt="0" anchor="ctr" anchorCtr="0" forceAA="0" compatLnSpc="1">
+            <a:prstTxWarp prst="textNoShape">
+              <a:avLst/>
+            </a:prstTxWarp>
+            <a:noAutofit/>
+          </a:bodyPr>
+          <a:lstStyle/>
+          <a:p>
+            <a:pPr algn="ctr"/>
+            <a:endParaRPr lang="zh-CN" altLang="en-US" sz="1799">
+              <a:ln>
+                <a:solidFill>
+                  <a:schemeClr val="bg1"/>
+                </a:solidFill>
+              </a:ln>
+            </a:endParaRPr>
+          </a:p>
+        </p:txBody>
+      </p:sp>
+      <p:sp>
+        <p:nvSpPr>
+          <p:cNvPr id="113" name="椭圆 112">
+            <a:extLst>
+              <a:ext uri="{FF2B5EF4-FFF2-40B4-BE49-F238E27FC236}">
+                <a16:creationId xmlns:a16="http://schemas.microsoft.com/office/drawing/2014/main" id="{11D3562F-95A0-4B83-ADF1-42B6E578B222}"/>
+              </a:ext>
+            </a:extLst>
+          </p:cNvPr>
+          <p:cNvSpPr/>
+          <p:nvPr/>
+        </p:nvSpPr>
+        <p:spPr>
+          <a:xfrm>
+            <a:off x="5637394" y="1572652"/>
+            <a:ext cx="354146" cy="315624"/>
+          </a:xfrm>
+          <a:prstGeom prst="ellipse">
+            <a:avLst/>
+          </a:prstGeom>
+          <a:ln w="19050"/>
+        </p:spPr>
+        <p:style>
+          <a:lnRef idx="2">
+            <a:schemeClr val="dk1"/>
+          </a:lnRef>
+          <a:fillRef idx="1">
+            <a:schemeClr val="lt1"/>
+          </a:fillRef>
+          <a:effectRef idx="0">
+            <a:schemeClr val="dk1"/>
+          </a:effectRef>
+          <a:fontRef idx="minor">
+            <a:schemeClr val="dk1"/>
+          </a:fontRef>
+        </p:style>
+        <p:txBody>
+          <a:bodyPr rtlCol="0" anchor="ctr"/>
+          <a:lstStyle/>
+          <a:p>
+            <a:pPr algn="ctr"/>
+            <a:endParaRPr lang="zh-CN" altLang="en-US" sz="1400"/>
+          </a:p>
+        </p:txBody>
+      </p:sp>
+      <p:sp>
+        <p:nvSpPr>
+          <p:cNvPr id="117" name="椭圆 116">
+            <a:extLst>
+              <a:ext uri="{FF2B5EF4-FFF2-40B4-BE49-F238E27FC236}">
+                <a16:creationId xmlns:a16="http://schemas.microsoft.com/office/drawing/2014/main" id="{FFA30B10-3C2A-4076-BB64-DE67F2DE804F}"/>
+              </a:ext>
+            </a:extLst>
+          </p:cNvPr>
+          <p:cNvSpPr/>
+          <p:nvPr/>
+        </p:nvSpPr>
+        <p:spPr>
+          <a:xfrm>
+            <a:off x="6325626" y="379392"/>
+            <a:ext cx="354146" cy="315624"/>
+          </a:xfrm>
+          <a:prstGeom prst="ellipse">
+            <a:avLst/>
+          </a:prstGeom>
+          <a:ln w="19050"/>
+        </p:spPr>
+        <p:style>
+          <a:lnRef idx="2">
+            <a:schemeClr val="dk1"/>
+          </a:lnRef>
+          <a:fillRef idx="1">
+            <a:schemeClr val="lt1"/>
+          </a:fillRef>
+          <a:effectRef idx="0">
+            <a:schemeClr val="dk1"/>
+          </a:effectRef>
+          <a:fontRef idx="minor">
+            <a:schemeClr val="dk1"/>
+          </a:fontRef>
+        </p:style>
+        <p:txBody>
+          <a:bodyPr rtlCol="0" anchor="ctr"/>
+          <a:lstStyle/>
+          <a:p>
+            <a:pPr algn="ctr"/>
+            <a:endParaRPr lang="zh-CN" altLang="en-US" sz="1400"/>
+          </a:p>
+        </p:txBody>
+      </p:sp>
+      <p:sp>
+        <p:nvSpPr>
+          <p:cNvPr id="118" name="椭圆 117">
+            <a:extLst>
+              <a:ext uri="{FF2B5EF4-FFF2-40B4-BE49-F238E27FC236}">
+                <a16:creationId xmlns:a16="http://schemas.microsoft.com/office/drawing/2014/main" id="{B5A9DFD2-219B-45A3-A745-0A3BAC5AD695}"/>
+              </a:ext>
+            </a:extLst>
+          </p:cNvPr>
+          <p:cNvSpPr/>
+          <p:nvPr/>
+        </p:nvSpPr>
+        <p:spPr>
+          <a:xfrm>
+            <a:off x="6319172" y="835352"/>
+            <a:ext cx="354146" cy="315624"/>
+          </a:xfrm>
+          <a:prstGeom prst="ellipse">
+            <a:avLst/>
+          </a:prstGeom>
+          <a:ln w="19050"/>
+        </p:spPr>
+        <p:style>
+          <a:lnRef idx="2">
+            <a:schemeClr val="dk1"/>
+          </a:lnRef>
+          <a:fillRef idx="1">
+            <a:schemeClr val="lt1"/>
+          </a:fillRef>
+          <a:effectRef idx="0">
+            <a:schemeClr val="dk1"/>
+          </a:effectRef>
+          <a:fontRef idx="minor">
+            <a:schemeClr val="dk1"/>
+          </a:fontRef>
+        </p:style>
+        <p:txBody>
+          <a:bodyPr rtlCol="0" anchor="ctr"/>
+          <a:lstStyle/>
+          <a:p>
+            <a:pPr algn="ctr"/>
+            <a:endParaRPr lang="zh-CN" altLang="en-US" sz="1400"/>
+          </a:p>
+        </p:txBody>
+      </p:sp>
+      <p:sp>
+        <p:nvSpPr>
+          <p:cNvPr id="119" name="椭圆 118">
+            <a:extLst>
+              <a:ext uri="{FF2B5EF4-FFF2-40B4-BE49-F238E27FC236}">
+                <a16:creationId xmlns:a16="http://schemas.microsoft.com/office/drawing/2014/main" id="{619CC6A2-9783-49B7-80F3-D771DD63D925}"/>
+              </a:ext>
+            </a:extLst>
+          </p:cNvPr>
+          <p:cNvSpPr/>
+          <p:nvPr/>
+        </p:nvSpPr>
+        <p:spPr>
+          <a:xfrm>
+            <a:off x="6319172" y="1326979"/>
+            <a:ext cx="354146" cy="315624"/>
+          </a:xfrm>
+          <a:prstGeom prst="ellipse">
+            <a:avLst/>
+          </a:prstGeom>
+          <a:ln w="19050"/>
+        </p:spPr>
+        <p:style>
+          <a:lnRef idx="2">
+            <a:schemeClr val="dk1"/>
+          </a:lnRef>
+          <a:fillRef idx="1">
+            <a:schemeClr val="lt1"/>
+          </a:fillRef>
+          <a:effectRef idx="0">
+            <a:schemeClr val="dk1"/>
+          </a:effectRef>
+          <a:fontRef idx="minor">
+            <a:schemeClr val="dk1"/>
+          </a:fontRef>
+        </p:style>
+        <p:txBody>
+          <a:bodyPr rtlCol="0" anchor="ctr"/>
+          <a:lstStyle/>
+          <a:p>
+            <a:pPr algn="ctr"/>
+            <a:endParaRPr lang="zh-CN" altLang="en-US" sz="1400"/>
+          </a:p>
+        </p:txBody>
+      </p:sp>
+      <p:cxnSp>
+        <p:nvCxnSpPr>
+          <p:cNvPr id="126" name="直接连接符 125">
+            <a:extLst>
+              <a:ext uri="{FF2B5EF4-FFF2-40B4-BE49-F238E27FC236}">
+                <a16:creationId xmlns:a16="http://schemas.microsoft.com/office/drawing/2014/main" id="{F6C63035-1B24-48E6-ACD0-45A675EA80F8}"/>
+              </a:ext>
+            </a:extLst>
+          </p:cNvPr>
+          <p:cNvCxnSpPr>
+            <a:stCxn id="79" idx="6"/>
+            <a:endCxn id="90" idx="2"/>
+          </p:cNvCxnSpPr>
+          <p:nvPr/>
+        </p:nvCxnSpPr>
+        <p:spPr>
+          <a:xfrm>
+            <a:off x="5278071" y="390166"/>
+            <a:ext cx="365002" cy="1864"/>
+          </a:xfrm>
+          <a:prstGeom prst="line">
+            <a:avLst/>
+          </a:prstGeom>
+          <a:ln w="19050"/>
+        </p:spPr>
+        <p:style>
+          <a:lnRef idx="1">
+            <a:schemeClr val="dk1"/>
+          </a:lnRef>
+          <a:fillRef idx="0">
+            <a:schemeClr val="dk1"/>
+          </a:fillRef>
+          <a:effectRef idx="0">
+            <a:schemeClr val="dk1"/>
+          </a:effectRef>
+          <a:fontRef idx="minor">
+            <a:schemeClr val="tx1"/>
+          </a:fontRef>
+        </p:style>
+      </p:cxnSp>
+      <p:cxnSp>
+        <p:nvCxnSpPr>
+          <p:cNvPr id="155" name="直接连接符 154">
+            <a:extLst>
+              <a:ext uri="{FF2B5EF4-FFF2-40B4-BE49-F238E27FC236}">
+                <a16:creationId xmlns:a16="http://schemas.microsoft.com/office/drawing/2014/main" id="{0B860DCA-FCCB-43ED-B308-7D1B31BA5059}"/>
+              </a:ext>
+            </a:extLst>
+          </p:cNvPr>
+          <p:cNvCxnSpPr>
+            <a:cxnSpLocks/>
+            <a:stCxn id="80" idx="6"/>
+            <a:endCxn id="91" idx="2"/>
+          </p:cNvCxnSpPr>
+          <p:nvPr/>
+        </p:nvCxnSpPr>
+        <p:spPr>
+          <a:xfrm flipV="1">
+            <a:off x="5290552" y="842010"/>
+            <a:ext cx="334428" cy="7932"/>
+          </a:xfrm>
+          <a:prstGeom prst="line">
+            <a:avLst/>
+          </a:prstGeom>
+          <a:ln w="19050"/>
+        </p:spPr>
+        <p:style>
+          <a:lnRef idx="1">
+            <a:schemeClr val="dk1"/>
+          </a:lnRef>
+          <a:fillRef idx="0">
+            <a:schemeClr val="dk1"/>
+          </a:fillRef>
+          <a:effectRef idx="0">
+            <a:schemeClr val="dk1"/>
+          </a:effectRef>
+          <a:fontRef idx="minor">
+            <a:schemeClr val="tx1"/>
+          </a:fontRef>
+        </p:style>
+      </p:cxnSp>
+      <p:cxnSp>
+        <p:nvCxnSpPr>
+          <p:cNvPr id="160" name="直接连接符 159">
+            <a:extLst>
+              <a:ext uri="{FF2B5EF4-FFF2-40B4-BE49-F238E27FC236}">
+                <a16:creationId xmlns:a16="http://schemas.microsoft.com/office/drawing/2014/main" id="{F6C63035-1B24-48E6-ACD0-45A675EA80F8}"/>
+              </a:ext>
+            </a:extLst>
+          </p:cNvPr>
+          <p:cNvCxnSpPr>
+            <a:cxnSpLocks/>
+            <a:stCxn id="81" idx="6"/>
+            <a:endCxn id="161" idx="2"/>
+          </p:cNvCxnSpPr>
+          <p:nvPr/>
+        </p:nvCxnSpPr>
+        <p:spPr>
+          <a:xfrm flipV="1">
+            <a:off x="5292002" y="1289259"/>
+            <a:ext cx="356914" cy="1654"/>
+          </a:xfrm>
+          <a:prstGeom prst="line">
+            <a:avLst/>
+          </a:prstGeom>
+          <a:ln w="19050"/>
+        </p:spPr>
+        <p:style>
+          <a:lnRef idx="1">
+            <a:schemeClr val="dk1"/>
+          </a:lnRef>
+          <a:fillRef idx="0">
+            <a:schemeClr val="dk1"/>
+          </a:fillRef>
+          <a:effectRef idx="0">
+            <a:schemeClr val="dk1"/>
+          </a:effectRef>
+          <a:fontRef idx="minor">
+            <a:schemeClr val="tx1"/>
+          </a:fontRef>
+        </p:style>
+      </p:cxnSp>
+      <p:sp>
+        <p:nvSpPr>
+          <p:cNvPr id="161" name="椭圆 160">
+            <a:extLst>
+              <a:ext uri="{FF2B5EF4-FFF2-40B4-BE49-F238E27FC236}">
+                <a16:creationId xmlns:a16="http://schemas.microsoft.com/office/drawing/2014/main" id="{696C789A-932E-4FE0-8633-D7F95B06E1C1}"/>
+              </a:ext>
+            </a:extLst>
+          </p:cNvPr>
+          <p:cNvSpPr/>
+          <p:nvPr/>
+        </p:nvSpPr>
+        <p:spPr>
+          <a:xfrm>
+            <a:off x="5648916" y="1135783"/>
+            <a:ext cx="328803" cy="306952"/>
+          </a:xfrm>
+          <a:prstGeom prst="ellipse">
+            <a:avLst/>
+          </a:prstGeom>
+          <a:ln w="19050"/>
+        </p:spPr>
+        <p:style>
+          <a:lnRef idx="2">
+            <a:schemeClr val="dk1"/>
+          </a:lnRef>
+          <a:fillRef idx="1">
+            <a:schemeClr val="lt1"/>
+          </a:fillRef>
+          <a:effectRef idx="0">
+            <a:schemeClr val="dk1"/>
+          </a:effectRef>
+          <a:fontRef idx="minor">
+            <a:schemeClr val="dk1"/>
+          </a:fontRef>
+        </p:style>
+        <p:txBody>
+          <a:bodyPr rtlCol="0" anchor="ctr"/>
+          <a:lstStyle/>
+          <a:p>
+            <a:pPr algn="ctr"/>
+            <a:endParaRPr lang="zh-CN" altLang="en-US" sz="1400"/>
+          </a:p>
+        </p:txBody>
+      </p:sp>
+      <p:cxnSp>
+        <p:nvCxnSpPr>
+          <p:cNvPr id="168" name="直接连接符 167">
+            <a:extLst>
+              <a:ext uri="{FF2B5EF4-FFF2-40B4-BE49-F238E27FC236}">
+                <a16:creationId xmlns:a16="http://schemas.microsoft.com/office/drawing/2014/main" id="{07BFDC11-C800-4E4D-8548-2C15CB80F11A}"/>
+              </a:ext>
+            </a:extLst>
+          </p:cNvPr>
+          <p:cNvCxnSpPr>
+            <a:cxnSpLocks/>
+            <a:stCxn id="82" idx="6"/>
+            <a:endCxn id="113" idx="2"/>
+          </p:cNvCxnSpPr>
+          <p:nvPr/>
+        </p:nvCxnSpPr>
+        <p:spPr>
+          <a:xfrm flipV="1">
+            <a:off x="5302416" y="1730464"/>
+            <a:ext cx="334978" cy="9642"/>
+          </a:xfrm>
+          <a:prstGeom prst="line">
+            <a:avLst/>
+          </a:prstGeom>
+          <a:ln w="19050"/>
+        </p:spPr>
+        <p:style>
+          <a:lnRef idx="1">
+            <a:schemeClr val="dk1"/>
+          </a:lnRef>
+          <a:fillRef idx="0">
+            <a:schemeClr val="dk1"/>
+          </a:fillRef>
+          <a:effectRef idx="0">
+            <a:schemeClr val="dk1"/>
+          </a:effectRef>
+          <a:fontRef idx="minor">
+            <a:schemeClr val="tx1"/>
+          </a:fontRef>
+        </p:style>
+      </p:cxnSp>
+      <p:cxnSp>
+        <p:nvCxnSpPr>
+          <p:cNvPr id="170" name="直接连接符 169">
+            <a:extLst>
+              <a:ext uri="{FF2B5EF4-FFF2-40B4-BE49-F238E27FC236}">
+                <a16:creationId xmlns:a16="http://schemas.microsoft.com/office/drawing/2014/main" id="{F48A06F5-6DA1-4AD3-AB0E-EBDD5253AF74}"/>
+              </a:ext>
+            </a:extLst>
+          </p:cNvPr>
+          <p:cNvCxnSpPr>
+            <a:cxnSpLocks/>
+            <a:stCxn id="79" idx="6"/>
+            <a:endCxn id="91" idx="2"/>
+          </p:cNvCxnSpPr>
+          <p:nvPr/>
+        </p:nvCxnSpPr>
+        <p:spPr>
+          <a:xfrm>
+            <a:off x="5278071" y="390166"/>
+            <a:ext cx="346909" cy="451844"/>
+          </a:xfrm>
+          <a:prstGeom prst="line">
+            <a:avLst/>
+          </a:prstGeom>
+          <a:ln w="19050"/>
+        </p:spPr>
+        <p:style>
+          <a:lnRef idx="1">
+            <a:schemeClr val="dk1"/>
+          </a:lnRef>
+          <a:fillRef idx="0">
+            <a:schemeClr val="dk1"/>
+          </a:fillRef>
+          <a:effectRef idx="0">
+            <a:schemeClr val="dk1"/>
+          </a:effectRef>
+          <a:fontRef idx="minor">
+            <a:schemeClr val="tx1"/>
+          </a:fontRef>
+        </p:style>
+      </p:cxnSp>
+      <p:cxnSp>
+        <p:nvCxnSpPr>
+          <p:cNvPr id="173" name="直接连接符 172">
+            <a:extLst>
+              <a:ext uri="{FF2B5EF4-FFF2-40B4-BE49-F238E27FC236}">
+                <a16:creationId xmlns:a16="http://schemas.microsoft.com/office/drawing/2014/main" id="{88F90D57-F539-49C8-9848-55C2971D9D2A}"/>
+              </a:ext>
+            </a:extLst>
+          </p:cNvPr>
+          <p:cNvCxnSpPr>
+            <a:cxnSpLocks/>
+            <a:stCxn id="80" idx="6"/>
+            <a:endCxn id="161" idx="2"/>
+          </p:cNvCxnSpPr>
+          <p:nvPr/>
+        </p:nvCxnSpPr>
+        <p:spPr>
+          <a:xfrm>
+            <a:off x="5290552" y="849942"/>
+            <a:ext cx="358364" cy="439317"/>
+          </a:xfrm>
+          <a:prstGeom prst="line">
+            <a:avLst/>
+          </a:prstGeom>
+          <a:ln w="19050"/>
+        </p:spPr>
+        <p:style>
+          <a:lnRef idx="1">
+            <a:schemeClr val="dk1"/>
+          </a:lnRef>
+          <a:fillRef idx="0">
+            <a:schemeClr val="dk1"/>
+          </a:fillRef>
+          <a:effectRef idx="0">
+            <a:schemeClr val="dk1"/>
+          </a:effectRef>
+          <a:fontRef idx="minor">
+            <a:schemeClr val="tx1"/>
+          </a:fontRef>
+        </p:style>
+      </p:cxnSp>
+      <p:cxnSp>
+        <p:nvCxnSpPr>
+          <p:cNvPr id="176" name="直接连接符 175">
+            <a:extLst>
+              <a:ext uri="{FF2B5EF4-FFF2-40B4-BE49-F238E27FC236}">
+                <a16:creationId xmlns:a16="http://schemas.microsoft.com/office/drawing/2014/main" id="{F8863774-7C3D-412C-9765-9F1C625E6229}"/>
+              </a:ext>
+            </a:extLst>
+          </p:cNvPr>
+          <p:cNvCxnSpPr>
+            <a:cxnSpLocks/>
+            <a:stCxn id="81" idx="6"/>
+            <a:endCxn id="113" idx="2"/>
+          </p:cNvCxnSpPr>
+          <p:nvPr/>
+        </p:nvCxnSpPr>
+        <p:spPr>
+          <a:xfrm>
+            <a:off x="5292002" y="1290913"/>
+            <a:ext cx="345392" cy="439551"/>
+          </a:xfrm>
+          <a:prstGeom prst="line">
+            <a:avLst/>
+          </a:prstGeom>
+          <a:ln w="19050"/>
+        </p:spPr>
+        <p:style>
+          <a:lnRef idx="1">
+            <a:schemeClr val="dk1"/>
+          </a:lnRef>
+          <a:fillRef idx="0">
+            <a:schemeClr val="dk1"/>
+          </a:fillRef>
+          <a:effectRef idx="0">
+            <a:schemeClr val="dk1"/>
+          </a:effectRef>
+          <a:fontRef idx="minor">
+            <a:schemeClr val="tx1"/>
+          </a:fontRef>
+        </p:style>
+      </p:cxnSp>
+      <p:cxnSp>
+        <p:nvCxnSpPr>
+          <p:cNvPr id="179" name="直接连接符 178">
+            <a:extLst>
+              <a:ext uri="{FF2B5EF4-FFF2-40B4-BE49-F238E27FC236}">
+                <a16:creationId xmlns:a16="http://schemas.microsoft.com/office/drawing/2014/main" id="{583B2D96-FC6B-434F-BE5D-C497C06D7487}"/>
+              </a:ext>
+            </a:extLst>
+          </p:cNvPr>
+          <p:cNvCxnSpPr>
+            <a:cxnSpLocks/>
+            <a:stCxn id="82" idx="6"/>
+            <a:endCxn id="161" idx="2"/>
+          </p:cNvCxnSpPr>
+          <p:nvPr/>
+        </p:nvCxnSpPr>
+        <p:spPr>
+          <a:xfrm flipV="1">
+            <a:off x="5302416" y="1289259"/>
+            <a:ext cx="346500" cy="450847"/>
+          </a:xfrm>
+          <a:prstGeom prst="line">
+            <a:avLst/>
+          </a:prstGeom>
+          <a:ln w="19050"/>
+        </p:spPr>
+        <p:style>
+          <a:lnRef idx="1">
+            <a:schemeClr val="dk1"/>
+          </a:lnRef>
+          <a:fillRef idx="0">
+            <a:schemeClr val="dk1"/>
+          </a:fillRef>
+          <a:effectRef idx="0">
+            <a:schemeClr val="dk1"/>
+          </a:effectRef>
+          <a:fontRef idx="minor">
+            <a:schemeClr val="tx1"/>
+          </a:fontRef>
+        </p:style>
+      </p:cxnSp>
+      <p:cxnSp>
+        <p:nvCxnSpPr>
+          <p:cNvPr id="186" name="直接连接符 185">
+            <a:extLst>
+              <a:ext uri="{FF2B5EF4-FFF2-40B4-BE49-F238E27FC236}">
+                <a16:creationId xmlns:a16="http://schemas.microsoft.com/office/drawing/2014/main" id="{442C109A-FAFA-4420-BA29-6BDE21B45B64}"/>
+              </a:ext>
+            </a:extLst>
+          </p:cNvPr>
+          <p:cNvCxnSpPr>
+            <a:cxnSpLocks/>
+            <a:stCxn id="81" idx="6"/>
+            <a:endCxn id="91" idx="2"/>
+          </p:cNvCxnSpPr>
+          <p:nvPr/>
+        </p:nvCxnSpPr>
+        <p:spPr>
+          <a:xfrm flipV="1">
+            <a:off x="5292002" y="842010"/>
+            <a:ext cx="332978" cy="448903"/>
+          </a:xfrm>
+          <a:prstGeom prst="line">
+            <a:avLst/>
+          </a:prstGeom>
+          <a:ln w="19050"/>
+        </p:spPr>
+        <p:style>
+          <a:lnRef idx="1">
+            <a:schemeClr val="dk1"/>
+          </a:lnRef>
+          <a:fillRef idx="0">
+            <a:schemeClr val="dk1"/>
+          </a:fillRef>
+          <a:effectRef idx="0">
+            <a:schemeClr val="dk1"/>
+          </a:effectRef>
+          <a:fontRef idx="minor">
+            <a:schemeClr val="tx1"/>
+          </a:fontRef>
+        </p:style>
+      </p:cxnSp>
+      <p:cxnSp>
+        <p:nvCxnSpPr>
+          <p:cNvPr id="187" name="直接连接符 186">
+            <a:extLst>
+              <a:ext uri="{FF2B5EF4-FFF2-40B4-BE49-F238E27FC236}">
+                <a16:creationId xmlns:a16="http://schemas.microsoft.com/office/drawing/2014/main" id="{CF1DC3E9-F211-44F3-B906-B1D94D3B7748}"/>
+              </a:ext>
+            </a:extLst>
+          </p:cNvPr>
+          <p:cNvCxnSpPr>
+            <a:cxnSpLocks/>
+            <a:stCxn id="80" idx="6"/>
+            <a:endCxn id="90" idx="2"/>
+          </p:cNvCxnSpPr>
+          <p:nvPr/>
+        </p:nvCxnSpPr>
+        <p:spPr>
+          <a:xfrm flipV="1">
+            <a:off x="5290552" y="392030"/>
+            <a:ext cx="352521" cy="457912"/>
+          </a:xfrm>
+          <a:prstGeom prst="line">
+            <a:avLst/>
+          </a:prstGeom>
+          <a:ln w="19050"/>
+        </p:spPr>
+        <p:style>
+          <a:lnRef idx="1">
+            <a:schemeClr val="dk1"/>
+          </a:lnRef>
+          <a:fillRef idx="0">
+            <a:schemeClr val="dk1"/>
+          </a:fillRef>
+          <a:effectRef idx="0">
+            <a:schemeClr val="dk1"/>
+          </a:effectRef>
+          <a:fontRef idx="minor">
+            <a:schemeClr val="tx1"/>
+          </a:fontRef>
+        </p:style>
+      </p:cxnSp>
+      <p:cxnSp>
+        <p:nvCxnSpPr>
+          <p:cNvPr id="188" name="直接连接符 187">
+            <a:extLst>
+              <a:ext uri="{FF2B5EF4-FFF2-40B4-BE49-F238E27FC236}">
+                <a16:creationId xmlns:a16="http://schemas.microsoft.com/office/drawing/2014/main" id="{D416742B-6DE0-4F9C-80E2-4F97897FF87B}"/>
+              </a:ext>
+            </a:extLst>
+          </p:cNvPr>
+          <p:cNvCxnSpPr>
+            <a:cxnSpLocks/>
+            <a:stCxn id="82" idx="6"/>
+            <a:endCxn id="91" idx="2"/>
+          </p:cNvCxnSpPr>
+          <p:nvPr/>
+        </p:nvCxnSpPr>
+        <p:spPr>
+          <a:xfrm flipV="1">
+            <a:off x="5302416" y="842010"/>
+            <a:ext cx="322564" cy="898096"/>
+          </a:xfrm>
+          <a:prstGeom prst="line">
+            <a:avLst/>
+          </a:prstGeom>
+          <a:ln w="19050"/>
+        </p:spPr>
+        <p:style>
+          <a:lnRef idx="1">
+            <a:schemeClr val="dk1"/>
+          </a:lnRef>
+          <a:fillRef idx="0">
+            <a:schemeClr val="dk1"/>
+          </a:fillRef>
+          <a:effectRef idx="0">
+            <a:schemeClr val="dk1"/>
+          </a:effectRef>
+          <a:fontRef idx="minor">
+            <a:schemeClr val="tx1"/>
+          </a:fontRef>
+        </p:style>
+      </p:cxnSp>
+      <p:cxnSp>
+        <p:nvCxnSpPr>
+          <p:cNvPr id="191" name="直接连接符 190">
+            <a:extLst>
+              <a:ext uri="{FF2B5EF4-FFF2-40B4-BE49-F238E27FC236}">
+                <a16:creationId xmlns:a16="http://schemas.microsoft.com/office/drawing/2014/main" id="{4AF521CC-4326-4F85-9B08-A871BFA4C704}"/>
+              </a:ext>
+            </a:extLst>
+          </p:cNvPr>
+          <p:cNvCxnSpPr>
+            <a:cxnSpLocks/>
+            <a:stCxn id="81" idx="6"/>
+            <a:endCxn id="90" idx="2"/>
+          </p:cNvCxnSpPr>
+          <p:nvPr/>
+        </p:nvCxnSpPr>
+        <p:spPr>
+          <a:xfrm flipV="1">
+            <a:off x="5292002" y="392030"/>
+            <a:ext cx="351071" cy="898883"/>
+          </a:xfrm>
+          <a:prstGeom prst="line">
+            <a:avLst/>
+          </a:prstGeom>
+          <a:ln w="19050"/>
+        </p:spPr>
+        <p:style>
+          <a:lnRef idx="1">
+            <a:schemeClr val="dk1"/>
+          </a:lnRef>
+          <a:fillRef idx="0">
+            <a:schemeClr val="dk1"/>
+          </a:fillRef>
+          <a:effectRef idx="0">
+            <a:schemeClr val="dk1"/>
+          </a:effectRef>
+          <a:fontRef idx="minor">
+            <a:schemeClr val="tx1"/>
+          </a:fontRef>
+        </p:style>
+      </p:cxnSp>
+      <p:cxnSp>
+        <p:nvCxnSpPr>
+          <p:cNvPr id="194" name="直接连接符 193">
+            <a:extLst>
+              <a:ext uri="{FF2B5EF4-FFF2-40B4-BE49-F238E27FC236}">
+                <a16:creationId xmlns:a16="http://schemas.microsoft.com/office/drawing/2014/main" id="{4A9571EB-474B-4496-B961-C6C6625DF70C}"/>
+              </a:ext>
+            </a:extLst>
+          </p:cNvPr>
+          <p:cNvCxnSpPr>
+            <a:cxnSpLocks/>
+            <a:stCxn id="82" idx="6"/>
+            <a:endCxn id="90" idx="2"/>
+          </p:cNvCxnSpPr>
+          <p:nvPr/>
+        </p:nvCxnSpPr>
+        <p:spPr>
+          <a:xfrm flipV="1">
+            <a:off x="5302416" y="392030"/>
+            <a:ext cx="340657" cy="1348076"/>
+          </a:xfrm>
+          <a:prstGeom prst="line">
+            <a:avLst/>
+          </a:prstGeom>
+          <a:ln w="19050"/>
+        </p:spPr>
+        <p:style>
+          <a:lnRef idx="1">
+            <a:schemeClr val="dk1"/>
+          </a:lnRef>
+          <a:fillRef idx="0">
+            <a:schemeClr val="dk1"/>
+          </a:fillRef>
+          <a:effectRef idx="0">
+            <a:schemeClr val="dk1"/>
+          </a:effectRef>
+          <a:fontRef idx="minor">
+            <a:schemeClr val="tx1"/>
+          </a:fontRef>
+        </p:style>
+      </p:cxnSp>
+      <p:cxnSp>
+        <p:nvCxnSpPr>
+          <p:cNvPr id="197" name="直接连接符 196">
+            <a:extLst>
+              <a:ext uri="{FF2B5EF4-FFF2-40B4-BE49-F238E27FC236}">
+                <a16:creationId xmlns:a16="http://schemas.microsoft.com/office/drawing/2014/main" id="{CD41F4D6-A265-46AF-A28E-4D8734234156}"/>
+              </a:ext>
+            </a:extLst>
+          </p:cNvPr>
+          <p:cNvCxnSpPr>
+            <a:cxnSpLocks/>
+            <a:stCxn id="79" idx="6"/>
+            <a:endCxn id="161" idx="2"/>
+          </p:cNvCxnSpPr>
+          <p:nvPr/>
+        </p:nvCxnSpPr>
+        <p:spPr>
+          <a:xfrm>
+            <a:off x="5278071" y="390166"/>
+            <a:ext cx="370845" cy="899093"/>
+          </a:xfrm>
+          <a:prstGeom prst="line">
+            <a:avLst/>
+          </a:prstGeom>
+          <a:ln w="19050"/>
+        </p:spPr>
+        <p:style>
+          <a:lnRef idx="1">
+            <a:schemeClr val="dk1"/>
+          </a:lnRef>
+          <a:fillRef idx="0">
+            <a:schemeClr val="dk1"/>
+          </a:fillRef>
+          <a:effectRef idx="0">
+            <a:schemeClr val="dk1"/>
+          </a:effectRef>
+          <a:fontRef idx="minor">
+            <a:schemeClr val="tx1"/>
+          </a:fontRef>
+        </p:style>
+      </p:cxnSp>
+      <p:cxnSp>
+        <p:nvCxnSpPr>
+          <p:cNvPr id="200" name="直接连接符 199">
+            <a:extLst>
+              <a:ext uri="{FF2B5EF4-FFF2-40B4-BE49-F238E27FC236}">
+                <a16:creationId xmlns:a16="http://schemas.microsoft.com/office/drawing/2014/main" id="{C983ABAC-5A0F-41BA-ACCE-FC7AB0C5676F}"/>
+              </a:ext>
+            </a:extLst>
+          </p:cNvPr>
+          <p:cNvCxnSpPr>
+            <a:cxnSpLocks/>
+            <a:stCxn id="79" idx="6"/>
+            <a:endCxn id="113" idx="2"/>
+          </p:cNvCxnSpPr>
+          <p:nvPr/>
+        </p:nvCxnSpPr>
+        <p:spPr>
+          <a:xfrm>
+            <a:off x="5278071" y="390166"/>
+            <a:ext cx="359323" cy="1340298"/>
+          </a:xfrm>
+          <a:prstGeom prst="line">
+            <a:avLst/>
+          </a:prstGeom>
+          <a:ln w="19050"/>
+        </p:spPr>
+        <p:style>
+          <a:lnRef idx="1">
+            <a:schemeClr val="dk1"/>
+          </a:lnRef>
+          <a:fillRef idx="0">
+            <a:schemeClr val="dk1"/>
+          </a:fillRef>
+          <a:effectRef idx="0">
+            <a:schemeClr val="dk1"/>
+          </a:effectRef>
+          <a:fontRef idx="minor">
+            <a:schemeClr val="tx1"/>
+          </a:fontRef>
+        </p:style>
+      </p:cxnSp>
+      <p:cxnSp>
+        <p:nvCxnSpPr>
+          <p:cNvPr id="203" name="直接连接符 202">
+            <a:extLst>
+              <a:ext uri="{FF2B5EF4-FFF2-40B4-BE49-F238E27FC236}">
+                <a16:creationId xmlns:a16="http://schemas.microsoft.com/office/drawing/2014/main" id="{22A62E31-7B17-4C41-84DB-DD8D040688FF}"/>
+              </a:ext>
+            </a:extLst>
+          </p:cNvPr>
+          <p:cNvCxnSpPr>
+            <a:cxnSpLocks/>
+            <a:stCxn id="80" idx="6"/>
+            <a:endCxn id="113" idx="2"/>
+          </p:cNvCxnSpPr>
+          <p:nvPr/>
+        </p:nvCxnSpPr>
+        <p:spPr>
+          <a:xfrm>
+            <a:off x="5290552" y="849942"/>
+            <a:ext cx="346842" cy="880522"/>
+          </a:xfrm>
+          <a:prstGeom prst="line">
+            <a:avLst/>
+          </a:prstGeom>
+          <a:ln w="19050"/>
+        </p:spPr>
+        <p:style>
+          <a:lnRef idx="1">
+            <a:schemeClr val="dk1"/>
+          </a:lnRef>
+          <a:fillRef idx="0">
+            <a:schemeClr val="dk1"/>
+          </a:fillRef>
+          <a:effectRef idx="0">
+            <a:schemeClr val="dk1"/>
+          </a:effectRef>
+          <a:fontRef idx="minor">
+            <a:schemeClr val="tx1"/>
+          </a:fontRef>
+        </p:style>
+      </p:cxnSp>
+      <p:cxnSp>
+        <p:nvCxnSpPr>
+          <p:cNvPr id="206" name="直接连接符 205">
+            <a:extLst>
+              <a:ext uri="{FF2B5EF4-FFF2-40B4-BE49-F238E27FC236}">
+                <a16:creationId xmlns:a16="http://schemas.microsoft.com/office/drawing/2014/main" id="{A199A4D4-6677-486B-9D45-972459640D8C}"/>
+              </a:ext>
+            </a:extLst>
+          </p:cNvPr>
+          <p:cNvCxnSpPr>
+            <a:cxnSpLocks/>
+            <a:stCxn id="90" idx="6"/>
+            <a:endCxn id="117" idx="2"/>
+          </p:cNvCxnSpPr>
+          <p:nvPr/>
+        </p:nvCxnSpPr>
+        <p:spPr>
+          <a:xfrm>
+            <a:off x="5971658" y="392030"/>
+            <a:ext cx="353968" cy="145174"/>
+          </a:xfrm>
+          <a:prstGeom prst="line">
+            <a:avLst/>
+          </a:prstGeom>
+          <a:ln w="19050"/>
+        </p:spPr>
+        <p:style>
+          <a:lnRef idx="1">
+            <a:schemeClr val="dk1"/>
+          </a:lnRef>
+          <a:fillRef idx="0">
+            <a:schemeClr val="dk1"/>
+          </a:fillRef>
+          <a:effectRef idx="0">
+            <a:schemeClr val="dk1"/>
+          </a:effectRef>
+          <a:fontRef idx="minor">
+            <a:schemeClr val="tx1"/>
+          </a:fontRef>
+        </p:style>
+      </p:cxnSp>
+      <p:cxnSp>
+        <p:nvCxnSpPr>
+          <p:cNvPr id="209" name="直接连接符 208">
+            <a:extLst>
+              <a:ext uri="{FF2B5EF4-FFF2-40B4-BE49-F238E27FC236}">
+                <a16:creationId xmlns:a16="http://schemas.microsoft.com/office/drawing/2014/main" id="{8CB7D568-8591-49A6-9AAE-9FBE744350F1}"/>
+              </a:ext>
+            </a:extLst>
+          </p:cNvPr>
+          <p:cNvCxnSpPr>
+            <a:cxnSpLocks/>
+            <a:stCxn id="90" idx="6"/>
+            <a:endCxn id="118" idx="2"/>
+          </p:cNvCxnSpPr>
+          <p:nvPr/>
+        </p:nvCxnSpPr>
+        <p:spPr>
+          <a:xfrm>
+            <a:off x="5971658" y="392030"/>
+            <a:ext cx="347514" cy="601134"/>
+          </a:xfrm>
+          <a:prstGeom prst="line">
+            <a:avLst/>
+          </a:prstGeom>
+          <a:ln w="19050"/>
+        </p:spPr>
+        <p:style>
+          <a:lnRef idx="1">
+            <a:schemeClr val="dk1"/>
+          </a:lnRef>
+          <a:fillRef idx="0">
+            <a:schemeClr val="dk1"/>
+          </a:fillRef>
+          <a:effectRef idx="0">
+            <a:schemeClr val="dk1"/>
+          </a:effectRef>
+          <a:fontRef idx="minor">
+            <a:schemeClr val="tx1"/>
+          </a:fontRef>
+        </p:style>
+      </p:cxnSp>
+      <p:cxnSp>
+        <p:nvCxnSpPr>
+          <p:cNvPr id="212" name="直接连接符 211">
+            <a:extLst>
+              <a:ext uri="{FF2B5EF4-FFF2-40B4-BE49-F238E27FC236}">
+                <a16:creationId xmlns:a16="http://schemas.microsoft.com/office/drawing/2014/main" id="{1C853476-BAA0-460B-BB4F-ECE25C34A67B}"/>
+              </a:ext>
+            </a:extLst>
+          </p:cNvPr>
+          <p:cNvCxnSpPr>
+            <a:cxnSpLocks/>
+            <a:stCxn id="90" idx="6"/>
+            <a:endCxn id="119" idx="2"/>
+          </p:cNvCxnSpPr>
+          <p:nvPr/>
+        </p:nvCxnSpPr>
+        <p:spPr>
+          <a:xfrm>
+            <a:off x="5971658" y="392030"/>
+            <a:ext cx="347514" cy="1092761"/>
+          </a:xfrm>
+          <a:prstGeom prst="line">
+            <a:avLst/>
+          </a:prstGeom>
+          <a:ln w="19050"/>
+        </p:spPr>
+        <p:style>
+          <a:lnRef idx="1">
+            <a:schemeClr val="dk1"/>
+          </a:lnRef>
+          <a:fillRef idx="0">
+            <a:schemeClr val="dk1"/>
+          </a:fillRef>
+          <a:effectRef idx="0">
+            <a:schemeClr val="dk1"/>
+          </a:effectRef>
+          <a:fontRef idx="minor">
+            <a:schemeClr val="tx1"/>
+          </a:fontRef>
+        </p:style>
+      </p:cxnSp>
+      <p:cxnSp>
+        <p:nvCxnSpPr>
+          <p:cNvPr id="216" name="直接连接符 215">
+            <a:extLst>
+              <a:ext uri="{FF2B5EF4-FFF2-40B4-BE49-F238E27FC236}">
+                <a16:creationId xmlns:a16="http://schemas.microsoft.com/office/drawing/2014/main" id="{FE2CFEEE-2E8E-4224-B53A-F35BB0F50192}"/>
+              </a:ext>
+            </a:extLst>
+          </p:cNvPr>
+          <p:cNvCxnSpPr>
+            <a:cxnSpLocks/>
+            <a:stCxn id="91" idx="6"/>
+            <a:endCxn id="118" idx="2"/>
+          </p:cNvCxnSpPr>
+          <p:nvPr/>
+        </p:nvCxnSpPr>
+        <p:spPr>
+          <a:xfrm>
+            <a:off x="5953783" y="842010"/>
+            <a:ext cx="365389" cy="151154"/>
+          </a:xfrm>
+          <a:prstGeom prst="line">
+            <a:avLst/>
+          </a:prstGeom>
+          <a:ln w="19050"/>
+        </p:spPr>
+        <p:style>
+          <a:lnRef idx="1">
+            <a:schemeClr val="dk1"/>
+          </a:lnRef>
+          <a:fillRef idx="0">
+            <a:schemeClr val="dk1"/>
+          </a:fillRef>
+          <a:effectRef idx="0">
+            <a:schemeClr val="dk1"/>
+          </a:effectRef>
+          <a:fontRef idx="minor">
+            <a:schemeClr val="tx1"/>
+          </a:fontRef>
+        </p:style>
+      </p:cxnSp>
+      <p:cxnSp>
+        <p:nvCxnSpPr>
+          <p:cNvPr id="219" name="直接连接符 218">
+            <a:extLst>
+              <a:ext uri="{FF2B5EF4-FFF2-40B4-BE49-F238E27FC236}">
+                <a16:creationId xmlns:a16="http://schemas.microsoft.com/office/drawing/2014/main" id="{658C67EC-F703-4F1E-9598-E6489B80351F}"/>
+              </a:ext>
+            </a:extLst>
+          </p:cNvPr>
+          <p:cNvCxnSpPr>
+            <a:cxnSpLocks/>
+            <a:stCxn id="91" idx="6"/>
+            <a:endCxn id="117" idx="2"/>
+          </p:cNvCxnSpPr>
+          <p:nvPr/>
+        </p:nvCxnSpPr>
+        <p:spPr>
+          <a:xfrm flipV="1">
+            <a:off x="5953783" y="537204"/>
+            <a:ext cx="371843" cy="304806"/>
+          </a:xfrm>
+          <a:prstGeom prst="line">
+            <a:avLst/>
+          </a:prstGeom>
+          <a:ln w="19050"/>
+        </p:spPr>
+        <p:style>
+          <a:lnRef idx="1">
+            <a:schemeClr val="dk1"/>
+          </a:lnRef>
+          <a:fillRef idx="0">
+            <a:schemeClr val="dk1"/>
+          </a:fillRef>
+          <a:effectRef idx="0">
+            <a:schemeClr val="dk1"/>
+          </a:effectRef>
+          <a:fontRef idx="minor">
+            <a:schemeClr val="tx1"/>
+          </a:fontRef>
+        </p:style>
+      </p:cxnSp>
+      <p:cxnSp>
+        <p:nvCxnSpPr>
+          <p:cNvPr id="222" name="直接连接符 221">
+            <a:extLst>
+              <a:ext uri="{FF2B5EF4-FFF2-40B4-BE49-F238E27FC236}">
+                <a16:creationId xmlns:a16="http://schemas.microsoft.com/office/drawing/2014/main" id="{CE45685C-7671-4B45-A7F2-20C5C0CDDE9C}"/>
+              </a:ext>
+            </a:extLst>
+          </p:cNvPr>
+          <p:cNvCxnSpPr>
+            <a:cxnSpLocks/>
+            <a:stCxn id="91" idx="6"/>
+            <a:endCxn id="119" idx="2"/>
+          </p:cNvCxnSpPr>
+          <p:nvPr/>
+        </p:nvCxnSpPr>
+        <p:spPr>
+          <a:xfrm>
+            <a:off x="5953783" y="842010"/>
+            <a:ext cx="365389" cy="642781"/>
+          </a:xfrm>
+          <a:prstGeom prst="line">
+            <a:avLst/>
+          </a:prstGeom>
+          <a:ln w="19050"/>
+        </p:spPr>
+        <p:style>
+          <a:lnRef idx="1">
+            <a:schemeClr val="dk1"/>
+          </a:lnRef>
+          <a:fillRef idx="0">
+            <a:schemeClr val="dk1"/>
+          </a:fillRef>
+          <a:effectRef idx="0">
+            <a:schemeClr val="dk1"/>
+          </a:effectRef>
+          <a:fontRef idx="minor">
+            <a:schemeClr val="tx1"/>
+          </a:fontRef>
+        </p:style>
+      </p:cxnSp>
+      <p:cxnSp>
+        <p:nvCxnSpPr>
+          <p:cNvPr id="225" name="直接连接符 224">
+            <a:extLst>
+              <a:ext uri="{FF2B5EF4-FFF2-40B4-BE49-F238E27FC236}">
+                <a16:creationId xmlns:a16="http://schemas.microsoft.com/office/drawing/2014/main" id="{F280101D-3757-4353-BB66-6F8FAAB1C906}"/>
+              </a:ext>
+            </a:extLst>
+          </p:cNvPr>
+          <p:cNvCxnSpPr>
+            <a:cxnSpLocks/>
+            <a:stCxn id="161" idx="6"/>
+            <a:endCxn id="118" idx="2"/>
+          </p:cNvCxnSpPr>
+          <p:nvPr/>
+        </p:nvCxnSpPr>
+        <p:spPr>
+          <a:xfrm flipV="1">
+            <a:off x="5977719" y="993164"/>
+            <a:ext cx="341453" cy="296095"/>
+          </a:xfrm>
+          <a:prstGeom prst="line">
+            <a:avLst/>
+          </a:prstGeom>
+          <a:ln w="19050"/>
+        </p:spPr>
+        <p:style>
+          <a:lnRef idx="1">
+            <a:schemeClr val="dk1"/>
+          </a:lnRef>
+          <a:fillRef idx="0">
+            <a:schemeClr val="dk1"/>
+          </a:fillRef>
+          <a:effectRef idx="0">
+            <a:schemeClr val="dk1"/>
+          </a:effectRef>
+          <a:fontRef idx="minor">
+            <a:schemeClr val="tx1"/>
+          </a:fontRef>
+        </p:style>
+      </p:cxnSp>
+      <p:cxnSp>
+        <p:nvCxnSpPr>
+          <p:cNvPr id="228" name="直接连接符 227">
+            <a:extLst>
+              <a:ext uri="{FF2B5EF4-FFF2-40B4-BE49-F238E27FC236}">
+                <a16:creationId xmlns:a16="http://schemas.microsoft.com/office/drawing/2014/main" id="{AC493294-59E2-45AA-8E00-B4F3862B62C1}"/>
+              </a:ext>
+            </a:extLst>
+          </p:cNvPr>
+          <p:cNvCxnSpPr>
+            <a:cxnSpLocks/>
+            <a:stCxn id="161" idx="6"/>
+            <a:endCxn id="117" idx="2"/>
+          </p:cNvCxnSpPr>
+          <p:nvPr/>
+        </p:nvCxnSpPr>
+        <p:spPr>
+          <a:xfrm flipV="1">
+            <a:off x="5977719" y="537204"/>
+            <a:ext cx="347907" cy="752055"/>
+          </a:xfrm>
+          <a:prstGeom prst="line">
+            <a:avLst/>
+          </a:prstGeom>
+          <a:ln w="19050"/>
+        </p:spPr>
+        <p:style>
+          <a:lnRef idx="1">
+            <a:schemeClr val="dk1"/>
+          </a:lnRef>
+          <a:fillRef idx="0">
+            <a:schemeClr val="dk1"/>
+          </a:fillRef>
+          <a:effectRef idx="0">
+            <a:schemeClr val="dk1"/>
+          </a:effectRef>
+          <a:fontRef idx="minor">
+            <a:schemeClr val="tx1"/>
+          </a:fontRef>
+        </p:style>
+      </p:cxnSp>
+      <p:cxnSp>
+        <p:nvCxnSpPr>
+          <p:cNvPr id="231" name="直接连接符 230">
+            <a:extLst>
+              <a:ext uri="{FF2B5EF4-FFF2-40B4-BE49-F238E27FC236}">
+                <a16:creationId xmlns:a16="http://schemas.microsoft.com/office/drawing/2014/main" id="{F19AEA0D-EA2A-49D5-94A0-3D65EC122A64}"/>
+              </a:ext>
+            </a:extLst>
+          </p:cNvPr>
+          <p:cNvCxnSpPr>
+            <a:cxnSpLocks/>
+            <a:stCxn id="161" idx="6"/>
+            <a:endCxn id="119" idx="2"/>
+          </p:cNvCxnSpPr>
+          <p:nvPr/>
+        </p:nvCxnSpPr>
+        <p:spPr>
+          <a:xfrm>
+            <a:off x="5977719" y="1289259"/>
+            <a:ext cx="341453" cy="195532"/>
+          </a:xfrm>
+          <a:prstGeom prst="line">
+            <a:avLst/>
+          </a:prstGeom>
+          <a:ln w="19050"/>
+        </p:spPr>
+        <p:style>
+          <a:lnRef idx="1">
+            <a:schemeClr val="dk1"/>
+          </a:lnRef>
+          <a:fillRef idx="0">
+            <a:schemeClr val="dk1"/>
+          </a:fillRef>
+          <a:effectRef idx="0">
+            <a:schemeClr val="dk1"/>
+          </a:effectRef>
+          <a:fontRef idx="minor">
+            <a:schemeClr val="tx1"/>
+          </a:fontRef>
+        </p:style>
+      </p:cxnSp>
+      <p:cxnSp>
+        <p:nvCxnSpPr>
+          <p:cNvPr id="234" name="直接连接符 233">
+            <a:extLst>
+              <a:ext uri="{FF2B5EF4-FFF2-40B4-BE49-F238E27FC236}">
+                <a16:creationId xmlns:a16="http://schemas.microsoft.com/office/drawing/2014/main" id="{5C8EF485-AD69-4785-912A-39972D462534}"/>
+              </a:ext>
+            </a:extLst>
+          </p:cNvPr>
+          <p:cNvCxnSpPr>
+            <a:cxnSpLocks/>
+            <a:stCxn id="113" idx="6"/>
+            <a:endCxn id="117" idx="2"/>
+          </p:cNvCxnSpPr>
+          <p:nvPr/>
+        </p:nvCxnSpPr>
+        <p:spPr>
+          <a:xfrm flipV="1">
+            <a:off x="5991540" y="537204"/>
+            <a:ext cx="334086" cy="1193260"/>
+          </a:xfrm>
+          <a:prstGeom prst="line">
+            <a:avLst/>
+          </a:prstGeom>
+          <a:ln w="19050"/>
+        </p:spPr>
+        <p:style>
+          <a:lnRef idx="1">
+            <a:schemeClr val="dk1"/>
+          </a:lnRef>
+          <a:fillRef idx="0">
+            <a:schemeClr val="dk1"/>
+          </a:fillRef>
+          <a:effectRef idx="0">
+            <a:schemeClr val="dk1"/>
+          </a:effectRef>
+          <a:fontRef idx="minor">
+            <a:schemeClr val="tx1"/>
+          </a:fontRef>
+        </p:style>
+      </p:cxnSp>
+      <p:cxnSp>
+        <p:nvCxnSpPr>
+          <p:cNvPr id="237" name="直接连接符 236">
+            <a:extLst>
+              <a:ext uri="{FF2B5EF4-FFF2-40B4-BE49-F238E27FC236}">
+                <a16:creationId xmlns:a16="http://schemas.microsoft.com/office/drawing/2014/main" id="{57375D1A-8E45-4A87-952A-0DB4F6B0CC71}"/>
+              </a:ext>
+            </a:extLst>
+          </p:cNvPr>
+          <p:cNvCxnSpPr>
+            <a:cxnSpLocks/>
+            <a:stCxn id="113" idx="6"/>
+            <a:endCxn id="118" idx="2"/>
+          </p:cNvCxnSpPr>
+          <p:nvPr/>
+        </p:nvCxnSpPr>
+        <p:spPr>
+          <a:xfrm flipV="1">
+            <a:off x="5991540" y="993164"/>
+            <a:ext cx="327632" cy="737300"/>
+          </a:xfrm>
+          <a:prstGeom prst="line">
+            <a:avLst/>
+          </a:prstGeom>
+          <a:ln w="19050"/>
+        </p:spPr>
+        <p:style>
+          <a:lnRef idx="1">
+            <a:schemeClr val="dk1"/>
+          </a:lnRef>
+          <a:fillRef idx="0">
+            <a:schemeClr val="dk1"/>
+          </a:fillRef>
+          <a:effectRef idx="0">
+            <a:schemeClr val="dk1"/>
+          </a:effectRef>
+          <a:fontRef idx="minor">
+            <a:schemeClr val="tx1"/>
+          </a:fontRef>
+        </p:style>
+      </p:cxnSp>
+      <p:cxnSp>
+        <p:nvCxnSpPr>
+          <p:cNvPr id="240" name="直接连接符 239">
+            <a:extLst>
+              <a:ext uri="{FF2B5EF4-FFF2-40B4-BE49-F238E27FC236}">
+                <a16:creationId xmlns:a16="http://schemas.microsoft.com/office/drawing/2014/main" id="{96DA999D-CE2D-4934-9AFD-CF507AD30192}"/>
+              </a:ext>
+            </a:extLst>
+          </p:cNvPr>
+          <p:cNvCxnSpPr>
+            <a:cxnSpLocks/>
+            <a:stCxn id="113" idx="6"/>
+            <a:endCxn id="119" idx="2"/>
+          </p:cNvCxnSpPr>
+          <p:nvPr/>
+        </p:nvCxnSpPr>
+        <p:spPr>
+          <a:xfrm flipV="1">
+            <a:off x="5991540" y="1484791"/>
+            <a:ext cx="327632" cy="245673"/>
+          </a:xfrm>
+          <a:prstGeom prst="line">
+            <a:avLst/>
+          </a:prstGeom>
+          <a:ln w="19050"/>
+        </p:spPr>
+        <p:style>
+          <a:lnRef idx="1">
+            <a:schemeClr val="dk1"/>
+          </a:lnRef>
+          <a:fillRef idx="0">
+            <a:schemeClr val="dk1"/>
+          </a:fillRef>
+          <a:effectRef idx="0">
+            <a:schemeClr val="dk1"/>
+          </a:effectRef>
+          <a:fontRef idx="minor">
+            <a:schemeClr val="tx1"/>
+          </a:fontRef>
+        </p:style>
+      </p:cxnSp>
+      <p:sp>
+        <p:nvSpPr>
+          <p:cNvPr id="87" name="箭头: 直角上 86">
+            <a:extLst>
+              <a:ext uri="{FF2B5EF4-FFF2-40B4-BE49-F238E27FC236}">
+                <a16:creationId xmlns:a16="http://schemas.microsoft.com/office/drawing/2014/main" id="{3178F67A-7C6E-408A-925B-70BBA57FEF18}"/>
+              </a:ext>
+            </a:extLst>
+          </p:cNvPr>
+          <p:cNvSpPr/>
+          <p:nvPr/>
+        </p:nvSpPr>
+        <p:spPr>
+          <a:xfrm rot="16200000">
+            <a:off x="9342379" y="-796875"/>
+            <a:ext cx="736955" cy="2802558"/>
+          </a:xfrm>
+          <a:prstGeom prst="bentUpArrow">
+            <a:avLst>
+              <a:gd name="adj1" fmla="val 25000"/>
+              <a:gd name="adj2" fmla="val 24583"/>
+              <a:gd name="adj3" fmla="val 25000"/>
+            </a:avLst>
+          </a:prstGeom>
+          <a:solidFill>
+            <a:schemeClr val="bg1"/>
+          </a:solidFill>
+          <a:ln w="19050">
+            <a:solidFill>
+              <a:schemeClr val="tx1"/>
+            </a:solidFill>
+          </a:ln>
+        </p:spPr>
+        <p:style>
+          <a:lnRef idx="2">
+            <a:schemeClr val="accent1">
+              <a:shade val="50000"/>
+            </a:schemeClr>
+          </a:lnRef>
+          <a:fillRef idx="1">
+            <a:schemeClr val="accent1"/>
+          </a:fillRef>
+          <a:effectRef idx="0">
+            <a:schemeClr val="accent1"/>
+          </a:effectRef>
+          <a:fontRef idx="minor">
+            <a:schemeClr val="lt1"/>
+          </a:fontRef>
+        </p:style>
+        <p:txBody>
+          <a:bodyPr rtlCol="0" anchor="ctr"/>
+          <a:lstStyle/>
+          <a:p>
+            <a:pPr algn="ctr"/>
+            <a:endParaRPr lang="zh-CN" altLang="en-US" dirty="0">
+              <a:ln w="38100">
+                <a:solidFill>
+                  <a:schemeClr val="tx1"/>
+                </a:solidFill>
+              </a:ln>
+            </a:endParaRPr>
+          </a:p>
+        </p:txBody>
+      </p:sp>
       <mc:AlternateContent xmlns:mc="http://schemas.openxmlformats.org/markup-compatibility/2006" xmlns:a14="http://schemas.microsoft.com/office/drawing/2010/main">
         <mc:Choice Requires="a14">
           <p:sp>
             <p:nvSpPr>
-              <p:cNvPr id="124" name="文本框 9">
+              <p:cNvPr id="92" name="文本框 9">
                 <a:extLst>
                   <a:ext uri="{FF2B5EF4-FFF2-40B4-BE49-F238E27FC236}">
-                    <a16:creationId xmlns:a16="http://schemas.microsoft.com/office/drawing/2014/main" id="{6AEC0247-5AFD-43B2-9656-7AEDC2695CC9}"/>
+                    <a16:creationId xmlns:a16="http://schemas.microsoft.com/office/drawing/2014/main" id="{F0D2CE31-0433-45F8-BAD4-4D00F5E378CB}"/>
                   </a:ext>
                 </a:extLst>
               </p:cNvPr>
@@ -6784,8 +8321,8 @@
             </p:nvSpPr>
             <p:spPr>
               <a:xfrm rot="10800000" flipV="1">
-                <a:off x="8619879" y="503577"/>
-                <a:ext cx="3934337" cy="307777"/>
+                <a:off x="8581632" y="503577"/>
+                <a:ext cx="2432121" cy="307777"/>
               </a:xfrm>
               <a:prstGeom prst="rect">
                 <a:avLst/>
@@ -6922,7 +8459,10 @@
                   </m:oMath>
                 </a14:m>
                 <a:r>
-                  <a:rPr lang="en-US" altLang="zh-CN" sz="1400" b="1" dirty="0"/>
+                  <a:rPr lang="en-US" altLang="zh-CN" sz="1400" b="1" dirty="0">
+                    <a:latin typeface="微软雅黑" panose="020B0503020204020204" pitchFamily="34" charset="-122"/>
+                    <a:ea typeface="微软雅黑" panose="020B0503020204020204" pitchFamily="34" charset="-122"/>
+                  </a:rPr>
                   <a:t> </a:t>
                 </a:r>
                 <a14:m>
@@ -6976,7 +8516,8 @@
                 </a14:m>
                 <a:r>
                   <a:rPr lang="en-US" altLang="zh-CN" sz="1400" b="1" i="1" dirty="0">
-                    <a:latin typeface="Cambria Math" panose="02040503050406030204" pitchFamily="18" charset="0"/>
+                    <a:latin typeface="微软雅黑" panose="020B0503020204020204" pitchFamily="34" charset="-122"/>
+                    <a:ea typeface="微软雅黑" panose="020B0503020204020204" pitchFamily="34" charset="-122"/>
                   </a:rPr>
                   <a:t>s</a:t>
                 </a:r>
@@ -6987,10 +8528,10 @@
         <mc:Fallback xmlns="">
           <p:sp>
             <p:nvSpPr>
-              <p:cNvPr id="124" name="文本框 9">
+              <p:cNvPr id="92" name="文本框 9">
                 <a:extLst>
                   <a:ext uri="{FF2B5EF4-FFF2-40B4-BE49-F238E27FC236}">
-                    <a16:creationId xmlns:a16="http://schemas.microsoft.com/office/drawing/2014/main" id="{6AEC0247-5AFD-43B2-9656-7AEDC2695CC9}"/>
+                    <a16:creationId xmlns:a16="http://schemas.microsoft.com/office/drawing/2014/main" id="{F0D2CE31-0433-45F8-BAD4-4D00F5E378CB}"/>
                   </a:ext>
                 </a:extLst>
               </p:cNvPr>
@@ -7001,8 +8542,8 @@
             </p:nvSpPr>
             <p:spPr>
               <a:xfrm rot="10800000" flipV="1">
-                <a:off x="8619879" y="503577"/>
-                <a:ext cx="3934337" cy="307777"/>
+                <a:off x="8581632" y="503577"/>
+                <a:ext cx="2432121" cy="307777"/>
               </a:xfrm>
               <a:prstGeom prst="rect">
                 <a:avLst/>
@@ -7010,7 +8551,7 @@
               <a:blipFill>
                 <a:blip r:embed="rId16"/>
                 <a:stretch>
-                  <a:fillRect t="-6000" b="-18000"/>
+                  <a:fillRect t="-4000" b="-20000"/>
                 </a:stretch>
               </a:blipFill>
             </p:spPr>
@@ -7031,10 +8572,10 @@
       </mc:AlternateContent>
       <p:sp>
         <p:nvSpPr>
-          <p:cNvPr id="164" name="箭头: 右 163">
+          <p:cNvPr id="93" name="箭头: 右 92">
             <a:extLst>
               <a:ext uri="{FF2B5EF4-FFF2-40B4-BE49-F238E27FC236}">
-                <a16:creationId xmlns:a16="http://schemas.microsoft.com/office/drawing/2014/main" id="{F8C844A0-6109-401B-937A-FD5493EB6C71}"/>
+                <a16:creationId xmlns:a16="http://schemas.microsoft.com/office/drawing/2014/main" id="{91BDDC50-C83A-4EA2-9739-C3A5EFB686CA}"/>
               </a:ext>
             </a:extLst>
           </p:cNvPr>
@@ -7043,13 +8584,16 @@
         </p:nvSpPr>
         <p:spPr>
           <a:xfrm>
-            <a:off x="3245712" y="880430"/>
-            <a:ext cx="986940" cy="549342"/>
+            <a:off x="8309578" y="1277528"/>
+            <a:ext cx="1928002" cy="314875"/>
           </a:xfrm>
           <a:prstGeom prst="rightArrow">
             <a:avLst/>
           </a:prstGeom>
-          <a:ln w="28575">
+          <a:solidFill>
+            <a:schemeClr val="bg1"/>
+          </a:solidFill>
+          <a:ln w="19050">
             <a:solidFill>
               <a:schemeClr val="tx1"/>
             </a:solidFill>
@@ -7081,7 +8625,7 @@
           <a:lstStyle/>
           <a:p>
             <a:pPr algn="ctr"/>
-            <a:endParaRPr lang="zh-CN" altLang="en-US" sz="1799">
+            <a:endParaRPr lang="zh-CN" altLang="en-US" sz="1799" dirty="0">
               <a:ln>
                 <a:solidFill>
                   <a:schemeClr val="bg1"/>
@@ -7093,10 +8637,10 @@
       </p:sp>
       <p:sp>
         <p:nvSpPr>
-          <p:cNvPr id="113" name="椭圆 112">
+          <p:cNvPr id="96" name="流程图: 决策 95">
             <a:extLst>
               <a:ext uri="{FF2B5EF4-FFF2-40B4-BE49-F238E27FC236}">
-                <a16:creationId xmlns:a16="http://schemas.microsoft.com/office/drawing/2014/main" id="{11D3562F-95A0-4B83-ADF1-42B6E578B222}"/>
+                <a16:creationId xmlns:a16="http://schemas.microsoft.com/office/drawing/2014/main" id="{77263768-289B-42AC-84DB-CE5F62D01FCA}"/>
               </a:ext>
             </a:extLst>
           </p:cNvPr>
@@ -7105,1389 +8649,27 @@
         </p:nvSpPr>
         <p:spPr>
           <a:xfrm>
-            <a:off x="5678340" y="1573267"/>
-            <a:ext cx="354146" cy="315624"/>
-          </a:xfrm>
-          <a:prstGeom prst="ellipse">
+            <a:off x="10274459" y="987594"/>
+            <a:ext cx="1518459" cy="891732"/>
+          </a:xfrm>
+          <a:prstGeom prst="flowChartDecision">
             <a:avLst/>
           </a:prstGeom>
-          <a:ln w="19050"/>
-        </p:spPr>
-        <p:style>
-          <a:lnRef idx="2">
-            <a:schemeClr val="dk1"/>
-          </a:lnRef>
-          <a:fillRef idx="1">
-            <a:schemeClr val="lt1"/>
-          </a:fillRef>
-          <a:effectRef idx="0">
-            <a:schemeClr val="dk1"/>
-          </a:effectRef>
-          <a:fontRef idx="minor">
-            <a:schemeClr val="dk1"/>
-          </a:fontRef>
-        </p:style>
-        <p:txBody>
-          <a:bodyPr rtlCol="0" anchor="ctr"/>
-          <a:lstStyle/>
-          <a:p>
-            <a:pPr algn="ctr"/>
-            <a:endParaRPr lang="zh-CN" altLang="en-US" sz="1400"/>
-          </a:p>
-        </p:txBody>
-      </p:sp>
-      <p:sp>
-        <p:nvSpPr>
-          <p:cNvPr id="117" name="椭圆 116">
-            <a:extLst>
-              <a:ext uri="{FF2B5EF4-FFF2-40B4-BE49-F238E27FC236}">
-                <a16:creationId xmlns:a16="http://schemas.microsoft.com/office/drawing/2014/main" id="{FFA30B10-3C2A-4076-BB64-DE67F2DE804F}"/>
-              </a:ext>
-            </a:extLst>
-          </p:cNvPr>
-          <p:cNvSpPr/>
-          <p:nvPr/>
-        </p:nvSpPr>
-        <p:spPr>
-          <a:xfrm>
-            <a:off x="6366572" y="380007"/>
-            <a:ext cx="354146" cy="315624"/>
-          </a:xfrm>
-          <a:prstGeom prst="ellipse">
-            <a:avLst/>
-          </a:prstGeom>
-          <a:ln w="19050"/>
-        </p:spPr>
-        <p:style>
-          <a:lnRef idx="2">
-            <a:schemeClr val="dk1"/>
-          </a:lnRef>
-          <a:fillRef idx="1">
-            <a:schemeClr val="lt1"/>
-          </a:fillRef>
-          <a:effectRef idx="0">
-            <a:schemeClr val="dk1"/>
-          </a:effectRef>
-          <a:fontRef idx="minor">
-            <a:schemeClr val="dk1"/>
-          </a:fontRef>
-        </p:style>
-        <p:txBody>
-          <a:bodyPr rtlCol="0" anchor="ctr"/>
-          <a:lstStyle/>
-          <a:p>
-            <a:pPr algn="ctr"/>
-            <a:endParaRPr lang="zh-CN" altLang="en-US" sz="1400"/>
-          </a:p>
-        </p:txBody>
-      </p:sp>
-      <p:sp>
-        <p:nvSpPr>
-          <p:cNvPr id="118" name="椭圆 117">
-            <a:extLst>
-              <a:ext uri="{FF2B5EF4-FFF2-40B4-BE49-F238E27FC236}">
-                <a16:creationId xmlns:a16="http://schemas.microsoft.com/office/drawing/2014/main" id="{B5A9DFD2-219B-45A3-A745-0A3BAC5AD695}"/>
-              </a:ext>
-            </a:extLst>
-          </p:cNvPr>
-          <p:cNvSpPr/>
-          <p:nvPr/>
-        </p:nvSpPr>
-        <p:spPr>
-          <a:xfrm>
-            <a:off x="6360118" y="835967"/>
-            <a:ext cx="354146" cy="315624"/>
-          </a:xfrm>
-          <a:prstGeom prst="ellipse">
-            <a:avLst/>
-          </a:prstGeom>
-          <a:ln w="19050"/>
-        </p:spPr>
-        <p:style>
-          <a:lnRef idx="2">
-            <a:schemeClr val="dk1"/>
-          </a:lnRef>
-          <a:fillRef idx="1">
-            <a:schemeClr val="lt1"/>
-          </a:fillRef>
-          <a:effectRef idx="0">
-            <a:schemeClr val="dk1"/>
-          </a:effectRef>
-          <a:fontRef idx="minor">
-            <a:schemeClr val="dk1"/>
-          </a:fontRef>
-        </p:style>
-        <p:txBody>
-          <a:bodyPr rtlCol="0" anchor="ctr"/>
-          <a:lstStyle/>
-          <a:p>
-            <a:pPr algn="ctr"/>
-            <a:endParaRPr lang="zh-CN" altLang="en-US" sz="1400"/>
-          </a:p>
-        </p:txBody>
-      </p:sp>
-      <p:sp>
-        <p:nvSpPr>
-          <p:cNvPr id="119" name="椭圆 118">
-            <a:extLst>
-              <a:ext uri="{FF2B5EF4-FFF2-40B4-BE49-F238E27FC236}">
-                <a16:creationId xmlns:a16="http://schemas.microsoft.com/office/drawing/2014/main" id="{619CC6A2-9783-49B7-80F3-D771DD63D925}"/>
-              </a:ext>
-            </a:extLst>
-          </p:cNvPr>
-          <p:cNvSpPr/>
-          <p:nvPr/>
-        </p:nvSpPr>
-        <p:spPr>
-          <a:xfrm>
-            <a:off x="6360118" y="1327594"/>
-            <a:ext cx="354146" cy="315624"/>
-          </a:xfrm>
-          <a:prstGeom prst="ellipse">
-            <a:avLst/>
-          </a:prstGeom>
-          <a:ln w="19050"/>
-        </p:spPr>
-        <p:style>
-          <a:lnRef idx="2">
-            <a:schemeClr val="dk1"/>
-          </a:lnRef>
-          <a:fillRef idx="1">
-            <a:schemeClr val="lt1"/>
-          </a:fillRef>
-          <a:effectRef idx="0">
-            <a:schemeClr val="dk1"/>
-          </a:effectRef>
-          <a:fontRef idx="minor">
-            <a:schemeClr val="dk1"/>
-          </a:fontRef>
-        </p:style>
-        <p:txBody>
-          <a:bodyPr rtlCol="0" anchor="ctr"/>
-          <a:lstStyle/>
-          <a:p>
-            <a:pPr algn="ctr"/>
-            <a:endParaRPr lang="zh-CN" altLang="en-US" sz="1400"/>
-          </a:p>
-        </p:txBody>
-      </p:sp>
-      <p:cxnSp>
-        <p:nvCxnSpPr>
-          <p:cNvPr id="126" name="直接连接符 125">
-            <a:extLst>
-              <a:ext uri="{FF2B5EF4-FFF2-40B4-BE49-F238E27FC236}">
-                <a16:creationId xmlns:a16="http://schemas.microsoft.com/office/drawing/2014/main" id="{F6C63035-1B24-48E6-ACD0-45A675EA80F8}"/>
-              </a:ext>
-            </a:extLst>
-          </p:cNvPr>
-          <p:cNvCxnSpPr>
-            <a:stCxn id="79" idx="6"/>
-            <a:endCxn id="90" idx="2"/>
-          </p:cNvCxnSpPr>
-          <p:nvPr/>
-        </p:nvCxnSpPr>
-        <p:spPr>
-          <a:xfrm>
-            <a:off x="5319017" y="390781"/>
-            <a:ext cx="365002" cy="1864"/>
-          </a:xfrm>
-          <a:prstGeom prst="line">
-            <a:avLst/>
-          </a:prstGeom>
-          <a:ln w="19050"/>
-        </p:spPr>
-        <p:style>
-          <a:lnRef idx="1">
-            <a:schemeClr val="dk1"/>
-          </a:lnRef>
-          <a:fillRef idx="0">
-            <a:schemeClr val="dk1"/>
-          </a:fillRef>
-          <a:effectRef idx="0">
-            <a:schemeClr val="dk1"/>
-          </a:effectRef>
-          <a:fontRef idx="minor">
-            <a:schemeClr val="tx1"/>
-          </a:fontRef>
-        </p:style>
-      </p:cxnSp>
-      <p:cxnSp>
-        <p:nvCxnSpPr>
-          <p:cNvPr id="155" name="直接连接符 154">
-            <a:extLst>
-              <a:ext uri="{FF2B5EF4-FFF2-40B4-BE49-F238E27FC236}">
-                <a16:creationId xmlns:a16="http://schemas.microsoft.com/office/drawing/2014/main" id="{0B860DCA-FCCB-43ED-B308-7D1B31BA5059}"/>
-              </a:ext>
-            </a:extLst>
-          </p:cNvPr>
-          <p:cNvCxnSpPr>
-            <a:cxnSpLocks/>
-            <a:stCxn id="80" idx="6"/>
-            <a:endCxn id="91" idx="2"/>
-          </p:cNvCxnSpPr>
-          <p:nvPr/>
-        </p:nvCxnSpPr>
-        <p:spPr>
-          <a:xfrm flipV="1">
-            <a:off x="5331498" y="842625"/>
-            <a:ext cx="334428" cy="7932"/>
-          </a:xfrm>
-          <a:prstGeom prst="line">
-            <a:avLst/>
-          </a:prstGeom>
-          <a:ln w="19050"/>
-        </p:spPr>
-        <p:style>
-          <a:lnRef idx="1">
-            <a:schemeClr val="dk1"/>
-          </a:lnRef>
-          <a:fillRef idx="0">
-            <a:schemeClr val="dk1"/>
-          </a:fillRef>
-          <a:effectRef idx="0">
-            <a:schemeClr val="dk1"/>
-          </a:effectRef>
-          <a:fontRef idx="minor">
-            <a:schemeClr val="tx1"/>
-          </a:fontRef>
-        </p:style>
-      </p:cxnSp>
-      <p:cxnSp>
-        <p:nvCxnSpPr>
-          <p:cNvPr id="160" name="直接连接符 159">
-            <a:extLst>
-              <a:ext uri="{FF2B5EF4-FFF2-40B4-BE49-F238E27FC236}">
-                <a16:creationId xmlns:a16="http://schemas.microsoft.com/office/drawing/2014/main" id="{F6C63035-1B24-48E6-ACD0-45A675EA80F8}"/>
-              </a:ext>
-            </a:extLst>
-          </p:cNvPr>
-          <p:cNvCxnSpPr>
-            <a:cxnSpLocks/>
-            <a:stCxn id="81" idx="6"/>
-            <a:endCxn id="161" idx="2"/>
-          </p:cNvCxnSpPr>
-          <p:nvPr/>
-        </p:nvCxnSpPr>
-        <p:spPr>
-          <a:xfrm flipV="1">
-            <a:off x="5332948" y="1289874"/>
-            <a:ext cx="356914" cy="1654"/>
-          </a:xfrm>
-          <a:prstGeom prst="line">
-            <a:avLst/>
-          </a:prstGeom>
-          <a:ln w="19050"/>
-        </p:spPr>
-        <p:style>
-          <a:lnRef idx="1">
-            <a:schemeClr val="dk1"/>
-          </a:lnRef>
-          <a:fillRef idx="0">
-            <a:schemeClr val="dk1"/>
-          </a:fillRef>
-          <a:effectRef idx="0">
-            <a:schemeClr val="dk1"/>
-          </a:effectRef>
-          <a:fontRef idx="minor">
-            <a:schemeClr val="tx1"/>
-          </a:fontRef>
-        </p:style>
-      </p:cxnSp>
-      <p:sp>
-        <p:nvSpPr>
-          <p:cNvPr id="161" name="椭圆 160">
-            <a:extLst>
-              <a:ext uri="{FF2B5EF4-FFF2-40B4-BE49-F238E27FC236}">
-                <a16:creationId xmlns:a16="http://schemas.microsoft.com/office/drawing/2014/main" id="{696C789A-932E-4FE0-8633-D7F95B06E1C1}"/>
-              </a:ext>
-            </a:extLst>
-          </p:cNvPr>
-          <p:cNvSpPr/>
-          <p:nvPr/>
-        </p:nvSpPr>
-        <p:spPr>
-          <a:xfrm>
-            <a:off x="5689862" y="1136398"/>
-            <a:ext cx="328803" cy="306952"/>
-          </a:xfrm>
-          <a:prstGeom prst="ellipse">
-            <a:avLst/>
-          </a:prstGeom>
-          <a:ln w="19050"/>
-        </p:spPr>
-        <p:style>
-          <a:lnRef idx="2">
-            <a:schemeClr val="dk1"/>
-          </a:lnRef>
-          <a:fillRef idx="1">
-            <a:schemeClr val="lt1"/>
-          </a:fillRef>
-          <a:effectRef idx="0">
-            <a:schemeClr val="dk1"/>
-          </a:effectRef>
-          <a:fontRef idx="minor">
-            <a:schemeClr val="dk1"/>
-          </a:fontRef>
-        </p:style>
-        <p:txBody>
-          <a:bodyPr rtlCol="0" anchor="ctr"/>
-          <a:lstStyle/>
-          <a:p>
-            <a:pPr algn="ctr"/>
-            <a:endParaRPr lang="zh-CN" altLang="en-US" sz="1400"/>
-          </a:p>
-        </p:txBody>
-      </p:sp>
-      <p:cxnSp>
-        <p:nvCxnSpPr>
-          <p:cNvPr id="168" name="直接连接符 167">
-            <a:extLst>
-              <a:ext uri="{FF2B5EF4-FFF2-40B4-BE49-F238E27FC236}">
-                <a16:creationId xmlns:a16="http://schemas.microsoft.com/office/drawing/2014/main" id="{07BFDC11-C800-4E4D-8548-2C15CB80F11A}"/>
-              </a:ext>
-            </a:extLst>
-          </p:cNvPr>
-          <p:cNvCxnSpPr>
-            <a:cxnSpLocks/>
-            <a:stCxn id="82" idx="6"/>
-            <a:endCxn id="113" idx="2"/>
-          </p:cNvCxnSpPr>
-          <p:nvPr/>
-        </p:nvCxnSpPr>
-        <p:spPr>
-          <a:xfrm flipV="1">
-            <a:off x="5343362" y="1731079"/>
-            <a:ext cx="334978" cy="9642"/>
-          </a:xfrm>
-          <a:prstGeom prst="line">
-            <a:avLst/>
-          </a:prstGeom>
-          <a:ln w="19050"/>
-        </p:spPr>
-        <p:style>
-          <a:lnRef idx="1">
-            <a:schemeClr val="dk1"/>
-          </a:lnRef>
-          <a:fillRef idx="0">
-            <a:schemeClr val="dk1"/>
-          </a:fillRef>
-          <a:effectRef idx="0">
-            <a:schemeClr val="dk1"/>
-          </a:effectRef>
-          <a:fontRef idx="minor">
-            <a:schemeClr val="tx1"/>
-          </a:fontRef>
-        </p:style>
-      </p:cxnSp>
-      <p:cxnSp>
-        <p:nvCxnSpPr>
-          <p:cNvPr id="170" name="直接连接符 169">
-            <a:extLst>
-              <a:ext uri="{FF2B5EF4-FFF2-40B4-BE49-F238E27FC236}">
-                <a16:creationId xmlns:a16="http://schemas.microsoft.com/office/drawing/2014/main" id="{F48A06F5-6DA1-4AD3-AB0E-EBDD5253AF74}"/>
-              </a:ext>
-            </a:extLst>
-          </p:cNvPr>
-          <p:cNvCxnSpPr>
-            <a:cxnSpLocks/>
-            <a:stCxn id="79" idx="6"/>
-            <a:endCxn id="91" idx="2"/>
-          </p:cNvCxnSpPr>
-          <p:nvPr/>
-        </p:nvCxnSpPr>
-        <p:spPr>
-          <a:xfrm>
-            <a:off x="5319017" y="390781"/>
-            <a:ext cx="346909" cy="451844"/>
-          </a:xfrm>
-          <a:prstGeom prst="line">
-            <a:avLst/>
-          </a:prstGeom>
-          <a:ln w="19050"/>
-        </p:spPr>
-        <p:style>
-          <a:lnRef idx="1">
-            <a:schemeClr val="dk1"/>
-          </a:lnRef>
-          <a:fillRef idx="0">
-            <a:schemeClr val="dk1"/>
-          </a:fillRef>
-          <a:effectRef idx="0">
-            <a:schemeClr val="dk1"/>
-          </a:effectRef>
-          <a:fontRef idx="minor">
-            <a:schemeClr val="tx1"/>
-          </a:fontRef>
-        </p:style>
-      </p:cxnSp>
-      <p:cxnSp>
-        <p:nvCxnSpPr>
-          <p:cNvPr id="173" name="直接连接符 172">
-            <a:extLst>
-              <a:ext uri="{FF2B5EF4-FFF2-40B4-BE49-F238E27FC236}">
-                <a16:creationId xmlns:a16="http://schemas.microsoft.com/office/drawing/2014/main" id="{88F90D57-F539-49C8-9848-55C2971D9D2A}"/>
-              </a:ext>
-            </a:extLst>
-          </p:cNvPr>
-          <p:cNvCxnSpPr>
-            <a:cxnSpLocks/>
-            <a:stCxn id="80" idx="6"/>
-            <a:endCxn id="161" idx="2"/>
-          </p:cNvCxnSpPr>
-          <p:nvPr/>
-        </p:nvCxnSpPr>
-        <p:spPr>
-          <a:xfrm>
-            <a:off x="5331498" y="850557"/>
-            <a:ext cx="358364" cy="439317"/>
-          </a:xfrm>
-          <a:prstGeom prst="line">
-            <a:avLst/>
-          </a:prstGeom>
-          <a:ln w="19050"/>
-        </p:spPr>
-        <p:style>
-          <a:lnRef idx="1">
-            <a:schemeClr val="dk1"/>
-          </a:lnRef>
-          <a:fillRef idx="0">
-            <a:schemeClr val="dk1"/>
-          </a:fillRef>
-          <a:effectRef idx="0">
-            <a:schemeClr val="dk1"/>
-          </a:effectRef>
-          <a:fontRef idx="minor">
-            <a:schemeClr val="tx1"/>
-          </a:fontRef>
-        </p:style>
-      </p:cxnSp>
-      <p:cxnSp>
-        <p:nvCxnSpPr>
-          <p:cNvPr id="176" name="直接连接符 175">
-            <a:extLst>
-              <a:ext uri="{FF2B5EF4-FFF2-40B4-BE49-F238E27FC236}">
-                <a16:creationId xmlns:a16="http://schemas.microsoft.com/office/drawing/2014/main" id="{F8863774-7C3D-412C-9765-9F1C625E6229}"/>
-              </a:ext>
-            </a:extLst>
-          </p:cNvPr>
-          <p:cNvCxnSpPr>
-            <a:cxnSpLocks/>
-            <a:stCxn id="81" idx="6"/>
-            <a:endCxn id="113" idx="2"/>
-          </p:cNvCxnSpPr>
-          <p:nvPr/>
-        </p:nvCxnSpPr>
-        <p:spPr>
-          <a:xfrm>
-            <a:off x="5332948" y="1291528"/>
-            <a:ext cx="345392" cy="439551"/>
-          </a:xfrm>
-          <a:prstGeom prst="line">
-            <a:avLst/>
-          </a:prstGeom>
-          <a:ln w="19050"/>
-        </p:spPr>
-        <p:style>
-          <a:lnRef idx="1">
-            <a:schemeClr val="dk1"/>
-          </a:lnRef>
-          <a:fillRef idx="0">
-            <a:schemeClr val="dk1"/>
-          </a:fillRef>
-          <a:effectRef idx="0">
-            <a:schemeClr val="dk1"/>
-          </a:effectRef>
-          <a:fontRef idx="minor">
-            <a:schemeClr val="tx1"/>
-          </a:fontRef>
-        </p:style>
-      </p:cxnSp>
-      <p:cxnSp>
-        <p:nvCxnSpPr>
-          <p:cNvPr id="179" name="直接连接符 178">
-            <a:extLst>
-              <a:ext uri="{FF2B5EF4-FFF2-40B4-BE49-F238E27FC236}">
-                <a16:creationId xmlns:a16="http://schemas.microsoft.com/office/drawing/2014/main" id="{583B2D96-FC6B-434F-BE5D-C497C06D7487}"/>
-              </a:ext>
-            </a:extLst>
-          </p:cNvPr>
-          <p:cNvCxnSpPr>
-            <a:cxnSpLocks/>
-            <a:stCxn id="82" idx="6"/>
-            <a:endCxn id="161" idx="2"/>
-          </p:cNvCxnSpPr>
-          <p:nvPr/>
-        </p:nvCxnSpPr>
-        <p:spPr>
-          <a:xfrm flipV="1">
-            <a:off x="5343362" y="1289874"/>
-            <a:ext cx="346500" cy="450847"/>
-          </a:xfrm>
-          <a:prstGeom prst="line">
-            <a:avLst/>
-          </a:prstGeom>
-          <a:ln w="19050"/>
-        </p:spPr>
-        <p:style>
-          <a:lnRef idx="1">
-            <a:schemeClr val="dk1"/>
-          </a:lnRef>
-          <a:fillRef idx="0">
-            <a:schemeClr val="dk1"/>
-          </a:fillRef>
-          <a:effectRef idx="0">
-            <a:schemeClr val="dk1"/>
-          </a:effectRef>
-          <a:fontRef idx="minor">
-            <a:schemeClr val="tx1"/>
-          </a:fontRef>
-        </p:style>
-      </p:cxnSp>
-      <p:cxnSp>
-        <p:nvCxnSpPr>
-          <p:cNvPr id="186" name="直接连接符 185">
-            <a:extLst>
-              <a:ext uri="{FF2B5EF4-FFF2-40B4-BE49-F238E27FC236}">
-                <a16:creationId xmlns:a16="http://schemas.microsoft.com/office/drawing/2014/main" id="{442C109A-FAFA-4420-BA29-6BDE21B45B64}"/>
-              </a:ext>
-            </a:extLst>
-          </p:cNvPr>
-          <p:cNvCxnSpPr>
-            <a:cxnSpLocks/>
-            <a:stCxn id="81" idx="6"/>
-            <a:endCxn id="91" idx="2"/>
-          </p:cNvCxnSpPr>
-          <p:nvPr/>
-        </p:nvCxnSpPr>
-        <p:spPr>
-          <a:xfrm flipV="1">
-            <a:off x="5332948" y="842625"/>
-            <a:ext cx="332978" cy="448903"/>
-          </a:xfrm>
-          <a:prstGeom prst="line">
-            <a:avLst/>
-          </a:prstGeom>
-          <a:ln w="19050"/>
-        </p:spPr>
-        <p:style>
-          <a:lnRef idx="1">
-            <a:schemeClr val="dk1"/>
-          </a:lnRef>
-          <a:fillRef idx="0">
-            <a:schemeClr val="dk1"/>
-          </a:fillRef>
-          <a:effectRef idx="0">
-            <a:schemeClr val="dk1"/>
-          </a:effectRef>
-          <a:fontRef idx="minor">
-            <a:schemeClr val="tx1"/>
-          </a:fontRef>
-        </p:style>
-      </p:cxnSp>
-      <p:cxnSp>
-        <p:nvCxnSpPr>
-          <p:cNvPr id="187" name="直接连接符 186">
-            <a:extLst>
-              <a:ext uri="{FF2B5EF4-FFF2-40B4-BE49-F238E27FC236}">
-                <a16:creationId xmlns:a16="http://schemas.microsoft.com/office/drawing/2014/main" id="{CF1DC3E9-F211-44F3-B906-B1D94D3B7748}"/>
-              </a:ext>
-            </a:extLst>
-          </p:cNvPr>
-          <p:cNvCxnSpPr>
-            <a:cxnSpLocks/>
-            <a:stCxn id="80" idx="6"/>
-            <a:endCxn id="90" idx="2"/>
-          </p:cNvCxnSpPr>
-          <p:nvPr/>
-        </p:nvCxnSpPr>
-        <p:spPr>
-          <a:xfrm flipV="1">
-            <a:off x="5331498" y="392645"/>
-            <a:ext cx="352521" cy="457912"/>
-          </a:xfrm>
-          <a:prstGeom prst="line">
-            <a:avLst/>
-          </a:prstGeom>
-          <a:ln w="19050"/>
-        </p:spPr>
-        <p:style>
-          <a:lnRef idx="1">
-            <a:schemeClr val="dk1"/>
-          </a:lnRef>
-          <a:fillRef idx="0">
-            <a:schemeClr val="dk1"/>
-          </a:fillRef>
-          <a:effectRef idx="0">
-            <a:schemeClr val="dk1"/>
-          </a:effectRef>
-          <a:fontRef idx="minor">
-            <a:schemeClr val="tx1"/>
-          </a:fontRef>
-        </p:style>
-      </p:cxnSp>
-      <p:cxnSp>
-        <p:nvCxnSpPr>
-          <p:cNvPr id="188" name="直接连接符 187">
-            <a:extLst>
-              <a:ext uri="{FF2B5EF4-FFF2-40B4-BE49-F238E27FC236}">
-                <a16:creationId xmlns:a16="http://schemas.microsoft.com/office/drawing/2014/main" id="{D416742B-6DE0-4F9C-80E2-4F97897FF87B}"/>
-              </a:ext>
-            </a:extLst>
-          </p:cNvPr>
-          <p:cNvCxnSpPr>
-            <a:cxnSpLocks/>
-            <a:stCxn id="82" idx="6"/>
-            <a:endCxn id="91" idx="2"/>
-          </p:cNvCxnSpPr>
-          <p:nvPr/>
-        </p:nvCxnSpPr>
-        <p:spPr>
-          <a:xfrm flipV="1">
-            <a:off x="5343362" y="842625"/>
-            <a:ext cx="322564" cy="898096"/>
-          </a:xfrm>
-          <a:prstGeom prst="line">
-            <a:avLst/>
-          </a:prstGeom>
-          <a:ln w="19050"/>
-        </p:spPr>
-        <p:style>
-          <a:lnRef idx="1">
-            <a:schemeClr val="dk1"/>
-          </a:lnRef>
-          <a:fillRef idx="0">
-            <a:schemeClr val="dk1"/>
-          </a:fillRef>
-          <a:effectRef idx="0">
-            <a:schemeClr val="dk1"/>
-          </a:effectRef>
-          <a:fontRef idx="minor">
-            <a:schemeClr val="tx1"/>
-          </a:fontRef>
-        </p:style>
-      </p:cxnSp>
-      <p:cxnSp>
-        <p:nvCxnSpPr>
-          <p:cNvPr id="191" name="直接连接符 190">
-            <a:extLst>
-              <a:ext uri="{FF2B5EF4-FFF2-40B4-BE49-F238E27FC236}">
-                <a16:creationId xmlns:a16="http://schemas.microsoft.com/office/drawing/2014/main" id="{4AF521CC-4326-4F85-9B08-A871BFA4C704}"/>
-              </a:ext>
-            </a:extLst>
-          </p:cNvPr>
-          <p:cNvCxnSpPr>
-            <a:cxnSpLocks/>
-            <a:stCxn id="81" idx="6"/>
-            <a:endCxn id="90" idx="2"/>
-          </p:cNvCxnSpPr>
-          <p:nvPr/>
-        </p:nvCxnSpPr>
-        <p:spPr>
-          <a:xfrm flipV="1">
-            <a:off x="5332948" y="392645"/>
-            <a:ext cx="351071" cy="898883"/>
-          </a:xfrm>
-          <a:prstGeom prst="line">
-            <a:avLst/>
-          </a:prstGeom>
-          <a:ln w="19050"/>
-        </p:spPr>
-        <p:style>
-          <a:lnRef idx="1">
-            <a:schemeClr val="dk1"/>
-          </a:lnRef>
-          <a:fillRef idx="0">
-            <a:schemeClr val="dk1"/>
-          </a:fillRef>
-          <a:effectRef idx="0">
-            <a:schemeClr val="dk1"/>
-          </a:effectRef>
-          <a:fontRef idx="minor">
-            <a:schemeClr val="tx1"/>
-          </a:fontRef>
-        </p:style>
-      </p:cxnSp>
-      <p:cxnSp>
-        <p:nvCxnSpPr>
-          <p:cNvPr id="194" name="直接连接符 193">
-            <a:extLst>
-              <a:ext uri="{FF2B5EF4-FFF2-40B4-BE49-F238E27FC236}">
-                <a16:creationId xmlns:a16="http://schemas.microsoft.com/office/drawing/2014/main" id="{4A9571EB-474B-4496-B961-C6C6625DF70C}"/>
-              </a:ext>
-            </a:extLst>
-          </p:cNvPr>
-          <p:cNvCxnSpPr>
-            <a:cxnSpLocks/>
-            <a:stCxn id="82" idx="6"/>
-            <a:endCxn id="90" idx="2"/>
-          </p:cNvCxnSpPr>
-          <p:nvPr/>
-        </p:nvCxnSpPr>
-        <p:spPr>
-          <a:xfrm flipV="1">
-            <a:off x="5343362" y="392645"/>
-            <a:ext cx="340657" cy="1348076"/>
-          </a:xfrm>
-          <a:prstGeom prst="line">
-            <a:avLst/>
-          </a:prstGeom>
-          <a:ln w="19050"/>
-        </p:spPr>
-        <p:style>
-          <a:lnRef idx="1">
-            <a:schemeClr val="dk1"/>
-          </a:lnRef>
-          <a:fillRef idx="0">
-            <a:schemeClr val="dk1"/>
-          </a:fillRef>
-          <a:effectRef idx="0">
-            <a:schemeClr val="dk1"/>
-          </a:effectRef>
-          <a:fontRef idx="minor">
-            <a:schemeClr val="tx1"/>
-          </a:fontRef>
-        </p:style>
-      </p:cxnSp>
-      <p:cxnSp>
-        <p:nvCxnSpPr>
-          <p:cNvPr id="197" name="直接连接符 196">
-            <a:extLst>
-              <a:ext uri="{FF2B5EF4-FFF2-40B4-BE49-F238E27FC236}">
-                <a16:creationId xmlns:a16="http://schemas.microsoft.com/office/drawing/2014/main" id="{CD41F4D6-A265-46AF-A28E-4D8734234156}"/>
-              </a:ext>
-            </a:extLst>
-          </p:cNvPr>
-          <p:cNvCxnSpPr>
-            <a:cxnSpLocks/>
-            <a:stCxn id="79" idx="6"/>
-            <a:endCxn id="161" idx="2"/>
-          </p:cNvCxnSpPr>
-          <p:nvPr/>
-        </p:nvCxnSpPr>
-        <p:spPr>
-          <a:xfrm>
-            <a:off x="5319017" y="390781"/>
-            <a:ext cx="370845" cy="899093"/>
-          </a:xfrm>
-          <a:prstGeom prst="line">
-            <a:avLst/>
-          </a:prstGeom>
-          <a:ln w="19050"/>
-        </p:spPr>
-        <p:style>
-          <a:lnRef idx="1">
-            <a:schemeClr val="dk1"/>
-          </a:lnRef>
-          <a:fillRef idx="0">
-            <a:schemeClr val="dk1"/>
-          </a:fillRef>
-          <a:effectRef idx="0">
-            <a:schemeClr val="dk1"/>
-          </a:effectRef>
-          <a:fontRef idx="minor">
-            <a:schemeClr val="tx1"/>
-          </a:fontRef>
-        </p:style>
-      </p:cxnSp>
-      <p:cxnSp>
-        <p:nvCxnSpPr>
-          <p:cNvPr id="200" name="直接连接符 199">
-            <a:extLst>
-              <a:ext uri="{FF2B5EF4-FFF2-40B4-BE49-F238E27FC236}">
-                <a16:creationId xmlns:a16="http://schemas.microsoft.com/office/drawing/2014/main" id="{C983ABAC-5A0F-41BA-ACCE-FC7AB0C5676F}"/>
-              </a:ext>
-            </a:extLst>
-          </p:cNvPr>
-          <p:cNvCxnSpPr>
-            <a:cxnSpLocks/>
-            <a:stCxn id="79" idx="6"/>
-            <a:endCxn id="113" idx="2"/>
-          </p:cNvCxnSpPr>
-          <p:nvPr/>
-        </p:nvCxnSpPr>
-        <p:spPr>
-          <a:xfrm>
-            <a:off x="5319017" y="390781"/>
-            <a:ext cx="359323" cy="1340298"/>
-          </a:xfrm>
-          <a:prstGeom prst="line">
-            <a:avLst/>
-          </a:prstGeom>
-          <a:ln w="19050"/>
-        </p:spPr>
-        <p:style>
-          <a:lnRef idx="1">
-            <a:schemeClr val="dk1"/>
-          </a:lnRef>
-          <a:fillRef idx="0">
-            <a:schemeClr val="dk1"/>
-          </a:fillRef>
-          <a:effectRef idx="0">
-            <a:schemeClr val="dk1"/>
-          </a:effectRef>
-          <a:fontRef idx="minor">
-            <a:schemeClr val="tx1"/>
-          </a:fontRef>
-        </p:style>
-      </p:cxnSp>
-      <p:cxnSp>
-        <p:nvCxnSpPr>
-          <p:cNvPr id="203" name="直接连接符 202">
-            <a:extLst>
-              <a:ext uri="{FF2B5EF4-FFF2-40B4-BE49-F238E27FC236}">
-                <a16:creationId xmlns:a16="http://schemas.microsoft.com/office/drawing/2014/main" id="{22A62E31-7B17-4C41-84DB-DD8D040688FF}"/>
-              </a:ext>
-            </a:extLst>
-          </p:cNvPr>
-          <p:cNvCxnSpPr>
-            <a:cxnSpLocks/>
-            <a:stCxn id="80" idx="6"/>
-            <a:endCxn id="113" idx="2"/>
-          </p:cNvCxnSpPr>
-          <p:nvPr/>
-        </p:nvCxnSpPr>
-        <p:spPr>
-          <a:xfrm>
-            <a:off x="5331498" y="850557"/>
-            <a:ext cx="346842" cy="880522"/>
-          </a:xfrm>
-          <a:prstGeom prst="line">
-            <a:avLst/>
-          </a:prstGeom>
-          <a:ln w="19050"/>
-        </p:spPr>
-        <p:style>
-          <a:lnRef idx="1">
-            <a:schemeClr val="dk1"/>
-          </a:lnRef>
-          <a:fillRef idx="0">
-            <a:schemeClr val="dk1"/>
-          </a:fillRef>
-          <a:effectRef idx="0">
-            <a:schemeClr val="dk1"/>
-          </a:effectRef>
-          <a:fontRef idx="minor">
-            <a:schemeClr val="tx1"/>
-          </a:fontRef>
-        </p:style>
-      </p:cxnSp>
-      <p:cxnSp>
-        <p:nvCxnSpPr>
-          <p:cNvPr id="206" name="直接连接符 205">
-            <a:extLst>
-              <a:ext uri="{FF2B5EF4-FFF2-40B4-BE49-F238E27FC236}">
-                <a16:creationId xmlns:a16="http://schemas.microsoft.com/office/drawing/2014/main" id="{A199A4D4-6677-486B-9D45-972459640D8C}"/>
-              </a:ext>
-            </a:extLst>
-          </p:cNvPr>
-          <p:cNvCxnSpPr>
-            <a:cxnSpLocks/>
-            <a:stCxn id="90" idx="6"/>
-            <a:endCxn id="117" idx="2"/>
-          </p:cNvCxnSpPr>
-          <p:nvPr/>
-        </p:nvCxnSpPr>
-        <p:spPr>
-          <a:xfrm>
-            <a:off x="6012604" y="392645"/>
-            <a:ext cx="353968" cy="145174"/>
-          </a:xfrm>
-          <a:prstGeom prst="line">
-            <a:avLst/>
-          </a:prstGeom>
-          <a:ln w="19050"/>
-        </p:spPr>
-        <p:style>
-          <a:lnRef idx="1">
-            <a:schemeClr val="dk1"/>
-          </a:lnRef>
-          <a:fillRef idx="0">
-            <a:schemeClr val="dk1"/>
-          </a:fillRef>
-          <a:effectRef idx="0">
-            <a:schemeClr val="dk1"/>
-          </a:effectRef>
-          <a:fontRef idx="minor">
-            <a:schemeClr val="tx1"/>
-          </a:fontRef>
-        </p:style>
-      </p:cxnSp>
-      <p:cxnSp>
-        <p:nvCxnSpPr>
-          <p:cNvPr id="209" name="直接连接符 208">
-            <a:extLst>
-              <a:ext uri="{FF2B5EF4-FFF2-40B4-BE49-F238E27FC236}">
-                <a16:creationId xmlns:a16="http://schemas.microsoft.com/office/drawing/2014/main" id="{8CB7D568-8591-49A6-9AAE-9FBE744350F1}"/>
-              </a:ext>
-            </a:extLst>
-          </p:cNvPr>
-          <p:cNvCxnSpPr>
-            <a:cxnSpLocks/>
-            <a:stCxn id="90" idx="6"/>
-            <a:endCxn id="118" idx="2"/>
-          </p:cNvCxnSpPr>
-          <p:nvPr/>
-        </p:nvCxnSpPr>
-        <p:spPr>
-          <a:xfrm>
-            <a:off x="6012604" y="392645"/>
-            <a:ext cx="347514" cy="601134"/>
-          </a:xfrm>
-          <a:prstGeom prst="line">
-            <a:avLst/>
-          </a:prstGeom>
-          <a:ln w="19050"/>
-        </p:spPr>
-        <p:style>
-          <a:lnRef idx="1">
-            <a:schemeClr val="dk1"/>
-          </a:lnRef>
-          <a:fillRef idx="0">
-            <a:schemeClr val="dk1"/>
-          </a:fillRef>
-          <a:effectRef idx="0">
-            <a:schemeClr val="dk1"/>
-          </a:effectRef>
-          <a:fontRef idx="minor">
-            <a:schemeClr val="tx1"/>
-          </a:fontRef>
-        </p:style>
-      </p:cxnSp>
-      <p:cxnSp>
-        <p:nvCxnSpPr>
-          <p:cNvPr id="212" name="直接连接符 211">
-            <a:extLst>
-              <a:ext uri="{FF2B5EF4-FFF2-40B4-BE49-F238E27FC236}">
-                <a16:creationId xmlns:a16="http://schemas.microsoft.com/office/drawing/2014/main" id="{1C853476-BAA0-460B-BB4F-ECE25C34A67B}"/>
-              </a:ext>
-            </a:extLst>
-          </p:cNvPr>
-          <p:cNvCxnSpPr>
-            <a:cxnSpLocks/>
-            <a:stCxn id="90" idx="6"/>
-            <a:endCxn id="119" idx="2"/>
-          </p:cNvCxnSpPr>
-          <p:nvPr/>
-        </p:nvCxnSpPr>
-        <p:spPr>
-          <a:xfrm>
-            <a:off x="6012604" y="392645"/>
-            <a:ext cx="347514" cy="1092761"/>
-          </a:xfrm>
-          <a:prstGeom prst="line">
-            <a:avLst/>
-          </a:prstGeom>
-          <a:ln w="19050"/>
-        </p:spPr>
-        <p:style>
-          <a:lnRef idx="1">
-            <a:schemeClr val="dk1"/>
-          </a:lnRef>
-          <a:fillRef idx="0">
-            <a:schemeClr val="dk1"/>
-          </a:fillRef>
-          <a:effectRef idx="0">
-            <a:schemeClr val="dk1"/>
-          </a:effectRef>
-          <a:fontRef idx="minor">
-            <a:schemeClr val="tx1"/>
-          </a:fontRef>
-        </p:style>
-      </p:cxnSp>
-      <p:cxnSp>
-        <p:nvCxnSpPr>
-          <p:cNvPr id="216" name="直接连接符 215">
-            <a:extLst>
-              <a:ext uri="{FF2B5EF4-FFF2-40B4-BE49-F238E27FC236}">
-                <a16:creationId xmlns:a16="http://schemas.microsoft.com/office/drawing/2014/main" id="{FE2CFEEE-2E8E-4224-B53A-F35BB0F50192}"/>
-              </a:ext>
-            </a:extLst>
-          </p:cNvPr>
-          <p:cNvCxnSpPr>
-            <a:cxnSpLocks/>
-            <a:stCxn id="91" idx="6"/>
-            <a:endCxn id="118" idx="2"/>
-          </p:cNvCxnSpPr>
-          <p:nvPr/>
-        </p:nvCxnSpPr>
-        <p:spPr>
-          <a:xfrm>
-            <a:off x="5994729" y="842625"/>
-            <a:ext cx="365389" cy="151154"/>
-          </a:xfrm>
-          <a:prstGeom prst="line">
-            <a:avLst/>
-          </a:prstGeom>
-          <a:ln w="19050"/>
-        </p:spPr>
-        <p:style>
-          <a:lnRef idx="1">
-            <a:schemeClr val="dk1"/>
-          </a:lnRef>
-          <a:fillRef idx="0">
-            <a:schemeClr val="dk1"/>
-          </a:fillRef>
-          <a:effectRef idx="0">
-            <a:schemeClr val="dk1"/>
-          </a:effectRef>
-          <a:fontRef idx="minor">
-            <a:schemeClr val="tx1"/>
-          </a:fontRef>
-        </p:style>
-      </p:cxnSp>
-      <p:cxnSp>
-        <p:nvCxnSpPr>
-          <p:cNvPr id="219" name="直接连接符 218">
-            <a:extLst>
-              <a:ext uri="{FF2B5EF4-FFF2-40B4-BE49-F238E27FC236}">
-                <a16:creationId xmlns:a16="http://schemas.microsoft.com/office/drawing/2014/main" id="{658C67EC-F703-4F1E-9598-E6489B80351F}"/>
-              </a:ext>
-            </a:extLst>
-          </p:cNvPr>
-          <p:cNvCxnSpPr>
-            <a:cxnSpLocks/>
-            <a:stCxn id="91" idx="6"/>
-            <a:endCxn id="117" idx="2"/>
-          </p:cNvCxnSpPr>
-          <p:nvPr/>
-        </p:nvCxnSpPr>
-        <p:spPr>
-          <a:xfrm flipV="1">
-            <a:off x="5994729" y="537819"/>
-            <a:ext cx="371843" cy="304806"/>
-          </a:xfrm>
-          <a:prstGeom prst="line">
-            <a:avLst/>
-          </a:prstGeom>
-          <a:ln w="19050"/>
-        </p:spPr>
-        <p:style>
-          <a:lnRef idx="1">
-            <a:schemeClr val="dk1"/>
-          </a:lnRef>
-          <a:fillRef idx="0">
-            <a:schemeClr val="dk1"/>
-          </a:fillRef>
-          <a:effectRef idx="0">
-            <a:schemeClr val="dk1"/>
-          </a:effectRef>
-          <a:fontRef idx="minor">
-            <a:schemeClr val="tx1"/>
-          </a:fontRef>
-        </p:style>
-      </p:cxnSp>
-      <p:cxnSp>
-        <p:nvCxnSpPr>
-          <p:cNvPr id="222" name="直接连接符 221">
-            <a:extLst>
-              <a:ext uri="{FF2B5EF4-FFF2-40B4-BE49-F238E27FC236}">
-                <a16:creationId xmlns:a16="http://schemas.microsoft.com/office/drawing/2014/main" id="{CE45685C-7671-4B45-A7F2-20C5C0CDDE9C}"/>
-              </a:ext>
-            </a:extLst>
-          </p:cNvPr>
-          <p:cNvCxnSpPr>
-            <a:cxnSpLocks/>
-            <a:stCxn id="91" idx="6"/>
-            <a:endCxn id="119" idx="2"/>
-          </p:cNvCxnSpPr>
-          <p:nvPr/>
-        </p:nvCxnSpPr>
-        <p:spPr>
-          <a:xfrm>
-            <a:off x="5994729" y="842625"/>
-            <a:ext cx="365389" cy="642781"/>
-          </a:xfrm>
-          <a:prstGeom prst="line">
-            <a:avLst/>
-          </a:prstGeom>
-          <a:ln w="19050"/>
-        </p:spPr>
-        <p:style>
-          <a:lnRef idx="1">
-            <a:schemeClr val="dk1"/>
-          </a:lnRef>
-          <a:fillRef idx="0">
-            <a:schemeClr val="dk1"/>
-          </a:fillRef>
-          <a:effectRef idx="0">
-            <a:schemeClr val="dk1"/>
-          </a:effectRef>
-          <a:fontRef idx="minor">
-            <a:schemeClr val="tx1"/>
-          </a:fontRef>
-        </p:style>
-      </p:cxnSp>
-      <p:cxnSp>
-        <p:nvCxnSpPr>
-          <p:cNvPr id="225" name="直接连接符 224">
-            <a:extLst>
-              <a:ext uri="{FF2B5EF4-FFF2-40B4-BE49-F238E27FC236}">
-                <a16:creationId xmlns:a16="http://schemas.microsoft.com/office/drawing/2014/main" id="{F280101D-3757-4353-BB66-6F8FAAB1C906}"/>
-              </a:ext>
-            </a:extLst>
-          </p:cNvPr>
-          <p:cNvCxnSpPr>
-            <a:cxnSpLocks/>
-            <a:stCxn id="161" idx="6"/>
-            <a:endCxn id="118" idx="2"/>
-          </p:cNvCxnSpPr>
-          <p:nvPr/>
-        </p:nvCxnSpPr>
-        <p:spPr>
-          <a:xfrm flipV="1">
-            <a:off x="6018665" y="993779"/>
-            <a:ext cx="341453" cy="296095"/>
-          </a:xfrm>
-          <a:prstGeom prst="line">
-            <a:avLst/>
-          </a:prstGeom>
-          <a:ln w="19050"/>
-        </p:spPr>
-        <p:style>
-          <a:lnRef idx="1">
-            <a:schemeClr val="dk1"/>
-          </a:lnRef>
-          <a:fillRef idx="0">
-            <a:schemeClr val="dk1"/>
-          </a:fillRef>
-          <a:effectRef idx="0">
-            <a:schemeClr val="dk1"/>
-          </a:effectRef>
-          <a:fontRef idx="minor">
-            <a:schemeClr val="tx1"/>
-          </a:fontRef>
-        </p:style>
-      </p:cxnSp>
-      <p:cxnSp>
-        <p:nvCxnSpPr>
-          <p:cNvPr id="228" name="直接连接符 227">
-            <a:extLst>
-              <a:ext uri="{FF2B5EF4-FFF2-40B4-BE49-F238E27FC236}">
-                <a16:creationId xmlns:a16="http://schemas.microsoft.com/office/drawing/2014/main" id="{AC493294-59E2-45AA-8E00-B4F3862B62C1}"/>
-              </a:ext>
-            </a:extLst>
-          </p:cNvPr>
-          <p:cNvCxnSpPr>
-            <a:cxnSpLocks/>
-            <a:stCxn id="161" idx="6"/>
-            <a:endCxn id="117" idx="2"/>
-          </p:cNvCxnSpPr>
-          <p:nvPr/>
-        </p:nvCxnSpPr>
-        <p:spPr>
-          <a:xfrm flipV="1">
-            <a:off x="6018665" y="537819"/>
-            <a:ext cx="347907" cy="752055"/>
-          </a:xfrm>
-          <a:prstGeom prst="line">
-            <a:avLst/>
-          </a:prstGeom>
-          <a:ln w="19050"/>
-        </p:spPr>
-        <p:style>
-          <a:lnRef idx="1">
-            <a:schemeClr val="dk1"/>
-          </a:lnRef>
-          <a:fillRef idx="0">
-            <a:schemeClr val="dk1"/>
-          </a:fillRef>
-          <a:effectRef idx="0">
-            <a:schemeClr val="dk1"/>
-          </a:effectRef>
-          <a:fontRef idx="minor">
-            <a:schemeClr val="tx1"/>
-          </a:fontRef>
-        </p:style>
-      </p:cxnSp>
-      <p:cxnSp>
-        <p:nvCxnSpPr>
-          <p:cNvPr id="231" name="直接连接符 230">
-            <a:extLst>
-              <a:ext uri="{FF2B5EF4-FFF2-40B4-BE49-F238E27FC236}">
-                <a16:creationId xmlns:a16="http://schemas.microsoft.com/office/drawing/2014/main" id="{F19AEA0D-EA2A-49D5-94A0-3D65EC122A64}"/>
-              </a:ext>
-            </a:extLst>
-          </p:cNvPr>
-          <p:cNvCxnSpPr>
-            <a:cxnSpLocks/>
-            <a:stCxn id="161" idx="6"/>
-            <a:endCxn id="119" idx="2"/>
-          </p:cNvCxnSpPr>
-          <p:nvPr/>
-        </p:nvCxnSpPr>
-        <p:spPr>
-          <a:xfrm>
-            <a:off x="6018665" y="1289874"/>
-            <a:ext cx="341453" cy="195532"/>
-          </a:xfrm>
-          <a:prstGeom prst="line">
-            <a:avLst/>
-          </a:prstGeom>
-          <a:ln w="19050"/>
-        </p:spPr>
-        <p:style>
-          <a:lnRef idx="1">
-            <a:schemeClr val="dk1"/>
-          </a:lnRef>
-          <a:fillRef idx="0">
-            <a:schemeClr val="dk1"/>
-          </a:fillRef>
-          <a:effectRef idx="0">
-            <a:schemeClr val="dk1"/>
-          </a:effectRef>
-          <a:fontRef idx="minor">
-            <a:schemeClr val="tx1"/>
-          </a:fontRef>
-        </p:style>
-      </p:cxnSp>
-      <p:cxnSp>
-        <p:nvCxnSpPr>
-          <p:cNvPr id="234" name="直接连接符 233">
-            <a:extLst>
-              <a:ext uri="{FF2B5EF4-FFF2-40B4-BE49-F238E27FC236}">
-                <a16:creationId xmlns:a16="http://schemas.microsoft.com/office/drawing/2014/main" id="{5C8EF485-AD69-4785-912A-39972D462534}"/>
-              </a:ext>
-            </a:extLst>
-          </p:cNvPr>
-          <p:cNvCxnSpPr>
-            <a:cxnSpLocks/>
-            <a:stCxn id="113" idx="6"/>
-            <a:endCxn id="117" idx="2"/>
-          </p:cNvCxnSpPr>
-          <p:nvPr/>
-        </p:nvCxnSpPr>
-        <p:spPr>
-          <a:xfrm flipV="1">
-            <a:off x="6032486" y="537819"/>
-            <a:ext cx="334086" cy="1193260"/>
-          </a:xfrm>
-          <a:prstGeom prst="line">
-            <a:avLst/>
-          </a:prstGeom>
-          <a:ln w="19050"/>
-        </p:spPr>
-        <p:style>
-          <a:lnRef idx="1">
-            <a:schemeClr val="dk1"/>
-          </a:lnRef>
-          <a:fillRef idx="0">
-            <a:schemeClr val="dk1"/>
-          </a:fillRef>
-          <a:effectRef idx="0">
-            <a:schemeClr val="dk1"/>
-          </a:effectRef>
-          <a:fontRef idx="minor">
-            <a:schemeClr val="tx1"/>
-          </a:fontRef>
-        </p:style>
-      </p:cxnSp>
-      <p:cxnSp>
-        <p:nvCxnSpPr>
-          <p:cNvPr id="237" name="直接连接符 236">
-            <a:extLst>
-              <a:ext uri="{FF2B5EF4-FFF2-40B4-BE49-F238E27FC236}">
-                <a16:creationId xmlns:a16="http://schemas.microsoft.com/office/drawing/2014/main" id="{57375D1A-8E45-4A87-952A-0DB4F6B0CC71}"/>
-              </a:ext>
-            </a:extLst>
-          </p:cNvPr>
-          <p:cNvCxnSpPr>
-            <a:cxnSpLocks/>
-            <a:stCxn id="113" idx="6"/>
-            <a:endCxn id="118" idx="2"/>
-          </p:cNvCxnSpPr>
-          <p:nvPr/>
-        </p:nvCxnSpPr>
-        <p:spPr>
-          <a:xfrm flipV="1">
-            <a:off x="6032486" y="993779"/>
-            <a:ext cx="327632" cy="737300"/>
-          </a:xfrm>
-          <a:prstGeom prst="line">
-            <a:avLst/>
-          </a:prstGeom>
-          <a:ln w="19050"/>
-        </p:spPr>
-        <p:style>
-          <a:lnRef idx="1">
-            <a:schemeClr val="dk1"/>
-          </a:lnRef>
-          <a:fillRef idx="0">
-            <a:schemeClr val="dk1"/>
-          </a:fillRef>
-          <a:effectRef idx="0">
-            <a:schemeClr val="dk1"/>
-          </a:effectRef>
-          <a:fontRef idx="minor">
-            <a:schemeClr val="tx1"/>
-          </a:fontRef>
-        </p:style>
-      </p:cxnSp>
-      <p:cxnSp>
-        <p:nvCxnSpPr>
-          <p:cNvPr id="240" name="直接连接符 239">
-            <a:extLst>
-              <a:ext uri="{FF2B5EF4-FFF2-40B4-BE49-F238E27FC236}">
-                <a16:creationId xmlns:a16="http://schemas.microsoft.com/office/drawing/2014/main" id="{96DA999D-CE2D-4934-9AFD-CF507AD30192}"/>
-              </a:ext>
-            </a:extLst>
-          </p:cNvPr>
-          <p:cNvCxnSpPr>
-            <a:cxnSpLocks/>
-            <a:stCxn id="113" idx="6"/>
-            <a:endCxn id="119" idx="2"/>
-          </p:cNvCxnSpPr>
-          <p:nvPr/>
-        </p:nvCxnSpPr>
-        <p:spPr>
-          <a:xfrm flipV="1">
-            <a:off x="6032486" y="1485406"/>
-            <a:ext cx="327632" cy="245673"/>
-          </a:xfrm>
-          <a:prstGeom prst="line">
-            <a:avLst/>
-          </a:prstGeom>
-          <a:ln w="19050"/>
-        </p:spPr>
-        <p:style>
-          <a:lnRef idx="1">
-            <a:schemeClr val="dk1"/>
-          </a:lnRef>
-          <a:fillRef idx="0">
-            <a:schemeClr val="dk1"/>
-          </a:fillRef>
-          <a:effectRef idx="0">
-            <a:schemeClr val="dk1"/>
-          </a:effectRef>
-          <a:fontRef idx="minor">
-            <a:schemeClr val="tx1"/>
-          </a:fontRef>
-        </p:style>
-      </p:cxnSp>
-      <p:sp>
-        <p:nvSpPr>
-          <p:cNvPr id="85" name="箭头: 右 84">
-            <a:extLst>
-              <a:ext uri="{FF2B5EF4-FFF2-40B4-BE49-F238E27FC236}">
-                <a16:creationId xmlns:a16="http://schemas.microsoft.com/office/drawing/2014/main" id="{63850C19-BB3C-468D-A891-7877466D3F42}"/>
-              </a:ext>
-            </a:extLst>
-          </p:cNvPr>
-          <p:cNvSpPr/>
-          <p:nvPr/>
-        </p:nvSpPr>
-        <p:spPr>
-          <a:xfrm>
-            <a:off x="8309578" y="1277528"/>
-            <a:ext cx="1928002" cy="314875"/>
-          </a:xfrm>
-          <a:prstGeom prst="rightArrow">
-            <a:avLst/>
-          </a:prstGeom>
-          <a:ln w="28575">
+          <a:solidFill>
+            <a:schemeClr val="bg2"/>
+          </a:solidFill>
+          <a:ln w="19050">
             <a:solidFill>
               <a:schemeClr val="tx1"/>
             </a:solidFill>
           </a:ln>
+          <a:effectLst>
+            <a:outerShdw blurRad="50800" dist="38100" dir="2700000" algn="tl" rotWithShape="0">
+              <a:prstClr val="black">
+                <a:alpha val="40000"/>
+              </a:prstClr>
+            </a:outerShdw>
+          </a:effectLst>
         </p:spPr>
         <p:style>
           <a:lnRef idx="2">
@@ -8506,82 +8688,52 @@
           </a:fontRef>
         </p:style>
         <p:txBody>
-          <a:bodyPr rot="0" spcFirstLastPara="0" vertOverflow="overflow" horzOverflow="overflow" vert="horz" wrap="square" lIns="91440" tIns="45721" rIns="91440" bIns="45721" numCol="1" spcCol="0" rtlCol="0" fromWordArt="0" anchor="ctr" anchorCtr="0" forceAA="0" compatLnSpc="1">
-            <a:prstTxWarp prst="textNoShape">
-              <a:avLst/>
-            </a:prstTxWarp>
-            <a:noAutofit/>
-          </a:bodyPr>
+          <a:bodyPr rtlCol="0" anchor="ctr"/>
           <a:lstStyle/>
           <a:p>
             <a:pPr algn="ctr"/>
-            <a:endParaRPr lang="zh-CN" altLang="en-US" sz="1799" dirty="0">
-              <a:ln>
-                <a:solidFill>
-                  <a:schemeClr val="bg1"/>
-                </a:solidFill>
-              </a:ln>
+            <a:endParaRPr lang="en-US" altLang="zh-CN" sz="1500" dirty="0">
+              <a:latin typeface="Consolas" panose="020B0609020204030204" pitchFamily="49" charset="0"/>
             </a:endParaRPr>
           </a:p>
         </p:txBody>
       </p:sp>
       <p:sp>
         <p:nvSpPr>
-          <p:cNvPr id="22" name="箭头: 直角上 21">
+          <p:cNvPr id="97" name="文本框 96">
             <a:extLst>
               <a:ext uri="{FF2B5EF4-FFF2-40B4-BE49-F238E27FC236}">
-                <a16:creationId xmlns:a16="http://schemas.microsoft.com/office/drawing/2014/main" id="{0352FA02-02C8-4D96-84EA-BFA6992B3359}"/>
+                <a16:creationId xmlns:a16="http://schemas.microsoft.com/office/drawing/2014/main" id="{19B07E79-483C-4AC2-AA67-12D41747FD61}"/>
               </a:ext>
             </a:extLst>
           </p:cNvPr>
-          <p:cNvSpPr/>
+          <p:cNvSpPr txBox="1"/>
           <p:nvPr/>
         </p:nvSpPr>
         <p:spPr>
-          <a:xfrm rot="16200000">
-            <a:off x="9342379" y="-796875"/>
-            <a:ext cx="736955" cy="2802558"/>
-          </a:xfrm>
-          <a:prstGeom prst="bentUpArrow">
-            <a:avLst>
-              <a:gd name="adj1" fmla="val 25000"/>
-              <a:gd name="adj2" fmla="val 24583"/>
-              <a:gd name="adj3" fmla="val 25000"/>
-            </a:avLst>
+          <a:xfrm>
+            <a:off x="10484661" y="1220439"/>
+            <a:ext cx="1445746" cy="369332"/>
+          </a:xfrm>
+          <a:prstGeom prst="rect">
+            <a:avLst/>
           </a:prstGeom>
-          <a:ln w="28575">
-            <a:solidFill>
-              <a:schemeClr val="tx1"/>
-            </a:solidFill>
-          </a:ln>
-        </p:spPr>
-        <p:style>
-          <a:lnRef idx="2">
-            <a:schemeClr val="accent1">
-              <a:shade val="50000"/>
-            </a:schemeClr>
-          </a:lnRef>
-          <a:fillRef idx="1">
-            <a:schemeClr val="accent1"/>
-          </a:fillRef>
-          <a:effectRef idx="0">
-            <a:schemeClr val="accent1"/>
-          </a:effectRef>
-          <a:fontRef idx="minor">
-            <a:schemeClr val="lt1"/>
-          </a:fontRef>
-        </p:style>
-        <p:txBody>
-          <a:bodyPr rtlCol="0" anchor="ctr"/>
+          <a:noFill/>
+        </p:spPr>
+        <p:txBody>
+          <a:bodyPr wrap="square" rtlCol="0">
+            <a:spAutoFit/>
+          </a:bodyPr>
           <a:lstStyle/>
           <a:p>
-            <a:pPr algn="ctr"/>
-            <a:endParaRPr lang="zh-CN" altLang="en-US">
-              <a:ln w="38100">
-                <a:solidFill>
-                  <a:schemeClr val="tx1"/>
-                </a:solidFill>
-              </a:ln>
+            <a:r>
+              <a:rPr lang="en-US" altLang="zh-CN" b="1" dirty="0">
+                <a:ea typeface="微软雅黑" panose="020B0503020204020204" pitchFamily="34" charset="-122"/>
+              </a:rPr>
+              <a:t>Inference</a:t>
+            </a:r>
+            <a:endParaRPr lang="zh-CN" altLang="en-US" b="1" dirty="0">
+              <a:ea typeface="微软雅黑" panose="020B0503020204020204" pitchFamily="34" charset="-122"/>
             </a:endParaRPr>
           </a:p>
         </p:txBody>
